--- a/2023-4-9.pptx
+++ b/2023-4-9.pptx
@@ -21,7 +21,7 @@
     <p:sldId id="273" r:id="rId12"/>
     <p:sldId id="304" r:id="rId13"/>
     <p:sldId id="305" r:id="rId14"/>
-    <p:sldId id="294" r:id="rId15"/>
+    <p:sldId id="309" r:id="rId15"/>
     <p:sldId id="263" r:id="rId16"/>
     <p:sldId id="306" r:id="rId17"/>
     <p:sldId id="307" r:id="rId18"/>
@@ -2013,7 +2013,7 @@
   <dgm:whole/>
   <dgm:extLst>
     <a:ext uri="http://schemas.microsoft.com/office/drawing/2008/diagram">
-      <dsp:dataModelExt xmlns:dsp="http://schemas.microsoft.com/office/drawing/2008/diagram" relId="rId10" minVer="http://schemas.openxmlformats.org/drawingml/2006/diagram"/>
+      <dsp:dataModelExt xmlns:dsp="http://schemas.microsoft.com/office/drawing/2008/diagram" relId="rId9" minVer="http://schemas.openxmlformats.org/drawingml/2006/diagram"/>
     </a:ext>
   </dgm:extLst>
 </dgm:dataModel>
@@ -4849,7 +4849,10 @@
           <a:bodyPr/>
           <a:lstStyle/>
           <a:p>
-            <a:endParaRPr lang="zh-CN" altLang="en-US"/>
+            <a:r>
+              <a:rPr lang="zh-CN" altLang="en-US" dirty="0"/>
+              <a:t>基本思路已经说过，</a:t>
+            </a:r>
           </a:p>
         </p:txBody>
       </p:sp>
@@ -4928,7 +4931,167 @@
           <a:bodyPr/>
           <a:lstStyle/>
           <a:p>
-            <a:endParaRPr lang="zh-CN" altLang="en-US"/>
+            <a:r>
+              <a:rPr lang="zh-CN" altLang="en-US" dirty="0"/>
+              <a:t>自然的想法</a:t>
+            </a:r>
+            <a:r>
+              <a:rPr lang="en-US" altLang="zh-CN" dirty="0">
+                <a:sym typeface="Wingdings" panose="05000000000000000000" pitchFamily="2" charset="2"/>
+              </a:rPr>
+              <a:t></a:t>
+            </a:r>
+          </a:p>
+          <a:p>
+            <a:r>
+              <a:rPr lang="zh-CN" altLang="en-US" dirty="0">
+                <a:sym typeface="Wingdings" panose="05000000000000000000" pitchFamily="2" charset="2"/>
+              </a:rPr>
+              <a:t>有理论依据的多次测量</a:t>
+            </a:r>
+            <a:endParaRPr lang="en-US" altLang="zh-CN" dirty="0">
+              <a:sym typeface="Wingdings" panose="05000000000000000000" pitchFamily="2" charset="2"/>
+            </a:endParaRPr>
+          </a:p>
+          <a:p>
+            <a:r>
+              <a:rPr lang="en-US" altLang="zh-CN" dirty="0">
+                <a:sym typeface="Wingdings" panose="05000000000000000000" pitchFamily="2" charset="2"/>
+              </a:rPr>
+              <a:t>(</a:t>
+            </a:r>
+            <a:r>
+              <a:rPr lang="zh-CN" altLang="en-US" dirty="0">
+                <a:sym typeface="Wingdings" panose="05000000000000000000" pitchFamily="2" charset="2"/>
+              </a:rPr>
+              <a:t>蒙特卡洛方法</a:t>
+            </a:r>
+            <a:r>
+              <a:rPr lang="en-US" altLang="zh-CN" dirty="0">
+                <a:sym typeface="Wingdings" panose="05000000000000000000" pitchFamily="2" charset="2"/>
+              </a:rPr>
+              <a:t>)</a:t>
+            </a:r>
+          </a:p>
+          <a:p>
+            <a:r>
+              <a:rPr lang="zh-CN" altLang="en-US" dirty="0">
+                <a:sym typeface="Wingdings" panose="05000000000000000000" pitchFamily="2" charset="2"/>
+              </a:rPr>
+              <a:t>大数定律</a:t>
+            </a:r>
+            <a:r>
+              <a:rPr lang="en-US" altLang="zh-CN" dirty="0">
+                <a:sym typeface="Wingdings" panose="05000000000000000000" pitchFamily="2" charset="2"/>
+              </a:rPr>
+              <a:t></a:t>
+            </a:r>
+          </a:p>
+          <a:p>
+            <a:r>
+              <a:rPr lang="zh-CN" altLang="en-US" dirty="0">
+                <a:sym typeface="Wingdings" panose="05000000000000000000" pitchFamily="2" charset="2"/>
+              </a:rPr>
+              <a:t>平均值 </a:t>
+            </a:r>
+            <a:r>
+              <a:rPr lang="en-US" altLang="zh-CN" dirty="0">
+                <a:sym typeface="Wingdings" panose="05000000000000000000" pitchFamily="2" charset="2"/>
+              </a:rPr>
+              <a:t>== </a:t>
+            </a:r>
+            <a:r>
+              <a:rPr lang="zh-CN" altLang="en-US" dirty="0">
+                <a:sym typeface="Wingdings" panose="05000000000000000000" pitchFamily="2" charset="2"/>
+              </a:rPr>
+              <a:t>估计值</a:t>
+            </a:r>
+            <a:endParaRPr lang="en-US" altLang="zh-CN" dirty="0">
+              <a:sym typeface="Wingdings" panose="05000000000000000000" pitchFamily="2" charset="2"/>
+            </a:endParaRPr>
+          </a:p>
+          <a:p>
+            <a:r>
+              <a:rPr lang="zh-CN" altLang="en-US" dirty="0">
+                <a:sym typeface="Wingdings" panose="05000000000000000000" pitchFamily="2" charset="2"/>
+              </a:rPr>
+              <a:t>计算出数据标准差</a:t>
+            </a:r>
+            <a:r>
+              <a:rPr lang="en-US" altLang="zh-CN" dirty="0">
+                <a:sym typeface="Wingdings" panose="05000000000000000000" pitchFamily="2" charset="2"/>
+              </a:rPr>
+              <a:t></a:t>
+            </a:r>
+          </a:p>
+          <a:p>
+            <a:r>
+              <a:rPr lang="zh-CN" altLang="en-US" dirty="0">
+                <a:sym typeface="Wingdings" panose="05000000000000000000" pitchFamily="2" charset="2"/>
+              </a:rPr>
+              <a:t>对每组</a:t>
+            </a:r>
+            <a:r>
+              <a:rPr lang="en-US" altLang="zh-CN" dirty="0">
+                <a:sym typeface="Wingdings" panose="05000000000000000000" pitchFamily="2" charset="2"/>
+              </a:rPr>
+              <a:t>XY</a:t>
+            </a:r>
+            <a:r>
+              <a:rPr lang="zh-CN" altLang="en-US" dirty="0">
+                <a:sym typeface="Wingdings" panose="05000000000000000000" pitchFamily="2" charset="2"/>
+              </a:rPr>
+              <a:t>均进行了</a:t>
+            </a:r>
+            <a:r>
+              <a:rPr lang="en-US" altLang="zh-CN" dirty="0">
+                <a:sym typeface="Wingdings" panose="05000000000000000000" pitchFamily="2" charset="2"/>
+              </a:rPr>
+              <a:t>R</a:t>
+            </a:r>
+            <a:r>
+              <a:rPr lang="zh-CN" altLang="en-US" dirty="0">
+                <a:sym typeface="Wingdings" panose="05000000000000000000" pitchFamily="2" charset="2"/>
+              </a:rPr>
+              <a:t>次测量</a:t>
+            </a:r>
+            <a:r>
+              <a:rPr lang="en-US" altLang="zh-CN" dirty="0">
+                <a:sym typeface="Wingdings" panose="05000000000000000000" pitchFamily="2" charset="2"/>
+              </a:rPr>
+              <a:t>(Click_1)</a:t>
+            </a:r>
+          </a:p>
+          <a:p>
+            <a:r>
+              <a:rPr lang="zh-CN" altLang="en-US" dirty="0">
+                <a:sym typeface="Wingdings" panose="05000000000000000000" pitchFamily="2" charset="2"/>
+              </a:rPr>
+              <a:t>结果</a:t>
+            </a:r>
+            <a:r>
+              <a:rPr lang="en-US" altLang="zh-CN" dirty="0">
+                <a:sym typeface="Wingdings" panose="05000000000000000000" pitchFamily="2" charset="2"/>
+              </a:rPr>
+              <a:t>(Click_2)</a:t>
+            </a:r>
+          </a:p>
+          <a:p>
+            <a:r>
+              <a:rPr lang="en-US" altLang="zh-CN" dirty="0">
+                <a:sym typeface="Wingdings" panose="05000000000000000000" pitchFamily="2" charset="2"/>
+              </a:rPr>
+              <a:t>MC</a:t>
+            </a:r>
+            <a:r>
+              <a:rPr lang="zh-CN" altLang="en-US" dirty="0">
+                <a:sym typeface="Wingdings" panose="05000000000000000000" pitchFamily="2" charset="2"/>
+              </a:rPr>
+              <a:t>方法在本次测量还有一个重要作用：（第三部分详细讲解）</a:t>
+            </a:r>
+            <a:endParaRPr lang="en-US" altLang="zh-CN" dirty="0">
+              <a:sym typeface="Wingdings" panose="05000000000000000000" pitchFamily="2" charset="2"/>
+            </a:endParaRPr>
           </a:p>
         </p:txBody>
       </p:sp>
@@ -5012,7 +5175,22 @@
           <a:bodyPr/>
           <a:lstStyle/>
           <a:p>
-            <a:endParaRPr lang="zh-CN" altLang="en-US"/>
+            <a:r>
+              <a:rPr lang="en-US" altLang="zh-CN" dirty="0"/>
+              <a:t>A, B</a:t>
+            </a:r>
+            <a:r>
+              <a:rPr lang="zh-CN" altLang="en-US" dirty="0"/>
+              <a:t>类不确定度的方和根合成</a:t>
+            </a:r>
+            <a:endParaRPr lang="en-US" altLang="zh-CN" dirty="0"/>
+          </a:p>
+          <a:p>
+            <a:r>
+              <a:rPr lang="zh-CN" altLang="en-US" dirty="0"/>
+              <a:t>（不多说）</a:t>
+            </a:r>
+            <a:endParaRPr lang="en-US" altLang="zh-CN" dirty="0"/>
           </a:p>
         </p:txBody>
       </p:sp>
@@ -5096,7 +5274,74 @@
           <a:bodyPr/>
           <a:lstStyle/>
           <a:p>
-            <a:endParaRPr lang="zh-CN" altLang="en-US"/>
+            <a:pPr marL="0" marR="0" lvl="0" indent="0" algn="l" defTabSz="914400" rtl="0" eaLnBrk="1" fontAlgn="auto" latinLnBrk="0" hangingPunct="1">
+              <a:lnSpc>
+                <a:spcPct val="100000"/>
+              </a:lnSpc>
+              <a:spcBef>
+                <a:spcPts val="0"/>
+              </a:spcBef>
+              <a:spcAft>
+                <a:spcPts val="0"/>
+              </a:spcAft>
+              <a:buClrTx/>
+              <a:buSzTx/>
+              <a:buFontTx/>
+              <a:buNone/>
+              <a:tabLst/>
+              <a:defRPr/>
+            </a:pPr>
+            <a:r>
+              <a:rPr lang="zh-CN" altLang="en-US" dirty="0"/>
+              <a:t>重点：得到</a:t>
+            </a:r>
+            <a:r>
+              <a:rPr lang="en-US" altLang="zh-CN" dirty="0"/>
+              <a:t>X_N,</a:t>
+            </a:r>
+            <a:r>
+              <a:rPr lang="zh-CN" altLang="en-US" dirty="0"/>
+              <a:t> </a:t>
+            </a:r>
+            <a:r>
+              <a:rPr lang="en-US" altLang="zh-CN" dirty="0"/>
+              <a:t>Y_N</a:t>
+            </a:r>
+            <a:r>
+              <a:rPr lang="zh-CN" altLang="en-US" dirty="0"/>
+              <a:t>估计值与不确定度之后，一元线性回归的方案？</a:t>
+            </a:r>
+            <a:endParaRPr lang="en-US" altLang="zh-CN" dirty="0"/>
+          </a:p>
+          <a:p>
+            <a:pPr marL="0" indent="0">
+              <a:buNone/>
+            </a:pPr>
+            <a:r>
+              <a:rPr lang="zh-CN" altLang="en-US" dirty="0"/>
+              <a:t>接下来：</a:t>
+            </a:r>
+            <a:r>
+              <a:rPr lang="zh-CN" altLang="en-US" sz="2400" b="1" dirty="0">
+                <a:effectLst>
+                  <a:outerShdw blurRad="38100" dist="38100" dir="2700000" algn="tl">
+                    <a:srgbClr val="000000">
+                      <a:alpha val="43137"/>
+                    </a:srgbClr>
+                  </a:outerShdw>
+                </a:effectLst>
+              </a:rPr>
+              <a:t>重头戏，论文的精华</a:t>
+            </a:r>
+            <a:endParaRPr lang="en-US" altLang="zh-CN" b="1" dirty="0">
+              <a:effectLst>
+                <a:outerShdw blurRad="38100" dist="38100" dir="2700000" algn="tl">
+                  <a:srgbClr val="000000">
+                    <a:alpha val="43137"/>
+                  </a:srgbClr>
+                </a:outerShdw>
+              </a:effectLst>
+            </a:endParaRPr>
           </a:p>
         </p:txBody>
       </p:sp>
@@ -5126,7 +5371,7 @@
     </p:spTree>
     <p:extLst>
       <p:ext uri="{BB962C8B-B14F-4D97-AF65-F5344CB8AC3E}">
-        <p14:creationId xmlns:p14="http://schemas.microsoft.com/office/powerpoint/2010/main" val="970044955"/>
+        <p14:creationId xmlns:p14="http://schemas.microsoft.com/office/powerpoint/2010/main" val="3161443251"/>
       </p:ext>
     </p:extLst>
   </p:cSld>
@@ -13471,8 +13716,8 @@
         </p:nvSpPr>
         <p:spPr>
           <a:xfrm>
-            <a:off x="4860032" y="48895"/>
-            <a:ext cx="4005203" cy="376555"/>
+            <a:off x="5463341" y="41992"/>
+            <a:ext cx="3429139" cy="461935"/>
           </a:xfrm>
           <a:prstGeom prst="rect">
             <a:avLst/>
@@ -13501,7 +13746,7 @@
                 <a:latin typeface="微软雅黑" panose="020B0503020204020204" pitchFamily="34" charset="-122"/>
                 <a:ea typeface="微软雅黑" panose="020B0503020204020204" pitchFamily="34" charset="-122"/>
               </a:rPr>
-              <a:t>估计值与不确定度</a:t>
+              <a:t>估计值与不确定度评估</a:t>
             </a:r>
           </a:p>
         </p:txBody>
@@ -13528,8 +13773,8 @@
         </p:blipFill>
         <p:spPr>
           <a:xfrm>
-            <a:off x="1625382" y="1683886"/>
-            <a:ext cx="5990093" cy="2448272"/>
+            <a:off x="343699" y="1417340"/>
+            <a:ext cx="8456602" cy="3456384"/>
           </a:xfrm>
           <a:prstGeom prst="rect">
             <a:avLst/>
@@ -13554,8 +13799,8 @@
         </p:nvSpPr>
         <p:spPr>
           <a:xfrm>
-            <a:off x="1619672" y="1345332"/>
-            <a:ext cx="4500500" cy="338554"/>
+            <a:off x="179512" y="929811"/>
+            <a:ext cx="4500500" cy="400110"/>
           </a:xfrm>
           <a:prstGeom prst="rect">
             <a:avLst/>
@@ -13569,237 +13814,179 @@
           <a:lstStyle/>
           <a:p>
             <a:r>
-              <a:rPr lang="zh-CN" altLang="en-US" sz="1600" dirty="0">
+              <a:rPr lang="zh-CN" altLang="en-US" sz="2000" b="1" dirty="0">
                 <a:latin typeface="微软雅黑" panose="020B0503020204020204" pitchFamily="34" charset="-122"/>
                 <a:ea typeface="微软雅黑" panose="020B0503020204020204" pitchFamily="34" charset="-122"/>
               </a:rPr>
-              <a:t>本例中的不确定评估由两个连续的模型组成：</a:t>
+              <a:t>不确定评估由两个连续的模型组成：</a:t>
             </a:r>
           </a:p>
         </p:txBody>
       </p:sp>
-      <mc:AlternateContent xmlns:mc="http://schemas.openxmlformats.org/markup-compatibility/2006" xmlns:a14="http://schemas.microsoft.com/office/drawing/2010/main">
-        <mc:Choice Requires="a14">
-          <p:sp>
-            <p:nvSpPr>
-              <p:cNvPr id="6" name="文本框 5">
-                <a:extLst>
-                  <a:ext uri="{FF2B5EF4-FFF2-40B4-BE49-F238E27FC236}">
-                    <a16:creationId xmlns:a16="http://schemas.microsoft.com/office/drawing/2014/main" id="{EE5F1875-C22E-285D-5F66-08EAF5DB966B}"/>
-                  </a:ext>
-                </a:extLst>
-              </p:cNvPr>
-              <p:cNvSpPr txBox="1"/>
-              <p:nvPr/>
-            </p:nvSpPr>
-            <p:spPr>
-              <a:xfrm>
-                <a:off x="1619672" y="4132158"/>
-                <a:ext cx="4500500" cy="584775"/>
-              </a:xfrm>
-              <a:prstGeom prst="rect">
-                <a:avLst/>
-              </a:prstGeom>
-              <a:noFill/>
-            </p:spPr>
-            <p:txBody>
-              <a:bodyPr wrap="square" rtlCol="0">
-                <a:spAutoFit/>
-              </a:bodyPr>
-              <a:lstStyle/>
-              <a:p>
-                <a:r>
-                  <a:rPr lang="zh-CN" altLang="en-US" sz="1600" dirty="0">
-                    <a:latin typeface="微软雅黑" panose="020B0503020204020204" pitchFamily="34" charset="-122"/>
-                    <a:ea typeface="微软雅黑" panose="020B0503020204020204" pitchFamily="34" charset="-122"/>
-                  </a:rPr>
-                  <a:t>中间测量量</a:t>
-                </a:r>
-                <a14:m>
-                  <m:oMath xmlns:m="http://schemas.openxmlformats.org/officeDocument/2006/math">
-                    <m:r>
-                      <a:rPr lang="en-US" altLang="zh-CN" sz="1600" b="1" i="1" smtClean="0">
-                        <a:latin typeface="Cambria Math" panose="02040503050406030204" pitchFamily="18" charset="0"/>
-                        <a:ea typeface="微软雅黑" panose="020B0503020204020204" pitchFamily="34" charset="-122"/>
-                      </a:rPr>
-                      <m:t>𝑿</m:t>
-                    </m:r>
-                  </m:oMath>
-                </a14:m>
-                <a:r>
-                  <a:rPr lang="zh-CN" altLang="en-US" sz="1600" dirty="0">
-                    <a:latin typeface="微软雅黑" panose="020B0503020204020204" pitchFamily="34" charset="-122"/>
-                    <a:ea typeface="微软雅黑" panose="020B0503020204020204" pitchFamily="34" charset="-122"/>
-                  </a:rPr>
-                  <a:t>和</a:t>
-                </a:r>
-                <a14:m>
-                  <m:oMath xmlns:m="http://schemas.openxmlformats.org/officeDocument/2006/math">
-                    <m:r>
-                      <a:rPr lang="en-US" altLang="zh-CN" sz="1600" b="1" i="1">
-                        <a:latin typeface="Cambria Math" panose="02040503050406030204" pitchFamily="18" charset="0"/>
-                      </a:rPr>
-                      <m:t>𝒀</m:t>
-                    </m:r>
-                  </m:oMath>
-                </a14:m>
-                <a:r>
-                  <a:rPr lang="zh-CN" altLang="en-US" sz="1600" dirty="0">
-                    <a:latin typeface="微软雅黑" panose="020B0503020204020204" pitchFamily="34" charset="-122"/>
-                    <a:ea typeface="微软雅黑" panose="020B0503020204020204" pitchFamily="34" charset="-122"/>
-                  </a:rPr>
-                  <a:t>由于公共量</a:t>
-                </a:r>
-                <a:r>
-                  <a:rPr lang="en-US" altLang="zh-CN" sz="1600" dirty="0">
-                    <a:latin typeface="微软雅黑" panose="020B0503020204020204" pitchFamily="34" charset="-122"/>
-                    <a:ea typeface="微软雅黑" panose="020B0503020204020204" pitchFamily="34" charset="-122"/>
-                  </a:rPr>
-                  <a:t>Q</a:t>
-                </a:r>
-                <a:r>
-                  <a:rPr lang="zh-CN" altLang="en-US" sz="1600" dirty="0">
-                    <a:latin typeface="微软雅黑" panose="020B0503020204020204" pitchFamily="34" charset="-122"/>
-                    <a:ea typeface="微软雅黑" panose="020B0503020204020204" pitchFamily="34" charset="-122"/>
-                  </a:rPr>
-                  <a:t>和</a:t>
-                </a:r>
-                <a:r>
-                  <a:rPr lang="en-US" altLang="zh-CN" sz="1600" dirty="0">
-                    <a:latin typeface="微软雅黑" panose="020B0503020204020204" pitchFamily="34" charset="-122"/>
-                    <a:ea typeface="微软雅黑" panose="020B0503020204020204" pitchFamily="34" charset="-122"/>
-                  </a:rPr>
-                  <a:t>D</a:t>
-                </a:r>
-                <a:r>
-                  <a:rPr lang="zh-CN" altLang="en-US" sz="1600" dirty="0">
-                    <a:latin typeface="微软雅黑" panose="020B0503020204020204" pitchFamily="34" charset="-122"/>
-                    <a:ea typeface="微软雅黑" panose="020B0503020204020204" pitchFamily="34" charset="-122"/>
-                  </a:rPr>
-                  <a:t>而相互关联，公共量</a:t>
-                </a:r>
-                <a14:m>
-                  <m:oMath xmlns:m="http://schemas.openxmlformats.org/officeDocument/2006/math">
-                    <m:r>
-                      <a:rPr lang="en-US" altLang="zh-CN" sz="1600" i="1" kern="150">
-                        <a:latin typeface="Cambria Math" panose="02040503050406030204" pitchFamily="18" charset="0"/>
-                        <a:ea typeface="等线" panose="02010600030101010101" pitchFamily="2" charset="-122"/>
-                        <a:cs typeface="Tahoma" panose="020B0604030504040204" pitchFamily="34" charset="0"/>
-                      </a:rPr>
-                      <m:t>𝑀</m:t>
-                    </m:r>
-                  </m:oMath>
-                </a14:m>
-                <a:r>
-                  <a:rPr lang="zh-CN" altLang="en-US" sz="1600" dirty="0">
-                    <a:latin typeface="微软雅黑" panose="020B0503020204020204" pitchFamily="34" charset="-122"/>
-                    <a:ea typeface="微软雅黑" panose="020B0503020204020204" pitchFamily="34" charset="-122"/>
-                  </a:rPr>
-                  <a:t>和</a:t>
-                </a:r>
-                <a14:m>
-                  <m:oMath xmlns:m="http://schemas.openxmlformats.org/officeDocument/2006/math">
-                    <m:r>
-                      <a:rPr lang="en-US" altLang="zh-CN" sz="1600" i="1" kern="150">
-                        <a:latin typeface="Cambria Math" panose="02040503050406030204" pitchFamily="18" charset="0"/>
-                        <a:ea typeface="等线" panose="02010600030101010101" pitchFamily="2" charset="-122"/>
-                        <a:cs typeface="Tahoma" panose="020B0604030504040204" pitchFamily="34" charset="0"/>
-                      </a:rPr>
-                      <m:t>𝐷</m:t>
-                    </m:r>
-                  </m:oMath>
-                </a14:m>
-                <a:r>
-                  <a:rPr lang="zh-CN" altLang="en-US" sz="1600" dirty="0">
-                    <a:latin typeface="微软雅黑" panose="020B0503020204020204" pitchFamily="34" charset="-122"/>
-                    <a:ea typeface="微软雅黑" panose="020B0503020204020204" pitchFamily="34" charset="-122"/>
-                  </a:rPr>
-                  <a:t>分别引起</a:t>
-                </a:r>
-                <a14:m>
-                  <m:oMath xmlns:m="http://schemas.openxmlformats.org/officeDocument/2006/math">
-                    <m:r>
-                      <a:rPr lang="en-US" altLang="zh-CN" sz="1600" b="1" i="1">
-                        <a:latin typeface="Cambria Math" panose="02040503050406030204" pitchFamily="18" charset="0"/>
-                        <a:ea typeface="微软雅黑" panose="020B0503020204020204" pitchFamily="34" charset="-122"/>
-                      </a:rPr>
-                      <m:t>𝑿</m:t>
-                    </m:r>
-                  </m:oMath>
-                </a14:m>
-                <a:r>
-                  <a:rPr lang="zh-CN" altLang="en-US" sz="1600" dirty="0">
-                    <a:latin typeface="微软雅黑" panose="020B0503020204020204" pitchFamily="34" charset="-122"/>
-                    <a:ea typeface="微软雅黑" panose="020B0503020204020204" pitchFamily="34" charset="-122"/>
-                  </a:rPr>
-                  <a:t>和</a:t>
-                </a:r>
-                <a14:m>
-                  <m:oMath xmlns:m="http://schemas.openxmlformats.org/officeDocument/2006/math">
-                    <m:r>
-                      <a:rPr lang="en-US" altLang="zh-CN" sz="1600" b="1" i="1">
-                        <a:latin typeface="Cambria Math" panose="02040503050406030204" pitchFamily="18" charset="0"/>
-                      </a:rPr>
-                      <m:t>𝒀</m:t>
-                    </m:r>
-                  </m:oMath>
-                </a14:m>
-                <a:r>
-                  <a:rPr lang="zh-CN" altLang="en-US" sz="1600" dirty="0">
-                    <a:latin typeface="微软雅黑" panose="020B0503020204020204" pitchFamily="34" charset="-122"/>
-                    <a:ea typeface="微软雅黑" panose="020B0503020204020204" pitchFamily="34" charset="-122"/>
-                  </a:rPr>
-                  <a:t>之间的额外相关性</a:t>
-                </a:r>
-              </a:p>
-            </p:txBody>
-          </p:sp>
-        </mc:Choice>
-        <mc:Fallback xmlns="">
-          <p:sp>
-            <p:nvSpPr>
-              <p:cNvPr id="6" name="文本框 5">
-                <a:extLst>
-                  <a:ext uri="{FF2B5EF4-FFF2-40B4-BE49-F238E27FC236}">
-                    <a16:creationId xmlns:a16="http://schemas.microsoft.com/office/drawing/2014/main" id="{EE5F1875-C22E-285D-5F66-08EAF5DB966B}"/>
-                  </a:ext>
-                </a:extLst>
-              </p:cNvPr>
-              <p:cNvSpPr txBox="1">
-                <a:spLocks noRot="1" noChangeAspect="1" noMove="1" noResize="1" noEditPoints="1" noAdjustHandles="1" noChangeArrowheads="1" noChangeShapeType="1" noTextEdit="1"/>
-              </p:cNvSpPr>
-              <p:nvPr/>
-            </p:nvSpPr>
-            <p:spPr>
-              <a:xfrm>
-                <a:off x="1619672" y="4132158"/>
-                <a:ext cx="4500500" cy="584775"/>
-              </a:xfrm>
-              <a:prstGeom prst="rect">
-                <a:avLst/>
-              </a:prstGeom>
-              <a:blipFill>
-                <a:blip r:embed="rId6"/>
-                <a:stretch>
-                  <a:fillRect l="-813" t="-3125" b="-12500"/>
-                </a:stretch>
-              </a:blipFill>
-            </p:spPr>
-            <p:txBody>
-              <a:bodyPr/>
-              <a:lstStyle/>
-              <a:p>
-                <a:r>
-                  <a:rPr lang="zh-CN" altLang="en-US">
-                    <a:noFill/>
-                  </a:rPr>
-                  <a:t> </a:t>
-                </a:r>
-              </a:p>
-            </p:txBody>
-          </p:sp>
-        </mc:Fallback>
-      </mc:AlternateContent>
+      <p:sp>
+        <p:nvSpPr>
+          <p:cNvPr id="3" name="矩形 2">
+            <a:extLst>
+              <a:ext uri="{FF2B5EF4-FFF2-40B4-BE49-F238E27FC236}">
+                <a16:creationId xmlns:a16="http://schemas.microsoft.com/office/drawing/2014/main" id="{5D3580AC-14DF-48FE-1471-4423604669D6}"/>
+              </a:ext>
+            </a:extLst>
+          </p:cNvPr>
+          <p:cNvSpPr/>
+          <p:nvPr/>
+        </p:nvSpPr>
+        <p:spPr>
+          <a:xfrm>
+            <a:off x="343699" y="3289548"/>
+            <a:ext cx="2356093" cy="1495641"/>
+          </a:xfrm>
+          <a:prstGeom prst="rect">
+            <a:avLst/>
+          </a:prstGeom>
+          <a:noFill/>
+          <a:ln w="57150">
+            <a:solidFill>
+              <a:srgbClr val="FF0000"/>
+            </a:solidFill>
+          </a:ln>
+        </p:spPr>
+        <p:style>
+          <a:lnRef idx="2">
+            <a:schemeClr val="accent1">
+              <a:shade val="50000"/>
+            </a:schemeClr>
+          </a:lnRef>
+          <a:fillRef idx="1">
+            <a:schemeClr val="accent1"/>
+          </a:fillRef>
+          <a:effectRef idx="0">
+            <a:schemeClr val="accent1"/>
+          </a:effectRef>
+          <a:fontRef idx="minor">
+            <a:schemeClr val="lt1"/>
+          </a:fontRef>
+        </p:style>
+        <p:txBody>
+          <a:bodyPr rtlCol="0" anchor="ctr"/>
+          <a:lstStyle/>
+          <a:p>
+            <a:pPr algn="ctr"/>
+            <a:endParaRPr lang="zh-CN" altLang="en-US"/>
+          </a:p>
+        </p:txBody>
+      </p:sp>
+      <p:sp>
+        <p:nvSpPr>
+          <p:cNvPr id="4" name="箭头: 下 3">
+            <a:extLst>
+              <a:ext uri="{FF2B5EF4-FFF2-40B4-BE49-F238E27FC236}">
+                <a16:creationId xmlns:a16="http://schemas.microsoft.com/office/drawing/2014/main" id="{38BB35CC-0EF4-4150-0FA1-E17BA179C8BA}"/>
+              </a:ext>
+            </a:extLst>
+          </p:cNvPr>
+          <p:cNvSpPr/>
+          <p:nvPr/>
+        </p:nvSpPr>
+        <p:spPr>
+          <a:xfrm rot="18127000">
+            <a:off x="3007407" y="4480434"/>
+            <a:ext cx="216024" cy="675812"/>
+          </a:xfrm>
+          <a:prstGeom prst="downArrow">
+            <a:avLst>
+              <a:gd name="adj1" fmla="val 50000"/>
+              <a:gd name="adj2" fmla="val 60823"/>
+            </a:avLst>
+          </a:prstGeom>
+        </p:spPr>
+        <p:style>
+          <a:lnRef idx="2">
+            <a:schemeClr val="accent1">
+              <a:shade val="50000"/>
+            </a:schemeClr>
+          </a:lnRef>
+          <a:fillRef idx="1">
+            <a:schemeClr val="accent1"/>
+          </a:fillRef>
+          <a:effectRef idx="0">
+            <a:schemeClr val="accent1"/>
+          </a:effectRef>
+          <a:fontRef idx="minor">
+            <a:schemeClr val="lt1"/>
+          </a:fontRef>
+        </p:style>
+        <p:txBody>
+          <a:bodyPr rtlCol="0" anchor="ctr"/>
+          <a:lstStyle/>
+          <a:p>
+            <a:pPr algn="ctr"/>
+            <a:endParaRPr lang="zh-CN" altLang="en-US"/>
+          </a:p>
+        </p:txBody>
+      </p:sp>
+      <p:graphicFrame>
+        <p:nvGraphicFramePr>
+          <p:cNvPr id="8" name="对象 7">
+            <a:extLst>
+              <a:ext uri="{FF2B5EF4-FFF2-40B4-BE49-F238E27FC236}">
+                <a16:creationId xmlns:a16="http://schemas.microsoft.com/office/drawing/2014/main" id="{581A2D19-3889-98D0-9822-91F8DC8E4395}"/>
+              </a:ext>
+            </a:extLst>
+          </p:cNvPr>
+          <p:cNvGraphicFramePr>
+            <a:graphicFrameLocks noChangeAspect="1"/>
+          </p:cNvGraphicFramePr>
+          <p:nvPr>
+            <p:extLst>
+              <p:ext uri="{D42A27DB-BD31-4B8C-83A1-F6EECF244321}">
+                <p14:modId xmlns:p14="http://schemas.microsoft.com/office/powerpoint/2010/main" val="841779254"/>
+              </p:ext>
+            </p:extLst>
+          </p:nvPr>
+        </p:nvGraphicFramePr>
+        <p:xfrm>
+          <a:off x="3473717" y="4785189"/>
+          <a:ext cx="1654175" cy="771525"/>
+        </p:xfrm>
+        <a:graphic>
+          <a:graphicData uri="http://schemas.openxmlformats.org/presentationml/2006/ole">
+            <mc:AlternateContent xmlns:mc="http://schemas.openxmlformats.org/markup-compatibility/2006">
+              <mc:Choice xmlns:v="urn:schemas-microsoft-com:vml" Requires="v">
+                <p:oleObj name="AxMath" r:id="rId6" imgW="506880" imgH="236880" progId="Equation.AxMath">
+                  <p:embed/>
+                </p:oleObj>
+              </mc:Choice>
+              <mc:Fallback>
+                <p:oleObj name="AxMath" r:id="rId6" imgW="506880" imgH="236880" progId="Equation.AxMath">
+                  <p:embed/>
+                  <p:pic>
+                    <p:nvPicPr>
+                      <p:cNvPr id="0" name=""/>
+                      <p:cNvPicPr/>
+                      <p:nvPr/>
+                    </p:nvPicPr>
+                    <p:blipFill>
+                      <a:blip r:embed="rId7"/>
+                      <a:stretch>
+                        <a:fillRect/>
+                      </a:stretch>
+                    </p:blipFill>
+                    <p:spPr>
+                      <a:xfrm>
+                        <a:off x="3473717" y="4785189"/>
+                        <a:ext cx="1654175" cy="771525"/>
+                      </a:xfrm>
+                      <a:prstGeom prst="rect">
+                        <a:avLst/>
+                      </a:prstGeom>
+                    </p:spPr>
+                  </p:pic>
+                </p:oleObj>
+              </mc:Fallback>
+            </mc:AlternateContent>
+          </a:graphicData>
+        </a:graphic>
+      </p:graphicFrame>
     </p:spTree>
   </p:cSld>
   <p:clrMapOvr>
@@ -13965,1433 +14152,598 @@
           </a:p>
         </p:txBody>
       </p:sp>
-      <mc:AlternateContent xmlns:mc="http://schemas.openxmlformats.org/markup-compatibility/2006" xmlns:a14="http://schemas.microsoft.com/office/drawing/2010/main">
-        <mc:Choice Requires="a14">
-          <p:sp>
-            <p:nvSpPr>
-              <p:cNvPr id="2" name="文本框 1">
-                <a:extLst>
-                  <a:ext uri="{FF2B5EF4-FFF2-40B4-BE49-F238E27FC236}">
-                    <a16:creationId xmlns:a16="http://schemas.microsoft.com/office/drawing/2014/main" id="{645F0F68-090D-15F6-263F-5B5C05A66860}"/>
-                  </a:ext>
-                </a:extLst>
-              </p:cNvPr>
-              <p:cNvSpPr txBox="1"/>
-              <p:nvPr/>
-            </p:nvSpPr>
-            <p:spPr>
-              <a:xfrm>
-                <a:off x="1742384" y="841276"/>
-                <a:ext cx="6069975" cy="369332"/>
-              </a:xfrm>
-              <a:prstGeom prst="rect">
-                <a:avLst/>
-              </a:prstGeom>
-              <a:noFill/>
-            </p:spPr>
-            <p:txBody>
-              <a:bodyPr wrap="square" rtlCol="0">
-                <a:spAutoFit/>
-              </a:bodyPr>
-              <a:lstStyle/>
-              <a:p>
-                <a:r>
-                  <a:rPr lang="zh-CN" altLang="en-US" b="1" dirty="0">
-                    <a:latin typeface="微软雅黑" panose="020B0503020204020204" pitchFamily="34" charset="-122"/>
-                    <a:ea typeface="微软雅黑" panose="020B0503020204020204" pitchFamily="34" charset="-122"/>
-                  </a:rPr>
-                  <a:t>首先描述中间被测量</a:t>
-                </a:r>
-                <a14:m>
-                  <m:oMath xmlns:m="http://schemas.openxmlformats.org/officeDocument/2006/math">
-                    <m:d>
-                      <m:dPr>
-                        <m:ctrlPr>
-                          <a:rPr lang="en-US" altLang="zh-CN" b="1" i="1" smtClean="0">
-                            <a:latin typeface="Cambria Math" panose="02040503050406030204" pitchFamily="18" charset="0"/>
-                            <a:ea typeface="微软雅黑" panose="020B0503020204020204" pitchFamily="34" charset="-122"/>
-                          </a:rPr>
-                        </m:ctrlPr>
-                      </m:dPr>
-                      <m:e>
-                        <m:r>
-                          <a:rPr lang="en-US" altLang="zh-CN" b="1" i="1">
-                            <a:latin typeface="Cambria Math" panose="02040503050406030204" pitchFamily="18" charset="0"/>
-                            <a:ea typeface="微软雅黑" panose="020B0503020204020204" pitchFamily="34" charset="-122"/>
-                          </a:rPr>
-                          <m:t>𝑿</m:t>
-                        </m:r>
-                        <m:r>
-                          <a:rPr lang="en-US" altLang="zh-CN" b="1" i="1" smtClean="0">
-                            <a:latin typeface="Cambria Math" panose="02040503050406030204" pitchFamily="18" charset="0"/>
-                            <a:ea typeface="微软雅黑" panose="020B0503020204020204" pitchFamily="34" charset="-122"/>
-                          </a:rPr>
-                          <m:t>,</m:t>
-                        </m:r>
-                        <m:r>
-                          <a:rPr lang="en-US" altLang="zh-CN" b="1" i="1">
-                            <a:latin typeface="Cambria Math" panose="02040503050406030204" pitchFamily="18" charset="0"/>
-                            <a:ea typeface="微软雅黑" panose="020B0503020204020204" pitchFamily="34" charset="-122"/>
-                          </a:rPr>
-                          <m:t>𝒀</m:t>
-                        </m:r>
-                      </m:e>
-                    </m:d>
-                  </m:oMath>
-                </a14:m>
-                <a:r>
-                  <a:rPr lang="zh-CN" altLang="en-US" b="1" dirty="0">
-                    <a:latin typeface="微软雅黑" panose="020B0503020204020204" pitchFamily="34" charset="-122"/>
-                    <a:ea typeface="微软雅黑" panose="020B0503020204020204" pitchFamily="34" charset="-122"/>
-                  </a:rPr>
-                  <a:t>的测量模型及其输入量的特征</a:t>
-                </a:r>
-              </a:p>
-            </p:txBody>
-          </p:sp>
-        </mc:Choice>
-        <mc:Fallback xmlns="">
-          <p:sp>
-            <p:nvSpPr>
-              <p:cNvPr id="2" name="文本框 1">
-                <a:extLst>
-                  <a:ext uri="{FF2B5EF4-FFF2-40B4-BE49-F238E27FC236}">
-                    <a16:creationId xmlns:a16="http://schemas.microsoft.com/office/drawing/2014/main" id="{645F0F68-090D-15F6-263F-5B5C05A66860}"/>
-                  </a:ext>
-                </a:extLst>
-              </p:cNvPr>
-              <p:cNvSpPr txBox="1">
-                <a:spLocks noRot="1" noChangeAspect="1" noMove="1" noResize="1" noEditPoints="1" noAdjustHandles="1" noChangeArrowheads="1" noChangeShapeType="1" noTextEdit="1"/>
-              </p:cNvSpPr>
-              <p:nvPr/>
-            </p:nvSpPr>
-            <p:spPr>
-              <a:xfrm>
-                <a:off x="1742384" y="841276"/>
-                <a:ext cx="6069975" cy="369332"/>
-              </a:xfrm>
-              <a:prstGeom prst="rect">
-                <a:avLst/>
-              </a:prstGeom>
-              <a:blipFill>
-                <a:blip r:embed="rId5"/>
-                <a:stretch>
-                  <a:fillRect l="-904" t="-8197" b="-24590"/>
-                </a:stretch>
-              </a:blipFill>
-            </p:spPr>
-            <p:txBody>
-              <a:bodyPr/>
-              <a:lstStyle/>
-              <a:p>
-                <a:r>
-                  <a:rPr lang="zh-CN" altLang="en-US">
-                    <a:noFill/>
-                  </a:rPr>
-                  <a:t> </a:t>
-                </a:r>
-              </a:p>
-            </p:txBody>
-          </p:sp>
-        </mc:Fallback>
-      </mc:AlternateContent>
-      <mc:AlternateContent xmlns:mc="http://schemas.openxmlformats.org/markup-compatibility/2006" xmlns:a14="http://schemas.microsoft.com/office/drawing/2010/main">
-        <mc:Choice Requires="a14">
-          <p:sp>
-            <p:nvSpPr>
-              <p:cNvPr id="4" name="文本框 3">
-                <a:extLst>
-                  <a:ext uri="{FF2B5EF4-FFF2-40B4-BE49-F238E27FC236}">
-                    <a16:creationId xmlns:a16="http://schemas.microsoft.com/office/drawing/2014/main" id="{5C6310C2-6E2C-D0AF-B448-4C41D5FF11C6}"/>
-                  </a:ext>
-                </a:extLst>
-              </p:cNvPr>
-              <p:cNvSpPr txBox="1"/>
-              <p:nvPr/>
-            </p:nvSpPr>
-            <p:spPr>
-              <a:xfrm>
-                <a:off x="1356991" y="1208537"/>
-                <a:ext cx="6840760" cy="4400948"/>
-              </a:xfrm>
-              <a:prstGeom prst="rect">
-                <a:avLst/>
-              </a:prstGeom>
-              <a:noFill/>
-            </p:spPr>
-            <p:txBody>
-              <a:bodyPr wrap="square">
-                <a:spAutoFit/>
-              </a:bodyPr>
-              <a:lstStyle/>
-              <a:p>
-                <a:pPr>
-                  <a:lnSpc>
-                    <a:spcPct val="150000"/>
-                  </a:lnSpc>
-                </a:pPr>
-                <a:r>
-                  <a:rPr lang="zh-CN" altLang="en-US" sz="1600" dirty="0">
-                    <a:latin typeface="微软雅黑" panose="020B0503020204020204" pitchFamily="34" charset="-122"/>
-                    <a:ea typeface="微软雅黑" panose="020B0503020204020204" pitchFamily="34" charset="-122"/>
-                  </a:rPr>
-                  <a:t>雷诺数</a:t>
-                </a:r>
-                <a14:m>
-                  <m:oMath xmlns:m="http://schemas.openxmlformats.org/officeDocument/2006/math">
-                    <m:r>
-                      <a:rPr lang="zh-CN" altLang="en-US" sz="1600">
-                        <a:latin typeface="Cambria Math" panose="02040503050406030204" pitchFamily="18" charset="0"/>
-                        <a:ea typeface="微软雅黑" panose="020B0503020204020204" pitchFamily="34" charset="-122"/>
-                      </a:rPr>
-                      <m:t>𝑿</m:t>
-                    </m:r>
-                    <m:r>
-                      <a:rPr lang="zh-CN" altLang="en-US" sz="1600">
-                        <a:latin typeface="Cambria Math" panose="02040503050406030204" pitchFamily="18" charset="0"/>
-                        <a:ea typeface="微软雅黑" panose="020B0503020204020204" pitchFamily="34" charset="-122"/>
-                      </a:rPr>
-                      <m:t>=</m:t>
-                    </m:r>
-                    <m:r>
-                      <a:rPr lang="zh-CN" altLang="en-US" sz="1600">
-                        <a:latin typeface="Cambria Math" panose="02040503050406030204" pitchFamily="18" charset="0"/>
-                        <a:ea typeface="微软雅黑" panose="020B0503020204020204" pitchFamily="34" charset="-122"/>
-                      </a:rPr>
-                      <m:t>（</m:t>
-                    </m:r>
-                    <m:sSub>
-                      <m:sSubPr>
-                        <m:ctrlPr>
-                          <a:rPr lang="zh-CN" altLang="en-US" sz="1600" i="1">
-                            <a:latin typeface="Cambria Math" panose="02040503050406030204" pitchFamily="18" charset="0"/>
-                            <a:ea typeface="微软雅黑" panose="020B0503020204020204" pitchFamily="34" charset="-122"/>
-                          </a:rPr>
-                        </m:ctrlPr>
-                      </m:sSubPr>
-                      <m:e>
-                        <m:r>
-                          <a:rPr lang="zh-CN" altLang="en-US" sz="1600">
-                            <a:latin typeface="Cambria Math" panose="02040503050406030204" pitchFamily="18" charset="0"/>
-                            <a:ea typeface="微软雅黑" panose="020B0503020204020204" pitchFamily="34" charset="-122"/>
-                          </a:rPr>
-                          <m:t>𝑋</m:t>
-                        </m:r>
-                      </m:e>
-                      <m:sub>
-                        <m:r>
-                          <a:rPr lang="zh-CN" altLang="en-US" sz="1600">
-                            <a:latin typeface="Cambria Math" panose="02040503050406030204" pitchFamily="18" charset="0"/>
-                            <a:ea typeface="微软雅黑" panose="020B0503020204020204" pitchFamily="34" charset="-122"/>
-                          </a:rPr>
-                          <m:t>1</m:t>
-                        </m:r>
-                      </m:sub>
-                    </m:sSub>
-                    <m:r>
-                      <a:rPr lang="zh-CN" altLang="en-US" sz="1600">
-                        <a:latin typeface="Cambria Math" panose="02040503050406030204" pitchFamily="18" charset="0"/>
-                        <a:ea typeface="微软雅黑" panose="020B0503020204020204" pitchFamily="34" charset="-122"/>
-                      </a:rPr>
-                      <m:t>,....,</m:t>
-                    </m:r>
-                    <m:sSub>
-                      <m:sSubPr>
-                        <m:ctrlPr>
-                          <a:rPr lang="zh-CN" altLang="en-US" sz="1600" i="1">
-                            <a:latin typeface="Cambria Math" panose="02040503050406030204" pitchFamily="18" charset="0"/>
-                            <a:ea typeface="微软雅黑" panose="020B0503020204020204" pitchFamily="34" charset="-122"/>
-                          </a:rPr>
-                        </m:ctrlPr>
-                      </m:sSubPr>
-                      <m:e>
-                        <m:r>
-                          <a:rPr lang="zh-CN" altLang="en-US" sz="1600">
-                            <a:latin typeface="Cambria Math" panose="02040503050406030204" pitchFamily="18" charset="0"/>
-                            <a:ea typeface="微软雅黑" panose="020B0503020204020204" pitchFamily="34" charset="-122"/>
-                          </a:rPr>
-                          <m:t>𝑋</m:t>
-                        </m:r>
-                      </m:e>
-                      <m:sub>
-                        <m:r>
-                          <a:rPr lang="zh-CN" altLang="en-US" sz="1600">
-                            <a:latin typeface="Cambria Math" panose="02040503050406030204" pitchFamily="18" charset="0"/>
-                            <a:ea typeface="微软雅黑" panose="020B0503020204020204" pitchFamily="34" charset="-122"/>
-                          </a:rPr>
-                          <m:t>𝑁</m:t>
-                        </m:r>
-                      </m:sub>
-                    </m:sSub>
-                    <m:sSup>
-                      <m:sSupPr>
-                        <m:ctrlPr>
-                          <a:rPr lang="zh-CN" altLang="en-US" sz="1600" i="1">
-                            <a:latin typeface="Cambria Math" panose="02040503050406030204" pitchFamily="18" charset="0"/>
-                            <a:ea typeface="微软雅黑" panose="020B0503020204020204" pitchFamily="34" charset="-122"/>
-                          </a:rPr>
-                        </m:ctrlPr>
-                      </m:sSupPr>
-                      <m:e>
-                        <m:r>
-                          <a:rPr lang="zh-CN" altLang="en-US" sz="1600">
-                            <a:latin typeface="Cambria Math" panose="02040503050406030204" pitchFamily="18" charset="0"/>
-                            <a:ea typeface="微软雅黑" panose="020B0503020204020204" pitchFamily="34" charset="-122"/>
-                          </a:rPr>
-                          <m:t>）</m:t>
-                        </m:r>
-                      </m:e>
-                      <m:sup>
-                        <m:r>
-                          <a:rPr lang="zh-CN" altLang="en-US" sz="1600">
-                            <a:latin typeface="Cambria Math" panose="02040503050406030204" pitchFamily="18" charset="0"/>
-                            <a:ea typeface="微软雅黑" panose="020B0503020204020204" pitchFamily="34" charset="-122"/>
-                          </a:rPr>
-                          <m:t>𝑇</m:t>
-                        </m:r>
-                      </m:sup>
-                    </m:sSup>
-                    <m:r>
-                      <a:rPr lang="zh-CN" altLang="en-US" sz="1600">
-                        <a:latin typeface="Cambria Math" panose="02040503050406030204" pitchFamily="18" charset="0"/>
-                        <a:ea typeface="微软雅黑" panose="020B0503020204020204" pitchFamily="34" charset="-122"/>
-                      </a:rPr>
-                      <m:t>和流量系数</m:t>
-                    </m:r>
-                    <m:r>
-                      <a:rPr lang="en-US" altLang="zh-CN" sz="1600" b="1" i="1">
-                        <a:latin typeface="Cambria Math" panose="02040503050406030204" pitchFamily="18" charset="0"/>
-                      </a:rPr>
-                      <m:t>𝒀</m:t>
-                    </m:r>
-                    <m:r>
-                      <a:rPr lang="en-US" altLang="zh-CN" sz="1600" i="1">
-                        <a:latin typeface="Cambria Math" panose="02040503050406030204" pitchFamily="18" charset="0"/>
-                      </a:rPr>
-                      <m:t>=</m:t>
-                    </m:r>
-                    <m:r>
-                      <a:rPr lang="zh-CN" altLang="zh-CN" sz="1600" i="1">
-                        <a:latin typeface="Cambria Math" panose="02040503050406030204" pitchFamily="18" charset="0"/>
-                      </a:rPr>
-                      <m:t>（</m:t>
-                    </m:r>
-                    <m:sSub>
-                      <m:sSubPr>
-                        <m:ctrlPr>
-                          <a:rPr lang="zh-CN" altLang="zh-CN" sz="1600" i="1">
-                            <a:latin typeface="Cambria Math" panose="02040503050406030204" pitchFamily="18" charset="0"/>
-                          </a:rPr>
-                        </m:ctrlPr>
-                      </m:sSubPr>
-                      <m:e>
-                        <m:r>
-                          <a:rPr lang="en-US" altLang="zh-CN" sz="1600" i="1">
-                            <a:latin typeface="Cambria Math" panose="02040503050406030204" pitchFamily="18" charset="0"/>
-                          </a:rPr>
-                          <m:t>𝑌</m:t>
-                        </m:r>
-                      </m:e>
-                      <m:sub>
-                        <m:r>
-                          <a:rPr lang="en-US" altLang="zh-CN" sz="1600" i="1">
-                            <a:latin typeface="Cambria Math" panose="02040503050406030204" pitchFamily="18" charset="0"/>
-                          </a:rPr>
-                          <m:t>1</m:t>
-                        </m:r>
-                      </m:sub>
-                    </m:sSub>
-                    <m:r>
-                      <a:rPr lang="en-US" altLang="zh-CN" sz="1600" i="1">
-                        <a:latin typeface="Cambria Math" panose="02040503050406030204" pitchFamily="18" charset="0"/>
-                      </a:rPr>
-                      <m:t>,....,</m:t>
-                    </m:r>
-                    <m:sSub>
-                      <m:sSubPr>
-                        <m:ctrlPr>
-                          <a:rPr lang="zh-CN" altLang="zh-CN" sz="1600" i="1">
-                            <a:latin typeface="Cambria Math" panose="02040503050406030204" pitchFamily="18" charset="0"/>
-                          </a:rPr>
-                        </m:ctrlPr>
-                      </m:sSubPr>
-                      <m:e>
-                        <m:r>
-                          <a:rPr lang="en-US" altLang="zh-CN" sz="1600" i="1">
-                            <a:latin typeface="Cambria Math" panose="02040503050406030204" pitchFamily="18" charset="0"/>
-                          </a:rPr>
-                          <m:t>𝑌</m:t>
-                        </m:r>
-                      </m:e>
-                      <m:sub>
-                        <m:r>
-                          <a:rPr lang="en-US" altLang="zh-CN" sz="1600" i="1">
-                            <a:latin typeface="Cambria Math" panose="02040503050406030204" pitchFamily="18" charset="0"/>
-                          </a:rPr>
-                          <m:t>𝑁</m:t>
-                        </m:r>
-                      </m:sub>
-                    </m:sSub>
-                    <m:sSup>
-                      <m:sSupPr>
-                        <m:ctrlPr>
-                          <a:rPr lang="zh-CN" altLang="zh-CN" sz="1600" i="1">
-                            <a:latin typeface="Cambria Math" panose="02040503050406030204" pitchFamily="18" charset="0"/>
-                          </a:rPr>
-                        </m:ctrlPr>
-                      </m:sSupPr>
-                      <m:e>
-                        <m:r>
-                          <a:rPr lang="zh-CN" altLang="zh-CN" sz="1600" i="1">
-                            <a:latin typeface="Cambria Math" panose="02040503050406030204" pitchFamily="18" charset="0"/>
-                          </a:rPr>
-                          <m:t>）</m:t>
-                        </m:r>
-                      </m:e>
-                      <m:sup>
-                        <m:r>
-                          <a:rPr lang="en-US" altLang="zh-CN" sz="1600" i="1">
-                            <a:latin typeface="Cambria Math" panose="02040503050406030204" pitchFamily="18" charset="0"/>
-                          </a:rPr>
-                          <m:t>𝑇</m:t>
-                        </m:r>
-                      </m:sup>
-                    </m:sSup>
-                  </m:oMath>
-                </a14:m>
-                <a:r>
-                  <a:rPr lang="zh-CN" altLang="en-US" sz="1600" dirty="0">
-                    <a:latin typeface="微软雅黑" panose="020B0503020204020204" pitchFamily="34" charset="-122"/>
-                    <a:ea typeface="微软雅黑" panose="020B0503020204020204" pitchFamily="34" charset="-122"/>
-                  </a:rPr>
-                  <a:t>的平方倒数建模如下：</a:t>
-                </a:r>
-                <a:endParaRPr lang="en-US" altLang="zh-CN" sz="1600" dirty="0">
-                  <a:latin typeface="微软雅黑" panose="020B0503020204020204" pitchFamily="34" charset="-122"/>
-                  <a:ea typeface="微软雅黑" panose="020B0503020204020204" pitchFamily="34" charset="-122"/>
-                </a:endParaRPr>
-              </a:p>
-              <a:p>
-                <a:pPr>
-                  <a:lnSpc>
-                    <a:spcPct val="150000"/>
-                  </a:lnSpc>
-                </a:pPr>
-                <a14:m>
-                  <m:oMathPara xmlns:m="http://schemas.openxmlformats.org/officeDocument/2006/math">
-                    <m:oMathParaPr>
-                      <m:jc m:val="centerGroup"/>
-                    </m:oMathParaPr>
-                    <m:oMath xmlns:m="http://schemas.openxmlformats.org/officeDocument/2006/math">
-                      <m:sSub>
-                        <m:sSubPr>
-                          <m:ctrlPr>
-                            <a:rPr lang="zh-CN" altLang="zh-CN" sz="1600" i="1" kern="150" smtClean="0">
-                              <a:effectLst/>
-                              <a:latin typeface="Cambria Math" panose="02040503050406030204" pitchFamily="18" charset="0"/>
-                              <a:ea typeface="Cambria Math" panose="02040503050406030204" pitchFamily="18" charset="0"/>
-                              <a:cs typeface="Tahoma" panose="020B0604030504040204" pitchFamily="34" charset="0"/>
-                            </a:rPr>
-                          </m:ctrlPr>
-                        </m:sSubPr>
-                        <m:e>
-                          <m:r>
-                            <a:rPr lang="en-US" altLang="zh-CN" sz="1600" i="1" kern="150">
-                              <a:effectLst/>
-                              <a:latin typeface="Cambria Math" panose="02040503050406030204" pitchFamily="18" charset="0"/>
-                              <a:ea typeface="等线" panose="02010600030101010101" pitchFamily="2" charset="-122"/>
-                              <a:cs typeface="Tahoma" panose="020B0604030504040204" pitchFamily="34" charset="0"/>
-                            </a:rPr>
-                            <m:t>𝑋</m:t>
-                          </m:r>
-                        </m:e>
-                        <m:sub>
-                          <m:r>
-                            <a:rPr lang="en-US" altLang="zh-CN" sz="1600" i="1" kern="150">
-                              <a:effectLst/>
-                              <a:latin typeface="Cambria Math" panose="02040503050406030204" pitchFamily="18" charset="0"/>
-                              <a:ea typeface="等线" panose="02010600030101010101" pitchFamily="2" charset="-122"/>
-                              <a:cs typeface="Tahoma" panose="020B0604030504040204" pitchFamily="34" charset="0"/>
-                            </a:rPr>
-                            <m:t>𝑛</m:t>
-                          </m:r>
-                        </m:sub>
-                      </m:sSub>
-                      <m:r>
-                        <a:rPr lang="en-US" altLang="zh-CN" sz="1600" i="1" kern="150">
-                          <a:effectLst/>
-                          <a:latin typeface="Cambria Math" panose="02040503050406030204" pitchFamily="18" charset="0"/>
-                          <a:ea typeface="等线" panose="02010600030101010101" pitchFamily="2" charset="-122"/>
-                          <a:cs typeface="Tahoma" panose="020B0604030504040204" pitchFamily="34" charset="0"/>
-                        </a:rPr>
-                        <m:t>=</m:t>
-                      </m:r>
-                      <m:rad>
-                        <m:radPr>
-                          <m:degHide m:val="on"/>
-                          <m:ctrlPr>
-                            <a:rPr lang="zh-CN" altLang="zh-CN" sz="1600" i="1" kern="150">
-                              <a:effectLst/>
-                              <a:latin typeface="Cambria Math" panose="02040503050406030204" pitchFamily="18" charset="0"/>
-                              <a:ea typeface="Cambria Math" panose="02040503050406030204" pitchFamily="18" charset="0"/>
-                              <a:cs typeface="Tahoma" panose="020B0604030504040204" pitchFamily="34" charset="0"/>
-                            </a:rPr>
-                          </m:ctrlPr>
-                        </m:radPr>
-                        <m:deg/>
-                        <m:e>
-                          <m:f>
-                            <m:fPr>
-                              <m:ctrlPr>
-                                <a:rPr lang="zh-CN" altLang="zh-CN" sz="1600" i="1" kern="150">
-                                  <a:effectLst/>
-                                  <a:latin typeface="Cambria Math" panose="02040503050406030204" pitchFamily="18" charset="0"/>
-                                  <a:ea typeface="Cambria Math" panose="02040503050406030204" pitchFamily="18" charset="0"/>
-                                  <a:cs typeface="Tahoma" panose="020B0604030504040204" pitchFamily="34" charset="0"/>
-                                </a:rPr>
-                              </m:ctrlPr>
-                            </m:fPr>
-                            <m:num>
-                              <m:r>
-                                <a:rPr lang="en-US" altLang="zh-CN" sz="1600" i="1" kern="150">
-                                  <a:effectLst/>
-                                  <a:latin typeface="Cambria Math" panose="02040503050406030204" pitchFamily="18" charset="0"/>
-                                  <a:ea typeface="等线" panose="02010600030101010101" pitchFamily="2" charset="-122"/>
-                                  <a:cs typeface="Tahoma" panose="020B0604030504040204" pitchFamily="34" charset="0"/>
-                                </a:rPr>
-                                <m:t>𝜋</m:t>
-                              </m:r>
-                              <m:r>
-                                <a:rPr lang="en-US" altLang="zh-CN" sz="1600" i="1" kern="150">
-                                  <a:effectLst/>
-                                  <a:latin typeface="Cambria Math" panose="02040503050406030204" pitchFamily="18" charset="0"/>
-                                  <a:ea typeface="等线" panose="02010600030101010101" pitchFamily="2" charset="-122"/>
-                                  <a:cs typeface="Tahoma" panose="020B0604030504040204" pitchFamily="34" charset="0"/>
-                                </a:rPr>
-                                <m:t>𝑀𝐷</m:t>
-                              </m:r>
-                            </m:num>
-                            <m:den>
-                              <m:r>
-                                <a:rPr lang="en-US" altLang="zh-CN" sz="1600" i="1" kern="150">
-                                  <a:effectLst/>
-                                  <a:latin typeface="Cambria Math" panose="02040503050406030204" pitchFamily="18" charset="0"/>
-                                  <a:ea typeface="等线" panose="02010600030101010101" pitchFamily="2" charset="-122"/>
-                                  <a:cs typeface="Tahoma" panose="020B0604030504040204" pitchFamily="34" charset="0"/>
-                                </a:rPr>
-                                <m:t>4</m:t>
-                              </m:r>
-                              <m:sSub>
-                                <m:sSubPr>
-                                  <m:ctrlPr>
-                                    <a:rPr lang="zh-CN" altLang="zh-CN" sz="1600" i="1" kern="150">
-                                      <a:effectLst/>
-                                      <a:latin typeface="Cambria Math" panose="02040503050406030204" pitchFamily="18" charset="0"/>
-                                      <a:ea typeface="Cambria Math" panose="02040503050406030204" pitchFamily="18" charset="0"/>
-                                      <a:cs typeface="Tahoma" panose="020B0604030504040204" pitchFamily="34" charset="0"/>
-                                    </a:rPr>
-                                  </m:ctrlPr>
-                                </m:sSubPr>
-                                <m:e>
-                                  <m:r>
-                                    <a:rPr lang="en-US" altLang="zh-CN" sz="1600" i="1" kern="150">
-                                      <a:effectLst/>
-                                      <a:latin typeface="Cambria Math" panose="02040503050406030204" pitchFamily="18" charset="0"/>
-                                      <a:ea typeface="等线" panose="02010600030101010101" pitchFamily="2" charset="-122"/>
-                                      <a:cs typeface="Tahoma" panose="020B0604030504040204" pitchFamily="34" charset="0"/>
-                                    </a:rPr>
-                                    <m:t>𝑄</m:t>
-                                  </m:r>
-                                </m:e>
-                                <m:sub>
-                                  <m:r>
-                                    <a:rPr lang="en-US" altLang="zh-CN" sz="1600" i="1" kern="150">
-                                      <a:effectLst/>
-                                      <a:latin typeface="Cambria Math" panose="02040503050406030204" pitchFamily="18" charset="0"/>
-                                      <a:ea typeface="等线" panose="02010600030101010101" pitchFamily="2" charset="-122"/>
-                                      <a:cs typeface="Tahoma" panose="020B0604030504040204" pitchFamily="34" charset="0"/>
-                                    </a:rPr>
-                                    <m:t>𝑛</m:t>
-                                  </m:r>
-                                </m:sub>
-                              </m:sSub>
-                            </m:den>
-                          </m:f>
-                        </m:e>
-                      </m:rad>
-                      <m:r>
-                        <a:rPr lang="en-US" altLang="zh-CN" sz="1600" i="1" kern="150">
-                          <a:effectLst/>
-                          <a:latin typeface="Cambria Math" panose="02040503050406030204" pitchFamily="18" charset="0"/>
-                          <a:ea typeface="等线" panose="02010600030101010101" pitchFamily="2" charset="-122"/>
-                          <a:cs typeface="Tahoma" panose="020B0604030504040204" pitchFamily="34" charset="0"/>
-                        </a:rPr>
-                        <m:t>,</m:t>
-                      </m:r>
-                      <m:r>
-                        <a:rPr lang="en-US" altLang="zh-CN" sz="1600" b="0" i="1" kern="150" smtClean="0">
-                          <a:effectLst/>
-                          <a:latin typeface="Cambria Math" panose="02040503050406030204" pitchFamily="18" charset="0"/>
-                          <a:ea typeface="等线" panose="02010600030101010101" pitchFamily="2" charset="-122"/>
-                          <a:cs typeface="Tahoma" panose="020B0604030504040204" pitchFamily="34" charset="0"/>
-                        </a:rPr>
-                        <m:t>  </m:t>
-                      </m:r>
-                      <m:sSub>
-                        <m:sSubPr>
-                          <m:ctrlPr>
-                            <a:rPr lang="zh-CN" altLang="zh-CN" sz="1600" i="1" kern="150">
-                              <a:effectLst/>
-                              <a:latin typeface="Cambria Math" panose="02040503050406030204" pitchFamily="18" charset="0"/>
-                              <a:ea typeface="Cambria Math" panose="02040503050406030204" pitchFamily="18" charset="0"/>
-                              <a:cs typeface="Tahoma" panose="020B0604030504040204" pitchFamily="34" charset="0"/>
-                            </a:rPr>
-                          </m:ctrlPr>
-                        </m:sSubPr>
-                        <m:e>
-                          <m:r>
-                            <a:rPr lang="en-US" altLang="zh-CN" sz="1600" i="1" kern="150">
-                              <a:effectLst/>
-                              <a:latin typeface="Cambria Math" panose="02040503050406030204" pitchFamily="18" charset="0"/>
-                              <a:ea typeface="等线" panose="02010600030101010101" pitchFamily="2" charset="-122"/>
-                              <a:cs typeface="Tahoma" panose="020B0604030504040204" pitchFamily="34" charset="0"/>
-                            </a:rPr>
-                            <m:t>𝑌</m:t>
-                          </m:r>
-                        </m:e>
-                        <m:sub>
-                          <m:r>
-                            <a:rPr lang="en-US" altLang="zh-CN" sz="1600" i="1" kern="150">
-                              <a:effectLst/>
-                              <a:latin typeface="Cambria Math" panose="02040503050406030204" pitchFamily="18" charset="0"/>
-                              <a:ea typeface="等线" panose="02010600030101010101" pitchFamily="2" charset="-122"/>
-                              <a:cs typeface="Tahoma" panose="020B0604030504040204" pitchFamily="34" charset="0"/>
-                            </a:rPr>
-                            <m:t>𝑛</m:t>
-                          </m:r>
-                        </m:sub>
-                      </m:sSub>
-                      <m:r>
-                        <a:rPr lang="en-US" altLang="zh-CN" sz="1600" i="1" kern="150">
-                          <a:effectLst/>
-                          <a:latin typeface="Cambria Math" panose="02040503050406030204" pitchFamily="18" charset="0"/>
-                          <a:ea typeface="等线" panose="02010600030101010101" pitchFamily="2" charset="-122"/>
-                          <a:cs typeface="Tahoma" panose="020B0604030504040204" pitchFamily="34" charset="0"/>
-                        </a:rPr>
-                        <m:t>=</m:t>
-                      </m:r>
-                      <m:f>
-                        <m:fPr>
-                          <m:ctrlPr>
-                            <a:rPr lang="zh-CN" altLang="zh-CN" sz="1600" i="1" kern="150">
-                              <a:effectLst/>
-                              <a:latin typeface="Cambria Math" panose="02040503050406030204" pitchFamily="18" charset="0"/>
-                              <a:ea typeface="Cambria Math" panose="02040503050406030204" pitchFamily="18" charset="0"/>
-                              <a:cs typeface="Tahoma" panose="020B0604030504040204" pitchFamily="34" charset="0"/>
-                            </a:rPr>
-                          </m:ctrlPr>
-                        </m:fPr>
-                        <m:num>
-                          <m:r>
-                            <a:rPr lang="en-US" altLang="zh-CN" sz="1600" i="1" kern="150">
-                              <a:effectLst/>
-                              <a:latin typeface="Cambria Math" panose="02040503050406030204" pitchFamily="18" charset="0"/>
-                              <a:ea typeface="等线" panose="02010600030101010101" pitchFamily="2" charset="-122"/>
-                              <a:cs typeface="Tahoma" panose="020B0604030504040204" pitchFamily="34" charset="0"/>
-                            </a:rPr>
-                            <m:t>4</m:t>
-                          </m:r>
-                          <m:sSub>
-                            <m:sSubPr>
-                              <m:ctrlPr>
-                                <a:rPr lang="zh-CN" altLang="zh-CN" sz="1600" i="1" kern="150">
-                                  <a:effectLst/>
-                                  <a:latin typeface="Cambria Math" panose="02040503050406030204" pitchFamily="18" charset="0"/>
-                                  <a:ea typeface="Cambria Math" panose="02040503050406030204" pitchFamily="18" charset="0"/>
-                                  <a:cs typeface="Tahoma" panose="020B0604030504040204" pitchFamily="34" charset="0"/>
-                                </a:rPr>
-                              </m:ctrlPr>
-                            </m:sSubPr>
-                            <m:e>
-                              <m:r>
-                                <a:rPr lang="en-US" altLang="zh-CN" sz="1600" i="1" kern="150">
-                                  <a:effectLst/>
-                                  <a:latin typeface="Cambria Math" panose="02040503050406030204" pitchFamily="18" charset="0"/>
-                                  <a:ea typeface="等线" panose="02010600030101010101" pitchFamily="2" charset="-122"/>
-                                  <a:cs typeface="Tahoma" panose="020B0604030504040204" pitchFamily="34" charset="0"/>
-                                </a:rPr>
-                                <m:t>𝑄</m:t>
-                              </m:r>
-                            </m:e>
-                            <m:sub>
-                              <m:r>
-                                <a:rPr lang="en-US" altLang="zh-CN" sz="1600" i="1" kern="150">
-                                  <a:effectLst/>
-                                  <a:latin typeface="Cambria Math" panose="02040503050406030204" pitchFamily="18" charset="0"/>
-                                  <a:ea typeface="等线" panose="02010600030101010101" pitchFamily="2" charset="-122"/>
-                                  <a:cs typeface="Tahoma" panose="020B0604030504040204" pitchFamily="34" charset="0"/>
-                                </a:rPr>
-                                <m:t>𝑛</m:t>
-                              </m:r>
-                            </m:sub>
-                          </m:sSub>
-                        </m:num>
-                        <m:den>
-                          <m:r>
-                            <a:rPr lang="en-US" altLang="zh-CN" sz="1600" i="1" kern="150">
-                              <a:effectLst/>
-                              <a:latin typeface="Cambria Math" panose="02040503050406030204" pitchFamily="18" charset="0"/>
-                              <a:ea typeface="等线" panose="02010600030101010101" pitchFamily="2" charset="-122"/>
-                              <a:cs typeface="Tahoma" panose="020B0604030504040204" pitchFamily="34" charset="0"/>
-                            </a:rPr>
-                            <m:t>𝜋</m:t>
-                          </m:r>
-                          <m:sSup>
-                            <m:sSupPr>
-                              <m:ctrlPr>
-                                <a:rPr lang="zh-CN" altLang="zh-CN" sz="1600" i="1" kern="150">
-                                  <a:effectLst/>
-                                  <a:latin typeface="Cambria Math" panose="02040503050406030204" pitchFamily="18" charset="0"/>
-                                  <a:ea typeface="Cambria Math" panose="02040503050406030204" pitchFamily="18" charset="0"/>
-                                  <a:cs typeface="Tahoma" panose="020B0604030504040204" pitchFamily="34" charset="0"/>
-                                </a:rPr>
-                              </m:ctrlPr>
-                            </m:sSupPr>
-                            <m:e>
-                              <m:r>
-                                <a:rPr lang="en-US" altLang="zh-CN" sz="1600" i="1" kern="150">
-                                  <a:effectLst/>
-                                  <a:latin typeface="Cambria Math" panose="02040503050406030204" pitchFamily="18" charset="0"/>
-                                  <a:ea typeface="等线" panose="02010600030101010101" pitchFamily="2" charset="-122"/>
-                                  <a:cs typeface="Tahoma" panose="020B0604030504040204" pitchFamily="34" charset="0"/>
-                                </a:rPr>
-                                <m:t>𝐷</m:t>
-                              </m:r>
-                            </m:e>
-                            <m:sup>
-                              <m:r>
-                                <a:rPr lang="en-US" altLang="zh-CN" sz="1600" i="1" kern="150">
-                                  <a:effectLst/>
-                                  <a:latin typeface="Cambria Math" panose="02040503050406030204" pitchFamily="18" charset="0"/>
-                                  <a:ea typeface="等线" panose="02010600030101010101" pitchFamily="2" charset="-122"/>
-                                  <a:cs typeface="Tahoma" panose="020B0604030504040204" pitchFamily="34" charset="0"/>
-                                </a:rPr>
-                                <m:t>2</m:t>
-                              </m:r>
-                            </m:sup>
-                          </m:sSup>
-                          <m:sSubSup>
-                            <m:sSubSupPr>
-                              <m:ctrlPr>
-                                <a:rPr lang="zh-CN" altLang="zh-CN" sz="1600" i="1" kern="150">
-                                  <a:effectLst/>
-                                  <a:latin typeface="Cambria Math" panose="02040503050406030204" pitchFamily="18" charset="0"/>
-                                  <a:ea typeface="Cambria Math" panose="02040503050406030204" pitchFamily="18" charset="0"/>
-                                  <a:cs typeface="Tahoma" panose="020B0604030504040204" pitchFamily="34" charset="0"/>
-                                </a:rPr>
-                              </m:ctrlPr>
-                            </m:sSubSupPr>
-                            <m:e>
-                              <m:r>
-                                <a:rPr lang="en-US" altLang="zh-CN" sz="1600" i="1" kern="150">
-                                  <a:effectLst/>
-                                  <a:latin typeface="Cambria Math" panose="02040503050406030204" pitchFamily="18" charset="0"/>
-                                  <a:ea typeface="等线" panose="02010600030101010101" pitchFamily="2" charset="-122"/>
-                                  <a:cs typeface="Tahoma" panose="020B0604030504040204" pitchFamily="34" charset="0"/>
-                                </a:rPr>
-                                <m:t>𝛹</m:t>
-                              </m:r>
-                            </m:e>
-                            <m:sub>
-                              <m:r>
-                                <a:rPr lang="en-US" altLang="zh-CN" sz="1600" i="1" kern="150">
-                                  <a:effectLst/>
-                                  <a:latin typeface="Cambria Math" panose="02040503050406030204" pitchFamily="18" charset="0"/>
-                                  <a:ea typeface="等线" panose="02010600030101010101" pitchFamily="2" charset="-122"/>
-                                  <a:cs typeface="Tahoma" panose="020B0604030504040204" pitchFamily="34" charset="0"/>
-                                </a:rPr>
-                                <m:t>𝑛</m:t>
-                              </m:r>
-                            </m:sub>
-                            <m:sup>
-                              <m:r>
-                                <a:rPr lang="en-US" altLang="zh-CN" sz="1600" i="1" kern="150">
-                                  <a:effectLst/>
-                                  <a:latin typeface="Cambria Math" panose="02040503050406030204" pitchFamily="18" charset="0"/>
-                                  <a:ea typeface="等线" panose="02010600030101010101" pitchFamily="2" charset="-122"/>
-                                  <a:cs typeface="Tahoma" panose="020B0604030504040204" pitchFamily="34" charset="0"/>
-                                </a:rPr>
-                                <m:t>∗</m:t>
-                              </m:r>
-                            </m:sup>
-                          </m:sSubSup>
-                        </m:den>
-                      </m:f>
-                      <m:r>
-                        <a:rPr lang="en-US" altLang="zh-CN" sz="1600" b="0" i="1" kern="150" smtClean="0">
-                          <a:effectLst/>
-                          <a:latin typeface="Cambria Math" panose="02040503050406030204" pitchFamily="18" charset="0"/>
-                          <a:ea typeface="等线" panose="02010600030101010101" pitchFamily="2" charset="-122"/>
-                          <a:cs typeface="Tahoma" panose="020B0604030504040204" pitchFamily="34" charset="0"/>
-                        </a:rPr>
-                        <m:t>        </m:t>
-                      </m:r>
-                    </m:oMath>
-                  </m:oMathPara>
-                </a14:m>
-                <a:endParaRPr lang="en-US" altLang="zh-CN" sz="1600" b="0" i="1" kern="150" dirty="0">
-                  <a:effectLst/>
-                  <a:latin typeface="Cambria Math" panose="02040503050406030204" pitchFamily="18" charset="0"/>
-                  <a:ea typeface="等线" panose="02010600030101010101" pitchFamily="2" charset="-122"/>
-                  <a:cs typeface="Tahoma" panose="020B0604030504040204" pitchFamily="34" charset="0"/>
-                </a:endParaRPr>
-              </a:p>
-              <a:p>
-                <a:pPr>
-                  <a:lnSpc>
-                    <a:spcPct val="150000"/>
-                  </a:lnSpc>
-                </a:pPr>
-                <a14:m>
-                  <m:oMathPara xmlns:m="http://schemas.openxmlformats.org/officeDocument/2006/math">
-                    <m:oMathParaPr>
-                      <m:jc m:val="centerGroup"/>
-                    </m:oMathParaPr>
-                    <m:oMath xmlns:m="http://schemas.openxmlformats.org/officeDocument/2006/math">
-                      <m:r>
-                        <a:rPr lang="en-US" altLang="zh-CN" sz="1600" i="1" kern="150">
-                          <a:effectLst/>
-                          <a:latin typeface="Cambria Math" panose="02040503050406030204" pitchFamily="18" charset="0"/>
-                          <a:ea typeface="等线" panose="02010600030101010101" pitchFamily="2" charset="-122"/>
-                          <a:cs typeface="Tahoma" panose="020B0604030504040204" pitchFamily="34" charset="0"/>
-                        </a:rPr>
-                        <m:t>𝑛</m:t>
-                      </m:r>
-                      <m:r>
-                        <a:rPr lang="en-US" altLang="zh-CN" sz="1600" i="1" kern="150">
-                          <a:effectLst/>
-                          <a:latin typeface="Cambria Math" panose="02040503050406030204" pitchFamily="18" charset="0"/>
-                          <a:ea typeface="等线" panose="02010600030101010101" pitchFamily="2" charset="-122"/>
-                          <a:cs typeface="Tahoma" panose="020B0604030504040204" pitchFamily="34" charset="0"/>
-                        </a:rPr>
-                        <m:t>=1,…,</m:t>
-                      </m:r>
-                      <m:r>
-                        <a:rPr lang="en-US" altLang="zh-CN" sz="1600" i="1" kern="150">
-                          <a:effectLst/>
-                          <a:latin typeface="Cambria Math" panose="02040503050406030204" pitchFamily="18" charset="0"/>
-                          <a:ea typeface="等线" panose="02010600030101010101" pitchFamily="2" charset="-122"/>
-                          <a:cs typeface="Tahoma" panose="020B0604030504040204" pitchFamily="34" charset="0"/>
-                        </a:rPr>
-                        <m:t>𝑁</m:t>
-                      </m:r>
-                    </m:oMath>
-                  </m:oMathPara>
-                </a14:m>
-                <a:endParaRPr lang="en-US" altLang="zh-CN" sz="1600" kern="150" dirty="0">
-                  <a:effectLst/>
-                  <a:latin typeface="Times New Roman" panose="02020603050405020304" pitchFamily="18" charset="0"/>
-                  <a:ea typeface="等线" panose="02010600030101010101" pitchFamily="2" charset="-122"/>
-                  <a:cs typeface="Tahoma" panose="020B0604030504040204" pitchFamily="34" charset="0"/>
-                </a:endParaRPr>
-              </a:p>
-              <a:p>
-                <a:pPr>
-                  <a:spcBef>
-                    <a:spcPts val="430"/>
-                  </a:spcBef>
-                  <a:spcAft>
-                    <a:spcPts val="430"/>
-                  </a:spcAft>
-                </a:pPr>
-                <a:r>
-                  <a:rPr lang="zh-CN" altLang="en-US" sz="1600" dirty="0">
-                    <a:latin typeface="微软雅黑" panose="020B0503020204020204" pitchFamily="34" charset="-122"/>
-                    <a:ea typeface="微软雅黑" panose="020B0503020204020204" pitchFamily="34" charset="-122"/>
-                  </a:rPr>
-                  <a:t>并设</a:t>
-                </a:r>
-                <a14:m>
-                  <m:oMath xmlns:m="http://schemas.openxmlformats.org/officeDocument/2006/math">
-                    <m:r>
-                      <a:rPr lang="en-US" altLang="zh-CN" sz="1800" b="1" i="1" kern="150" smtClean="0">
-                        <a:effectLst/>
-                        <a:latin typeface="Cambria Math" panose="02040503050406030204" pitchFamily="18" charset="0"/>
-                        <a:ea typeface="等线" panose="02010600030101010101" pitchFamily="2" charset="-122"/>
-                        <a:cs typeface="Tahoma" panose="020B0604030504040204" pitchFamily="34" charset="0"/>
-                      </a:rPr>
-                      <m:t>𝑸</m:t>
-                    </m:r>
-                    <m:r>
-                      <a:rPr lang="en-US" altLang="zh-CN" sz="1800" i="1" kern="150">
-                        <a:effectLst/>
-                        <a:latin typeface="Cambria Math" panose="02040503050406030204" pitchFamily="18" charset="0"/>
-                        <a:ea typeface="等线" panose="02010600030101010101" pitchFamily="2" charset="-122"/>
-                        <a:cs typeface="Tahoma" panose="020B0604030504040204" pitchFamily="34" charset="0"/>
-                      </a:rPr>
-                      <m:t>=</m:t>
-                    </m:r>
-                    <m:r>
-                      <a:rPr lang="zh-CN" altLang="zh-CN" sz="1800" i="1" kern="150">
-                        <a:effectLst/>
-                        <a:latin typeface="Cambria Math" panose="02040503050406030204" pitchFamily="18" charset="0"/>
-                        <a:ea typeface="等线" panose="02010600030101010101" pitchFamily="2" charset="-122"/>
-                        <a:cs typeface="Tahoma" panose="020B0604030504040204" pitchFamily="34" charset="0"/>
-                      </a:rPr>
-                      <m:t>（</m:t>
-                    </m:r>
-                    <m:sSub>
-                      <m:sSubPr>
-                        <m:ctrlPr>
-                          <a:rPr lang="zh-CN" altLang="zh-CN" sz="1800" i="1" kern="150">
-                            <a:effectLst/>
-                            <a:latin typeface="Cambria Math" panose="02040503050406030204" pitchFamily="18" charset="0"/>
-                            <a:ea typeface="Cambria Math" panose="02040503050406030204" pitchFamily="18" charset="0"/>
-                            <a:cs typeface="Tahoma" panose="020B0604030504040204" pitchFamily="34" charset="0"/>
-                          </a:rPr>
-                        </m:ctrlPr>
-                      </m:sSubPr>
-                      <m:e>
-                        <m:r>
-                          <a:rPr lang="en-US" altLang="zh-CN" sz="1800" i="1" kern="150">
-                            <a:effectLst/>
-                            <a:latin typeface="Cambria Math" panose="02040503050406030204" pitchFamily="18" charset="0"/>
-                            <a:ea typeface="等线" panose="02010600030101010101" pitchFamily="2" charset="-122"/>
-                            <a:cs typeface="Tahoma" panose="020B0604030504040204" pitchFamily="34" charset="0"/>
-                          </a:rPr>
-                          <m:t>𝑄</m:t>
-                        </m:r>
-                      </m:e>
-                      <m:sub>
-                        <m:r>
-                          <a:rPr lang="en-US" altLang="zh-CN" sz="1800" i="1" kern="150">
-                            <a:effectLst/>
-                            <a:latin typeface="Cambria Math" panose="02040503050406030204" pitchFamily="18" charset="0"/>
-                            <a:ea typeface="等线" panose="02010600030101010101" pitchFamily="2" charset="-122"/>
-                            <a:cs typeface="Tahoma" panose="020B0604030504040204" pitchFamily="34" charset="0"/>
-                          </a:rPr>
-                          <m:t>1</m:t>
-                        </m:r>
-                      </m:sub>
-                    </m:sSub>
-                    <m:r>
-                      <a:rPr lang="en-US" altLang="zh-CN" sz="1800" i="1" kern="150">
-                        <a:effectLst/>
-                        <a:latin typeface="Cambria Math" panose="02040503050406030204" pitchFamily="18" charset="0"/>
-                        <a:ea typeface="等线" panose="02010600030101010101" pitchFamily="2" charset="-122"/>
-                        <a:cs typeface="Tahoma" panose="020B0604030504040204" pitchFamily="34" charset="0"/>
-                      </a:rPr>
-                      <m:t>,....,</m:t>
-                    </m:r>
-                    <m:sSub>
-                      <m:sSubPr>
-                        <m:ctrlPr>
-                          <a:rPr lang="zh-CN" altLang="zh-CN" sz="1800" i="1" kern="150">
-                            <a:effectLst/>
-                            <a:latin typeface="Cambria Math" panose="02040503050406030204" pitchFamily="18" charset="0"/>
-                            <a:ea typeface="Cambria Math" panose="02040503050406030204" pitchFamily="18" charset="0"/>
-                            <a:cs typeface="Tahoma" panose="020B0604030504040204" pitchFamily="34" charset="0"/>
-                          </a:rPr>
-                        </m:ctrlPr>
-                      </m:sSubPr>
-                      <m:e>
-                        <m:r>
-                          <a:rPr lang="en-US" altLang="zh-CN" sz="1800" i="1" kern="150">
-                            <a:effectLst/>
-                            <a:latin typeface="Cambria Math" panose="02040503050406030204" pitchFamily="18" charset="0"/>
-                            <a:ea typeface="等线" panose="02010600030101010101" pitchFamily="2" charset="-122"/>
-                            <a:cs typeface="Tahoma" panose="020B0604030504040204" pitchFamily="34" charset="0"/>
-                          </a:rPr>
-                          <m:t>𝑄</m:t>
-                        </m:r>
-                      </m:e>
-                      <m:sub>
-                        <m:r>
-                          <a:rPr lang="en-US" altLang="zh-CN" sz="1800" i="1" kern="150">
-                            <a:effectLst/>
-                            <a:latin typeface="Cambria Math" panose="02040503050406030204" pitchFamily="18" charset="0"/>
-                            <a:ea typeface="等线" panose="02010600030101010101" pitchFamily="2" charset="-122"/>
-                            <a:cs typeface="Tahoma" panose="020B0604030504040204" pitchFamily="34" charset="0"/>
-                          </a:rPr>
-                          <m:t>𝑁</m:t>
-                        </m:r>
-                      </m:sub>
-                    </m:sSub>
-                    <m:sSup>
-                      <m:sSupPr>
-                        <m:ctrlPr>
-                          <a:rPr lang="zh-CN" altLang="zh-CN" sz="1800" i="1" kern="150">
-                            <a:effectLst/>
-                            <a:latin typeface="Cambria Math" panose="02040503050406030204" pitchFamily="18" charset="0"/>
-                            <a:ea typeface="Cambria Math" panose="02040503050406030204" pitchFamily="18" charset="0"/>
-                            <a:cs typeface="Tahoma" panose="020B0604030504040204" pitchFamily="34" charset="0"/>
-                          </a:rPr>
-                        </m:ctrlPr>
-                      </m:sSupPr>
-                      <m:e>
-                        <m:r>
-                          <a:rPr lang="zh-CN" altLang="zh-CN" sz="1800" i="1" kern="150">
-                            <a:effectLst/>
-                            <a:latin typeface="Cambria Math" panose="02040503050406030204" pitchFamily="18" charset="0"/>
-                            <a:ea typeface="等线" panose="02010600030101010101" pitchFamily="2" charset="-122"/>
-                            <a:cs typeface="Tahoma" panose="020B0604030504040204" pitchFamily="34" charset="0"/>
-                          </a:rPr>
-                          <m:t>）</m:t>
-                        </m:r>
-                      </m:e>
-                      <m:sup>
-                        <m:r>
-                          <a:rPr lang="en-US" altLang="zh-CN" sz="1800" i="1" kern="150">
-                            <a:effectLst/>
-                            <a:latin typeface="Cambria Math" panose="02040503050406030204" pitchFamily="18" charset="0"/>
-                            <a:ea typeface="等线" panose="02010600030101010101" pitchFamily="2" charset="-122"/>
-                            <a:cs typeface="Tahoma" panose="020B0604030504040204" pitchFamily="34" charset="0"/>
-                          </a:rPr>
-                          <m:t>𝑇</m:t>
-                        </m:r>
-                      </m:sup>
-                    </m:sSup>
-                  </m:oMath>
-                </a14:m>
-                <a:r>
-                  <a:rPr lang="zh-CN" altLang="en-US" sz="1600" dirty="0">
-                    <a:latin typeface="微软雅黑" panose="020B0503020204020204" pitchFamily="34" charset="-122"/>
-                    <a:ea typeface="微软雅黑" panose="020B0503020204020204" pitchFamily="34" charset="-122"/>
-                  </a:rPr>
-                  <a:t>和</a:t>
-                </a:r>
-                <a14:m>
-                  <m:oMath xmlns:m="http://schemas.openxmlformats.org/officeDocument/2006/math">
-                    <m:sSup>
-                      <m:sSupPr>
-                        <m:ctrlPr>
-                          <a:rPr lang="zh-CN" altLang="zh-CN" sz="1800" i="1" kern="150">
-                            <a:effectLst/>
-                            <a:latin typeface="Cambria Math" panose="02040503050406030204" pitchFamily="18" charset="0"/>
-                            <a:ea typeface="Cambria Math" panose="02040503050406030204" pitchFamily="18" charset="0"/>
-                            <a:cs typeface="Tahoma" panose="020B0604030504040204" pitchFamily="34" charset="0"/>
-                          </a:rPr>
-                        </m:ctrlPr>
-                      </m:sSupPr>
-                      <m:e>
-                        <m:r>
-                          <a:rPr lang="en-US" altLang="zh-CN" sz="1800" b="1" i="1" kern="150">
-                            <a:effectLst/>
-                            <a:latin typeface="Cambria Math" panose="02040503050406030204" pitchFamily="18" charset="0"/>
-                            <a:ea typeface="等线" panose="02010600030101010101" pitchFamily="2" charset="-122"/>
-                            <a:cs typeface="Tahoma" panose="020B0604030504040204" pitchFamily="34" charset="0"/>
-                          </a:rPr>
-                          <m:t>𝜳</m:t>
-                        </m:r>
-                      </m:e>
-                      <m:sup>
-                        <m:r>
-                          <a:rPr lang="en-US" altLang="zh-CN" sz="1800" b="1" i="1" kern="150">
-                            <a:effectLst/>
-                            <a:latin typeface="Cambria Math" panose="02040503050406030204" pitchFamily="18" charset="0"/>
-                            <a:ea typeface="等线" panose="02010600030101010101" pitchFamily="2" charset="-122"/>
-                            <a:cs typeface="Tahoma" panose="020B0604030504040204" pitchFamily="34" charset="0"/>
-                          </a:rPr>
-                          <m:t>∗</m:t>
-                        </m:r>
-                      </m:sup>
-                    </m:sSup>
-                    <m:r>
-                      <a:rPr lang="en-US" altLang="zh-CN" sz="1800" i="1" kern="150">
-                        <a:effectLst/>
-                        <a:latin typeface="Cambria Math" panose="02040503050406030204" pitchFamily="18" charset="0"/>
-                        <a:ea typeface="等线" panose="02010600030101010101" pitchFamily="2" charset="-122"/>
-                        <a:cs typeface="Tahoma" panose="020B0604030504040204" pitchFamily="34" charset="0"/>
-                      </a:rPr>
-                      <m:t>=</m:t>
-                    </m:r>
-                    <m:r>
-                      <a:rPr lang="zh-CN" altLang="zh-CN" sz="1800" i="1" kern="150">
-                        <a:effectLst/>
-                        <a:latin typeface="Cambria Math" panose="02040503050406030204" pitchFamily="18" charset="0"/>
-                        <a:ea typeface="等线" panose="02010600030101010101" pitchFamily="2" charset="-122"/>
-                        <a:cs typeface="Tahoma" panose="020B0604030504040204" pitchFamily="34" charset="0"/>
-                      </a:rPr>
-                      <m:t>（</m:t>
-                    </m:r>
-                    <m:sSubSup>
-                      <m:sSubSupPr>
-                        <m:ctrlPr>
-                          <a:rPr lang="zh-CN" altLang="zh-CN" sz="1800" i="1" kern="150">
-                            <a:effectLst/>
-                            <a:latin typeface="Cambria Math" panose="02040503050406030204" pitchFamily="18" charset="0"/>
-                            <a:ea typeface="Cambria Math" panose="02040503050406030204" pitchFamily="18" charset="0"/>
-                            <a:cs typeface="Tahoma" panose="020B0604030504040204" pitchFamily="34" charset="0"/>
-                          </a:rPr>
-                        </m:ctrlPr>
-                      </m:sSubSupPr>
-                      <m:e>
-                        <m:r>
-                          <a:rPr lang="en-US" altLang="zh-CN" sz="1800" i="1" kern="150">
-                            <a:effectLst/>
-                            <a:latin typeface="Cambria Math" panose="02040503050406030204" pitchFamily="18" charset="0"/>
-                            <a:ea typeface="等线" panose="02010600030101010101" pitchFamily="2" charset="-122"/>
-                            <a:cs typeface="Tahoma" panose="020B0604030504040204" pitchFamily="34" charset="0"/>
-                          </a:rPr>
-                          <m:t>𝛹</m:t>
-                        </m:r>
-                      </m:e>
-                      <m:sub>
-                        <m:r>
-                          <a:rPr lang="en-US" altLang="zh-CN" sz="1800" i="1" kern="150">
-                            <a:effectLst/>
-                            <a:latin typeface="Cambria Math" panose="02040503050406030204" pitchFamily="18" charset="0"/>
-                            <a:ea typeface="等线" panose="02010600030101010101" pitchFamily="2" charset="-122"/>
-                            <a:cs typeface="Tahoma" panose="020B0604030504040204" pitchFamily="34" charset="0"/>
-                          </a:rPr>
-                          <m:t>1</m:t>
-                        </m:r>
-                      </m:sub>
-                      <m:sup>
-                        <m:r>
-                          <a:rPr lang="en-US" altLang="zh-CN" sz="1800" i="1" kern="150">
-                            <a:effectLst/>
-                            <a:latin typeface="Cambria Math" panose="02040503050406030204" pitchFamily="18" charset="0"/>
-                            <a:ea typeface="等线" panose="02010600030101010101" pitchFamily="2" charset="-122"/>
-                            <a:cs typeface="Tahoma" panose="020B0604030504040204" pitchFamily="34" charset="0"/>
-                          </a:rPr>
-                          <m:t>∗</m:t>
-                        </m:r>
-                      </m:sup>
-                    </m:sSubSup>
-                    <m:r>
-                      <a:rPr lang="en-US" altLang="zh-CN" sz="1800" i="1" kern="150">
-                        <a:effectLst/>
-                        <a:latin typeface="Cambria Math" panose="02040503050406030204" pitchFamily="18" charset="0"/>
-                        <a:ea typeface="等线" panose="02010600030101010101" pitchFamily="2" charset="-122"/>
-                        <a:cs typeface="Tahoma" panose="020B0604030504040204" pitchFamily="34" charset="0"/>
-                      </a:rPr>
-                      <m:t>,....,</m:t>
-                    </m:r>
-                    <m:sSubSup>
-                      <m:sSubSupPr>
-                        <m:ctrlPr>
-                          <a:rPr lang="zh-CN" altLang="zh-CN" sz="1800" i="1" kern="150">
-                            <a:effectLst/>
-                            <a:latin typeface="Cambria Math" panose="02040503050406030204" pitchFamily="18" charset="0"/>
-                            <a:ea typeface="Cambria Math" panose="02040503050406030204" pitchFamily="18" charset="0"/>
-                            <a:cs typeface="Tahoma" panose="020B0604030504040204" pitchFamily="34" charset="0"/>
-                          </a:rPr>
-                        </m:ctrlPr>
-                      </m:sSubSupPr>
-                      <m:e>
-                        <m:r>
-                          <a:rPr lang="en-US" altLang="zh-CN" sz="1800" i="1" kern="150">
-                            <a:effectLst/>
-                            <a:latin typeface="Cambria Math" panose="02040503050406030204" pitchFamily="18" charset="0"/>
-                            <a:ea typeface="等线" panose="02010600030101010101" pitchFamily="2" charset="-122"/>
-                            <a:cs typeface="Tahoma" panose="020B0604030504040204" pitchFamily="34" charset="0"/>
-                          </a:rPr>
-                          <m:t>𝛹</m:t>
-                        </m:r>
-                      </m:e>
-                      <m:sub>
-                        <m:r>
-                          <a:rPr lang="en-US" altLang="zh-CN" sz="1800" i="1" kern="150">
-                            <a:effectLst/>
-                            <a:latin typeface="Cambria Math" panose="02040503050406030204" pitchFamily="18" charset="0"/>
-                            <a:ea typeface="等线" panose="02010600030101010101" pitchFamily="2" charset="-122"/>
-                            <a:cs typeface="Tahoma" panose="020B0604030504040204" pitchFamily="34" charset="0"/>
-                          </a:rPr>
-                          <m:t>𝑁</m:t>
-                        </m:r>
-                      </m:sub>
-                      <m:sup>
-                        <m:r>
-                          <a:rPr lang="en-US" altLang="zh-CN" sz="1800" i="1" kern="150">
-                            <a:effectLst/>
-                            <a:latin typeface="Cambria Math" panose="02040503050406030204" pitchFamily="18" charset="0"/>
-                            <a:ea typeface="等线" panose="02010600030101010101" pitchFamily="2" charset="-122"/>
-                            <a:cs typeface="Tahoma" panose="020B0604030504040204" pitchFamily="34" charset="0"/>
-                          </a:rPr>
-                          <m:t>∗</m:t>
-                        </m:r>
-                      </m:sup>
-                    </m:sSubSup>
-                    <m:sSup>
-                      <m:sSupPr>
-                        <m:ctrlPr>
-                          <a:rPr lang="zh-CN" altLang="zh-CN" sz="1800" i="1" kern="150">
-                            <a:effectLst/>
-                            <a:latin typeface="Cambria Math" panose="02040503050406030204" pitchFamily="18" charset="0"/>
-                            <a:ea typeface="Cambria Math" panose="02040503050406030204" pitchFamily="18" charset="0"/>
-                            <a:cs typeface="Tahoma" panose="020B0604030504040204" pitchFamily="34" charset="0"/>
-                          </a:rPr>
-                        </m:ctrlPr>
-                      </m:sSupPr>
-                      <m:e>
-                        <m:r>
-                          <a:rPr lang="zh-CN" altLang="zh-CN" sz="1800" i="1" kern="150">
-                            <a:effectLst/>
-                            <a:latin typeface="Cambria Math" panose="02040503050406030204" pitchFamily="18" charset="0"/>
-                            <a:ea typeface="等线" panose="02010600030101010101" pitchFamily="2" charset="-122"/>
-                            <a:cs typeface="Tahoma" panose="020B0604030504040204" pitchFamily="34" charset="0"/>
-                          </a:rPr>
-                          <m:t>）</m:t>
-                        </m:r>
-                      </m:e>
-                      <m:sup>
-                        <m:r>
-                          <a:rPr lang="en-US" altLang="zh-CN" sz="1800" i="1" kern="150">
-                            <a:effectLst/>
-                            <a:latin typeface="Cambria Math" panose="02040503050406030204" pitchFamily="18" charset="0"/>
-                            <a:ea typeface="等线" panose="02010600030101010101" pitchFamily="2" charset="-122"/>
-                            <a:cs typeface="Tahoma" panose="020B0604030504040204" pitchFamily="34" charset="0"/>
-                          </a:rPr>
-                          <m:t>𝑇</m:t>
-                        </m:r>
-                      </m:sup>
-                    </m:sSup>
-                  </m:oMath>
-                </a14:m>
-                <a:r>
-                  <a:rPr lang="zh-CN" altLang="en-US" sz="1600" dirty="0">
-                    <a:latin typeface="微软雅黑" panose="020B0503020204020204" pitchFamily="34" charset="-122"/>
-                    <a:ea typeface="微软雅黑" panose="020B0503020204020204" pitchFamily="34" charset="-122"/>
-                  </a:rPr>
-                  <a:t>。</a:t>
-                </a:r>
-                <a:endParaRPr lang="en-US" altLang="zh-CN" sz="1600" dirty="0">
-                  <a:latin typeface="微软雅黑" panose="020B0503020204020204" pitchFamily="34" charset="-122"/>
-                  <a:ea typeface="微软雅黑" panose="020B0503020204020204" pitchFamily="34" charset="-122"/>
-                </a:endParaRPr>
-              </a:p>
-              <a:p>
-                <a:pPr>
-                  <a:spcBef>
-                    <a:spcPts val="430"/>
-                  </a:spcBef>
-                  <a:spcAft>
-                    <a:spcPts val="430"/>
-                  </a:spcAft>
-                </a:pPr>
-                <a:r>
-                  <a:rPr lang="zh-CN" altLang="en-US" sz="1600" dirty="0">
-                    <a:latin typeface="微软雅黑" panose="020B0503020204020204" pitchFamily="34" charset="-122"/>
-                    <a:ea typeface="微软雅黑" panose="020B0503020204020204" pitchFamily="34" charset="-122"/>
-                  </a:rPr>
-                  <a:t>其中</a:t>
-                </a:r>
-                <a14:m>
-                  <m:oMath xmlns:m="http://schemas.openxmlformats.org/officeDocument/2006/math">
-                    <m:r>
-                      <a:rPr lang="en-US" altLang="zh-CN" sz="1600" i="1" kern="150">
-                        <a:latin typeface="Cambria Math" panose="02040503050406030204" pitchFamily="18" charset="0"/>
-                        <a:ea typeface="等线" panose="02010600030101010101" pitchFamily="2" charset="-122"/>
-                        <a:cs typeface="Tahoma" panose="020B0604030504040204" pitchFamily="34" charset="0"/>
-                      </a:rPr>
-                      <m:t>𝐷</m:t>
-                    </m:r>
-                  </m:oMath>
-                </a14:m>
-                <a:r>
-                  <a:rPr lang="zh-CN" altLang="en-US" sz="1600" dirty="0">
-                    <a:latin typeface="微软雅黑" panose="020B0503020204020204" pitchFamily="34" charset="-122"/>
-                    <a:ea typeface="微软雅黑" panose="020B0503020204020204" pitchFamily="34" charset="-122"/>
-                  </a:rPr>
-                  <a:t>表示喷嘴的喉部直径，</a:t>
-                </a:r>
-                <a14:m>
-                  <m:oMath xmlns:m="http://schemas.openxmlformats.org/officeDocument/2006/math">
-                    <m:r>
-                      <a:rPr lang="en-US" altLang="zh-CN" sz="1600" i="1" kern="150" smtClean="0">
-                        <a:effectLst/>
-                        <a:latin typeface="Cambria Math" panose="02040503050406030204" pitchFamily="18" charset="0"/>
-                        <a:ea typeface="等线" panose="02010600030101010101" pitchFamily="2" charset="-122"/>
-                        <a:cs typeface="Tahoma" panose="020B0604030504040204" pitchFamily="34" charset="0"/>
-                      </a:rPr>
-                      <m:t>𝑀</m:t>
-                    </m:r>
-                  </m:oMath>
-                </a14:m>
-                <a:r>
-                  <a:rPr lang="zh-CN" altLang="en-US" sz="1600" dirty="0">
-                    <a:latin typeface="微软雅黑" panose="020B0503020204020204" pitchFamily="34" charset="-122"/>
-                    <a:ea typeface="微软雅黑" panose="020B0503020204020204" pitchFamily="34" charset="-122"/>
-                  </a:rPr>
-                  <a:t>表示气体的动态粘度，表示第</a:t>
-                </a:r>
-                <a14:m>
-                  <m:oMath xmlns:m="http://schemas.openxmlformats.org/officeDocument/2006/math">
-                    <m:r>
-                      <a:rPr lang="en-US" altLang="zh-CN" sz="1600" i="1" kern="150">
-                        <a:latin typeface="Cambria Math" panose="02040503050406030204" pitchFamily="18" charset="0"/>
-                        <a:ea typeface="等线" panose="02010600030101010101" pitchFamily="2" charset="-122"/>
-                        <a:cs typeface="Tahoma" panose="020B0604030504040204" pitchFamily="34" charset="0"/>
-                      </a:rPr>
-                      <m:t>𝑛</m:t>
-                    </m:r>
-                  </m:oMath>
-                </a14:m>
-                <a:r>
-                  <a:rPr lang="zh-CN" altLang="en-US" sz="1600" dirty="0">
-                    <a:latin typeface="微软雅黑" panose="020B0503020204020204" pitchFamily="34" charset="-122"/>
-                    <a:ea typeface="微软雅黑" panose="020B0503020204020204" pitchFamily="34" charset="-122"/>
-                  </a:rPr>
-                  <a:t>个实际流速。</a:t>
-                </a:r>
-                <a:endParaRPr lang="en-US" altLang="zh-CN" sz="1600" dirty="0">
-                  <a:latin typeface="微软雅黑" panose="020B0503020204020204" pitchFamily="34" charset="-122"/>
-                  <a:ea typeface="微软雅黑" panose="020B0503020204020204" pitchFamily="34" charset="-122"/>
-                </a:endParaRPr>
-              </a:p>
-              <a:p>
-                <a:pPr>
-                  <a:spcBef>
-                    <a:spcPts val="430"/>
-                  </a:spcBef>
-                  <a:spcAft>
-                    <a:spcPts val="430"/>
-                  </a:spcAft>
-                </a:pPr>
-                <a:r>
-                  <a:rPr lang="zh-CN" altLang="en-US" sz="1600" dirty="0">
-                    <a:latin typeface="微软雅黑" panose="020B0503020204020204" pitchFamily="34" charset="-122"/>
-                    <a:ea typeface="微软雅黑" panose="020B0503020204020204" pitchFamily="34" charset="-122"/>
-                  </a:rPr>
-                  <a:t>该方程定义了中间变量</a:t>
-                </a:r>
-                <a14:m>
-                  <m:oMath xmlns:m="http://schemas.openxmlformats.org/officeDocument/2006/math">
-                    <m:d>
-                      <m:dPr>
-                        <m:ctrlPr>
-                          <a:rPr lang="en-US" altLang="zh-CN" sz="1600" b="1" i="1" smtClean="0">
-                            <a:latin typeface="Cambria Math" panose="02040503050406030204" pitchFamily="18" charset="0"/>
-                            <a:ea typeface="微软雅黑" panose="020B0503020204020204" pitchFamily="34" charset="-122"/>
-                          </a:rPr>
-                        </m:ctrlPr>
-                      </m:dPr>
-                      <m:e>
-                        <m:r>
-                          <a:rPr lang="en-US" altLang="zh-CN" sz="1600" b="1" i="1">
-                            <a:latin typeface="Cambria Math" panose="02040503050406030204" pitchFamily="18" charset="0"/>
-                            <a:ea typeface="微软雅黑" panose="020B0503020204020204" pitchFamily="34" charset="-122"/>
-                          </a:rPr>
-                          <m:t>𝑿</m:t>
-                        </m:r>
-                        <m:r>
-                          <a:rPr lang="en-US" altLang="zh-CN" sz="1600" b="1" i="1" smtClean="0">
-                            <a:latin typeface="Cambria Math" panose="02040503050406030204" pitchFamily="18" charset="0"/>
-                            <a:ea typeface="微软雅黑" panose="020B0503020204020204" pitchFamily="34" charset="-122"/>
-                          </a:rPr>
-                          <m:t>,</m:t>
-                        </m:r>
-                        <m:r>
-                          <a:rPr lang="en-US" altLang="zh-CN" sz="1600" b="1" i="1">
-                            <a:latin typeface="Cambria Math" panose="02040503050406030204" pitchFamily="18" charset="0"/>
-                            <a:ea typeface="微软雅黑" panose="020B0503020204020204" pitchFamily="34" charset="-122"/>
-                          </a:rPr>
-                          <m:t>𝒀</m:t>
-                        </m:r>
-                      </m:e>
-                    </m:d>
-                  </m:oMath>
-                </a14:m>
-                <a:r>
-                  <a:rPr lang="zh-CN" altLang="en-US" sz="1600" dirty="0">
-                    <a:latin typeface="微软雅黑" panose="020B0503020204020204" pitchFamily="34" charset="-122"/>
-                    <a:ea typeface="微软雅黑" panose="020B0503020204020204" pitchFamily="34" charset="-122"/>
-                  </a:rPr>
-                  <a:t>的测量模型。</a:t>
-                </a:r>
-                <a:endParaRPr lang="en-US" altLang="zh-CN" sz="1600" dirty="0">
-                  <a:latin typeface="微软雅黑" panose="020B0503020204020204" pitchFamily="34" charset="-122"/>
-                  <a:ea typeface="微软雅黑" panose="020B0503020204020204" pitchFamily="34" charset="-122"/>
-                </a:endParaRPr>
-              </a:p>
-              <a:p>
-                <a:pPr>
-                  <a:spcBef>
-                    <a:spcPts val="430"/>
-                  </a:spcBef>
-                  <a:spcAft>
-                    <a:spcPts val="430"/>
-                  </a:spcAft>
-                </a:pPr>
-                <a:endParaRPr lang="zh-CN" altLang="zh-CN" sz="1800" kern="150" dirty="0">
-                  <a:effectLst/>
-                  <a:latin typeface="Times New Roman" panose="02020603050405020304" pitchFamily="18" charset="0"/>
-                  <a:ea typeface="等线" panose="02010600030101010101" pitchFamily="2" charset="-122"/>
-                  <a:cs typeface="Tahoma" panose="020B0604030504040204" pitchFamily="34" charset="0"/>
-                </a:endParaRPr>
-              </a:p>
-              <a:p>
-                <a:pPr>
-                  <a:lnSpc>
-                    <a:spcPct val="150000"/>
-                  </a:lnSpc>
-                </a:pPr>
-                <a:endParaRPr lang="zh-CN" altLang="zh-CN" sz="1600" dirty="0">
-                  <a:latin typeface="微软雅黑" panose="020B0503020204020204" pitchFamily="34" charset="-122"/>
-                  <a:ea typeface="微软雅黑" panose="020B0503020204020204" pitchFamily="34" charset="-122"/>
-                </a:endParaRPr>
-              </a:p>
-              <a:p>
-                <a:endParaRPr lang="zh-CN" altLang="en-US" dirty="0">
-                  <a:latin typeface="微软雅黑" panose="020B0503020204020204" pitchFamily="34" charset="-122"/>
-                  <a:ea typeface="微软雅黑" panose="020B0503020204020204" pitchFamily="34" charset="-122"/>
-                </a:endParaRPr>
-              </a:p>
-            </p:txBody>
-          </p:sp>
-        </mc:Choice>
-        <mc:Fallback xmlns="">
-          <p:sp>
-            <p:nvSpPr>
-              <p:cNvPr id="4" name="文本框 3">
-                <a:extLst>
-                  <a:ext uri="{FF2B5EF4-FFF2-40B4-BE49-F238E27FC236}">
-                    <a16:creationId xmlns:a16="http://schemas.microsoft.com/office/drawing/2014/main" id="{5C6310C2-6E2C-D0AF-B448-4C41D5FF11C6}"/>
-                  </a:ext>
-                </a:extLst>
-              </p:cNvPr>
-              <p:cNvSpPr txBox="1">
-                <a:spLocks noRot="1" noChangeAspect="1" noMove="1" noResize="1" noEditPoints="1" noAdjustHandles="1" noChangeArrowheads="1" noChangeShapeType="1" noTextEdit="1"/>
-              </p:cNvSpPr>
-              <p:nvPr/>
-            </p:nvSpPr>
-            <p:spPr>
-              <a:xfrm>
-                <a:off x="1356991" y="1208537"/>
-                <a:ext cx="6840760" cy="4400948"/>
-              </a:xfrm>
-              <a:prstGeom prst="rect">
-                <a:avLst/>
-              </a:prstGeom>
-              <a:blipFill>
-                <a:blip r:embed="rId6"/>
-                <a:stretch>
-                  <a:fillRect l="-535" r="-3387"/>
-                </a:stretch>
-              </a:blipFill>
-            </p:spPr>
-            <p:txBody>
-              <a:bodyPr/>
-              <a:lstStyle/>
-              <a:p>
-                <a:r>
-                  <a:rPr lang="zh-CN" altLang="en-US">
-                    <a:noFill/>
-                  </a:rPr>
-                  <a:t> </a:t>
-                </a:r>
-              </a:p>
-            </p:txBody>
-          </p:sp>
-        </mc:Fallback>
-      </mc:AlternateContent>
-      <p:sp>
-        <p:nvSpPr>
-          <p:cNvPr id="5" name="矩形 2">
+      <p:sp>
+        <p:nvSpPr>
+          <p:cNvPr id="3" name="Rectangle 1">
             <a:extLst>
               <a:ext uri="{FF2B5EF4-FFF2-40B4-BE49-F238E27FC236}">
-                <a16:creationId xmlns:a16="http://schemas.microsoft.com/office/drawing/2014/main" id="{3D9B6D87-AF4A-5A5F-891D-33FC01D3C404}"/>
+                <a16:creationId xmlns:a16="http://schemas.microsoft.com/office/drawing/2014/main" id="{3C7BBDCA-D8FB-450B-8E76-AD8BD30FDBB0}"/>
+              </a:ext>
+            </a:extLst>
+          </p:cNvPr>
+          <p:cNvSpPr>
+            <a:spLocks noChangeArrowheads="1"/>
+          </p:cNvSpPr>
+          <p:nvPr/>
+        </p:nvSpPr>
+        <p:spPr bwMode="auto">
+          <a:xfrm>
+            <a:off x="701570" y="1626164"/>
+            <a:ext cx="7740860" cy="1197572"/>
+          </a:xfrm>
+          <a:prstGeom prst="rect">
+            <a:avLst/>
+          </a:prstGeom>
+          <a:solidFill>
+            <a:srgbClr val="FFFFFF"/>
+          </a:solidFill>
+          <a:ln>
+            <a:noFill/>
+          </a:ln>
+          <a:effectLst/>
+          <a:extLst>
+            <a:ext uri="{91240B29-F687-4F45-9708-019B960494DF}">
+              <a14:hiddenLine xmlns:a14="http://schemas.microsoft.com/office/drawing/2010/main" w="9525">
+                <a:solidFill>
+                  <a:schemeClr val="tx1"/>
+                </a:solidFill>
+                <a:miter lim="800000"/>
+                <a:headEnd/>
+                <a:tailEnd/>
+              </a14:hiddenLine>
+            </a:ext>
+            <a:ext uri="{AF507438-7753-43E0-B8FC-AC1667EBCBE1}">
+              <a14:hiddenEffects xmlns:a14="http://schemas.microsoft.com/office/drawing/2010/main">
+                <a:effectLst>
+                  <a:outerShdw dist="35921" dir="2700000" algn="ctr" rotWithShape="0">
+                    <a:schemeClr val="bg2"/>
+                  </a:outerShdw>
+                </a:effectLst>
+              </a14:hiddenEffects>
+            </a:ext>
+          </a:extLst>
+        </p:spPr>
+        <p:txBody>
+          <a:bodyPr vert="horz" wrap="square" lIns="0" tIns="0" rIns="12696" bIns="0" numCol="1" anchor="ctr" anchorCtr="0" compatLnSpc="1">
+            <a:prstTxWarp prst="textNoShape">
+              <a:avLst/>
+            </a:prstTxWarp>
+            <a:spAutoFit/>
+          </a:bodyPr>
+          <a:lstStyle/>
+          <a:p>
+            <a:pPr marL="0" marR="0" lvl="0" indent="0" algn="l" defTabSz="914400" rtl="0" eaLnBrk="0" fontAlgn="base" latinLnBrk="0" hangingPunct="0">
+              <a:lnSpc>
+                <a:spcPct val="150000"/>
+              </a:lnSpc>
+              <a:spcBef>
+                <a:spcPct val="0"/>
+              </a:spcBef>
+              <a:spcAft>
+                <a:spcPct val="0"/>
+              </a:spcAft>
+              <a:buClrTx/>
+              <a:buSzTx/>
+              <a:buFontTx/>
+              <a:buNone/>
+              <a:tabLst/>
+            </a:pPr>
+            <a:r>
+              <a:rPr kumimoji="0" lang="zh-CN" altLang="zh-CN" b="1" i="0" u="none" strike="noStrike" cap="none" normalizeH="0" baseline="0" dirty="0">
+                <a:ln>
+                  <a:noFill/>
+                </a:ln>
+                <a:solidFill>
+                  <a:srgbClr val="4D4D4D"/>
+                </a:solidFill>
+                <a:effectLst/>
+                <a:latin typeface="微软雅黑" panose="020B0503020204020204" pitchFamily="34" charset="-122"/>
+                <a:ea typeface="微软雅黑" panose="020B0503020204020204" pitchFamily="34" charset="-122"/>
+              </a:rPr>
+              <a:t>蒙特卡罗方法</a:t>
+            </a:r>
+            <a:r>
+              <a:rPr kumimoji="0" lang="zh-CN" altLang="zh-CN" b="0" i="0" u="none" strike="noStrike" cap="none" normalizeH="0" baseline="0" dirty="0">
+                <a:ln>
+                  <a:noFill/>
+                </a:ln>
+                <a:solidFill>
+                  <a:srgbClr val="4D4D4D"/>
+                </a:solidFill>
+                <a:effectLst/>
+                <a:latin typeface="Times New Roman" panose="02020603050405020304" pitchFamily="18" charset="0"/>
+                <a:ea typeface="微软雅黑" panose="020B0503020204020204" pitchFamily="34" charset="-122"/>
+                <a:cs typeface="Times New Roman" panose="02020603050405020304" pitchFamily="18" charset="0"/>
+              </a:rPr>
+              <a:t>（Monte Carlo method）</a:t>
+            </a:r>
+            <a:r>
+              <a:rPr kumimoji="0" lang="zh-CN" altLang="en-US" b="0" i="0" u="none" strike="noStrike" cap="none" normalizeH="0" baseline="0" dirty="0">
+                <a:ln>
+                  <a:noFill/>
+                </a:ln>
+                <a:solidFill>
+                  <a:srgbClr val="4D4D4D"/>
+                </a:solidFill>
+                <a:effectLst/>
+                <a:latin typeface="Times New Roman" panose="02020603050405020304" pitchFamily="18" charset="0"/>
+                <a:ea typeface="微软雅黑" panose="020B0503020204020204" pitchFamily="34" charset="-122"/>
+                <a:cs typeface="Times New Roman" panose="02020603050405020304" pitchFamily="18" charset="0"/>
+              </a:rPr>
+              <a:t>，</a:t>
+            </a:r>
+            <a:r>
+              <a:rPr kumimoji="0" lang="zh-CN" altLang="zh-CN" b="0" i="0" u="none" strike="noStrike" cap="none" normalizeH="0" baseline="0" dirty="0">
+                <a:ln>
+                  <a:noFill/>
+                </a:ln>
+                <a:solidFill>
+                  <a:srgbClr val="4D4D4D"/>
+                </a:solidFill>
+                <a:effectLst/>
+                <a:latin typeface="微软雅黑" panose="020B0503020204020204" pitchFamily="34" charset="-122"/>
+                <a:ea typeface="微软雅黑" panose="020B0503020204020204" pitchFamily="34" charset="-122"/>
+              </a:rPr>
+              <a:t>也称</a:t>
+            </a:r>
+            <a:r>
+              <a:rPr kumimoji="0" lang="zh-CN" altLang="zh-CN" b="1" i="0" u="none" strike="noStrike" cap="none" normalizeH="0" baseline="0" dirty="0">
+                <a:ln>
+                  <a:noFill/>
+                </a:ln>
+                <a:solidFill>
+                  <a:srgbClr val="4D4D4D"/>
+                </a:solidFill>
+                <a:effectLst/>
+                <a:latin typeface="微软雅黑" panose="020B0503020204020204" pitchFamily="34" charset="-122"/>
+                <a:ea typeface="微软雅黑" panose="020B0503020204020204" pitchFamily="34" charset="-122"/>
+              </a:rPr>
+              <a:t>统计模拟方法</a:t>
+            </a:r>
+            <a:br>
+              <a:rPr kumimoji="0" lang="zh-CN" altLang="zh-CN" b="0" i="0" u="none" strike="noStrike" cap="none" normalizeH="0" baseline="0" dirty="0">
+                <a:ln>
+                  <a:noFill/>
+                </a:ln>
+                <a:solidFill>
+                  <a:srgbClr val="4D4D4D"/>
+                </a:solidFill>
+                <a:effectLst/>
+                <a:latin typeface="微软雅黑" panose="020B0503020204020204" pitchFamily="34" charset="-122"/>
+                <a:ea typeface="微软雅黑" panose="020B0503020204020204" pitchFamily="34" charset="-122"/>
+              </a:rPr>
+            </a:br>
+            <a:r>
+              <a:rPr kumimoji="0" lang="zh-CN" altLang="zh-CN" b="0" i="0" u="none" strike="noStrike" cap="none" normalizeH="0" baseline="0" dirty="0">
+                <a:ln>
+                  <a:noFill/>
+                </a:ln>
+                <a:solidFill>
+                  <a:srgbClr val="4D4D4D"/>
+                </a:solidFill>
+                <a:effectLst/>
+                <a:latin typeface="微软雅黑" panose="020B0503020204020204" pitchFamily="34" charset="-122"/>
+                <a:ea typeface="微软雅黑" panose="020B0503020204020204" pitchFamily="34" charset="-122"/>
+              </a:rPr>
+              <a:t>理论基础是</a:t>
+            </a:r>
+            <a:r>
+              <a:rPr kumimoji="0" lang="zh-CN" altLang="zh-CN" b="1" i="0" u="none" strike="noStrike" cap="none" normalizeH="0" baseline="0" dirty="0">
+                <a:ln>
+                  <a:noFill/>
+                </a:ln>
+                <a:solidFill>
+                  <a:srgbClr val="4D4D4D"/>
+                </a:solidFill>
+                <a:effectLst/>
+                <a:latin typeface="微软雅黑" panose="020B0503020204020204" pitchFamily="34" charset="-122"/>
+                <a:ea typeface="微软雅黑" panose="020B0503020204020204" pitchFamily="34" charset="-122"/>
+              </a:rPr>
+              <a:t>大数定律</a:t>
+            </a:r>
+            <a:r>
+              <a:rPr kumimoji="0" lang="zh-CN" altLang="zh-CN" b="0" i="0" u="none" strike="noStrike" cap="none" normalizeH="0" baseline="0" dirty="0">
+                <a:ln>
+                  <a:noFill/>
+                </a:ln>
+                <a:solidFill>
+                  <a:srgbClr val="4D4D4D"/>
+                </a:solidFill>
+                <a:effectLst/>
+                <a:latin typeface="微软雅黑" panose="020B0503020204020204" pitchFamily="34" charset="-122"/>
+                <a:ea typeface="微软雅黑" panose="020B0503020204020204" pitchFamily="34" charset="-122"/>
+              </a:rPr>
+              <a:t>。大数定律是描述相当多次数重复试验的结果的定律，</a:t>
+            </a:r>
+            <a:r>
+              <a:rPr kumimoji="0" lang="zh-CN" altLang="zh-CN" i="0" u="none" strike="noStrike" cap="none" normalizeH="0" baseline="0" dirty="0">
+                <a:ln>
+                  <a:noFill/>
+                </a:ln>
+                <a:solidFill>
+                  <a:srgbClr val="4D4D4D"/>
+                </a:solidFill>
+                <a:effectLst/>
+                <a:latin typeface="微软雅黑" panose="020B0503020204020204" pitchFamily="34" charset="-122"/>
+                <a:ea typeface="微软雅黑" panose="020B0503020204020204" pitchFamily="34" charset="-122"/>
+              </a:rPr>
+              <a:t>在大数定理的保证下</a:t>
+            </a:r>
+            <a:r>
+              <a:rPr kumimoji="0" lang="zh-CN" altLang="en-US" i="0" u="none" strike="noStrike" cap="none" normalizeH="0" baseline="0" dirty="0">
+                <a:ln>
+                  <a:noFill/>
+                </a:ln>
+                <a:solidFill>
+                  <a:srgbClr val="4D4D4D"/>
+                </a:solidFill>
+                <a:effectLst/>
+                <a:latin typeface="微软雅黑" panose="020B0503020204020204" pitchFamily="34" charset="-122"/>
+                <a:ea typeface="微软雅黑" panose="020B0503020204020204" pitchFamily="34" charset="-122"/>
+              </a:rPr>
+              <a:t>：</a:t>
+            </a:r>
+            <a:r>
+              <a:rPr kumimoji="0" lang="zh-CN" altLang="zh-CN" i="0" u="none" strike="noStrike" cap="none" normalizeH="0" baseline="0" dirty="0">
+                <a:ln>
+                  <a:noFill/>
+                </a:ln>
+                <a:solidFill>
+                  <a:srgbClr val="555666"/>
+                </a:solidFill>
+                <a:effectLst/>
+                <a:latin typeface="微软雅黑" panose="020B0503020204020204" pitchFamily="34" charset="-122"/>
+                <a:ea typeface="微软雅黑" panose="020B0503020204020204" pitchFamily="34" charset="-122"/>
+              </a:rPr>
+              <a:t>利用事件发生的频率作为事件发生的概率的近似值。</a:t>
+            </a:r>
+            <a:endParaRPr kumimoji="0" lang="zh-CN" altLang="zh-CN" i="0" u="none" strike="noStrike" cap="none" normalizeH="0" baseline="0" dirty="0">
+              <a:ln>
+                <a:noFill/>
+              </a:ln>
+              <a:solidFill>
+                <a:schemeClr val="tx1"/>
+              </a:solidFill>
+              <a:effectLst/>
+              <a:latin typeface="微软雅黑" panose="020B0503020204020204" pitchFamily="34" charset="-122"/>
+              <a:ea typeface="微软雅黑" panose="020B0503020204020204" pitchFamily="34" charset="-122"/>
+            </a:endParaRPr>
+          </a:p>
+        </p:txBody>
+      </p:sp>
+      <p:sp>
+        <p:nvSpPr>
+          <p:cNvPr id="6" name="文本框 5">
+            <a:extLst>
+              <a:ext uri="{FF2B5EF4-FFF2-40B4-BE49-F238E27FC236}">
+                <a16:creationId xmlns:a16="http://schemas.microsoft.com/office/drawing/2014/main" id="{6373DCF7-4958-3099-0445-3A1F41534D86}"/>
+              </a:ext>
+            </a:extLst>
+          </p:cNvPr>
+          <p:cNvSpPr txBox="1"/>
+          <p:nvPr/>
+        </p:nvSpPr>
+        <p:spPr>
+          <a:xfrm>
+            <a:off x="251520" y="985292"/>
+            <a:ext cx="3528392" cy="523220"/>
+          </a:xfrm>
+          <a:prstGeom prst="rect">
+            <a:avLst/>
+          </a:prstGeom>
+          <a:noFill/>
+        </p:spPr>
+        <p:txBody>
+          <a:bodyPr wrap="square" rtlCol="0">
+            <a:spAutoFit/>
+          </a:bodyPr>
+          <a:lstStyle/>
+          <a:p>
+            <a:r>
+              <a:rPr lang="zh-CN" altLang="en-US" sz="2800" b="1" dirty="0"/>
+              <a:t>解决方案：多次测量</a:t>
+            </a:r>
+          </a:p>
+        </p:txBody>
+      </p:sp>
+      <p:graphicFrame>
+        <p:nvGraphicFramePr>
+          <p:cNvPr id="7" name="对象 6">
+            <a:extLst>
+              <a:ext uri="{FF2B5EF4-FFF2-40B4-BE49-F238E27FC236}">
+                <a16:creationId xmlns:a16="http://schemas.microsoft.com/office/drawing/2014/main" id="{B0A7219E-D682-1232-65FA-4E2D0F9837C7}"/>
+              </a:ext>
+            </a:extLst>
+          </p:cNvPr>
+          <p:cNvGraphicFramePr>
+            <a:graphicFrameLocks noChangeAspect="1"/>
+          </p:cNvGraphicFramePr>
+          <p:nvPr>
+            <p:extLst>
+              <p:ext uri="{D42A27DB-BD31-4B8C-83A1-F6EECF244321}">
+                <p14:modId xmlns:p14="http://schemas.microsoft.com/office/powerpoint/2010/main" val="823382023"/>
+              </p:ext>
+            </p:extLst>
+          </p:nvPr>
+        </p:nvGraphicFramePr>
+        <p:xfrm>
+          <a:off x="488207" y="3217416"/>
+          <a:ext cx="3787775" cy="457200"/>
+        </p:xfrm>
+        <a:graphic>
+          <a:graphicData uri="http://schemas.openxmlformats.org/presentationml/2006/ole">
+            <mc:AlternateContent xmlns:mc="http://schemas.openxmlformats.org/markup-compatibility/2006">
+              <mc:Choice xmlns:v="urn:schemas-microsoft-com:vml" Requires="v">
+                <p:oleObj name="AxMath" r:id="rId5" imgW="1975320" imgH="238680" progId="Equation.AxMath">
+                  <p:embed/>
+                </p:oleObj>
+              </mc:Choice>
+              <mc:Fallback>
+                <p:oleObj name="AxMath" r:id="rId5" imgW="1975320" imgH="238680" progId="Equation.AxMath">
+                  <p:embed/>
+                  <p:pic>
+                    <p:nvPicPr>
+                      <p:cNvPr id="0" name=""/>
+                      <p:cNvPicPr/>
+                      <p:nvPr/>
+                    </p:nvPicPr>
+                    <p:blipFill>
+                      <a:blip r:embed="rId6"/>
+                      <a:stretch>
+                        <a:fillRect/>
+                      </a:stretch>
+                    </p:blipFill>
+                    <p:spPr>
+                      <a:xfrm>
+                        <a:off x="488207" y="3217416"/>
+                        <a:ext cx="3787775" cy="457200"/>
+                      </a:xfrm>
+                      <a:prstGeom prst="rect">
+                        <a:avLst/>
+                      </a:prstGeom>
+                    </p:spPr>
+                  </p:pic>
+                </p:oleObj>
+              </mc:Fallback>
+            </mc:AlternateContent>
+          </a:graphicData>
+        </a:graphic>
+      </p:graphicFrame>
+      <p:sp>
+        <p:nvSpPr>
+          <p:cNvPr id="8" name="矩形 7">
+            <a:extLst>
+              <a:ext uri="{FF2B5EF4-FFF2-40B4-BE49-F238E27FC236}">
+                <a16:creationId xmlns:a16="http://schemas.microsoft.com/office/drawing/2014/main" id="{1C081D53-1B6D-72CC-DEFA-17940C49FB82}"/>
+              </a:ext>
+            </a:extLst>
+          </p:cNvPr>
+          <p:cNvSpPr/>
+          <p:nvPr/>
+        </p:nvSpPr>
+        <p:spPr>
+          <a:xfrm>
+            <a:off x="2729459" y="3217540"/>
+            <a:ext cx="1203965" cy="456904"/>
+          </a:xfrm>
+          <a:prstGeom prst="rect">
+            <a:avLst/>
+          </a:prstGeom>
+          <a:noFill/>
+          <a:ln w="57150">
+            <a:solidFill>
+              <a:srgbClr val="FF0000"/>
+            </a:solidFill>
+          </a:ln>
+        </p:spPr>
+        <p:style>
+          <a:lnRef idx="2">
+            <a:schemeClr val="accent1">
+              <a:shade val="50000"/>
+            </a:schemeClr>
+          </a:lnRef>
+          <a:fillRef idx="1">
+            <a:schemeClr val="accent1"/>
+          </a:fillRef>
+          <a:effectRef idx="0">
+            <a:schemeClr val="accent1"/>
+          </a:effectRef>
+          <a:fontRef idx="minor">
+            <a:schemeClr val="lt1"/>
+          </a:fontRef>
+        </p:style>
+        <p:txBody>
+          <a:bodyPr rtlCol="0" anchor="ctr"/>
+          <a:lstStyle/>
+          <a:p>
+            <a:pPr algn="ctr"/>
+            <a:endParaRPr lang="zh-CN" altLang="en-US"/>
+          </a:p>
+        </p:txBody>
+      </p:sp>
+      <p:sp>
+        <p:nvSpPr>
+          <p:cNvPr id="9" name="箭头: 下 8">
+            <a:extLst>
+              <a:ext uri="{FF2B5EF4-FFF2-40B4-BE49-F238E27FC236}">
+                <a16:creationId xmlns:a16="http://schemas.microsoft.com/office/drawing/2014/main" id="{420D0622-DA5B-931B-E9E6-CD61F3C2159A}"/>
+              </a:ext>
+            </a:extLst>
+          </p:cNvPr>
+          <p:cNvSpPr/>
+          <p:nvPr/>
+        </p:nvSpPr>
+        <p:spPr>
+          <a:xfrm>
+            <a:off x="3259433" y="3748846"/>
+            <a:ext cx="144016" cy="839240"/>
+          </a:xfrm>
+          <a:prstGeom prst="downArrow">
+            <a:avLst/>
+          </a:prstGeom>
+        </p:spPr>
+        <p:style>
+          <a:lnRef idx="2">
+            <a:schemeClr val="accent1">
+              <a:shade val="50000"/>
+            </a:schemeClr>
+          </a:lnRef>
+          <a:fillRef idx="1">
+            <a:schemeClr val="accent1"/>
+          </a:fillRef>
+          <a:effectRef idx="0">
+            <a:schemeClr val="accent1"/>
+          </a:effectRef>
+          <a:fontRef idx="minor">
+            <a:schemeClr val="lt1"/>
+          </a:fontRef>
+        </p:style>
+        <p:txBody>
+          <a:bodyPr rtlCol="0" anchor="ctr"/>
+          <a:lstStyle/>
+          <a:p>
+            <a:pPr algn="ctr"/>
+            <a:endParaRPr lang="zh-CN" altLang="en-US"/>
+          </a:p>
+        </p:txBody>
+      </p:sp>
+      <p:graphicFrame>
+        <p:nvGraphicFramePr>
+          <p:cNvPr id="11" name="对象 10">
+            <a:extLst>
+              <a:ext uri="{FF2B5EF4-FFF2-40B4-BE49-F238E27FC236}">
+                <a16:creationId xmlns:a16="http://schemas.microsoft.com/office/drawing/2014/main" id="{261A2D2A-F31C-3A13-7CEE-66140339AAF7}"/>
+              </a:ext>
+            </a:extLst>
+          </p:cNvPr>
+          <p:cNvGraphicFramePr>
+            <a:graphicFrameLocks noChangeAspect="1"/>
+          </p:cNvGraphicFramePr>
+          <p:nvPr>
+            <p:extLst>
+              <p:ext uri="{D42A27DB-BD31-4B8C-83A1-F6EECF244321}">
+                <p14:modId xmlns:p14="http://schemas.microsoft.com/office/powerpoint/2010/main" val="1364955104"/>
+              </p:ext>
+            </p:extLst>
+          </p:nvPr>
+        </p:nvGraphicFramePr>
+        <p:xfrm>
+          <a:off x="2339752" y="4729708"/>
+          <a:ext cx="2075557" cy="473880"/>
+        </p:xfrm>
+        <a:graphic>
+          <a:graphicData uri="http://schemas.openxmlformats.org/presentationml/2006/ole">
+            <mc:AlternateContent xmlns:mc="http://schemas.openxmlformats.org/markup-compatibility/2006">
+              <mc:Choice xmlns:v="urn:schemas-microsoft-com:vml" Requires="v">
+                <p:oleObj name="AxMath" r:id="rId7" imgW="1005120" imgH="228960" progId="Equation.AxMath">
+                  <p:embed/>
+                </p:oleObj>
+              </mc:Choice>
+              <mc:Fallback>
+                <p:oleObj name="AxMath" r:id="rId7" imgW="1005120" imgH="228960" progId="Equation.AxMath">
+                  <p:embed/>
+                  <p:pic>
+                    <p:nvPicPr>
+                      <p:cNvPr id="0" name=""/>
+                      <p:cNvPicPr/>
+                      <p:nvPr/>
+                    </p:nvPicPr>
+                    <p:blipFill>
+                      <a:blip r:embed="rId8"/>
+                      <a:stretch>
+                        <a:fillRect/>
+                      </a:stretch>
+                    </p:blipFill>
+                    <p:spPr>
+                      <a:xfrm>
+                        <a:off x="2339752" y="4729708"/>
+                        <a:ext cx="2075557" cy="473880"/>
+                      </a:xfrm>
+                      <a:prstGeom prst="rect">
+                        <a:avLst/>
+                      </a:prstGeom>
+                    </p:spPr>
+                  </p:pic>
+                </p:oleObj>
+              </mc:Fallback>
+            </mc:AlternateContent>
+          </a:graphicData>
+        </a:graphic>
+      </p:graphicFrame>
+      <p:graphicFrame>
+        <p:nvGraphicFramePr>
+          <p:cNvPr id="13" name="对象 12">
+            <a:extLst>
+              <a:ext uri="{FF2B5EF4-FFF2-40B4-BE49-F238E27FC236}">
+                <a16:creationId xmlns:a16="http://schemas.microsoft.com/office/drawing/2014/main" id="{F9242018-62E0-E8A1-2F4B-449ED7C8F06C}"/>
+              </a:ext>
+            </a:extLst>
+          </p:cNvPr>
+          <p:cNvGraphicFramePr>
+            <a:graphicFrameLocks noChangeAspect="1"/>
+          </p:cNvGraphicFramePr>
+          <p:nvPr>
+            <p:extLst>
+              <p:ext uri="{D42A27DB-BD31-4B8C-83A1-F6EECF244321}">
+                <p14:modId xmlns:p14="http://schemas.microsoft.com/office/powerpoint/2010/main" val="2965958946"/>
+              </p:ext>
+            </p:extLst>
+          </p:nvPr>
+        </p:nvGraphicFramePr>
+        <p:xfrm>
+          <a:off x="4477642" y="3639960"/>
+          <a:ext cx="4414838" cy="557212"/>
+        </p:xfrm>
+        <a:graphic>
+          <a:graphicData uri="http://schemas.openxmlformats.org/presentationml/2006/ole">
+            <mc:AlternateContent xmlns:mc="http://schemas.openxmlformats.org/markup-compatibility/2006">
+              <mc:Choice xmlns:v="urn:schemas-microsoft-com:vml" Requires="v">
+                <p:oleObj name="AxMath" r:id="rId9" imgW="1884960" imgH="238680" progId="Equation.AxMath">
+                  <p:embed/>
+                </p:oleObj>
+              </mc:Choice>
+              <mc:Fallback>
+                <p:oleObj name="AxMath" r:id="rId9" imgW="1884960" imgH="238680" progId="Equation.AxMath">
+                  <p:embed/>
+                  <p:pic>
+                    <p:nvPicPr>
+                      <p:cNvPr id="0" name=""/>
+                      <p:cNvPicPr/>
+                      <p:nvPr/>
+                    </p:nvPicPr>
+                    <p:blipFill>
+                      <a:blip r:embed="rId10"/>
+                      <a:stretch>
+                        <a:fillRect/>
+                      </a:stretch>
+                    </p:blipFill>
+                    <p:spPr>
+                      <a:xfrm>
+                        <a:off x="4477642" y="3639960"/>
+                        <a:ext cx="4414838" cy="557212"/>
+                      </a:xfrm>
+                      <a:prstGeom prst="rect">
+                        <a:avLst/>
+                      </a:prstGeom>
+                      <a:ln w="38100">
+                        <a:solidFill>
+                          <a:schemeClr val="tx1"/>
+                        </a:solidFill>
+                      </a:ln>
+                    </p:spPr>
+                  </p:pic>
+                </p:oleObj>
+              </mc:Fallback>
+            </mc:AlternateContent>
+          </a:graphicData>
+        </a:graphic>
+      </p:graphicFrame>
+      <p:sp>
+        <p:nvSpPr>
+          <p:cNvPr id="15" name="矩形 2">
+            <a:extLst>
+              <a:ext uri="{FF2B5EF4-FFF2-40B4-BE49-F238E27FC236}">
+                <a16:creationId xmlns:a16="http://schemas.microsoft.com/office/drawing/2014/main" id="{DA242554-2B4A-6828-B46A-FB05E0379DC6}"/>
               </a:ext>
             </a:extLst>
           </p:cNvPr>
@@ -15404,8 +14756,8 @@
         </p:nvSpPr>
         <p:spPr>
           <a:xfrm>
-            <a:off x="4860032" y="48895"/>
-            <a:ext cx="4005203" cy="376555"/>
+            <a:off x="5463341" y="41992"/>
+            <a:ext cx="3429139" cy="461935"/>
           </a:xfrm>
           <a:prstGeom prst="rect">
             <a:avLst/>
@@ -15434,7 +14786,97 @@
                 <a:latin typeface="微软雅黑" panose="020B0503020204020204" pitchFamily="34" charset="-122"/>
                 <a:ea typeface="微软雅黑" panose="020B0503020204020204" pitchFamily="34" charset="-122"/>
               </a:rPr>
-              <a:t>估计值与不确定度</a:t>
+              <a:t>估计值与不确定度评估</a:t>
+            </a:r>
+          </a:p>
+        </p:txBody>
+      </p:sp>
+      <p:sp>
+        <p:nvSpPr>
+          <p:cNvPr id="16" name="文本框 15">
+            <a:extLst>
+              <a:ext uri="{FF2B5EF4-FFF2-40B4-BE49-F238E27FC236}">
+                <a16:creationId xmlns:a16="http://schemas.microsoft.com/office/drawing/2014/main" id="{425E8088-4E03-D137-DE27-85035D206EAE}"/>
+              </a:ext>
+            </a:extLst>
+          </p:cNvPr>
+          <p:cNvSpPr txBox="1"/>
+          <p:nvPr/>
+        </p:nvSpPr>
+        <p:spPr>
+          <a:xfrm>
+            <a:off x="5220072" y="4478070"/>
+            <a:ext cx="4211960" cy="954107"/>
+          </a:xfrm>
+          <a:prstGeom prst="rect">
+            <a:avLst/>
+          </a:prstGeom>
+          <a:noFill/>
+        </p:spPr>
+        <p:txBody>
+          <a:bodyPr wrap="square" rtlCol="0">
+            <a:spAutoFit/>
+          </a:bodyPr>
+          <a:lstStyle/>
+          <a:p>
+            <a:r>
+              <a:rPr lang="zh-CN" altLang="en-US" sz="2800" b="1" dirty="0">
+                <a:effectLst>
+                  <a:outerShdw blurRad="38100" dist="38100" dir="2700000" algn="tl">
+                    <a:srgbClr val="000000">
+                      <a:alpha val="43137"/>
+                    </a:srgbClr>
+                  </a:outerShdw>
+                </a:effectLst>
+              </a:rPr>
+              <a:t>计算变量相关性，</a:t>
+            </a:r>
+            <a:endParaRPr lang="en-US" altLang="zh-CN" sz="2800" b="1" dirty="0">
+              <a:effectLst>
+                <a:outerShdw blurRad="38100" dist="38100" dir="2700000" algn="tl">
+                  <a:srgbClr val="000000">
+                    <a:alpha val="43137"/>
+                  </a:srgbClr>
+                </a:outerShdw>
+              </a:effectLst>
+            </a:endParaRPr>
+          </a:p>
+          <a:p>
+            <a:r>
+              <a:rPr lang="zh-CN" altLang="en-US" sz="2800" b="1" dirty="0">
+                <a:effectLst>
+                  <a:outerShdw blurRad="38100" dist="38100" dir="2700000" algn="tl">
+                    <a:srgbClr val="000000">
+                      <a:alpha val="43137"/>
+                    </a:srgbClr>
+                  </a:outerShdw>
+                </a:effectLst>
+              </a:rPr>
+              <a:t>获得</a:t>
+            </a:r>
+            <a:r>
+              <a:rPr lang="en-US" altLang="zh-CN" sz="2800" b="1" dirty="0">
+                <a:effectLst>
+                  <a:outerShdw blurRad="38100" dist="38100" dir="2700000" algn="tl">
+                    <a:srgbClr val="000000">
+                      <a:alpha val="43137"/>
+                    </a:srgbClr>
+                  </a:outerShdw>
+                </a:effectLst>
+              </a:rPr>
+              <a:t>X, Y</a:t>
+            </a:r>
+            <a:r>
+              <a:rPr lang="zh-CN" altLang="en-US" sz="2800" b="1" dirty="0">
+                <a:effectLst>
+                  <a:outerShdw blurRad="38100" dist="38100" dir="2700000" algn="tl">
+                    <a:srgbClr val="000000">
+                      <a:alpha val="43137"/>
+                    </a:srgbClr>
+                  </a:outerShdw>
+                </a:effectLst>
+              </a:rPr>
+              <a:t>协方差矩阵</a:t>
             </a:r>
           </a:p>
         </p:txBody>
@@ -15461,6 +14903,230 @@
       </p:transition>
     </mc:Fallback>
   </mc:AlternateContent>
+  <p:timing>
+    <p:tnLst>
+      <p:par>
+        <p:cTn id="1" dur="indefinite" restart="never" nodeType="tmRoot">
+          <p:childTnLst>
+            <p:seq concurrent="1" nextAc="seek">
+              <p:cTn id="2" dur="indefinite" nodeType="mainSeq">
+                <p:childTnLst>
+                  <p:par>
+                    <p:cTn id="3" fill="hold">
+                      <p:stCondLst>
+                        <p:cond delay="indefinite"/>
+                      </p:stCondLst>
+                      <p:childTnLst>
+                        <p:par>
+                          <p:cTn id="4" fill="hold">
+                            <p:stCondLst>
+                              <p:cond delay="0"/>
+                            </p:stCondLst>
+                            <p:childTnLst>
+                              <p:par>
+                                <p:cTn id="5" presetID="1" presetClass="entr" presetSubtype="0" fill="hold" nodeType="clickEffect">
+                                  <p:stCondLst>
+                                    <p:cond delay="0"/>
+                                  </p:stCondLst>
+                                  <p:childTnLst>
+                                    <p:set>
+                                      <p:cBhvr>
+                                        <p:cTn id="6" dur="1" fill="hold">
+                                          <p:stCondLst>
+                                            <p:cond delay="0"/>
+                                          </p:stCondLst>
+                                        </p:cTn>
+                                        <p:tgtEl>
+                                          <p:spTgt spid="11"/>
+                                        </p:tgtEl>
+                                        <p:attrNameLst>
+                                          <p:attrName>style.visibility</p:attrName>
+                                        </p:attrNameLst>
+                                      </p:cBhvr>
+                                      <p:to>
+                                        <p:strVal val="visible"/>
+                                      </p:to>
+                                    </p:set>
+                                  </p:childTnLst>
+                                </p:cTn>
+                              </p:par>
+                              <p:par>
+                                <p:cTn id="7" presetID="1" presetClass="entr" presetSubtype="0" fill="hold" grpId="0" nodeType="withEffect">
+                                  <p:stCondLst>
+                                    <p:cond delay="0"/>
+                                  </p:stCondLst>
+                                  <p:childTnLst>
+                                    <p:set>
+                                      <p:cBhvr>
+                                        <p:cTn id="8" dur="1" fill="hold">
+                                          <p:stCondLst>
+                                            <p:cond delay="0"/>
+                                          </p:stCondLst>
+                                        </p:cTn>
+                                        <p:tgtEl>
+                                          <p:spTgt spid="9"/>
+                                        </p:tgtEl>
+                                        <p:attrNameLst>
+                                          <p:attrName>style.visibility</p:attrName>
+                                        </p:attrNameLst>
+                                      </p:cBhvr>
+                                      <p:to>
+                                        <p:strVal val="visible"/>
+                                      </p:to>
+                                    </p:set>
+                                  </p:childTnLst>
+                                </p:cTn>
+                              </p:par>
+                              <p:par>
+                                <p:cTn id="9" presetID="1" presetClass="entr" presetSubtype="0" fill="hold" grpId="0" nodeType="withEffect">
+                                  <p:stCondLst>
+                                    <p:cond delay="0"/>
+                                  </p:stCondLst>
+                                  <p:childTnLst>
+                                    <p:set>
+                                      <p:cBhvr>
+                                        <p:cTn id="10" dur="1" fill="hold">
+                                          <p:stCondLst>
+                                            <p:cond delay="0"/>
+                                          </p:stCondLst>
+                                        </p:cTn>
+                                        <p:tgtEl>
+                                          <p:spTgt spid="8"/>
+                                        </p:tgtEl>
+                                        <p:attrNameLst>
+                                          <p:attrName>style.visibility</p:attrName>
+                                        </p:attrNameLst>
+                                      </p:cBhvr>
+                                      <p:to>
+                                        <p:strVal val="visible"/>
+                                      </p:to>
+                                    </p:set>
+                                  </p:childTnLst>
+                                </p:cTn>
+                              </p:par>
+                            </p:childTnLst>
+                          </p:cTn>
+                        </p:par>
+                      </p:childTnLst>
+                    </p:cTn>
+                  </p:par>
+                  <p:par>
+                    <p:cTn id="11" fill="hold">
+                      <p:stCondLst>
+                        <p:cond delay="indefinite"/>
+                      </p:stCondLst>
+                      <p:childTnLst>
+                        <p:par>
+                          <p:cTn id="12" fill="hold">
+                            <p:stCondLst>
+                              <p:cond delay="0"/>
+                            </p:stCondLst>
+                            <p:childTnLst>
+                              <p:par>
+                                <p:cTn id="13" presetID="1" presetClass="entr" presetSubtype="0" fill="hold" nodeType="clickEffect">
+                                  <p:stCondLst>
+                                    <p:cond delay="0"/>
+                                  </p:stCondLst>
+                                  <p:childTnLst>
+                                    <p:set>
+                                      <p:cBhvr>
+                                        <p:cTn id="14" dur="1" fill="hold">
+                                          <p:stCondLst>
+                                            <p:cond delay="0"/>
+                                          </p:stCondLst>
+                                        </p:cTn>
+                                        <p:tgtEl>
+                                          <p:spTgt spid="13"/>
+                                        </p:tgtEl>
+                                        <p:attrNameLst>
+                                          <p:attrName>style.visibility</p:attrName>
+                                        </p:attrNameLst>
+                                      </p:cBhvr>
+                                      <p:to>
+                                        <p:strVal val="visible"/>
+                                      </p:to>
+                                    </p:set>
+                                  </p:childTnLst>
+                                </p:cTn>
+                              </p:par>
+                            </p:childTnLst>
+                          </p:cTn>
+                        </p:par>
+                      </p:childTnLst>
+                    </p:cTn>
+                  </p:par>
+                  <p:par>
+                    <p:cTn id="15" fill="hold">
+                      <p:stCondLst>
+                        <p:cond delay="indefinite"/>
+                      </p:stCondLst>
+                      <p:childTnLst>
+                        <p:par>
+                          <p:cTn id="16" fill="hold">
+                            <p:stCondLst>
+                              <p:cond delay="0"/>
+                            </p:stCondLst>
+                            <p:childTnLst>
+                              <p:par>
+                                <p:cTn id="17" presetID="1" presetClass="entr" presetSubtype="0" fill="hold" grpId="0" nodeType="clickEffect">
+                                  <p:stCondLst>
+                                    <p:cond delay="0"/>
+                                  </p:stCondLst>
+                                  <p:childTnLst>
+                                    <p:set>
+                                      <p:cBhvr>
+                                        <p:cTn id="18" dur="1" fill="hold">
+                                          <p:stCondLst>
+                                            <p:cond delay="0"/>
+                                          </p:stCondLst>
+                                        </p:cTn>
+                                        <p:tgtEl>
+                                          <p:spTgt spid="16"/>
+                                        </p:tgtEl>
+                                        <p:attrNameLst>
+                                          <p:attrName>style.visibility</p:attrName>
+                                        </p:attrNameLst>
+                                      </p:cBhvr>
+                                      <p:to>
+                                        <p:strVal val="visible"/>
+                                      </p:to>
+                                    </p:set>
+                                  </p:childTnLst>
+                                </p:cTn>
+                              </p:par>
+                            </p:childTnLst>
+                          </p:cTn>
+                        </p:par>
+                      </p:childTnLst>
+                    </p:cTn>
+                  </p:par>
+                </p:childTnLst>
+              </p:cTn>
+              <p:prevCondLst>
+                <p:cond evt="onPrev" delay="0">
+                  <p:tgtEl>
+                    <p:sldTgt/>
+                  </p:tgtEl>
+                </p:cond>
+              </p:prevCondLst>
+              <p:nextCondLst>
+                <p:cond evt="onNext" delay="0">
+                  <p:tgtEl>
+                    <p:sldTgt/>
+                  </p:tgtEl>
+                </p:cond>
+              </p:nextCondLst>
+            </p:seq>
+          </p:childTnLst>
+        </p:cTn>
+      </p:par>
+    </p:tnLst>
+    <p:bldLst>
+      <p:bldP spid="8" grpId="0" animBg="1"/>
+      <p:bldP spid="9" grpId="0" animBg="1"/>
+      <p:bldP spid="16" grpId="0"/>
+    </p:bldLst>
+  </p:timing>
 </p:sld>
 </file>
 
@@ -15483,187 +15149,6 @@
       </p:grpSpPr>
       <p:sp>
         <p:nvSpPr>
-          <p:cNvPr id="1048692" name="灯片编号占位符 2"/>
-          <p:cNvSpPr>
-            <a:spLocks noGrp="1"/>
-          </p:cNvSpPr>
-          <p:nvPr>
-            <p:custDataLst>
-              <p:tags r:id="rId1"/>
-            </p:custDataLst>
-          </p:nvPr>
-        </p:nvSpPr>
-        <p:spPr>
-          <a:xfrm>
-            <a:off x="7010400" y="5305214"/>
-            <a:ext cx="2133600" cy="304271"/>
-          </a:xfrm>
-          <a:prstGeom prst="rect">
-            <a:avLst/>
-          </a:prstGeom>
-        </p:spPr>
-        <p:txBody>
-          <a:bodyPr/>
-          <a:lstStyle>
-            <a:defPPr>
-              <a:defRPr lang="zh-CN"/>
-            </a:defPPr>
-            <a:lvl1pPr marL="0" algn="l" defTabSz="914400" rtl="0" eaLnBrk="1" latinLnBrk="0" hangingPunct="1">
-              <a:defRPr sz="1800" kern="1200">
-                <a:solidFill>
-                  <a:schemeClr val="tx1"/>
-                </a:solidFill>
-                <a:latin typeface="+mn-lt"/>
-                <a:ea typeface="+mn-ea"/>
-                <a:cs typeface="+mn-cs"/>
-              </a:defRPr>
-            </a:lvl1pPr>
-            <a:lvl2pPr marL="457200" algn="l" defTabSz="914400" rtl="0" eaLnBrk="1" latinLnBrk="0" hangingPunct="1">
-              <a:defRPr sz="1800" kern="1200">
-                <a:solidFill>
-                  <a:schemeClr val="tx1"/>
-                </a:solidFill>
-                <a:latin typeface="+mn-lt"/>
-                <a:ea typeface="+mn-ea"/>
-                <a:cs typeface="+mn-cs"/>
-              </a:defRPr>
-            </a:lvl2pPr>
-            <a:lvl3pPr marL="914400" algn="l" defTabSz="914400" rtl="0" eaLnBrk="1" latinLnBrk="0" hangingPunct="1">
-              <a:defRPr sz="1800" kern="1200">
-                <a:solidFill>
-                  <a:schemeClr val="tx1"/>
-                </a:solidFill>
-                <a:latin typeface="+mn-lt"/>
-                <a:ea typeface="+mn-ea"/>
-                <a:cs typeface="+mn-cs"/>
-              </a:defRPr>
-            </a:lvl3pPr>
-            <a:lvl4pPr marL="1371600" algn="l" defTabSz="914400" rtl="0" eaLnBrk="1" latinLnBrk="0" hangingPunct="1">
-              <a:defRPr sz="1800" kern="1200">
-                <a:solidFill>
-                  <a:schemeClr val="tx1"/>
-                </a:solidFill>
-                <a:latin typeface="+mn-lt"/>
-                <a:ea typeface="+mn-ea"/>
-                <a:cs typeface="+mn-cs"/>
-              </a:defRPr>
-            </a:lvl4pPr>
-            <a:lvl5pPr marL="1828800" algn="l" defTabSz="914400" rtl="0" eaLnBrk="1" latinLnBrk="0" hangingPunct="1">
-              <a:defRPr sz="1800" kern="1200">
-                <a:solidFill>
-                  <a:schemeClr val="tx1"/>
-                </a:solidFill>
-                <a:latin typeface="+mn-lt"/>
-                <a:ea typeface="+mn-ea"/>
-                <a:cs typeface="+mn-cs"/>
-              </a:defRPr>
-            </a:lvl5pPr>
-            <a:lvl6pPr marL="2286000" algn="l" defTabSz="914400" rtl="0" eaLnBrk="1" latinLnBrk="0" hangingPunct="1">
-              <a:defRPr sz="1800" kern="1200">
-                <a:solidFill>
-                  <a:schemeClr val="tx1"/>
-                </a:solidFill>
-                <a:latin typeface="+mn-lt"/>
-                <a:ea typeface="+mn-ea"/>
-                <a:cs typeface="+mn-cs"/>
-              </a:defRPr>
-            </a:lvl6pPr>
-            <a:lvl7pPr marL="2743200" algn="l" defTabSz="914400" rtl="0" eaLnBrk="1" latinLnBrk="0" hangingPunct="1">
-              <a:defRPr sz="1800" kern="1200">
-                <a:solidFill>
-                  <a:schemeClr val="tx1"/>
-                </a:solidFill>
-                <a:latin typeface="+mn-lt"/>
-                <a:ea typeface="+mn-ea"/>
-                <a:cs typeface="+mn-cs"/>
-              </a:defRPr>
-            </a:lvl7pPr>
-            <a:lvl8pPr marL="3200400" algn="l" defTabSz="914400" rtl="0" eaLnBrk="1" latinLnBrk="0" hangingPunct="1">
-              <a:defRPr sz="1800" kern="1200">
-                <a:solidFill>
-                  <a:schemeClr val="tx1"/>
-                </a:solidFill>
-                <a:latin typeface="+mn-lt"/>
-                <a:ea typeface="+mn-ea"/>
-                <a:cs typeface="+mn-cs"/>
-              </a:defRPr>
-            </a:lvl8pPr>
-            <a:lvl9pPr marL="3657600" algn="l" defTabSz="914400" rtl="0" eaLnBrk="1" latinLnBrk="0" hangingPunct="1">
-              <a:defRPr sz="1800" kern="1200">
-                <a:solidFill>
-                  <a:schemeClr val="tx1"/>
-                </a:solidFill>
-                <a:latin typeface="+mn-lt"/>
-                <a:ea typeface="+mn-ea"/>
-                <a:cs typeface="+mn-cs"/>
-              </a:defRPr>
-            </a:lvl9pPr>
-          </a:lstStyle>
-          <a:p>
-            <a:pPr algn="r"/>
-            <a:fld id="{4BB7B66E-7FFA-4300-8439-347A5E0E252A}" type="slidenum">
-              <a:rPr lang="zh-CN" altLang="en-US" smtClean="0"/>
-              <a:t>12</a:t>
-            </a:fld>
-            <a:endParaRPr lang="zh-CN" altLang="en-US" dirty="0"/>
-          </a:p>
-        </p:txBody>
-      </p:sp>
-      <p:sp>
-        <p:nvSpPr>
-          <p:cNvPr id="5" name="矩形 2">
-            <a:extLst>
-              <a:ext uri="{FF2B5EF4-FFF2-40B4-BE49-F238E27FC236}">
-                <a16:creationId xmlns:a16="http://schemas.microsoft.com/office/drawing/2014/main" id="{3D9B6D87-AF4A-5A5F-891D-33FC01D3C404}"/>
-              </a:ext>
-            </a:extLst>
-          </p:cNvPr>
-          <p:cNvSpPr/>
-          <p:nvPr>
-            <p:custDataLst>
-              <p:tags r:id="rId2"/>
-            </p:custDataLst>
-          </p:nvPr>
-        </p:nvSpPr>
-        <p:spPr>
-          <a:xfrm>
-            <a:off x="4860032" y="48895"/>
-            <a:ext cx="4005203" cy="376555"/>
-          </a:xfrm>
-          <a:prstGeom prst="rect">
-            <a:avLst/>
-          </a:prstGeom>
-          <a:solidFill>
-            <a:schemeClr val="bg1"/>
-          </a:solidFill>
-          <a:ln w="25400">
-            <a:noFill/>
-          </a:ln>
-        </p:spPr>
-        <p:txBody>
-          <a:bodyPr wrap="square">
-            <a:noAutofit/>
-          </a:bodyPr>
-          <a:lstStyle/>
-          <a:p>
-            <a:pPr algn="r"/>
-            <a:r>
-              <a:rPr lang="zh-CN" altLang="en-US" sz="2400" b="1" dirty="0">
-                <a:solidFill>
-                  <a:schemeClr val="accent1">
-                    <a:lumMod val="75000"/>
-                  </a:schemeClr>
-                </a:solidFill>
-                <a:latin typeface="微软雅黑" panose="020B0503020204020204" pitchFamily="34" charset="-122"/>
-                <a:ea typeface="微软雅黑" panose="020B0503020204020204" pitchFamily="34" charset="-122"/>
-              </a:rPr>
-              <a:t>估计值与不确定度</a:t>
-            </a:r>
-          </a:p>
-        </p:txBody>
-      </p:sp>
-      <p:sp>
-        <p:nvSpPr>
           <p:cNvPr id="3" name="矩形 2">
             <a:extLst>
               <a:ext uri="{FF2B5EF4-FFF2-40B4-BE49-F238E27FC236}">
@@ -15676,7 +15161,7 @@
         </p:nvSpPr>
         <p:spPr>
           <a:xfrm>
-            <a:off x="1457618" y="2082512"/>
+            <a:off x="1531382" y="1976304"/>
             <a:ext cx="1512168" cy="576064"/>
           </a:xfrm>
           <a:prstGeom prst="rect">
@@ -15732,7 +15217,7 @@
         </p:nvSpPr>
         <p:spPr>
           <a:xfrm>
-            <a:off x="1983429" y="2735084"/>
+            <a:off x="2057193" y="2628876"/>
             <a:ext cx="460545" cy="855096"/>
           </a:xfrm>
           <a:prstGeom prst="downArrow">
@@ -15764,8 +15249,8 @@
           </a:p>
         </p:txBody>
       </p:sp>
-      <mc:AlternateContent xmlns:mc="http://schemas.openxmlformats.org/markup-compatibility/2006" xmlns:a14="http://schemas.microsoft.com/office/drawing/2010/main">
-        <mc:Choice Requires="a14">
+      <mc:AlternateContent xmlns:mc="http://schemas.openxmlformats.org/markup-compatibility/2006">
+        <mc:Choice xmlns:a14="http://schemas.microsoft.com/office/drawing/2010/main" Requires="a14">
           <p:sp>
             <p:nvSpPr>
               <p:cNvPr id="7" name="矩形 6">
@@ -15780,7 +15265,7 @@
             </p:nvSpPr>
             <p:spPr>
               <a:xfrm>
-                <a:off x="1457618" y="3666688"/>
+                <a:off x="1531382" y="3560480"/>
                 <a:ext cx="1512168" cy="576064"/>
               </a:xfrm>
               <a:prstGeom prst="rect">
@@ -15901,7 +15386,7 @@
             </p:txBody>
           </p:sp>
         </mc:Choice>
-        <mc:Fallback xmlns="">
+        <mc:Fallback>
           <p:sp>
             <p:nvSpPr>
               <p:cNvPr id="7" name="矩形 6">
@@ -15918,7 +15403,7 @@
             </p:nvSpPr>
             <p:spPr>
               <a:xfrm>
-                <a:off x="1457618" y="3666688"/>
+                <a:off x="1531382" y="3560480"/>
                 <a:ext cx="1512168" cy="576064"/>
               </a:xfrm>
               <a:prstGeom prst="rect">
@@ -15927,7 +15412,7 @@
               <a:blipFill>
                 <a:blip r:embed="rId5"/>
                 <a:stretch>
-                  <a:fillRect l="-1190" t="-8081" r="-1190" b="-4040"/>
+                  <a:fillRect l="-1190" t="-9091" r="-1190" b="-4040"/>
                 </a:stretch>
               </a:blipFill>
             </p:spPr>
@@ -15946,8 +15431,8 @@
           </p:sp>
         </mc:Fallback>
       </mc:AlternateContent>
-      <mc:AlternateContent xmlns:mc="http://schemas.openxmlformats.org/markup-compatibility/2006" xmlns:a14="http://schemas.microsoft.com/office/drawing/2010/main">
-        <mc:Choice Requires="a14">
+      <mc:AlternateContent xmlns:mc="http://schemas.openxmlformats.org/markup-compatibility/2006">
+        <mc:Choice xmlns:a14="http://schemas.microsoft.com/office/drawing/2010/main" Requires="a14">
           <p:sp>
             <p:nvSpPr>
               <p:cNvPr id="9" name="矩形 8">
@@ -15962,7 +15447,7 @@
             </p:nvSpPr>
             <p:spPr>
               <a:xfrm>
-                <a:off x="5210077" y="3666688"/>
+                <a:off x="5283841" y="3560480"/>
                 <a:ext cx="1512168" cy="576064"/>
               </a:xfrm>
               <a:prstGeom prst="rect">
@@ -16083,7 +15568,7 @@
             </p:txBody>
           </p:sp>
         </mc:Choice>
-        <mc:Fallback xmlns="">
+        <mc:Fallback>
           <p:sp>
             <p:nvSpPr>
               <p:cNvPr id="9" name="矩形 8">
@@ -16100,7 +15585,7 @@
             </p:nvSpPr>
             <p:spPr>
               <a:xfrm>
-                <a:off x="5210077" y="3666688"/>
+                <a:off x="5283841" y="3560480"/>
                 <a:ext cx="1512168" cy="576064"/>
               </a:xfrm>
               <a:prstGeom prst="rect">
@@ -16109,7 +15594,7 @@
               <a:blipFill>
                 <a:blip r:embed="rId6"/>
                 <a:stretch>
-                  <a:fillRect l="-1984" t="-8081" r="-1587" b="-4040"/>
+                  <a:fillRect l="-1984" t="-9091" r="-1587" b="-4040"/>
                 </a:stretch>
               </a:blipFill>
             </p:spPr>
@@ -16142,7 +15627,7 @@
         </p:nvSpPr>
         <p:spPr>
           <a:xfrm>
-            <a:off x="5735888" y="2735084"/>
+            <a:off x="5809652" y="2628876"/>
             <a:ext cx="460545" cy="855096"/>
           </a:xfrm>
           <a:prstGeom prst="downArrow">
@@ -16196,7 +15681,7 @@
         </p:blipFill>
         <p:spPr>
           <a:xfrm>
-            <a:off x="3346108" y="1595556"/>
+            <a:off x="3419872" y="1489348"/>
             <a:ext cx="5240109" cy="1549976"/>
           </a:xfrm>
           <a:prstGeom prst="rect">
@@ -16218,7 +15703,7 @@
         </p:nvSpPr>
         <p:spPr>
           <a:xfrm rot="5400000">
-            <a:off x="4016635" y="2655841"/>
+            <a:off x="4090399" y="2549633"/>
             <a:ext cx="226840" cy="3832709"/>
           </a:xfrm>
           <a:prstGeom prst="rightBrace">
@@ -16284,7 +15769,7 @@
         </p:blipFill>
         <p:spPr>
           <a:xfrm>
-            <a:off x="3491880" y="4780854"/>
+            <a:off x="3565644" y="4674646"/>
             <a:ext cx="1276350" cy="329753"/>
           </a:xfrm>
           <a:prstGeom prst="rect">
@@ -16292,8 +15777,8 @@
           </a:prstGeom>
         </p:spPr>
       </p:pic>
-      <mc:AlternateContent xmlns:mc="http://schemas.openxmlformats.org/markup-compatibility/2006" xmlns:a14="http://schemas.microsoft.com/office/drawing/2010/main">
-        <mc:Choice Requires="a14">
+      <mc:AlternateContent xmlns:mc="http://schemas.openxmlformats.org/markup-compatibility/2006">
+        <mc:Choice xmlns:a14="http://schemas.microsoft.com/office/drawing/2010/main" Requires="a14">
           <p:sp>
             <p:nvSpPr>
               <p:cNvPr id="22" name="文本框 21">
@@ -16308,7 +15793,7 @@
             </p:nvSpPr>
             <p:spPr>
               <a:xfrm>
-                <a:off x="3086088" y="917868"/>
+                <a:off x="3086088" y="821837"/>
                 <a:ext cx="3364283" cy="461665"/>
               </a:xfrm>
               <a:prstGeom prst="rect">
@@ -16398,7 +15883,7 @@
             </p:txBody>
           </p:sp>
         </mc:Choice>
-        <mc:Fallback xmlns="">
+        <mc:Fallback>
           <p:sp>
             <p:nvSpPr>
               <p:cNvPr id="22" name="文本框 21">
@@ -16415,7 +15900,7 @@
             </p:nvSpPr>
             <p:spPr>
               <a:xfrm>
-                <a:off x="3086088" y="917868"/>
+                <a:off x="3086088" y="821837"/>
                 <a:ext cx="3364283" cy="461665"/>
               </a:xfrm>
               <a:prstGeom prst="rect">
@@ -16424,7 +15909,7 @@
               <a:blipFill>
                 <a:blip r:embed="rId9"/>
                 <a:stretch>
-                  <a:fillRect l="-2717" t="-10667" b="-30667"/>
+                  <a:fillRect l="-2717" t="-10526" b="-28947"/>
                 </a:stretch>
               </a:blipFill>
             </p:spPr>
@@ -16443,6 +15928,193 @@
           </p:sp>
         </mc:Fallback>
       </mc:AlternateContent>
+      <p:sp>
+        <p:nvSpPr>
+          <p:cNvPr id="2" name="灯片编号占位符 2">
+            <a:extLst>
+              <a:ext uri="{FF2B5EF4-FFF2-40B4-BE49-F238E27FC236}">
+                <a16:creationId xmlns:a16="http://schemas.microsoft.com/office/drawing/2014/main" id="{C3781DD3-BCAE-926A-3C75-AA72A06B79D2}"/>
+              </a:ext>
+            </a:extLst>
+          </p:cNvPr>
+          <p:cNvSpPr>
+            <a:spLocks noGrp="1"/>
+          </p:cNvSpPr>
+          <p:nvPr>
+            <p:custDataLst>
+              <p:tags r:id="rId1"/>
+            </p:custDataLst>
+          </p:nvPr>
+        </p:nvSpPr>
+        <p:spPr>
+          <a:xfrm>
+            <a:off x="7010400" y="5305214"/>
+            <a:ext cx="2133600" cy="304271"/>
+          </a:xfrm>
+          <a:prstGeom prst="rect">
+            <a:avLst/>
+          </a:prstGeom>
+        </p:spPr>
+        <p:txBody>
+          <a:bodyPr/>
+          <a:lstStyle>
+            <a:defPPr>
+              <a:defRPr lang="zh-CN"/>
+            </a:defPPr>
+            <a:lvl1pPr marL="0" algn="l" defTabSz="914400" rtl="0" eaLnBrk="1" latinLnBrk="0" hangingPunct="1">
+              <a:defRPr sz="1800" kern="1200">
+                <a:solidFill>
+                  <a:schemeClr val="tx1"/>
+                </a:solidFill>
+                <a:latin typeface="+mn-lt"/>
+                <a:ea typeface="+mn-ea"/>
+                <a:cs typeface="+mn-cs"/>
+              </a:defRPr>
+            </a:lvl1pPr>
+            <a:lvl2pPr marL="457200" algn="l" defTabSz="914400" rtl="0" eaLnBrk="1" latinLnBrk="0" hangingPunct="1">
+              <a:defRPr sz="1800" kern="1200">
+                <a:solidFill>
+                  <a:schemeClr val="tx1"/>
+                </a:solidFill>
+                <a:latin typeface="+mn-lt"/>
+                <a:ea typeface="+mn-ea"/>
+                <a:cs typeface="+mn-cs"/>
+              </a:defRPr>
+            </a:lvl2pPr>
+            <a:lvl3pPr marL="914400" algn="l" defTabSz="914400" rtl="0" eaLnBrk="1" latinLnBrk="0" hangingPunct="1">
+              <a:defRPr sz="1800" kern="1200">
+                <a:solidFill>
+                  <a:schemeClr val="tx1"/>
+                </a:solidFill>
+                <a:latin typeface="+mn-lt"/>
+                <a:ea typeface="+mn-ea"/>
+                <a:cs typeface="+mn-cs"/>
+              </a:defRPr>
+            </a:lvl3pPr>
+            <a:lvl4pPr marL="1371600" algn="l" defTabSz="914400" rtl="0" eaLnBrk="1" latinLnBrk="0" hangingPunct="1">
+              <a:defRPr sz="1800" kern="1200">
+                <a:solidFill>
+                  <a:schemeClr val="tx1"/>
+                </a:solidFill>
+                <a:latin typeface="+mn-lt"/>
+                <a:ea typeface="+mn-ea"/>
+                <a:cs typeface="+mn-cs"/>
+              </a:defRPr>
+            </a:lvl4pPr>
+            <a:lvl5pPr marL="1828800" algn="l" defTabSz="914400" rtl="0" eaLnBrk="1" latinLnBrk="0" hangingPunct="1">
+              <a:defRPr sz="1800" kern="1200">
+                <a:solidFill>
+                  <a:schemeClr val="tx1"/>
+                </a:solidFill>
+                <a:latin typeface="+mn-lt"/>
+                <a:ea typeface="+mn-ea"/>
+                <a:cs typeface="+mn-cs"/>
+              </a:defRPr>
+            </a:lvl5pPr>
+            <a:lvl6pPr marL="2286000" algn="l" defTabSz="914400" rtl="0" eaLnBrk="1" latinLnBrk="0" hangingPunct="1">
+              <a:defRPr sz="1800" kern="1200">
+                <a:solidFill>
+                  <a:schemeClr val="tx1"/>
+                </a:solidFill>
+                <a:latin typeface="+mn-lt"/>
+                <a:ea typeface="+mn-ea"/>
+                <a:cs typeface="+mn-cs"/>
+              </a:defRPr>
+            </a:lvl6pPr>
+            <a:lvl7pPr marL="2743200" algn="l" defTabSz="914400" rtl="0" eaLnBrk="1" latinLnBrk="0" hangingPunct="1">
+              <a:defRPr sz="1800" kern="1200">
+                <a:solidFill>
+                  <a:schemeClr val="tx1"/>
+                </a:solidFill>
+                <a:latin typeface="+mn-lt"/>
+                <a:ea typeface="+mn-ea"/>
+                <a:cs typeface="+mn-cs"/>
+              </a:defRPr>
+            </a:lvl7pPr>
+            <a:lvl8pPr marL="3200400" algn="l" defTabSz="914400" rtl="0" eaLnBrk="1" latinLnBrk="0" hangingPunct="1">
+              <a:defRPr sz="1800" kern="1200">
+                <a:solidFill>
+                  <a:schemeClr val="tx1"/>
+                </a:solidFill>
+                <a:latin typeface="+mn-lt"/>
+                <a:ea typeface="+mn-ea"/>
+                <a:cs typeface="+mn-cs"/>
+              </a:defRPr>
+            </a:lvl8pPr>
+            <a:lvl9pPr marL="3657600" algn="l" defTabSz="914400" rtl="0" eaLnBrk="1" latinLnBrk="0" hangingPunct="1">
+              <a:defRPr sz="1800" kern="1200">
+                <a:solidFill>
+                  <a:schemeClr val="tx1"/>
+                </a:solidFill>
+                <a:latin typeface="+mn-lt"/>
+                <a:ea typeface="+mn-ea"/>
+                <a:cs typeface="+mn-cs"/>
+              </a:defRPr>
+            </a:lvl9pPr>
+          </a:lstStyle>
+          <a:p>
+            <a:pPr algn="r"/>
+            <a:fld id="{4BB7B66E-7FFA-4300-8439-347A5E0E252A}" type="slidenum">
+              <a:rPr lang="zh-CN" altLang="en-US" smtClean="0"/>
+              <a:t>12</a:t>
+            </a:fld>
+            <a:endParaRPr lang="zh-CN" altLang="en-US" dirty="0"/>
+          </a:p>
+        </p:txBody>
+      </p:sp>
+      <p:sp>
+        <p:nvSpPr>
+          <p:cNvPr id="4" name="矩形 2">
+            <a:extLst>
+              <a:ext uri="{FF2B5EF4-FFF2-40B4-BE49-F238E27FC236}">
+                <a16:creationId xmlns:a16="http://schemas.microsoft.com/office/drawing/2014/main" id="{97F8B454-520F-E79B-1268-CBB8E149CB43}"/>
+              </a:ext>
+            </a:extLst>
+          </p:cNvPr>
+          <p:cNvSpPr/>
+          <p:nvPr>
+            <p:custDataLst>
+              <p:tags r:id="rId2"/>
+            </p:custDataLst>
+          </p:nvPr>
+        </p:nvSpPr>
+        <p:spPr>
+          <a:xfrm>
+            <a:off x="5463341" y="41992"/>
+            <a:ext cx="3429139" cy="461935"/>
+          </a:xfrm>
+          <a:prstGeom prst="rect">
+            <a:avLst/>
+          </a:prstGeom>
+          <a:solidFill>
+            <a:schemeClr val="bg1"/>
+          </a:solidFill>
+          <a:ln w="25400">
+            <a:noFill/>
+          </a:ln>
+        </p:spPr>
+        <p:txBody>
+          <a:bodyPr wrap="square">
+            <a:noAutofit/>
+          </a:bodyPr>
+          <a:lstStyle/>
+          <a:p>
+            <a:pPr algn="r"/>
+            <a:r>
+              <a:rPr lang="zh-CN" altLang="en-US" sz="2400" b="1" dirty="0">
+                <a:solidFill>
+                  <a:schemeClr val="accent1">
+                    <a:lumMod val="75000"/>
+                  </a:schemeClr>
+                </a:solidFill>
+                <a:latin typeface="微软雅黑" panose="020B0503020204020204" pitchFamily="34" charset="-122"/>
+                <a:ea typeface="微软雅黑" panose="020B0503020204020204" pitchFamily="34" charset="-122"/>
+              </a:rPr>
+              <a:t>估计值与不确定度评估</a:t>
+            </a:r>
+          </a:p>
+        </p:txBody>
+      </p:sp>
     </p:spTree>
     <p:extLst>
       <p:ext uri="{BB962C8B-B14F-4D97-AF65-F5344CB8AC3E}">
@@ -16615,10 +16287,10 @@
       </p:sp>
       <p:sp>
         <p:nvSpPr>
-          <p:cNvPr id="5" name="矩形 2">
+          <p:cNvPr id="12" name="矩形 2">
             <a:extLst>
               <a:ext uri="{FF2B5EF4-FFF2-40B4-BE49-F238E27FC236}">
-                <a16:creationId xmlns:a16="http://schemas.microsoft.com/office/drawing/2014/main" id="{3D9B6D87-AF4A-5A5F-891D-33FC01D3C404}"/>
+                <a16:creationId xmlns:a16="http://schemas.microsoft.com/office/drawing/2014/main" id="{01D1EA62-D4B9-4AA3-A630-1C26AB4845D5}"/>
               </a:ext>
             </a:extLst>
           </p:cNvPr>
@@ -16631,8 +16303,8 @@
         </p:nvSpPr>
         <p:spPr>
           <a:xfrm>
-            <a:off x="4860032" y="48895"/>
-            <a:ext cx="4005203" cy="376555"/>
+            <a:off x="4665810" y="48895"/>
+            <a:ext cx="4199426" cy="376555"/>
           </a:xfrm>
           <a:prstGeom prst="rect">
             <a:avLst/>
@@ -16661,393 +16333,345 @@
                 <a:latin typeface="微软雅黑" panose="020B0503020204020204" pitchFamily="34" charset="-122"/>
                 <a:ea typeface="微软雅黑" panose="020B0503020204020204" pitchFamily="34" charset="-122"/>
               </a:rPr>
-              <a:t>估计值与不确定度</a:t>
+              <a:t>求解声纳喷嘴参数的模型建立</a:t>
             </a:r>
           </a:p>
         </p:txBody>
       </p:sp>
       <p:sp>
         <p:nvSpPr>
-          <p:cNvPr id="2" name="Rectangle 1">
+          <p:cNvPr id="6" name="文本框 5">
             <a:extLst>
               <a:ext uri="{FF2B5EF4-FFF2-40B4-BE49-F238E27FC236}">
-                <a16:creationId xmlns:a16="http://schemas.microsoft.com/office/drawing/2014/main" id="{4E5441D1-6F19-607A-1D7E-66A414ABA6F4}"/>
+                <a16:creationId xmlns:a16="http://schemas.microsoft.com/office/drawing/2014/main" id="{5077CEC4-0270-EF49-9029-3FA78F124F6E}"/>
               </a:ext>
             </a:extLst>
           </p:cNvPr>
-          <p:cNvSpPr>
-            <a:spLocks noChangeArrowheads="1"/>
-          </p:cNvSpPr>
+          <p:cNvSpPr txBox="1"/>
           <p:nvPr/>
         </p:nvSpPr>
-        <p:spPr bwMode="auto">
+        <p:spPr>
           <a:xfrm>
-            <a:off x="791580" y="1041110"/>
-            <a:ext cx="7560840" cy="1197572"/>
+            <a:off x="2933821" y="1312252"/>
+            <a:ext cx="5943232" cy="3108543"/>
+          </a:xfrm>
+          <a:prstGeom prst="rect">
+            <a:avLst/>
+          </a:prstGeom>
+          <a:noFill/>
+        </p:spPr>
+        <p:txBody>
+          <a:bodyPr wrap="square" rtlCol="0">
+            <a:spAutoFit/>
+          </a:bodyPr>
+          <a:lstStyle/>
+          <a:p>
+            <a:pPr marL="285750" indent="-285750">
+              <a:buFont typeface="Arial" panose="020B0604020202020204" pitchFamily="34" charset="0"/>
+              <a:buChar char="•"/>
+            </a:pPr>
+            <a:r>
+              <a:rPr kumimoji="0" lang="zh-CN" altLang="zh-CN" sz="2800" b="1" i="0" u="none" strike="noStrike" cap="none" normalizeH="0" baseline="0" dirty="0">
+                <a:ln>
+                  <a:noFill/>
+                </a:ln>
+                <a:solidFill>
+                  <a:srgbClr val="4D4D4D"/>
+                </a:solidFill>
+                <a:effectLst/>
+                <a:latin typeface="微软雅黑" panose="020B0503020204020204" pitchFamily="34" charset="-122"/>
+                <a:ea typeface="微软雅黑" panose="020B0503020204020204" pitchFamily="34" charset="-122"/>
+              </a:rPr>
+              <a:t>蒙特卡罗方法</a:t>
+            </a:r>
+            <a:r>
+              <a:rPr lang="en-US" altLang="zh-CN" sz="2800" dirty="0">
+                <a:latin typeface="+mj-lt"/>
+                <a:ea typeface="+mj-ea"/>
+              </a:rPr>
+              <a:t>:</a:t>
+            </a:r>
+          </a:p>
+          <a:p>
+            <a:pPr marL="742950" lvl="1" indent="-285750">
+              <a:buFont typeface="Arial" panose="020B0604020202020204" pitchFamily="34" charset="0"/>
+              <a:buChar char="•"/>
+            </a:pPr>
+            <a:r>
+              <a:rPr lang="zh-CN" altLang="en-US" sz="2800" dirty="0">
+                <a:latin typeface="+mj-lt"/>
+                <a:ea typeface="+mj-ea"/>
+              </a:rPr>
+              <a:t>多次测量：获得</a:t>
+            </a:r>
+            <a:r>
+              <a:rPr lang="en-US" altLang="zh-CN" sz="2800" b="1" u="sng" dirty="0">
+                <a:effectLst>
+                  <a:outerShdw blurRad="38100" dist="38100" dir="2700000" algn="tl">
+                    <a:srgbClr val="000000">
+                      <a:alpha val="43137"/>
+                    </a:srgbClr>
+                  </a:outerShdw>
+                </a:effectLst>
+                <a:latin typeface="+mj-lt"/>
+                <a:ea typeface="+mj-ea"/>
+              </a:rPr>
+              <a:t>A</a:t>
+            </a:r>
+            <a:r>
+              <a:rPr lang="zh-CN" altLang="en-US" sz="2800" b="1" u="sng" dirty="0">
+                <a:effectLst>
+                  <a:outerShdw blurRad="38100" dist="38100" dir="2700000" algn="tl">
+                    <a:srgbClr val="000000">
+                      <a:alpha val="43137"/>
+                    </a:srgbClr>
+                  </a:outerShdw>
+                </a:effectLst>
+                <a:latin typeface="+mj-lt"/>
+                <a:ea typeface="+mj-ea"/>
+              </a:rPr>
+              <a:t>类不确定度</a:t>
+            </a:r>
+            <a:r>
+              <a:rPr lang="zh-CN" altLang="en-US" sz="2800" dirty="0">
+                <a:latin typeface="+mj-lt"/>
+                <a:ea typeface="+mj-ea"/>
+              </a:rPr>
+              <a:t>，提高测量精度</a:t>
+            </a:r>
+            <a:endParaRPr lang="en-US" altLang="zh-CN" sz="2800" dirty="0">
+              <a:latin typeface="+mj-lt"/>
+              <a:ea typeface="+mj-ea"/>
+            </a:endParaRPr>
+          </a:p>
+          <a:p>
+            <a:pPr marL="742950" lvl="1" indent="-285750">
+              <a:buFont typeface="Arial" panose="020B0604020202020204" pitchFamily="34" charset="0"/>
+              <a:buChar char="•"/>
+            </a:pPr>
+            <a:r>
+              <a:rPr lang="zh-CN" altLang="en-US" sz="2800" dirty="0">
+                <a:latin typeface="+mj-lt"/>
+                <a:ea typeface="+mj-ea"/>
+              </a:rPr>
+              <a:t>获得</a:t>
+            </a:r>
+            <a:r>
+              <a:rPr lang="zh-CN" altLang="en-US" sz="2800" b="1" u="sng" dirty="0">
+                <a:effectLst>
+                  <a:outerShdw blurRad="38100" dist="38100" dir="2700000" algn="tl">
+                    <a:srgbClr val="000000">
+                      <a:alpha val="43137"/>
+                    </a:srgbClr>
+                  </a:outerShdw>
+                </a:effectLst>
+                <a:latin typeface="+mj-lt"/>
+                <a:ea typeface="+mj-ea"/>
+              </a:rPr>
+              <a:t>协方差矩阵</a:t>
+            </a:r>
+            <a:r>
+              <a:rPr lang="zh-CN" altLang="en-US" sz="2800" dirty="0">
+                <a:latin typeface="+mj-lt"/>
+                <a:ea typeface="+mj-ea"/>
+              </a:rPr>
+              <a:t>（第三部分）</a:t>
+            </a:r>
+            <a:endParaRPr lang="en-US" altLang="zh-CN" sz="2800" dirty="0">
+              <a:latin typeface="+mj-lt"/>
+              <a:ea typeface="+mj-ea"/>
+            </a:endParaRPr>
+          </a:p>
+          <a:p>
+            <a:pPr marL="285750" indent="-285750">
+              <a:buFont typeface="Arial" panose="020B0604020202020204" pitchFamily="34" charset="0"/>
+              <a:buChar char="•"/>
+            </a:pPr>
+            <a:endParaRPr lang="en-US" altLang="zh-CN" sz="2800" dirty="0">
+              <a:latin typeface="+mj-lt"/>
+              <a:ea typeface="+mj-ea"/>
+            </a:endParaRPr>
+          </a:p>
+          <a:p>
+            <a:pPr marL="285750" indent="-285750">
+              <a:buFont typeface="Arial" panose="020B0604020202020204" pitchFamily="34" charset="0"/>
+              <a:buChar char="•"/>
+            </a:pPr>
+            <a:r>
+              <a:rPr lang="zh-CN" altLang="en-US" sz="2800" dirty="0">
+                <a:latin typeface="+mj-lt"/>
+                <a:ea typeface="+mj-ea"/>
+              </a:rPr>
+              <a:t>获得</a:t>
+            </a:r>
+            <a:r>
+              <a:rPr lang="en-US" altLang="zh-CN" sz="2800" b="1" u="sng" dirty="0">
+                <a:effectLst>
+                  <a:outerShdw blurRad="38100" dist="38100" dir="2700000" algn="tl">
+                    <a:srgbClr val="000000">
+                      <a:alpha val="43137"/>
+                    </a:srgbClr>
+                  </a:outerShdw>
+                </a:effectLst>
+                <a:latin typeface="+mj-lt"/>
+                <a:ea typeface="+mj-ea"/>
+              </a:rPr>
+              <a:t>N</a:t>
+            </a:r>
+            <a:r>
+              <a:rPr lang="zh-CN" altLang="en-US" sz="2800" b="1" u="sng" dirty="0">
+                <a:effectLst>
+                  <a:outerShdw blurRad="38100" dist="38100" dir="2700000" algn="tl">
+                    <a:srgbClr val="000000">
+                      <a:alpha val="43137"/>
+                    </a:srgbClr>
+                  </a:outerShdw>
+                </a:effectLst>
+                <a:latin typeface="+mj-lt"/>
+                <a:ea typeface="+mj-ea"/>
+              </a:rPr>
+              <a:t>组</a:t>
+            </a:r>
+            <a:r>
+              <a:rPr lang="en-US" altLang="zh-CN" sz="2800" dirty="0">
+                <a:latin typeface="+mj-lt"/>
+                <a:ea typeface="+mj-ea"/>
+              </a:rPr>
+              <a:t>X, Y</a:t>
+            </a:r>
+            <a:r>
+              <a:rPr lang="zh-CN" altLang="en-US" sz="2800" dirty="0">
+                <a:latin typeface="+mj-lt"/>
+                <a:ea typeface="+mj-ea"/>
+              </a:rPr>
+              <a:t>的</a:t>
+            </a:r>
+            <a:r>
+              <a:rPr lang="zh-CN" altLang="en-US" sz="2800" b="1" u="sng" dirty="0">
+                <a:effectLst>
+                  <a:outerShdw blurRad="38100" dist="38100" dir="2700000" algn="tl">
+                    <a:srgbClr val="000000">
+                      <a:alpha val="43137"/>
+                    </a:srgbClr>
+                  </a:outerShdw>
+                </a:effectLst>
+                <a:latin typeface="+mj-lt"/>
+                <a:ea typeface="+mj-ea"/>
+              </a:rPr>
+              <a:t>估计值</a:t>
+            </a:r>
+            <a:r>
+              <a:rPr lang="zh-CN" altLang="en-US" sz="2800" dirty="0">
+                <a:latin typeface="+mj-lt"/>
+                <a:ea typeface="+mj-ea"/>
+              </a:rPr>
+              <a:t>与</a:t>
+            </a:r>
+            <a:r>
+              <a:rPr lang="zh-CN" altLang="en-US" sz="2800" b="1" u="sng" dirty="0">
+                <a:effectLst>
+                  <a:outerShdw blurRad="38100" dist="38100" dir="2700000" algn="tl">
+                    <a:srgbClr val="000000">
+                      <a:alpha val="43137"/>
+                    </a:srgbClr>
+                  </a:outerShdw>
+                </a:effectLst>
+                <a:latin typeface="+mj-lt"/>
+                <a:ea typeface="+mj-ea"/>
+              </a:rPr>
+              <a:t>不确定度</a:t>
+            </a:r>
+            <a:r>
+              <a:rPr lang="zh-CN" altLang="en-US" sz="2800" dirty="0">
+                <a:latin typeface="+mj-lt"/>
+                <a:ea typeface="+mj-ea"/>
+              </a:rPr>
+              <a:t>，然后进行</a:t>
+            </a:r>
+            <a:r>
+              <a:rPr lang="zh-CN" altLang="en-US" sz="2800" b="1" u="sng" dirty="0">
+                <a:effectLst>
+                  <a:outerShdw blurRad="38100" dist="38100" dir="2700000" algn="tl">
+                    <a:srgbClr val="000000">
+                      <a:alpha val="43137"/>
+                    </a:srgbClr>
+                  </a:outerShdw>
+                </a:effectLst>
+                <a:latin typeface="+mj-lt"/>
+                <a:ea typeface="+mj-ea"/>
+              </a:rPr>
+              <a:t>一元线性回归</a:t>
+            </a:r>
+          </a:p>
+        </p:txBody>
+      </p:sp>
+      <p:sp>
+        <p:nvSpPr>
+          <p:cNvPr id="8" name="文本框 7">
+            <a:extLst>
+              <a:ext uri="{FF2B5EF4-FFF2-40B4-BE49-F238E27FC236}">
+                <a16:creationId xmlns:a16="http://schemas.microsoft.com/office/drawing/2014/main" id="{1A05E58D-9EE4-5F0B-141D-62247E707041}"/>
+              </a:ext>
+            </a:extLst>
+          </p:cNvPr>
+          <p:cNvSpPr txBox="1"/>
+          <p:nvPr/>
+        </p:nvSpPr>
+        <p:spPr>
+          <a:xfrm>
+            <a:off x="145298" y="976826"/>
+            <a:ext cx="2274874" cy="521263"/>
           </a:xfrm>
           <a:prstGeom prst="rect">
             <a:avLst/>
           </a:prstGeom>
           <a:solidFill>
-            <a:srgbClr val="FFFFFF"/>
+            <a:schemeClr val="bg1"/>
           </a:solidFill>
-          <a:ln>
+          <a:ln w="25400">
             <a:noFill/>
           </a:ln>
-          <a:effectLst/>
-          <a:extLst>
-            <a:ext uri="{91240B29-F687-4F45-9708-019B960494DF}">
-              <a14:hiddenLine xmlns:a14="http://schemas.microsoft.com/office/drawing/2010/main" w="9525">
-                <a:solidFill>
-                  <a:schemeClr val="tx1"/>
-                </a:solidFill>
-                <a:miter lim="800000"/>
-                <a:headEnd/>
-                <a:tailEnd/>
-              </a14:hiddenLine>
-            </a:ext>
-            <a:ext uri="{AF507438-7753-43E0-B8FC-AC1667EBCBE1}">
-              <a14:hiddenEffects xmlns:a14="http://schemas.microsoft.com/office/drawing/2010/main">
+        </p:spPr>
+        <p:txBody>
+          <a:bodyPr wrap="square">
+            <a:noAutofit/>
+          </a:bodyPr>
+          <a:lstStyle>
+            <a:defPPr>
+              <a:defRPr lang="zh-CN"/>
+            </a:defPPr>
+            <a:lvl1pPr algn="r">
+              <a:defRPr sz="2400" b="1">
+                <a:solidFill>
+                  <a:schemeClr val="accent1">
+                    <a:lumMod val="75000"/>
+                  </a:schemeClr>
+                </a:solidFill>
+                <a:latin typeface="微软雅黑" panose="020B0503020204020204" pitchFamily="34" charset="-122"/>
+                <a:ea typeface="微软雅黑" panose="020B0503020204020204" pitchFamily="34" charset="-122"/>
+              </a:defRPr>
+            </a:lvl1pPr>
+          </a:lstStyle>
+          <a:p>
+            <a:r>
+              <a:rPr lang="zh-CN" altLang="en-US" dirty="0">
                 <a:effectLst>
-                  <a:outerShdw dist="35921" dir="2700000" algn="ctr" rotWithShape="0">
-                    <a:schemeClr val="bg2"/>
+                  <a:outerShdw blurRad="38100" dist="38100" dir="2700000" algn="tl">
+                    <a:srgbClr val="000000">
+                      <a:alpha val="43137"/>
+                    </a:srgbClr>
                   </a:outerShdw>
                 </a:effectLst>
-              </a14:hiddenEffects>
-            </a:ext>
-          </a:extLst>
-        </p:spPr>
-        <p:txBody>
-          <a:bodyPr vert="horz" wrap="square" lIns="0" tIns="0" rIns="12696" bIns="0" numCol="1" anchor="ctr" anchorCtr="0" compatLnSpc="1">
-            <a:prstTxWarp prst="textNoShape">
-              <a:avLst/>
-            </a:prstTxWarp>
-            <a:spAutoFit/>
-          </a:bodyPr>
-          <a:lstStyle/>
-          <a:p>
-            <a:pPr marL="0" marR="0" lvl="0" indent="0" algn="l" defTabSz="914400" rtl="0" eaLnBrk="0" fontAlgn="base" latinLnBrk="0" hangingPunct="0">
-              <a:lnSpc>
-                <a:spcPct val="150000"/>
-              </a:lnSpc>
-              <a:spcBef>
-                <a:spcPct val="0"/>
-              </a:spcBef>
-              <a:spcAft>
-                <a:spcPct val="0"/>
-              </a:spcAft>
-              <a:buClrTx/>
-              <a:buSzTx/>
-              <a:buFontTx/>
-              <a:buNone/>
-              <a:tabLst/>
-            </a:pPr>
-            <a:r>
-              <a:rPr kumimoji="0" lang="zh-CN" altLang="zh-CN" b="0" i="0" u="none" strike="noStrike" cap="none" normalizeH="0" baseline="0" dirty="0">
-                <a:ln>
-                  <a:noFill/>
-                </a:ln>
-                <a:solidFill>
-                  <a:srgbClr val="4D4D4D"/>
-                </a:solidFill>
-                <a:effectLst/>
-                <a:latin typeface="微软雅黑" panose="020B0503020204020204" pitchFamily="34" charset="-122"/>
-                <a:ea typeface="微软雅黑" panose="020B0503020204020204" pitchFamily="34" charset="-122"/>
               </a:rPr>
-              <a:t>蒙特卡罗方法</a:t>
-            </a:r>
-            <a:r>
-              <a:rPr kumimoji="0" lang="zh-CN" altLang="zh-CN" b="0" i="0" u="none" strike="noStrike" cap="none" normalizeH="0" baseline="0" dirty="0">
-                <a:ln>
-                  <a:noFill/>
-                </a:ln>
-                <a:solidFill>
-                  <a:srgbClr val="4D4D4D"/>
-                </a:solidFill>
-                <a:effectLst/>
-                <a:latin typeface="Times New Roman" panose="02020603050405020304" pitchFamily="18" charset="0"/>
-                <a:ea typeface="微软雅黑" panose="020B0503020204020204" pitchFamily="34" charset="-122"/>
-                <a:cs typeface="Times New Roman" panose="02020603050405020304" pitchFamily="18" charset="0"/>
-              </a:rPr>
-              <a:t>（Monte Carlo method）</a:t>
-            </a:r>
-            <a:r>
-              <a:rPr kumimoji="0" lang="zh-CN" altLang="en-US" b="0" i="0" u="none" strike="noStrike" cap="none" normalizeH="0" baseline="0" dirty="0">
-                <a:ln>
-                  <a:noFill/>
-                </a:ln>
-                <a:solidFill>
-                  <a:srgbClr val="4D4D4D"/>
-                </a:solidFill>
-                <a:effectLst/>
-                <a:latin typeface="Times New Roman" panose="02020603050405020304" pitchFamily="18" charset="0"/>
-                <a:ea typeface="微软雅黑" panose="020B0503020204020204" pitchFamily="34" charset="-122"/>
-                <a:cs typeface="Times New Roman" panose="02020603050405020304" pitchFamily="18" charset="0"/>
-              </a:rPr>
-              <a:t>，</a:t>
-            </a:r>
-            <a:r>
-              <a:rPr kumimoji="0" lang="zh-CN" altLang="zh-CN" b="0" i="0" u="none" strike="noStrike" cap="none" normalizeH="0" baseline="0" dirty="0">
-                <a:ln>
-                  <a:noFill/>
-                </a:ln>
-                <a:solidFill>
-                  <a:srgbClr val="4D4D4D"/>
-                </a:solidFill>
-                <a:effectLst/>
-                <a:latin typeface="微软雅黑" panose="020B0503020204020204" pitchFamily="34" charset="-122"/>
-                <a:ea typeface="微软雅黑" panose="020B0503020204020204" pitchFamily="34" charset="-122"/>
-              </a:rPr>
-              <a:t>也称</a:t>
-            </a:r>
-            <a:r>
-              <a:rPr kumimoji="0" lang="zh-CN" altLang="zh-CN" b="1" i="0" u="none" strike="noStrike" cap="none" normalizeH="0" baseline="0" dirty="0">
-                <a:ln>
-                  <a:noFill/>
-                </a:ln>
-                <a:solidFill>
-                  <a:srgbClr val="4D4D4D"/>
-                </a:solidFill>
-                <a:effectLst/>
-                <a:latin typeface="微软雅黑" panose="020B0503020204020204" pitchFamily="34" charset="-122"/>
-                <a:ea typeface="微软雅黑" panose="020B0503020204020204" pitchFamily="34" charset="-122"/>
-              </a:rPr>
-              <a:t>统计模拟方法</a:t>
-            </a:r>
-            <a:br>
-              <a:rPr kumimoji="0" lang="zh-CN" altLang="zh-CN" b="0" i="0" u="none" strike="noStrike" cap="none" normalizeH="0" baseline="0" dirty="0">
-                <a:ln>
-                  <a:noFill/>
-                </a:ln>
-                <a:solidFill>
-                  <a:srgbClr val="4D4D4D"/>
-                </a:solidFill>
-                <a:effectLst/>
-                <a:latin typeface="微软雅黑" panose="020B0503020204020204" pitchFamily="34" charset="-122"/>
-                <a:ea typeface="微软雅黑" panose="020B0503020204020204" pitchFamily="34" charset="-122"/>
-              </a:rPr>
-            </a:br>
-            <a:r>
-              <a:rPr kumimoji="0" lang="zh-CN" altLang="zh-CN" b="0" i="0" u="none" strike="noStrike" cap="none" normalizeH="0" baseline="0" dirty="0">
-                <a:ln>
-                  <a:noFill/>
-                </a:ln>
-                <a:solidFill>
-                  <a:srgbClr val="4D4D4D"/>
-                </a:solidFill>
-                <a:effectLst/>
-                <a:latin typeface="微软雅黑" panose="020B0503020204020204" pitchFamily="34" charset="-122"/>
-                <a:ea typeface="微软雅黑" panose="020B0503020204020204" pitchFamily="34" charset="-122"/>
-              </a:rPr>
-              <a:t>理论基础是</a:t>
-            </a:r>
-            <a:r>
-              <a:rPr kumimoji="0" lang="zh-CN" altLang="zh-CN" b="1" i="0" u="none" strike="noStrike" cap="none" normalizeH="0" baseline="0" dirty="0">
-                <a:ln>
-                  <a:noFill/>
-                </a:ln>
-                <a:solidFill>
-                  <a:srgbClr val="4D4D4D"/>
-                </a:solidFill>
-                <a:effectLst/>
-                <a:latin typeface="微软雅黑" panose="020B0503020204020204" pitchFamily="34" charset="-122"/>
-                <a:ea typeface="微软雅黑" panose="020B0503020204020204" pitchFamily="34" charset="-122"/>
-              </a:rPr>
-              <a:t>大数定律</a:t>
-            </a:r>
-            <a:r>
-              <a:rPr kumimoji="0" lang="zh-CN" altLang="zh-CN" b="0" i="0" u="none" strike="noStrike" cap="none" normalizeH="0" baseline="0" dirty="0">
-                <a:ln>
-                  <a:noFill/>
-                </a:ln>
-                <a:solidFill>
-                  <a:srgbClr val="4D4D4D"/>
-                </a:solidFill>
-                <a:effectLst/>
-                <a:latin typeface="微软雅黑" panose="020B0503020204020204" pitchFamily="34" charset="-122"/>
-                <a:ea typeface="微软雅黑" panose="020B0503020204020204" pitchFamily="34" charset="-122"/>
-              </a:rPr>
-              <a:t>。大数定律是描述相当多次数重复试验的结果的定律，在大数定理的保证下</a:t>
-            </a:r>
-            <a:r>
-              <a:rPr kumimoji="0" lang="zh-CN" altLang="en-US" b="0" i="0" u="none" strike="noStrike" cap="none" normalizeH="0" baseline="0" dirty="0">
-                <a:ln>
-                  <a:noFill/>
-                </a:ln>
-                <a:solidFill>
-                  <a:srgbClr val="4D4D4D"/>
-                </a:solidFill>
-                <a:effectLst/>
-                <a:latin typeface="微软雅黑" panose="020B0503020204020204" pitchFamily="34" charset="-122"/>
-                <a:ea typeface="微软雅黑" panose="020B0503020204020204" pitchFamily="34" charset="-122"/>
-              </a:rPr>
-              <a:t>：</a:t>
-            </a:r>
-            <a:r>
-              <a:rPr kumimoji="0" lang="zh-CN" altLang="zh-CN" b="0" i="0" u="none" strike="noStrike" cap="none" normalizeH="0" baseline="0" dirty="0">
-                <a:ln>
-                  <a:noFill/>
-                </a:ln>
-                <a:solidFill>
-                  <a:srgbClr val="555666"/>
-                </a:solidFill>
-                <a:effectLst/>
-                <a:latin typeface="微软雅黑" panose="020B0503020204020204" pitchFamily="34" charset="-122"/>
-                <a:ea typeface="微软雅黑" panose="020B0503020204020204" pitchFamily="34" charset="-122"/>
-              </a:rPr>
-              <a:t>利用事件发生的</a:t>
-            </a:r>
-            <a:r>
-              <a:rPr kumimoji="0" lang="zh-CN" altLang="zh-CN" b="1" i="0" u="none" strike="noStrike" cap="none" normalizeH="0" baseline="0" dirty="0">
-                <a:ln>
-                  <a:noFill/>
-                </a:ln>
-                <a:solidFill>
-                  <a:srgbClr val="555666"/>
-                </a:solidFill>
-                <a:effectLst/>
-                <a:latin typeface="微软雅黑" panose="020B0503020204020204" pitchFamily="34" charset="-122"/>
-                <a:ea typeface="微软雅黑" panose="020B0503020204020204" pitchFamily="34" charset="-122"/>
-              </a:rPr>
-              <a:t>频率</a:t>
-            </a:r>
-            <a:r>
-              <a:rPr kumimoji="0" lang="zh-CN" altLang="zh-CN" b="0" i="0" u="none" strike="noStrike" cap="none" normalizeH="0" baseline="0" dirty="0">
-                <a:ln>
-                  <a:noFill/>
-                </a:ln>
-                <a:solidFill>
-                  <a:srgbClr val="555666"/>
-                </a:solidFill>
-                <a:effectLst/>
-                <a:latin typeface="微软雅黑" panose="020B0503020204020204" pitchFamily="34" charset="-122"/>
-                <a:ea typeface="微软雅黑" panose="020B0503020204020204" pitchFamily="34" charset="-122"/>
-              </a:rPr>
-              <a:t>作为事件发生的</a:t>
-            </a:r>
-            <a:r>
-              <a:rPr kumimoji="0" lang="zh-CN" altLang="zh-CN" b="1" i="0" u="none" strike="noStrike" cap="none" normalizeH="0" baseline="0" dirty="0">
-                <a:ln>
-                  <a:noFill/>
-                </a:ln>
-                <a:solidFill>
-                  <a:srgbClr val="555666"/>
-                </a:solidFill>
-                <a:effectLst/>
-                <a:latin typeface="微软雅黑" panose="020B0503020204020204" pitchFamily="34" charset="-122"/>
-                <a:ea typeface="微软雅黑" panose="020B0503020204020204" pitchFamily="34" charset="-122"/>
-              </a:rPr>
-              <a:t>概率</a:t>
-            </a:r>
-            <a:r>
-              <a:rPr kumimoji="0" lang="zh-CN" altLang="zh-CN" b="0" i="0" u="none" strike="noStrike" cap="none" normalizeH="0" baseline="0" dirty="0">
-                <a:ln>
-                  <a:noFill/>
-                </a:ln>
-                <a:solidFill>
-                  <a:srgbClr val="555666"/>
-                </a:solidFill>
-                <a:effectLst/>
-                <a:latin typeface="微软雅黑" panose="020B0503020204020204" pitchFamily="34" charset="-122"/>
-                <a:ea typeface="微软雅黑" panose="020B0503020204020204" pitchFamily="34" charset="-122"/>
-              </a:rPr>
-              <a:t>的近似值。</a:t>
-            </a:r>
-            <a:endParaRPr kumimoji="0" lang="zh-CN" altLang="zh-CN" b="0" i="0" u="none" strike="noStrike" cap="none" normalizeH="0" baseline="0" dirty="0">
-              <a:ln>
-                <a:noFill/>
-              </a:ln>
-              <a:solidFill>
-                <a:schemeClr val="tx1"/>
-              </a:solidFill>
-              <a:effectLst/>
-              <a:latin typeface="微软雅黑" panose="020B0503020204020204" pitchFamily="34" charset="-122"/>
-              <a:ea typeface="微软雅黑" panose="020B0503020204020204" pitchFamily="34" charset="-122"/>
-            </a:endParaRPr>
+              <a:t>第二部分总结：</a:t>
+            </a:r>
           </a:p>
         </p:txBody>
       </p:sp>
-      <p:pic>
-        <p:nvPicPr>
-          <p:cNvPr id="8" name="图片 7">
-            <a:extLst>
-              <a:ext uri="{FF2B5EF4-FFF2-40B4-BE49-F238E27FC236}">
-                <a16:creationId xmlns:a16="http://schemas.microsoft.com/office/drawing/2014/main" id="{90FFDF4F-726A-6543-CF68-2C874A9E158A}"/>
-              </a:ext>
-            </a:extLst>
-          </p:cNvPr>
-          <p:cNvPicPr>
-            <a:picLocks noChangeAspect="1"/>
-          </p:cNvPicPr>
-          <p:nvPr/>
-        </p:nvPicPr>
-        <p:blipFill>
-          <a:blip r:embed="rId5"/>
-          <a:stretch>
-            <a:fillRect/>
-          </a:stretch>
-        </p:blipFill>
-        <p:spPr>
-          <a:xfrm>
-            <a:off x="2483768" y="2785492"/>
-            <a:ext cx="3652391" cy="642611"/>
-          </a:xfrm>
-          <a:prstGeom prst="rect">
-            <a:avLst/>
-          </a:prstGeom>
-        </p:spPr>
-      </p:pic>
-      <p:pic>
-        <p:nvPicPr>
-          <p:cNvPr id="1027" name="Picture 3">
-            <a:extLst>
-              <a:ext uri="{FF2B5EF4-FFF2-40B4-BE49-F238E27FC236}">
-                <a16:creationId xmlns:a16="http://schemas.microsoft.com/office/drawing/2014/main" id="{AF8FC0ED-74A3-B944-9DC6-EECB87635674}"/>
-              </a:ext>
-            </a:extLst>
-          </p:cNvPr>
-          <p:cNvPicPr>
-            <a:picLocks noChangeAspect="1" noChangeArrowheads="1"/>
-          </p:cNvPicPr>
-          <p:nvPr/>
-        </p:nvPicPr>
-        <p:blipFill>
-          <a:blip r:embed="rId6">
-            <a:extLst>
-              <a:ext uri="{28A0092B-C50C-407E-A947-70E740481C1C}">
-                <a14:useLocalDpi xmlns:a14="http://schemas.microsoft.com/office/drawing/2010/main" val="0"/>
-              </a:ext>
-            </a:extLst>
-          </a:blip>
-          <a:srcRect/>
-          <a:stretch>
-            <a:fillRect/>
-          </a:stretch>
-        </p:blipFill>
-        <p:spPr bwMode="auto">
-          <a:xfrm>
-            <a:off x="3724175" y="4153644"/>
-            <a:ext cx="1171575" cy="857250"/>
-          </a:xfrm>
-          <a:prstGeom prst="rect">
-            <a:avLst/>
-          </a:prstGeom>
-          <a:noFill/>
-          <a:extLst>
-            <a:ext uri="{909E8E84-426E-40DD-AFC4-6F175D3DCCD1}">
-              <a14:hiddenFill xmlns:a14="http://schemas.microsoft.com/office/drawing/2010/main">
-                <a:solidFill>
-                  <a:srgbClr val="FFFFFF"/>
-                </a:solidFill>
-              </a14:hiddenFill>
-            </a:ext>
-          </a:extLst>
-        </p:spPr>
-      </p:pic>
     </p:spTree>
     <p:extLst>
       <p:ext uri="{BB962C8B-B14F-4D97-AF65-F5344CB8AC3E}">
-        <p14:creationId xmlns:p14="http://schemas.microsoft.com/office/powerpoint/2010/main" val="1371695279"/>
+        <p14:creationId xmlns:p14="http://schemas.microsoft.com/office/powerpoint/2010/main" val="2696194061"/>
       </p:ext>
     </p:extLst>
   </p:cSld>
@@ -17588,57 +17212,6 @@
           </a:p>
         </p:txBody>
       </p:sp>
-      <p:sp>
-        <p:nvSpPr>
-          <p:cNvPr id="11" name="TextBox 11">
-            <a:extLst>
-              <a:ext uri="{FF2B5EF4-FFF2-40B4-BE49-F238E27FC236}">
-                <a16:creationId xmlns:a16="http://schemas.microsoft.com/office/drawing/2014/main" id="{8763971F-02F3-4464-9CDF-2BC80355714D}"/>
-              </a:ext>
-            </a:extLst>
-          </p:cNvPr>
-          <p:cNvSpPr txBox="1"/>
-          <p:nvPr>
-            <p:custDataLst>
-              <p:tags r:id="rId3"/>
-            </p:custDataLst>
-          </p:nvPr>
-        </p:nvSpPr>
-        <p:spPr>
-          <a:xfrm>
-            <a:off x="1907704" y="674368"/>
-            <a:ext cx="4199426" cy="400110"/>
-          </a:xfrm>
-          <a:prstGeom prst="rect">
-            <a:avLst/>
-          </a:prstGeom>
-          <a:noFill/>
-        </p:spPr>
-        <p:txBody>
-          <a:bodyPr vert="horz" wrap="square" rtlCol="0">
-            <a:spAutoFit/>
-          </a:bodyPr>
-          <a:lstStyle/>
-          <a:p>
-            <a:pPr marL="342900" indent="-342900" algn="ctr" fontAlgn="b">
-              <a:buFont typeface="Wingdings" panose="05000000000000000000" pitchFamily="2" charset="2"/>
-              <a:buChar char="u"/>
-            </a:pPr>
-            <a:r>
-              <a:rPr lang="zh-CN" altLang="en-US" sz="2000" b="1" dirty="0">
-                <a:solidFill>
-                  <a:schemeClr val="tx2">
-                    <a:lumMod val="75000"/>
-                  </a:schemeClr>
-                </a:solidFill>
-                <a:latin typeface="微软雅黑" panose="020B0503020204020204" pitchFamily="34" charset="-122"/>
-                <a:ea typeface="微软雅黑" panose="020B0503020204020204" pitchFamily="34" charset="-122"/>
-              </a:rPr>
-              <a:t>最小二乘法的四大变式</a:t>
-            </a:r>
-          </a:p>
-        </p:txBody>
-      </p:sp>
       <p:graphicFrame>
         <p:nvGraphicFramePr>
           <p:cNvPr id="3" name="图示 2">
@@ -17659,7 +17232,7 @@
         </p:xfrm>
         <a:graphic>
           <a:graphicData uri="http://schemas.openxmlformats.org/drawingml/2006/diagram">
-            <dgm:relIds xmlns:dgm="http://schemas.openxmlformats.org/drawingml/2006/diagram" xmlns:r="http://schemas.openxmlformats.org/officeDocument/2006/relationships" r:dm="rId6" r:lo="rId7" r:qs="rId8" r:cs="rId9"/>
+            <dgm:relIds xmlns:dgm="http://schemas.openxmlformats.org/drawingml/2006/diagram" xmlns:r="http://schemas.openxmlformats.org/officeDocument/2006/relationships" r:dm="rId5" r:lo="rId6" r:qs="rId7" r:cs="rId8"/>
           </a:graphicData>
         </a:graphic>
       </p:graphicFrame>
@@ -17678,7 +17251,7 @@
           <p:nvPr/>
         </p:nvPicPr>
         <p:blipFill>
-          <a:blip r:embed="rId11" cstate="print">
+          <a:blip r:embed="rId10" cstate="print">
             <a:extLst>
               <a:ext uri="{28A0092B-C50C-407E-A947-70E740481C1C}">
                 <a14:useLocalDpi xmlns:a14="http://schemas.microsoft.com/office/drawing/2010/main" val="0"/>
@@ -17768,7 +17341,7 @@
           <p:nvPr/>
         </p:nvPicPr>
         <p:blipFill>
-          <a:blip r:embed="rId12"/>
+          <a:blip r:embed="rId11"/>
           <a:stretch>
             <a:fillRect/>
           </a:stretch>
@@ -27743,13 +27316,13 @@
 
 <file path=ppt/tags/tag26.xml><?xml version="1.0" encoding="utf-8"?>
 <p:tagLst xmlns:a="http://schemas.openxmlformats.org/drawingml/2006/main" xmlns:r="http://schemas.openxmlformats.org/officeDocument/2006/relationships" xmlns:p="http://schemas.openxmlformats.org/presentationml/2006/main">
+  <p:tag name="KSO_WM_UNIT_PLACING_PICTURE_USER_VIEWPORT" val="{&quot;height&quot;:744,&quot;width&quot;:3853}"/>
   <p:tag name="KSO_WM_BEAUTIFY_FLAG" val=""/>
 </p:tagLst>
 </file>
 
 <file path=ppt/tags/tag27.xml><?xml version="1.0" encoding="utf-8"?>
 <p:tagLst xmlns:a="http://schemas.openxmlformats.org/drawingml/2006/main" xmlns:r="http://schemas.openxmlformats.org/officeDocument/2006/relationships" xmlns:p="http://schemas.openxmlformats.org/presentationml/2006/main">
-  <p:tag name="KSO_WM_UNIT_PLACING_PICTURE_USER_VIEWPORT" val="{&quot;height&quot;:744,&quot;width&quot;:3853}"/>
   <p:tag name="KSO_WM_BEAUTIFY_FLAG" val=""/>
 </p:tagLst>
 </file>
@@ -27773,12 +27346,6 @@
 </file>
 
 <file path=ppt/tags/tag30.xml><?xml version="1.0" encoding="utf-8"?>
-<p:tagLst xmlns:a="http://schemas.openxmlformats.org/drawingml/2006/main" xmlns:r="http://schemas.openxmlformats.org/officeDocument/2006/relationships" xmlns:p="http://schemas.openxmlformats.org/presentationml/2006/main">
-  <p:tag name="KSO_WM_BEAUTIFY_FLAG" val=""/>
-</p:tagLst>
-</file>
-
-<file path=ppt/tags/tag31.xml><?xml version="1.0" encoding="utf-8"?>
 <p:tagLst xmlns:a="http://schemas.openxmlformats.org/drawingml/2006/main" xmlns:r="http://schemas.openxmlformats.org/officeDocument/2006/relationships" xmlns:p="http://schemas.openxmlformats.org/presentationml/2006/main">
   <p:tag name="KSO_WM_BEAUTIFY_FLAG" val=""/>
 </p:tagLst>

--- a/2023-4-9.pptx
+++ b/2023-4-9.pptx
@@ -13716,8 +13716,8 @@
         </p:nvSpPr>
         <p:spPr>
           <a:xfrm>
-            <a:off x="5463341" y="41992"/>
-            <a:ext cx="3429139" cy="461935"/>
+            <a:off x="5004049" y="41992"/>
+            <a:ext cx="3888432" cy="461935"/>
           </a:xfrm>
           <a:prstGeom prst="rect">
             <a:avLst/>
@@ -13748,6 +13748,27 @@
               </a:rPr>
               <a:t>估计值与不确定度评估</a:t>
             </a:r>
+            <a:r>
+              <a:rPr lang="en-US" altLang="zh-CN" sz="2400" b="1" dirty="0">
+                <a:solidFill>
+                  <a:schemeClr val="accent1">
+                    <a:lumMod val="75000"/>
+                  </a:schemeClr>
+                </a:solidFill>
+                <a:latin typeface="微软雅黑" panose="020B0503020204020204" pitchFamily="34" charset="-122"/>
+                <a:ea typeface="微软雅黑" panose="020B0503020204020204" pitchFamily="34" charset="-122"/>
+              </a:rPr>
+              <a:t>(1/4)</a:t>
+            </a:r>
+            <a:endParaRPr lang="zh-CN" altLang="en-US" sz="2400" b="1" dirty="0">
+              <a:solidFill>
+                <a:schemeClr val="accent1">
+                  <a:lumMod val="75000"/>
+                </a:schemeClr>
+              </a:solidFill>
+              <a:latin typeface="微软雅黑" panose="020B0503020204020204" pitchFamily="34" charset="-122"/>
+              <a:ea typeface="微软雅黑" panose="020B0503020204020204" pitchFamily="34" charset="-122"/>
+            </a:endParaRPr>
           </a:p>
         </p:txBody>
       </p:sp>
@@ -14740,10 +14761,100 @@
       </p:graphicFrame>
       <p:sp>
         <p:nvSpPr>
-          <p:cNvPr id="15" name="矩形 2">
+          <p:cNvPr id="16" name="文本框 15">
             <a:extLst>
               <a:ext uri="{FF2B5EF4-FFF2-40B4-BE49-F238E27FC236}">
-                <a16:creationId xmlns:a16="http://schemas.microsoft.com/office/drawing/2014/main" id="{DA242554-2B4A-6828-B46A-FB05E0379DC6}"/>
+                <a16:creationId xmlns:a16="http://schemas.microsoft.com/office/drawing/2014/main" id="{425E8088-4E03-D137-DE27-85035D206EAE}"/>
+              </a:ext>
+            </a:extLst>
+          </p:cNvPr>
+          <p:cNvSpPr txBox="1"/>
+          <p:nvPr/>
+        </p:nvSpPr>
+        <p:spPr>
+          <a:xfrm>
+            <a:off x="5220072" y="4478070"/>
+            <a:ext cx="4211960" cy="954107"/>
+          </a:xfrm>
+          <a:prstGeom prst="rect">
+            <a:avLst/>
+          </a:prstGeom>
+          <a:noFill/>
+        </p:spPr>
+        <p:txBody>
+          <a:bodyPr wrap="square" rtlCol="0">
+            <a:spAutoFit/>
+          </a:bodyPr>
+          <a:lstStyle/>
+          <a:p>
+            <a:r>
+              <a:rPr lang="zh-CN" altLang="en-US" sz="2800" b="1" dirty="0">
+                <a:effectLst>
+                  <a:outerShdw blurRad="38100" dist="38100" dir="2700000" algn="tl">
+                    <a:srgbClr val="000000">
+                      <a:alpha val="43137"/>
+                    </a:srgbClr>
+                  </a:outerShdw>
+                </a:effectLst>
+              </a:rPr>
+              <a:t>计算变量相关性，</a:t>
+            </a:r>
+            <a:endParaRPr lang="en-US" altLang="zh-CN" sz="2800" b="1" dirty="0">
+              <a:effectLst>
+                <a:outerShdw blurRad="38100" dist="38100" dir="2700000" algn="tl">
+                  <a:srgbClr val="000000">
+                    <a:alpha val="43137"/>
+                  </a:srgbClr>
+                </a:outerShdw>
+              </a:effectLst>
+            </a:endParaRPr>
+          </a:p>
+          <a:p>
+            <a:r>
+              <a:rPr lang="zh-CN" altLang="en-US" sz="2800" b="1" dirty="0">
+                <a:effectLst>
+                  <a:outerShdw blurRad="38100" dist="38100" dir="2700000" algn="tl">
+                    <a:srgbClr val="000000">
+                      <a:alpha val="43137"/>
+                    </a:srgbClr>
+                  </a:outerShdw>
+                </a:effectLst>
+              </a:rPr>
+              <a:t>获得</a:t>
+            </a:r>
+            <a:r>
+              <a:rPr lang="en-US" altLang="zh-CN" sz="2800" b="1" dirty="0">
+                <a:effectLst>
+                  <a:outerShdw blurRad="38100" dist="38100" dir="2700000" algn="tl">
+                    <a:srgbClr val="000000">
+                      <a:alpha val="43137"/>
+                    </a:srgbClr>
+                  </a:outerShdw>
+                </a:effectLst>
+              </a:rPr>
+              <a:t>X, Y</a:t>
+            </a:r>
+            <a:r>
+              <a:rPr lang="zh-CN" altLang="en-US" sz="2800" b="1" dirty="0">
+                <a:effectLst>
+                  <a:outerShdw blurRad="38100" dist="38100" dir="2700000" algn="tl">
+                    <a:srgbClr val="000000">
+                      <a:alpha val="43137"/>
+                    </a:srgbClr>
+                  </a:outerShdw>
+                </a:effectLst>
+              </a:rPr>
+              <a:t>协方差矩阵</a:t>
+            </a:r>
+          </a:p>
+        </p:txBody>
+      </p:sp>
+      <p:sp>
+        <p:nvSpPr>
+          <p:cNvPr id="2" name="矩形 2">
+            <a:extLst>
+              <a:ext uri="{FF2B5EF4-FFF2-40B4-BE49-F238E27FC236}">
+                <a16:creationId xmlns:a16="http://schemas.microsoft.com/office/drawing/2014/main" id="{9B48FBD7-4923-5637-A248-0D091FDDD6F0}"/>
               </a:ext>
             </a:extLst>
           </p:cNvPr>
@@ -14756,8 +14867,8 @@
         </p:nvSpPr>
         <p:spPr>
           <a:xfrm>
-            <a:off x="5463341" y="41992"/>
-            <a:ext cx="3429139" cy="461935"/>
+            <a:off x="5004049" y="41992"/>
+            <a:ext cx="3888432" cy="461935"/>
           </a:xfrm>
           <a:prstGeom prst="rect">
             <a:avLst/>
@@ -14788,96 +14899,27 @@
               </a:rPr>
               <a:t>估计值与不确定度评估</a:t>
             </a:r>
-          </a:p>
-        </p:txBody>
-      </p:sp>
-      <p:sp>
-        <p:nvSpPr>
-          <p:cNvPr id="16" name="文本框 15">
-            <a:extLst>
-              <a:ext uri="{FF2B5EF4-FFF2-40B4-BE49-F238E27FC236}">
-                <a16:creationId xmlns:a16="http://schemas.microsoft.com/office/drawing/2014/main" id="{425E8088-4E03-D137-DE27-85035D206EAE}"/>
-              </a:ext>
-            </a:extLst>
-          </p:cNvPr>
-          <p:cNvSpPr txBox="1"/>
-          <p:nvPr/>
-        </p:nvSpPr>
-        <p:spPr>
-          <a:xfrm>
-            <a:off x="5220072" y="4478070"/>
-            <a:ext cx="4211960" cy="954107"/>
-          </a:xfrm>
-          <a:prstGeom prst="rect">
-            <a:avLst/>
-          </a:prstGeom>
-          <a:noFill/>
-        </p:spPr>
-        <p:txBody>
-          <a:bodyPr wrap="square" rtlCol="0">
-            <a:spAutoFit/>
-          </a:bodyPr>
-          <a:lstStyle/>
-          <a:p>
-            <a:r>
-              <a:rPr lang="zh-CN" altLang="en-US" sz="2800" b="1" dirty="0">
-                <a:effectLst>
-                  <a:outerShdw blurRad="38100" dist="38100" dir="2700000" algn="tl">
-                    <a:srgbClr val="000000">
-                      <a:alpha val="43137"/>
-                    </a:srgbClr>
-                  </a:outerShdw>
-                </a:effectLst>
+            <a:r>
+              <a:rPr lang="en-US" altLang="zh-CN" sz="2400" b="1" dirty="0">
+                <a:solidFill>
+                  <a:schemeClr val="accent1">
+                    <a:lumMod val="75000"/>
+                  </a:schemeClr>
+                </a:solidFill>
+                <a:latin typeface="微软雅黑" panose="020B0503020204020204" pitchFamily="34" charset="-122"/>
+                <a:ea typeface="微软雅黑" panose="020B0503020204020204" pitchFamily="34" charset="-122"/>
               </a:rPr>
-              <a:t>计算变量相关性，</a:t>
-            </a:r>
-            <a:endParaRPr lang="en-US" altLang="zh-CN" sz="2800" b="1" dirty="0">
-              <a:effectLst>
-                <a:outerShdw blurRad="38100" dist="38100" dir="2700000" algn="tl">
-                  <a:srgbClr val="000000">
-                    <a:alpha val="43137"/>
-                  </a:srgbClr>
-                </a:outerShdw>
-              </a:effectLst>
+              <a:t>(2/4)</a:t>
+            </a:r>
+            <a:endParaRPr lang="zh-CN" altLang="en-US" sz="2400" b="1" dirty="0">
+              <a:solidFill>
+                <a:schemeClr val="accent1">
+                  <a:lumMod val="75000"/>
+                </a:schemeClr>
+              </a:solidFill>
+              <a:latin typeface="微软雅黑" panose="020B0503020204020204" pitchFamily="34" charset="-122"/>
+              <a:ea typeface="微软雅黑" panose="020B0503020204020204" pitchFamily="34" charset="-122"/>
             </a:endParaRPr>
-          </a:p>
-          <a:p>
-            <a:r>
-              <a:rPr lang="zh-CN" altLang="en-US" sz="2800" b="1" dirty="0">
-                <a:effectLst>
-                  <a:outerShdw blurRad="38100" dist="38100" dir="2700000" algn="tl">
-                    <a:srgbClr val="000000">
-                      <a:alpha val="43137"/>
-                    </a:srgbClr>
-                  </a:outerShdw>
-                </a:effectLst>
-              </a:rPr>
-              <a:t>获得</a:t>
-            </a:r>
-            <a:r>
-              <a:rPr lang="en-US" altLang="zh-CN" sz="2800" b="1" dirty="0">
-                <a:effectLst>
-                  <a:outerShdw blurRad="38100" dist="38100" dir="2700000" algn="tl">
-                    <a:srgbClr val="000000">
-                      <a:alpha val="43137"/>
-                    </a:srgbClr>
-                  </a:outerShdw>
-                </a:effectLst>
-              </a:rPr>
-              <a:t>X, Y</a:t>
-            </a:r>
-            <a:r>
-              <a:rPr lang="zh-CN" altLang="en-US" sz="2800" b="1" dirty="0">
-                <a:effectLst>
-                  <a:outerShdw blurRad="38100" dist="38100" dir="2700000" algn="tl">
-                    <a:srgbClr val="000000">
-                      <a:alpha val="43137"/>
-                    </a:srgbClr>
-                  </a:outerShdw>
-                </a:effectLst>
-              </a:rPr>
-              <a:t>协方差矩阵</a:t>
-            </a:r>
           </a:p>
         </p:txBody>
       </p:sp>
@@ -15249,8 +15291,8 @@
           </a:p>
         </p:txBody>
       </p:sp>
-      <mc:AlternateContent xmlns:mc="http://schemas.openxmlformats.org/markup-compatibility/2006">
-        <mc:Choice xmlns:a14="http://schemas.microsoft.com/office/drawing/2010/main" Requires="a14">
+      <mc:AlternateContent xmlns:mc="http://schemas.openxmlformats.org/markup-compatibility/2006" xmlns:a14="http://schemas.microsoft.com/office/drawing/2010/main">
+        <mc:Choice Requires="a14">
           <p:sp>
             <p:nvSpPr>
               <p:cNvPr id="7" name="矩形 6">
@@ -15386,7 +15428,7 @@
             </p:txBody>
           </p:sp>
         </mc:Choice>
-        <mc:Fallback>
+        <mc:Fallback xmlns="">
           <p:sp>
             <p:nvSpPr>
               <p:cNvPr id="7" name="矩形 6">
@@ -15431,8 +15473,8 @@
           </p:sp>
         </mc:Fallback>
       </mc:AlternateContent>
-      <mc:AlternateContent xmlns:mc="http://schemas.openxmlformats.org/markup-compatibility/2006">
-        <mc:Choice xmlns:a14="http://schemas.microsoft.com/office/drawing/2010/main" Requires="a14">
+      <mc:AlternateContent xmlns:mc="http://schemas.openxmlformats.org/markup-compatibility/2006" xmlns:a14="http://schemas.microsoft.com/office/drawing/2010/main">
+        <mc:Choice Requires="a14">
           <p:sp>
             <p:nvSpPr>
               <p:cNvPr id="9" name="矩形 8">
@@ -15568,7 +15610,7 @@
             </p:txBody>
           </p:sp>
         </mc:Choice>
-        <mc:Fallback>
+        <mc:Fallback xmlns="">
           <p:sp>
             <p:nvSpPr>
               <p:cNvPr id="9" name="矩形 8">
@@ -15777,8 +15819,8 @@
           </a:prstGeom>
         </p:spPr>
       </p:pic>
-      <mc:AlternateContent xmlns:mc="http://schemas.openxmlformats.org/markup-compatibility/2006">
-        <mc:Choice xmlns:a14="http://schemas.microsoft.com/office/drawing/2010/main" Requires="a14">
+      <mc:AlternateContent xmlns:mc="http://schemas.openxmlformats.org/markup-compatibility/2006" xmlns:a14="http://schemas.microsoft.com/office/drawing/2010/main">
+        <mc:Choice Requires="a14">
           <p:sp>
             <p:nvSpPr>
               <p:cNvPr id="22" name="文本框 21">
@@ -15883,7 +15925,7 @@
             </p:txBody>
           </p:sp>
         </mc:Choice>
-        <mc:Fallback>
+        <mc:Fallback xmlns="">
           <p:sp>
             <p:nvSpPr>
               <p:cNvPr id="22" name="文本框 21">
@@ -16064,10 +16106,10 @@
       </p:sp>
       <p:sp>
         <p:nvSpPr>
-          <p:cNvPr id="4" name="矩形 2">
+          <p:cNvPr id="5" name="矩形 2">
             <a:extLst>
               <a:ext uri="{FF2B5EF4-FFF2-40B4-BE49-F238E27FC236}">
-                <a16:creationId xmlns:a16="http://schemas.microsoft.com/office/drawing/2014/main" id="{97F8B454-520F-E79B-1268-CBB8E149CB43}"/>
+                <a16:creationId xmlns:a16="http://schemas.microsoft.com/office/drawing/2014/main" id="{425A12B2-9041-C5D3-D0FE-76244A20FDB5}"/>
               </a:ext>
             </a:extLst>
           </p:cNvPr>
@@ -16080,8 +16122,8 @@
         </p:nvSpPr>
         <p:spPr>
           <a:xfrm>
-            <a:off x="5463341" y="41992"/>
-            <a:ext cx="3429139" cy="461935"/>
+            <a:off x="5004049" y="41992"/>
+            <a:ext cx="3888432" cy="461935"/>
           </a:xfrm>
           <a:prstGeom prst="rect">
             <a:avLst/>
@@ -16112,6 +16154,27 @@
               </a:rPr>
               <a:t>估计值与不确定度评估</a:t>
             </a:r>
+            <a:r>
+              <a:rPr lang="en-US" altLang="zh-CN" sz="2400" b="1" dirty="0">
+                <a:solidFill>
+                  <a:schemeClr val="accent1">
+                    <a:lumMod val="75000"/>
+                  </a:schemeClr>
+                </a:solidFill>
+                <a:latin typeface="微软雅黑" panose="020B0503020204020204" pitchFamily="34" charset="-122"/>
+                <a:ea typeface="微软雅黑" panose="020B0503020204020204" pitchFamily="34" charset="-122"/>
+              </a:rPr>
+              <a:t>(3/4)</a:t>
+            </a:r>
+            <a:endParaRPr lang="zh-CN" altLang="en-US" sz="2400" b="1" dirty="0">
+              <a:solidFill>
+                <a:schemeClr val="accent1">
+                  <a:lumMod val="75000"/>
+                </a:schemeClr>
+              </a:solidFill>
+              <a:latin typeface="微软雅黑" panose="020B0503020204020204" pitchFamily="34" charset="-122"/>
+              <a:ea typeface="微软雅黑" panose="020B0503020204020204" pitchFamily="34" charset="-122"/>
+            </a:endParaRPr>
           </a:p>
         </p:txBody>
       </p:sp>
@@ -16287,59 +16350,6 @@
       </p:sp>
       <p:sp>
         <p:nvSpPr>
-          <p:cNvPr id="12" name="矩形 2">
-            <a:extLst>
-              <a:ext uri="{FF2B5EF4-FFF2-40B4-BE49-F238E27FC236}">
-                <a16:creationId xmlns:a16="http://schemas.microsoft.com/office/drawing/2014/main" id="{01D1EA62-D4B9-4AA3-A630-1C26AB4845D5}"/>
-              </a:ext>
-            </a:extLst>
-          </p:cNvPr>
-          <p:cNvSpPr/>
-          <p:nvPr>
-            <p:custDataLst>
-              <p:tags r:id="rId2"/>
-            </p:custDataLst>
-          </p:nvPr>
-        </p:nvSpPr>
-        <p:spPr>
-          <a:xfrm>
-            <a:off x="4665810" y="48895"/>
-            <a:ext cx="4199426" cy="376555"/>
-          </a:xfrm>
-          <a:prstGeom prst="rect">
-            <a:avLst/>
-          </a:prstGeom>
-          <a:solidFill>
-            <a:schemeClr val="bg1"/>
-          </a:solidFill>
-          <a:ln w="25400">
-            <a:noFill/>
-          </a:ln>
-        </p:spPr>
-        <p:txBody>
-          <a:bodyPr wrap="square">
-            <a:noAutofit/>
-          </a:bodyPr>
-          <a:lstStyle/>
-          <a:p>
-            <a:pPr algn="r"/>
-            <a:r>
-              <a:rPr lang="zh-CN" altLang="en-US" sz="2400" b="1" dirty="0">
-                <a:solidFill>
-                  <a:schemeClr val="accent1">
-                    <a:lumMod val="75000"/>
-                  </a:schemeClr>
-                </a:solidFill>
-                <a:latin typeface="微软雅黑" panose="020B0503020204020204" pitchFamily="34" charset="-122"/>
-                <a:ea typeface="微软雅黑" panose="020B0503020204020204" pitchFamily="34" charset="-122"/>
-              </a:rPr>
-              <a:t>求解声纳喷嘴参数的模型建立</a:t>
-            </a:r>
-          </a:p>
-        </p:txBody>
-      </p:sp>
-      <p:sp>
-        <p:nvSpPr>
           <p:cNvPr id="6" name="文本框 5">
             <a:extLst>
               <a:ext uri="{FF2B5EF4-FFF2-40B4-BE49-F238E27FC236}">
@@ -16665,6 +16675,92 @@
               </a:rPr>
               <a:t>第二部分总结：</a:t>
             </a:r>
+          </a:p>
+        </p:txBody>
+      </p:sp>
+      <p:sp>
+        <p:nvSpPr>
+          <p:cNvPr id="2" name="矩形 2">
+            <a:extLst>
+              <a:ext uri="{FF2B5EF4-FFF2-40B4-BE49-F238E27FC236}">
+                <a16:creationId xmlns:a16="http://schemas.microsoft.com/office/drawing/2014/main" id="{1DA174BC-13AF-3C91-ABAE-DA0030890A64}"/>
+              </a:ext>
+            </a:extLst>
+          </p:cNvPr>
+          <p:cNvSpPr/>
+          <p:nvPr>
+            <p:custDataLst>
+              <p:tags r:id="rId2"/>
+            </p:custDataLst>
+          </p:nvPr>
+        </p:nvSpPr>
+        <p:spPr>
+          <a:xfrm>
+            <a:off x="5004049" y="41992"/>
+            <a:ext cx="3888432" cy="461935"/>
+          </a:xfrm>
+          <a:prstGeom prst="rect">
+            <a:avLst/>
+          </a:prstGeom>
+          <a:solidFill>
+            <a:schemeClr val="bg1"/>
+          </a:solidFill>
+          <a:ln w="25400">
+            <a:noFill/>
+          </a:ln>
+        </p:spPr>
+        <p:txBody>
+          <a:bodyPr wrap="square">
+            <a:noAutofit/>
+          </a:bodyPr>
+          <a:lstStyle/>
+          <a:p>
+            <a:pPr algn="r"/>
+            <a:r>
+              <a:rPr lang="zh-CN" altLang="en-US" sz="2400" b="1" dirty="0">
+                <a:solidFill>
+                  <a:schemeClr val="accent1">
+                    <a:lumMod val="75000"/>
+                  </a:schemeClr>
+                </a:solidFill>
+                <a:latin typeface="微软雅黑" panose="020B0503020204020204" pitchFamily="34" charset="-122"/>
+                <a:ea typeface="微软雅黑" panose="020B0503020204020204" pitchFamily="34" charset="-122"/>
+              </a:rPr>
+              <a:t>估计值与不确定度评估</a:t>
+            </a:r>
+            <a:r>
+              <a:rPr lang="en-US" altLang="zh-CN" sz="2400" b="1">
+                <a:solidFill>
+                  <a:schemeClr val="accent1">
+                    <a:lumMod val="75000"/>
+                  </a:schemeClr>
+                </a:solidFill>
+                <a:latin typeface="微软雅黑" panose="020B0503020204020204" pitchFamily="34" charset="-122"/>
+                <a:ea typeface="微软雅黑" panose="020B0503020204020204" pitchFamily="34" charset="-122"/>
+              </a:rPr>
+              <a:t>(4/4</a:t>
+            </a:r>
+            <a:r>
+              <a:rPr lang="en-US" altLang="zh-CN" sz="2400" b="1" dirty="0">
+                <a:solidFill>
+                  <a:schemeClr val="accent1">
+                    <a:lumMod val="75000"/>
+                  </a:schemeClr>
+                </a:solidFill>
+                <a:latin typeface="微软雅黑" panose="020B0503020204020204" pitchFamily="34" charset="-122"/>
+                <a:ea typeface="微软雅黑" panose="020B0503020204020204" pitchFamily="34" charset="-122"/>
+              </a:rPr>
+              <a:t>)</a:t>
+            </a:r>
+            <a:endParaRPr lang="zh-CN" altLang="en-US" sz="2400" b="1" dirty="0">
+              <a:solidFill>
+                <a:schemeClr val="accent1">
+                  <a:lumMod val="75000"/>
+                </a:schemeClr>
+              </a:solidFill>
+              <a:latin typeface="微软雅黑" panose="020B0503020204020204" pitchFamily="34" charset="-122"/>
+              <a:ea typeface="微软雅黑" panose="020B0503020204020204" pitchFamily="34" charset="-122"/>
+            </a:endParaRPr>
           </a:p>
         </p:txBody>
       </p:sp>
@@ -23082,8 +23178,8 @@
         </p:nvSpPr>
         <p:spPr>
           <a:xfrm>
-            <a:off x="4665810" y="48895"/>
-            <a:ext cx="4199426" cy="376555"/>
+            <a:off x="3923928" y="48895"/>
+            <a:ext cx="4941308" cy="376555"/>
           </a:xfrm>
           <a:prstGeom prst="rect">
             <a:avLst/>
@@ -23114,6 +23210,27 @@
               </a:rPr>
               <a:t>求解声纳喷嘴参数的模型建立</a:t>
             </a:r>
+            <a:r>
+              <a:rPr lang="en-US" altLang="zh-CN" sz="2400" b="1" dirty="0">
+                <a:solidFill>
+                  <a:schemeClr val="accent1">
+                    <a:lumMod val="75000"/>
+                  </a:schemeClr>
+                </a:solidFill>
+                <a:latin typeface="微软雅黑" panose="020B0503020204020204" pitchFamily="34" charset="-122"/>
+                <a:ea typeface="微软雅黑" panose="020B0503020204020204" pitchFamily="34" charset="-122"/>
+              </a:rPr>
+              <a:t>(1/5)</a:t>
+            </a:r>
+            <a:endParaRPr lang="zh-CN" altLang="en-US" sz="2400" b="1" dirty="0">
+              <a:solidFill>
+                <a:schemeClr val="accent1">
+                  <a:lumMod val="75000"/>
+                </a:schemeClr>
+              </a:solidFill>
+              <a:latin typeface="微软雅黑" panose="020B0503020204020204" pitchFamily="34" charset="-122"/>
+              <a:ea typeface="微软雅黑" panose="020B0503020204020204" pitchFamily="34" charset="-122"/>
+            </a:endParaRPr>
           </a:p>
         </p:txBody>
       </p:sp>
@@ -24033,59 +24150,6 @@
           </a:p>
         </p:txBody>
       </p:sp>
-      <p:sp>
-        <p:nvSpPr>
-          <p:cNvPr id="12" name="矩形 2">
-            <a:extLst>
-              <a:ext uri="{FF2B5EF4-FFF2-40B4-BE49-F238E27FC236}">
-                <a16:creationId xmlns:a16="http://schemas.microsoft.com/office/drawing/2014/main" id="{01D1EA62-D4B9-4AA3-A630-1C26AB4845D5}"/>
-              </a:ext>
-            </a:extLst>
-          </p:cNvPr>
-          <p:cNvSpPr/>
-          <p:nvPr>
-            <p:custDataLst>
-              <p:tags r:id="rId2"/>
-            </p:custDataLst>
-          </p:nvPr>
-        </p:nvSpPr>
-        <p:spPr>
-          <a:xfrm>
-            <a:off x="4665810" y="48895"/>
-            <a:ext cx="4199426" cy="376555"/>
-          </a:xfrm>
-          <a:prstGeom prst="rect">
-            <a:avLst/>
-          </a:prstGeom>
-          <a:solidFill>
-            <a:schemeClr val="bg1"/>
-          </a:solidFill>
-          <a:ln w="25400">
-            <a:noFill/>
-          </a:ln>
-        </p:spPr>
-        <p:txBody>
-          <a:bodyPr wrap="square">
-            <a:noAutofit/>
-          </a:bodyPr>
-          <a:lstStyle/>
-          <a:p>
-            <a:pPr algn="r"/>
-            <a:r>
-              <a:rPr lang="zh-CN" altLang="en-US" sz="2400" b="1" dirty="0">
-                <a:solidFill>
-                  <a:schemeClr val="accent1">
-                    <a:lumMod val="75000"/>
-                  </a:schemeClr>
-                </a:solidFill>
-                <a:latin typeface="微软雅黑" panose="020B0503020204020204" pitchFamily="34" charset="-122"/>
-                <a:ea typeface="微软雅黑" panose="020B0503020204020204" pitchFamily="34" charset="-122"/>
-              </a:rPr>
-              <a:t>求解声纳喷嘴参数的模型建立</a:t>
-            </a:r>
-          </a:p>
-        </p:txBody>
-      </p:sp>
       <p:graphicFrame>
         <p:nvGraphicFramePr>
           <p:cNvPr id="2" name="对象 1">
@@ -24515,6 +24579,80 @@
           </a:graphicData>
         </a:graphic>
       </p:graphicFrame>
+      <p:sp>
+        <p:nvSpPr>
+          <p:cNvPr id="4" name="矩形 2">
+            <a:extLst>
+              <a:ext uri="{FF2B5EF4-FFF2-40B4-BE49-F238E27FC236}">
+                <a16:creationId xmlns:a16="http://schemas.microsoft.com/office/drawing/2014/main" id="{EBCED01B-9534-FB43-E7CE-6BE251A6C9E3}"/>
+              </a:ext>
+            </a:extLst>
+          </p:cNvPr>
+          <p:cNvSpPr/>
+          <p:nvPr>
+            <p:custDataLst>
+              <p:tags r:id="rId2"/>
+            </p:custDataLst>
+          </p:nvPr>
+        </p:nvSpPr>
+        <p:spPr>
+          <a:xfrm>
+            <a:off x="3923928" y="48895"/>
+            <a:ext cx="4941308" cy="376555"/>
+          </a:xfrm>
+          <a:prstGeom prst="rect">
+            <a:avLst/>
+          </a:prstGeom>
+          <a:solidFill>
+            <a:schemeClr val="bg1"/>
+          </a:solidFill>
+          <a:ln w="25400">
+            <a:noFill/>
+          </a:ln>
+        </p:spPr>
+        <p:txBody>
+          <a:bodyPr wrap="square">
+            <a:noAutofit/>
+          </a:bodyPr>
+          <a:lstStyle/>
+          <a:p>
+            <a:pPr algn="r"/>
+            <a:r>
+              <a:rPr lang="zh-CN" altLang="en-US" sz="2400" b="1" dirty="0">
+                <a:solidFill>
+                  <a:schemeClr val="accent1">
+                    <a:lumMod val="75000"/>
+                  </a:schemeClr>
+                </a:solidFill>
+                <a:latin typeface="微软雅黑" panose="020B0503020204020204" pitchFamily="34" charset="-122"/>
+                <a:ea typeface="微软雅黑" panose="020B0503020204020204" pitchFamily="34" charset="-122"/>
+              </a:rPr>
+              <a:t>求解声纳喷嘴参数的模型建立</a:t>
+            </a:r>
+            <a:r>
+              <a:rPr lang="en-US" altLang="zh-CN" sz="2400" b="1" dirty="0">
+                <a:solidFill>
+                  <a:schemeClr val="accent1">
+                    <a:lumMod val="75000"/>
+                  </a:schemeClr>
+                </a:solidFill>
+                <a:latin typeface="微软雅黑" panose="020B0503020204020204" pitchFamily="34" charset="-122"/>
+                <a:ea typeface="微软雅黑" panose="020B0503020204020204" pitchFamily="34" charset="-122"/>
+              </a:rPr>
+              <a:t>(2/5)</a:t>
+            </a:r>
+            <a:endParaRPr lang="zh-CN" altLang="en-US" sz="2400" b="1" dirty="0">
+              <a:solidFill>
+                <a:schemeClr val="accent1">
+                  <a:lumMod val="75000"/>
+                </a:schemeClr>
+              </a:solidFill>
+              <a:latin typeface="微软雅黑" panose="020B0503020204020204" pitchFamily="34" charset="-122"/>
+              <a:ea typeface="微软雅黑" panose="020B0503020204020204" pitchFamily="34" charset="-122"/>
+            </a:endParaRPr>
+          </a:p>
+        </p:txBody>
+      </p:sp>
     </p:spTree>
     <p:extLst>
       <p:ext uri="{BB962C8B-B14F-4D97-AF65-F5344CB8AC3E}">
@@ -24682,59 +24820,6 @@
               <a:t>6</a:t>
             </a:fld>
             <a:endParaRPr lang="zh-CN" altLang="en-US" dirty="0"/>
-          </a:p>
-        </p:txBody>
-      </p:sp>
-      <p:sp>
-        <p:nvSpPr>
-          <p:cNvPr id="12" name="矩形 2">
-            <a:extLst>
-              <a:ext uri="{FF2B5EF4-FFF2-40B4-BE49-F238E27FC236}">
-                <a16:creationId xmlns:a16="http://schemas.microsoft.com/office/drawing/2014/main" id="{01D1EA62-D4B9-4AA3-A630-1C26AB4845D5}"/>
-              </a:ext>
-            </a:extLst>
-          </p:cNvPr>
-          <p:cNvSpPr/>
-          <p:nvPr>
-            <p:custDataLst>
-              <p:tags r:id="rId2"/>
-            </p:custDataLst>
-          </p:nvPr>
-        </p:nvSpPr>
-        <p:spPr>
-          <a:xfrm>
-            <a:off x="4665810" y="48895"/>
-            <a:ext cx="4199426" cy="376555"/>
-          </a:xfrm>
-          <a:prstGeom prst="rect">
-            <a:avLst/>
-          </a:prstGeom>
-          <a:solidFill>
-            <a:schemeClr val="bg1"/>
-          </a:solidFill>
-          <a:ln w="25400">
-            <a:noFill/>
-          </a:ln>
-        </p:spPr>
-        <p:txBody>
-          <a:bodyPr wrap="square">
-            <a:noAutofit/>
-          </a:bodyPr>
-          <a:lstStyle/>
-          <a:p>
-            <a:pPr algn="r"/>
-            <a:r>
-              <a:rPr lang="zh-CN" altLang="en-US" sz="2400" b="1" dirty="0">
-                <a:solidFill>
-                  <a:schemeClr val="accent1">
-                    <a:lumMod val="75000"/>
-                  </a:schemeClr>
-                </a:solidFill>
-                <a:latin typeface="微软雅黑" panose="020B0503020204020204" pitchFamily="34" charset="-122"/>
-                <a:ea typeface="微软雅黑" panose="020B0503020204020204" pitchFamily="34" charset="-122"/>
-              </a:rPr>
-              <a:t>求解声纳喷嘴参数的模型建立</a:t>
-            </a:r>
           </a:p>
         </p:txBody>
       </p:sp>
@@ -25192,6 +25277,80 @@
           </a:p>
         </p:txBody>
       </p:sp>
+      <p:sp>
+        <p:nvSpPr>
+          <p:cNvPr id="2" name="矩形 2">
+            <a:extLst>
+              <a:ext uri="{FF2B5EF4-FFF2-40B4-BE49-F238E27FC236}">
+                <a16:creationId xmlns:a16="http://schemas.microsoft.com/office/drawing/2014/main" id="{51F1EC76-2D40-E4AE-51ED-0898889A64B6}"/>
+              </a:ext>
+            </a:extLst>
+          </p:cNvPr>
+          <p:cNvSpPr/>
+          <p:nvPr>
+            <p:custDataLst>
+              <p:tags r:id="rId2"/>
+            </p:custDataLst>
+          </p:nvPr>
+        </p:nvSpPr>
+        <p:spPr>
+          <a:xfrm>
+            <a:off x="3923928" y="48895"/>
+            <a:ext cx="4941308" cy="376555"/>
+          </a:xfrm>
+          <a:prstGeom prst="rect">
+            <a:avLst/>
+          </a:prstGeom>
+          <a:solidFill>
+            <a:schemeClr val="bg1"/>
+          </a:solidFill>
+          <a:ln w="25400">
+            <a:noFill/>
+          </a:ln>
+        </p:spPr>
+        <p:txBody>
+          <a:bodyPr wrap="square">
+            <a:noAutofit/>
+          </a:bodyPr>
+          <a:lstStyle/>
+          <a:p>
+            <a:pPr algn="r"/>
+            <a:r>
+              <a:rPr lang="zh-CN" altLang="en-US" sz="2400" b="1" dirty="0">
+                <a:solidFill>
+                  <a:schemeClr val="accent1">
+                    <a:lumMod val="75000"/>
+                  </a:schemeClr>
+                </a:solidFill>
+                <a:latin typeface="微软雅黑" panose="020B0503020204020204" pitchFamily="34" charset="-122"/>
+                <a:ea typeface="微软雅黑" panose="020B0503020204020204" pitchFamily="34" charset="-122"/>
+              </a:rPr>
+              <a:t>求解声纳喷嘴参数的模型建立</a:t>
+            </a:r>
+            <a:r>
+              <a:rPr lang="en-US" altLang="zh-CN" sz="2400" b="1" dirty="0">
+                <a:solidFill>
+                  <a:schemeClr val="accent1">
+                    <a:lumMod val="75000"/>
+                  </a:schemeClr>
+                </a:solidFill>
+                <a:latin typeface="微软雅黑" panose="020B0503020204020204" pitchFamily="34" charset="-122"/>
+                <a:ea typeface="微软雅黑" panose="020B0503020204020204" pitchFamily="34" charset="-122"/>
+              </a:rPr>
+              <a:t>(3/5)</a:t>
+            </a:r>
+            <a:endParaRPr lang="zh-CN" altLang="en-US" sz="2400" b="1" dirty="0">
+              <a:solidFill>
+                <a:schemeClr val="accent1">
+                  <a:lumMod val="75000"/>
+                </a:schemeClr>
+              </a:solidFill>
+              <a:latin typeface="微软雅黑" panose="020B0503020204020204" pitchFamily="34" charset="-122"/>
+              <a:ea typeface="微软雅黑" panose="020B0503020204020204" pitchFamily="34" charset="-122"/>
+            </a:endParaRPr>
+          </a:p>
+        </p:txBody>
+      </p:sp>
     </p:spTree>
     <p:extLst>
       <p:ext uri="{BB962C8B-B14F-4D97-AF65-F5344CB8AC3E}">
@@ -25359,59 +25518,6 @@
               <a:t>7</a:t>
             </a:fld>
             <a:endParaRPr lang="zh-CN" altLang="en-US" dirty="0"/>
-          </a:p>
-        </p:txBody>
-      </p:sp>
-      <p:sp>
-        <p:nvSpPr>
-          <p:cNvPr id="12" name="矩形 2">
-            <a:extLst>
-              <a:ext uri="{FF2B5EF4-FFF2-40B4-BE49-F238E27FC236}">
-                <a16:creationId xmlns:a16="http://schemas.microsoft.com/office/drawing/2014/main" id="{01D1EA62-D4B9-4AA3-A630-1C26AB4845D5}"/>
-              </a:ext>
-            </a:extLst>
-          </p:cNvPr>
-          <p:cNvSpPr/>
-          <p:nvPr>
-            <p:custDataLst>
-              <p:tags r:id="rId2"/>
-            </p:custDataLst>
-          </p:nvPr>
-        </p:nvSpPr>
-        <p:spPr>
-          <a:xfrm>
-            <a:off x="4665810" y="48895"/>
-            <a:ext cx="4199426" cy="376555"/>
-          </a:xfrm>
-          <a:prstGeom prst="rect">
-            <a:avLst/>
-          </a:prstGeom>
-          <a:solidFill>
-            <a:schemeClr val="bg1"/>
-          </a:solidFill>
-          <a:ln w="25400">
-            <a:noFill/>
-          </a:ln>
-        </p:spPr>
-        <p:txBody>
-          <a:bodyPr wrap="square">
-            <a:noAutofit/>
-          </a:bodyPr>
-          <a:lstStyle/>
-          <a:p>
-            <a:pPr algn="r"/>
-            <a:r>
-              <a:rPr lang="zh-CN" altLang="en-US" sz="2400" b="1" dirty="0">
-                <a:solidFill>
-                  <a:schemeClr val="accent1">
-                    <a:lumMod val="75000"/>
-                  </a:schemeClr>
-                </a:solidFill>
-                <a:latin typeface="微软雅黑" panose="020B0503020204020204" pitchFamily="34" charset="-122"/>
-                <a:ea typeface="微软雅黑" panose="020B0503020204020204" pitchFamily="34" charset="-122"/>
-              </a:rPr>
-              <a:t>求解声纳喷嘴参数的模型建立</a:t>
-            </a:r>
           </a:p>
         </p:txBody>
       </p:sp>
@@ -25893,6 +25999,80 @@
           </a:p>
         </p:txBody>
       </p:sp>
+      <p:sp>
+        <p:nvSpPr>
+          <p:cNvPr id="2" name="矩形 2">
+            <a:extLst>
+              <a:ext uri="{FF2B5EF4-FFF2-40B4-BE49-F238E27FC236}">
+                <a16:creationId xmlns:a16="http://schemas.microsoft.com/office/drawing/2014/main" id="{8D4D8462-E7E7-857D-6306-EEE2E40E9ECF}"/>
+              </a:ext>
+            </a:extLst>
+          </p:cNvPr>
+          <p:cNvSpPr/>
+          <p:nvPr>
+            <p:custDataLst>
+              <p:tags r:id="rId2"/>
+            </p:custDataLst>
+          </p:nvPr>
+        </p:nvSpPr>
+        <p:spPr>
+          <a:xfrm>
+            <a:off x="3923928" y="48895"/>
+            <a:ext cx="4941308" cy="376555"/>
+          </a:xfrm>
+          <a:prstGeom prst="rect">
+            <a:avLst/>
+          </a:prstGeom>
+          <a:solidFill>
+            <a:schemeClr val="bg1"/>
+          </a:solidFill>
+          <a:ln w="25400">
+            <a:noFill/>
+          </a:ln>
+        </p:spPr>
+        <p:txBody>
+          <a:bodyPr wrap="square">
+            <a:noAutofit/>
+          </a:bodyPr>
+          <a:lstStyle/>
+          <a:p>
+            <a:pPr algn="r"/>
+            <a:r>
+              <a:rPr lang="zh-CN" altLang="en-US" sz="2400" b="1" dirty="0">
+                <a:solidFill>
+                  <a:schemeClr val="accent1">
+                    <a:lumMod val="75000"/>
+                  </a:schemeClr>
+                </a:solidFill>
+                <a:latin typeface="微软雅黑" panose="020B0503020204020204" pitchFamily="34" charset="-122"/>
+                <a:ea typeface="微软雅黑" panose="020B0503020204020204" pitchFamily="34" charset="-122"/>
+              </a:rPr>
+              <a:t>求解声纳喷嘴参数的模型建立</a:t>
+            </a:r>
+            <a:r>
+              <a:rPr lang="en-US" altLang="zh-CN" sz="2400" b="1" dirty="0">
+                <a:solidFill>
+                  <a:schemeClr val="accent1">
+                    <a:lumMod val="75000"/>
+                  </a:schemeClr>
+                </a:solidFill>
+                <a:latin typeface="微软雅黑" panose="020B0503020204020204" pitchFamily="34" charset="-122"/>
+                <a:ea typeface="微软雅黑" panose="020B0503020204020204" pitchFamily="34" charset="-122"/>
+              </a:rPr>
+              <a:t>(4/5)</a:t>
+            </a:r>
+            <a:endParaRPr lang="zh-CN" altLang="en-US" sz="2400" b="1" dirty="0">
+              <a:solidFill>
+                <a:schemeClr val="accent1">
+                  <a:lumMod val="75000"/>
+                </a:schemeClr>
+              </a:solidFill>
+              <a:latin typeface="微软雅黑" panose="020B0503020204020204" pitchFamily="34" charset="-122"/>
+              <a:ea typeface="微软雅黑" panose="020B0503020204020204" pitchFamily="34" charset="-122"/>
+            </a:endParaRPr>
+          </a:p>
+        </p:txBody>
+      </p:sp>
     </p:spTree>
     <p:extLst>
       <p:ext uri="{BB962C8B-B14F-4D97-AF65-F5344CB8AC3E}">
@@ -26060,59 +26240,6 @@
               <a:t>8</a:t>
             </a:fld>
             <a:endParaRPr lang="zh-CN" altLang="en-US" dirty="0"/>
-          </a:p>
-        </p:txBody>
-      </p:sp>
-      <p:sp>
-        <p:nvSpPr>
-          <p:cNvPr id="12" name="矩形 2">
-            <a:extLst>
-              <a:ext uri="{FF2B5EF4-FFF2-40B4-BE49-F238E27FC236}">
-                <a16:creationId xmlns:a16="http://schemas.microsoft.com/office/drawing/2014/main" id="{01D1EA62-D4B9-4AA3-A630-1C26AB4845D5}"/>
-              </a:ext>
-            </a:extLst>
-          </p:cNvPr>
-          <p:cNvSpPr/>
-          <p:nvPr>
-            <p:custDataLst>
-              <p:tags r:id="rId2"/>
-            </p:custDataLst>
-          </p:nvPr>
-        </p:nvSpPr>
-        <p:spPr>
-          <a:xfrm>
-            <a:off x="4665810" y="48895"/>
-            <a:ext cx="4199426" cy="376555"/>
-          </a:xfrm>
-          <a:prstGeom prst="rect">
-            <a:avLst/>
-          </a:prstGeom>
-          <a:solidFill>
-            <a:schemeClr val="bg1"/>
-          </a:solidFill>
-          <a:ln w="25400">
-            <a:noFill/>
-          </a:ln>
-        </p:spPr>
-        <p:txBody>
-          <a:bodyPr wrap="square">
-            <a:noAutofit/>
-          </a:bodyPr>
-          <a:lstStyle/>
-          <a:p>
-            <a:pPr algn="r"/>
-            <a:r>
-              <a:rPr lang="zh-CN" altLang="en-US" sz="2400" b="1" dirty="0">
-                <a:solidFill>
-                  <a:schemeClr val="accent1">
-                    <a:lumMod val="75000"/>
-                  </a:schemeClr>
-                </a:solidFill>
-                <a:latin typeface="微软雅黑" panose="020B0503020204020204" pitchFamily="34" charset="-122"/>
-                <a:ea typeface="微软雅黑" panose="020B0503020204020204" pitchFamily="34" charset="-122"/>
-              </a:rPr>
-              <a:t>求解声纳喷嘴参数的模型建立</a:t>
-            </a:r>
           </a:p>
         </p:txBody>
       </p:sp>
@@ -26850,6 +26977,80 @@
               </a:rPr>
               <a:t>第一部分总结：</a:t>
             </a:r>
+          </a:p>
+        </p:txBody>
+      </p:sp>
+      <p:sp>
+        <p:nvSpPr>
+          <p:cNvPr id="3" name="矩形 2">
+            <a:extLst>
+              <a:ext uri="{FF2B5EF4-FFF2-40B4-BE49-F238E27FC236}">
+                <a16:creationId xmlns:a16="http://schemas.microsoft.com/office/drawing/2014/main" id="{EDDDC4D9-69CD-2565-6292-A4ADBA7D5A53}"/>
+              </a:ext>
+            </a:extLst>
+          </p:cNvPr>
+          <p:cNvSpPr/>
+          <p:nvPr>
+            <p:custDataLst>
+              <p:tags r:id="rId2"/>
+            </p:custDataLst>
+          </p:nvPr>
+        </p:nvSpPr>
+        <p:spPr>
+          <a:xfrm>
+            <a:off x="3923928" y="48895"/>
+            <a:ext cx="4941308" cy="376555"/>
+          </a:xfrm>
+          <a:prstGeom prst="rect">
+            <a:avLst/>
+          </a:prstGeom>
+          <a:solidFill>
+            <a:schemeClr val="bg1"/>
+          </a:solidFill>
+          <a:ln w="25400">
+            <a:noFill/>
+          </a:ln>
+        </p:spPr>
+        <p:txBody>
+          <a:bodyPr wrap="square">
+            <a:noAutofit/>
+          </a:bodyPr>
+          <a:lstStyle/>
+          <a:p>
+            <a:pPr algn="r"/>
+            <a:r>
+              <a:rPr lang="zh-CN" altLang="en-US" sz="2400" b="1" dirty="0">
+                <a:solidFill>
+                  <a:schemeClr val="accent1">
+                    <a:lumMod val="75000"/>
+                  </a:schemeClr>
+                </a:solidFill>
+                <a:latin typeface="微软雅黑" panose="020B0503020204020204" pitchFamily="34" charset="-122"/>
+                <a:ea typeface="微软雅黑" panose="020B0503020204020204" pitchFamily="34" charset="-122"/>
+              </a:rPr>
+              <a:t>求解声纳喷嘴参数的模型建立</a:t>
+            </a:r>
+            <a:r>
+              <a:rPr lang="en-US" altLang="zh-CN" sz="2400" b="1" dirty="0">
+                <a:solidFill>
+                  <a:schemeClr val="accent1">
+                    <a:lumMod val="75000"/>
+                  </a:schemeClr>
+                </a:solidFill>
+                <a:latin typeface="微软雅黑" panose="020B0503020204020204" pitchFamily="34" charset="-122"/>
+                <a:ea typeface="微软雅黑" panose="020B0503020204020204" pitchFamily="34" charset="-122"/>
+              </a:rPr>
+              <a:t>(5/5)</a:t>
+            </a:r>
+            <a:endParaRPr lang="zh-CN" altLang="en-US" sz="2400" b="1" dirty="0">
+              <a:solidFill>
+                <a:schemeClr val="accent1">
+                  <a:lumMod val="75000"/>
+                </a:schemeClr>
+              </a:solidFill>
+              <a:latin typeface="微软雅黑" panose="020B0503020204020204" pitchFamily="34" charset="-122"/>
+              <a:ea typeface="微软雅黑" panose="020B0503020204020204" pitchFamily="34" charset="-122"/>
+            </a:endParaRPr>
           </a:p>
         </p:txBody>
       </p:sp>

--- a/2023-4-9.pptx
+++ b/2023-4-9.pptx
@@ -6,7 +6,7 @@
     <p:sldMasterId id="2147483649" r:id="rId2"/>
   </p:sldMasterIdLst>
   <p:notesMasterIdLst>
-    <p:notesMasterId r:id="rId25"/>
+    <p:notesMasterId r:id="rId30"/>
   </p:notesMasterIdLst>
   <p:sldIdLst>
     <p:sldId id="257" r:id="rId3"/>
@@ -24,13 +24,18 @@
     <p:sldId id="309" r:id="rId15"/>
     <p:sldId id="263" r:id="rId16"/>
     <p:sldId id="306" r:id="rId17"/>
-    <p:sldId id="307" r:id="rId18"/>
-    <p:sldId id="266" r:id="rId19"/>
-    <p:sldId id="292" r:id="rId20"/>
-    <p:sldId id="293" r:id="rId21"/>
-    <p:sldId id="296" r:id="rId22"/>
-    <p:sldId id="295" r:id="rId23"/>
-    <p:sldId id="277" r:id="rId24"/>
+    <p:sldId id="312" r:id="rId18"/>
+    <p:sldId id="313" r:id="rId19"/>
+    <p:sldId id="314" r:id="rId20"/>
+    <p:sldId id="311" r:id="rId21"/>
+    <p:sldId id="310" r:id="rId22"/>
+    <p:sldId id="307" r:id="rId23"/>
+    <p:sldId id="266" r:id="rId24"/>
+    <p:sldId id="292" r:id="rId25"/>
+    <p:sldId id="293" r:id="rId26"/>
+    <p:sldId id="296" r:id="rId27"/>
+    <p:sldId id="295" r:id="rId28"/>
+    <p:sldId id="277" r:id="rId29"/>
   </p:sldIdLst>
   <p:sldSz cx="9144000" cy="5715000" type="screen16x10"/>
   <p:notesSz cx="6858000" cy="9144000"/>
@@ -5504,7 +5509,7 @@
           <a:bodyPr/>
           <a:lstStyle/>
           <a:p>
-            <a:endParaRPr lang="zh-CN" altLang="en-US"/>
+            <a:endParaRPr lang="zh-CN" altLang="en-US" dirty="0"/>
           </a:p>
         </p:txBody>
       </p:sp>
@@ -5588,7 +5593,17 @@
           <a:bodyPr/>
           <a:lstStyle/>
           <a:p>
-            <a:endParaRPr lang="zh-CN" altLang="en-US"/>
+            <a:r>
+              <a:rPr lang="en-US" altLang="zh-CN" dirty="0"/>
+              <a:t>Click </a:t>
+            </a:r>
+            <a:r>
+              <a:rPr lang="en-US" altLang="zh-CN" dirty="0">
+                <a:sym typeface="Wingdings" panose="05000000000000000000" pitchFamily="2" charset="2"/>
+              </a:rPr>
+              <a:t> WLS</a:t>
+            </a:r>
+            <a:endParaRPr lang="zh-CN" altLang="en-US" dirty="0"/>
           </a:p>
         </p:txBody>
       </p:sp>
@@ -5618,7 +5633,7 @@
     </p:spTree>
     <p:extLst>
       <p:ext uri="{BB962C8B-B14F-4D97-AF65-F5344CB8AC3E}">
-        <p14:creationId xmlns:p14="http://schemas.microsoft.com/office/powerpoint/2010/main" val="1221424295"/>
+        <p14:creationId xmlns:p14="http://schemas.microsoft.com/office/powerpoint/2010/main" val="3329384308"/>
       </p:ext>
     </p:extLst>
   </p:cSld>
@@ -5647,7 +5662,7 @@
       </p:grpSpPr>
       <p:sp>
         <p:nvSpPr>
-          <p:cNvPr id="1048722" name="幻灯片图像占位符 1"/>
+          <p:cNvPr id="1048693" name="幻灯片图像占位符 1"/>
           <p:cNvSpPr>
             <a:spLocks noGrp="1" noRot="1" noChangeAspect="1"/>
           </p:cNvSpPr>
@@ -5659,7 +5674,7 @@
       </p:sp>
       <p:sp>
         <p:nvSpPr>
-          <p:cNvPr id="1048723" name="备注占位符 2"/>
+          <p:cNvPr id="1048694" name="备注占位符 2"/>
           <p:cNvSpPr>
             <a:spLocks noGrp="1"/>
           </p:cNvSpPr>
@@ -5672,13 +5687,13 @@
           <a:bodyPr/>
           <a:lstStyle/>
           <a:p>
-            <a:endParaRPr lang="zh-CN" altLang="en-US"/>
+            <a:endParaRPr lang="zh-CN" altLang="en-US" dirty="0"/>
           </a:p>
         </p:txBody>
       </p:sp>
       <p:sp>
         <p:nvSpPr>
-          <p:cNvPr id="1048724" name="灯片编号占位符 3"/>
+          <p:cNvPr id="1048695" name="灯片编号占位符 3"/>
           <p:cNvSpPr>
             <a:spLocks noGrp="1"/>
           </p:cNvSpPr>
@@ -5700,6 +5715,11 @@
         </p:txBody>
       </p:sp>
     </p:spTree>
+    <p:extLst>
+      <p:ext uri="{BB962C8B-B14F-4D97-AF65-F5344CB8AC3E}">
+        <p14:creationId xmlns:p14="http://schemas.microsoft.com/office/powerpoint/2010/main" val="919027192"/>
+      </p:ext>
+    </p:extLst>
   </p:cSld>
   <p:clrMapOvr>
     <a:masterClrMapping/>
@@ -5726,7 +5746,7 @@
       </p:grpSpPr>
       <p:sp>
         <p:nvSpPr>
-          <p:cNvPr id="1048617" name="幻灯片图像占位符 1"/>
+          <p:cNvPr id="1048693" name="幻灯片图像占位符 1"/>
           <p:cNvSpPr>
             <a:spLocks noGrp="1" noRot="1" noChangeAspect="1"/>
           </p:cNvSpPr>
@@ -5738,7 +5758,7 @@
       </p:sp>
       <p:sp>
         <p:nvSpPr>
-          <p:cNvPr id="1048618" name="备注占位符 2"/>
+          <p:cNvPr id="1048694" name="备注占位符 2"/>
           <p:cNvSpPr>
             <a:spLocks noGrp="1"/>
           </p:cNvSpPr>
@@ -5751,13 +5771,60 @@
           <a:bodyPr/>
           <a:lstStyle/>
           <a:p>
-            <a:endParaRPr lang="zh-CN" altLang="en-US"/>
+            <a:r>
+              <a:rPr lang="en-US" altLang="zh-CN" dirty="0"/>
+              <a:t>*</a:t>
+            </a:r>
+            <a:r>
+              <a:rPr lang="zh-CN" altLang="en-US" dirty="0"/>
+              <a:t>不好意思（</a:t>
+            </a:r>
+            <a:r>
+              <a:rPr lang="en-US" altLang="zh-CN" dirty="0" err="1"/>
+              <a:t>axmath</a:t>
+            </a:r>
+            <a:r>
+              <a:rPr lang="zh-CN" altLang="en-US" dirty="0"/>
+              <a:t>）</a:t>
+            </a:r>
+            <a:endParaRPr lang="en-US" altLang="zh-CN" dirty="0"/>
+          </a:p>
+          <a:p>
+            <a:r>
+              <a:rPr lang="en-US" altLang="zh-CN" dirty="0"/>
+              <a:t>*</a:t>
+            </a:r>
+            <a:r>
+              <a:rPr lang="zh-CN" altLang="en-US" dirty="0"/>
+              <a:t>公式打错了：</a:t>
+            </a:r>
+            <a:r>
+              <a:rPr lang="en-US" altLang="zh-CN" dirty="0"/>
+              <a:t>min</a:t>
+            </a:r>
+            <a:r>
+              <a:rPr lang="zh-CN" altLang="en-US" dirty="0"/>
+              <a:t>下方两个</a:t>
+            </a:r>
+            <a:r>
+              <a:rPr lang="en-US" altLang="zh-CN" dirty="0"/>
+              <a:t>\beta</a:t>
+            </a:r>
+            <a:r>
+              <a:rPr lang="zh-CN" altLang="en-US" dirty="0"/>
+              <a:t>加上</a:t>
+            </a:r>
+            <a:r>
+              <a:rPr lang="en-US" altLang="zh-CN" dirty="0"/>
+              <a:t>\hat</a:t>
+            </a:r>
+            <a:endParaRPr lang="zh-CN" altLang="en-US" dirty="0"/>
           </a:p>
         </p:txBody>
       </p:sp>
       <p:sp>
         <p:nvSpPr>
-          <p:cNvPr id="1048619" name="灯片编号占位符 3"/>
+          <p:cNvPr id="1048695" name="灯片编号占位符 3"/>
           <p:cNvSpPr>
             <a:spLocks noGrp="1"/>
           </p:cNvSpPr>
@@ -5772,13 +5839,102 @@
           <a:p>
             <a:fld id="{9CBB1522-D8B8-4EE2-937D-B0D68622BD2F}" type="slidenum">
               <a:rPr lang="zh-CN" altLang="en-US" smtClean="0"/>
-              <a:t>22</a:t>
+              <a:t>18</a:t>
             </a:fld>
             <a:endParaRPr lang="zh-CN" altLang="en-US"/>
           </a:p>
         </p:txBody>
       </p:sp>
     </p:spTree>
+    <p:extLst>
+      <p:ext uri="{BB962C8B-B14F-4D97-AF65-F5344CB8AC3E}">
+        <p14:creationId xmlns:p14="http://schemas.microsoft.com/office/powerpoint/2010/main" val="4229509246"/>
+      </p:ext>
+    </p:extLst>
+  </p:cSld>
+  <p:clrMapOvr>
+    <a:masterClrMapping/>
+  </p:clrMapOvr>
+</p:notes>
+</file>
+
+<file path=ppt/notesSlides/notesSlide19.xml><?xml version="1.0" encoding="utf-8"?>
+<p:notes xmlns:a="http://schemas.openxmlformats.org/drawingml/2006/main" xmlns:r="http://schemas.openxmlformats.org/officeDocument/2006/relationships" xmlns:p="http://schemas.openxmlformats.org/presentationml/2006/main">
+  <p:cSld>
+    <p:spTree>
+      <p:nvGrpSpPr>
+        <p:cNvPr id="1" name=""/>
+        <p:cNvGrpSpPr/>
+        <p:nvPr/>
+      </p:nvGrpSpPr>
+      <p:grpSpPr>
+        <a:xfrm>
+          <a:off x="0" y="0"/>
+          <a:ext cx="0" cy="0"/>
+          <a:chOff x="0" y="0"/>
+          <a:chExt cx="0" cy="0"/>
+        </a:xfrm>
+      </p:grpSpPr>
+      <p:sp>
+        <p:nvSpPr>
+          <p:cNvPr id="1048693" name="幻灯片图像占位符 1"/>
+          <p:cNvSpPr>
+            <a:spLocks noGrp="1" noRot="1" noChangeAspect="1"/>
+          </p:cNvSpPr>
+          <p:nvPr>
+            <p:ph type="sldImg"/>
+          </p:nvPr>
+        </p:nvSpPr>
+        <p:spPr/>
+      </p:sp>
+      <p:sp>
+        <p:nvSpPr>
+          <p:cNvPr id="1048694" name="备注占位符 2"/>
+          <p:cNvSpPr>
+            <a:spLocks noGrp="1"/>
+          </p:cNvSpPr>
+          <p:nvPr>
+            <p:ph type="body" idx="1"/>
+          </p:nvPr>
+        </p:nvSpPr>
+        <p:spPr/>
+        <p:txBody>
+          <a:bodyPr/>
+          <a:lstStyle/>
+          <a:p>
+            <a:endParaRPr lang="zh-CN" altLang="en-US" dirty="0"/>
+          </a:p>
+        </p:txBody>
+      </p:sp>
+      <p:sp>
+        <p:nvSpPr>
+          <p:cNvPr id="1048695" name="灯片编号占位符 3"/>
+          <p:cNvSpPr>
+            <a:spLocks noGrp="1"/>
+          </p:cNvSpPr>
+          <p:nvPr>
+            <p:ph type="sldNum" sz="quarter" idx="10"/>
+          </p:nvPr>
+        </p:nvSpPr>
+        <p:spPr/>
+        <p:txBody>
+          <a:bodyPr/>
+          <a:lstStyle/>
+          <a:p>
+            <a:fld id="{9CBB1522-D8B8-4EE2-937D-B0D68622BD2F}" type="slidenum">
+              <a:rPr lang="zh-CN" altLang="en-US" smtClean="0"/>
+              <a:t>19</a:t>
+            </a:fld>
+            <a:endParaRPr lang="zh-CN" altLang="en-US"/>
+          </a:p>
+        </p:txBody>
+      </p:sp>
+    </p:spTree>
+    <p:extLst>
+      <p:ext uri="{BB962C8B-B14F-4D97-AF65-F5344CB8AC3E}">
+        <p14:creationId xmlns:p14="http://schemas.microsoft.com/office/powerpoint/2010/main" val="4052973467"/>
+      </p:ext>
+    </p:extLst>
   </p:cSld>
   <p:clrMapOvr>
     <a:masterClrMapping/>
@@ -5852,6 +6008,332 @@
             <a:fld id="{9CBB1522-D8B8-4EE2-937D-B0D68622BD2F}" type="slidenum">
               <a:rPr lang="zh-CN" altLang="en-US" smtClean="0"/>
               <a:t>2</a:t>
+            </a:fld>
+            <a:endParaRPr lang="zh-CN" altLang="en-US"/>
+          </a:p>
+        </p:txBody>
+      </p:sp>
+    </p:spTree>
+  </p:cSld>
+  <p:clrMapOvr>
+    <a:masterClrMapping/>
+  </p:clrMapOvr>
+</p:notes>
+</file>
+
+<file path=ppt/notesSlides/notesSlide20.xml><?xml version="1.0" encoding="utf-8"?>
+<p:notes xmlns:a="http://schemas.openxmlformats.org/drawingml/2006/main" xmlns:r="http://schemas.openxmlformats.org/officeDocument/2006/relationships" xmlns:p="http://schemas.openxmlformats.org/presentationml/2006/main">
+  <p:cSld>
+    <p:spTree>
+      <p:nvGrpSpPr>
+        <p:cNvPr id="1" name=""/>
+        <p:cNvGrpSpPr/>
+        <p:nvPr/>
+      </p:nvGrpSpPr>
+      <p:grpSpPr>
+        <a:xfrm>
+          <a:off x="0" y="0"/>
+          <a:ext cx="0" cy="0"/>
+          <a:chOff x="0" y="0"/>
+          <a:chExt cx="0" cy="0"/>
+        </a:xfrm>
+      </p:grpSpPr>
+      <p:sp>
+        <p:nvSpPr>
+          <p:cNvPr id="1048693" name="幻灯片图像占位符 1"/>
+          <p:cNvSpPr>
+            <a:spLocks noGrp="1" noRot="1" noChangeAspect="1"/>
+          </p:cNvSpPr>
+          <p:nvPr>
+            <p:ph type="sldImg"/>
+          </p:nvPr>
+        </p:nvSpPr>
+        <p:spPr/>
+      </p:sp>
+      <p:sp>
+        <p:nvSpPr>
+          <p:cNvPr id="1048694" name="备注占位符 2"/>
+          <p:cNvSpPr>
+            <a:spLocks noGrp="1"/>
+          </p:cNvSpPr>
+          <p:nvPr>
+            <p:ph type="body" idx="1"/>
+          </p:nvPr>
+        </p:nvSpPr>
+        <p:spPr/>
+        <p:txBody>
+          <a:bodyPr/>
+          <a:lstStyle/>
+          <a:p>
+            <a:endParaRPr lang="zh-CN" altLang="en-US" dirty="0"/>
+          </a:p>
+        </p:txBody>
+      </p:sp>
+      <p:sp>
+        <p:nvSpPr>
+          <p:cNvPr id="1048695" name="灯片编号占位符 3"/>
+          <p:cNvSpPr>
+            <a:spLocks noGrp="1"/>
+          </p:cNvSpPr>
+          <p:nvPr>
+            <p:ph type="sldNum" sz="quarter" idx="10"/>
+          </p:nvPr>
+        </p:nvSpPr>
+        <p:spPr/>
+        <p:txBody>
+          <a:bodyPr/>
+          <a:lstStyle/>
+          <a:p>
+            <a:fld id="{9CBB1522-D8B8-4EE2-937D-B0D68622BD2F}" type="slidenum">
+              <a:rPr lang="zh-CN" altLang="en-US" smtClean="0"/>
+              <a:t>20</a:t>
+            </a:fld>
+            <a:endParaRPr lang="zh-CN" altLang="en-US"/>
+          </a:p>
+        </p:txBody>
+      </p:sp>
+    </p:spTree>
+    <p:extLst>
+      <p:ext uri="{BB962C8B-B14F-4D97-AF65-F5344CB8AC3E}">
+        <p14:creationId xmlns:p14="http://schemas.microsoft.com/office/powerpoint/2010/main" val="3346192242"/>
+      </p:ext>
+    </p:extLst>
+  </p:cSld>
+  <p:clrMapOvr>
+    <a:masterClrMapping/>
+  </p:clrMapOvr>
+</p:notes>
+</file>
+
+<file path=ppt/notesSlides/notesSlide21.xml><?xml version="1.0" encoding="utf-8"?>
+<p:notes xmlns:a="http://schemas.openxmlformats.org/drawingml/2006/main" xmlns:r="http://schemas.openxmlformats.org/officeDocument/2006/relationships" xmlns:p="http://schemas.openxmlformats.org/presentationml/2006/main">
+  <p:cSld>
+    <p:spTree>
+      <p:nvGrpSpPr>
+        <p:cNvPr id="1" name=""/>
+        <p:cNvGrpSpPr/>
+        <p:nvPr/>
+      </p:nvGrpSpPr>
+      <p:grpSpPr>
+        <a:xfrm>
+          <a:off x="0" y="0"/>
+          <a:ext cx="0" cy="0"/>
+          <a:chOff x="0" y="0"/>
+          <a:chExt cx="0" cy="0"/>
+        </a:xfrm>
+      </p:grpSpPr>
+      <p:sp>
+        <p:nvSpPr>
+          <p:cNvPr id="1048693" name="幻灯片图像占位符 1"/>
+          <p:cNvSpPr>
+            <a:spLocks noGrp="1" noRot="1" noChangeAspect="1"/>
+          </p:cNvSpPr>
+          <p:nvPr>
+            <p:ph type="sldImg"/>
+          </p:nvPr>
+        </p:nvSpPr>
+        <p:spPr/>
+      </p:sp>
+      <p:sp>
+        <p:nvSpPr>
+          <p:cNvPr id="1048694" name="备注占位符 2"/>
+          <p:cNvSpPr>
+            <a:spLocks noGrp="1"/>
+          </p:cNvSpPr>
+          <p:nvPr>
+            <p:ph type="body" idx="1"/>
+          </p:nvPr>
+        </p:nvSpPr>
+        <p:spPr/>
+        <p:txBody>
+          <a:bodyPr/>
+          <a:lstStyle/>
+          <a:p>
+            <a:endParaRPr lang="zh-CN" altLang="en-US"/>
+          </a:p>
+        </p:txBody>
+      </p:sp>
+      <p:sp>
+        <p:nvSpPr>
+          <p:cNvPr id="1048695" name="灯片编号占位符 3"/>
+          <p:cNvSpPr>
+            <a:spLocks noGrp="1"/>
+          </p:cNvSpPr>
+          <p:nvPr>
+            <p:ph type="sldNum" sz="quarter" idx="10"/>
+          </p:nvPr>
+        </p:nvSpPr>
+        <p:spPr/>
+        <p:txBody>
+          <a:bodyPr/>
+          <a:lstStyle/>
+          <a:p>
+            <a:fld id="{9CBB1522-D8B8-4EE2-937D-B0D68622BD2F}" type="slidenum">
+              <a:rPr lang="zh-CN" altLang="en-US" smtClean="0"/>
+              <a:t>21</a:t>
+            </a:fld>
+            <a:endParaRPr lang="zh-CN" altLang="en-US"/>
+          </a:p>
+        </p:txBody>
+      </p:sp>
+    </p:spTree>
+    <p:extLst>
+      <p:ext uri="{BB962C8B-B14F-4D97-AF65-F5344CB8AC3E}">
+        <p14:creationId xmlns:p14="http://schemas.microsoft.com/office/powerpoint/2010/main" val="1221424295"/>
+      </p:ext>
+    </p:extLst>
+  </p:cSld>
+  <p:clrMapOvr>
+    <a:masterClrMapping/>
+  </p:clrMapOvr>
+</p:notes>
+</file>
+
+<file path=ppt/notesSlides/notesSlide22.xml><?xml version="1.0" encoding="utf-8"?>
+<p:notes xmlns:a="http://schemas.openxmlformats.org/drawingml/2006/main" xmlns:r="http://schemas.openxmlformats.org/officeDocument/2006/relationships" xmlns:p="http://schemas.openxmlformats.org/presentationml/2006/main">
+  <p:cSld>
+    <p:spTree>
+      <p:nvGrpSpPr>
+        <p:cNvPr id="1" name=""/>
+        <p:cNvGrpSpPr/>
+        <p:nvPr/>
+      </p:nvGrpSpPr>
+      <p:grpSpPr>
+        <a:xfrm>
+          <a:off x="0" y="0"/>
+          <a:ext cx="0" cy="0"/>
+          <a:chOff x="0" y="0"/>
+          <a:chExt cx="0" cy="0"/>
+        </a:xfrm>
+      </p:grpSpPr>
+      <p:sp>
+        <p:nvSpPr>
+          <p:cNvPr id="1048722" name="幻灯片图像占位符 1"/>
+          <p:cNvSpPr>
+            <a:spLocks noGrp="1" noRot="1" noChangeAspect="1"/>
+          </p:cNvSpPr>
+          <p:nvPr>
+            <p:ph type="sldImg"/>
+          </p:nvPr>
+        </p:nvSpPr>
+        <p:spPr/>
+      </p:sp>
+      <p:sp>
+        <p:nvSpPr>
+          <p:cNvPr id="1048723" name="备注占位符 2"/>
+          <p:cNvSpPr>
+            <a:spLocks noGrp="1"/>
+          </p:cNvSpPr>
+          <p:nvPr>
+            <p:ph type="body" idx="1"/>
+          </p:nvPr>
+        </p:nvSpPr>
+        <p:spPr/>
+        <p:txBody>
+          <a:bodyPr/>
+          <a:lstStyle/>
+          <a:p>
+            <a:endParaRPr lang="zh-CN" altLang="en-US"/>
+          </a:p>
+        </p:txBody>
+      </p:sp>
+      <p:sp>
+        <p:nvSpPr>
+          <p:cNvPr id="1048724" name="灯片编号占位符 3"/>
+          <p:cNvSpPr>
+            <a:spLocks noGrp="1"/>
+          </p:cNvSpPr>
+          <p:nvPr>
+            <p:ph type="sldNum" sz="quarter" idx="10"/>
+          </p:nvPr>
+        </p:nvSpPr>
+        <p:spPr/>
+        <p:txBody>
+          <a:bodyPr/>
+          <a:lstStyle/>
+          <a:p>
+            <a:fld id="{9CBB1522-D8B8-4EE2-937D-B0D68622BD2F}" type="slidenum">
+              <a:rPr lang="zh-CN" altLang="en-US" smtClean="0"/>
+              <a:t>22</a:t>
+            </a:fld>
+            <a:endParaRPr lang="zh-CN" altLang="en-US"/>
+          </a:p>
+        </p:txBody>
+      </p:sp>
+    </p:spTree>
+  </p:cSld>
+  <p:clrMapOvr>
+    <a:masterClrMapping/>
+  </p:clrMapOvr>
+</p:notes>
+</file>
+
+<file path=ppt/notesSlides/notesSlide23.xml><?xml version="1.0" encoding="utf-8"?>
+<p:notes xmlns:a="http://schemas.openxmlformats.org/drawingml/2006/main" xmlns:r="http://schemas.openxmlformats.org/officeDocument/2006/relationships" xmlns:p="http://schemas.openxmlformats.org/presentationml/2006/main">
+  <p:cSld>
+    <p:spTree>
+      <p:nvGrpSpPr>
+        <p:cNvPr id="1" name=""/>
+        <p:cNvGrpSpPr/>
+        <p:nvPr/>
+      </p:nvGrpSpPr>
+      <p:grpSpPr>
+        <a:xfrm>
+          <a:off x="0" y="0"/>
+          <a:ext cx="0" cy="0"/>
+          <a:chOff x="0" y="0"/>
+          <a:chExt cx="0" cy="0"/>
+        </a:xfrm>
+      </p:grpSpPr>
+      <p:sp>
+        <p:nvSpPr>
+          <p:cNvPr id="1048617" name="幻灯片图像占位符 1"/>
+          <p:cNvSpPr>
+            <a:spLocks noGrp="1" noRot="1" noChangeAspect="1"/>
+          </p:cNvSpPr>
+          <p:nvPr>
+            <p:ph type="sldImg"/>
+          </p:nvPr>
+        </p:nvSpPr>
+        <p:spPr/>
+      </p:sp>
+      <p:sp>
+        <p:nvSpPr>
+          <p:cNvPr id="1048618" name="备注占位符 2"/>
+          <p:cNvSpPr>
+            <a:spLocks noGrp="1"/>
+          </p:cNvSpPr>
+          <p:nvPr>
+            <p:ph type="body" idx="1"/>
+          </p:nvPr>
+        </p:nvSpPr>
+        <p:spPr/>
+        <p:txBody>
+          <a:bodyPr/>
+          <a:lstStyle/>
+          <a:p>
+            <a:endParaRPr lang="zh-CN" altLang="en-US"/>
+          </a:p>
+        </p:txBody>
+      </p:sp>
+      <p:sp>
+        <p:nvSpPr>
+          <p:cNvPr id="1048619" name="灯片编号占位符 3"/>
+          <p:cNvSpPr>
+            <a:spLocks noGrp="1"/>
+          </p:cNvSpPr>
+          <p:nvPr>
+            <p:ph type="sldNum" sz="quarter" idx="10"/>
+          </p:nvPr>
+        </p:nvSpPr>
+        <p:spPr/>
+        <p:txBody>
+          <a:bodyPr/>
+          <a:lstStyle/>
+          <a:p>
+            <a:fld id="{9CBB1522-D8B8-4EE2-937D-B0D68622BD2F}" type="slidenum">
+              <a:rPr lang="zh-CN" altLang="en-US" smtClean="0"/>
+              <a:t>27</a:t>
             </a:fld>
             <a:endParaRPr lang="zh-CN" altLang="en-US"/>
           </a:p>
@@ -16362,7 +16844,7 @@
         </p:nvSpPr>
         <p:spPr>
           <a:xfrm>
-            <a:off x="2933821" y="1312252"/>
+            <a:off x="2949249" y="1498089"/>
             <a:ext cx="5943232" cy="3108543"/>
           </a:xfrm>
           <a:prstGeom prst="rect">
@@ -17129,7 +17611,5759 @@
       </p:grpSpPr>
       <p:sp>
         <p:nvSpPr>
-          <p:cNvPr id="1048692" name="灯片编号占位符 2"/>
+          <p:cNvPr id="12" name="矩形 2">
+            <a:extLst>
+              <a:ext uri="{FF2B5EF4-FFF2-40B4-BE49-F238E27FC236}">
+                <a16:creationId xmlns:a16="http://schemas.microsoft.com/office/drawing/2014/main" id="{01D1EA62-D4B9-4AA3-A630-1C26AB4845D5}"/>
+              </a:ext>
+            </a:extLst>
+          </p:cNvPr>
+          <p:cNvSpPr/>
+          <p:nvPr>
+            <p:custDataLst>
+              <p:tags r:id="rId1"/>
+            </p:custDataLst>
+          </p:nvPr>
+        </p:nvSpPr>
+        <p:spPr>
+          <a:xfrm>
+            <a:off x="4665810" y="49008"/>
+            <a:ext cx="4199426" cy="376555"/>
+          </a:xfrm>
+          <a:prstGeom prst="rect">
+            <a:avLst/>
+          </a:prstGeom>
+          <a:solidFill>
+            <a:schemeClr val="bg1"/>
+          </a:solidFill>
+          <a:ln w="25400">
+            <a:noFill/>
+          </a:ln>
+        </p:spPr>
+        <p:txBody>
+          <a:bodyPr wrap="square">
+            <a:noAutofit/>
+          </a:bodyPr>
+          <a:lstStyle/>
+          <a:p>
+            <a:pPr algn="r"/>
+            <a:r>
+              <a:rPr lang="zh-CN" altLang="en-US" sz="2400" b="1" dirty="0">
+                <a:solidFill>
+                  <a:schemeClr val="accent1">
+                    <a:lumMod val="75000"/>
+                  </a:schemeClr>
+                </a:solidFill>
+                <a:latin typeface="微软雅黑" panose="020B0503020204020204" pitchFamily="34" charset="-122"/>
+                <a:ea typeface="微软雅黑" panose="020B0503020204020204" pitchFamily="34" charset="-122"/>
+              </a:rPr>
+              <a:t>最小二乘法的四大变式</a:t>
+            </a:r>
+            <a:r>
+              <a:rPr lang="en-US" altLang="zh-CN" sz="2400" b="1" dirty="0">
+                <a:solidFill>
+                  <a:schemeClr val="accent1">
+                    <a:lumMod val="75000"/>
+                  </a:schemeClr>
+                </a:solidFill>
+                <a:latin typeface="微软雅黑" panose="020B0503020204020204" pitchFamily="34" charset="-122"/>
+                <a:ea typeface="微软雅黑" panose="020B0503020204020204" pitchFamily="34" charset="-122"/>
+              </a:rPr>
+              <a:t>(1/9)</a:t>
+            </a:r>
+            <a:endParaRPr lang="zh-CN" altLang="en-US" sz="2400" b="1" dirty="0">
+              <a:solidFill>
+                <a:schemeClr val="accent1">
+                  <a:lumMod val="75000"/>
+                </a:schemeClr>
+              </a:solidFill>
+              <a:latin typeface="微软雅黑" panose="020B0503020204020204" pitchFamily="34" charset="-122"/>
+              <a:ea typeface="微软雅黑" panose="020B0503020204020204" pitchFamily="34" charset="-122"/>
+            </a:endParaRPr>
+          </a:p>
+        </p:txBody>
+      </p:sp>
+      <p:sp>
+        <p:nvSpPr>
+          <p:cNvPr id="2" name="TextBox 11">
+            <a:extLst>
+              <a:ext uri="{FF2B5EF4-FFF2-40B4-BE49-F238E27FC236}">
+                <a16:creationId xmlns:a16="http://schemas.microsoft.com/office/drawing/2014/main" id="{961BEFA3-6099-D095-71EA-8E04B5D41F2D}"/>
+              </a:ext>
+            </a:extLst>
+          </p:cNvPr>
+          <p:cNvSpPr txBox="1"/>
+          <p:nvPr>
+            <p:custDataLst>
+              <p:tags r:id="rId2"/>
+            </p:custDataLst>
+          </p:nvPr>
+        </p:nvSpPr>
+        <p:spPr>
+          <a:xfrm>
+            <a:off x="107504" y="1019744"/>
+            <a:ext cx="6696744" cy="1200329"/>
+          </a:xfrm>
+          <a:prstGeom prst="rect">
+            <a:avLst/>
+          </a:prstGeom>
+          <a:noFill/>
+        </p:spPr>
+        <p:txBody>
+          <a:bodyPr vert="horz" wrap="square" rtlCol="0">
+            <a:spAutoFit/>
+          </a:bodyPr>
+          <a:lstStyle/>
+          <a:p>
+            <a:pPr marL="342900" indent="-342900" fontAlgn="b">
+              <a:buFont typeface="Wingdings" panose="05000000000000000000" pitchFamily="2" charset="2"/>
+              <a:buChar char="u"/>
+            </a:pPr>
+            <a:r>
+              <a:rPr lang="zh-CN" altLang="en-US" sz="2400" b="1" dirty="0">
+                <a:solidFill>
+                  <a:schemeClr val="tx2">
+                    <a:lumMod val="75000"/>
+                  </a:schemeClr>
+                </a:solidFill>
+                <a:latin typeface="微软雅黑" panose="020B0503020204020204" pitchFamily="34" charset="-122"/>
+                <a:ea typeface="微软雅黑" panose="020B0503020204020204" pitchFamily="34" charset="-122"/>
+              </a:rPr>
+              <a:t>术语缩写介绍：</a:t>
+            </a:r>
+            <a:endParaRPr lang="en-US" altLang="zh-CN" sz="2400" b="1" dirty="0">
+              <a:solidFill>
+                <a:schemeClr val="tx2">
+                  <a:lumMod val="75000"/>
+                </a:schemeClr>
+              </a:solidFill>
+              <a:latin typeface="微软雅黑" panose="020B0503020204020204" pitchFamily="34" charset="-122"/>
+              <a:ea typeface="微软雅黑" panose="020B0503020204020204" pitchFamily="34" charset="-122"/>
+            </a:endParaRPr>
+          </a:p>
+          <a:p>
+            <a:pPr marL="800100" lvl="1" indent="-342900" fontAlgn="b">
+              <a:buFont typeface="Wingdings" panose="05000000000000000000" pitchFamily="2" charset="2"/>
+              <a:buChar char="u"/>
+            </a:pPr>
+            <a:r>
+              <a:rPr lang="en-US" altLang="zh-CN" sz="2400" b="1" dirty="0">
+                <a:solidFill>
+                  <a:schemeClr val="tx2">
+                    <a:lumMod val="75000"/>
+                  </a:schemeClr>
+                </a:solidFill>
+                <a:latin typeface="微软雅黑" panose="020B0503020204020204" pitchFamily="34" charset="-122"/>
+                <a:ea typeface="微软雅黑" panose="020B0503020204020204" pitchFamily="34" charset="-122"/>
+              </a:rPr>
+              <a:t>LS(Least Square)</a:t>
+            </a:r>
+            <a:r>
+              <a:rPr lang="zh-CN" altLang="en-US" sz="2400" b="1" dirty="0">
+                <a:solidFill>
+                  <a:schemeClr val="tx2">
+                    <a:lumMod val="75000"/>
+                  </a:schemeClr>
+                </a:solidFill>
+                <a:latin typeface="微软雅黑" panose="020B0503020204020204" pitchFamily="34" charset="-122"/>
+                <a:ea typeface="微软雅黑" panose="020B0503020204020204" pitchFamily="34" charset="-122"/>
+              </a:rPr>
+              <a:t>：最小二乘法</a:t>
+            </a:r>
+            <a:endParaRPr lang="en-US" altLang="zh-CN" sz="2400" b="1" dirty="0">
+              <a:solidFill>
+                <a:schemeClr val="tx2">
+                  <a:lumMod val="75000"/>
+                </a:schemeClr>
+              </a:solidFill>
+              <a:latin typeface="微软雅黑" panose="020B0503020204020204" pitchFamily="34" charset="-122"/>
+              <a:ea typeface="微软雅黑" panose="020B0503020204020204" pitchFamily="34" charset="-122"/>
+            </a:endParaRPr>
+          </a:p>
+          <a:p>
+            <a:pPr marL="800100" lvl="1" indent="-342900" fontAlgn="b">
+              <a:buFont typeface="Wingdings" panose="05000000000000000000" pitchFamily="2" charset="2"/>
+              <a:buChar char="u"/>
+            </a:pPr>
+            <a:r>
+              <a:rPr lang="en-US" altLang="zh-CN" sz="2400" b="1" dirty="0">
+                <a:solidFill>
+                  <a:schemeClr val="tx2">
+                    <a:lumMod val="75000"/>
+                  </a:schemeClr>
+                </a:solidFill>
+                <a:latin typeface="微软雅黑" panose="020B0503020204020204" pitchFamily="34" charset="-122"/>
+                <a:ea typeface="微软雅黑" panose="020B0503020204020204" pitchFamily="34" charset="-122"/>
+              </a:rPr>
+              <a:t>OLS(Ordinary LS)</a:t>
+            </a:r>
+            <a:r>
+              <a:rPr lang="zh-CN" altLang="en-US" sz="2400" b="1" dirty="0">
+                <a:solidFill>
+                  <a:schemeClr val="tx2">
+                    <a:lumMod val="75000"/>
+                  </a:schemeClr>
+                </a:solidFill>
+                <a:latin typeface="微软雅黑" panose="020B0503020204020204" pitchFamily="34" charset="-122"/>
+                <a:ea typeface="微软雅黑" panose="020B0503020204020204" pitchFamily="34" charset="-122"/>
+              </a:rPr>
+              <a:t>：普通最小二乘法</a:t>
+            </a:r>
+          </a:p>
+        </p:txBody>
+      </p:sp>
+      <p:sp>
+        <p:nvSpPr>
+          <p:cNvPr id="4" name="矩形: 圆角 3">
+            <a:extLst>
+              <a:ext uri="{FF2B5EF4-FFF2-40B4-BE49-F238E27FC236}">
+                <a16:creationId xmlns:a16="http://schemas.microsoft.com/office/drawing/2014/main" id="{EA959C72-5560-A904-36E8-B7925FC1FB6B}"/>
+              </a:ext>
+            </a:extLst>
+          </p:cNvPr>
+          <p:cNvSpPr/>
+          <p:nvPr/>
+        </p:nvSpPr>
+        <p:spPr>
+          <a:xfrm>
+            <a:off x="7380312" y="917059"/>
+            <a:ext cx="1152128" cy="648072"/>
+          </a:xfrm>
+          <a:prstGeom prst="roundRect">
+            <a:avLst/>
+          </a:prstGeom>
+          <a:ln>
+            <a:noFill/>
+          </a:ln>
+        </p:spPr>
+        <p:style>
+          <a:lnRef idx="2">
+            <a:schemeClr val="accent1">
+              <a:shade val="50000"/>
+            </a:schemeClr>
+          </a:lnRef>
+          <a:fillRef idx="1">
+            <a:schemeClr val="accent1"/>
+          </a:fillRef>
+          <a:effectRef idx="0">
+            <a:schemeClr val="accent1"/>
+          </a:effectRef>
+          <a:fontRef idx="minor">
+            <a:schemeClr val="lt1"/>
+          </a:fontRef>
+        </p:style>
+        <p:txBody>
+          <a:bodyPr rtlCol="0" anchor="ctr"/>
+          <a:lstStyle/>
+          <a:p>
+            <a:pPr algn="ctr"/>
+            <a:r>
+              <a:rPr lang="en-US" altLang="zh-CN" sz="2800" b="1" dirty="0">
+                <a:effectLst>
+                  <a:outerShdw blurRad="38100" dist="38100" dir="2700000" algn="tl">
+                    <a:srgbClr val="000000">
+                      <a:alpha val="43137"/>
+                    </a:srgbClr>
+                  </a:outerShdw>
+                </a:effectLst>
+              </a:rPr>
+              <a:t>OLS</a:t>
+            </a:r>
+            <a:endParaRPr lang="zh-CN" altLang="en-US" sz="2800" b="1" dirty="0">
+              <a:effectLst>
+                <a:outerShdw blurRad="38100" dist="38100" dir="2700000" algn="tl">
+                  <a:srgbClr val="000000">
+                    <a:alpha val="43137"/>
+                  </a:srgbClr>
+                </a:outerShdw>
+              </a:effectLst>
+            </a:endParaRPr>
+          </a:p>
+        </p:txBody>
+      </p:sp>
+      <p:sp>
+        <p:nvSpPr>
+          <p:cNvPr id="5" name="矩形: 圆角 4">
+            <a:extLst>
+              <a:ext uri="{FF2B5EF4-FFF2-40B4-BE49-F238E27FC236}">
+                <a16:creationId xmlns:a16="http://schemas.microsoft.com/office/drawing/2014/main" id="{D0C1DD57-63D3-C18C-5579-4B885B6EFF71}"/>
+              </a:ext>
+            </a:extLst>
+          </p:cNvPr>
+          <p:cNvSpPr/>
+          <p:nvPr/>
+        </p:nvSpPr>
+        <p:spPr>
+          <a:xfrm>
+            <a:off x="7387128" y="2115687"/>
+            <a:ext cx="1152128" cy="648072"/>
+          </a:xfrm>
+          <a:prstGeom prst="roundRect">
+            <a:avLst/>
+          </a:prstGeom>
+          <a:ln>
+            <a:noFill/>
+          </a:ln>
+        </p:spPr>
+        <p:style>
+          <a:lnRef idx="2">
+            <a:schemeClr val="accent1">
+              <a:shade val="50000"/>
+            </a:schemeClr>
+          </a:lnRef>
+          <a:fillRef idx="1">
+            <a:schemeClr val="accent1"/>
+          </a:fillRef>
+          <a:effectRef idx="0">
+            <a:schemeClr val="accent1"/>
+          </a:effectRef>
+          <a:fontRef idx="minor">
+            <a:schemeClr val="lt1"/>
+          </a:fontRef>
+        </p:style>
+        <p:txBody>
+          <a:bodyPr rtlCol="0" anchor="ctr"/>
+          <a:lstStyle/>
+          <a:p>
+            <a:pPr algn="ctr"/>
+            <a:r>
+              <a:rPr lang="en-US" altLang="zh-CN" sz="2800" b="1" dirty="0">
+                <a:effectLst>
+                  <a:outerShdw blurRad="38100" dist="38100" dir="2700000" algn="tl">
+                    <a:srgbClr val="000000">
+                      <a:alpha val="43137"/>
+                    </a:srgbClr>
+                  </a:outerShdw>
+                </a:effectLst>
+              </a:rPr>
+              <a:t>?</a:t>
+            </a:r>
+            <a:endParaRPr lang="zh-CN" altLang="en-US" sz="2800" b="1" dirty="0">
+              <a:effectLst>
+                <a:outerShdw blurRad="38100" dist="38100" dir="2700000" algn="tl">
+                  <a:srgbClr val="000000">
+                    <a:alpha val="43137"/>
+                  </a:srgbClr>
+                </a:outerShdw>
+              </a:effectLst>
+            </a:endParaRPr>
+          </a:p>
+        </p:txBody>
+      </p:sp>
+      <p:sp>
+        <p:nvSpPr>
+          <p:cNvPr id="7" name="矩形: 圆角 6">
+            <a:extLst>
+              <a:ext uri="{FF2B5EF4-FFF2-40B4-BE49-F238E27FC236}">
+                <a16:creationId xmlns:a16="http://schemas.microsoft.com/office/drawing/2014/main" id="{64943B9A-F4B7-F2C0-E2E5-1C4C23C43EC1}"/>
+              </a:ext>
+            </a:extLst>
+          </p:cNvPr>
+          <p:cNvSpPr/>
+          <p:nvPr/>
+        </p:nvSpPr>
+        <p:spPr>
+          <a:xfrm>
+            <a:off x="7380312" y="3314315"/>
+            <a:ext cx="1152128" cy="648072"/>
+          </a:xfrm>
+          <a:prstGeom prst="roundRect">
+            <a:avLst/>
+          </a:prstGeom>
+          <a:ln>
+            <a:noFill/>
+          </a:ln>
+        </p:spPr>
+        <p:style>
+          <a:lnRef idx="2">
+            <a:schemeClr val="accent1">
+              <a:shade val="50000"/>
+            </a:schemeClr>
+          </a:lnRef>
+          <a:fillRef idx="1">
+            <a:schemeClr val="accent1"/>
+          </a:fillRef>
+          <a:effectRef idx="0">
+            <a:schemeClr val="accent1"/>
+          </a:effectRef>
+          <a:fontRef idx="minor">
+            <a:schemeClr val="lt1"/>
+          </a:fontRef>
+        </p:style>
+        <p:txBody>
+          <a:bodyPr rtlCol="0" anchor="ctr"/>
+          <a:lstStyle/>
+          <a:p>
+            <a:pPr algn="ctr"/>
+            <a:r>
+              <a:rPr lang="en-US" altLang="zh-CN" sz="2800" b="1" dirty="0">
+                <a:effectLst>
+                  <a:outerShdw blurRad="38100" dist="38100" dir="2700000" algn="tl">
+                    <a:srgbClr val="000000">
+                      <a:alpha val="43137"/>
+                    </a:srgbClr>
+                  </a:outerShdw>
+                </a:effectLst>
+              </a:rPr>
+              <a:t>?</a:t>
+            </a:r>
+            <a:endParaRPr lang="zh-CN" altLang="en-US" sz="2800" b="1" dirty="0">
+              <a:effectLst>
+                <a:outerShdw blurRad="38100" dist="38100" dir="2700000" algn="tl">
+                  <a:srgbClr val="000000">
+                    <a:alpha val="43137"/>
+                  </a:srgbClr>
+                </a:outerShdw>
+              </a:effectLst>
+            </a:endParaRPr>
+          </a:p>
+        </p:txBody>
+      </p:sp>
+      <p:sp>
+        <p:nvSpPr>
+          <p:cNvPr id="8" name="矩形: 圆角 7">
+            <a:extLst>
+              <a:ext uri="{FF2B5EF4-FFF2-40B4-BE49-F238E27FC236}">
+                <a16:creationId xmlns:a16="http://schemas.microsoft.com/office/drawing/2014/main" id="{FED28F51-DBE7-EBA2-E9E0-B7C023E40CBB}"/>
+              </a:ext>
+            </a:extLst>
+          </p:cNvPr>
+          <p:cNvSpPr/>
+          <p:nvPr/>
+        </p:nvSpPr>
+        <p:spPr>
+          <a:xfrm>
+            <a:off x="7380312" y="4512943"/>
+            <a:ext cx="1152128" cy="648072"/>
+          </a:xfrm>
+          <a:prstGeom prst="roundRect">
+            <a:avLst/>
+          </a:prstGeom>
+          <a:ln>
+            <a:noFill/>
+          </a:ln>
+        </p:spPr>
+        <p:style>
+          <a:lnRef idx="2">
+            <a:schemeClr val="accent1">
+              <a:shade val="50000"/>
+            </a:schemeClr>
+          </a:lnRef>
+          <a:fillRef idx="1">
+            <a:schemeClr val="accent1"/>
+          </a:fillRef>
+          <a:effectRef idx="0">
+            <a:schemeClr val="accent1"/>
+          </a:effectRef>
+          <a:fontRef idx="minor">
+            <a:schemeClr val="lt1"/>
+          </a:fontRef>
+        </p:style>
+        <p:txBody>
+          <a:bodyPr rtlCol="0" anchor="ctr"/>
+          <a:lstStyle/>
+          <a:p>
+            <a:pPr algn="ctr"/>
+            <a:r>
+              <a:rPr lang="en-US" altLang="zh-CN" sz="2800" b="1" dirty="0">
+                <a:effectLst>
+                  <a:outerShdw blurRad="38100" dist="38100" dir="2700000" algn="tl">
+                    <a:srgbClr val="000000">
+                      <a:alpha val="43137"/>
+                    </a:srgbClr>
+                  </a:outerShdw>
+                </a:effectLst>
+              </a:rPr>
+              <a:t>?</a:t>
+            </a:r>
+            <a:endParaRPr lang="zh-CN" altLang="en-US" sz="2800" b="1" dirty="0">
+              <a:effectLst>
+                <a:outerShdw blurRad="38100" dist="38100" dir="2700000" algn="tl">
+                  <a:srgbClr val="000000">
+                    <a:alpha val="43137"/>
+                  </a:srgbClr>
+                </a:outerShdw>
+              </a:effectLst>
+            </a:endParaRPr>
+          </a:p>
+        </p:txBody>
+      </p:sp>
+      <p:sp>
+        <p:nvSpPr>
+          <p:cNvPr id="9" name="箭头: 右 8">
+            <a:extLst>
+              <a:ext uri="{FF2B5EF4-FFF2-40B4-BE49-F238E27FC236}">
+                <a16:creationId xmlns:a16="http://schemas.microsoft.com/office/drawing/2014/main" id="{B0DCF526-7ADE-AE90-16FC-9BB98B731EB8}"/>
+              </a:ext>
+            </a:extLst>
+          </p:cNvPr>
+          <p:cNvSpPr/>
+          <p:nvPr/>
+        </p:nvSpPr>
+        <p:spPr>
+          <a:xfrm rot="5400000">
+            <a:off x="7761378" y="1719979"/>
+            <a:ext cx="389994" cy="240861"/>
+          </a:xfrm>
+          <a:prstGeom prst="rightArrow">
+            <a:avLst>
+              <a:gd name="adj1" fmla="val 35703"/>
+              <a:gd name="adj2" fmla="val 50000"/>
+            </a:avLst>
+          </a:prstGeom>
+        </p:spPr>
+        <p:style>
+          <a:lnRef idx="2">
+            <a:schemeClr val="accent1">
+              <a:shade val="50000"/>
+            </a:schemeClr>
+          </a:lnRef>
+          <a:fillRef idx="1">
+            <a:schemeClr val="accent1"/>
+          </a:fillRef>
+          <a:effectRef idx="0">
+            <a:schemeClr val="accent1"/>
+          </a:effectRef>
+          <a:fontRef idx="minor">
+            <a:schemeClr val="lt1"/>
+          </a:fontRef>
+        </p:style>
+        <p:txBody>
+          <a:bodyPr rtlCol="0" anchor="ctr"/>
+          <a:lstStyle/>
+          <a:p>
+            <a:pPr algn="ctr"/>
+            <a:endParaRPr lang="zh-CN" altLang="en-US"/>
+          </a:p>
+        </p:txBody>
+      </p:sp>
+      <p:sp>
+        <p:nvSpPr>
+          <p:cNvPr id="10" name="箭头: 右 9">
+            <a:extLst>
+              <a:ext uri="{FF2B5EF4-FFF2-40B4-BE49-F238E27FC236}">
+                <a16:creationId xmlns:a16="http://schemas.microsoft.com/office/drawing/2014/main" id="{68802577-1895-B2D1-7BDD-12BE7AF2DD87}"/>
+              </a:ext>
+            </a:extLst>
+          </p:cNvPr>
+          <p:cNvSpPr/>
+          <p:nvPr/>
+        </p:nvSpPr>
+        <p:spPr>
+          <a:xfrm rot="5400000">
+            <a:off x="7768194" y="2918606"/>
+            <a:ext cx="389994" cy="240861"/>
+          </a:xfrm>
+          <a:prstGeom prst="rightArrow">
+            <a:avLst>
+              <a:gd name="adj1" fmla="val 35703"/>
+              <a:gd name="adj2" fmla="val 50000"/>
+            </a:avLst>
+          </a:prstGeom>
+        </p:spPr>
+        <p:style>
+          <a:lnRef idx="2">
+            <a:schemeClr val="accent1">
+              <a:shade val="50000"/>
+            </a:schemeClr>
+          </a:lnRef>
+          <a:fillRef idx="1">
+            <a:schemeClr val="accent1"/>
+          </a:fillRef>
+          <a:effectRef idx="0">
+            <a:schemeClr val="accent1"/>
+          </a:effectRef>
+          <a:fontRef idx="minor">
+            <a:schemeClr val="lt1"/>
+          </a:fontRef>
+        </p:style>
+        <p:txBody>
+          <a:bodyPr rtlCol="0" anchor="ctr"/>
+          <a:lstStyle/>
+          <a:p>
+            <a:pPr algn="ctr"/>
+            <a:endParaRPr lang="zh-CN" altLang="en-US"/>
+          </a:p>
+        </p:txBody>
+      </p:sp>
+      <p:sp>
+        <p:nvSpPr>
+          <p:cNvPr id="11" name="箭头: 右 10">
+            <a:extLst>
+              <a:ext uri="{FF2B5EF4-FFF2-40B4-BE49-F238E27FC236}">
+                <a16:creationId xmlns:a16="http://schemas.microsoft.com/office/drawing/2014/main" id="{09A665D0-AA57-921B-7712-44A5797FDAFC}"/>
+              </a:ext>
+            </a:extLst>
+          </p:cNvPr>
+          <p:cNvSpPr/>
+          <p:nvPr/>
+        </p:nvSpPr>
+        <p:spPr>
+          <a:xfrm rot="5400000">
+            <a:off x="7761377" y="4117235"/>
+            <a:ext cx="389994" cy="240861"/>
+          </a:xfrm>
+          <a:prstGeom prst="rightArrow">
+            <a:avLst>
+              <a:gd name="adj1" fmla="val 35703"/>
+              <a:gd name="adj2" fmla="val 50000"/>
+            </a:avLst>
+          </a:prstGeom>
+        </p:spPr>
+        <p:style>
+          <a:lnRef idx="2">
+            <a:schemeClr val="accent1">
+              <a:shade val="50000"/>
+            </a:schemeClr>
+          </a:lnRef>
+          <a:fillRef idx="1">
+            <a:schemeClr val="accent1"/>
+          </a:fillRef>
+          <a:effectRef idx="0">
+            <a:schemeClr val="accent1"/>
+          </a:effectRef>
+          <a:fontRef idx="minor">
+            <a:schemeClr val="lt1"/>
+          </a:fontRef>
+        </p:style>
+        <p:txBody>
+          <a:bodyPr rtlCol="0" anchor="ctr"/>
+          <a:lstStyle/>
+          <a:p>
+            <a:pPr algn="ctr"/>
+            <a:endParaRPr lang="zh-CN" altLang="en-US"/>
+          </a:p>
+        </p:txBody>
+      </p:sp>
+      <p:graphicFrame>
+        <p:nvGraphicFramePr>
+          <p:cNvPr id="13" name="对象 12">
+            <a:extLst>
+              <a:ext uri="{FF2B5EF4-FFF2-40B4-BE49-F238E27FC236}">
+                <a16:creationId xmlns:a16="http://schemas.microsoft.com/office/drawing/2014/main" id="{5ECC8ED1-E266-F7DD-E197-E7827C849342}"/>
+              </a:ext>
+            </a:extLst>
+          </p:cNvPr>
+          <p:cNvGraphicFramePr>
+            <a:graphicFrameLocks noChangeAspect="1"/>
+          </p:cNvGraphicFramePr>
+          <p:nvPr>
+            <p:extLst>
+              <p:ext uri="{D42A27DB-BD31-4B8C-83A1-F6EECF244321}">
+                <p14:modId xmlns:p14="http://schemas.microsoft.com/office/powerpoint/2010/main" val="23555207"/>
+              </p:ext>
+            </p:extLst>
+          </p:nvPr>
+        </p:nvGraphicFramePr>
+        <p:xfrm>
+          <a:off x="703754" y="2552340"/>
+          <a:ext cx="2592288" cy="613963"/>
+        </p:xfrm>
+        <a:graphic>
+          <a:graphicData uri="http://schemas.openxmlformats.org/presentationml/2006/ole">
+            <mc:AlternateContent xmlns:mc="http://schemas.openxmlformats.org/markup-compatibility/2006">
+              <mc:Choice xmlns:v="urn:schemas-microsoft-com:vml" Requires="v">
+                <p:oleObj name="AxMath" r:id="rId5" imgW="964440" imgH="228600" progId="Equation.AxMath">
+                  <p:embed/>
+                </p:oleObj>
+              </mc:Choice>
+              <mc:Fallback>
+                <p:oleObj name="AxMath" r:id="rId5" imgW="964440" imgH="228600" progId="Equation.AxMath">
+                  <p:embed/>
+                  <p:pic>
+                    <p:nvPicPr>
+                      <p:cNvPr id="2" name="对象 1">
+                        <a:extLst>
+                          <a:ext uri="{FF2B5EF4-FFF2-40B4-BE49-F238E27FC236}">
+                            <a16:creationId xmlns:a16="http://schemas.microsoft.com/office/drawing/2014/main" id="{03AA2910-92AF-82BE-EF6E-E9E1A499F8D1}"/>
+                          </a:ext>
+                        </a:extLst>
+                      </p:cNvPr>
+                      <p:cNvPicPr/>
+                      <p:nvPr/>
+                    </p:nvPicPr>
+                    <p:blipFill>
+                      <a:blip r:embed="rId6"/>
+                      <a:stretch>
+                        <a:fillRect/>
+                      </a:stretch>
+                    </p:blipFill>
+                    <p:spPr>
+                      <a:xfrm>
+                        <a:off x="703754" y="2552340"/>
+                        <a:ext cx="2592288" cy="613963"/>
+                      </a:xfrm>
+                      <a:prstGeom prst="rect">
+                        <a:avLst/>
+                      </a:prstGeom>
+                    </p:spPr>
+                  </p:pic>
+                </p:oleObj>
+              </mc:Fallback>
+            </mc:AlternateContent>
+          </a:graphicData>
+        </a:graphic>
+      </p:graphicFrame>
+      <p:graphicFrame>
+        <p:nvGraphicFramePr>
+          <p:cNvPr id="14" name="对象 13">
+            <a:extLst>
+              <a:ext uri="{FF2B5EF4-FFF2-40B4-BE49-F238E27FC236}">
+                <a16:creationId xmlns:a16="http://schemas.microsoft.com/office/drawing/2014/main" id="{FC74D202-C85E-562B-11CD-4B1697C3FA64}"/>
+              </a:ext>
+            </a:extLst>
+          </p:cNvPr>
+          <p:cNvGraphicFramePr>
+            <a:graphicFrameLocks noChangeAspect="1"/>
+          </p:cNvGraphicFramePr>
+          <p:nvPr>
+            <p:extLst>
+              <p:ext uri="{D42A27DB-BD31-4B8C-83A1-F6EECF244321}">
+                <p14:modId xmlns:p14="http://schemas.microsoft.com/office/powerpoint/2010/main" val="3627517926"/>
+              </p:ext>
+            </p:extLst>
+          </p:nvPr>
+        </p:nvGraphicFramePr>
+        <p:xfrm>
+          <a:off x="1300003" y="4395014"/>
+          <a:ext cx="1399790" cy="634281"/>
+        </p:xfrm>
+        <a:graphic>
+          <a:graphicData uri="http://schemas.openxmlformats.org/presentationml/2006/ole">
+            <mc:AlternateContent xmlns:mc="http://schemas.openxmlformats.org/markup-compatibility/2006">
+              <mc:Choice xmlns:v="urn:schemas-microsoft-com:vml" Requires="v">
+                <p:oleObj name="AxMath" r:id="rId7" imgW="508320" imgH="230760" progId="Equation.AxMath">
+                  <p:embed/>
+                </p:oleObj>
+              </mc:Choice>
+              <mc:Fallback>
+                <p:oleObj name="AxMath" r:id="rId7" imgW="508320" imgH="230760" progId="Equation.AxMath">
+                  <p:embed/>
+                  <p:pic>
+                    <p:nvPicPr>
+                      <p:cNvPr id="0" name=""/>
+                      <p:cNvPicPr/>
+                      <p:nvPr/>
+                    </p:nvPicPr>
+                    <p:blipFill>
+                      <a:blip r:embed="rId8"/>
+                      <a:stretch>
+                        <a:fillRect/>
+                      </a:stretch>
+                    </p:blipFill>
+                    <p:spPr>
+                      <a:xfrm>
+                        <a:off x="1300003" y="4395014"/>
+                        <a:ext cx="1399790" cy="634281"/>
+                      </a:xfrm>
+                      <a:prstGeom prst="rect">
+                        <a:avLst/>
+                      </a:prstGeom>
+                    </p:spPr>
+                  </p:pic>
+                </p:oleObj>
+              </mc:Fallback>
+            </mc:AlternateContent>
+          </a:graphicData>
+        </a:graphic>
+      </p:graphicFrame>
+      <p:sp>
+        <p:nvSpPr>
+          <p:cNvPr id="15" name="箭头: 下 14">
+            <a:extLst>
+              <a:ext uri="{FF2B5EF4-FFF2-40B4-BE49-F238E27FC236}">
+                <a16:creationId xmlns:a16="http://schemas.microsoft.com/office/drawing/2014/main" id="{2074D929-B6A7-EA51-D6BE-7C822FF3FBB1}"/>
+              </a:ext>
+            </a:extLst>
+          </p:cNvPr>
+          <p:cNvSpPr/>
+          <p:nvPr/>
+        </p:nvSpPr>
+        <p:spPr>
+          <a:xfrm>
+            <a:off x="1927890" y="3085717"/>
+            <a:ext cx="240862" cy="1322452"/>
+          </a:xfrm>
+          <a:prstGeom prst="downArrow">
+            <a:avLst/>
+          </a:prstGeom>
+        </p:spPr>
+        <p:style>
+          <a:lnRef idx="2">
+            <a:schemeClr val="accent1">
+              <a:shade val="50000"/>
+            </a:schemeClr>
+          </a:lnRef>
+          <a:fillRef idx="1">
+            <a:schemeClr val="accent1"/>
+          </a:fillRef>
+          <a:effectRef idx="0">
+            <a:schemeClr val="accent1"/>
+          </a:effectRef>
+          <a:fontRef idx="minor">
+            <a:schemeClr val="lt1"/>
+          </a:fontRef>
+        </p:style>
+        <p:txBody>
+          <a:bodyPr rtlCol="0" anchor="ctr"/>
+          <a:lstStyle/>
+          <a:p>
+            <a:pPr algn="ctr"/>
+            <a:endParaRPr lang="zh-CN" altLang="en-US"/>
+          </a:p>
+        </p:txBody>
+      </p:sp>
+      <p:sp>
+        <p:nvSpPr>
+          <p:cNvPr id="16" name="文本框 15">
+            <a:extLst>
+              <a:ext uri="{FF2B5EF4-FFF2-40B4-BE49-F238E27FC236}">
+                <a16:creationId xmlns:a16="http://schemas.microsoft.com/office/drawing/2014/main" id="{3E369D8D-6463-46EA-9563-CC0ED1C62A34}"/>
+              </a:ext>
+            </a:extLst>
+          </p:cNvPr>
+          <p:cNvSpPr txBox="1"/>
+          <p:nvPr/>
+        </p:nvSpPr>
+        <p:spPr>
+          <a:xfrm>
+            <a:off x="2699792" y="3562277"/>
+            <a:ext cx="2825095" cy="400110"/>
+          </a:xfrm>
+          <a:prstGeom prst="rect">
+            <a:avLst/>
+          </a:prstGeom>
+          <a:noFill/>
+        </p:spPr>
+        <p:txBody>
+          <a:bodyPr wrap="square" rtlCol="0">
+            <a:spAutoFit/>
+          </a:bodyPr>
+          <a:lstStyle/>
+          <a:p>
+            <a:r>
+              <a:rPr lang="zh-CN" altLang="en-US" sz="2000" dirty="0"/>
+              <a:t>目标：</a:t>
+            </a:r>
+            <a:r>
+              <a:rPr lang="zh-CN" altLang="en-US" sz="2000" b="1" dirty="0">
+                <a:effectLst>
+                  <a:outerShdw blurRad="38100" dist="38100" dir="2700000" algn="tl">
+                    <a:srgbClr val="000000">
+                      <a:alpha val="43137"/>
+                    </a:srgbClr>
+                  </a:outerShdw>
+                </a:effectLst>
+              </a:rPr>
+              <a:t>残差平方和</a:t>
+            </a:r>
+            <a:r>
+              <a:rPr lang="zh-CN" altLang="en-US" sz="2000" dirty="0"/>
+              <a:t>最小</a:t>
+            </a:r>
+          </a:p>
+        </p:txBody>
+      </p:sp>
+    </p:spTree>
+    <p:extLst>
+      <p:ext uri="{BB962C8B-B14F-4D97-AF65-F5344CB8AC3E}">
+        <p14:creationId xmlns:p14="http://schemas.microsoft.com/office/powerpoint/2010/main" val="3747822543"/>
+      </p:ext>
+    </p:extLst>
+  </p:cSld>
+  <p:clrMapOvr>
+    <a:masterClrMapping/>
+  </p:clrMapOvr>
+  <mc:AlternateContent xmlns:mc="http://schemas.openxmlformats.org/markup-compatibility/2006" xmlns:p159="http://schemas.microsoft.com/office/powerpoint/2015/09/main">
+    <mc:Choice Requires="p159">
+      <p:transition spd="med">
+        <p159:morph option="byWord"/>
+      </p:transition>
+    </mc:Choice>
+    <mc:Fallback xmlns="">
+      <p:transition spd="med">
+        <p:fade/>
+      </p:transition>
+    </mc:Fallback>
+  </mc:AlternateContent>
+  <p:timing>
+    <p:tnLst>
+      <p:par>
+        <p:cTn id="1" dur="indefinite" restart="never" nodeType="tmRoot">
+          <p:childTnLst>
+            <p:seq concurrent="1" nextAc="seek">
+              <p:cTn id="2" dur="indefinite" nodeType="mainSeq">
+                <p:childTnLst>
+                  <p:par>
+                    <p:cTn id="3" fill="hold">
+                      <p:stCondLst>
+                        <p:cond delay="indefinite"/>
+                      </p:stCondLst>
+                      <p:childTnLst>
+                        <p:par>
+                          <p:cTn id="4" fill="hold">
+                            <p:stCondLst>
+                              <p:cond delay="0"/>
+                            </p:stCondLst>
+                            <p:childTnLst>
+                              <p:par>
+                                <p:cTn id="5" presetID="1" presetClass="entr" presetSubtype="0" fill="hold" nodeType="clickEffect">
+                                  <p:stCondLst>
+                                    <p:cond delay="0"/>
+                                  </p:stCondLst>
+                                  <p:childTnLst>
+                                    <p:set>
+                                      <p:cBhvr>
+                                        <p:cTn id="6" dur="1" fill="hold">
+                                          <p:stCondLst>
+                                            <p:cond delay="0"/>
+                                          </p:stCondLst>
+                                        </p:cTn>
+                                        <p:tgtEl>
+                                          <p:spTgt spid="13"/>
+                                        </p:tgtEl>
+                                        <p:attrNameLst>
+                                          <p:attrName>style.visibility</p:attrName>
+                                        </p:attrNameLst>
+                                      </p:cBhvr>
+                                      <p:to>
+                                        <p:strVal val="visible"/>
+                                      </p:to>
+                                    </p:set>
+                                  </p:childTnLst>
+                                </p:cTn>
+                              </p:par>
+                              <p:par>
+                                <p:cTn id="7" presetID="1" presetClass="entr" presetSubtype="0" fill="hold" nodeType="withEffect">
+                                  <p:stCondLst>
+                                    <p:cond delay="0"/>
+                                  </p:stCondLst>
+                                  <p:childTnLst>
+                                    <p:set>
+                                      <p:cBhvr>
+                                        <p:cTn id="8" dur="1" fill="hold">
+                                          <p:stCondLst>
+                                            <p:cond delay="0"/>
+                                          </p:stCondLst>
+                                        </p:cTn>
+                                        <p:tgtEl>
+                                          <p:spTgt spid="14"/>
+                                        </p:tgtEl>
+                                        <p:attrNameLst>
+                                          <p:attrName>style.visibility</p:attrName>
+                                        </p:attrNameLst>
+                                      </p:cBhvr>
+                                      <p:to>
+                                        <p:strVal val="visible"/>
+                                      </p:to>
+                                    </p:set>
+                                  </p:childTnLst>
+                                </p:cTn>
+                              </p:par>
+                              <p:par>
+                                <p:cTn id="9" presetID="1" presetClass="entr" presetSubtype="0" fill="hold" grpId="0" nodeType="withEffect">
+                                  <p:stCondLst>
+                                    <p:cond delay="0"/>
+                                  </p:stCondLst>
+                                  <p:childTnLst>
+                                    <p:set>
+                                      <p:cBhvr>
+                                        <p:cTn id="10" dur="1" fill="hold">
+                                          <p:stCondLst>
+                                            <p:cond delay="0"/>
+                                          </p:stCondLst>
+                                        </p:cTn>
+                                        <p:tgtEl>
+                                          <p:spTgt spid="15"/>
+                                        </p:tgtEl>
+                                        <p:attrNameLst>
+                                          <p:attrName>style.visibility</p:attrName>
+                                        </p:attrNameLst>
+                                      </p:cBhvr>
+                                      <p:to>
+                                        <p:strVal val="visible"/>
+                                      </p:to>
+                                    </p:set>
+                                  </p:childTnLst>
+                                </p:cTn>
+                              </p:par>
+                              <p:par>
+                                <p:cTn id="11" presetID="1" presetClass="entr" presetSubtype="0" fill="hold" grpId="0" nodeType="withEffect">
+                                  <p:stCondLst>
+                                    <p:cond delay="0"/>
+                                  </p:stCondLst>
+                                  <p:childTnLst>
+                                    <p:set>
+                                      <p:cBhvr>
+                                        <p:cTn id="12" dur="1" fill="hold">
+                                          <p:stCondLst>
+                                            <p:cond delay="0"/>
+                                          </p:stCondLst>
+                                        </p:cTn>
+                                        <p:tgtEl>
+                                          <p:spTgt spid="16"/>
+                                        </p:tgtEl>
+                                        <p:attrNameLst>
+                                          <p:attrName>style.visibility</p:attrName>
+                                        </p:attrNameLst>
+                                      </p:cBhvr>
+                                      <p:to>
+                                        <p:strVal val="visible"/>
+                                      </p:to>
+                                    </p:set>
+                                  </p:childTnLst>
+                                </p:cTn>
+                              </p:par>
+                            </p:childTnLst>
+                          </p:cTn>
+                        </p:par>
+                      </p:childTnLst>
+                    </p:cTn>
+                  </p:par>
+                </p:childTnLst>
+              </p:cTn>
+              <p:prevCondLst>
+                <p:cond evt="onPrev" delay="0">
+                  <p:tgtEl>
+                    <p:sldTgt/>
+                  </p:tgtEl>
+                </p:cond>
+              </p:prevCondLst>
+              <p:nextCondLst>
+                <p:cond evt="onNext" delay="0">
+                  <p:tgtEl>
+                    <p:sldTgt/>
+                  </p:tgtEl>
+                </p:cond>
+              </p:nextCondLst>
+            </p:seq>
+          </p:childTnLst>
+        </p:cTn>
+      </p:par>
+    </p:tnLst>
+    <p:bldLst>
+      <p:bldP spid="15" grpId="0" animBg="1"/>
+      <p:bldP spid="16" grpId="0"/>
+    </p:bldLst>
+  </p:timing>
+</p:sld>
+</file>
+
+<file path=ppt/slides/slide16.xml><?xml version="1.0" encoding="utf-8"?>
+<p:sld xmlns:a="http://schemas.openxmlformats.org/drawingml/2006/main" xmlns:r="http://schemas.openxmlformats.org/officeDocument/2006/relationships" xmlns:p="http://schemas.openxmlformats.org/presentationml/2006/main">
+  <p:cSld>
+    <p:spTree>
+      <p:nvGrpSpPr>
+        <p:cNvPr id="1" name=""/>
+        <p:cNvGrpSpPr/>
+        <p:nvPr/>
+      </p:nvGrpSpPr>
+      <p:grpSpPr>
+        <a:xfrm>
+          <a:off x="0" y="0"/>
+          <a:ext cx="0" cy="0"/>
+          <a:chOff x="0" y="0"/>
+          <a:chExt cx="0" cy="0"/>
+        </a:xfrm>
+      </p:grpSpPr>
+      <p:sp>
+        <p:nvSpPr>
+          <p:cNvPr id="12" name="矩形 2">
+            <a:extLst>
+              <a:ext uri="{FF2B5EF4-FFF2-40B4-BE49-F238E27FC236}">
+                <a16:creationId xmlns:a16="http://schemas.microsoft.com/office/drawing/2014/main" id="{01D1EA62-D4B9-4AA3-A630-1C26AB4845D5}"/>
+              </a:ext>
+            </a:extLst>
+          </p:cNvPr>
+          <p:cNvSpPr/>
+          <p:nvPr>
+            <p:custDataLst>
+              <p:tags r:id="rId1"/>
+            </p:custDataLst>
+          </p:nvPr>
+        </p:nvSpPr>
+        <p:spPr>
+          <a:xfrm>
+            <a:off x="4665810" y="49008"/>
+            <a:ext cx="4199426" cy="376555"/>
+          </a:xfrm>
+          <a:prstGeom prst="rect">
+            <a:avLst/>
+          </a:prstGeom>
+          <a:solidFill>
+            <a:schemeClr val="bg1"/>
+          </a:solidFill>
+          <a:ln w="25400">
+            <a:noFill/>
+          </a:ln>
+        </p:spPr>
+        <p:txBody>
+          <a:bodyPr wrap="square">
+            <a:noAutofit/>
+          </a:bodyPr>
+          <a:lstStyle/>
+          <a:p>
+            <a:pPr algn="r"/>
+            <a:r>
+              <a:rPr lang="zh-CN" altLang="en-US" sz="2400" b="1" dirty="0">
+                <a:solidFill>
+                  <a:schemeClr val="accent1">
+                    <a:lumMod val="75000"/>
+                  </a:schemeClr>
+                </a:solidFill>
+                <a:latin typeface="微软雅黑" panose="020B0503020204020204" pitchFamily="34" charset="-122"/>
+                <a:ea typeface="微软雅黑" panose="020B0503020204020204" pitchFamily="34" charset="-122"/>
+              </a:rPr>
+              <a:t>最小二乘法的四大变式</a:t>
+            </a:r>
+            <a:r>
+              <a:rPr lang="en-US" altLang="zh-CN" sz="2400" b="1" dirty="0">
+                <a:solidFill>
+                  <a:schemeClr val="accent1">
+                    <a:lumMod val="75000"/>
+                  </a:schemeClr>
+                </a:solidFill>
+                <a:latin typeface="微软雅黑" panose="020B0503020204020204" pitchFamily="34" charset="-122"/>
+                <a:ea typeface="微软雅黑" panose="020B0503020204020204" pitchFamily="34" charset="-122"/>
+              </a:rPr>
+              <a:t>(2/9)</a:t>
+            </a:r>
+            <a:endParaRPr lang="zh-CN" altLang="en-US" sz="2400" b="1" dirty="0">
+              <a:solidFill>
+                <a:schemeClr val="accent1">
+                  <a:lumMod val="75000"/>
+                </a:schemeClr>
+              </a:solidFill>
+              <a:latin typeface="微软雅黑" panose="020B0503020204020204" pitchFamily="34" charset="-122"/>
+              <a:ea typeface="微软雅黑" panose="020B0503020204020204" pitchFamily="34" charset="-122"/>
+            </a:endParaRPr>
+          </a:p>
+        </p:txBody>
+      </p:sp>
+      <p:sp>
+        <p:nvSpPr>
+          <p:cNvPr id="2" name="TextBox 11">
+            <a:extLst>
+              <a:ext uri="{FF2B5EF4-FFF2-40B4-BE49-F238E27FC236}">
+                <a16:creationId xmlns:a16="http://schemas.microsoft.com/office/drawing/2014/main" id="{961BEFA3-6099-D095-71EA-8E04B5D41F2D}"/>
+              </a:ext>
+            </a:extLst>
+          </p:cNvPr>
+          <p:cNvSpPr txBox="1"/>
+          <p:nvPr>
+            <p:custDataLst>
+              <p:tags r:id="rId2"/>
+            </p:custDataLst>
+          </p:nvPr>
+        </p:nvSpPr>
+        <p:spPr>
+          <a:xfrm>
+            <a:off x="65933" y="998284"/>
+            <a:ext cx="6699590" cy="2677656"/>
+          </a:xfrm>
+          <a:prstGeom prst="rect">
+            <a:avLst/>
+          </a:prstGeom>
+          <a:noFill/>
+        </p:spPr>
+        <p:txBody>
+          <a:bodyPr vert="horz" wrap="square" rtlCol="0">
+            <a:spAutoFit/>
+          </a:bodyPr>
+          <a:lstStyle/>
+          <a:p>
+            <a:pPr marL="342900" indent="-342900" fontAlgn="b">
+              <a:buFont typeface="Wingdings" panose="05000000000000000000" pitchFamily="2" charset="2"/>
+              <a:buChar char="u"/>
+            </a:pPr>
+            <a:r>
+              <a:rPr lang="zh-CN" altLang="en-US" sz="2400" b="1" dirty="0">
+                <a:solidFill>
+                  <a:schemeClr val="tx2">
+                    <a:lumMod val="75000"/>
+                  </a:schemeClr>
+                </a:solidFill>
+                <a:latin typeface="微软雅黑" panose="020B0503020204020204" pitchFamily="34" charset="-122"/>
+                <a:ea typeface="微软雅黑" panose="020B0503020204020204" pitchFamily="34" charset="-122"/>
+              </a:rPr>
+              <a:t>问题：</a:t>
+            </a:r>
+            <a:endParaRPr lang="en-US" altLang="zh-CN" sz="2400" b="1" dirty="0">
+              <a:solidFill>
+                <a:schemeClr val="tx2">
+                  <a:lumMod val="75000"/>
+                </a:schemeClr>
+              </a:solidFill>
+              <a:latin typeface="微软雅黑" panose="020B0503020204020204" pitchFamily="34" charset="-122"/>
+              <a:ea typeface="微软雅黑" panose="020B0503020204020204" pitchFamily="34" charset="-122"/>
+            </a:endParaRPr>
+          </a:p>
+          <a:p>
+            <a:pPr marL="800100" lvl="1" indent="-342900" fontAlgn="b">
+              <a:buFont typeface="Wingdings" panose="05000000000000000000" pitchFamily="2" charset="2"/>
+              <a:buChar char="u"/>
+            </a:pPr>
+            <a:r>
+              <a:rPr lang="zh-CN" altLang="en-US" sz="2400" b="1" dirty="0">
+                <a:solidFill>
+                  <a:schemeClr val="tx2">
+                    <a:lumMod val="75000"/>
+                  </a:schemeClr>
+                </a:solidFill>
+                <a:latin typeface="微软雅黑" panose="020B0503020204020204" pitchFamily="34" charset="-122"/>
+                <a:ea typeface="微软雅黑" panose="020B0503020204020204" pitchFamily="34" charset="-122"/>
+              </a:rPr>
+              <a:t>各组</a:t>
+            </a:r>
+            <a:r>
+              <a:rPr lang="en-US" altLang="zh-CN" sz="2400" b="1" dirty="0">
+                <a:solidFill>
+                  <a:schemeClr val="tx2">
+                    <a:lumMod val="75000"/>
+                  </a:schemeClr>
+                </a:solidFill>
+                <a:latin typeface="微软雅黑" panose="020B0503020204020204" pitchFamily="34" charset="-122"/>
+                <a:ea typeface="微软雅黑" panose="020B0503020204020204" pitchFamily="34" charset="-122"/>
+              </a:rPr>
+              <a:t>(</a:t>
+            </a:r>
+            <a:r>
+              <a:rPr lang="en-US" altLang="zh-CN" sz="2400" b="1" dirty="0" err="1">
+                <a:solidFill>
+                  <a:schemeClr val="tx2">
+                    <a:lumMod val="75000"/>
+                  </a:schemeClr>
+                </a:solidFill>
+                <a:latin typeface="微软雅黑" panose="020B0503020204020204" pitchFamily="34" charset="-122"/>
+                <a:ea typeface="微软雅黑" panose="020B0503020204020204" pitchFamily="34" charset="-122"/>
+              </a:rPr>
+              <a:t>Xn</a:t>
+            </a:r>
+            <a:r>
+              <a:rPr lang="en-US" altLang="zh-CN" sz="2400" b="1" dirty="0">
+                <a:solidFill>
+                  <a:schemeClr val="tx2">
+                    <a:lumMod val="75000"/>
+                  </a:schemeClr>
+                </a:solidFill>
+                <a:latin typeface="微软雅黑" panose="020B0503020204020204" pitchFamily="34" charset="-122"/>
+                <a:ea typeface="微软雅黑" panose="020B0503020204020204" pitchFamily="34" charset="-122"/>
+              </a:rPr>
+              <a:t>, </a:t>
+            </a:r>
+            <a:r>
+              <a:rPr lang="en-US" altLang="zh-CN" sz="2400" b="1" dirty="0" err="1">
+                <a:solidFill>
+                  <a:schemeClr val="tx2">
+                    <a:lumMod val="75000"/>
+                  </a:schemeClr>
+                </a:solidFill>
+                <a:latin typeface="微软雅黑" panose="020B0503020204020204" pitchFamily="34" charset="-122"/>
+                <a:ea typeface="微软雅黑" panose="020B0503020204020204" pitchFamily="34" charset="-122"/>
+              </a:rPr>
+              <a:t>Yn</a:t>
+            </a:r>
+            <a:r>
+              <a:rPr lang="en-US" altLang="zh-CN" sz="2400" b="1" dirty="0">
+                <a:solidFill>
+                  <a:schemeClr val="tx2">
+                    <a:lumMod val="75000"/>
+                  </a:schemeClr>
+                </a:solidFill>
+                <a:latin typeface="微软雅黑" panose="020B0503020204020204" pitchFamily="34" charset="-122"/>
+                <a:ea typeface="微软雅黑" panose="020B0503020204020204" pitchFamily="34" charset="-122"/>
+              </a:rPr>
+              <a:t>)</a:t>
+            </a:r>
+            <a:r>
+              <a:rPr lang="zh-CN" altLang="en-US" sz="2400" b="1" dirty="0">
+                <a:solidFill>
+                  <a:schemeClr val="tx2">
+                    <a:lumMod val="75000"/>
+                  </a:schemeClr>
+                </a:solidFill>
+                <a:latin typeface="微软雅黑" panose="020B0503020204020204" pitchFamily="34" charset="-122"/>
+                <a:ea typeface="微软雅黑" panose="020B0503020204020204" pitchFamily="34" charset="-122"/>
+              </a:rPr>
+              <a:t>的精度各不相同</a:t>
+            </a:r>
+            <a:endParaRPr lang="en-US" altLang="zh-CN" sz="2400" b="1" dirty="0">
+              <a:solidFill>
+                <a:schemeClr val="tx2">
+                  <a:lumMod val="75000"/>
+                </a:schemeClr>
+              </a:solidFill>
+              <a:latin typeface="微软雅黑" panose="020B0503020204020204" pitchFamily="34" charset="-122"/>
+              <a:ea typeface="微软雅黑" panose="020B0503020204020204" pitchFamily="34" charset="-122"/>
+            </a:endParaRPr>
+          </a:p>
+          <a:p>
+            <a:pPr marL="800100" lvl="1" indent="-342900" fontAlgn="b">
+              <a:buFont typeface="Wingdings" panose="05000000000000000000" pitchFamily="2" charset="2"/>
+              <a:buChar char="u"/>
+            </a:pPr>
+            <a:r>
+              <a:rPr lang="zh-CN" altLang="en-US" sz="2400" b="1" dirty="0">
+                <a:solidFill>
+                  <a:schemeClr val="tx2">
+                    <a:lumMod val="75000"/>
+                  </a:schemeClr>
+                </a:solidFill>
+                <a:latin typeface="微软雅黑" panose="020B0503020204020204" pitchFamily="34" charset="-122"/>
+                <a:ea typeface="微软雅黑" panose="020B0503020204020204" pitchFamily="34" charset="-122"/>
+              </a:rPr>
+              <a:t>不等精度测量</a:t>
+            </a:r>
+            <a:endParaRPr lang="en-US" altLang="zh-CN" sz="2400" b="1" dirty="0">
+              <a:solidFill>
+                <a:schemeClr val="tx2">
+                  <a:lumMod val="75000"/>
+                </a:schemeClr>
+              </a:solidFill>
+              <a:latin typeface="微软雅黑" panose="020B0503020204020204" pitchFamily="34" charset="-122"/>
+              <a:ea typeface="微软雅黑" panose="020B0503020204020204" pitchFamily="34" charset="-122"/>
+            </a:endParaRPr>
+          </a:p>
+          <a:p>
+            <a:pPr marL="800100" lvl="1" indent="-342900" fontAlgn="b">
+              <a:buFont typeface="Wingdings" panose="05000000000000000000" pitchFamily="2" charset="2"/>
+              <a:buChar char="u"/>
+            </a:pPr>
+            <a:endParaRPr lang="en-US" altLang="zh-CN" sz="2400" b="1" dirty="0">
+              <a:solidFill>
+                <a:schemeClr val="tx2">
+                  <a:lumMod val="75000"/>
+                </a:schemeClr>
+              </a:solidFill>
+              <a:latin typeface="微软雅黑" panose="020B0503020204020204" pitchFamily="34" charset="-122"/>
+              <a:ea typeface="微软雅黑" panose="020B0503020204020204" pitchFamily="34" charset="-122"/>
+            </a:endParaRPr>
+          </a:p>
+          <a:p>
+            <a:pPr marL="342900" indent="-342900" fontAlgn="b">
+              <a:buFont typeface="Wingdings" panose="05000000000000000000" pitchFamily="2" charset="2"/>
+              <a:buChar char="u"/>
+            </a:pPr>
+            <a:r>
+              <a:rPr lang="zh-CN" altLang="en-US" sz="2400" b="1" dirty="0">
+                <a:solidFill>
+                  <a:schemeClr val="tx2">
+                    <a:lumMod val="75000"/>
+                  </a:schemeClr>
+                </a:solidFill>
+                <a:latin typeface="微软雅黑" panose="020B0503020204020204" pitchFamily="34" charset="-122"/>
+                <a:ea typeface="微软雅黑" panose="020B0503020204020204" pitchFamily="34" charset="-122"/>
+              </a:rPr>
+              <a:t>改进：</a:t>
+            </a:r>
+            <a:endParaRPr lang="en-US" altLang="zh-CN" sz="2400" b="1" dirty="0">
+              <a:solidFill>
+                <a:schemeClr val="tx2">
+                  <a:lumMod val="75000"/>
+                </a:schemeClr>
+              </a:solidFill>
+              <a:latin typeface="微软雅黑" panose="020B0503020204020204" pitchFamily="34" charset="-122"/>
+              <a:ea typeface="微软雅黑" panose="020B0503020204020204" pitchFamily="34" charset="-122"/>
+            </a:endParaRPr>
+          </a:p>
+          <a:p>
+            <a:pPr marL="800100" lvl="1" indent="-342900" fontAlgn="b">
+              <a:buFont typeface="Wingdings" panose="05000000000000000000" pitchFamily="2" charset="2"/>
+              <a:buChar char="u"/>
+            </a:pPr>
+            <a:r>
+              <a:rPr lang="zh-CN" altLang="en-US" sz="2400" b="1" u="sng" dirty="0">
+                <a:solidFill>
+                  <a:schemeClr val="tx2">
+                    <a:lumMod val="75000"/>
+                  </a:schemeClr>
+                </a:solidFill>
+                <a:effectLst>
+                  <a:outerShdw blurRad="38100" dist="38100" dir="2700000" algn="tl">
+                    <a:srgbClr val="000000">
+                      <a:alpha val="43137"/>
+                    </a:srgbClr>
+                  </a:outerShdw>
+                </a:effectLst>
+                <a:latin typeface="微软雅黑" panose="020B0503020204020204" pitchFamily="34" charset="-122"/>
+                <a:ea typeface="微软雅黑" panose="020B0503020204020204" pitchFamily="34" charset="-122"/>
+              </a:rPr>
+              <a:t>根据标准差分配权重</a:t>
+            </a:r>
+            <a:r>
+              <a:rPr lang="zh-CN" altLang="en-US" sz="2400" b="1" dirty="0">
+                <a:solidFill>
+                  <a:schemeClr val="tx2">
+                    <a:lumMod val="75000"/>
+                  </a:schemeClr>
+                </a:solidFill>
+                <a:latin typeface="微软雅黑" panose="020B0503020204020204" pitchFamily="34" charset="-122"/>
+                <a:ea typeface="微软雅黑" panose="020B0503020204020204" pitchFamily="34" charset="-122"/>
+              </a:rPr>
+              <a:t>的</a:t>
+            </a:r>
+            <a:r>
+              <a:rPr lang="zh-CN" altLang="en-US" sz="2400" b="1" u="sng" dirty="0">
+                <a:solidFill>
+                  <a:schemeClr val="tx2">
+                    <a:lumMod val="75000"/>
+                  </a:schemeClr>
+                </a:solidFill>
+                <a:effectLst>
+                  <a:outerShdw blurRad="38100" dist="38100" dir="2700000" algn="tl">
+                    <a:srgbClr val="000000">
+                      <a:alpha val="43137"/>
+                    </a:srgbClr>
+                  </a:outerShdw>
+                </a:effectLst>
+                <a:latin typeface="微软雅黑" panose="020B0503020204020204" pitchFamily="34" charset="-122"/>
+                <a:ea typeface="微软雅黑" panose="020B0503020204020204" pitchFamily="34" charset="-122"/>
+              </a:rPr>
+              <a:t>带权最小二乘法</a:t>
+            </a:r>
+            <a:endParaRPr lang="en-US" altLang="zh-CN" sz="2400" b="1" u="sng" dirty="0">
+              <a:solidFill>
+                <a:schemeClr val="tx2">
+                  <a:lumMod val="75000"/>
+                </a:schemeClr>
+              </a:solidFill>
+              <a:effectLst>
+                <a:outerShdw blurRad="38100" dist="38100" dir="2700000" algn="tl">
+                  <a:srgbClr val="000000">
+                    <a:alpha val="43137"/>
+                  </a:srgbClr>
+                </a:outerShdw>
+              </a:effectLst>
+              <a:latin typeface="微软雅黑" panose="020B0503020204020204" pitchFamily="34" charset="-122"/>
+              <a:ea typeface="微软雅黑" panose="020B0503020204020204" pitchFamily="34" charset="-122"/>
+            </a:endParaRPr>
+          </a:p>
+          <a:p>
+            <a:pPr marL="800100" lvl="1" indent="-342900" fontAlgn="b">
+              <a:buFont typeface="Wingdings" panose="05000000000000000000" pitchFamily="2" charset="2"/>
+              <a:buChar char="u"/>
+            </a:pPr>
+            <a:r>
+              <a:rPr lang="en-US" altLang="zh-CN" sz="2400" b="1" dirty="0">
+                <a:solidFill>
+                  <a:schemeClr val="tx2">
+                    <a:lumMod val="75000"/>
+                  </a:schemeClr>
+                </a:solidFill>
+                <a:latin typeface="微软雅黑" panose="020B0503020204020204" pitchFamily="34" charset="-122"/>
+                <a:ea typeface="微软雅黑" panose="020B0503020204020204" pitchFamily="34" charset="-122"/>
+              </a:rPr>
+              <a:t>WLS(</a:t>
+            </a:r>
+            <a:r>
+              <a:rPr lang="en-US" altLang="zh-CN" sz="2400" b="1" u="sng" dirty="0">
+                <a:solidFill>
+                  <a:schemeClr val="tx2">
+                    <a:lumMod val="75000"/>
+                  </a:schemeClr>
+                </a:solidFill>
+                <a:effectLst>
+                  <a:outerShdw blurRad="38100" dist="38100" dir="2700000" algn="tl">
+                    <a:srgbClr val="000000">
+                      <a:alpha val="43137"/>
+                    </a:srgbClr>
+                  </a:outerShdw>
+                </a:effectLst>
+                <a:latin typeface="微软雅黑" panose="020B0503020204020204" pitchFamily="34" charset="-122"/>
+                <a:ea typeface="微软雅黑" panose="020B0503020204020204" pitchFamily="34" charset="-122"/>
+              </a:rPr>
+              <a:t>Weighted</a:t>
+            </a:r>
+            <a:r>
+              <a:rPr lang="en-US" altLang="zh-CN" sz="2400" b="1" dirty="0">
+                <a:solidFill>
+                  <a:schemeClr val="tx2">
+                    <a:lumMod val="75000"/>
+                  </a:schemeClr>
+                </a:solidFill>
+                <a:latin typeface="微软雅黑" panose="020B0503020204020204" pitchFamily="34" charset="-122"/>
+                <a:ea typeface="微软雅黑" panose="020B0503020204020204" pitchFamily="34" charset="-122"/>
+              </a:rPr>
+              <a:t> LS)</a:t>
+            </a:r>
+            <a:endParaRPr lang="zh-CN" altLang="en-US" sz="2400" b="1" dirty="0">
+              <a:solidFill>
+                <a:schemeClr val="tx2">
+                  <a:lumMod val="75000"/>
+                </a:schemeClr>
+              </a:solidFill>
+              <a:latin typeface="微软雅黑" panose="020B0503020204020204" pitchFamily="34" charset="-122"/>
+              <a:ea typeface="微软雅黑" panose="020B0503020204020204" pitchFamily="34" charset="-122"/>
+            </a:endParaRPr>
+          </a:p>
+        </p:txBody>
+      </p:sp>
+      <p:sp>
+        <p:nvSpPr>
+          <p:cNvPr id="4" name="矩形: 圆角 3">
+            <a:extLst>
+              <a:ext uri="{FF2B5EF4-FFF2-40B4-BE49-F238E27FC236}">
+                <a16:creationId xmlns:a16="http://schemas.microsoft.com/office/drawing/2014/main" id="{EA959C72-5560-A904-36E8-B7925FC1FB6B}"/>
+              </a:ext>
+            </a:extLst>
+          </p:cNvPr>
+          <p:cNvSpPr/>
+          <p:nvPr/>
+        </p:nvSpPr>
+        <p:spPr>
+          <a:xfrm>
+            <a:off x="7380312" y="917059"/>
+            <a:ext cx="1152128" cy="648072"/>
+          </a:xfrm>
+          <a:prstGeom prst="roundRect">
+            <a:avLst/>
+          </a:prstGeom>
+          <a:ln>
+            <a:noFill/>
+          </a:ln>
+        </p:spPr>
+        <p:style>
+          <a:lnRef idx="2">
+            <a:schemeClr val="accent1">
+              <a:shade val="50000"/>
+            </a:schemeClr>
+          </a:lnRef>
+          <a:fillRef idx="1">
+            <a:schemeClr val="accent1"/>
+          </a:fillRef>
+          <a:effectRef idx="0">
+            <a:schemeClr val="accent1"/>
+          </a:effectRef>
+          <a:fontRef idx="minor">
+            <a:schemeClr val="lt1"/>
+          </a:fontRef>
+        </p:style>
+        <p:txBody>
+          <a:bodyPr rtlCol="0" anchor="ctr"/>
+          <a:lstStyle/>
+          <a:p>
+            <a:pPr algn="ctr"/>
+            <a:r>
+              <a:rPr lang="en-US" altLang="zh-CN" sz="2800" b="1" dirty="0">
+                <a:solidFill>
+                  <a:schemeClr val="tx2">
+                    <a:lumMod val="40000"/>
+                    <a:lumOff val="60000"/>
+                  </a:schemeClr>
+                </a:solidFill>
+              </a:rPr>
+              <a:t>OLS</a:t>
+            </a:r>
+            <a:endParaRPr lang="zh-CN" altLang="en-US" sz="2800" b="1" dirty="0">
+              <a:solidFill>
+                <a:schemeClr val="tx2">
+                  <a:lumMod val="40000"/>
+                  <a:lumOff val="60000"/>
+                </a:schemeClr>
+              </a:solidFill>
+            </a:endParaRPr>
+          </a:p>
+        </p:txBody>
+      </p:sp>
+      <p:sp>
+        <p:nvSpPr>
+          <p:cNvPr id="5" name="矩形: 圆角 4">
+            <a:extLst>
+              <a:ext uri="{FF2B5EF4-FFF2-40B4-BE49-F238E27FC236}">
+                <a16:creationId xmlns:a16="http://schemas.microsoft.com/office/drawing/2014/main" id="{D0C1DD57-63D3-C18C-5579-4B885B6EFF71}"/>
+              </a:ext>
+            </a:extLst>
+          </p:cNvPr>
+          <p:cNvSpPr/>
+          <p:nvPr/>
+        </p:nvSpPr>
+        <p:spPr>
+          <a:xfrm>
+            <a:off x="7387128" y="2115687"/>
+            <a:ext cx="1152128" cy="648072"/>
+          </a:xfrm>
+          <a:prstGeom prst="roundRect">
+            <a:avLst/>
+          </a:prstGeom>
+          <a:ln>
+            <a:noFill/>
+          </a:ln>
+        </p:spPr>
+        <p:style>
+          <a:lnRef idx="2">
+            <a:schemeClr val="accent1">
+              <a:shade val="50000"/>
+            </a:schemeClr>
+          </a:lnRef>
+          <a:fillRef idx="1">
+            <a:schemeClr val="accent1"/>
+          </a:fillRef>
+          <a:effectRef idx="0">
+            <a:schemeClr val="accent1"/>
+          </a:effectRef>
+          <a:fontRef idx="minor">
+            <a:schemeClr val="lt1"/>
+          </a:fontRef>
+        </p:style>
+        <p:txBody>
+          <a:bodyPr rtlCol="0" anchor="ctr"/>
+          <a:lstStyle/>
+          <a:p>
+            <a:pPr algn="ctr"/>
+            <a:r>
+              <a:rPr lang="en-US" altLang="zh-CN" sz="2800" b="1" dirty="0">
+                <a:effectLst>
+                  <a:outerShdw blurRad="38100" dist="38100" dir="2700000" algn="tl">
+                    <a:srgbClr val="000000">
+                      <a:alpha val="43137"/>
+                    </a:srgbClr>
+                  </a:outerShdw>
+                </a:effectLst>
+              </a:rPr>
+              <a:t>WLS</a:t>
+            </a:r>
+            <a:endParaRPr lang="zh-CN" altLang="en-US" sz="2800" b="1" dirty="0">
+              <a:effectLst>
+                <a:outerShdw blurRad="38100" dist="38100" dir="2700000" algn="tl">
+                  <a:srgbClr val="000000">
+                    <a:alpha val="43137"/>
+                  </a:srgbClr>
+                </a:outerShdw>
+              </a:effectLst>
+            </a:endParaRPr>
+          </a:p>
+        </p:txBody>
+      </p:sp>
+      <p:sp>
+        <p:nvSpPr>
+          <p:cNvPr id="7" name="矩形: 圆角 6">
+            <a:extLst>
+              <a:ext uri="{FF2B5EF4-FFF2-40B4-BE49-F238E27FC236}">
+                <a16:creationId xmlns:a16="http://schemas.microsoft.com/office/drawing/2014/main" id="{64943B9A-F4B7-F2C0-E2E5-1C4C23C43EC1}"/>
+              </a:ext>
+            </a:extLst>
+          </p:cNvPr>
+          <p:cNvSpPr/>
+          <p:nvPr/>
+        </p:nvSpPr>
+        <p:spPr>
+          <a:xfrm>
+            <a:off x="7380312" y="3314315"/>
+            <a:ext cx="1152128" cy="648072"/>
+          </a:xfrm>
+          <a:prstGeom prst="roundRect">
+            <a:avLst/>
+          </a:prstGeom>
+          <a:ln>
+            <a:noFill/>
+          </a:ln>
+        </p:spPr>
+        <p:style>
+          <a:lnRef idx="2">
+            <a:schemeClr val="accent1">
+              <a:shade val="50000"/>
+            </a:schemeClr>
+          </a:lnRef>
+          <a:fillRef idx="1">
+            <a:schemeClr val="accent1"/>
+          </a:fillRef>
+          <a:effectRef idx="0">
+            <a:schemeClr val="accent1"/>
+          </a:effectRef>
+          <a:fontRef idx="minor">
+            <a:schemeClr val="lt1"/>
+          </a:fontRef>
+        </p:style>
+        <p:txBody>
+          <a:bodyPr rtlCol="0" anchor="ctr"/>
+          <a:lstStyle/>
+          <a:p>
+            <a:pPr algn="ctr"/>
+            <a:r>
+              <a:rPr lang="en-US" altLang="zh-CN" sz="2800" b="1" dirty="0">
+                <a:effectLst>
+                  <a:outerShdw blurRad="38100" dist="38100" dir="2700000" algn="tl">
+                    <a:srgbClr val="000000">
+                      <a:alpha val="43137"/>
+                    </a:srgbClr>
+                  </a:outerShdw>
+                </a:effectLst>
+              </a:rPr>
+              <a:t>?</a:t>
+            </a:r>
+            <a:endParaRPr lang="zh-CN" altLang="en-US" sz="2800" b="1" dirty="0">
+              <a:effectLst>
+                <a:outerShdw blurRad="38100" dist="38100" dir="2700000" algn="tl">
+                  <a:srgbClr val="000000">
+                    <a:alpha val="43137"/>
+                  </a:srgbClr>
+                </a:outerShdw>
+              </a:effectLst>
+            </a:endParaRPr>
+          </a:p>
+        </p:txBody>
+      </p:sp>
+      <p:sp>
+        <p:nvSpPr>
+          <p:cNvPr id="8" name="矩形: 圆角 7">
+            <a:extLst>
+              <a:ext uri="{FF2B5EF4-FFF2-40B4-BE49-F238E27FC236}">
+                <a16:creationId xmlns:a16="http://schemas.microsoft.com/office/drawing/2014/main" id="{FED28F51-DBE7-EBA2-E9E0-B7C023E40CBB}"/>
+              </a:ext>
+            </a:extLst>
+          </p:cNvPr>
+          <p:cNvSpPr/>
+          <p:nvPr/>
+        </p:nvSpPr>
+        <p:spPr>
+          <a:xfrm>
+            <a:off x="7380312" y="4512943"/>
+            <a:ext cx="1152128" cy="648072"/>
+          </a:xfrm>
+          <a:prstGeom prst="roundRect">
+            <a:avLst/>
+          </a:prstGeom>
+          <a:ln>
+            <a:noFill/>
+          </a:ln>
+        </p:spPr>
+        <p:style>
+          <a:lnRef idx="2">
+            <a:schemeClr val="accent1">
+              <a:shade val="50000"/>
+            </a:schemeClr>
+          </a:lnRef>
+          <a:fillRef idx="1">
+            <a:schemeClr val="accent1"/>
+          </a:fillRef>
+          <a:effectRef idx="0">
+            <a:schemeClr val="accent1"/>
+          </a:effectRef>
+          <a:fontRef idx="minor">
+            <a:schemeClr val="lt1"/>
+          </a:fontRef>
+        </p:style>
+        <p:txBody>
+          <a:bodyPr rtlCol="0" anchor="ctr"/>
+          <a:lstStyle/>
+          <a:p>
+            <a:pPr algn="ctr"/>
+            <a:r>
+              <a:rPr lang="en-US" altLang="zh-CN" sz="2800" b="1" dirty="0">
+                <a:effectLst>
+                  <a:outerShdw blurRad="38100" dist="38100" dir="2700000" algn="tl">
+                    <a:srgbClr val="000000">
+                      <a:alpha val="43137"/>
+                    </a:srgbClr>
+                  </a:outerShdw>
+                </a:effectLst>
+              </a:rPr>
+              <a:t>?</a:t>
+            </a:r>
+            <a:endParaRPr lang="zh-CN" altLang="en-US" sz="2800" b="1" dirty="0">
+              <a:effectLst>
+                <a:outerShdw blurRad="38100" dist="38100" dir="2700000" algn="tl">
+                  <a:srgbClr val="000000">
+                    <a:alpha val="43137"/>
+                  </a:srgbClr>
+                </a:outerShdw>
+              </a:effectLst>
+            </a:endParaRPr>
+          </a:p>
+        </p:txBody>
+      </p:sp>
+      <p:sp>
+        <p:nvSpPr>
+          <p:cNvPr id="9" name="箭头: 右 8">
+            <a:extLst>
+              <a:ext uri="{FF2B5EF4-FFF2-40B4-BE49-F238E27FC236}">
+                <a16:creationId xmlns:a16="http://schemas.microsoft.com/office/drawing/2014/main" id="{B0DCF526-7ADE-AE90-16FC-9BB98B731EB8}"/>
+              </a:ext>
+            </a:extLst>
+          </p:cNvPr>
+          <p:cNvSpPr/>
+          <p:nvPr/>
+        </p:nvSpPr>
+        <p:spPr>
+          <a:xfrm rot="5400000">
+            <a:off x="7761378" y="1719979"/>
+            <a:ext cx="389994" cy="240861"/>
+          </a:xfrm>
+          <a:prstGeom prst="rightArrow">
+            <a:avLst>
+              <a:gd name="adj1" fmla="val 35703"/>
+              <a:gd name="adj2" fmla="val 50000"/>
+            </a:avLst>
+          </a:prstGeom>
+        </p:spPr>
+        <p:style>
+          <a:lnRef idx="2">
+            <a:schemeClr val="accent1">
+              <a:shade val="50000"/>
+            </a:schemeClr>
+          </a:lnRef>
+          <a:fillRef idx="1">
+            <a:schemeClr val="accent1"/>
+          </a:fillRef>
+          <a:effectRef idx="0">
+            <a:schemeClr val="accent1"/>
+          </a:effectRef>
+          <a:fontRef idx="minor">
+            <a:schemeClr val="lt1"/>
+          </a:fontRef>
+        </p:style>
+        <p:txBody>
+          <a:bodyPr rtlCol="0" anchor="ctr"/>
+          <a:lstStyle/>
+          <a:p>
+            <a:pPr algn="ctr"/>
+            <a:endParaRPr lang="zh-CN" altLang="en-US"/>
+          </a:p>
+        </p:txBody>
+      </p:sp>
+      <p:sp>
+        <p:nvSpPr>
+          <p:cNvPr id="10" name="箭头: 右 9">
+            <a:extLst>
+              <a:ext uri="{FF2B5EF4-FFF2-40B4-BE49-F238E27FC236}">
+                <a16:creationId xmlns:a16="http://schemas.microsoft.com/office/drawing/2014/main" id="{68802577-1895-B2D1-7BDD-12BE7AF2DD87}"/>
+              </a:ext>
+            </a:extLst>
+          </p:cNvPr>
+          <p:cNvSpPr/>
+          <p:nvPr/>
+        </p:nvSpPr>
+        <p:spPr>
+          <a:xfrm rot="5400000">
+            <a:off x="7768194" y="2918606"/>
+            <a:ext cx="389994" cy="240861"/>
+          </a:xfrm>
+          <a:prstGeom prst="rightArrow">
+            <a:avLst>
+              <a:gd name="adj1" fmla="val 35703"/>
+              <a:gd name="adj2" fmla="val 50000"/>
+            </a:avLst>
+          </a:prstGeom>
+        </p:spPr>
+        <p:style>
+          <a:lnRef idx="2">
+            <a:schemeClr val="accent1">
+              <a:shade val="50000"/>
+            </a:schemeClr>
+          </a:lnRef>
+          <a:fillRef idx="1">
+            <a:schemeClr val="accent1"/>
+          </a:fillRef>
+          <a:effectRef idx="0">
+            <a:schemeClr val="accent1"/>
+          </a:effectRef>
+          <a:fontRef idx="minor">
+            <a:schemeClr val="lt1"/>
+          </a:fontRef>
+        </p:style>
+        <p:txBody>
+          <a:bodyPr rtlCol="0" anchor="ctr"/>
+          <a:lstStyle/>
+          <a:p>
+            <a:pPr algn="ctr"/>
+            <a:endParaRPr lang="zh-CN" altLang="en-US"/>
+          </a:p>
+        </p:txBody>
+      </p:sp>
+      <p:sp>
+        <p:nvSpPr>
+          <p:cNvPr id="11" name="箭头: 右 10">
+            <a:extLst>
+              <a:ext uri="{FF2B5EF4-FFF2-40B4-BE49-F238E27FC236}">
+                <a16:creationId xmlns:a16="http://schemas.microsoft.com/office/drawing/2014/main" id="{09A665D0-AA57-921B-7712-44A5797FDAFC}"/>
+              </a:ext>
+            </a:extLst>
+          </p:cNvPr>
+          <p:cNvSpPr/>
+          <p:nvPr/>
+        </p:nvSpPr>
+        <p:spPr>
+          <a:xfrm rot="5400000">
+            <a:off x="7761377" y="4117235"/>
+            <a:ext cx="389994" cy="240861"/>
+          </a:xfrm>
+          <a:prstGeom prst="rightArrow">
+            <a:avLst>
+              <a:gd name="adj1" fmla="val 35703"/>
+              <a:gd name="adj2" fmla="val 50000"/>
+            </a:avLst>
+          </a:prstGeom>
+        </p:spPr>
+        <p:style>
+          <a:lnRef idx="2">
+            <a:schemeClr val="accent1">
+              <a:shade val="50000"/>
+            </a:schemeClr>
+          </a:lnRef>
+          <a:fillRef idx="1">
+            <a:schemeClr val="accent1"/>
+          </a:fillRef>
+          <a:effectRef idx="0">
+            <a:schemeClr val="accent1"/>
+          </a:effectRef>
+          <a:fontRef idx="minor">
+            <a:schemeClr val="lt1"/>
+          </a:fontRef>
+        </p:style>
+        <p:txBody>
+          <a:bodyPr rtlCol="0" anchor="ctr"/>
+          <a:lstStyle/>
+          <a:p>
+            <a:pPr algn="ctr"/>
+            <a:endParaRPr lang="zh-CN" altLang="en-US"/>
+          </a:p>
+        </p:txBody>
+      </p:sp>
+    </p:spTree>
+    <p:extLst>
+      <p:ext uri="{BB962C8B-B14F-4D97-AF65-F5344CB8AC3E}">
+        <p14:creationId xmlns:p14="http://schemas.microsoft.com/office/powerpoint/2010/main" val="863496136"/>
+      </p:ext>
+    </p:extLst>
+  </p:cSld>
+  <p:clrMapOvr>
+    <a:masterClrMapping/>
+  </p:clrMapOvr>
+  <mc:AlternateContent xmlns:mc="http://schemas.openxmlformats.org/markup-compatibility/2006" xmlns:p159="http://schemas.microsoft.com/office/powerpoint/2015/09/main">
+    <mc:Choice Requires="p159">
+      <p:transition spd="med">
+        <p159:morph option="byWord"/>
+      </p:transition>
+    </mc:Choice>
+    <mc:Fallback xmlns="">
+      <p:transition spd="med">
+        <p:fade/>
+      </p:transition>
+    </mc:Fallback>
+  </mc:AlternateContent>
+  <p:timing>
+    <p:tnLst>
+      <p:par>
+        <p:cTn id="1" dur="indefinite" restart="never" nodeType="tmRoot">
+          <p:childTnLst>
+            <p:seq concurrent="1" nextAc="seek">
+              <p:cTn id="2" dur="indefinite" nodeType="mainSeq">
+                <p:childTnLst>
+                  <p:par>
+                    <p:cTn id="3" fill="hold">
+                      <p:stCondLst>
+                        <p:cond delay="indefinite"/>
+                      </p:stCondLst>
+                      <p:childTnLst>
+                        <p:par>
+                          <p:cTn id="4" fill="hold">
+                            <p:stCondLst>
+                              <p:cond delay="0"/>
+                            </p:stCondLst>
+                            <p:childTnLst>
+                              <p:par>
+                                <p:cTn id="5" presetID="10" presetClass="entr" presetSubtype="0" fill="hold" nodeType="clickEffect">
+                                  <p:stCondLst>
+                                    <p:cond delay="0"/>
+                                  </p:stCondLst>
+                                  <p:childTnLst>
+                                    <p:set>
+                                      <p:cBhvr>
+                                        <p:cTn id="6" dur="1" fill="hold">
+                                          <p:stCondLst>
+                                            <p:cond delay="0"/>
+                                          </p:stCondLst>
+                                        </p:cTn>
+                                        <p:tgtEl>
+                                          <p:spTgt spid="2">
+                                            <p:txEl>
+                                              <p:pRg st="4" end="4"/>
+                                            </p:txEl>
+                                          </p:spTgt>
+                                        </p:tgtEl>
+                                        <p:attrNameLst>
+                                          <p:attrName>style.visibility</p:attrName>
+                                        </p:attrNameLst>
+                                      </p:cBhvr>
+                                      <p:to>
+                                        <p:strVal val="visible"/>
+                                      </p:to>
+                                    </p:set>
+                                    <p:animEffect transition="in" filter="fade">
+                                      <p:cBhvr>
+                                        <p:cTn id="7" dur="500"/>
+                                        <p:tgtEl>
+                                          <p:spTgt spid="2">
+                                            <p:txEl>
+                                              <p:pRg st="4" end="4"/>
+                                            </p:txEl>
+                                          </p:spTgt>
+                                        </p:tgtEl>
+                                      </p:cBhvr>
+                                    </p:animEffect>
+                                  </p:childTnLst>
+                                </p:cTn>
+                              </p:par>
+                              <p:par>
+                                <p:cTn id="8" presetID="10" presetClass="entr" presetSubtype="0" fill="hold" nodeType="withEffect">
+                                  <p:stCondLst>
+                                    <p:cond delay="0"/>
+                                  </p:stCondLst>
+                                  <p:childTnLst>
+                                    <p:set>
+                                      <p:cBhvr>
+                                        <p:cTn id="9" dur="1" fill="hold">
+                                          <p:stCondLst>
+                                            <p:cond delay="0"/>
+                                          </p:stCondLst>
+                                        </p:cTn>
+                                        <p:tgtEl>
+                                          <p:spTgt spid="2">
+                                            <p:txEl>
+                                              <p:pRg st="5" end="5"/>
+                                            </p:txEl>
+                                          </p:spTgt>
+                                        </p:tgtEl>
+                                        <p:attrNameLst>
+                                          <p:attrName>style.visibility</p:attrName>
+                                        </p:attrNameLst>
+                                      </p:cBhvr>
+                                      <p:to>
+                                        <p:strVal val="visible"/>
+                                      </p:to>
+                                    </p:set>
+                                    <p:animEffect transition="in" filter="fade">
+                                      <p:cBhvr>
+                                        <p:cTn id="10" dur="500"/>
+                                        <p:tgtEl>
+                                          <p:spTgt spid="2">
+                                            <p:txEl>
+                                              <p:pRg st="5" end="5"/>
+                                            </p:txEl>
+                                          </p:spTgt>
+                                        </p:tgtEl>
+                                      </p:cBhvr>
+                                    </p:animEffect>
+                                  </p:childTnLst>
+                                </p:cTn>
+                              </p:par>
+                              <p:par>
+                                <p:cTn id="11" presetID="10" presetClass="entr" presetSubtype="0" fill="hold" nodeType="withEffect">
+                                  <p:stCondLst>
+                                    <p:cond delay="0"/>
+                                  </p:stCondLst>
+                                  <p:childTnLst>
+                                    <p:set>
+                                      <p:cBhvr>
+                                        <p:cTn id="12" dur="1" fill="hold">
+                                          <p:stCondLst>
+                                            <p:cond delay="0"/>
+                                          </p:stCondLst>
+                                        </p:cTn>
+                                        <p:tgtEl>
+                                          <p:spTgt spid="2">
+                                            <p:txEl>
+                                              <p:pRg st="6" end="6"/>
+                                            </p:txEl>
+                                          </p:spTgt>
+                                        </p:tgtEl>
+                                        <p:attrNameLst>
+                                          <p:attrName>style.visibility</p:attrName>
+                                        </p:attrNameLst>
+                                      </p:cBhvr>
+                                      <p:to>
+                                        <p:strVal val="visible"/>
+                                      </p:to>
+                                    </p:set>
+                                    <p:animEffect transition="in" filter="fade">
+                                      <p:cBhvr>
+                                        <p:cTn id="13" dur="500"/>
+                                        <p:tgtEl>
+                                          <p:spTgt spid="2">
+                                            <p:txEl>
+                                              <p:pRg st="6" end="6"/>
+                                            </p:txEl>
+                                          </p:spTgt>
+                                        </p:tgtEl>
+                                      </p:cBhvr>
+                                    </p:animEffect>
+                                  </p:childTnLst>
+                                </p:cTn>
+                              </p:par>
+                              <p:par>
+                                <p:cTn id="14" presetID="10" presetClass="entr" presetSubtype="0" fill="hold" nodeType="withEffect">
+                                  <p:stCondLst>
+                                    <p:cond delay="0"/>
+                                  </p:stCondLst>
+                                  <p:childTnLst>
+                                    <p:set>
+                                      <p:cBhvr>
+                                        <p:cTn id="15" dur="1" fill="hold">
+                                          <p:stCondLst>
+                                            <p:cond delay="0"/>
+                                          </p:stCondLst>
+                                        </p:cTn>
+                                        <p:tgtEl>
+                                          <p:spTgt spid="5">
+                                            <p:txEl>
+                                              <p:pRg st="0" end="0"/>
+                                            </p:txEl>
+                                          </p:spTgt>
+                                        </p:tgtEl>
+                                        <p:attrNameLst>
+                                          <p:attrName>style.visibility</p:attrName>
+                                        </p:attrNameLst>
+                                      </p:cBhvr>
+                                      <p:to>
+                                        <p:strVal val="visible"/>
+                                      </p:to>
+                                    </p:set>
+                                    <p:animEffect transition="in" filter="fade">
+                                      <p:cBhvr>
+                                        <p:cTn id="16" dur="500"/>
+                                        <p:tgtEl>
+                                          <p:spTgt spid="5">
+                                            <p:txEl>
+                                              <p:pRg st="0" end="0"/>
+                                            </p:txEl>
+                                          </p:spTgt>
+                                        </p:tgtEl>
+                                      </p:cBhvr>
+                                    </p:animEffect>
+                                  </p:childTnLst>
+                                </p:cTn>
+                              </p:par>
+                            </p:childTnLst>
+                          </p:cTn>
+                        </p:par>
+                      </p:childTnLst>
+                    </p:cTn>
+                  </p:par>
+                </p:childTnLst>
+              </p:cTn>
+              <p:prevCondLst>
+                <p:cond evt="onPrev" delay="0">
+                  <p:tgtEl>
+                    <p:sldTgt/>
+                  </p:tgtEl>
+                </p:cond>
+              </p:prevCondLst>
+              <p:nextCondLst>
+                <p:cond evt="onNext" delay="0">
+                  <p:tgtEl>
+                    <p:sldTgt/>
+                  </p:tgtEl>
+                </p:cond>
+              </p:nextCondLst>
+            </p:seq>
+          </p:childTnLst>
+        </p:cTn>
+      </p:par>
+    </p:tnLst>
+  </p:timing>
+</p:sld>
+</file>
+
+<file path=ppt/slides/slide17.xml><?xml version="1.0" encoding="utf-8"?>
+<p:sld xmlns:a="http://schemas.openxmlformats.org/drawingml/2006/main" xmlns:r="http://schemas.openxmlformats.org/officeDocument/2006/relationships" xmlns:p="http://schemas.openxmlformats.org/presentationml/2006/main">
+  <p:cSld>
+    <p:spTree>
+      <p:nvGrpSpPr>
+        <p:cNvPr id="1" name=""/>
+        <p:cNvGrpSpPr/>
+        <p:nvPr/>
+      </p:nvGrpSpPr>
+      <p:grpSpPr>
+        <a:xfrm>
+          <a:off x="0" y="0"/>
+          <a:ext cx="0" cy="0"/>
+          <a:chOff x="0" y="0"/>
+          <a:chExt cx="0" cy="0"/>
+        </a:xfrm>
+      </p:grpSpPr>
+      <p:sp>
+        <p:nvSpPr>
+          <p:cNvPr id="12" name="矩形 2">
+            <a:extLst>
+              <a:ext uri="{FF2B5EF4-FFF2-40B4-BE49-F238E27FC236}">
+                <a16:creationId xmlns:a16="http://schemas.microsoft.com/office/drawing/2014/main" id="{01D1EA62-D4B9-4AA3-A630-1C26AB4845D5}"/>
+              </a:ext>
+            </a:extLst>
+          </p:cNvPr>
+          <p:cNvSpPr/>
+          <p:nvPr>
+            <p:custDataLst>
+              <p:tags r:id="rId1"/>
+            </p:custDataLst>
+          </p:nvPr>
+        </p:nvSpPr>
+        <p:spPr>
+          <a:xfrm>
+            <a:off x="4665810" y="49008"/>
+            <a:ext cx="4199426" cy="376555"/>
+          </a:xfrm>
+          <a:prstGeom prst="rect">
+            <a:avLst/>
+          </a:prstGeom>
+          <a:solidFill>
+            <a:schemeClr val="bg1"/>
+          </a:solidFill>
+          <a:ln w="25400">
+            <a:noFill/>
+          </a:ln>
+        </p:spPr>
+        <p:txBody>
+          <a:bodyPr wrap="square">
+            <a:noAutofit/>
+          </a:bodyPr>
+          <a:lstStyle/>
+          <a:p>
+            <a:pPr algn="r"/>
+            <a:r>
+              <a:rPr lang="zh-CN" altLang="en-US" sz="2400" b="1" dirty="0">
+                <a:solidFill>
+                  <a:schemeClr val="accent1">
+                    <a:lumMod val="75000"/>
+                  </a:schemeClr>
+                </a:solidFill>
+                <a:latin typeface="微软雅黑" panose="020B0503020204020204" pitchFamily="34" charset="-122"/>
+                <a:ea typeface="微软雅黑" panose="020B0503020204020204" pitchFamily="34" charset="-122"/>
+              </a:rPr>
+              <a:t>最小二乘法的四大变式</a:t>
+            </a:r>
+            <a:r>
+              <a:rPr lang="en-US" altLang="zh-CN" sz="2400" b="1" dirty="0">
+                <a:solidFill>
+                  <a:schemeClr val="accent1">
+                    <a:lumMod val="75000"/>
+                  </a:schemeClr>
+                </a:solidFill>
+                <a:latin typeface="微软雅黑" panose="020B0503020204020204" pitchFamily="34" charset="-122"/>
+                <a:ea typeface="微软雅黑" panose="020B0503020204020204" pitchFamily="34" charset="-122"/>
+              </a:rPr>
+              <a:t>(3/9)</a:t>
+            </a:r>
+            <a:endParaRPr lang="zh-CN" altLang="en-US" sz="2400" b="1" dirty="0">
+              <a:solidFill>
+                <a:schemeClr val="accent1">
+                  <a:lumMod val="75000"/>
+                </a:schemeClr>
+              </a:solidFill>
+              <a:latin typeface="微软雅黑" panose="020B0503020204020204" pitchFamily="34" charset="-122"/>
+              <a:ea typeface="微软雅黑" panose="020B0503020204020204" pitchFamily="34" charset="-122"/>
+            </a:endParaRPr>
+          </a:p>
+        </p:txBody>
+      </p:sp>
+      <p:sp>
+        <p:nvSpPr>
+          <p:cNvPr id="2" name="TextBox 11">
+            <a:extLst>
+              <a:ext uri="{FF2B5EF4-FFF2-40B4-BE49-F238E27FC236}">
+                <a16:creationId xmlns:a16="http://schemas.microsoft.com/office/drawing/2014/main" id="{961BEFA3-6099-D095-71EA-8E04B5D41F2D}"/>
+              </a:ext>
+            </a:extLst>
+          </p:cNvPr>
+          <p:cNvSpPr txBox="1"/>
+          <p:nvPr>
+            <p:custDataLst>
+              <p:tags r:id="rId2"/>
+            </p:custDataLst>
+          </p:nvPr>
+        </p:nvSpPr>
+        <p:spPr>
+          <a:xfrm>
+            <a:off x="65933" y="1009041"/>
+            <a:ext cx="6699590" cy="3785652"/>
+          </a:xfrm>
+          <a:prstGeom prst="rect">
+            <a:avLst/>
+          </a:prstGeom>
+          <a:noFill/>
+        </p:spPr>
+        <p:txBody>
+          <a:bodyPr vert="horz" wrap="square" rtlCol="0">
+            <a:spAutoFit/>
+          </a:bodyPr>
+          <a:lstStyle/>
+          <a:p>
+            <a:pPr marL="342900" indent="-342900" fontAlgn="b">
+              <a:buFont typeface="Wingdings" panose="05000000000000000000" pitchFamily="2" charset="2"/>
+              <a:buChar char="u"/>
+            </a:pPr>
+            <a:r>
+              <a:rPr lang="zh-CN" altLang="en-US" sz="2400" b="1" dirty="0">
+                <a:solidFill>
+                  <a:schemeClr val="tx2">
+                    <a:lumMod val="75000"/>
+                  </a:schemeClr>
+                </a:solidFill>
+                <a:latin typeface="微软雅黑" panose="020B0503020204020204" pitchFamily="34" charset="-122"/>
+                <a:ea typeface="微软雅黑" panose="020B0503020204020204" pitchFamily="34" charset="-122"/>
+              </a:rPr>
+              <a:t>问题：</a:t>
+            </a:r>
+            <a:endParaRPr lang="en-US" altLang="zh-CN" sz="2400" b="1" dirty="0">
+              <a:solidFill>
+                <a:schemeClr val="tx2">
+                  <a:lumMod val="75000"/>
+                </a:schemeClr>
+              </a:solidFill>
+              <a:latin typeface="微软雅黑" panose="020B0503020204020204" pitchFamily="34" charset="-122"/>
+              <a:ea typeface="微软雅黑" panose="020B0503020204020204" pitchFamily="34" charset="-122"/>
+            </a:endParaRPr>
+          </a:p>
+          <a:p>
+            <a:pPr marL="800100" lvl="1" indent="-342900" fontAlgn="b">
+              <a:buFont typeface="Wingdings" panose="05000000000000000000" pitchFamily="2" charset="2"/>
+              <a:buChar char="u"/>
+            </a:pPr>
+            <a:r>
+              <a:rPr lang="en-US" altLang="zh-CN" sz="2400" b="1" dirty="0">
+                <a:solidFill>
+                  <a:schemeClr val="tx2">
+                    <a:lumMod val="75000"/>
+                  </a:schemeClr>
+                </a:solidFill>
+                <a:latin typeface="微软雅黑" panose="020B0503020204020204" pitchFamily="34" charset="-122"/>
+                <a:ea typeface="微软雅黑" panose="020B0503020204020204" pitchFamily="34" charset="-122"/>
+              </a:rPr>
+              <a:t>X</a:t>
+            </a:r>
+            <a:r>
+              <a:rPr lang="zh-CN" altLang="en-US" sz="2400" b="1" dirty="0">
+                <a:solidFill>
+                  <a:schemeClr val="tx2">
+                    <a:lumMod val="75000"/>
+                  </a:schemeClr>
+                </a:solidFill>
+                <a:latin typeface="微软雅黑" panose="020B0503020204020204" pitchFamily="34" charset="-122"/>
+                <a:ea typeface="微软雅黑" panose="020B0503020204020204" pitchFamily="34" charset="-122"/>
+              </a:rPr>
+              <a:t>与</a:t>
+            </a:r>
+            <a:r>
+              <a:rPr lang="en-US" altLang="zh-CN" sz="2400" b="1" dirty="0">
+                <a:solidFill>
+                  <a:schemeClr val="tx2">
+                    <a:lumMod val="75000"/>
+                  </a:schemeClr>
+                </a:solidFill>
+                <a:latin typeface="微软雅黑" panose="020B0503020204020204" pitchFamily="34" charset="-122"/>
+                <a:ea typeface="微软雅黑" panose="020B0503020204020204" pitchFamily="34" charset="-122"/>
+              </a:rPr>
+              <a:t>Y</a:t>
+            </a:r>
+            <a:r>
+              <a:rPr lang="zh-CN" altLang="en-US" sz="2400" b="1" dirty="0">
+                <a:solidFill>
+                  <a:schemeClr val="tx2">
+                    <a:lumMod val="75000"/>
+                  </a:schemeClr>
+                </a:solidFill>
+                <a:latin typeface="微软雅黑" panose="020B0503020204020204" pitchFamily="34" charset="-122"/>
+                <a:ea typeface="微软雅黑" panose="020B0503020204020204" pitchFamily="34" charset="-122"/>
+              </a:rPr>
+              <a:t>均为不确定值</a:t>
+            </a:r>
+            <a:endParaRPr lang="en-US" altLang="zh-CN" sz="2400" b="1" dirty="0">
+              <a:solidFill>
+                <a:schemeClr val="tx2">
+                  <a:lumMod val="75000"/>
+                </a:schemeClr>
+              </a:solidFill>
+              <a:latin typeface="微软雅黑" panose="020B0503020204020204" pitchFamily="34" charset="-122"/>
+              <a:ea typeface="微软雅黑" panose="020B0503020204020204" pitchFamily="34" charset="-122"/>
+            </a:endParaRPr>
+          </a:p>
+          <a:p>
+            <a:pPr marL="800100" lvl="1" indent="-342900" fontAlgn="b">
+              <a:buFont typeface="Wingdings" panose="05000000000000000000" pitchFamily="2" charset="2"/>
+              <a:buChar char="u"/>
+            </a:pPr>
+            <a:endParaRPr lang="en-US" altLang="zh-CN" sz="2400" b="1" dirty="0">
+              <a:solidFill>
+                <a:schemeClr val="tx2">
+                  <a:lumMod val="75000"/>
+                </a:schemeClr>
+              </a:solidFill>
+              <a:latin typeface="微软雅黑" panose="020B0503020204020204" pitchFamily="34" charset="-122"/>
+              <a:ea typeface="微软雅黑" panose="020B0503020204020204" pitchFamily="34" charset="-122"/>
+            </a:endParaRPr>
+          </a:p>
+          <a:p>
+            <a:pPr marL="800100" lvl="1" indent="-342900" fontAlgn="b">
+              <a:buFont typeface="Wingdings" panose="05000000000000000000" pitchFamily="2" charset="2"/>
+              <a:buChar char="u"/>
+            </a:pPr>
+            <a:endParaRPr lang="en-US" altLang="zh-CN" sz="2400" b="1" dirty="0">
+              <a:solidFill>
+                <a:schemeClr val="tx2">
+                  <a:lumMod val="75000"/>
+                </a:schemeClr>
+              </a:solidFill>
+              <a:latin typeface="微软雅黑" panose="020B0503020204020204" pitchFamily="34" charset="-122"/>
+              <a:ea typeface="微软雅黑" panose="020B0503020204020204" pitchFamily="34" charset="-122"/>
+            </a:endParaRPr>
+          </a:p>
+          <a:p>
+            <a:pPr marL="800100" lvl="1" indent="-342900" fontAlgn="b">
+              <a:buFont typeface="Wingdings" panose="05000000000000000000" pitchFamily="2" charset="2"/>
+              <a:buChar char="u"/>
+            </a:pPr>
+            <a:endParaRPr lang="en-US" altLang="zh-CN" sz="2400" b="1" dirty="0">
+              <a:solidFill>
+                <a:schemeClr val="tx2">
+                  <a:lumMod val="75000"/>
+                </a:schemeClr>
+              </a:solidFill>
+              <a:latin typeface="微软雅黑" panose="020B0503020204020204" pitchFamily="34" charset="-122"/>
+              <a:ea typeface="微软雅黑" panose="020B0503020204020204" pitchFamily="34" charset="-122"/>
+            </a:endParaRPr>
+          </a:p>
+          <a:p>
+            <a:pPr lvl="1" fontAlgn="b"/>
+            <a:endParaRPr lang="en-US" altLang="zh-CN" sz="2400" b="1" dirty="0">
+              <a:solidFill>
+                <a:schemeClr val="tx2">
+                  <a:lumMod val="75000"/>
+                </a:schemeClr>
+              </a:solidFill>
+              <a:latin typeface="微软雅黑" panose="020B0503020204020204" pitchFamily="34" charset="-122"/>
+              <a:ea typeface="微软雅黑" panose="020B0503020204020204" pitchFamily="34" charset="-122"/>
+            </a:endParaRPr>
+          </a:p>
+          <a:p>
+            <a:pPr marL="342900" indent="-342900" fontAlgn="b">
+              <a:buFont typeface="Wingdings" panose="05000000000000000000" pitchFamily="2" charset="2"/>
+              <a:buChar char="u"/>
+            </a:pPr>
+            <a:r>
+              <a:rPr lang="zh-CN" altLang="en-US" sz="2400" b="1" dirty="0">
+                <a:solidFill>
+                  <a:schemeClr val="tx2">
+                    <a:lumMod val="75000"/>
+                  </a:schemeClr>
+                </a:solidFill>
+                <a:latin typeface="微软雅黑" panose="020B0503020204020204" pitchFamily="34" charset="-122"/>
+                <a:ea typeface="微软雅黑" panose="020B0503020204020204" pitchFamily="34" charset="-122"/>
+              </a:rPr>
+              <a:t>改进：</a:t>
+            </a:r>
+            <a:endParaRPr lang="en-US" altLang="zh-CN" sz="2400" b="1" dirty="0">
+              <a:solidFill>
+                <a:schemeClr val="tx2">
+                  <a:lumMod val="75000"/>
+                </a:schemeClr>
+              </a:solidFill>
+              <a:latin typeface="微软雅黑" panose="020B0503020204020204" pitchFamily="34" charset="-122"/>
+              <a:ea typeface="微软雅黑" panose="020B0503020204020204" pitchFamily="34" charset="-122"/>
+            </a:endParaRPr>
+          </a:p>
+          <a:p>
+            <a:pPr marL="800100" lvl="1" indent="-342900" fontAlgn="b">
+              <a:buFont typeface="Wingdings" panose="05000000000000000000" pitchFamily="2" charset="2"/>
+              <a:buChar char="u"/>
+            </a:pPr>
+            <a:r>
+              <a:rPr lang="zh-CN" altLang="en-US" sz="2400" b="1" dirty="0">
+                <a:solidFill>
+                  <a:schemeClr val="tx2">
+                    <a:lumMod val="75000"/>
+                  </a:schemeClr>
+                </a:solidFill>
+                <a:latin typeface="微软雅黑" panose="020B0503020204020204" pitchFamily="34" charset="-122"/>
+                <a:ea typeface="微软雅黑" panose="020B0503020204020204" pitchFamily="34" charset="-122"/>
+              </a:rPr>
+              <a:t>带权</a:t>
+            </a:r>
+            <a:r>
+              <a:rPr lang="zh-CN" altLang="en-US" sz="2400" b="1" u="sng" dirty="0">
+                <a:solidFill>
+                  <a:schemeClr val="tx2">
+                    <a:lumMod val="75000"/>
+                  </a:schemeClr>
+                </a:solidFill>
+                <a:effectLst>
+                  <a:outerShdw blurRad="38100" dist="38100" dir="2700000" algn="tl">
+                    <a:srgbClr val="000000">
+                      <a:alpha val="43137"/>
+                    </a:srgbClr>
+                  </a:outerShdw>
+                </a:effectLst>
+                <a:latin typeface="微软雅黑" panose="020B0503020204020204" pitchFamily="34" charset="-122"/>
+                <a:ea typeface="微软雅黑" panose="020B0503020204020204" pitchFamily="34" charset="-122"/>
+              </a:rPr>
+              <a:t>总体</a:t>
+            </a:r>
+            <a:r>
+              <a:rPr lang="zh-CN" altLang="en-US" sz="2400" b="1" dirty="0">
+                <a:solidFill>
+                  <a:schemeClr val="tx2">
+                    <a:lumMod val="75000"/>
+                  </a:schemeClr>
+                </a:solidFill>
+                <a:latin typeface="微软雅黑" panose="020B0503020204020204" pitchFamily="34" charset="-122"/>
+                <a:ea typeface="微软雅黑" panose="020B0503020204020204" pitchFamily="34" charset="-122"/>
+              </a:rPr>
+              <a:t>最小二乘法</a:t>
+            </a:r>
+            <a:endParaRPr lang="en-US" altLang="zh-CN" sz="2400" b="1" dirty="0">
+              <a:solidFill>
+                <a:schemeClr val="tx2">
+                  <a:lumMod val="75000"/>
+                </a:schemeClr>
+              </a:solidFill>
+              <a:latin typeface="微软雅黑" panose="020B0503020204020204" pitchFamily="34" charset="-122"/>
+              <a:ea typeface="微软雅黑" panose="020B0503020204020204" pitchFamily="34" charset="-122"/>
+            </a:endParaRPr>
+          </a:p>
+          <a:p>
+            <a:pPr marL="800100" lvl="1" indent="-342900" fontAlgn="b">
+              <a:buFont typeface="Wingdings" panose="05000000000000000000" pitchFamily="2" charset="2"/>
+              <a:buChar char="u"/>
+            </a:pPr>
+            <a:r>
+              <a:rPr lang="en-US" altLang="zh-CN" sz="2400" b="1" dirty="0">
+                <a:solidFill>
+                  <a:schemeClr val="tx2">
+                    <a:lumMod val="75000"/>
+                  </a:schemeClr>
+                </a:solidFill>
+                <a:latin typeface="微软雅黑" panose="020B0503020204020204" pitchFamily="34" charset="-122"/>
+                <a:ea typeface="微软雅黑" panose="020B0503020204020204" pitchFamily="34" charset="-122"/>
+              </a:rPr>
+              <a:t>WTLS(Weighted </a:t>
+            </a:r>
+            <a:r>
+              <a:rPr lang="en-US" altLang="zh-CN" sz="2400" b="1" u="sng" dirty="0">
+                <a:solidFill>
+                  <a:schemeClr val="tx2">
+                    <a:lumMod val="75000"/>
+                  </a:schemeClr>
+                </a:solidFill>
+                <a:effectLst>
+                  <a:outerShdw blurRad="38100" dist="38100" dir="2700000" algn="tl">
+                    <a:srgbClr val="000000">
+                      <a:alpha val="43137"/>
+                    </a:srgbClr>
+                  </a:outerShdw>
+                </a:effectLst>
+                <a:latin typeface="微软雅黑" panose="020B0503020204020204" pitchFamily="34" charset="-122"/>
+                <a:ea typeface="微软雅黑" panose="020B0503020204020204" pitchFamily="34" charset="-122"/>
+              </a:rPr>
+              <a:t>Total</a:t>
+            </a:r>
+            <a:r>
+              <a:rPr lang="en-US" altLang="zh-CN" sz="2400" b="1" dirty="0">
+                <a:solidFill>
+                  <a:schemeClr val="tx2">
+                    <a:lumMod val="75000"/>
+                  </a:schemeClr>
+                </a:solidFill>
+                <a:latin typeface="微软雅黑" panose="020B0503020204020204" pitchFamily="34" charset="-122"/>
+                <a:ea typeface="微软雅黑" panose="020B0503020204020204" pitchFamily="34" charset="-122"/>
+              </a:rPr>
+              <a:t> LS)</a:t>
+            </a:r>
+          </a:p>
+          <a:p>
+            <a:pPr marL="800100" lvl="1" indent="-342900" fontAlgn="b">
+              <a:buFont typeface="Wingdings" panose="05000000000000000000" pitchFamily="2" charset="2"/>
+              <a:buChar char="u"/>
+            </a:pPr>
+            <a:r>
+              <a:rPr lang="zh-CN" altLang="en-US" sz="2400" b="1" dirty="0">
+                <a:solidFill>
+                  <a:schemeClr val="tx2">
+                    <a:lumMod val="75000"/>
+                  </a:schemeClr>
+                </a:solidFill>
+                <a:latin typeface="微软雅黑" panose="020B0503020204020204" pitchFamily="34" charset="-122"/>
+                <a:ea typeface="微软雅黑" panose="020B0503020204020204" pitchFamily="34" charset="-122"/>
+              </a:rPr>
+              <a:t>本课程：</a:t>
+            </a:r>
+            <a:r>
+              <a:rPr lang="zh-CN" altLang="en-US" sz="2400" b="1" u="sng" dirty="0">
+                <a:solidFill>
+                  <a:schemeClr val="tx2">
+                    <a:lumMod val="75000"/>
+                  </a:schemeClr>
+                </a:solidFill>
+                <a:effectLst>
+                  <a:outerShdw blurRad="38100" dist="38100" dir="2700000" algn="tl">
+                    <a:srgbClr val="000000">
+                      <a:alpha val="43137"/>
+                    </a:srgbClr>
+                  </a:outerShdw>
+                </a:effectLst>
+                <a:latin typeface="微软雅黑" panose="020B0503020204020204" pitchFamily="34" charset="-122"/>
+                <a:ea typeface="微软雅黑" panose="020B0503020204020204" pitchFamily="34" charset="-122"/>
+              </a:rPr>
+              <a:t>戴明推广的最小二乘法</a:t>
+            </a:r>
+          </a:p>
+        </p:txBody>
+      </p:sp>
+      <p:sp>
+        <p:nvSpPr>
+          <p:cNvPr id="4" name="矩形: 圆角 3">
+            <a:extLst>
+              <a:ext uri="{FF2B5EF4-FFF2-40B4-BE49-F238E27FC236}">
+                <a16:creationId xmlns:a16="http://schemas.microsoft.com/office/drawing/2014/main" id="{EA959C72-5560-A904-36E8-B7925FC1FB6B}"/>
+              </a:ext>
+            </a:extLst>
+          </p:cNvPr>
+          <p:cNvSpPr/>
+          <p:nvPr/>
+        </p:nvSpPr>
+        <p:spPr>
+          <a:xfrm>
+            <a:off x="7380312" y="917059"/>
+            <a:ext cx="1152128" cy="648072"/>
+          </a:xfrm>
+          <a:prstGeom prst="roundRect">
+            <a:avLst/>
+          </a:prstGeom>
+          <a:ln>
+            <a:noFill/>
+          </a:ln>
+        </p:spPr>
+        <p:style>
+          <a:lnRef idx="2">
+            <a:schemeClr val="accent1">
+              <a:shade val="50000"/>
+            </a:schemeClr>
+          </a:lnRef>
+          <a:fillRef idx="1">
+            <a:schemeClr val="accent1"/>
+          </a:fillRef>
+          <a:effectRef idx="0">
+            <a:schemeClr val="accent1"/>
+          </a:effectRef>
+          <a:fontRef idx="minor">
+            <a:schemeClr val="lt1"/>
+          </a:fontRef>
+        </p:style>
+        <p:txBody>
+          <a:bodyPr rtlCol="0" anchor="ctr"/>
+          <a:lstStyle/>
+          <a:p>
+            <a:pPr algn="ctr"/>
+            <a:r>
+              <a:rPr lang="en-US" altLang="zh-CN" sz="2800" b="1" dirty="0">
+                <a:solidFill>
+                  <a:schemeClr val="tx2">
+                    <a:lumMod val="40000"/>
+                    <a:lumOff val="60000"/>
+                  </a:schemeClr>
+                </a:solidFill>
+              </a:rPr>
+              <a:t>OLS</a:t>
+            </a:r>
+            <a:endParaRPr lang="zh-CN" altLang="en-US" sz="2800" b="1" dirty="0">
+              <a:solidFill>
+                <a:schemeClr val="tx2">
+                  <a:lumMod val="40000"/>
+                  <a:lumOff val="60000"/>
+                </a:schemeClr>
+              </a:solidFill>
+            </a:endParaRPr>
+          </a:p>
+        </p:txBody>
+      </p:sp>
+      <p:sp>
+        <p:nvSpPr>
+          <p:cNvPr id="5" name="矩形: 圆角 4">
+            <a:extLst>
+              <a:ext uri="{FF2B5EF4-FFF2-40B4-BE49-F238E27FC236}">
+                <a16:creationId xmlns:a16="http://schemas.microsoft.com/office/drawing/2014/main" id="{D0C1DD57-63D3-C18C-5579-4B885B6EFF71}"/>
+              </a:ext>
+            </a:extLst>
+          </p:cNvPr>
+          <p:cNvSpPr/>
+          <p:nvPr/>
+        </p:nvSpPr>
+        <p:spPr>
+          <a:xfrm>
+            <a:off x="7387128" y="2115687"/>
+            <a:ext cx="1152128" cy="648072"/>
+          </a:xfrm>
+          <a:prstGeom prst="roundRect">
+            <a:avLst/>
+          </a:prstGeom>
+          <a:ln>
+            <a:noFill/>
+          </a:ln>
+        </p:spPr>
+        <p:style>
+          <a:lnRef idx="2">
+            <a:schemeClr val="accent1">
+              <a:shade val="50000"/>
+            </a:schemeClr>
+          </a:lnRef>
+          <a:fillRef idx="1">
+            <a:schemeClr val="accent1"/>
+          </a:fillRef>
+          <a:effectRef idx="0">
+            <a:schemeClr val="accent1"/>
+          </a:effectRef>
+          <a:fontRef idx="minor">
+            <a:schemeClr val="lt1"/>
+          </a:fontRef>
+        </p:style>
+        <p:txBody>
+          <a:bodyPr rtlCol="0" anchor="ctr"/>
+          <a:lstStyle/>
+          <a:p>
+            <a:pPr algn="ctr"/>
+            <a:r>
+              <a:rPr lang="en-US" altLang="zh-CN" sz="2800" b="1" dirty="0">
+                <a:solidFill>
+                  <a:schemeClr val="tx2">
+                    <a:lumMod val="40000"/>
+                    <a:lumOff val="60000"/>
+                  </a:schemeClr>
+                </a:solidFill>
+              </a:rPr>
+              <a:t>WLS</a:t>
+            </a:r>
+            <a:endParaRPr lang="zh-CN" altLang="en-US" sz="2800" b="1" dirty="0">
+              <a:solidFill>
+                <a:schemeClr val="tx2">
+                  <a:lumMod val="40000"/>
+                  <a:lumOff val="60000"/>
+                </a:schemeClr>
+              </a:solidFill>
+            </a:endParaRPr>
+          </a:p>
+        </p:txBody>
+      </p:sp>
+      <p:sp>
+        <p:nvSpPr>
+          <p:cNvPr id="7" name="矩形: 圆角 6">
+            <a:extLst>
+              <a:ext uri="{FF2B5EF4-FFF2-40B4-BE49-F238E27FC236}">
+                <a16:creationId xmlns:a16="http://schemas.microsoft.com/office/drawing/2014/main" id="{64943B9A-F4B7-F2C0-E2E5-1C4C23C43EC1}"/>
+              </a:ext>
+            </a:extLst>
+          </p:cNvPr>
+          <p:cNvSpPr/>
+          <p:nvPr/>
+        </p:nvSpPr>
+        <p:spPr>
+          <a:xfrm>
+            <a:off x="7315119" y="3314314"/>
+            <a:ext cx="1296144" cy="648072"/>
+          </a:xfrm>
+          <a:prstGeom prst="roundRect">
+            <a:avLst/>
+          </a:prstGeom>
+          <a:ln>
+            <a:noFill/>
+          </a:ln>
+        </p:spPr>
+        <p:style>
+          <a:lnRef idx="2">
+            <a:schemeClr val="accent1">
+              <a:shade val="50000"/>
+            </a:schemeClr>
+          </a:lnRef>
+          <a:fillRef idx="1">
+            <a:schemeClr val="accent1"/>
+          </a:fillRef>
+          <a:effectRef idx="0">
+            <a:schemeClr val="accent1"/>
+          </a:effectRef>
+          <a:fontRef idx="minor">
+            <a:schemeClr val="lt1"/>
+          </a:fontRef>
+        </p:style>
+        <p:txBody>
+          <a:bodyPr rtlCol="0" anchor="ctr"/>
+          <a:lstStyle/>
+          <a:p>
+            <a:pPr algn="ctr"/>
+            <a:r>
+              <a:rPr lang="en-US" altLang="zh-CN" sz="2800" b="1" dirty="0">
+                <a:effectLst>
+                  <a:outerShdw blurRad="38100" dist="38100" dir="2700000" algn="tl">
+                    <a:srgbClr val="000000">
+                      <a:alpha val="43137"/>
+                    </a:srgbClr>
+                  </a:outerShdw>
+                </a:effectLst>
+              </a:rPr>
+              <a:t>WTLS</a:t>
+            </a:r>
+            <a:endParaRPr lang="zh-CN" altLang="en-US" sz="2800" b="1" dirty="0">
+              <a:effectLst>
+                <a:outerShdw blurRad="38100" dist="38100" dir="2700000" algn="tl">
+                  <a:srgbClr val="000000">
+                    <a:alpha val="43137"/>
+                  </a:srgbClr>
+                </a:outerShdw>
+              </a:effectLst>
+            </a:endParaRPr>
+          </a:p>
+        </p:txBody>
+      </p:sp>
+      <p:sp>
+        <p:nvSpPr>
+          <p:cNvPr id="8" name="矩形: 圆角 7">
+            <a:extLst>
+              <a:ext uri="{FF2B5EF4-FFF2-40B4-BE49-F238E27FC236}">
+                <a16:creationId xmlns:a16="http://schemas.microsoft.com/office/drawing/2014/main" id="{FED28F51-DBE7-EBA2-E9E0-B7C023E40CBB}"/>
+              </a:ext>
+            </a:extLst>
+          </p:cNvPr>
+          <p:cNvSpPr/>
+          <p:nvPr/>
+        </p:nvSpPr>
+        <p:spPr>
+          <a:xfrm>
+            <a:off x="7380312" y="4512943"/>
+            <a:ext cx="1152128" cy="648072"/>
+          </a:xfrm>
+          <a:prstGeom prst="roundRect">
+            <a:avLst/>
+          </a:prstGeom>
+          <a:ln>
+            <a:noFill/>
+          </a:ln>
+        </p:spPr>
+        <p:style>
+          <a:lnRef idx="2">
+            <a:schemeClr val="accent1">
+              <a:shade val="50000"/>
+            </a:schemeClr>
+          </a:lnRef>
+          <a:fillRef idx="1">
+            <a:schemeClr val="accent1"/>
+          </a:fillRef>
+          <a:effectRef idx="0">
+            <a:schemeClr val="accent1"/>
+          </a:effectRef>
+          <a:fontRef idx="minor">
+            <a:schemeClr val="lt1"/>
+          </a:fontRef>
+        </p:style>
+        <p:txBody>
+          <a:bodyPr rtlCol="0" anchor="ctr"/>
+          <a:lstStyle/>
+          <a:p>
+            <a:pPr algn="ctr"/>
+            <a:r>
+              <a:rPr lang="en-US" altLang="zh-CN" sz="2800" b="1" dirty="0">
+                <a:effectLst>
+                  <a:outerShdw blurRad="38100" dist="38100" dir="2700000" algn="tl">
+                    <a:srgbClr val="000000">
+                      <a:alpha val="43137"/>
+                    </a:srgbClr>
+                  </a:outerShdw>
+                </a:effectLst>
+              </a:rPr>
+              <a:t>?</a:t>
+            </a:r>
+            <a:endParaRPr lang="zh-CN" altLang="en-US" sz="2800" b="1" dirty="0">
+              <a:effectLst>
+                <a:outerShdw blurRad="38100" dist="38100" dir="2700000" algn="tl">
+                  <a:srgbClr val="000000">
+                    <a:alpha val="43137"/>
+                  </a:srgbClr>
+                </a:outerShdw>
+              </a:effectLst>
+            </a:endParaRPr>
+          </a:p>
+        </p:txBody>
+      </p:sp>
+      <p:sp>
+        <p:nvSpPr>
+          <p:cNvPr id="9" name="箭头: 右 8">
+            <a:extLst>
+              <a:ext uri="{FF2B5EF4-FFF2-40B4-BE49-F238E27FC236}">
+                <a16:creationId xmlns:a16="http://schemas.microsoft.com/office/drawing/2014/main" id="{B0DCF526-7ADE-AE90-16FC-9BB98B731EB8}"/>
+              </a:ext>
+            </a:extLst>
+          </p:cNvPr>
+          <p:cNvSpPr/>
+          <p:nvPr/>
+        </p:nvSpPr>
+        <p:spPr>
+          <a:xfrm rot="5400000">
+            <a:off x="7761378" y="1719979"/>
+            <a:ext cx="389994" cy="240861"/>
+          </a:xfrm>
+          <a:prstGeom prst="rightArrow">
+            <a:avLst>
+              <a:gd name="adj1" fmla="val 35703"/>
+              <a:gd name="adj2" fmla="val 50000"/>
+            </a:avLst>
+          </a:prstGeom>
+        </p:spPr>
+        <p:style>
+          <a:lnRef idx="2">
+            <a:schemeClr val="accent1">
+              <a:shade val="50000"/>
+            </a:schemeClr>
+          </a:lnRef>
+          <a:fillRef idx="1">
+            <a:schemeClr val="accent1"/>
+          </a:fillRef>
+          <a:effectRef idx="0">
+            <a:schemeClr val="accent1"/>
+          </a:effectRef>
+          <a:fontRef idx="minor">
+            <a:schemeClr val="lt1"/>
+          </a:fontRef>
+        </p:style>
+        <p:txBody>
+          <a:bodyPr rtlCol="0" anchor="ctr"/>
+          <a:lstStyle/>
+          <a:p>
+            <a:pPr algn="ctr"/>
+            <a:endParaRPr lang="zh-CN" altLang="en-US"/>
+          </a:p>
+        </p:txBody>
+      </p:sp>
+      <p:sp>
+        <p:nvSpPr>
+          <p:cNvPr id="10" name="箭头: 右 9">
+            <a:extLst>
+              <a:ext uri="{FF2B5EF4-FFF2-40B4-BE49-F238E27FC236}">
+                <a16:creationId xmlns:a16="http://schemas.microsoft.com/office/drawing/2014/main" id="{68802577-1895-B2D1-7BDD-12BE7AF2DD87}"/>
+              </a:ext>
+            </a:extLst>
+          </p:cNvPr>
+          <p:cNvSpPr/>
+          <p:nvPr/>
+        </p:nvSpPr>
+        <p:spPr>
+          <a:xfrm rot="5400000">
+            <a:off x="7768194" y="2918606"/>
+            <a:ext cx="389994" cy="240861"/>
+          </a:xfrm>
+          <a:prstGeom prst="rightArrow">
+            <a:avLst>
+              <a:gd name="adj1" fmla="val 35703"/>
+              <a:gd name="adj2" fmla="val 50000"/>
+            </a:avLst>
+          </a:prstGeom>
+        </p:spPr>
+        <p:style>
+          <a:lnRef idx="2">
+            <a:schemeClr val="accent1">
+              <a:shade val="50000"/>
+            </a:schemeClr>
+          </a:lnRef>
+          <a:fillRef idx="1">
+            <a:schemeClr val="accent1"/>
+          </a:fillRef>
+          <a:effectRef idx="0">
+            <a:schemeClr val="accent1"/>
+          </a:effectRef>
+          <a:fontRef idx="minor">
+            <a:schemeClr val="lt1"/>
+          </a:fontRef>
+        </p:style>
+        <p:txBody>
+          <a:bodyPr rtlCol="0" anchor="ctr"/>
+          <a:lstStyle/>
+          <a:p>
+            <a:pPr algn="ctr"/>
+            <a:endParaRPr lang="zh-CN" altLang="en-US"/>
+          </a:p>
+        </p:txBody>
+      </p:sp>
+      <p:sp>
+        <p:nvSpPr>
+          <p:cNvPr id="11" name="箭头: 右 10">
+            <a:extLst>
+              <a:ext uri="{FF2B5EF4-FFF2-40B4-BE49-F238E27FC236}">
+                <a16:creationId xmlns:a16="http://schemas.microsoft.com/office/drawing/2014/main" id="{09A665D0-AA57-921B-7712-44A5797FDAFC}"/>
+              </a:ext>
+            </a:extLst>
+          </p:cNvPr>
+          <p:cNvSpPr/>
+          <p:nvPr/>
+        </p:nvSpPr>
+        <p:spPr>
+          <a:xfrm rot="5400000">
+            <a:off x="7761377" y="4117235"/>
+            <a:ext cx="389994" cy="240861"/>
+          </a:xfrm>
+          <a:prstGeom prst="rightArrow">
+            <a:avLst>
+              <a:gd name="adj1" fmla="val 35703"/>
+              <a:gd name="adj2" fmla="val 50000"/>
+            </a:avLst>
+          </a:prstGeom>
+        </p:spPr>
+        <p:style>
+          <a:lnRef idx="2">
+            <a:schemeClr val="accent1">
+              <a:shade val="50000"/>
+            </a:schemeClr>
+          </a:lnRef>
+          <a:fillRef idx="1">
+            <a:schemeClr val="accent1"/>
+          </a:fillRef>
+          <a:effectRef idx="0">
+            <a:schemeClr val="accent1"/>
+          </a:effectRef>
+          <a:fontRef idx="minor">
+            <a:schemeClr val="lt1"/>
+          </a:fontRef>
+        </p:style>
+        <p:txBody>
+          <a:bodyPr rtlCol="0" anchor="ctr"/>
+          <a:lstStyle/>
+          <a:p>
+            <a:pPr algn="ctr"/>
+            <a:endParaRPr lang="zh-CN" altLang="en-US"/>
+          </a:p>
+        </p:txBody>
+      </p:sp>
+      <p:graphicFrame>
+        <p:nvGraphicFramePr>
+          <p:cNvPr id="14" name="对象 13">
+            <a:extLst>
+              <a:ext uri="{FF2B5EF4-FFF2-40B4-BE49-F238E27FC236}">
+                <a16:creationId xmlns:a16="http://schemas.microsoft.com/office/drawing/2014/main" id="{E4E1ADC3-4FCF-498E-B1F1-AF56B8C7D6A1}"/>
+              </a:ext>
+            </a:extLst>
+          </p:cNvPr>
+          <p:cNvGraphicFramePr>
+            <a:graphicFrameLocks noChangeAspect="1"/>
+          </p:cNvGraphicFramePr>
+          <p:nvPr>
+            <p:extLst>
+              <p:ext uri="{D42A27DB-BD31-4B8C-83A1-F6EECF244321}">
+                <p14:modId xmlns:p14="http://schemas.microsoft.com/office/powerpoint/2010/main" val="80224795"/>
+              </p:ext>
+            </p:extLst>
+          </p:nvPr>
+        </p:nvGraphicFramePr>
+        <p:xfrm>
+          <a:off x="3324397" y="2035407"/>
+          <a:ext cx="2232248" cy="1029167"/>
+        </p:xfrm>
+        <a:graphic>
+          <a:graphicData uri="http://schemas.openxmlformats.org/presentationml/2006/ole">
+            <mc:AlternateContent xmlns:mc="http://schemas.openxmlformats.org/markup-compatibility/2006">
+              <mc:Choice xmlns:v="urn:schemas-microsoft-com:vml" Requires="v">
+                <p:oleObj name="AxMath" r:id="rId5" imgW="911880" imgH="420840" progId="Equation.AxMath">
+                  <p:embed/>
+                </p:oleObj>
+              </mc:Choice>
+              <mc:Fallback>
+                <p:oleObj name="AxMath" r:id="rId5" imgW="911880" imgH="420840" progId="Equation.AxMath">
+                  <p:embed/>
+                  <p:pic>
+                    <p:nvPicPr>
+                      <p:cNvPr id="4" name="对象 3">
+                        <a:extLst>
+                          <a:ext uri="{FF2B5EF4-FFF2-40B4-BE49-F238E27FC236}">
+                            <a16:creationId xmlns:a16="http://schemas.microsoft.com/office/drawing/2014/main" id="{25C329A1-24B1-578B-5FE5-3351829B5475}"/>
+                          </a:ext>
+                        </a:extLst>
+                      </p:cNvPr>
+                      <p:cNvPicPr/>
+                      <p:nvPr/>
+                    </p:nvPicPr>
+                    <p:blipFill>
+                      <a:blip r:embed="rId6"/>
+                      <a:stretch>
+                        <a:fillRect/>
+                      </a:stretch>
+                    </p:blipFill>
+                    <p:spPr>
+                      <a:xfrm>
+                        <a:off x="3324397" y="2035407"/>
+                        <a:ext cx="2232248" cy="1029167"/>
+                      </a:xfrm>
+                      <a:prstGeom prst="rect">
+                        <a:avLst/>
+                      </a:prstGeom>
+                    </p:spPr>
+                  </p:pic>
+                </p:oleObj>
+              </mc:Fallback>
+            </mc:AlternateContent>
+          </a:graphicData>
+        </a:graphic>
+      </p:graphicFrame>
+      <p:graphicFrame>
+        <p:nvGraphicFramePr>
+          <p:cNvPr id="15" name="对象 14">
+            <a:extLst>
+              <a:ext uri="{FF2B5EF4-FFF2-40B4-BE49-F238E27FC236}">
+                <a16:creationId xmlns:a16="http://schemas.microsoft.com/office/drawing/2014/main" id="{F54642C8-8385-E811-9B89-8C90FE53E825}"/>
+              </a:ext>
+            </a:extLst>
+          </p:cNvPr>
+          <p:cNvGraphicFramePr>
+            <a:graphicFrameLocks noChangeAspect="1"/>
+          </p:cNvGraphicFramePr>
+          <p:nvPr>
+            <p:extLst>
+              <p:ext uri="{D42A27DB-BD31-4B8C-83A1-F6EECF244321}">
+                <p14:modId xmlns:p14="http://schemas.microsoft.com/office/powerpoint/2010/main" val="1843268135"/>
+              </p:ext>
+            </p:extLst>
+          </p:nvPr>
+        </p:nvGraphicFramePr>
+        <p:xfrm>
+          <a:off x="470544" y="1955894"/>
+          <a:ext cx="2232248" cy="1059881"/>
+        </p:xfrm>
+        <a:graphic>
+          <a:graphicData uri="http://schemas.openxmlformats.org/presentationml/2006/ole">
+            <mc:AlternateContent xmlns:mc="http://schemas.openxmlformats.org/markup-compatibility/2006">
+              <mc:Choice xmlns:v="urn:schemas-microsoft-com:vml" Requires="v">
+                <p:oleObj name="AxMath" r:id="rId7" imgW="957240" imgH="453960" progId="Equation.AxMath">
+                  <p:embed/>
+                </p:oleObj>
+              </mc:Choice>
+              <mc:Fallback>
+                <p:oleObj name="AxMath" r:id="rId7" imgW="957240" imgH="453960" progId="Equation.AxMath">
+                  <p:embed/>
+                  <p:pic>
+                    <p:nvPicPr>
+                      <p:cNvPr id="5" name="对象 4">
+                        <a:extLst>
+                          <a:ext uri="{FF2B5EF4-FFF2-40B4-BE49-F238E27FC236}">
+                            <a16:creationId xmlns:a16="http://schemas.microsoft.com/office/drawing/2014/main" id="{157EDFA5-7056-00C5-B7F4-C5DC1263D6D3}"/>
+                          </a:ext>
+                        </a:extLst>
+                      </p:cNvPr>
+                      <p:cNvPicPr/>
+                      <p:nvPr/>
+                    </p:nvPicPr>
+                    <p:blipFill>
+                      <a:blip r:embed="rId8"/>
+                      <a:stretch>
+                        <a:fillRect/>
+                      </a:stretch>
+                    </p:blipFill>
+                    <p:spPr>
+                      <a:xfrm>
+                        <a:off x="470544" y="1955894"/>
+                        <a:ext cx="2232248" cy="1059881"/>
+                      </a:xfrm>
+                      <a:prstGeom prst="rect">
+                        <a:avLst/>
+                      </a:prstGeom>
+                    </p:spPr>
+                  </p:pic>
+                </p:oleObj>
+              </mc:Fallback>
+            </mc:AlternateContent>
+          </a:graphicData>
+        </a:graphic>
+      </p:graphicFrame>
+    </p:spTree>
+    <p:extLst>
+      <p:ext uri="{BB962C8B-B14F-4D97-AF65-F5344CB8AC3E}">
+        <p14:creationId xmlns:p14="http://schemas.microsoft.com/office/powerpoint/2010/main" val="2018036348"/>
+      </p:ext>
+    </p:extLst>
+  </p:cSld>
+  <p:clrMapOvr>
+    <a:masterClrMapping/>
+  </p:clrMapOvr>
+  <mc:AlternateContent xmlns:mc="http://schemas.openxmlformats.org/markup-compatibility/2006" xmlns:p159="http://schemas.microsoft.com/office/powerpoint/2015/09/main">
+    <mc:Choice Requires="p159">
+      <p:transition spd="med">
+        <p159:morph option="byWord"/>
+      </p:transition>
+    </mc:Choice>
+    <mc:Fallback xmlns="">
+      <p:transition spd="med">
+        <p:fade/>
+      </p:transition>
+    </mc:Fallback>
+  </mc:AlternateContent>
+  <p:timing>
+    <p:tnLst>
+      <p:par>
+        <p:cTn id="1" dur="indefinite" restart="never" nodeType="tmRoot">
+          <p:childTnLst>
+            <p:seq concurrent="1" nextAc="seek">
+              <p:cTn id="2" dur="indefinite" nodeType="mainSeq">
+                <p:childTnLst>
+                  <p:par>
+                    <p:cTn id="3" fill="hold">
+                      <p:stCondLst>
+                        <p:cond delay="indefinite"/>
+                      </p:stCondLst>
+                      <p:childTnLst>
+                        <p:par>
+                          <p:cTn id="4" fill="hold">
+                            <p:stCondLst>
+                              <p:cond delay="0"/>
+                            </p:stCondLst>
+                            <p:childTnLst>
+                              <p:par>
+                                <p:cTn id="5" presetID="10" presetClass="entr" presetSubtype="0" fill="hold" nodeType="clickEffect">
+                                  <p:stCondLst>
+                                    <p:cond delay="0"/>
+                                  </p:stCondLst>
+                                  <p:childTnLst>
+                                    <p:set>
+                                      <p:cBhvr>
+                                        <p:cTn id="6" dur="1" fill="hold">
+                                          <p:stCondLst>
+                                            <p:cond delay="0"/>
+                                          </p:stCondLst>
+                                        </p:cTn>
+                                        <p:tgtEl>
+                                          <p:spTgt spid="2">
+                                            <p:txEl>
+                                              <p:pRg st="1" end="1"/>
+                                            </p:txEl>
+                                          </p:spTgt>
+                                        </p:tgtEl>
+                                        <p:attrNameLst>
+                                          <p:attrName>style.visibility</p:attrName>
+                                        </p:attrNameLst>
+                                      </p:cBhvr>
+                                      <p:to>
+                                        <p:strVal val="visible"/>
+                                      </p:to>
+                                    </p:set>
+                                    <p:animEffect transition="in" filter="fade">
+                                      <p:cBhvr>
+                                        <p:cTn id="7" dur="500"/>
+                                        <p:tgtEl>
+                                          <p:spTgt spid="2">
+                                            <p:txEl>
+                                              <p:pRg st="1" end="1"/>
+                                            </p:txEl>
+                                          </p:spTgt>
+                                        </p:tgtEl>
+                                      </p:cBhvr>
+                                    </p:animEffect>
+                                  </p:childTnLst>
+                                </p:cTn>
+                              </p:par>
+                            </p:childTnLst>
+                          </p:cTn>
+                        </p:par>
+                      </p:childTnLst>
+                    </p:cTn>
+                  </p:par>
+                  <p:par>
+                    <p:cTn id="8" fill="hold">
+                      <p:stCondLst>
+                        <p:cond delay="indefinite"/>
+                      </p:stCondLst>
+                      <p:childTnLst>
+                        <p:par>
+                          <p:cTn id="9" fill="hold">
+                            <p:stCondLst>
+                              <p:cond delay="0"/>
+                            </p:stCondLst>
+                            <p:childTnLst>
+                              <p:par>
+                                <p:cTn id="10" presetID="10" presetClass="entr" presetSubtype="0" fill="hold" nodeType="clickEffect">
+                                  <p:stCondLst>
+                                    <p:cond delay="0"/>
+                                  </p:stCondLst>
+                                  <p:childTnLst>
+                                    <p:set>
+                                      <p:cBhvr>
+                                        <p:cTn id="11" dur="1" fill="hold">
+                                          <p:stCondLst>
+                                            <p:cond delay="0"/>
+                                          </p:stCondLst>
+                                        </p:cTn>
+                                        <p:tgtEl>
+                                          <p:spTgt spid="7">
+                                            <p:txEl>
+                                              <p:pRg st="0" end="0"/>
+                                            </p:txEl>
+                                          </p:spTgt>
+                                        </p:tgtEl>
+                                        <p:attrNameLst>
+                                          <p:attrName>style.visibility</p:attrName>
+                                        </p:attrNameLst>
+                                      </p:cBhvr>
+                                      <p:to>
+                                        <p:strVal val="visible"/>
+                                      </p:to>
+                                    </p:set>
+                                    <p:animEffect transition="in" filter="fade">
+                                      <p:cBhvr>
+                                        <p:cTn id="12" dur="500"/>
+                                        <p:tgtEl>
+                                          <p:spTgt spid="7">
+                                            <p:txEl>
+                                              <p:pRg st="0" end="0"/>
+                                            </p:txEl>
+                                          </p:spTgt>
+                                        </p:tgtEl>
+                                      </p:cBhvr>
+                                    </p:animEffect>
+                                  </p:childTnLst>
+                                </p:cTn>
+                              </p:par>
+                              <p:par>
+                                <p:cTn id="13" presetID="10" presetClass="entr" presetSubtype="0" fill="hold" nodeType="withEffect">
+                                  <p:stCondLst>
+                                    <p:cond delay="0"/>
+                                  </p:stCondLst>
+                                  <p:childTnLst>
+                                    <p:set>
+                                      <p:cBhvr>
+                                        <p:cTn id="14" dur="1" fill="hold">
+                                          <p:stCondLst>
+                                            <p:cond delay="0"/>
+                                          </p:stCondLst>
+                                        </p:cTn>
+                                        <p:tgtEl>
+                                          <p:spTgt spid="2">
+                                            <p:txEl>
+                                              <p:pRg st="6" end="6"/>
+                                            </p:txEl>
+                                          </p:spTgt>
+                                        </p:tgtEl>
+                                        <p:attrNameLst>
+                                          <p:attrName>style.visibility</p:attrName>
+                                        </p:attrNameLst>
+                                      </p:cBhvr>
+                                      <p:to>
+                                        <p:strVal val="visible"/>
+                                      </p:to>
+                                    </p:set>
+                                    <p:animEffect transition="in" filter="fade">
+                                      <p:cBhvr>
+                                        <p:cTn id="15" dur="500"/>
+                                        <p:tgtEl>
+                                          <p:spTgt spid="2">
+                                            <p:txEl>
+                                              <p:pRg st="6" end="6"/>
+                                            </p:txEl>
+                                          </p:spTgt>
+                                        </p:tgtEl>
+                                      </p:cBhvr>
+                                    </p:animEffect>
+                                  </p:childTnLst>
+                                </p:cTn>
+                              </p:par>
+                              <p:par>
+                                <p:cTn id="16" presetID="10" presetClass="entr" presetSubtype="0" fill="hold" nodeType="withEffect">
+                                  <p:stCondLst>
+                                    <p:cond delay="0"/>
+                                  </p:stCondLst>
+                                  <p:childTnLst>
+                                    <p:set>
+                                      <p:cBhvr>
+                                        <p:cTn id="17" dur="1" fill="hold">
+                                          <p:stCondLst>
+                                            <p:cond delay="0"/>
+                                          </p:stCondLst>
+                                        </p:cTn>
+                                        <p:tgtEl>
+                                          <p:spTgt spid="2">
+                                            <p:txEl>
+                                              <p:pRg st="7" end="7"/>
+                                            </p:txEl>
+                                          </p:spTgt>
+                                        </p:tgtEl>
+                                        <p:attrNameLst>
+                                          <p:attrName>style.visibility</p:attrName>
+                                        </p:attrNameLst>
+                                      </p:cBhvr>
+                                      <p:to>
+                                        <p:strVal val="visible"/>
+                                      </p:to>
+                                    </p:set>
+                                    <p:animEffect transition="in" filter="fade">
+                                      <p:cBhvr>
+                                        <p:cTn id="18" dur="500"/>
+                                        <p:tgtEl>
+                                          <p:spTgt spid="2">
+                                            <p:txEl>
+                                              <p:pRg st="7" end="7"/>
+                                            </p:txEl>
+                                          </p:spTgt>
+                                        </p:tgtEl>
+                                      </p:cBhvr>
+                                    </p:animEffect>
+                                  </p:childTnLst>
+                                </p:cTn>
+                              </p:par>
+                              <p:par>
+                                <p:cTn id="19" presetID="10" presetClass="entr" presetSubtype="0" fill="hold" nodeType="withEffect">
+                                  <p:stCondLst>
+                                    <p:cond delay="0"/>
+                                  </p:stCondLst>
+                                  <p:childTnLst>
+                                    <p:set>
+                                      <p:cBhvr>
+                                        <p:cTn id="20" dur="1" fill="hold">
+                                          <p:stCondLst>
+                                            <p:cond delay="0"/>
+                                          </p:stCondLst>
+                                        </p:cTn>
+                                        <p:tgtEl>
+                                          <p:spTgt spid="2">
+                                            <p:txEl>
+                                              <p:pRg st="8" end="8"/>
+                                            </p:txEl>
+                                          </p:spTgt>
+                                        </p:tgtEl>
+                                        <p:attrNameLst>
+                                          <p:attrName>style.visibility</p:attrName>
+                                        </p:attrNameLst>
+                                      </p:cBhvr>
+                                      <p:to>
+                                        <p:strVal val="visible"/>
+                                      </p:to>
+                                    </p:set>
+                                    <p:animEffect transition="in" filter="fade">
+                                      <p:cBhvr>
+                                        <p:cTn id="21" dur="500"/>
+                                        <p:tgtEl>
+                                          <p:spTgt spid="2">
+                                            <p:txEl>
+                                              <p:pRg st="8" end="8"/>
+                                            </p:txEl>
+                                          </p:spTgt>
+                                        </p:tgtEl>
+                                      </p:cBhvr>
+                                    </p:animEffect>
+                                  </p:childTnLst>
+                                </p:cTn>
+                              </p:par>
+                              <p:par>
+                                <p:cTn id="22" presetID="10" presetClass="entr" presetSubtype="0" fill="hold" nodeType="withEffect">
+                                  <p:stCondLst>
+                                    <p:cond delay="0"/>
+                                  </p:stCondLst>
+                                  <p:childTnLst>
+                                    <p:set>
+                                      <p:cBhvr>
+                                        <p:cTn id="23" dur="1" fill="hold">
+                                          <p:stCondLst>
+                                            <p:cond delay="0"/>
+                                          </p:stCondLst>
+                                        </p:cTn>
+                                        <p:tgtEl>
+                                          <p:spTgt spid="2">
+                                            <p:txEl>
+                                              <p:pRg st="9" end="9"/>
+                                            </p:txEl>
+                                          </p:spTgt>
+                                        </p:tgtEl>
+                                        <p:attrNameLst>
+                                          <p:attrName>style.visibility</p:attrName>
+                                        </p:attrNameLst>
+                                      </p:cBhvr>
+                                      <p:to>
+                                        <p:strVal val="visible"/>
+                                      </p:to>
+                                    </p:set>
+                                    <p:animEffect transition="in" filter="fade">
+                                      <p:cBhvr>
+                                        <p:cTn id="24" dur="500"/>
+                                        <p:tgtEl>
+                                          <p:spTgt spid="2">
+                                            <p:txEl>
+                                              <p:pRg st="9" end="9"/>
+                                            </p:txEl>
+                                          </p:spTgt>
+                                        </p:tgtEl>
+                                      </p:cBhvr>
+                                    </p:animEffect>
+                                  </p:childTnLst>
+                                </p:cTn>
+                              </p:par>
+                            </p:childTnLst>
+                          </p:cTn>
+                        </p:par>
+                      </p:childTnLst>
+                    </p:cTn>
+                  </p:par>
+                </p:childTnLst>
+              </p:cTn>
+              <p:prevCondLst>
+                <p:cond evt="onPrev" delay="0">
+                  <p:tgtEl>
+                    <p:sldTgt/>
+                  </p:tgtEl>
+                </p:cond>
+              </p:prevCondLst>
+              <p:nextCondLst>
+                <p:cond evt="onNext" delay="0">
+                  <p:tgtEl>
+                    <p:sldTgt/>
+                  </p:tgtEl>
+                </p:cond>
+              </p:nextCondLst>
+            </p:seq>
+          </p:childTnLst>
+        </p:cTn>
+      </p:par>
+    </p:tnLst>
+  </p:timing>
+</p:sld>
+</file>
+
+<file path=ppt/slides/slide18.xml><?xml version="1.0" encoding="utf-8"?>
+<p:sld xmlns:a="http://schemas.openxmlformats.org/drawingml/2006/main" xmlns:r="http://schemas.openxmlformats.org/officeDocument/2006/relationships" xmlns:p="http://schemas.openxmlformats.org/presentationml/2006/main">
+  <p:cSld>
+    <p:spTree>
+      <p:nvGrpSpPr>
+        <p:cNvPr id="1" name=""/>
+        <p:cNvGrpSpPr/>
+        <p:nvPr/>
+      </p:nvGrpSpPr>
+      <p:grpSpPr>
+        <a:xfrm>
+          <a:off x="0" y="0"/>
+          <a:ext cx="0" cy="0"/>
+          <a:chOff x="0" y="0"/>
+          <a:chExt cx="0" cy="0"/>
+        </a:xfrm>
+      </p:grpSpPr>
+      <p:sp>
+        <p:nvSpPr>
+          <p:cNvPr id="12" name="矩形 2">
+            <a:extLst>
+              <a:ext uri="{FF2B5EF4-FFF2-40B4-BE49-F238E27FC236}">
+                <a16:creationId xmlns:a16="http://schemas.microsoft.com/office/drawing/2014/main" id="{01D1EA62-D4B9-4AA3-A630-1C26AB4845D5}"/>
+              </a:ext>
+            </a:extLst>
+          </p:cNvPr>
+          <p:cNvSpPr/>
+          <p:nvPr>
+            <p:custDataLst>
+              <p:tags r:id="rId1"/>
+            </p:custDataLst>
+          </p:nvPr>
+        </p:nvSpPr>
+        <p:spPr>
+          <a:xfrm>
+            <a:off x="4665810" y="49008"/>
+            <a:ext cx="4199426" cy="376555"/>
+          </a:xfrm>
+          <a:prstGeom prst="rect">
+            <a:avLst/>
+          </a:prstGeom>
+          <a:solidFill>
+            <a:schemeClr val="bg1"/>
+          </a:solidFill>
+          <a:ln w="25400">
+            <a:noFill/>
+          </a:ln>
+        </p:spPr>
+        <p:txBody>
+          <a:bodyPr wrap="square">
+            <a:noAutofit/>
+          </a:bodyPr>
+          <a:lstStyle/>
+          <a:p>
+            <a:pPr algn="r"/>
+            <a:r>
+              <a:rPr lang="zh-CN" altLang="en-US" sz="2400" b="1" dirty="0">
+                <a:solidFill>
+                  <a:schemeClr val="accent1">
+                    <a:lumMod val="75000"/>
+                  </a:schemeClr>
+                </a:solidFill>
+                <a:latin typeface="微软雅黑" panose="020B0503020204020204" pitchFamily="34" charset="-122"/>
+                <a:ea typeface="微软雅黑" panose="020B0503020204020204" pitchFamily="34" charset="-122"/>
+              </a:rPr>
+              <a:t>最小二乘法的四大变式</a:t>
+            </a:r>
+            <a:r>
+              <a:rPr lang="en-US" altLang="zh-CN" sz="2400" b="1" dirty="0">
+                <a:solidFill>
+                  <a:schemeClr val="accent1">
+                    <a:lumMod val="75000"/>
+                  </a:schemeClr>
+                </a:solidFill>
+                <a:latin typeface="微软雅黑" panose="020B0503020204020204" pitchFamily="34" charset="-122"/>
+                <a:ea typeface="微软雅黑" panose="020B0503020204020204" pitchFamily="34" charset="-122"/>
+              </a:rPr>
+              <a:t>(4/9)</a:t>
+            </a:r>
+            <a:endParaRPr lang="zh-CN" altLang="en-US" sz="2400" b="1" dirty="0">
+              <a:solidFill>
+                <a:schemeClr val="accent1">
+                  <a:lumMod val="75000"/>
+                </a:schemeClr>
+              </a:solidFill>
+              <a:latin typeface="微软雅黑" panose="020B0503020204020204" pitchFamily="34" charset="-122"/>
+              <a:ea typeface="微软雅黑" panose="020B0503020204020204" pitchFamily="34" charset="-122"/>
+            </a:endParaRPr>
+          </a:p>
+        </p:txBody>
+      </p:sp>
+      <p:sp>
+        <p:nvSpPr>
+          <p:cNvPr id="2" name="TextBox 11">
+            <a:extLst>
+              <a:ext uri="{FF2B5EF4-FFF2-40B4-BE49-F238E27FC236}">
+                <a16:creationId xmlns:a16="http://schemas.microsoft.com/office/drawing/2014/main" id="{961BEFA3-6099-D095-71EA-8E04B5D41F2D}"/>
+              </a:ext>
+            </a:extLst>
+          </p:cNvPr>
+          <p:cNvSpPr txBox="1"/>
+          <p:nvPr>
+            <p:custDataLst>
+              <p:tags r:id="rId2"/>
+            </p:custDataLst>
+          </p:nvPr>
+        </p:nvSpPr>
+        <p:spPr>
+          <a:xfrm>
+            <a:off x="65933" y="1009041"/>
+            <a:ext cx="6699590" cy="461665"/>
+          </a:xfrm>
+          <a:prstGeom prst="rect">
+            <a:avLst/>
+          </a:prstGeom>
+          <a:noFill/>
+        </p:spPr>
+        <p:txBody>
+          <a:bodyPr vert="horz" wrap="square" rtlCol="0">
+            <a:spAutoFit/>
+          </a:bodyPr>
+          <a:lstStyle/>
+          <a:p>
+            <a:pPr marL="342900" indent="-342900" fontAlgn="b">
+              <a:buFont typeface="Wingdings" panose="05000000000000000000" pitchFamily="2" charset="2"/>
+              <a:buChar char="u"/>
+            </a:pPr>
+            <a:r>
+              <a:rPr lang="zh-CN" altLang="en-US" sz="2400" b="1" dirty="0">
+                <a:solidFill>
+                  <a:schemeClr val="tx2">
+                    <a:lumMod val="75000"/>
+                  </a:schemeClr>
+                </a:solidFill>
+                <a:latin typeface="微软雅黑" panose="020B0503020204020204" pitchFamily="34" charset="-122"/>
+                <a:ea typeface="微软雅黑" panose="020B0503020204020204" pitchFamily="34" charset="-122"/>
+              </a:rPr>
+              <a:t>几何直观：</a:t>
+            </a:r>
+          </a:p>
+        </p:txBody>
+      </p:sp>
+      <p:sp>
+        <p:nvSpPr>
+          <p:cNvPr id="4" name="矩形: 圆角 3">
+            <a:extLst>
+              <a:ext uri="{FF2B5EF4-FFF2-40B4-BE49-F238E27FC236}">
+                <a16:creationId xmlns:a16="http://schemas.microsoft.com/office/drawing/2014/main" id="{EA959C72-5560-A904-36E8-B7925FC1FB6B}"/>
+              </a:ext>
+            </a:extLst>
+          </p:cNvPr>
+          <p:cNvSpPr/>
+          <p:nvPr/>
+        </p:nvSpPr>
+        <p:spPr>
+          <a:xfrm>
+            <a:off x="7380312" y="917059"/>
+            <a:ext cx="1152128" cy="648072"/>
+          </a:xfrm>
+          <a:prstGeom prst="roundRect">
+            <a:avLst/>
+          </a:prstGeom>
+          <a:ln>
+            <a:noFill/>
+          </a:ln>
+        </p:spPr>
+        <p:style>
+          <a:lnRef idx="2">
+            <a:schemeClr val="accent1">
+              <a:shade val="50000"/>
+            </a:schemeClr>
+          </a:lnRef>
+          <a:fillRef idx="1">
+            <a:schemeClr val="accent1"/>
+          </a:fillRef>
+          <a:effectRef idx="0">
+            <a:schemeClr val="accent1"/>
+          </a:effectRef>
+          <a:fontRef idx="minor">
+            <a:schemeClr val="lt1"/>
+          </a:fontRef>
+        </p:style>
+        <p:txBody>
+          <a:bodyPr rtlCol="0" anchor="ctr"/>
+          <a:lstStyle/>
+          <a:p>
+            <a:pPr algn="ctr"/>
+            <a:r>
+              <a:rPr lang="en-US" altLang="zh-CN" sz="2800" b="1" dirty="0">
+                <a:solidFill>
+                  <a:schemeClr val="tx2">
+                    <a:lumMod val="40000"/>
+                    <a:lumOff val="60000"/>
+                  </a:schemeClr>
+                </a:solidFill>
+              </a:rPr>
+              <a:t>OLS</a:t>
+            </a:r>
+            <a:endParaRPr lang="zh-CN" altLang="en-US" sz="2800" b="1" dirty="0">
+              <a:solidFill>
+                <a:schemeClr val="tx2">
+                  <a:lumMod val="40000"/>
+                  <a:lumOff val="60000"/>
+                </a:schemeClr>
+              </a:solidFill>
+            </a:endParaRPr>
+          </a:p>
+        </p:txBody>
+      </p:sp>
+      <p:sp>
+        <p:nvSpPr>
+          <p:cNvPr id="5" name="矩形: 圆角 4">
+            <a:extLst>
+              <a:ext uri="{FF2B5EF4-FFF2-40B4-BE49-F238E27FC236}">
+                <a16:creationId xmlns:a16="http://schemas.microsoft.com/office/drawing/2014/main" id="{D0C1DD57-63D3-C18C-5579-4B885B6EFF71}"/>
+              </a:ext>
+            </a:extLst>
+          </p:cNvPr>
+          <p:cNvSpPr/>
+          <p:nvPr/>
+        </p:nvSpPr>
+        <p:spPr>
+          <a:xfrm>
+            <a:off x="7387128" y="2115687"/>
+            <a:ext cx="1152128" cy="648072"/>
+          </a:xfrm>
+          <a:prstGeom prst="roundRect">
+            <a:avLst/>
+          </a:prstGeom>
+          <a:ln>
+            <a:noFill/>
+          </a:ln>
+        </p:spPr>
+        <p:style>
+          <a:lnRef idx="2">
+            <a:schemeClr val="accent1">
+              <a:shade val="50000"/>
+            </a:schemeClr>
+          </a:lnRef>
+          <a:fillRef idx="1">
+            <a:schemeClr val="accent1"/>
+          </a:fillRef>
+          <a:effectRef idx="0">
+            <a:schemeClr val="accent1"/>
+          </a:effectRef>
+          <a:fontRef idx="minor">
+            <a:schemeClr val="lt1"/>
+          </a:fontRef>
+        </p:style>
+        <p:txBody>
+          <a:bodyPr rtlCol="0" anchor="ctr"/>
+          <a:lstStyle/>
+          <a:p>
+            <a:pPr algn="ctr"/>
+            <a:r>
+              <a:rPr lang="en-US" altLang="zh-CN" sz="2800" b="1" dirty="0">
+                <a:solidFill>
+                  <a:schemeClr val="tx2">
+                    <a:lumMod val="40000"/>
+                    <a:lumOff val="60000"/>
+                  </a:schemeClr>
+                </a:solidFill>
+              </a:rPr>
+              <a:t>WLS</a:t>
+            </a:r>
+            <a:endParaRPr lang="zh-CN" altLang="en-US" sz="2800" b="1" dirty="0">
+              <a:solidFill>
+                <a:schemeClr val="tx2">
+                  <a:lumMod val="40000"/>
+                  <a:lumOff val="60000"/>
+                </a:schemeClr>
+              </a:solidFill>
+            </a:endParaRPr>
+          </a:p>
+        </p:txBody>
+      </p:sp>
+      <p:sp>
+        <p:nvSpPr>
+          <p:cNvPr id="7" name="矩形: 圆角 6">
+            <a:extLst>
+              <a:ext uri="{FF2B5EF4-FFF2-40B4-BE49-F238E27FC236}">
+                <a16:creationId xmlns:a16="http://schemas.microsoft.com/office/drawing/2014/main" id="{64943B9A-F4B7-F2C0-E2E5-1C4C23C43EC1}"/>
+              </a:ext>
+            </a:extLst>
+          </p:cNvPr>
+          <p:cNvSpPr/>
+          <p:nvPr/>
+        </p:nvSpPr>
+        <p:spPr>
+          <a:xfrm>
+            <a:off x="7315119" y="3314314"/>
+            <a:ext cx="1296144" cy="648072"/>
+          </a:xfrm>
+          <a:prstGeom prst="roundRect">
+            <a:avLst/>
+          </a:prstGeom>
+          <a:ln>
+            <a:noFill/>
+          </a:ln>
+        </p:spPr>
+        <p:style>
+          <a:lnRef idx="2">
+            <a:schemeClr val="accent1">
+              <a:shade val="50000"/>
+            </a:schemeClr>
+          </a:lnRef>
+          <a:fillRef idx="1">
+            <a:schemeClr val="accent1"/>
+          </a:fillRef>
+          <a:effectRef idx="0">
+            <a:schemeClr val="accent1"/>
+          </a:effectRef>
+          <a:fontRef idx="minor">
+            <a:schemeClr val="lt1"/>
+          </a:fontRef>
+        </p:style>
+        <p:txBody>
+          <a:bodyPr rtlCol="0" anchor="ctr"/>
+          <a:lstStyle/>
+          <a:p>
+            <a:pPr algn="ctr"/>
+            <a:r>
+              <a:rPr lang="en-US" altLang="zh-CN" sz="2800" b="1" dirty="0">
+                <a:effectLst>
+                  <a:outerShdw blurRad="38100" dist="38100" dir="2700000" algn="tl">
+                    <a:srgbClr val="000000">
+                      <a:alpha val="43137"/>
+                    </a:srgbClr>
+                  </a:outerShdw>
+                </a:effectLst>
+              </a:rPr>
+              <a:t>WTLS</a:t>
+            </a:r>
+            <a:endParaRPr lang="zh-CN" altLang="en-US" sz="2800" b="1" dirty="0">
+              <a:effectLst>
+                <a:outerShdw blurRad="38100" dist="38100" dir="2700000" algn="tl">
+                  <a:srgbClr val="000000">
+                    <a:alpha val="43137"/>
+                  </a:srgbClr>
+                </a:outerShdw>
+              </a:effectLst>
+            </a:endParaRPr>
+          </a:p>
+        </p:txBody>
+      </p:sp>
+      <p:sp>
+        <p:nvSpPr>
+          <p:cNvPr id="8" name="矩形: 圆角 7">
+            <a:extLst>
+              <a:ext uri="{FF2B5EF4-FFF2-40B4-BE49-F238E27FC236}">
+                <a16:creationId xmlns:a16="http://schemas.microsoft.com/office/drawing/2014/main" id="{FED28F51-DBE7-EBA2-E9E0-B7C023E40CBB}"/>
+              </a:ext>
+            </a:extLst>
+          </p:cNvPr>
+          <p:cNvSpPr/>
+          <p:nvPr/>
+        </p:nvSpPr>
+        <p:spPr>
+          <a:xfrm>
+            <a:off x="7380312" y="4512943"/>
+            <a:ext cx="1152128" cy="648072"/>
+          </a:xfrm>
+          <a:prstGeom prst="roundRect">
+            <a:avLst/>
+          </a:prstGeom>
+          <a:ln>
+            <a:noFill/>
+          </a:ln>
+        </p:spPr>
+        <p:style>
+          <a:lnRef idx="2">
+            <a:schemeClr val="accent1">
+              <a:shade val="50000"/>
+            </a:schemeClr>
+          </a:lnRef>
+          <a:fillRef idx="1">
+            <a:schemeClr val="accent1"/>
+          </a:fillRef>
+          <a:effectRef idx="0">
+            <a:schemeClr val="accent1"/>
+          </a:effectRef>
+          <a:fontRef idx="minor">
+            <a:schemeClr val="lt1"/>
+          </a:fontRef>
+        </p:style>
+        <p:txBody>
+          <a:bodyPr rtlCol="0" anchor="ctr"/>
+          <a:lstStyle/>
+          <a:p>
+            <a:pPr algn="ctr"/>
+            <a:r>
+              <a:rPr lang="en-US" altLang="zh-CN" sz="2800" b="1" dirty="0">
+                <a:effectLst>
+                  <a:outerShdw blurRad="38100" dist="38100" dir="2700000" algn="tl">
+                    <a:srgbClr val="000000">
+                      <a:alpha val="43137"/>
+                    </a:srgbClr>
+                  </a:outerShdw>
+                </a:effectLst>
+              </a:rPr>
+              <a:t>?</a:t>
+            </a:r>
+            <a:endParaRPr lang="zh-CN" altLang="en-US" sz="2800" b="1" dirty="0">
+              <a:effectLst>
+                <a:outerShdw blurRad="38100" dist="38100" dir="2700000" algn="tl">
+                  <a:srgbClr val="000000">
+                    <a:alpha val="43137"/>
+                  </a:srgbClr>
+                </a:outerShdw>
+              </a:effectLst>
+            </a:endParaRPr>
+          </a:p>
+        </p:txBody>
+      </p:sp>
+      <p:sp>
+        <p:nvSpPr>
+          <p:cNvPr id="9" name="箭头: 右 8">
+            <a:extLst>
+              <a:ext uri="{FF2B5EF4-FFF2-40B4-BE49-F238E27FC236}">
+                <a16:creationId xmlns:a16="http://schemas.microsoft.com/office/drawing/2014/main" id="{B0DCF526-7ADE-AE90-16FC-9BB98B731EB8}"/>
+              </a:ext>
+            </a:extLst>
+          </p:cNvPr>
+          <p:cNvSpPr/>
+          <p:nvPr/>
+        </p:nvSpPr>
+        <p:spPr>
+          <a:xfrm rot="5400000">
+            <a:off x="7761378" y="1719979"/>
+            <a:ext cx="389994" cy="240861"/>
+          </a:xfrm>
+          <a:prstGeom prst="rightArrow">
+            <a:avLst>
+              <a:gd name="adj1" fmla="val 35703"/>
+              <a:gd name="adj2" fmla="val 50000"/>
+            </a:avLst>
+          </a:prstGeom>
+        </p:spPr>
+        <p:style>
+          <a:lnRef idx="2">
+            <a:schemeClr val="accent1">
+              <a:shade val="50000"/>
+            </a:schemeClr>
+          </a:lnRef>
+          <a:fillRef idx="1">
+            <a:schemeClr val="accent1"/>
+          </a:fillRef>
+          <a:effectRef idx="0">
+            <a:schemeClr val="accent1"/>
+          </a:effectRef>
+          <a:fontRef idx="minor">
+            <a:schemeClr val="lt1"/>
+          </a:fontRef>
+        </p:style>
+        <p:txBody>
+          <a:bodyPr rtlCol="0" anchor="ctr"/>
+          <a:lstStyle/>
+          <a:p>
+            <a:pPr algn="ctr"/>
+            <a:endParaRPr lang="zh-CN" altLang="en-US"/>
+          </a:p>
+        </p:txBody>
+      </p:sp>
+      <p:sp>
+        <p:nvSpPr>
+          <p:cNvPr id="10" name="箭头: 右 9">
+            <a:extLst>
+              <a:ext uri="{FF2B5EF4-FFF2-40B4-BE49-F238E27FC236}">
+                <a16:creationId xmlns:a16="http://schemas.microsoft.com/office/drawing/2014/main" id="{68802577-1895-B2D1-7BDD-12BE7AF2DD87}"/>
+              </a:ext>
+            </a:extLst>
+          </p:cNvPr>
+          <p:cNvSpPr/>
+          <p:nvPr/>
+        </p:nvSpPr>
+        <p:spPr>
+          <a:xfrm rot="5400000">
+            <a:off x="7768194" y="2918606"/>
+            <a:ext cx="389994" cy="240861"/>
+          </a:xfrm>
+          <a:prstGeom prst="rightArrow">
+            <a:avLst>
+              <a:gd name="adj1" fmla="val 35703"/>
+              <a:gd name="adj2" fmla="val 50000"/>
+            </a:avLst>
+          </a:prstGeom>
+        </p:spPr>
+        <p:style>
+          <a:lnRef idx="2">
+            <a:schemeClr val="accent1">
+              <a:shade val="50000"/>
+            </a:schemeClr>
+          </a:lnRef>
+          <a:fillRef idx="1">
+            <a:schemeClr val="accent1"/>
+          </a:fillRef>
+          <a:effectRef idx="0">
+            <a:schemeClr val="accent1"/>
+          </a:effectRef>
+          <a:fontRef idx="minor">
+            <a:schemeClr val="lt1"/>
+          </a:fontRef>
+        </p:style>
+        <p:txBody>
+          <a:bodyPr rtlCol="0" anchor="ctr"/>
+          <a:lstStyle/>
+          <a:p>
+            <a:pPr algn="ctr"/>
+            <a:endParaRPr lang="zh-CN" altLang="en-US"/>
+          </a:p>
+        </p:txBody>
+      </p:sp>
+      <p:sp>
+        <p:nvSpPr>
+          <p:cNvPr id="11" name="箭头: 右 10">
+            <a:extLst>
+              <a:ext uri="{FF2B5EF4-FFF2-40B4-BE49-F238E27FC236}">
+                <a16:creationId xmlns:a16="http://schemas.microsoft.com/office/drawing/2014/main" id="{09A665D0-AA57-921B-7712-44A5797FDAFC}"/>
+              </a:ext>
+            </a:extLst>
+          </p:cNvPr>
+          <p:cNvSpPr/>
+          <p:nvPr/>
+        </p:nvSpPr>
+        <p:spPr>
+          <a:xfrm rot="5400000">
+            <a:off x="7761377" y="4117235"/>
+            <a:ext cx="389994" cy="240861"/>
+          </a:xfrm>
+          <a:prstGeom prst="rightArrow">
+            <a:avLst>
+              <a:gd name="adj1" fmla="val 35703"/>
+              <a:gd name="adj2" fmla="val 50000"/>
+            </a:avLst>
+          </a:prstGeom>
+        </p:spPr>
+        <p:style>
+          <a:lnRef idx="2">
+            <a:schemeClr val="accent1">
+              <a:shade val="50000"/>
+            </a:schemeClr>
+          </a:lnRef>
+          <a:fillRef idx="1">
+            <a:schemeClr val="accent1"/>
+          </a:fillRef>
+          <a:effectRef idx="0">
+            <a:schemeClr val="accent1"/>
+          </a:effectRef>
+          <a:fontRef idx="minor">
+            <a:schemeClr val="lt1"/>
+          </a:fontRef>
+        </p:style>
+        <p:txBody>
+          <a:bodyPr rtlCol="0" anchor="ctr"/>
+          <a:lstStyle/>
+          <a:p>
+            <a:pPr algn="ctr"/>
+            <a:endParaRPr lang="zh-CN" altLang="en-US"/>
+          </a:p>
+        </p:txBody>
+      </p:sp>
+      <p:pic>
+        <p:nvPicPr>
+          <p:cNvPr id="6" name="图片 5">
+            <a:extLst>
+              <a:ext uri="{FF2B5EF4-FFF2-40B4-BE49-F238E27FC236}">
+                <a16:creationId xmlns:a16="http://schemas.microsoft.com/office/drawing/2014/main" id="{C77A92A9-512A-3BE9-A28D-6A40701B8692}"/>
+              </a:ext>
+            </a:extLst>
+          </p:cNvPr>
+          <p:cNvPicPr>
+            <a:picLocks noChangeAspect="1"/>
+          </p:cNvPicPr>
+          <p:nvPr/>
+        </p:nvPicPr>
+        <p:blipFill>
+          <a:blip r:embed="rId5" cstate="print">
+            <a:extLst>
+              <a:ext uri="{28A0092B-C50C-407E-A947-70E740481C1C}">
+                <a14:useLocalDpi xmlns:a14="http://schemas.microsoft.com/office/drawing/2010/main" val="0"/>
+              </a:ext>
+            </a:extLst>
+          </a:blip>
+          <a:stretch>
+            <a:fillRect/>
+          </a:stretch>
+        </p:blipFill>
+        <p:spPr>
+          <a:xfrm>
+            <a:off x="4018772" y="1645412"/>
+            <a:ext cx="2520280" cy="2071121"/>
+          </a:xfrm>
+          <a:prstGeom prst="rect">
+            <a:avLst/>
+          </a:prstGeom>
+          <a:ln w="127000" cap="sq">
+            <a:noFill/>
+            <a:miter lim="800000"/>
+          </a:ln>
+          <a:effectLst>
+            <a:outerShdw blurRad="57150" dist="50800" dir="2700000" algn="tl" rotWithShape="0">
+              <a:srgbClr val="000000">
+                <a:alpha val="40000"/>
+              </a:srgbClr>
+            </a:outerShdw>
+          </a:effectLst>
+        </p:spPr>
+      </p:pic>
+      <p:pic>
+        <p:nvPicPr>
+          <p:cNvPr id="13" name="图片 12">
+            <a:extLst>
+              <a:ext uri="{FF2B5EF4-FFF2-40B4-BE49-F238E27FC236}">
+                <a16:creationId xmlns:a16="http://schemas.microsoft.com/office/drawing/2014/main" id="{73D58C84-A1E5-BC29-B20A-324B6056D6DF}"/>
+              </a:ext>
+            </a:extLst>
+          </p:cNvPr>
+          <p:cNvPicPr>
+            <a:picLocks noChangeAspect="1"/>
+          </p:cNvPicPr>
+          <p:nvPr/>
+        </p:nvPicPr>
+        <p:blipFill>
+          <a:blip r:embed="rId6"/>
+          <a:stretch>
+            <a:fillRect/>
+          </a:stretch>
+        </p:blipFill>
+        <p:spPr>
+          <a:xfrm>
+            <a:off x="561130" y="2312128"/>
+            <a:ext cx="2641353" cy="1932167"/>
+          </a:xfrm>
+          <a:prstGeom prst="rect">
+            <a:avLst/>
+          </a:prstGeom>
+          <a:ln w="127000" cap="sq">
+            <a:noFill/>
+            <a:miter lim="800000"/>
+          </a:ln>
+          <a:effectLst>
+            <a:outerShdw blurRad="57150" dist="50800" dir="2700000" algn="tl" rotWithShape="0">
+              <a:srgbClr val="000000">
+                <a:alpha val="40000"/>
+              </a:srgbClr>
+            </a:outerShdw>
+          </a:effectLst>
+        </p:spPr>
+      </p:pic>
+      <p:sp>
+        <p:nvSpPr>
+          <p:cNvPr id="14" name="文本框 13">
+            <a:extLst>
+              <a:ext uri="{FF2B5EF4-FFF2-40B4-BE49-F238E27FC236}">
+                <a16:creationId xmlns:a16="http://schemas.microsoft.com/office/drawing/2014/main" id="{90E4078C-A827-7A4F-84AC-C0BC16178647}"/>
+              </a:ext>
+            </a:extLst>
+          </p:cNvPr>
+          <p:cNvSpPr txBox="1"/>
+          <p:nvPr/>
+        </p:nvSpPr>
+        <p:spPr>
+          <a:xfrm>
+            <a:off x="1529377" y="4402312"/>
+            <a:ext cx="648072" cy="369332"/>
+          </a:xfrm>
+          <a:prstGeom prst="rect">
+            <a:avLst/>
+          </a:prstGeom>
+          <a:noFill/>
+        </p:spPr>
+        <p:txBody>
+          <a:bodyPr wrap="square">
+            <a:spAutoFit/>
+          </a:bodyPr>
+          <a:lstStyle/>
+          <a:p>
+            <a:r>
+              <a:rPr lang="en-US" altLang="zh-CN" sz="1800" b="1" dirty="0">
+                <a:solidFill>
+                  <a:schemeClr val="tx2">
+                    <a:lumMod val="75000"/>
+                  </a:schemeClr>
+                </a:solidFill>
+                <a:latin typeface="微软雅黑" panose="020B0503020204020204" pitchFamily="34" charset="-122"/>
+                <a:ea typeface="微软雅黑" panose="020B0503020204020204" pitchFamily="34" charset="-122"/>
+              </a:rPr>
+              <a:t>OLS</a:t>
+            </a:r>
+            <a:endParaRPr lang="zh-CN" altLang="en-US" dirty="0"/>
+          </a:p>
+        </p:txBody>
+      </p:sp>
+      <p:sp>
+        <p:nvSpPr>
+          <p:cNvPr id="15" name="文本框 14">
+            <a:extLst>
+              <a:ext uri="{FF2B5EF4-FFF2-40B4-BE49-F238E27FC236}">
+                <a16:creationId xmlns:a16="http://schemas.microsoft.com/office/drawing/2014/main" id="{B3ACB7D3-D038-BDC1-8BE8-25D0036004E0}"/>
+              </a:ext>
+            </a:extLst>
+          </p:cNvPr>
+          <p:cNvSpPr txBox="1"/>
+          <p:nvPr/>
+        </p:nvSpPr>
+        <p:spPr>
+          <a:xfrm>
+            <a:off x="4972719" y="3997223"/>
+            <a:ext cx="648072" cy="369332"/>
+          </a:xfrm>
+          <a:prstGeom prst="rect">
+            <a:avLst/>
+          </a:prstGeom>
+          <a:noFill/>
+        </p:spPr>
+        <p:txBody>
+          <a:bodyPr wrap="square">
+            <a:spAutoFit/>
+          </a:bodyPr>
+          <a:lstStyle/>
+          <a:p>
+            <a:r>
+              <a:rPr lang="en-US" altLang="zh-CN" sz="1800" b="1" dirty="0">
+                <a:solidFill>
+                  <a:schemeClr val="tx2">
+                    <a:lumMod val="75000"/>
+                  </a:schemeClr>
+                </a:solidFill>
+                <a:latin typeface="微软雅黑" panose="020B0503020204020204" pitchFamily="34" charset="-122"/>
+                <a:ea typeface="微软雅黑" panose="020B0503020204020204" pitchFamily="34" charset="-122"/>
+              </a:rPr>
+              <a:t>TLS</a:t>
+            </a:r>
+            <a:endParaRPr lang="zh-CN" altLang="en-US" dirty="0"/>
+          </a:p>
+        </p:txBody>
+      </p:sp>
+      <p:graphicFrame>
+        <p:nvGraphicFramePr>
+          <p:cNvPr id="16" name="对象 15">
+            <a:extLst>
+              <a:ext uri="{FF2B5EF4-FFF2-40B4-BE49-F238E27FC236}">
+                <a16:creationId xmlns:a16="http://schemas.microsoft.com/office/drawing/2014/main" id="{67C58BE3-0530-54F0-1A05-D06B7662C044}"/>
+              </a:ext>
+            </a:extLst>
+          </p:cNvPr>
+          <p:cNvGraphicFramePr>
+            <a:graphicFrameLocks noChangeAspect="1"/>
+          </p:cNvGraphicFramePr>
+          <p:nvPr>
+            <p:extLst>
+              <p:ext uri="{D42A27DB-BD31-4B8C-83A1-F6EECF244321}">
+                <p14:modId xmlns:p14="http://schemas.microsoft.com/office/powerpoint/2010/main" val="366069426"/>
+              </p:ext>
+            </p:extLst>
+          </p:nvPr>
+        </p:nvGraphicFramePr>
+        <p:xfrm>
+          <a:off x="2539999" y="2540000"/>
+          <a:ext cx="105480" cy="227880"/>
+        </p:xfrm>
+        <a:graphic>
+          <a:graphicData uri="http://schemas.openxmlformats.org/presentationml/2006/ole">
+            <mc:AlternateContent xmlns:mc="http://schemas.openxmlformats.org/markup-compatibility/2006">
+              <mc:Choice xmlns:v="urn:schemas-microsoft-com:vml" Requires="v">
+                <p:oleObj name="AxMath" r:id="rId7" imgW="105480" imgH="227880" progId="Equation.AxMath">
+                  <p:embed/>
+                </p:oleObj>
+              </mc:Choice>
+              <mc:Fallback>
+                <p:oleObj name="AxMath" r:id="rId7" imgW="105480" imgH="227880" progId="Equation.AxMath">
+                  <p:embed/>
+                  <p:pic>
+                    <p:nvPicPr>
+                      <p:cNvPr id="0" name=""/>
+                      <p:cNvPicPr/>
+                      <p:nvPr/>
+                    </p:nvPicPr>
+                    <p:blipFill>
+                      <a:blip r:embed="rId8"/>
+                      <a:stretch>
+                        <a:fillRect/>
+                      </a:stretch>
+                    </p:blipFill>
+                    <p:spPr>
+                      <a:xfrm>
+                        <a:off x="2539999" y="2540000"/>
+                        <a:ext cx="105480" cy="227880"/>
+                      </a:xfrm>
+                      <a:prstGeom prst="rect">
+                        <a:avLst/>
+                      </a:prstGeom>
+                    </p:spPr>
+                  </p:pic>
+                </p:oleObj>
+              </mc:Fallback>
+            </mc:AlternateContent>
+          </a:graphicData>
+        </a:graphic>
+      </p:graphicFrame>
+      <p:graphicFrame>
+        <p:nvGraphicFramePr>
+          <p:cNvPr id="17" name="对象 16">
+            <a:extLst>
+              <a:ext uri="{FF2B5EF4-FFF2-40B4-BE49-F238E27FC236}">
+                <a16:creationId xmlns:a16="http://schemas.microsoft.com/office/drawing/2014/main" id="{6B11D497-38B2-F226-09D2-EBB4A128F6C1}"/>
+              </a:ext>
+            </a:extLst>
+          </p:cNvPr>
+          <p:cNvGraphicFramePr>
+            <a:graphicFrameLocks noChangeAspect="1"/>
+          </p:cNvGraphicFramePr>
+          <p:nvPr>
+            <p:extLst>
+              <p:ext uri="{D42A27DB-BD31-4B8C-83A1-F6EECF244321}">
+                <p14:modId xmlns:p14="http://schemas.microsoft.com/office/powerpoint/2010/main" val="4125371848"/>
+              </p:ext>
+            </p:extLst>
+          </p:nvPr>
+        </p:nvGraphicFramePr>
+        <p:xfrm>
+          <a:off x="153551" y="1556414"/>
+          <a:ext cx="3552707" cy="676706"/>
+        </p:xfrm>
+        <a:graphic>
+          <a:graphicData uri="http://schemas.openxmlformats.org/presentationml/2006/ole">
+            <mc:AlternateContent xmlns:mc="http://schemas.openxmlformats.org/markup-compatibility/2006">
+              <mc:Choice xmlns:v="urn:schemas-microsoft-com:vml" Requires="v">
+                <p:oleObj name="AxMath" r:id="rId9" imgW="2131560" imgH="405720" progId="Equation.AxMath">
+                  <p:embed/>
+                </p:oleObj>
+              </mc:Choice>
+              <mc:Fallback>
+                <p:oleObj name="AxMath" r:id="rId9" imgW="2131560" imgH="405720" progId="Equation.AxMath">
+                  <p:embed/>
+                  <p:pic>
+                    <p:nvPicPr>
+                      <p:cNvPr id="0" name=""/>
+                      <p:cNvPicPr/>
+                      <p:nvPr/>
+                    </p:nvPicPr>
+                    <p:blipFill>
+                      <a:blip r:embed="rId10"/>
+                      <a:stretch>
+                        <a:fillRect/>
+                      </a:stretch>
+                    </p:blipFill>
+                    <p:spPr>
+                      <a:xfrm>
+                        <a:off x="153551" y="1556414"/>
+                        <a:ext cx="3552707" cy="676706"/>
+                      </a:xfrm>
+                      <a:prstGeom prst="rect">
+                        <a:avLst/>
+                      </a:prstGeom>
+                    </p:spPr>
+                  </p:pic>
+                </p:oleObj>
+              </mc:Fallback>
+            </mc:AlternateContent>
+          </a:graphicData>
+        </a:graphic>
+      </p:graphicFrame>
+      <p:graphicFrame>
+        <p:nvGraphicFramePr>
+          <p:cNvPr id="18" name="对象 17">
+            <a:extLst>
+              <a:ext uri="{FF2B5EF4-FFF2-40B4-BE49-F238E27FC236}">
+                <a16:creationId xmlns:a16="http://schemas.microsoft.com/office/drawing/2014/main" id="{08F15C38-A823-66FC-07FA-B501079201A1}"/>
+              </a:ext>
+            </a:extLst>
+          </p:cNvPr>
+          <p:cNvGraphicFramePr>
+            <a:graphicFrameLocks noChangeAspect="1"/>
+          </p:cNvGraphicFramePr>
+          <p:nvPr>
+            <p:extLst>
+              <p:ext uri="{D42A27DB-BD31-4B8C-83A1-F6EECF244321}">
+                <p14:modId xmlns:p14="http://schemas.microsoft.com/office/powerpoint/2010/main" val="349780150"/>
+              </p:ext>
+            </p:extLst>
+          </p:nvPr>
+        </p:nvGraphicFramePr>
+        <p:xfrm>
+          <a:off x="2177448" y="4524986"/>
+          <a:ext cx="5138739" cy="707330"/>
+        </p:xfrm>
+        <a:graphic>
+          <a:graphicData uri="http://schemas.openxmlformats.org/presentationml/2006/ole">
+            <mc:AlternateContent xmlns:mc="http://schemas.openxmlformats.org/markup-compatibility/2006">
+              <mc:Choice xmlns:v="urn:schemas-microsoft-com:vml" Requires="v">
+                <p:oleObj name="AxMath" r:id="rId11" imgW="3003120" imgH="414000" progId="Equation.AxMath">
+                  <p:embed/>
+                </p:oleObj>
+              </mc:Choice>
+              <mc:Fallback>
+                <p:oleObj name="AxMath" r:id="rId11" imgW="3003120" imgH="414000" progId="Equation.AxMath">
+                  <p:embed/>
+                  <p:pic>
+                    <p:nvPicPr>
+                      <p:cNvPr id="17" name="对象 16">
+                        <a:extLst>
+                          <a:ext uri="{FF2B5EF4-FFF2-40B4-BE49-F238E27FC236}">
+                            <a16:creationId xmlns:a16="http://schemas.microsoft.com/office/drawing/2014/main" id="{6B11D497-38B2-F226-09D2-EBB4A128F6C1}"/>
+                          </a:ext>
+                        </a:extLst>
+                      </p:cNvPr>
+                      <p:cNvPicPr/>
+                      <p:nvPr/>
+                    </p:nvPicPr>
+                    <p:blipFill>
+                      <a:blip r:embed="rId12"/>
+                      <a:stretch>
+                        <a:fillRect/>
+                      </a:stretch>
+                    </p:blipFill>
+                    <p:spPr>
+                      <a:xfrm>
+                        <a:off x="2177448" y="4524986"/>
+                        <a:ext cx="5138739" cy="707330"/>
+                      </a:xfrm>
+                      <a:prstGeom prst="rect">
+                        <a:avLst/>
+                      </a:prstGeom>
+                    </p:spPr>
+                  </p:pic>
+                </p:oleObj>
+              </mc:Fallback>
+            </mc:AlternateContent>
+          </a:graphicData>
+        </a:graphic>
+      </p:graphicFrame>
+    </p:spTree>
+    <p:extLst>
+      <p:ext uri="{BB962C8B-B14F-4D97-AF65-F5344CB8AC3E}">
+        <p14:creationId xmlns:p14="http://schemas.microsoft.com/office/powerpoint/2010/main" val="2675070690"/>
+      </p:ext>
+    </p:extLst>
+  </p:cSld>
+  <p:clrMapOvr>
+    <a:masterClrMapping/>
+  </p:clrMapOvr>
+  <mc:AlternateContent xmlns:mc="http://schemas.openxmlformats.org/markup-compatibility/2006" xmlns:p159="http://schemas.microsoft.com/office/powerpoint/2015/09/main">
+    <mc:Choice Requires="p159">
+      <p:transition spd="med">
+        <p159:morph option="byWord"/>
+      </p:transition>
+    </mc:Choice>
+    <mc:Fallback xmlns="">
+      <p:transition spd="med">
+        <p:fade/>
+      </p:transition>
+    </mc:Fallback>
+  </mc:AlternateContent>
+</p:sld>
+</file>
+
+<file path=ppt/slides/slide19.xml><?xml version="1.0" encoding="utf-8"?>
+<p:sld xmlns:a="http://schemas.openxmlformats.org/drawingml/2006/main" xmlns:r="http://schemas.openxmlformats.org/officeDocument/2006/relationships" xmlns:p="http://schemas.openxmlformats.org/presentationml/2006/main">
+  <p:cSld>
+    <p:spTree>
+      <p:nvGrpSpPr>
+        <p:cNvPr id="1" name=""/>
+        <p:cNvGrpSpPr/>
+        <p:nvPr/>
+      </p:nvGrpSpPr>
+      <p:grpSpPr>
+        <a:xfrm>
+          <a:off x="0" y="0"/>
+          <a:ext cx="0" cy="0"/>
+          <a:chOff x="0" y="0"/>
+          <a:chExt cx="0" cy="0"/>
+        </a:xfrm>
+      </p:grpSpPr>
+      <p:sp>
+        <p:nvSpPr>
+          <p:cNvPr id="12" name="矩形 2">
+            <a:extLst>
+              <a:ext uri="{FF2B5EF4-FFF2-40B4-BE49-F238E27FC236}">
+                <a16:creationId xmlns:a16="http://schemas.microsoft.com/office/drawing/2014/main" id="{01D1EA62-D4B9-4AA3-A630-1C26AB4845D5}"/>
+              </a:ext>
+            </a:extLst>
+          </p:cNvPr>
+          <p:cNvSpPr/>
+          <p:nvPr>
+            <p:custDataLst>
+              <p:tags r:id="rId1"/>
+            </p:custDataLst>
+          </p:nvPr>
+        </p:nvSpPr>
+        <p:spPr>
+          <a:xfrm>
+            <a:off x="4665810" y="49008"/>
+            <a:ext cx="4199426" cy="376555"/>
+          </a:xfrm>
+          <a:prstGeom prst="rect">
+            <a:avLst/>
+          </a:prstGeom>
+          <a:solidFill>
+            <a:schemeClr val="bg1"/>
+          </a:solidFill>
+          <a:ln w="25400">
+            <a:noFill/>
+          </a:ln>
+        </p:spPr>
+        <p:txBody>
+          <a:bodyPr wrap="square">
+            <a:noAutofit/>
+          </a:bodyPr>
+          <a:lstStyle/>
+          <a:p>
+            <a:pPr algn="r"/>
+            <a:r>
+              <a:rPr lang="zh-CN" altLang="en-US" sz="2400" b="1" dirty="0">
+                <a:solidFill>
+                  <a:schemeClr val="accent1">
+                    <a:lumMod val="75000"/>
+                  </a:schemeClr>
+                </a:solidFill>
+                <a:latin typeface="微软雅黑" panose="020B0503020204020204" pitchFamily="34" charset="-122"/>
+                <a:ea typeface="微软雅黑" panose="020B0503020204020204" pitchFamily="34" charset="-122"/>
+              </a:rPr>
+              <a:t>最小二乘法的四大变式</a:t>
+            </a:r>
+            <a:r>
+              <a:rPr lang="en-US" altLang="zh-CN" sz="2400" b="1" dirty="0">
+                <a:solidFill>
+                  <a:schemeClr val="accent1">
+                    <a:lumMod val="75000"/>
+                  </a:schemeClr>
+                </a:solidFill>
+                <a:latin typeface="微软雅黑" panose="020B0503020204020204" pitchFamily="34" charset="-122"/>
+                <a:ea typeface="微软雅黑" panose="020B0503020204020204" pitchFamily="34" charset="-122"/>
+              </a:rPr>
+              <a:t>(1/9)</a:t>
+            </a:r>
+            <a:endParaRPr lang="zh-CN" altLang="en-US" sz="2400" b="1" dirty="0">
+              <a:solidFill>
+                <a:schemeClr val="accent1">
+                  <a:lumMod val="75000"/>
+                </a:schemeClr>
+              </a:solidFill>
+              <a:latin typeface="微软雅黑" panose="020B0503020204020204" pitchFamily="34" charset="-122"/>
+              <a:ea typeface="微软雅黑" panose="020B0503020204020204" pitchFamily="34" charset="-122"/>
+            </a:endParaRPr>
+          </a:p>
+        </p:txBody>
+      </p:sp>
+      <p:sp>
+        <p:nvSpPr>
+          <p:cNvPr id="2" name="TextBox 11">
+            <a:extLst>
+              <a:ext uri="{FF2B5EF4-FFF2-40B4-BE49-F238E27FC236}">
+                <a16:creationId xmlns:a16="http://schemas.microsoft.com/office/drawing/2014/main" id="{961BEFA3-6099-D095-71EA-8E04B5D41F2D}"/>
+              </a:ext>
+            </a:extLst>
+          </p:cNvPr>
+          <p:cNvSpPr txBox="1"/>
+          <p:nvPr>
+            <p:custDataLst>
+              <p:tags r:id="rId2"/>
+            </p:custDataLst>
+          </p:nvPr>
+        </p:nvSpPr>
+        <p:spPr>
+          <a:xfrm>
+            <a:off x="107504" y="1057300"/>
+            <a:ext cx="5400600" cy="1015663"/>
+          </a:xfrm>
+          <a:prstGeom prst="rect">
+            <a:avLst/>
+          </a:prstGeom>
+          <a:noFill/>
+        </p:spPr>
+        <p:txBody>
+          <a:bodyPr vert="horz" wrap="square" rtlCol="0">
+            <a:spAutoFit/>
+          </a:bodyPr>
+          <a:lstStyle/>
+          <a:p>
+            <a:pPr marL="342900" indent="-342900" fontAlgn="b">
+              <a:buFont typeface="Wingdings" panose="05000000000000000000" pitchFamily="2" charset="2"/>
+              <a:buChar char="u"/>
+            </a:pPr>
+            <a:r>
+              <a:rPr lang="zh-CN" altLang="en-US" sz="2000" b="1" dirty="0">
+                <a:solidFill>
+                  <a:schemeClr val="tx2">
+                    <a:lumMod val="75000"/>
+                  </a:schemeClr>
+                </a:solidFill>
+                <a:latin typeface="微软雅黑" panose="020B0503020204020204" pitchFamily="34" charset="-122"/>
+                <a:ea typeface="微软雅黑" panose="020B0503020204020204" pitchFamily="34" charset="-122"/>
+              </a:rPr>
+              <a:t>术语缩写介绍：</a:t>
+            </a:r>
+            <a:endParaRPr lang="en-US" altLang="zh-CN" sz="2000" b="1" dirty="0">
+              <a:solidFill>
+                <a:schemeClr val="tx2">
+                  <a:lumMod val="75000"/>
+                </a:schemeClr>
+              </a:solidFill>
+              <a:latin typeface="微软雅黑" panose="020B0503020204020204" pitchFamily="34" charset="-122"/>
+              <a:ea typeface="微软雅黑" panose="020B0503020204020204" pitchFamily="34" charset="-122"/>
+            </a:endParaRPr>
+          </a:p>
+          <a:p>
+            <a:pPr marL="800100" lvl="1" indent="-342900" fontAlgn="b">
+              <a:buFont typeface="Wingdings" panose="05000000000000000000" pitchFamily="2" charset="2"/>
+              <a:buChar char="u"/>
+            </a:pPr>
+            <a:r>
+              <a:rPr lang="en-US" altLang="zh-CN" sz="2000" b="1" dirty="0">
+                <a:solidFill>
+                  <a:schemeClr val="tx2">
+                    <a:lumMod val="75000"/>
+                  </a:schemeClr>
+                </a:solidFill>
+                <a:latin typeface="微软雅黑" panose="020B0503020204020204" pitchFamily="34" charset="-122"/>
+                <a:ea typeface="微软雅黑" panose="020B0503020204020204" pitchFamily="34" charset="-122"/>
+              </a:rPr>
+              <a:t>LS(Least Square)</a:t>
+            </a:r>
+            <a:r>
+              <a:rPr lang="zh-CN" altLang="en-US" sz="2000" b="1" dirty="0">
+                <a:solidFill>
+                  <a:schemeClr val="tx2">
+                    <a:lumMod val="75000"/>
+                  </a:schemeClr>
+                </a:solidFill>
+                <a:latin typeface="微软雅黑" panose="020B0503020204020204" pitchFamily="34" charset="-122"/>
+                <a:ea typeface="微软雅黑" panose="020B0503020204020204" pitchFamily="34" charset="-122"/>
+              </a:rPr>
+              <a:t>：最小二乘法</a:t>
+            </a:r>
+            <a:endParaRPr lang="en-US" altLang="zh-CN" sz="2000" b="1" dirty="0">
+              <a:solidFill>
+                <a:schemeClr val="tx2">
+                  <a:lumMod val="75000"/>
+                </a:schemeClr>
+              </a:solidFill>
+              <a:latin typeface="微软雅黑" panose="020B0503020204020204" pitchFamily="34" charset="-122"/>
+              <a:ea typeface="微软雅黑" panose="020B0503020204020204" pitchFamily="34" charset="-122"/>
+            </a:endParaRPr>
+          </a:p>
+          <a:p>
+            <a:pPr marL="800100" lvl="1" indent="-342900" fontAlgn="b">
+              <a:buFont typeface="Wingdings" panose="05000000000000000000" pitchFamily="2" charset="2"/>
+              <a:buChar char="u"/>
+            </a:pPr>
+            <a:r>
+              <a:rPr lang="en-US" altLang="zh-CN" sz="2000" b="1" dirty="0">
+                <a:solidFill>
+                  <a:schemeClr val="tx2">
+                    <a:lumMod val="75000"/>
+                  </a:schemeClr>
+                </a:solidFill>
+                <a:latin typeface="微软雅黑" panose="020B0503020204020204" pitchFamily="34" charset="-122"/>
+                <a:ea typeface="微软雅黑" panose="020B0503020204020204" pitchFamily="34" charset="-122"/>
+              </a:rPr>
+              <a:t>OLS(Ordinary LS)</a:t>
+            </a:r>
+            <a:r>
+              <a:rPr lang="zh-CN" altLang="en-US" sz="2000" b="1" dirty="0">
+                <a:solidFill>
+                  <a:schemeClr val="tx2">
+                    <a:lumMod val="75000"/>
+                  </a:schemeClr>
+                </a:solidFill>
+                <a:latin typeface="微软雅黑" panose="020B0503020204020204" pitchFamily="34" charset="-122"/>
+                <a:ea typeface="微软雅黑" panose="020B0503020204020204" pitchFamily="34" charset="-122"/>
+              </a:rPr>
+              <a:t>：普通最小二乘法</a:t>
+            </a:r>
+          </a:p>
+        </p:txBody>
+      </p:sp>
+      <p:sp>
+        <p:nvSpPr>
+          <p:cNvPr id="4" name="矩形: 圆角 3">
+            <a:extLst>
+              <a:ext uri="{FF2B5EF4-FFF2-40B4-BE49-F238E27FC236}">
+                <a16:creationId xmlns:a16="http://schemas.microsoft.com/office/drawing/2014/main" id="{EA959C72-5560-A904-36E8-B7925FC1FB6B}"/>
+              </a:ext>
+            </a:extLst>
+          </p:cNvPr>
+          <p:cNvSpPr/>
+          <p:nvPr/>
+        </p:nvSpPr>
+        <p:spPr>
+          <a:xfrm>
+            <a:off x="7380312" y="917059"/>
+            <a:ext cx="1152128" cy="648072"/>
+          </a:xfrm>
+          <a:prstGeom prst="roundRect">
+            <a:avLst/>
+          </a:prstGeom>
+          <a:ln>
+            <a:noFill/>
+          </a:ln>
+        </p:spPr>
+        <p:style>
+          <a:lnRef idx="2">
+            <a:schemeClr val="accent1">
+              <a:shade val="50000"/>
+            </a:schemeClr>
+          </a:lnRef>
+          <a:fillRef idx="1">
+            <a:schemeClr val="accent1"/>
+          </a:fillRef>
+          <a:effectRef idx="0">
+            <a:schemeClr val="accent1"/>
+          </a:effectRef>
+          <a:fontRef idx="minor">
+            <a:schemeClr val="lt1"/>
+          </a:fontRef>
+        </p:style>
+        <p:txBody>
+          <a:bodyPr rtlCol="0" anchor="ctr"/>
+          <a:lstStyle/>
+          <a:p>
+            <a:pPr algn="ctr"/>
+            <a:r>
+              <a:rPr lang="en-US" altLang="zh-CN" sz="2800" b="1" dirty="0">
+                <a:effectLst>
+                  <a:outerShdw blurRad="38100" dist="38100" dir="2700000" algn="tl">
+                    <a:srgbClr val="000000">
+                      <a:alpha val="43137"/>
+                    </a:srgbClr>
+                  </a:outerShdw>
+                </a:effectLst>
+              </a:rPr>
+              <a:t>OLS</a:t>
+            </a:r>
+            <a:endParaRPr lang="zh-CN" altLang="en-US" sz="2800" b="1" dirty="0">
+              <a:effectLst>
+                <a:outerShdw blurRad="38100" dist="38100" dir="2700000" algn="tl">
+                  <a:srgbClr val="000000">
+                    <a:alpha val="43137"/>
+                  </a:srgbClr>
+                </a:outerShdw>
+              </a:effectLst>
+            </a:endParaRPr>
+          </a:p>
+        </p:txBody>
+      </p:sp>
+      <p:sp>
+        <p:nvSpPr>
+          <p:cNvPr id="5" name="矩形: 圆角 4">
+            <a:extLst>
+              <a:ext uri="{FF2B5EF4-FFF2-40B4-BE49-F238E27FC236}">
+                <a16:creationId xmlns:a16="http://schemas.microsoft.com/office/drawing/2014/main" id="{D0C1DD57-63D3-C18C-5579-4B885B6EFF71}"/>
+              </a:ext>
+            </a:extLst>
+          </p:cNvPr>
+          <p:cNvSpPr/>
+          <p:nvPr/>
+        </p:nvSpPr>
+        <p:spPr>
+          <a:xfrm>
+            <a:off x="7387128" y="2115687"/>
+            <a:ext cx="1152128" cy="648072"/>
+          </a:xfrm>
+          <a:prstGeom prst="roundRect">
+            <a:avLst/>
+          </a:prstGeom>
+          <a:ln>
+            <a:noFill/>
+          </a:ln>
+        </p:spPr>
+        <p:style>
+          <a:lnRef idx="2">
+            <a:schemeClr val="accent1">
+              <a:shade val="50000"/>
+            </a:schemeClr>
+          </a:lnRef>
+          <a:fillRef idx="1">
+            <a:schemeClr val="accent1"/>
+          </a:fillRef>
+          <a:effectRef idx="0">
+            <a:schemeClr val="accent1"/>
+          </a:effectRef>
+          <a:fontRef idx="minor">
+            <a:schemeClr val="lt1"/>
+          </a:fontRef>
+        </p:style>
+        <p:txBody>
+          <a:bodyPr rtlCol="0" anchor="ctr"/>
+          <a:lstStyle/>
+          <a:p>
+            <a:pPr algn="ctr"/>
+            <a:r>
+              <a:rPr lang="en-US" altLang="zh-CN" sz="2800" b="1" dirty="0">
+                <a:effectLst>
+                  <a:outerShdw blurRad="38100" dist="38100" dir="2700000" algn="tl">
+                    <a:srgbClr val="000000">
+                      <a:alpha val="43137"/>
+                    </a:srgbClr>
+                  </a:outerShdw>
+                </a:effectLst>
+              </a:rPr>
+              <a:t>OLS</a:t>
+            </a:r>
+            <a:endParaRPr lang="zh-CN" altLang="en-US" sz="2800" b="1" dirty="0">
+              <a:effectLst>
+                <a:outerShdw blurRad="38100" dist="38100" dir="2700000" algn="tl">
+                  <a:srgbClr val="000000">
+                    <a:alpha val="43137"/>
+                  </a:srgbClr>
+                </a:outerShdw>
+              </a:effectLst>
+            </a:endParaRPr>
+          </a:p>
+        </p:txBody>
+      </p:sp>
+      <p:sp>
+        <p:nvSpPr>
+          <p:cNvPr id="7" name="矩形: 圆角 6">
+            <a:extLst>
+              <a:ext uri="{FF2B5EF4-FFF2-40B4-BE49-F238E27FC236}">
+                <a16:creationId xmlns:a16="http://schemas.microsoft.com/office/drawing/2014/main" id="{64943B9A-F4B7-F2C0-E2E5-1C4C23C43EC1}"/>
+              </a:ext>
+            </a:extLst>
+          </p:cNvPr>
+          <p:cNvSpPr/>
+          <p:nvPr/>
+        </p:nvSpPr>
+        <p:spPr>
+          <a:xfrm>
+            <a:off x="7380312" y="3314315"/>
+            <a:ext cx="1152128" cy="648072"/>
+          </a:xfrm>
+          <a:prstGeom prst="roundRect">
+            <a:avLst/>
+          </a:prstGeom>
+          <a:ln>
+            <a:noFill/>
+          </a:ln>
+        </p:spPr>
+        <p:style>
+          <a:lnRef idx="2">
+            <a:schemeClr val="accent1">
+              <a:shade val="50000"/>
+            </a:schemeClr>
+          </a:lnRef>
+          <a:fillRef idx="1">
+            <a:schemeClr val="accent1"/>
+          </a:fillRef>
+          <a:effectRef idx="0">
+            <a:schemeClr val="accent1"/>
+          </a:effectRef>
+          <a:fontRef idx="minor">
+            <a:schemeClr val="lt1"/>
+          </a:fontRef>
+        </p:style>
+        <p:txBody>
+          <a:bodyPr rtlCol="0" anchor="ctr"/>
+          <a:lstStyle/>
+          <a:p>
+            <a:pPr algn="ctr"/>
+            <a:r>
+              <a:rPr lang="en-US" altLang="zh-CN" sz="2800" b="1" dirty="0">
+                <a:effectLst>
+                  <a:outerShdw blurRad="38100" dist="38100" dir="2700000" algn="tl">
+                    <a:srgbClr val="000000">
+                      <a:alpha val="43137"/>
+                    </a:srgbClr>
+                  </a:outerShdw>
+                </a:effectLst>
+              </a:rPr>
+              <a:t>OLS</a:t>
+            </a:r>
+            <a:endParaRPr lang="zh-CN" altLang="en-US" sz="2800" b="1" dirty="0">
+              <a:effectLst>
+                <a:outerShdw blurRad="38100" dist="38100" dir="2700000" algn="tl">
+                  <a:srgbClr val="000000">
+                    <a:alpha val="43137"/>
+                  </a:srgbClr>
+                </a:outerShdw>
+              </a:effectLst>
+            </a:endParaRPr>
+          </a:p>
+        </p:txBody>
+      </p:sp>
+      <p:sp>
+        <p:nvSpPr>
+          <p:cNvPr id="8" name="矩形: 圆角 7">
+            <a:extLst>
+              <a:ext uri="{FF2B5EF4-FFF2-40B4-BE49-F238E27FC236}">
+                <a16:creationId xmlns:a16="http://schemas.microsoft.com/office/drawing/2014/main" id="{FED28F51-DBE7-EBA2-E9E0-B7C023E40CBB}"/>
+              </a:ext>
+            </a:extLst>
+          </p:cNvPr>
+          <p:cNvSpPr/>
+          <p:nvPr/>
+        </p:nvSpPr>
+        <p:spPr>
+          <a:xfrm>
+            <a:off x="7380312" y="4512943"/>
+            <a:ext cx="1152128" cy="648072"/>
+          </a:xfrm>
+          <a:prstGeom prst="roundRect">
+            <a:avLst/>
+          </a:prstGeom>
+          <a:ln>
+            <a:noFill/>
+          </a:ln>
+        </p:spPr>
+        <p:style>
+          <a:lnRef idx="2">
+            <a:schemeClr val="accent1">
+              <a:shade val="50000"/>
+            </a:schemeClr>
+          </a:lnRef>
+          <a:fillRef idx="1">
+            <a:schemeClr val="accent1"/>
+          </a:fillRef>
+          <a:effectRef idx="0">
+            <a:schemeClr val="accent1"/>
+          </a:effectRef>
+          <a:fontRef idx="minor">
+            <a:schemeClr val="lt1"/>
+          </a:fontRef>
+        </p:style>
+        <p:txBody>
+          <a:bodyPr rtlCol="0" anchor="ctr"/>
+          <a:lstStyle/>
+          <a:p>
+            <a:pPr algn="ctr"/>
+            <a:r>
+              <a:rPr lang="en-US" altLang="zh-CN" sz="2800" b="1" dirty="0">
+                <a:effectLst>
+                  <a:outerShdw blurRad="38100" dist="38100" dir="2700000" algn="tl">
+                    <a:srgbClr val="000000">
+                      <a:alpha val="43137"/>
+                    </a:srgbClr>
+                  </a:outerShdw>
+                </a:effectLst>
+              </a:rPr>
+              <a:t>OLS</a:t>
+            </a:r>
+            <a:endParaRPr lang="zh-CN" altLang="en-US" sz="2800" b="1" dirty="0">
+              <a:effectLst>
+                <a:outerShdw blurRad="38100" dist="38100" dir="2700000" algn="tl">
+                  <a:srgbClr val="000000">
+                    <a:alpha val="43137"/>
+                  </a:srgbClr>
+                </a:outerShdw>
+              </a:effectLst>
+            </a:endParaRPr>
+          </a:p>
+        </p:txBody>
+      </p:sp>
+    </p:spTree>
+    <p:extLst>
+      <p:ext uri="{BB962C8B-B14F-4D97-AF65-F5344CB8AC3E}">
+        <p14:creationId xmlns:p14="http://schemas.microsoft.com/office/powerpoint/2010/main" val="1094986451"/>
+      </p:ext>
+    </p:extLst>
+  </p:cSld>
+  <p:clrMapOvr>
+    <a:masterClrMapping/>
+  </p:clrMapOvr>
+  <mc:AlternateContent xmlns:mc="http://schemas.openxmlformats.org/markup-compatibility/2006" xmlns:p159="http://schemas.microsoft.com/office/powerpoint/2015/09/main">
+    <mc:Choice Requires="p159">
+      <p:transition spd="med">
+        <p159:morph option="byWord"/>
+      </p:transition>
+    </mc:Choice>
+    <mc:Fallback xmlns="">
+      <p:transition spd="med">
+        <p:fade/>
+      </p:transition>
+    </mc:Fallback>
+  </mc:AlternateContent>
+</p:sld>
+</file>
+
+<file path=ppt/slides/slide2.xml><?xml version="1.0" encoding="utf-8"?>
+<p:sld xmlns:a="http://schemas.openxmlformats.org/drawingml/2006/main" xmlns:r="http://schemas.openxmlformats.org/officeDocument/2006/relationships" xmlns:p="http://schemas.openxmlformats.org/presentationml/2006/main">
+  <p:cSld>
+    <p:spTree>
+      <p:nvGrpSpPr>
+        <p:cNvPr id="1" name=""/>
+        <p:cNvGrpSpPr/>
+        <p:nvPr/>
+      </p:nvGrpSpPr>
+      <p:grpSpPr>
+        <a:xfrm>
+          <a:off x="0" y="0"/>
+          <a:ext cx="0" cy="0"/>
+          <a:chOff x="0" y="0"/>
+          <a:chExt cx="0" cy="0"/>
+        </a:xfrm>
+      </p:grpSpPr>
+      <p:sp>
+        <p:nvSpPr>
+          <p:cNvPr id="1048648" name="TextBox 5"/>
+          <p:cNvSpPr txBox="1"/>
+          <p:nvPr/>
+        </p:nvSpPr>
+        <p:spPr>
+          <a:xfrm>
+            <a:off x="1522209" y="1273324"/>
+            <a:ext cx="716280" cy="904240"/>
+          </a:xfrm>
+          <a:prstGeom prst="rect">
+            <a:avLst/>
+          </a:prstGeom>
+          <a:noFill/>
+        </p:spPr>
+        <p:txBody>
+          <a:bodyPr vert="eaVert" wrap="none" rtlCol="0">
+            <a:spAutoFit/>
+          </a:bodyPr>
+          <a:lstStyle/>
+          <a:p>
+            <a:r>
+              <a:rPr lang="zh-CN" altLang="en-US" sz="3200" b="1" dirty="0">
+                <a:solidFill>
+                  <a:schemeClr val="tx2">
+                    <a:lumMod val="75000"/>
+                  </a:schemeClr>
+                </a:solidFill>
+                <a:latin typeface="微软雅黑" panose="020B0503020204020204" pitchFamily="34" charset="-122"/>
+                <a:ea typeface="微软雅黑" panose="020B0503020204020204" pitchFamily="34" charset="-122"/>
+              </a:rPr>
+              <a:t>目录</a:t>
+            </a:r>
+          </a:p>
+        </p:txBody>
+      </p:sp>
+      <p:cxnSp>
+        <p:nvCxnSpPr>
+          <p:cNvPr id="3145729" name="直接连接符 7"/>
+          <p:cNvCxnSpPr>
+            <a:cxnSpLocks/>
+          </p:cNvCxnSpPr>
+          <p:nvPr/>
+        </p:nvCxnSpPr>
+        <p:spPr>
+          <a:xfrm>
+            <a:off x="2166481" y="1339602"/>
+            <a:ext cx="0" cy="3240360"/>
+          </a:xfrm>
+          <a:prstGeom prst="line">
+            <a:avLst/>
+          </a:prstGeom>
+          <a:ln w="19050">
+            <a:solidFill>
+              <a:schemeClr val="tx2">
+                <a:lumMod val="75000"/>
+              </a:schemeClr>
+            </a:solidFill>
+          </a:ln>
+        </p:spPr>
+        <p:style>
+          <a:lnRef idx="1">
+            <a:schemeClr val="accent1"/>
+          </a:lnRef>
+          <a:fillRef idx="0">
+            <a:schemeClr val="accent1"/>
+          </a:fillRef>
+          <a:effectRef idx="0">
+            <a:schemeClr val="accent1"/>
+          </a:effectRef>
+          <a:fontRef idx="minor">
+            <a:schemeClr val="tx1"/>
+          </a:fontRef>
+        </p:style>
+      </p:cxnSp>
+      <p:cxnSp>
+        <p:nvCxnSpPr>
+          <p:cNvPr id="3145730" name="直接连接符 9"/>
+          <p:cNvCxnSpPr>
+            <a:cxnSpLocks/>
+          </p:cNvCxnSpPr>
+          <p:nvPr/>
+        </p:nvCxnSpPr>
+        <p:spPr>
+          <a:xfrm>
+            <a:off x="8172400" y="1339602"/>
+            <a:ext cx="0" cy="3240360"/>
+          </a:xfrm>
+          <a:prstGeom prst="line">
+            <a:avLst/>
+          </a:prstGeom>
+          <a:ln w="19050">
+            <a:solidFill>
+              <a:schemeClr val="tx2">
+                <a:lumMod val="75000"/>
+              </a:schemeClr>
+            </a:solidFill>
+          </a:ln>
+        </p:spPr>
+        <p:style>
+          <a:lnRef idx="1">
+            <a:schemeClr val="accent1"/>
+          </a:lnRef>
+          <a:fillRef idx="0">
+            <a:schemeClr val="accent1"/>
+          </a:fillRef>
+          <a:effectRef idx="0">
+            <a:schemeClr val="accent1"/>
+          </a:effectRef>
+          <a:fontRef idx="minor">
+            <a:schemeClr val="tx1"/>
+          </a:fontRef>
+        </p:style>
+      </p:cxnSp>
+      <p:sp>
+        <p:nvSpPr>
+          <p:cNvPr id="1048649" name="TextBox 4"/>
+          <p:cNvSpPr txBox="1">
+            <a:spLocks noChangeArrowheads="1"/>
+          </p:cNvSpPr>
+          <p:nvPr/>
+        </p:nvSpPr>
+        <p:spPr bwMode="auto">
+          <a:xfrm>
+            <a:off x="488192" y="2252672"/>
+            <a:ext cx="1414780" cy="497840"/>
+          </a:xfrm>
+          <a:prstGeom prst="rect">
+            <a:avLst/>
+          </a:prstGeom>
+          <a:noFill/>
+          <a:ln>
+            <a:noFill/>
+          </a:ln>
+        </p:spPr>
+        <p:txBody>
+          <a:bodyPr wrap="none">
+            <a:spAutoFit/>
+          </a:bodyPr>
+          <a:lstStyle>
+            <a:lvl1pPr eaLnBrk="0" hangingPunct="0">
+              <a:defRPr>
+                <a:solidFill>
+                  <a:schemeClr val="tx1"/>
+                </a:solidFill>
+                <a:latin typeface="Calibri" panose="020F0502020204030204" pitchFamily="34" charset="0"/>
+                <a:ea typeface="宋体" panose="02010600030101010101" pitchFamily="2" charset="-122"/>
+              </a:defRPr>
+            </a:lvl1pPr>
+            <a:lvl2pPr marL="742950" indent="-285750" eaLnBrk="0" hangingPunct="0">
+              <a:defRPr>
+                <a:solidFill>
+                  <a:schemeClr val="tx1"/>
+                </a:solidFill>
+                <a:latin typeface="Calibri" panose="020F0502020204030204" pitchFamily="34" charset="0"/>
+                <a:ea typeface="宋体" panose="02010600030101010101" pitchFamily="2" charset="-122"/>
+              </a:defRPr>
+            </a:lvl2pPr>
+            <a:lvl3pPr marL="1143000" indent="-228600" eaLnBrk="0" hangingPunct="0">
+              <a:defRPr>
+                <a:solidFill>
+                  <a:schemeClr val="tx1"/>
+                </a:solidFill>
+                <a:latin typeface="Calibri" panose="020F0502020204030204" pitchFamily="34" charset="0"/>
+                <a:ea typeface="宋体" panose="02010600030101010101" pitchFamily="2" charset="-122"/>
+              </a:defRPr>
+            </a:lvl3pPr>
+            <a:lvl4pPr marL="1600200" indent="-228600" eaLnBrk="0" hangingPunct="0">
+              <a:defRPr>
+                <a:solidFill>
+                  <a:schemeClr val="tx1"/>
+                </a:solidFill>
+                <a:latin typeface="Calibri" panose="020F0502020204030204" pitchFamily="34" charset="0"/>
+                <a:ea typeface="宋体" panose="02010600030101010101" pitchFamily="2" charset="-122"/>
+              </a:defRPr>
+            </a:lvl4pPr>
+            <a:lvl5pPr marL="2057400" indent="-228600" eaLnBrk="0" hangingPunct="0">
+              <a:defRPr>
+                <a:solidFill>
+                  <a:schemeClr val="tx1"/>
+                </a:solidFill>
+                <a:latin typeface="Calibri" panose="020F0502020204030204" pitchFamily="34" charset="0"/>
+                <a:ea typeface="宋体" panose="02010600030101010101" pitchFamily="2" charset="-122"/>
+              </a:defRPr>
+            </a:lvl5pPr>
+            <a:lvl6pPr marL="2514600" indent="-228600" eaLnBrk="0" fontAlgn="base" hangingPunct="0">
+              <a:spcBef>
+                <a:spcPct val="0"/>
+              </a:spcBef>
+              <a:spcAft>
+                <a:spcPct val="0"/>
+              </a:spcAft>
+              <a:defRPr>
+                <a:solidFill>
+                  <a:schemeClr val="tx1"/>
+                </a:solidFill>
+                <a:latin typeface="Calibri" panose="020F0502020204030204" pitchFamily="34" charset="0"/>
+                <a:ea typeface="宋体" panose="02010600030101010101" pitchFamily="2" charset="-122"/>
+              </a:defRPr>
+            </a:lvl6pPr>
+            <a:lvl7pPr marL="2971800" indent="-228600" eaLnBrk="0" fontAlgn="base" hangingPunct="0">
+              <a:spcBef>
+                <a:spcPct val="0"/>
+              </a:spcBef>
+              <a:spcAft>
+                <a:spcPct val="0"/>
+              </a:spcAft>
+              <a:defRPr>
+                <a:solidFill>
+                  <a:schemeClr val="tx1"/>
+                </a:solidFill>
+                <a:latin typeface="Calibri" panose="020F0502020204030204" pitchFamily="34" charset="0"/>
+                <a:ea typeface="宋体" panose="02010600030101010101" pitchFamily="2" charset="-122"/>
+              </a:defRPr>
+            </a:lvl7pPr>
+            <a:lvl8pPr marL="3429000" indent="-228600" eaLnBrk="0" fontAlgn="base" hangingPunct="0">
+              <a:spcBef>
+                <a:spcPct val="0"/>
+              </a:spcBef>
+              <a:spcAft>
+                <a:spcPct val="0"/>
+              </a:spcAft>
+              <a:defRPr>
+                <a:solidFill>
+                  <a:schemeClr val="tx1"/>
+                </a:solidFill>
+                <a:latin typeface="Calibri" panose="020F0502020204030204" pitchFamily="34" charset="0"/>
+                <a:ea typeface="宋体" panose="02010600030101010101" pitchFamily="2" charset="-122"/>
+              </a:defRPr>
+            </a:lvl8pPr>
+            <a:lvl9pPr marL="3886200" indent="-228600" eaLnBrk="0" fontAlgn="base" hangingPunct="0">
+              <a:spcBef>
+                <a:spcPct val="0"/>
+              </a:spcBef>
+              <a:spcAft>
+                <a:spcPct val="0"/>
+              </a:spcAft>
+              <a:defRPr>
+                <a:solidFill>
+                  <a:schemeClr val="tx1"/>
+                </a:solidFill>
+                <a:latin typeface="Calibri" panose="020F0502020204030204" pitchFamily="34" charset="0"/>
+                <a:ea typeface="宋体" panose="02010600030101010101" pitchFamily="2" charset="-122"/>
+              </a:defRPr>
+            </a:lvl9pPr>
+          </a:lstStyle>
+          <a:p>
+            <a:pPr eaLnBrk="1" hangingPunct="1"/>
+            <a:r>
+              <a:rPr lang="en-US" altLang="zh-CN" sz="2400" dirty="0">
+                <a:solidFill>
+                  <a:schemeClr val="bg1">
+                    <a:lumMod val="85000"/>
+                  </a:schemeClr>
+                </a:solidFill>
+                <a:latin typeface="Stencil" panose="040409050D0802020404" pitchFamily="82" charset="0"/>
+              </a:rPr>
+              <a:t>contents</a:t>
+            </a:r>
+            <a:endParaRPr lang="zh-CN" altLang="en-US" sz="2400" dirty="0">
+              <a:solidFill>
+                <a:schemeClr val="bg1">
+                  <a:lumMod val="85000"/>
+                </a:schemeClr>
+              </a:solidFill>
+              <a:latin typeface="Stencil" panose="040409050D0802020404" pitchFamily="82" charset="0"/>
+            </a:endParaRPr>
+          </a:p>
+        </p:txBody>
+      </p:sp>
+      <p:grpSp>
+        <p:nvGrpSpPr>
+          <p:cNvPr id="75" name="组合 1"/>
+          <p:cNvGrpSpPr/>
+          <p:nvPr/>
+        </p:nvGrpSpPr>
+        <p:grpSpPr>
+          <a:xfrm>
+            <a:off x="2253115" y="1079454"/>
+            <a:ext cx="5991291" cy="4225760"/>
+            <a:chOff x="2274493" y="1339602"/>
+            <a:chExt cx="5578945" cy="4225760"/>
+          </a:xfrm>
+        </p:grpSpPr>
+        <p:sp>
+          <p:nvSpPr>
+            <p:cNvPr id="1048650" name="矩形 8"/>
+            <p:cNvSpPr/>
+            <p:nvPr/>
+          </p:nvSpPr>
+          <p:spPr>
+            <a:xfrm>
+              <a:off x="2274493" y="1339602"/>
+              <a:ext cx="5400600" cy="4225760"/>
+            </a:xfrm>
+            <a:prstGeom prst="rect">
+              <a:avLst/>
+            </a:prstGeom>
+            <a:solidFill>
+              <a:schemeClr val="bg1">
+                <a:lumMod val="95000"/>
+              </a:schemeClr>
+            </a:solidFill>
+            <a:ln>
+              <a:noFill/>
+            </a:ln>
+          </p:spPr>
+          <p:style>
+            <a:lnRef idx="2">
+              <a:schemeClr val="accent1">
+                <a:shade val="50000"/>
+              </a:schemeClr>
+            </a:lnRef>
+            <a:fillRef idx="1">
+              <a:schemeClr val="accent1"/>
+            </a:fillRef>
+            <a:effectRef idx="0">
+              <a:schemeClr val="accent1"/>
+            </a:effectRef>
+            <a:fontRef idx="minor">
+              <a:schemeClr val="lt1"/>
+            </a:fontRef>
+          </p:style>
+          <p:txBody>
+            <a:bodyPr rtlCol="0" anchor="ctr"/>
+            <a:lstStyle/>
+            <a:p>
+              <a:pPr algn="ctr"/>
+              <a:endParaRPr lang="zh-CN" altLang="en-US"/>
+            </a:p>
+          </p:txBody>
+        </p:sp>
+        <p:sp>
+          <p:nvSpPr>
+            <p:cNvPr id="1048651" name="TextBox 11"/>
+            <p:cNvSpPr txBox="1"/>
+            <p:nvPr/>
+          </p:nvSpPr>
+          <p:spPr>
+            <a:xfrm>
+              <a:off x="3721622" y="1670168"/>
+              <a:ext cx="4131816" cy="523220"/>
+            </a:xfrm>
+            <a:prstGeom prst="rect">
+              <a:avLst/>
+            </a:prstGeom>
+            <a:noFill/>
+          </p:spPr>
+          <p:txBody>
+            <a:bodyPr vert="horz" wrap="square" rtlCol="0">
+              <a:spAutoFit/>
+            </a:bodyPr>
+            <a:lstStyle/>
+            <a:p>
+              <a:pPr fontAlgn="b"/>
+              <a:r>
+                <a:rPr lang="zh-CN" altLang="en-US" sz="2800" b="1" dirty="0">
+                  <a:solidFill>
+                    <a:schemeClr val="tx2">
+                      <a:lumMod val="75000"/>
+                    </a:schemeClr>
+                  </a:solidFill>
+                  <a:latin typeface="微软雅黑" panose="020B0503020204020204" pitchFamily="34" charset="-122"/>
+                  <a:ea typeface="微软雅黑" panose="020B0503020204020204" pitchFamily="34" charset="-122"/>
+                </a:rPr>
+                <a:t>声纳喷嘴参数的模型建立</a:t>
+              </a:r>
+              <a:endParaRPr lang="zh-CN" altLang="zh-CN" sz="2800" b="1" dirty="0">
+                <a:solidFill>
+                  <a:schemeClr val="tx2">
+                    <a:lumMod val="75000"/>
+                  </a:schemeClr>
+                </a:solidFill>
+                <a:latin typeface="微软雅黑" panose="020B0503020204020204" pitchFamily="34" charset="-122"/>
+                <a:ea typeface="微软雅黑" panose="020B0503020204020204" pitchFamily="34" charset="-122"/>
+              </a:endParaRPr>
+            </a:p>
+          </p:txBody>
+        </p:sp>
+        <p:sp>
+          <p:nvSpPr>
+            <p:cNvPr id="1048652" name="泪滴形 12"/>
+            <p:cNvSpPr/>
+            <p:nvPr/>
+          </p:nvSpPr>
+          <p:spPr>
+            <a:xfrm>
+              <a:off x="2866101" y="1719103"/>
+              <a:ext cx="486905" cy="486905"/>
+            </a:xfrm>
+            <a:prstGeom prst="teardrop">
+              <a:avLst/>
+            </a:prstGeom>
+            <a:solidFill>
+              <a:schemeClr val="tx2">
+                <a:lumMod val="75000"/>
+              </a:schemeClr>
+            </a:solidFill>
+            <a:ln>
+              <a:noFill/>
+            </a:ln>
+          </p:spPr>
+          <p:style>
+            <a:lnRef idx="2">
+              <a:schemeClr val="accent1">
+                <a:shade val="50000"/>
+              </a:schemeClr>
+            </a:lnRef>
+            <a:fillRef idx="1">
+              <a:schemeClr val="accent1"/>
+            </a:fillRef>
+            <a:effectRef idx="0">
+              <a:schemeClr val="accent1"/>
+            </a:effectRef>
+            <a:fontRef idx="minor">
+              <a:schemeClr val="lt1"/>
+            </a:fontRef>
+          </p:style>
+          <p:txBody>
+            <a:bodyPr rtlCol="0" anchor="ctr"/>
+            <a:lstStyle/>
+            <a:p>
+              <a:pPr algn="ctr"/>
+              <a:r>
+                <a:rPr lang="en-US" altLang="zh-CN" sz="2800" dirty="0">
+                  <a:latin typeface="微软雅黑" panose="020B0503020204020204" pitchFamily="34" charset="-122"/>
+                  <a:ea typeface="微软雅黑" panose="020B0503020204020204" pitchFamily="34" charset="-122"/>
+                </a:rPr>
+                <a:t>1</a:t>
+              </a:r>
+              <a:endParaRPr lang="zh-CN" altLang="en-US" dirty="0">
+                <a:latin typeface="微软雅黑" panose="020B0503020204020204" pitchFamily="34" charset="-122"/>
+                <a:ea typeface="微软雅黑" panose="020B0503020204020204" pitchFamily="34" charset="-122"/>
+              </a:endParaRPr>
+            </a:p>
+          </p:txBody>
+        </p:sp>
+        <p:sp>
+          <p:nvSpPr>
+            <p:cNvPr id="1048653" name="泪滴形 13"/>
+            <p:cNvSpPr/>
+            <p:nvPr/>
+          </p:nvSpPr>
+          <p:spPr>
+            <a:xfrm>
+              <a:off x="2866101" y="2491861"/>
+              <a:ext cx="486905" cy="486905"/>
+            </a:xfrm>
+            <a:prstGeom prst="teardrop">
+              <a:avLst/>
+            </a:prstGeom>
+            <a:solidFill>
+              <a:schemeClr val="tx2">
+                <a:lumMod val="75000"/>
+              </a:schemeClr>
+            </a:solidFill>
+            <a:ln>
+              <a:noFill/>
+            </a:ln>
+          </p:spPr>
+          <p:style>
+            <a:lnRef idx="2">
+              <a:schemeClr val="accent1">
+                <a:shade val="50000"/>
+              </a:schemeClr>
+            </a:lnRef>
+            <a:fillRef idx="1">
+              <a:schemeClr val="accent1"/>
+            </a:fillRef>
+            <a:effectRef idx="0">
+              <a:schemeClr val="accent1"/>
+            </a:effectRef>
+            <a:fontRef idx="minor">
+              <a:schemeClr val="lt1"/>
+            </a:fontRef>
+          </p:style>
+          <p:txBody>
+            <a:bodyPr rtlCol="0" anchor="ctr"/>
+            <a:lstStyle/>
+            <a:p>
+              <a:pPr algn="ctr"/>
+              <a:r>
+                <a:rPr lang="en-US" altLang="zh-CN" sz="2800" dirty="0">
+                  <a:latin typeface="微软雅黑" panose="020B0503020204020204" pitchFamily="34" charset="-122"/>
+                  <a:ea typeface="微软雅黑" panose="020B0503020204020204" pitchFamily="34" charset="-122"/>
+                </a:rPr>
+                <a:t>2</a:t>
+              </a:r>
+              <a:endParaRPr lang="zh-CN" altLang="en-US" dirty="0">
+                <a:latin typeface="微软雅黑" panose="020B0503020204020204" pitchFamily="34" charset="-122"/>
+                <a:ea typeface="微软雅黑" panose="020B0503020204020204" pitchFamily="34" charset="-122"/>
+              </a:endParaRPr>
+            </a:p>
+          </p:txBody>
+        </p:sp>
+        <p:sp>
+          <p:nvSpPr>
+            <p:cNvPr id="1048654" name="泪滴形 14"/>
+            <p:cNvSpPr/>
+            <p:nvPr/>
+          </p:nvSpPr>
+          <p:spPr>
+            <a:xfrm>
+              <a:off x="2866100" y="3258355"/>
+              <a:ext cx="486905" cy="486905"/>
+            </a:xfrm>
+            <a:prstGeom prst="teardrop">
+              <a:avLst/>
+            </a:prstGeom>
+            <a:solidFill>
+              <a:schemeClr val="tx2">
+                <a:lumMod val="75000"/>
+              </a:schemeClr>
+            </a:solidFill>
+            <a:ln>
+              <a:noFill/>
+            </a:ln>
+          </p:spPr>
+          <p:style>
+            <a:lnRef idx="2">
+              <a:schemeClr val="accent1">
+                <a:shade val="50000"/>
+              </a:schemeClr>
+            </a:lnRef>
+            <a:fillRef idx="1">
+              <a:schemeClr val="accent1"/>
+            </a:fillRef>
+            <a:effectRef idx="0">
+              <a:schemeClr val="accent1"/>
+            </a:effectRef>
+            <a:fontRef idx="minor">
+              <a:schemeClr val="lt1"/>
+            </a:fontRef>
+          </p:style>
+          <p:txBody>
+            <a:bodyPr rtlCol="0" anchor="ctr"/>
+            <a:lstStyle/>
+            <a:p>
+              <a:pPr algn="ctr"/>
+              <a:r>
+                <a:rPr lang="en-US" altLang="zh-CN" sz="2800" dirty="0">
+                  <a:latin typeface="微软雅黑" panose="020B0503020204020204" pitchFamily="34" charset="-122"/>
+                  <a:ea typeface="微软雅黑" panose="020B0503020204020204" pitchFamily="34" charset="-122"/>
+                </a:rPr>
+                <a:t>3</a:t>
+              </a:r>
+              <a:endParaRPr lang="zh-CN" altLang="en-US" dirty="0">
+                <a:latin typeface="微软雅黑" panose="020B0503020204020204" pitchFamily="34" charset="-122"/>
+                <a:ea typeface="微软雅黑" panose="020B0503020204020204" pitchFamily="34" charset="-122"/>
+              </a:endParaRPr>
+            </a:p>
+          </p:txBody>
+        </p:sp>
+        <p:sp>
+          <p:nvSpPr>
+            <p:cNvPr id="1048657" name="TextBox 17"/>
+            <p:cNvSpPr txBox="1"/>
+            <p:nvPr/>
+          </p:nvSpPr>
+          <p:spPr>
+            <a:xfrm>
+              <a:off x="3721620" y="2442926"/>
+              <a:ext cx="3662455" cy="523220"/>
+            </a:xfrm>
+            <a:prstGeom prst="rect">
+              <a:avLst/>
+            </a:prstGeom>
+            <a:noFill/>
+          </p:spPr>
+          <p:txBody>
+            <a:bodyPr vert="horz" wrap="square" rtlCol="0">
+              <a:spAutoFit/>
+            </a:bodyPr>
+            <a:lstStyle/>
+            <a:p>
+              <a:pPr fontAlgn="b"/>
+              <a:r>
+                <a:rPr lang="zh-CN" altLang="en-US" sz="2800" b="1" dirty="0">
+                  <a:solidFill>
+                    <a:schemeClr val="tx2">
+                      <a:lumMod val="75000"/>
+                    </a:schemeClr>
+                  </a:solidFill>
+                  <a:latin typeface="微软雅黑" panose="020B0503020204020204" pitchFamily="34" charset="-122"/>
+                  <a:ea typeface="微软雅黑" panose="020B0503020204020204" pitchFamily="34" charset="-122"/>
+                </a:rPr>
+                <a:t>估计值与不确定度评估</a:t>
+              </a:r>
+              <a:endParaRPr lang="zh-CN" altLang="zh-CN" sz="2800" b="1" dirty="0">
+                <a:solidFill>
+                  <a:schemeClr val="tx2">
+                    <a:lumMod val="75000"/>
+                  </a:schemeClr>
+                </a:solidFill>
+                <a:latin typeface="微软雅黑" panose="020B0503020204020204" pitchFamily="34" charset="-122"/>
+                <a:ea typeface="微软雅黑" panose="020B0503020204020204" pitchFamily="34" charset="-122"/>
+              </a:endParaRPr>
+            </a:p>
+          </p:txBody>
+        </p:sp>
+        <p:sp>
+          <p:nvSpPr>
+            <p:cNvPr id="1048658" name="TextBox 18"/>
+            <p:cNvSpPr txBox="1"/>
+            <p:nvPr/>
+          </p:nvSpPr>
+          <p:spPr>
+            <a:xfrm>
+              <a:off x="3721620" y="3209420"/>
+              <a:ext cx="3718563" cy="523220"/>
+            </a:xfrm>
+            <a:prstGeom prst="rect">
+              <a:avLst/>
+            </a:prstGeom>
+            <a:noFill/>
+          </p:spPr>
+          <p:txBody>
+            <a:bodyPr vert="horz" wrap="square" rtlCol="0">
+              <a:spAutoFit/>
+            </a:bodyPr>
+            <a:lstStyle/>
+            <a:p>
+              <a:pPr fontAlgn="b"/>
+              <a:r>
+                <a:rPr lang="zh-CN" altLang="en-US" sz="2800" b="1" dirty="0">
+                  <a:solidFill>
+                    <a:schemeClr val="tx2">
+                      <a:lumMod val="75000"/>
+                    </a:schemeClr>
+                  </a:solidFill>
+                  <a:latin typeface="微软雅黑" panose="020B0503020204020204" pitchFamily="34" charset="-122"/>
+                  <a:ea typeface="微软雅黑" panose="020B0503020204020204" pitchFamily="34" charset="-122"/>
+                </a:rPr>
+                <a:t>最小二乘法的四大变式</a:t>
+              </a:r>
+              <a:endParaRPr lang="zh-CN" altLang="zh-CN" sz="2800" b="1" dirty="0">
+                <a:solidFill>
+                  <a:schemeClr val="tx2">
+                    <a:lumMod val="75000"/>
+                  </a:schemeClr>
+                </a:solidFill>
+                <a:latin typeface="微软雅黑" panose="020B0503020204020204" pitchFamily="34" charset="-122"/>
+                <a:ea typeface="微软雅黑" panose="020B0503020204020204" pitchFamily="34" charset="-122"/>
+              </a:endParaRPr>
+            </a:p>
+          </p:txBody>
+        </p:sp>
+        <p:sp>
+          <p:nvSpPr>
+            <p:cNvPr id="1048659" name="泪滴形 21"/>
+            <p:cNvSpPr/>
+            <p:nvPr/>
+          </p:nvSpPr>
+          <p:spPr>
+            <a:xfrm>
+              <a:off x="2866101" y="4024849"/>
+              <a:ext cx="486905" cy="486905"/>
+            </a:xfrm>
+            <a:prstGeom prst="teardrop">
+              <a:avLst/>
+            </a:prstGeom>
+            <a:solidFill>
+              <a:schemeClr val="tx2">
+                <a:lumMod val="75000"/>
+              </a:schemeClr>
+            </a:solidFill>
+            <a:ln>
+              <a:noFill/>
+            </a:ln>
+          </p:spPr>
+          <p:style>
+            <a:lnRef idx="2">
+              <a:schemeClr val="accent1">
+                <a:shade val="50000"/>
+              </a:schemeClr>
+            </a:lnRef>
+            <a:fillRef idx="1">
+              <a:schemeClr val="accent1"/>
+            </a:fillRef>
+            <a:effectRef idx="0">
+              <a:schemeClr val="accent1"/>
+            </a:effectRef>
+            <a:fontRef idx="minor">
+              <a:schemeClr val="lt1"/>
+            </a:fontRef>
+          </p:style>
+          <p:txBody>
+            <a:bodyPr rtlCol="0" anchor="ctr"/>
+            <a:lstStyle/>
+            <a:p>
+              <a:pPr algn="ctr"/>
+              <a:r>
+                <a:rPr lang="en-US" altLang="zh-CN" sz="2800" dirty="0">
+                  <a:latin typeface="微软雅黑" panose="020B0503020204020204" pitchFamily="34" charset="-122"/>
+                  <a:ea typeface="微软雅黑" panose="020B0503020204020204" pitchFamily="34" charset="-122"/>
+                </a:rPr>
+                <a:t>4</a:t>
+              </a:r>
+              <a:endParaRPr lang="zh-CN" altLang="en-US" dirty="0">
+                <a:latin typeface="微软雅黑" panose="020B0503020204020204" pitchFamily="34" charset="-122"/>
+                <a:ea typeface="微软雅黑" panose="020B0503020204020204" pitchFamily="34" charset="-122"/>
+              </a:endParaRPr>
+            </a:p>
+          </p:txBody>
+        </p:sp>
+        <p:sp>
+          <p:nvSpPr>
+            <p:cNvPr id="1048660" name="TextBox 16"/>
+            <p:cNvSpPr txBox="1"/>
+            <p:nvPr/>
+          </p:nvSpPr>
+          <p:spPr>
+            <a:xfrm>
+              <a:off x="3721621" y="3975914"/>
+              <a:ext cx="2722586" cy="523220"/>
+            </a:xfrm>
+            <a:prstGeom prst="rect">
+              <a:avLst/>
+            </a:prstGeom>
+            <a:noFill/>
+          </p:spPr>
+          <p:txBody>
+            <a:bodyPr vert="horz" wrap="square" rtlCol="0">
+              <a:spAutoFit/>
+            </a:bodyPr>
+            <a:lstStyle/>
+            <a:p>
+              <a:pPr fontAlgn="b"/>
+              <a:r>
+                <a:rPr lang="zh-CN" altLang="en-US" sz="2800" b="1" dirty="0">
+                  <a:solidFill>
+                    <a:schemeClr val="tx2">
+                      <a:lumMod val="75000"/>
+                    </a:schemeClr>
+                  </a:solidFill>
+                  <a:latin typeface="微软雅黑" panose="020B0503020204020204" pitchFamily="34" charset="-122"/>
+                  <a:ea typeface="微软雅黑" panose="020B0503020204020204" pitchFamily="34" charset="-122"/>
+                </a:rPr>
+                <a:t>结果分析</a:t>
+              </a:r>
+              <a:endParaRPr lang="zh-CN" altLang="zh-CN" sz="2800" dirty="0">
+                <a:solidFill>
+                  <a:schemeClr val="tx2">
+                    <a:lumMod val="75000"/>
+                  </a:schemeClr>
+                </a:solidFill>
+                <a:latin typeface="微软雅黑" panose="020B0503020204020204" pitchFamily="34" charset="-122"/>
+                <a:ea typeface="微软雅黑" panose="020B0503020204020204" pitchFamily="34" charset="-122"/>
+              </a:endParaRPr>
+            </a:p>
+          </p:txBody>
+        </p:sp>
+      </p:grpSp>
+      <p:sp>
+        <p:nvSpPr>
+          <p:cNvPr id="1048661" name="灯片编号占位符 2"/>
           <p:cNvSpPr>
             <a:spLocks noGrp="1"/>
           </p:cNvSpPr>
@@ -17249,7 +23483,289 @@
             <a:pPr algn="r"/>
             <a:fld id="{4BB7B66E-7FFA-4300-8439-347A5E0E252A}" type="slidenum">
               <a:rPr lang="zh-CN" altLang="en-US" smtClean="0"/>
-              <a:t>15</a:t>
+              <a:t>2</a:t>
+            </a:fld>
+            <a:endParaRPr lang="zh-CN" altLang="en-US" dirty="0"/>
+          </a:p>
+        </p:txBody>
+      </p:sp>
+      <p:sp>
+        <p:nvSpPr>
+          <p:cNvPr id="2" name="泪滴形 21">
+            <a:extLst>
+              <a:ext uri="{FF2B5EF4-FFF2-40B4-BE49-F238E27FC236}">
+                <a16:creationId xmlns:a16="http://schemas.microsoft.com/office/drawing/2014/main" id="{ABD7EAA0-EE6A-A669-ABB5-56F9BF686D37}"/>
+              </a:ext>
+            </a:extLst>
+          </p:cNvPr>
+          <p:cNvSpPr/>
+          <p:nvPr/>
+        </p:nvSpPr>
+        <p:spPr>
+          <a:xfrm>
+            <a:off x="2890241" y="4519526"/>
+            <a:ext cx="522893" cy="486905"/>
+          </a:xfrm>
+          <a:prstGeom prst="teardrop">
+            <a:avLst/>
+          </a:prstGeom>
+          <a:solidFill>
+            <a:schemeClr val="tx2">
+              <a:lumMod val="75000"/>
+            </a:schemeClr>
+          </a:solidFill>
+          <a:ln>
+            <a:noFill/>
+          </a:ln>
+        </p:spPr>
+        <p:style>
+          <a:lnRef idx="2">
+            <a:schemeClr val="accent1">
+              <a:shade val="50000"/>
+            </a:schemeClr>
+          </a:lnRef>
+          <a:fillRef idx="1">
+            <a:schemeClr val="accent1"/>
+          </a:fillRef>
+          <a:effectRef idx="0">
+            <a:schemeClr val="accent1"/>
+          </a:effectRef>
+          <a:fontRef idx="minor">
+            <a:schemeClr val="lt1"/>
+          </a:fontRef>
+        </p:style>
+        <p:txBody>
+          <a:bodyPr rtlCol="0" anchor="ctr"/>
+          <a:lstStyle/>
+          <a:p>
+            <a:pPr algn="ctr"/>
+            <a:r>
+              <a:rPr lang="en-US" altLang="zh-CN" sz="2800" dirty="0">
+                <a:latin typeface="微软雅黑" panose="020B0503020204020204" pitchFamily="34" charset="-122"/>
+                <a:ea typeface="微软雅黑" panose="020B0503020204020204" pitchFamily="34" charset="-122"/>
+              </a:rPr>
+              <a:t>5</a:t>
+            </a:r>
+            <a:endParaRPr lang="zh-CN" altLang="en-US" dirty="0">
+              <a:latin typeface="微软雅黑" panose="020B0503020204020204" pitchFamily="34" charset="-122"/>
+              <a:ea typeface="微软雅黑" panose="020B0503020204020204" pitchFamily="34" charset="-122"/>
+            </a:endParaRPr>
+          </a:p>
+        </p:txBody>
+      </p:sp>
+      <p:sp>
+        <p:nvSpPr>
+          <p:cNvPr id="3" name="TextBox 16">
+            <a:extLst>
+              <a:ext uri="{FF2B5EF4-FFF2-40B4-BE49-F238E27FC236}">
+                <a16:creationId xmlns:a16="http://schemas.microsoft.com/office/drawing/2014/main" id="{60CE994F-DB89-06C5-9DBD-CE59F8510B69}"/>
+              </a:ext>
+            </a:extLst>
+          </p:cNvPr>
+          <p:cNvSpPr txBox="1"/>
+          <p:nvPr/>
+        </p:nvSpPr>
+        <p:spPr>
+          <a:xfrm>
+            <a:off x="3808994" y="4470591"/>
+            <a:ext cx="2923815" cy="523220"/>
+          </a:xfrm>
+          <a:prstGeom prst="rect">
+            <a:avLst/>
+          </a:prstGeom>
+          <a:noFill/>
+        </p:spPr>
+        <p:txBody>
+          <a:bodyPr vert="horz" wrap="square" rtlCol="0">
+            <a:spAutoFit/>
+          </a:bodyPr>
+          <a:lstStyle/>
+          <a:p>
+            <a:pPr fontAlgn="b"/>
+            <a:r>
+              <a:rPr lang="zh-CN" altLang="en-US" sz="2800" b="1" dirty="0">
+                <a:solidFill>
+                  <a:schemeClr val="tx2">
+                    <a:lumMod val="75000"/>
+                  </a:schemeClr>
+                </a:solidFill>
+                <a:latin typeface="微软雅黑" panose="020B0503020204020204" pitchFamily="34" charset="-122"/>
+                <a:ea typeface="微软雅黑" panose="020B0503020204020204" pitchFamily="34" charset="-122"/>
+              </a:rPr>
+              <a:t>改进建议</a:t>
+            </a:r>
+            <a:endParaRPr lang="zh-CN" altLang="zh-CN" sz="2800" b="1" dirty="0">
+              <a:solidFill>
+                <a:schemeClr val="tx2">
+                  <a:lumMod val="75000"/>
+                </a:schemeClr>
+              </a:solidFill>
+              <a:latin typeface="微软雅黑" panose="020B0503020204020204" pitchFamily="34" charset="-122"/>
+              <a:ea typeface="微软雅黑" panose="020B0503020204020204" pitchFamily="34" charset="-122"/>
+            </a:endParaRPr>
+          </a:p>
+        </p:txBody>
+      </p:sp>
+    </p:spTree>
+  </p:cSld>
+  <p:clrMapOvr>
+    <a:masterClrMapping/>
+  </p:clrMapOvr>
+  <mc:AlternateContent xmlns:mc="http://schemas.openxmlformats.org/markup-compatibility/2006" xmlns:p159="http://schemas.microsoft.com/office/powerpoint/2015/09/main">
+    <mc:Choice Requires="p159">
+      <p:transition spd="med">
+        <p159:morph option="byWord"/>
+      </p:transition>
+    </mc:Choice>
+    <mc:Fallback xmlns="">
+      <p:transition spd="med">
+        <p:fade/>
+      </p:transition>
+    </mc:Fallback>
+  </mc:AlternateContent>
+</p:sld>
+</file>
+
+<file path=ppt/slides/slide20.xml><?xml version="1.0" encoding="utf-8"?>
+<p:sld xmlns:a="http://schemas.openxmlformats.org/drawingml/2006/main" xmlns:r="http://schemas.openxmlformats.org/officeDocument/2006/relationships" xmlns:p="http://schemas.openxmlformats.org/presentationml/2006/main">
+  <p:cSld>
+    <p:spTree>
+      <p:nvGrpSpPr>
+        <p:cNvPr id="1" name=""/>
+        <p:cNvGrpSpPr/>
+        <p:nvPr/>
+      </p:nvGrpSpPr>
+      <p:grpSpPr>
+        <a:xfrm>
+          <a:off x="0" y="0"/>
+          <a:ext cx="0" cy="0"/>
+          <a:chOff x="0" y="0"/>
+          <a:chExt cx="0" cy="0"/>
+        </a:xfrm>
+      </p:grpSpPr>
+      <p:sp>
+        <p:nvSpPr>
+          <p:cNvPr id="1048692" name="灯片编号占位符 2"/>
+          <p:cNvSpPr>
+            <a:spLocks noGrp="1"/>
+          </p:cNvSpPr>
+          <p:nvPr>
+            <p:custDataLst>
+              <p:tags r:id="rId1"/>
+            </p:custDataLst>
+          </p:nvPr>
+        </p:nvSpPr>
+        <p:spPr>
+          <a:xfrm>
+            <a:off x="7010400" y="5305214"/>
+            <a:ext cx="2133600" cy="304271"/>
+          </a:xfrm>
+          <a:prstGeom prst="rect">
+            <a:avLst/>
+          </a:prstGeom>
+        </p:spPr>
+        <p:txBody>
+          <a:bodyPr/>
+          <a:lstStyle>
+            <a:defPPr>
+              <a:defRPr lang="zh-CN"/>
+            </a:defPPr>
+            <a:lvl1pPr marL="0" algn="l" defTabSz="914400" rtl="0" eaLnBrk="1" latinLnBrk="0" hangingPunct="1">
+              <a:defRPr sz="1800" kern="1200">
+                <a:solidFill>
+                  <a:schemeClr val="tx1"/>
+                </a:solidFill>
+                <a:latin typeface="+mn-lt"/>
+                <a:ea typeface="+mn-ea"/>
+                <a:cs typeface="+mn-cs"/>
+              </a:defRPr>
+            </a:lvl1pPr>
+            <a:lvl2pPr marL="457200" algn="l" defTabSz="914400" rtl="0" eaLnBrk="1" latinLnBrk="0" hangingPunct="1">
+              <a:defRPr sz="1800" kern="1200">
+                <a:solidFill>
+                  <a:schemeClr val="tx1"/>
+                </a:solidFill>
+                <a:latin typeface="+mn-lt"/>
+                <a:ea typeface="+mn-ea"/>
+                <a:cs typeface="+mn-cs"/>
+              </a:defRPr>
+            </a:lvl2pPr>
+            <a:lvl3pPr marL="914400" algn="l" defTabSz="914400" rtl="0" eaLnBrk="1" latinLnBrk="0" hangingPunct="1">
+              <a:defRPr sz="1800" kern="1200">
+                <a:solidFill>
+                  <a:schemeClr val="tx1"/>
+                </a:solidFill>
+                <a:latin typeface="+mn-lt"/>
+                <a:ea typeface="+mn-ea"/>
+                <a:cs typeface="+mn-cs"/>
+              </a:defRPr>
+            </a:lvl3pPr>
+            <a:lvl4pPr marL="1371600" algn="l" defTabSz="914400" rtl="0" eaLnBrk="1" latinLnBrk="0" hangingPunct="1">
+              <a:defRPr sz="1800" kern="1200">
+                <a:solidFill>
+                  <a:schemeClr val="tx1"/>
+                </a:solidFill>
+                <a:latin typeface="+mn-lt"/>
+                <a:ea typeface="+mn-ea"/>
+                <a:cs typeface="+mn-cs"/>
+              </a:defRPr>
+            </a:lvl4pPr>
+            <a:lvl5pPr marL="1828800" algn="l" defTabSz="914400" rtl="0" eaLnBrk="1" latinLnBrk="0" hangingPunct="1">
+              <a:defRPr sz="1800" kern="1200">
+                <a:solidFill>
+                  <a:schemeClr val="tx1"/>
+                </a:solidFill>
+                <a:latin typeface="+mn-lt"/>
+                <a:ea typeface="+mn-ea"/>
+                <a:cs typeface="+mn-cs"/>
+              </a:defRPr>
+            </a:lvl5pPr>
+            <a:lvl6pPr marL="2286000" algn="l" defTabSz="914400" rtl="0" eaLnBrk="1" latinLnBrk="0" hangingPunct="1">
+              <a:defRPr sz="1800" kern="1200">
+                <a:solidFill>
+                  <a:schemeClr val="tx1"/>
+                </a:solidFill>
+                <a:latin typeface="+mn-lt"/>
+                <a:ea typeface="+mn-ea"/>
+                <a:cs typeface="+mn-cs"/>
+              </a:defRPr>
+            </a:lvl6pPr>
+            <a:lvl7pPr marL="2743200" algn="l" defTabSz="914400" rtl="0" eaLnBrk="1" latinLnBrk="0" hangingPunct="1">
+              <a:defRPr sz="1800" kern="1200">
+                <a:solidFill>
+                  <a:schemeClr val="tx1"/>
+                </a:solidFill>
+                <a:latin typeface="+mn-lt"/>
+                <a:ea typeface="+mn-ea"/>
+                <a:cs typeface="+mn-cs"/>
+              </a:defRPr>
+            </a:lvl7pPr>
+            <a:lvl8pPr marL="3200400" algn="l" defTabSz="914400" rtl="0" eaLnBrk="1" latinLnBrk="0" hangingPunct="1">
+              <a:defRPr sz="1800" kern="1200">
+                <a:solidFill>
+                  <a:schemeClr val="tx1"/>
+                </a:solidFill>
+                <a:latin typeface="+mn-lt"/>
+                <a:ea typeface="+mn-ea"/>
+                <a:cs typeface="+mn-cs"/>
+              </a:defRPr>
+            </a:lvl8pPr>
+            <a:lvl9pPr marL="3657600" algn="l" defTabSz="914400" rtl="0" eaLnBrk="1" latinLnBrk="0" hangingPunct="1">
+              <a:defRPr sz="1800" kern="1200">
+                <a:solidFill>
+                  <a:schemeClr val="tx1"/>
+                </a:solidFill>
+                <a:latin typeface="+mn-lt"/>
+                <a:ea typeface="+mn-ea"/>
+                <a:cs typeface="+mn-cs"/>
+              </a:defRPr>
+            </a:lvl9pPr>
+          </a:lstStyle>
+          <a:p>
+            <a:pPr algn="r"/>
+            <a:fld id="{4BB7B66E-7FFA-4300-8439-347A5E0E252A}" type="slidenum">
+              <a:rPr lang="zh-CN" altLang="en-US" smtClean="0"/>
+              <a:t>20</a:t>
             </a:fld>
             <a:endParaRPr lang="zh-CN" altLang="en-US" dirty="0"/>
           </a:p>
@@ -17273,7 +23789,7 @@
         </p:nvSpPr>
         <p:spPr>
           <a:xfrm>
-            <a:off x="4665810" y="48895"/>
+            <a:off x="4700755" y="27492"/>
             <a:ext cx="4199426" cy="376555"/>
           </a:xfrm>
           <a:prstGeom prst="rect">
@@ -17509,7 +24025,7 @@
     </p:spTree>
     <p:extLst>
       <p:ext uri="{BB962C8B-B14F-4D97-AF65-F5344CB8AC3E}">
-        <p14:creationId xmlns:p14="http://schemas.microsoft.com/office/powerpoint/2010/main" val="3747822543"/>
+        <p14:creationId xmlns:p14="http://schemas.microsoft.com/office/powerpoint/2010/main" val="776459498"/>
       </p:ext>
     </p:extLst>
   </p:cSld>
@@ -17531,7 +24047,7 @@
 </p:sld>
 </file>
 
-<file path=ppt/slides/slide16.xml><?xml version="1.0" encoding="utf-8"?>
+<file path=ppt/slides/slide21.xml><?xml version="1.0" encoding="utf-8"?>
 <p:sld xmlns:a="http://schemas.openxmlformats.org/drawingml/2006/main" xmlns:r="http://schemas.openxmlformats.org/officeDocument/2006/relationships" xmlns:p="http://schemas.openxmlformats.org/presentationml/2006/main">
   <p:cSld>
     <p:spTree>
@@ -17670,7 +24186,7 @@
             <a:pPr algn="r"/>
             <a:fld id="{4BB7B66E-7FFA-4300-8439-347A5E0E252A}" type="slidenum">
               <a:rPr lang="zh-CN" altLang="en-US" smtClean="0"/>
-              <a:t>16</a:t>
+              <a:t>21</a:t>
             </a:fld>
             <a:endParaRPr lang="zh-CN" altLang="en-US" dirty="0"/>
           </a:p>
@@ -18362,22 +24878,28 @@
           <p:cNvGraphicFramePr>
             <a:graphicFrameLocks noChangeAspect="1"/>
           </p:cNvGraphicFramePr>
-          <p:nvPr/>
+          <p:nvPr>
+            <p:extLst>
+              <p:ext uri="{D42A27DB-BD31-4B8C-83A1-F6EECF244321}">
+                <p14:modId xmlns:p14="http://schemas.microsoft.com/office/powerpoint/2010/main" val="768506578"/>
+              </p:ext>
+            </p:extLst>
+          </p:nvPr>
         </p:nvGraphicFramePr>
         <p:xfrm>
-          <a:off x="5613532" y="566440"/>
-          <a:ext cx="2566988" cy="1622425"/>
+          <a:off x="5613532" y="513016"/>
+          <a:ext cx="3065462" cy="1749425"/>
         </p:xfrm>
         <a:graphic>
           <a:graphicData uri="http://schemas.openxmlformats.org/presentationml/2006/ole">
             <mc:AlternateContent xmlns:mc="http://schemas.openxmlformats.org/markup-compatibility/2006">
               <mc:Choice xmlns:v="urn:schemas-microsoft-com:vml" Requires="v">
-                <p:oleObj name="AxMath" r:id="rId14" imgW="2068560" imgH="1307520" progId="Equation.AxMath">
+                <p:oleObj name="AxMath" r:id="rId14" imgW="2298240" imgH="1313280" progId="Equation.AxMath">
                   <p:embed/>
                 </p:oleObj>
               </mc:Choice>
               <mc:Fallback>
-                <p:oleObj name="AxMath" r:id="rId14" imgW="2068560" imgH="1307520" progId="Equation.AxMath">
+                <p:oleObj name="AxMath" r:id="rId14" imgW="2298240" imgH="1313280" progId="Equation.AxMath">
                   <p:embed/>
                   <p:pic>
                     <p:nvPicPr>
@@ -18399,8 +24921,8 @@
                     </p:blipFill>
                     <p:spPr>
                       <a:xfrm>
-                        <a:off x="5613532" y="566440"/>
-                        <a:ext cx="2566988" cy="1622425"/>
+                        <a:off x="5613532" y="513016"/>
+                        <a:ext cx="3065462" cy="1749425"/>
                       </a:xfrm>
                       <a:prstGeom prst="rect">
                         <a:avLst/>
@@ -18438,7 +24960,7 @@
 </p:sld>
 </file>
 
-<file path=ppt/slides/slide17.xml><?xml version="1.0" encoding="utf-8"?>
+<file path=ppt/slides/slide22.xml><?xml version="1.0" encoding="utf-8"?>
 <p:sld xmlns:a="http://schemas.openxmlformats.org/drawingml/2006/main" xmlns:r="http://schemas.openxmlformats.org/officeDocument/2006/relationships" xmlns:p="http://schemas.openxmlformats.org/presentationml/2006/main">
   <p:cSld>
     <p:spTree>
@@ -18733,7 +25255,7 @@
             <a:pPr algn="r"/>
             <a:fld id="{4BB7B66E-7FFA-4300-8439-347A5E0E252A}" type="slidenum">
               <a:rPr lang="zh-CN" altLang="en-US" smtClean="0"/>
-              <a:t>17</a:t>
+              <a:t>22</a:t>
             </a:fld>
             <a:endParaRPr lang="zh-CN" altLang="en-US" dirty="0"/>
           </a:p>
@@ -18759,7 +25281,7 @@
 </p:sld>
 </file>
 
-<file path=ppt/slides/slide18.xml><?xml version="1.0" encoding="utf-8"?>
+<file path=ppt/slides/slide23.xml><?xml version="1.0" encoding="utf-8"?>
 <p:sld xmlns:a="http://schemas.openxmlformats.org/drawingml/2006/main" xmlns:r="http://schemas.openxmlformats.org/officeDocument/2006/relationships" xmlns:p="http://schemas.openxmlformats.org/presentationml/2006/main">
   <p:cSld>
     <p:spTree>
@@ -19599,7 +26121,7 @@
 </p:sld>
 </file>
 
-<file path=ppt/slides/slide19.xml><?xml version="1.0" encoding="utf-8"?>
+<file path=ppt/slides/slide24.xml><?xml version="1.0" encoding="utf-8"?>
 <p:sld xmlns:a="http://schemas.openxmlformats.org/drawingml/2006/main" xmlns:r="http://schemas.openxmlformats.org/officeDocument/2006/relationships" xmlns:p="http://schemas.openxmlformats.org/presentationml/2006/main">
   <p:cSld>
     <p:spTree>
@@ -19813,926 +26335,7 @@
 </p:sld>
 </file>
 
-<file path=ppt/slides/slide2.xml><?xml version="1.0" encoding="utf-8"?>
-<p:sld xmlns:a="http://schemas.openxmlformats.org/drawingml/2006/main" xmlns:r="http://schemas.openxmlformats.org/officeDocument/2006/relationships" xmlns:p="http://schemas.openxmlformats.org/presentationml/2006/main">
-  <p:cSld>
-    <p:spTree>
-      <p:nvGrpSpPr>
-        <p:cNvPr id="1" name=""/>
-        <p:cNvGrpSpPr/>
-        <p:nvPr/>
-      </p:nvGrpSpPr>
-      <p:grpSpPr>
-        <a:xfrm>
-          <a:off x="0" y="0"/>
-          <a:ext cx="0" cy="0"/>
-          <a:chOff x="0" y="0"/>
-          <a:chExt cx="0" cy="0"/>
-        </a:xfrm>
-      </p:grpSpPr>
-      <p:sp>
-        <p:nvSpPr>
-          <p:cNvPr id="1048648" name="TextBox 5"/>
-          <p:cNvSpPr txBox="1"/>
-          <p:nvPr/>
-        </p:nvSpPr>
-        <p:spPr>
-          <a:xfrm>
-            <a:off x="1522209" y="1273324"/>
-            <a:ext cx="716280" cy="904240"/>
-          </a:xfrm>
-          <a:prstGeom prst="rect">
-            <a:avLst/>
-          </a:prstGeom>
-          <a:noFill/>
-        </p:spPr>
-        <p:txBody>
-          <a:bodyPr vert="eaVert" wrap="none" rtlCol="0">
-            <a:spAutoFit/>
-          </a:bodyPr>
-          <a:lstStyle/>
-          <a:p>
-            <a:r>
-              <a:rPr lang="zh-CN" altLang="en-US" sz="3200" b="1" dirty="0">
-                <a:solidFill>
-                  <a:schemeClr val="tx2">
-                    <a:lumMod val="75000"/>
-                  </a:schemeClr>
-                </a:solidFill>
-                <a:latin typeface="微软雅黑" panose="020B0503020204020204" pitchFamily="34" charset="-122"/>
-                <a:ea typeface="微软雅黑" panose="020B0503020204020204" pitchFamily="34" charset="-122"/>
-              </a:rPr>
-              <a:t>目录</a:t>
-            </a:r>
-          </a:p>
-        </p:txBody>
-      </p:sp>
-      <p:cxnSp>
-        <p:nvCxnSpPr>
-          <p:cNvPr id="3145729" name="直接连接符 7"/>
-          <p:cNvCxnSpPr>
-            <a:cxnSpLocks/>
-          </p:cNvCxnSpPr>
-          <p:nvPr/>
-        </p:nvCxnSpPr>
-        <p:spPr>
-          <a:xfrm>
-            <a:off x="2166481" y="1339602"/>
-            <a:ext cx="0" cy="3240360"/>
-          </a:xfrm>
-          <a:prstGeom prst="line">
-            <a:avLst/>
-          </a:prstGeom>
-          <a:ln w="19050">
-            <a:solidFill>
-              <a:schemeClr val="tx2">
-                <a:lumMod val="75000"/>
-              </a:schemeClr>
-            </a:solidFill>
-          </a:ln>
-        </p:spPr>
-        <p:style>
-          <a:lnRef idx="1">
-            <a:schemeClr val="accent1"/>
-          </a:lnRef>
-          <a:fillRef idx="0">
-            <a:schemeClr val="accent1"/>
-          </a:fillRef>
-          <a:effectRef idx="0">
-            <a:schemeClr val="accent1"/>
-          </a:effectRef>
-          <a:fontRef idx="minor">
-            <a:schemeClr val="tx1"/>
-          </a:fontRef>
-        </p:style>
-      </p:cxnSp>
-      <p:cxnSp>
-        <p:nvCxnSpPr>
-          <p:cNvPr id="3145730" name="直接连接符 9"/>
-          <p:cNvCxnSpPr>
-            <a:cxnSpLocks/>
-          </p:cNvCxnSpPr>
-          <p:nvPr/>
-        </p:nvCxnSpPr>
-        <p:spPr>
-          <a:xfrm>
-            <a:off x="8172400" y="1339602"/>
-            <a:ext cx="0" cy="3240360"/>
-          </a:xfrm>
-          <a:prstGeom prst="line">
-            <a:avLst/>
-          </a:prstGeom>
-          <a:ln w="19050">
-            <a:solidFill>
-              <a:schemeClr val="tx2">
-                <a:lumMod val="75000"/>
-              </a:schemeClr>
-            </a:solidFill>
-          </a:ln>
-        </p:spPr>
-        <p:style>
-          <a:lnRef idx="1">
-            <a:schemeClr val="accent1"/>
-          </a:lnRef>
-          <a:fillRef idx="0">
-            <a:schemeClr val="accent1"/>
-          </a:fillRef>
-          <a:effectRef idx="0">
-            <a:schemeClr val="accent1"/>
-          </a:effectRef>
-          <a:fontRef idx="minor">
-            <a:schemeClr val="tx1"/>
-          </a:fontRef>
-        </p:style>
-      </p:cxnSp>
-      <p:sp>
-        <p:nvSpPr>
-          <p:cNvPr id="1048649" name="TextBox 4"/>
-          <p:cNvSpPr txBox="1">
-            <a:spLocks noChangeArrowheads="1"/>
-          </p:cNvSpPr>
-          <p:nvPr/>
-        </p:nvSpPr>
-        <p:spPr bwMode="auto">
-          <a:xfrm>
-            <a:off x="488192" y="2252672"/>
-            <a:ext cx="1414780" cy="497840"/>
-          </a:xfrm>
-          <a:prstGeom prst="rect">
-            <a:avLst/>
-          </a:prstGeom>
-          <a:noFill/>
-          <a:ln>
-            <a:noFill/>
-          </a:ln>
-        </p:spPr>
-        <p:txBody>
-          <a:bodyPr wrap="none">
-            <a:spAutoFit/>
-          </a:bodyPr>
-          <a:lstStyle>
-            <a:lvl1pPr eaLnBrk="0" hangingPunct="0">
-              <a:defRPr>
-                <a:solidFill>
-                  <a:schemeClr val="tx1"/>
-                </a:solidFill>
-                <a:latin typeface="Calibri" panose="020F0502020204030204" pitchFamily="34" charset="0"/>
-                <a:ea typeface="宋体" panose="02010600030101010101" pitchFamily="2" charset="-122"/>
-              </a:defRPr>
-            </a:lvl1pPr>
-            <a:lvl2pPr marL="742950" indent="-285750" eaLnBrk="0" hangingPunct="0">
-              <a:defRPr>
-                <a:solidFill>
-                  <a:schemeClr val="tx1"/>
-                </a:solidFill>
-                <a:latin typeface="Calibri" panose="020F0502020204030204" pitchFamily="34" charset="0"/>
-                <a:ea typeface="宋体" panose="02010600030101010101" pitchFamily="2" charset="-122"/>
-              </a:defRPr>
-            </a:lvl2pPr>
-            <a:lvl3pPr marL="1143000" indent="-228600" eaLnBrk="0" hangingPunct="0">
-              <a:defRPr>
-                <a:solidFill>
-                  <a:schemeClr val="tx1"/>
-                </a:solidFill>
-                <a:latin typeface="Calibri" panose="020F0502020204030204" pitchFamily="34" charset="0"/>
-                <a:ea typeface="宋体" panose="02010600030101010101" pitchFamily="2" charset="-122"/>
-              </a:defRPr>
-            </a:lvl3pPr>
-            <a:lvl4pPr marL="1600200" indent="-228600" eaLnBrk="0" hangingPunct="0">
-              <a:defRPr>
-                <a:solidFill>
-                  <a:schemeClr val="tx1"/>
-                </a:solidFill>
-                <a:latin typeface="Calibri" panose="020F0502020204030204" pitchFamily="34" charset="0"/>
-                <a:ea typeface="宋体" panose="02010600030101010101" pitchFamily="2" charset="-122"/>
-              </a:defRPr>
-            </a:lvl4pPr>
-            <a:lvl5pPr marL="2057400" indent="-228600" eaLnBrk="0" hangingPunct="0">
-              <a:defRPr>
-                <a:solidFill>
-                  <a:schemeClr val="tx1"/>
-                </a:solidFill>
-                <a:latin typeface="Calibri" panose="020F0502020204030204" pitchFamily="34" charset="0"/>
-                <a:ea typeface="宋体" panose="02010600030101010101" pitchFamily="2" charset="-122"/>
-              </a:defRPr>
-            </a:lvl5pPr>
-            <a:lvl6pPr marL="2514600" indent="-228600" eaLnBrk="0" fontAlgn="base" hangingPunct="0">
-              <a:spcBef>
-                <a:spcPct val="0"/>
-              </a:spcBef>
-              <a:spcAft>
-                <a:spcPct val="0"/>
-              </a:spcAft>
-              <a:defRPr>
-                <a:solidFill>
-                  <a:schemeClr val="tx1"/>
-                </a:solidFill>
-                <a:latin typeface="Calibri" panose="020F0502020204030204" pitchFamily="34" charset="0"/>
-                <a:ea typeface="宋体" panose="02010600030101010101" pitchFamily="2" charset="-122"/>
-              </a:defRPr>
-            </a:lvl6pPr>
-            <a:lvl7pPr marL="2971800" indent="-228600" eaLnBrk="0" fontAlgn="base" hangingPunct="0">
-              <a:spcBef>
-                <a:spcPct val="0"/>
-              </a:spcBef>
-              <a:spcAft>
-                <a:spcPct val="0"/>
-              </a:spcAft>
-              <a:defRPr>
-                <a:solidFill>
-                  <a:schemeClr val="tx1"/>
-                </a:solidFill>
-                <a:latin typeface="Calibri" panose="020F0502020204030204" pitchFamily="34" charset="0"/>
-                <a:ea typeface="宋体" panose="02010600030101010101" pitchFamily="2" charset="-122"/>
-              </a:defRPr>
-            </a:lvl7pPr>
-            <a:lvl8pPr marL="3429000" indent="-228600" eaLnBrk="0" fontAlgn="base" hangingPunct="0">
-              <a:spcBef>
-                <a:spcPct val="0"/>
-              </a:spcBef>
-              <a:spcAft>
-                <a:spcPct val="0"/>
-              </a:spcAft>
-              <a:defRPr>
-                <a:solidFill>
-                  <a:schemeClr val="tx1"/>
-                </a:solidFill>
-                <a:latin typeface="Calibri" panose="020F0502020204030204" pitchFamily="34" charset="0"/>
-                <a:ea typeface="宋体" panose="02010600030101010101" pitchFamily="2" charset="-122"/>
-              </a:defRPr>
-            </a:lvl8pPr>
-            <a:lvl9pPr marL="3886200" indent="-228600" eaLnBrk="0" fontAlgn="base" hangingPunct="0">
-              <a:spcBef>
-                <a:spcPct val="0"/>
-              </a:spcBef>
-              <a:spcAft>
-                <a:spcPct val="0"/>
-              </a:spcAft>
-              <a:defRPr>
-                <a:solidFill>
-                  <a:schemeClr val="tx1"/>
-                </a:solidFill>
-                <a:latin typeface="Calibri" panose="020F0502020204030204" pitchFamily="34" charset="0"/>
-                <a:ea typeface="宋体" panose="02010600030101010101" pitchFamily="2" charset="-122"/>
-              </a:defRPr>
-            </a:lvl9pPr>
-          </a:lstStyle>
-          <a:p>
-            <a:pPr eaLnBrk="1" hangingPunct="1"/>
-            <a:r>
-              <a:rPr lang="en-US" altLang="zh-CN" sz="2400" dirty="0">
-                <a:solidFill>
-                  <a:schemeClr val="bg1">
-                    <a:lumMod val="85000"/>
-                  </a:schemeClr>
-                </a:solidFill>
-                <a:latin typeface="Stencil" panose="040409050D0802020404" pitchFamily="82" charset="0"/>
-              </a:rPr>
-              <a:t>contents</a:t>
-            </a:r>
-            <a:endParaRPr lang="zh-CN" altLang="en-US" sz="2400" dirty="0">
-              <a:solidFill>
-                <a:schemeClr val="bg1">
-                  <a:lumMod val="85000"/>
-                </a:schemeClr>
-              </a:solidFill>
-              <a:latin typeface="Stencil" panose="040409050D0802020404" pitchFamily="82" charset="0"/>
-            </a:endParaRPr>
-          </a:p>
-        </p:txBody>
-      </p:sp>
-      <p:grpSp>
-        <p:nvGrpSpPr>
-          <p:cNvPr id="75" name="组合 1"/>
-          <p:cNvGrpSpPr/>
-          <p:nvPr/>
-        </p:nvGrpSpPr>
-        <p:grpSpPr>
-          <a:xfrm>
-            <a:off x="2253115" y="1079454"/>
-            <a:ext cx="5991291" cy="3750146"/>
-            <a:chOff x="2274493" y="1339602"/>
-            <a:chExt cx="5578945" cy="3750146"/>
-          </a:xfrm>
-        </p:grpSpPr>
-        <p:sp>
-          <p:nvSpPr>
-            <p:cNvPr id="1048650" name="矩形 8"/>
-            <p:cNvSpPr/>
-            <p:nvPr/>
-          </p:nvSpPr>
-          <p:spPr>
-            <a:xfrm>
-              <a:off x="2274493" y="1339602"/>
-              <a:ext cx="5400600" cy="3750146"/>
-            </a:xfrm>
-            <a:prstGeom prst="rect">
-              <a:avLst/>
-            </a:prstGeom>
-            <a:solidFill>
-              <a:schemeClr val="bg1">
-                <a:lumMod val="95000"/>
-              </a:schemeClr>
-            </a:solidFill>
-            <a:ln>
-              <a:noFill/>
-            </a:ln>
-          </p:spPr>
-          <p:style>
-            <a:lnRef idx="2">
-              <a:schemeClr val="accent1">
-                <a:shade val="50000"/>
-              </a:schemeClr>
-            </a:lnRef>
-            <a:fillRef idx="1">
-              <a:schemeClr val="accent1"/>
-            </a:fillRef>
-            <a:effectRef idx="0">
-              <a:schemeClr val="accent1"/>
-            </a:effectRef>
-            <a:fontRef idx="minor">
-              <a:schemeClr val="lt1"/>
-            </a:fontRef>
-          </p:style>
-          <p:txBody>
-            <a:bodyPr rtlCol="0" anchor="ctr"/>
-            <a:lstStyle/>
-            <a:p>
-              <a:pPr algn="ctr"/>
-              <a:endParaRPr lang="zh-CN" altLang="en-US"/>
-            </a:p>
-          </p:txBody>
-        </p:sp>
-        <p:sp>
-          <p:nvSpPr>
-            <p:cNvPr id="1048651" name="TextBox 11"/>
-            <p:cNvSpPr txBox="1"/>
-            <p:nvPr/>
-          </p:nvSpPr>
-          <p:spPr>
-            <a:xfrm>
-              <a:off x="3721622" y="1670168"/>
-              <a:ext cx="4131816" cy="523220"/>
-            </a:xfrm>
-            <a:prstGeom prst="rect">
-              <a:avLst/>
-            </a:prstGeom>
-            <a:noFill/>
-          </p:spPr>
-          <p:txBody>
-            <a:bodyPr vert="horz" wrap="square" rtlCol="0">
-              <a:spAutoFit/>
-            </a:bodyPr>
-            <a:lstStyle/>
-            <a:p>
-              <a:pPr fontAlgn="b"/>
-              <a:r>
-                <a:rPr lang="zh-CN" altLang="en-US" sz="2800" b="1" dirty="0">
-                  <a:solidFill>
-                    <a:schemeClr val="tx2">
-                      <a:lumMod val="75000"/>
-                    </a:schemeClr>
-                  </a:solidFill>
-                  <a:latin typeface="微软雅黑" panose="020B0503020204020204" pitchFamily="34" charset="-122"/>
-                  <a:ea typeface="微软雅黑" panose="020B0503020204020204" pitchFamily="34" charset="-122"/>
-                </a:rPr>
-                <a:t>声纳喷嘴参数的模型建立</a:t>
-              </a:r>
-              <a:endParaRPr lang="zh-CN" altLang="zh-CN" sz="2800" b="1" dirty="0">
-                <a:solidFill>
-                  <a:schemeClr val="tx2">
-                    <a:lumMod val="75000"/>
-                  </a:schemeClr>
-                </a:solidFill>
-                <a:latin typeface="微软雅黑" panose="020B0503020204020204" pitchFamily="34" charset="-122"/>
-                <a:ea typeface="微软雅黑" panose="020B0503020204020204" pitchFamily="34" charset="-122"/>
-              </a:endParaRPr>
-            </a:p>
-          </p:txBody>
-        </p:sp>
-        <p:sp>
-          <p:nvSpPr>
-            <p:cNvPr id="1048652" name="泪滴形 12"/>
-            <p:cNvSpPr/>
-            <p:nvPr/>
-          </p:nvSpPr>
-          <p:spPr>
-            <a:xfrm>
-              <a:off x="2866101" y="1719103"/>
-              <a:ext cx="486905" cy="486905"/>
-            </a:xfrm>
-            <a:prstGeom prst="teardrop">
-              <a:avLst/>
-            </a:prstGeom>
-            <a:solidFill>
-              <a:schemeClr val="tx2">
-                <a:lumMod val="75000"/>
-              </a:schemeClr>
-            </a:solidFill>
-            <a:ln>
-              <a:noFill/>
-            </a:ln>
-          </p:spPr>
-          <p:style>
-            <a:lnRef idx="2">
-              <a:schemeClr val="accent1">
-                <a:shade val="50000"/>
-              </a:schemeClr>
-            </a:lnRef>
-            <a:fillRef idx="1">
-              <a:schemeClr val="accent1"/>
-            </a:fillRef>
-            <a:effectRef idx="0">
-              <a:schemeClr val="accent1"/>
-            </a:effectRef>
-            <a:fontRef idx="minor">
-              <a:schemeClr val="lt1"/>
-            </a:fontRef>
-          </p:style>
-          <p:txBody>
-            <a:bodyPr rtlCol="0" anchor="ctr"/>
-            <a:lstStyle/>
-            <a:p>
-              <a:pPr algn="ctr"/>
-              <a:r>
-                <a:rPr lang="en-US" altLang="zh-CN" sz="2800" dirty="0">
-                  <a:latin typeface="微软雅黑" panose="020B0503020204020204" pitchFamily="34" charset="-122"/>
-                  <a:ea typeface="微软雅黑" panose="020B0503020204020204" pitchFamily="34" charset="-122"/>
-                </a:rPr>
-                <a:t>1</a:t>
-              </a:r>
-              <a:endParaRPr lang="zh-CN" altLang="en-US" dirty="0">
-                <a:latin typeface="微软雅黑" panose="020B0503020204020204" pitchFamily="34" charset="-122"/>
-                <a:ea typeface="微软雅黑" panose="020B0503020204020204" pitchFamily="34" charset="-122"/>
-              </a:endParaRPr>
-            </a:p>
-          </p:txBody>
-        </p:sp>
-        <p:sp>
-          <p:nvSpPr>
-            <p:cNvPr id="1048653" name="泪滴形 13"/>
-            <p:cNvSpPr/>
-            <p:nvPr/>
-          </p:nvSpPr>
-          <p:spPr>
-            <a:xfrm>
-              <a:off x="2866101" y="2491861"/>
-              <a:ext cx="486905" cy="486905"/>
-            </a:xfrm>
-            <a:prstGeom prst="teardrop">
-              <a:avLst/>
-            </a:prstGeom>
-            <a:solidFill>
-              <a:schemeClr val="tx2">
-                <a:lumMod val="75000"/>
-              </a:schemeClr>
-            </a:solidFill>
-            <a:ln>
-              <a:noFill/>
-            </a:ln>
-          </p:spPr>
-          <p:style>
-            <a:lnRef idx="2">
-              <a:schemeClr val="accent1">
-                <a:shade val="50000"/>
-              </a:schemeClr>
-            </a:lnRef>
-            <a:fillRef idx="1">
-              <a:schemeClr val="accent1"/>
-            </a:fillRef>
-            <a:effectRef idx="0">
-              <a:schemeClr val="accent1"/>
-            </a:effectRef>
-            <a:fontRef idx="minor">
-              <a:schemeClr val="lt1"/>
-            </a:fontRef>
-          </p:style>
-          <p:txBody>
-            <a:bodyPr rtlCol="0" anchor="ctr"/>
-            <a:lstStyle/>
-            <a:p>
-              <a:pPr algn="ctr"/>
-              <a:r>
-                <a:rPr lang="en-US" altLang="zh-CN" sz="2800" dirty="0">
-                  <a:latin typeface="微软雅黑" panose="020B0503020204020204" pitchFamily="34" charset="-122"/>
-                  <a:ea typeface="微软雅黑" panose="020B0503020204020204" pitchFamily="34" charset="-122"/>
-                </a:rPr>
-                <a:t>2</a:t>
-              </a:r>
-              <a:endParaRPr lang="zh-CN" altLang="en-US" dirty="0">
-                <a:latin typeface="微软雅黑" panose="020B0503020204020204" pitchFamily="34" charset="-122"/>
-                <a:ea typeface="微软雅黑" panose="020B0503020204020204" pitchFamily="34" charset="-122"/>
-              </a:endParaRPr>
-            </a:p>
-          </p:txBody>
-        </p:sp>
-        <p:sp>
-          <p:nvSpPr>
-            <p:cNvPr id="1048654" name="泪滴形 14"/>
-            <p:cNvSpPr/>
-            <p:nvPr/>
-          </p:nvSpPr>
-          <p:spPr>
-            <a:xfrm>
-              <a:off x="2866100" y="3258355"/>
-              <a:ext cx="486905" cy="486905"/>
-            </a:xfrm>
-            <a:prstGeom prst="teardrop">
-              <a:avLst/>
-            </a:prstGeom>
-            <a:solidFill>
-              <a:schemeClr val="tx2">
-                <a:lumMod val="75000"/>
-              </a:schemeClr>
-            </a:solidFill>
-            <a:ln>
-              <a:noFill/>
-            </a:ln>
-          </p:spPr>
-          <p:style>
-            <a:lnRef idx="2">
-              <a:schemeClr val="accent1">
-                <a:shade val="50000"/>
-              </a:schemeClr>
-            </a:lnRef>
-            <a:fillRef idx="1">
-              <a:schemeClr val="accent1"/>
-            </a:fillRef>
-            <a:effectRef idx="0">
-              <a:schemeClr val="accent1"/>
-            </a:effectRef>
-            <a:fontRef idx="minor">
-              <a:schemeClr val="lt1"/>
-            </a:fontRef>
-          </p:style>
-          <p:txBody>
-            <a:bodyPr rtlCol="0" anchor="ctr"/>
-            <a:lstStyle/>
-            <a:p>
-              <a:pPr algn="ctr"/>
-              <a:r>
-                <a:rPr lang="en-US" altLang="zh-CN" sz="2800" dirty="0">
-                  <a:latin typeface="微软雅黑" panose="020B0503020204020204" pitchFamily="34" charset="-122"/>
-                  <a:ea typeface="微软雅黑" panose="020B0503020204020204" pitchFamily="34" charset="-122"/>
-                </a:rPr>
-                <a:t>3</a:t>
-              </a:r>
-              <a:endParaRPr lang="zh-CN" altLang="en-US" dirty="0">
-                <a:latin typeface="微软雅黑" panose="020B0503020204020204" pitchFamily="34" charset="-122"/>
-                <a:ea typeface="微软雅黑" panose="020B0503020204020204" pitchFamily="34" charset="-122"/>
-              </a:endParaRPr>
-            </a:p>
-          </p:txBody>
-        </p:sp>
-        <p:sp>
-          <p:nvSpPr>
-            <p:cNvPr id="1048657" name="TextBox 17"/>
-            <p:cNvSpPr txBox="1"/>
-            <p:nvPr/>
-          </p:nvSpPr>
-          <p:spPr>
-            <a:xfrm>
-              <a:off x="3721620" y="2442926"/>
-              <a:ext cx="3305308" cy="523220"/>
-            </a:xfrm>
-            <a:prstGeom prst="rect">
-              <a:avLst/>
-            </a:prstGeom>
-            <a:noFill/>
-          </p:spPr>
-          <p:txBody>
-            <a:bodyPr vert="horz" wrap="square" rtlCol="0">
-              <a:spAutoFit/>
-            </a:bodyPr>
-            <a:lstStyle/>
-            <a:p>
-              <a:pPr fontAlgn="b"/>
-              <a:r>
-                <a:rPr lang="zh-CN" altLang="en-US" sz="2800" b="1" dirty="0">
-                  <a:solidFill>
-                    <a:schemeClr val="tx2">
-                      <a:lumMod val="75000"/>
-                    </a:schemeClr>
-                  </a:solidFill>
-                  <a:latin typeface="微软雅黑" panose="020B0503020204020204" pitchFamily="34" charset="-122"/>
-                  <a:ea typeface="微软雅黑" panose="020B0503020204020204" pitchFamily="34" charset="-122"/>
-                </a:rPr>
-                <a:t>估计值与不确定度</a:t>
-              </a:r>
-              <a:endParaRPr lang="zh-CN" altLang="zh-CN" sz="2800" b="1" dirty="0">
-                <a:solidFill>
-                  <a:schemeClr val="tx2">
-                    <a:lumMod val="75000"/>
-                  </a:schemeClr>
-                </a:solidFill>
-                <a:latin typeface="微软雅黑" panose="020B0503020204020204" pitchFamily="34" charset="-122"/>
-                <a:ea typeface="微软雅黑" panose="020B0503020204020204" pitchFamily="34" charset="-122"/>
-              </a:endParaRPr>
-            </a:p>
-          </p:txBody>
-        </p:sp>
-        <p:sp>
-          <p:nvSpPr>
-            <p:cNvPr id="1048658" name="TextBox 18"/>
-            <p:cNvSpPr txBox="1"/>
-            <p:nvPr/>
-          </p:nvSpPr>
-          <p:spPr>
-            <a:xfrm>
-              <a:off x="3721620" y="3209420"/>
-              <a:ext cx="3718563" cy="523220"/>
-            </a:xfrm>
-            <a:prstGeom prst="rect">
-              <a:avLst/>
-            </a:prstGeom>
-            <a:noFill/>
-          </p:spPr>
-          <p:txBody>
-            <a:bodyPr vert="horz" wrap="square" rtlCol="0">
-              <a:spAutoFit/>
-            </a:bodyPr>
-            <a:lstStyle/>
-            <a:p>
-              <a:pPr fontAlgn="b"/>
-              <a:r>
-                <a:rPr lang="zh-CN" altLang="en-US" sz="2800" b="1" dirty="0">
-                  <a:solidFill>
-                    <a:schemeClr val="tx2">
-                      <a:lumMod val="75000"/>
-                    </a:schemeClr>
-                  </a:solidFill>
-                  <a:latin typeface="微软雅黑" panose="020B0503020204020204" pitchFamily="34" charset="-122"/>
-                  <a:ea typeface="微软雅黑" panose="020B0503020204020204" pitchFamily="34" charset="-122"/>
-                </a:rPr>
-                <a:t>最小二乘法的四大变式</a:t>
-              </a:r>
-              <a:endParaRPr lang="zh-CN" altLang="zh-CN" sz="2800" b="1" dirty="0">
-                <a:solidFill>
-                  <a:schemeClr val="tx2">
-                    <a:lumMod val="75000"/>
-                  </a:schemeClr>
-                </a:solidFill>
-                <a:latin typeface="微软雅黑" panose="020B0503020204020204" pitchFamily="34" charset="-122"/>
-                <a:ea typeface="微软雅黑" panose="020B0503020204020204" pitchFamily="34" charset="-122"/>
-              </a:endParaRPr>
-            </a:p>
-          </p:txBody>
-        </p:sp>
-        <p:sp>
-          <p:nvSpPr>
-            <p:cNvPr id="1048659" name="泪滴形 21"/>
-            <p:cNvSpPr/>
-            <p:nvPr/>
-          </p:nvSpPr>
-          <p:spPr>
-            <a:xfrm>
-              <a:off x="2866101" y="4024849"/>
-              <a:ext cx="486905" cy="486905"/>
-            </a:xfrm>
-            <a:prstGeom prst="teardrop">
-              <a:avLst/>
-            </a:prstGeom>
-            <a:solidFill>
-              <a:schemeClr val="tx2">
-                <a:lumMod val="75000"/>
-              </a:schemeClr>
-            </a:solidFill>
-            <a:ln>
-              <a:noFill/>
-            </a:ln>
-          </p:spPr>
-          <p:style>
-            <a:lnRef idx="2">
-              <a:schemeClr val="accent1">
-                <a:shade val="50000"/>
-              </a:schemeClr>
-            </a:lnRef>
-            <a:fillRef idx="1">
-              <a:schemeClr val="accent1"/>
-            </a:fillRef>
-            <a:effectRef idx="0">
-              <a:schemeClr val="accent1"/>
-            </a:effectRef>
-            <a:fontRef idx="minor">
-              <a:schemeClr val="lt1"/>
-            </a:fontRef>
-          </p:style>
-          <p:txBody>
-            <a:bodyPr rtlCol="0" anchor="ctr"/>
-            <a:lstStyle/>
-            <a:p>
-              <a:pPr algn="ctr"/>
-              <a:r>
-                <a:rPr lang="en-US" altLang="zh-CN" sz="2800" dirty="0">
-                  <a:latin typeface="微软雅黑" panose="020B0503020204020204" pitchFamily="34" charset="-122"/>
-                  <a:ea typeface="微软雅黑" panose="020B0503020204020204" pitchFamily="34" charset="-122"/>
-                </a:rPr>
-                <a:t>4</a:t>
-              </a:r>
-              <a:endParaRPr lang="zh-CN" altLang="en-US" dirty="0">
-                <a:latin typeface="微软雅黑" panose="020B0503020204020204" pitchFamily="34" charset="-122"/>
-                <a:ea typeface="微软雅黑" panose="020B0503020204020204" pitchFamily="34" charset="-122"/>
-              </a:endParaRPr>
-            </a:p>
-          </p:txBody>
-        </p:sp>
-        <p:sp>
-          <p:nvSpPr>
-            <p:cNvPr id="1048660" name="TextBox 16"/>
-            <p:cNvSpPr txBox="1"/>
-            <p:nvPr/>
-          </p:nvSpPr>
-          <p:spPr>
-            <a:xfrm>
-              <a:off x="3721621" y="3975914"/>
-              <a:ext cx="2722586" cy="523220"/>
-            </a:xfrm>
-            <a:prstGeom prst="rect">
-              <a:avLst/>
-            </a:prstGeom>
-            <a:noFill/>
-          </p:spPr>
-          <p:txBody>
-            <a:bodyPr vert="horz" wrap="square" rtlCol="0">
-              <a:spAutoFit/>
-            </a:bodyPr>
-            <a:lstStyle/>
-            <a:p>
-              <a:pPr fontAlgn="b"/>
-              <a:r>
-                <a:rPr lang="zh-CN" altLang="en-US" sz="2800" b="1" dirty="0">
-                  <a:solidFill>
-                    <a:schemeClr val="tx2">
-                      <a:lumMod val="75000"/>
-                    </a:schemeClr>
-                  </a:solidFill>
-                  <a:latin typeface="微软雅黑" panose="020B0503020204020204" pitchFamily="34" charset="-122"/>
-                  <a:ea typeface="微软雅黑" panose="020B0503020204020204" pitchFamily="34" charset="-122"/>
-                </a:rPr>
-                <a:t>结果分析</a:t>
-              </a:r>
-              <a:endParaRPr lang="zh-CN" altLang="zh-CN" sz="2800" dirty="0">
-                <a:solidFill>
-                  <a:schemeClr val="tx2">
-                    <a:lumMod val="75000"/>
-                  </a:schemeClr>
-                </a:solidFill>
-                <a:latin typeface="微软雅黑" panose="020B0503020204020204" pitchFamily="34" charset="-122"/>
-                <a:ea typeface="微软雅黑" panose="020B0503020204020204" pitchFamily="34" charset="-122"/>
-              </a:endParaRPr>
-            </a:p>
-          </p:txBody>
-        </p:sp>
-      </p:grpSp>
-      <p:sp>
-        <p:nvSpPr>
-          <p:cNvPr id="1048661" name="灯片编号占位符 2"/>
-          <p:cNvSpPr>
-            <a:spLocks noGrp="1"/>
-          </p:cNvSpPr>
-          <p:nvPr>
-            <p:custDataLst>
-              <p:tags r:id="rId1"/>
-            </p:custDataLst>
-          </p:nvPr>
-        </p:nvSpPr>
-        <p:spPr>
-          <a:xfrm>
-            <a:off x="7010400" y="5305214"/>
-            <a:ext cx="2133600" cy="304271"/>
-          </a:xfrm>
-          <a:prstGeom prst="rect">
-            <a:avLst/>
-          </a:prstGeom>
-        </p:spPr>
-        <p:txBody>
-          <a:bodyPr/>
-          <a:lstStyle>
-            <a:defPPr>
-              <a:defRPr lang="zh-CN"/>
-            </a:defPPr>
-            <a:lvl1pPr marL="0" algn="l" defTabSz="914400" rtl="0" eaLnBrk="1" latinLnBrk="0" hangingPunct="1">
-              <a:defRPr sz="1800" kern="1200">
-                <a:solidFill>
-                  <a:schemeClr val="tx1"/>
-                </a:solidFill>
-                <a:latin typeface="+mn-lt"/>
-                <a:ea typeface="+mn-ea"/>
-                <a:cs typeface="+mn-cs"/>
-              </a:defRPr>
-            </a:lvl1pPr>
-            <a:lvl2pPr marL="457200" algn="l" defTabSz="914400" rtl="0" eaLnBrk="1" latinLnBrk="0" hangingPunct="1">
-              <a:defRPr sz="1800" kern="1200">
-                <a:solidFill>
-                  <a:schemeClr val="tx1"/>
-                </a:solidFill>
-                <a:latin typeface="+mn-lt"/>
-                <a:ea typeface="+mn-ea"/>
-                <a:cs typeface="+mn-cs"/>
-              </a:defRPr>
-            </a:lvl2pPr>
-            <a:lvl3pPr marL="914400" algn="l" defTabSz="914400" rtl="0" eaLnBrk="1" latinLnBrk="0" hangingPunct="1">
-              <a:defRPr sz="1800" kern="1200">
-                <a:solidFill>
-                  <a:schemeClr val="tx1"/>
-                </a:solidFill>
-                <a:latin typeface="+mn-lt"/>
-                <a:ea typeface="+mn-ea"/>
-                <a:cs typeface="+mn-cs"/>
-              </a:defRPr>
-            </a:lvl3pPr>
-            <a:lvl4pPr marL="1371600" algn="l" defTabSz="914400" rtl="0" eaLnBrk="1" latinLnBrk="0" hangingPunct="1">
-              <a:defRPr sz="1800" kern="1200">
-                <a:solidFill>
-                  <a:schemeClr val="tx1"/>
-                </a:solidFill>
-                <a:latin typeface="+mn-lt"/>
-                <a:ea typeface="+mn-ea"/>
-                <a:cs typeface="+mn-cs"/>
-              </a:defRPr>
-            </a:lvl4pPr>
-            <a:lvl5pPr marL="1828800" algn="l" defTabSz="914400" rtl="0" eaLnBrk="1" latinLnBrk="0" hangingPunct="1">
-              <a:defRPr sz="1800" kern="1200">
-                <a:solidFill>
-                  <a:schemeClr val="tx1"/>
-                </a:solidFill>
-                <a:latin typeface="+mn-lt"/>
-                <a:ea typeface="+mn-ea"/>
-                <a:cs typeface="+mn-cs"/>
-              </a:defRPr>
-            </a:lvl5pPr>
-            <a:lvl6pPr marL="2286000" algn="l" defTabSz="914400" rtl="0" eaLnBrk="1" latinLnBrk="0" hangingPunct="1">
-              <a:defRPr sz="1800" kern="1200">
-                <a:solidFill>
-                  <a:schemeClr val="tx1"/>
-                </a:solidFill>
-                <a:latin typeface="+mn-lt"/>
-                <a:ea typeface="+mn-ea"/>
-                <a:cs typeface="+mn-cs"/>
-              </a:defRPr>
-            </a:lvl6pPr>
-            <a:lvl7pPr marL="2743200" algn="l" defTabSz="914400" rtl="0" eaLnBrk="1" latinLnBrk="0" hangingPunct="1">
-              <a:defRPr sz="1800" kern="1200">
-                <a:solidFill>
-                  <a:schemeClr val="tx1"/>
-                </a:solidFill>
-                <a:latin typeface="+mn-lt"/>
-                <a:ea typeface="+mn-ea"/>
-                <a:cs typeface="+mn-cs"/>
-              </a:defRPr>
-            </a:lvl7pPr>
-            <a:lvl8pPr marL="3200400" algn="l" defTabSz="914400" rtl="0" eaLnBrk="1" latinLnBrk="0" hangingPunct="1">
-              <a:defRPr sz="1800" kern="1200">
-                <a:solidFill>
-                  <a:schemeClr val="tx1"/>
-                </a:solidFill>
-                <a:latin typeface="+mn-lt"/>
-                <a:ea typeface="+mn-ea"/>
-                <a:cs typeface="+mn-cs"/>
-              </a:defRPr>
-            </a:lvl8pPr>
-            <a:lvl9pPr marL="3657600" algn="l" defTabSz="914400" rtl="0" eaLnBrk="1" latinLnBrk="0" hangingPunct="1">
-              <a:defRPr sz="1800" kern="1200">
-                <a:solidFill>
-                  <a:schemeClr val="tx1"/>
-                </a:solidFill>
-                <a:latin typeface="+mn-lt"/>
-                <a:ea typeface="+mn-ea"/>
-                <a:cs typeface="+mn-cs"/>
-              </a:defRPr>
-            </a:lvl9pPr>
-          </a:lstStyle>
-          <a:p>
-            <a:pPr algn="r"/>
-            <a:fld id="{4BB7B66E-7FFA-4300-8439-347A5E0E252A}" type="slidenum">
-              <a:rPr lang="zh-CN" altLang="en-US" smtClean="0"/>
-              <a:t>2</a:t>
-            </a:fld>
-            <a:endParaRPr lang="zh-CN" altLang="en-US" dirty="0"/>
-          </a:p>
-        </p:txBody>
-      </p:sp>
-    </p:spTree>
-  </p:cSld>
-  <p:clrMapOvr>
-    <a:masterClrMapping/>
-  </p:clrMapOvr>
-  <mc:AlternateContent xmlns:mc="http://schemas.openxmlformats.org/markup-compatibility/2006" xmlns:p159="http://schemas.microsoft.com/office/powerpoint/2015/09/main">
-    <mc:Choice Requires="p159">
-      <p:transition spd="med">
-        <p159:morph option="byWord"/>
-      </p:transition>
-    </mc:Choice>
-    <mc:Fallback xmlns="">
-      <p:transition spd="med">
-        <p:fade/>
-      </p:transition>
-    </mc:Fallback>
-  </mc:AlternateContent>
-</p:sld>
-</file>
-
-<file path=ppt/slides/slide20.xml><?xml version="1.0" encoding="utf-8"?>
+<file path=ppt/slides/slide25.xml><?xml version="1.0" encoding="utf-8"?>
 <p:sld xmlns:a="http://schemas.openxmlformats.org/drawingml/2006/main" xmlns:r="http://schemas.openxmlformats.org/officeDocument/2006/relationships" xmlns:p="http://schemas.openxmlformats.org/presentationml/2006/main">
   <p:cSld>
     <p:spTree>
@@ -21516,7 +27119,7 @@
 </p:sld>
 </file>
 
-<file path=ppt/slides/slide21.xml><?xml version="1.0" encoding="utf-8"?>
+<file path=ppt/slides/slide26.xml><?xml version="1.0" encoding="utf-8"?>
 <p:sld xmlns:a="http://schemas.openxmlformats.org/drawingml/2006/main" xmlns:r="http://schemas.openxmlformats.org/officeDocument/2006/relationships" xmlns:p="http://schemas.openxmlformats.org/presentationml/2006/main">
   <p:cSld>
     <p:spTree>
@@ -22291,7 +27894,7 @@
 </p:sld>
 </file>
 
-<file path=ppt/slides/slide22.xml><?xml version="1.0" encoding="utf-8"?>
+<file path=ppt/slides/slide27.xml><?xml version="1.0" encoding="utf-8"?>
 <p:sld xmlns:a="http://schemas.openxmlformats.org/drawingml/2006/main" xmlns:r="http://schemas.openxmlformats.org/officeDocument/2006/relationships" xmlns:p="http://schemas.openxmlformats.org/presentationml/2006/main">
   <p:cSld>
     <p:spTree>
@@ -22520,7 +28123,7 @@
             <a:pPr algn="r"/>
             <a:fld id="{4BB7B66E-7FFA-4300-8439-347A5E0E252A}" type="slidenum">
               <a:rPr lang="zh-CN" altLang="en-US" smtClean="0"/>
-              <a:t>22</a:t>
+              <a:t>27</a:t>
             </a:fld>
             <a:endParaRPr lang="zh-CN" altLang="en-US" dirty="0"/>
           </a:p>
@@ -27498,32 +33101,33 @@
 
 <file path=ppt/tags/tag23.xml><?xml version="1.0" encoding="utf-8"?>
 <p:tagLst xmlns:a="http://schemas.openxmlformats.org/drawingml/2006/main" xmlns:r="http://schemas.openxmlformats.org/officeDocument/2006/relationships" xmlns:p="http://schemas.openxmlformats.org/presentationml/2006/main">
+  <p:tag name="KSO_WM_UNIT_PLACING_PICTURE_USER_VIEWPORT" val="{&quot;height&quot;:744,&quot;width&quot;:3853}"/>
   <p:tag name="KSO_WM_BEAUTIFY_FLAG" val=""/>
 </p:tagLst>
 </file>
 
 <file path=ppt/tags/tag24.xml><?xml version="1.0" encoding="utf-8"?>
 <p:tagLst xmlns:a="http://schemas.openxmlformats.org/drawingml/2006/main" xmlns:r="http://schemas.openxmlformats.org/officeDocument/2006/relationships" xmlns:p="http://schemas.openxmlformats.org/presentationml/2006/main">
-  <p:tag name="KSO_WM_UNIT_PLACING_PICTURE_USER_VIEWPORT" val="{&quot;height&quot;:744,&quot;width&quot;:3853}"/>
   <p:tag name="KSO_WM_BEAUTIFY_FLAG" val=""/>
 </p:tagLst>
 </file>
 
 <file path=ppt/tags/tag25.xml><?xml version="1.0" encoding="utf-8"?>
 <p:tagLst xmlns:a="http://schemas.openxmlformats.org/drawingml/2006/main" xmlns:r="http://schemas.openxmlformats.org/officeDocument/2006/relationships" xmlns:p="http://schemas.openxmlformats.org/presentationml/2006/main">
+  <p:tag name="KSO_WM_UNIT_PLACING_PICTURE_USER_VIEWPORT" val="{&quot;height&quot;:744,&quot;width&quot;:3853}"/>
   <p:tag name="KSO_WM_BEAUTIFY_FLAG" val=""/>
 </p:tagLst>
 </file>
 
 <file path=ppt/tags/tag26.xml><?xml version="1.0" encoding="utf-8"?>
 <p:tagLst xmlns:a="http://schemas.openxmlformats.org/drawingml/2006/main" xmlns:r="http://schemas.openxmlformats.org/officeDocument/2006/relationships" xmlns:p="http://schemas.openxmlformats.org/presentationml/2006/main">
-  <p:tag name="KSO_WM_UNIT_PLACING_PICTURE_USER_VIEWPORT" val="{&quot;height&quot;:744,&quot;width&quot;:3853}"/>
   <p:tag name="KSO_WM_BEAUTIFY_FLAG" val=""/>
 </p:tagLst>
 </file>
 
 <file path=ppt/tags/tag27.xml><?xml version="1.0" encoding="utf-8"?>
 <p:tagLst xmlns:a="http://schemas.openxmlformats.org/drawingml/2006/main" xmlns:r="http://schemas.openxmlformats.org/officeDocument/2006/relationships" xmlns:p="http://schemas.openxmlformats.org/presentationml/2006/main">
+  <p:tag name="KSO_WM_UNIT_PLACING_PICTURE_USER_VIEWPORT" val="{&quot;height&quot;:744,&quot;width&quot;:3853}"/>
   <p:tag name="KSO_WM_BEAUTIFY_FLAG" val=""/>
 </p:tagLst>
 </file>
@@ -27536,6 +33140,7 @@
 
 <file path=ppt/tags/tag29.xml><?xml version="1.0" encoding="utf-8"?>
 <p:tagLst xmlns:a="http://schemas.openxmlformats.org/drawingml/2006/main" xmlns:r="http://schemas.openxmlformats.org/officeDocument/2006/relationships" xmlns:p="http://schemas.openxmlformats.org/presentationml/2006/main">
+  <p:tag name="KSO_WM_UNIT_PLACING_PICTURE_USER_VIEWPORT" val="{&quot;height&quot;:744,&quot;width&quot;:3853}"/>
   <p:tag name="KSO_WM_BEAUTIFY_FLAG" val=""/>
 </p:tagLst>
 </file>
@@ -27552,9 +33157,72 @@
 </p:tagLst>
 </file>
 
+<file path=ppt/tags/tag31.xml><?xml version="1.0" encoding="utf-8"?>
+<p:tagLst xmlns:a="http://schemas.openxmlformats.org/drawingml/2006/main" xmlns:r="http://schemas.openxmlformats.org/officeDocument/2006/relationships" xmlns:p="http://schemas.openxmlformats.org/presentationml/2006/main">
+  <p:tag name="KSO_WM_UNIT_PLACING_PICTURE_USER_VIEWPORT" val="{&quot;height&quot;:744,&quot;width&quot;:3853}"/>
+  <p:tag name="KSO_WM_BEAUTIFY_FLAG" val=""/>
+</p:tagLst>
+</file>
+
+<file path=ppt/tags/tag32.xml><?xml version="1.0" encoding="utf-8"?>
+<p:tagLst xmlns:a="http://schemas.openxmlformats.org/drawingml/2006/main" xmlns:r="http://schemas.openxmlformats.org/officeDocument/2006/relationships" xmlns:p="http://schemas.openxmlformats.org/presentationml/2006/main">
+  <p:tag name="KSO_WM_BEAUTIFY_FLAG" val=""/>
+</p:tagLst>
+</file>
+
+<file path=ppt/tags/tag33.xml><?xml version="1.0" encoding="utf-8"?>
+<p:tagLst xmlns:a="http://schemas.openxmlformats.org/drawingml/2006/main" xmlns:r="http://schemas.openxmlformats.org/officeDocument/2006/relationships" xmlns:p="http://schemas.openxmlformats.org/presentationml/2006/main">
+  <p:tag name="KSO_WM_BEAUTIFY_FLAG" val=""/>
+</p:tagLst>
+</file>
+
+<file path=ppt/tags/tag34.xml><?xml version="1.0" encoding="utf-8"?>
+<p:tagLst xmlns:a="http://schemas.openxmlformats.org/drawingml/2006/main" xmlns:r="http://schemas.openxmlformats.org/officeDocument/2006/relationships" xmlns:p="http://schemas.openxmlformats.org/presentationml/2006/main">
+  <p:tag name="KSO_WM_UNIT_PLACING_PICTURE_USER_VIEWPORT" val="{&quot;height&quot;:744,&quot;width&quot;:3853}"/>
+  <p:tag name="KSO_WM_BEAUTIFY_FLAG" val=""/>
+</p:tagLst>
+</file>
+
+<file path=ppt/tags/tag35.xml><?xml version="1.0" encoding="utf-8"?>
+<p:tagLst xmlns:a="http://schemas.openxmlformats.org/drawingml/2006/main" xmlns:r="http://schemas.openxmlformats.org/officeDocument/2006/relationships" xmlns:p="http://schemas.openxmlformats.org/presentationml/2006/main">
+  <p:tag name="KSO_WM_BEAUTIFY_FLAG" val=""/>
+</p:tagLst>
+</file>
+
+<file path=ppt/tags/tag36.xml><?xml version="1.0" encoding="utf-8"?>
+<p:tagLst xmlns:a="http://schemas.openxmlformats.org/drawingml/2006/main" xmlns:r="http://schemas.openxmlformats.org/officeDocument/2006/relationships" xmlns:p="http://schemas.openxmlformats.org/presentationml/2006/main">
+  <p:tag name="KSO_WM_UNIT_PLACING_PICTURE_USER_VIEWPORT" val="{&quot;height&quot;:744,&quot;width&quot;:3853}"/>
+  <p:tag name="KSO_WM_BEAUTIFY_FLAG" val=""/>
+</p:tagLst>
+</file>
+
+<file path=ppt/tags/tag37.xml><?xml version="1.0" encoding="utf-8"?>
+<p:tagLst xmlns:a="http://schemas.openxmlformats.org/drawingml/2006/main" xmlns:r="http://schemas.openxmlformats.org/officeDocument/2006/relationships" xmlns:p="http://schemas.openxmlformats.org/presentationml/2006/main">
+  <p:tag name="KSO_WM_BEAUTIFY_FLAG" val=""/>
+</p:tagLst>
+</file>
+
+<file path=ppt/tags/tag38.xml><?xml version="1.0" encoding="utf-8"?>
+<p:tagLst xmlns:a="http://schemas.openxmlformats.org/drawingml/2006/main" xmlns:r="http://schemas.openxmlformats.org/officeDocument/2006/relationships" xmlns:p="http://schemas.openxmlformats.org/presentationml/2006/main">
+  <p:tag name="KSO_WM_BEAUTIFY_FLAG" val=""/>
+</p:tagLst>
+</file>
+
+<file path=ppt/tags/tag39.xml><?xml version="1.0" encoding="utf-8"?>
+<p:tagLst xmlns:a="http://schemas.openxmlformats.org/drawingml/2006/main" xmlns:r="http://schemas.openxmlformats.org/officeDocument/2006/relationships" xmlns:p="http://schemas.openxmlformats.org/presentationml/2006/main">
+  <p:tag name="KSO_WM_BEAUTIFY_FLAG" val=""/>
+</p:tagLst>
+</file>
+
 <file path=ppt/tags/tag4.xml><?xml version="1.0" encoding="utf-8"?>
 <p:tagLst xmlns:a="http://schemas.openxmlformats.org/drawingml/2006/main" xmlns:r="http://schemas.openxmlformats.org/officeDocument/2006/relationships" xmlns:p="http://schemas.openxmlformats.org/presentationml/2006/main">
   <p:tag name="KSO_WM_UNIT_PLACING_PICTURE_USER_VIEWPORT" val="{&quot;height&quot;:744,&quot;width&quot;:3853}"/>
+  <p:tag name="KSO_WM_BEAUTIFY_FLAG" val=""/>
+</p:tagLst>
+</file>
+
+<file path=ppt/tags/tag40.xml><?xml version="1.0" encoding="utf-8"?>
+<p:tagLst xmlns:a="http://schemas.openxmlformats.org/drawingml/2006/main" xmlns:r="http://schemas.openxmlformats.org/officeDocument/2006/relationships" xmlns:p="http://schemas.openxmlformats.org/presentationml/2006/main">
   <p:tag name="KSO_WM_BEAUTIFY_FLAG" val=""/>
 </p:tagLst>
 </file>

--- a/2023-4-9.pptx
+++ b/2023-4-9.pptx
@@ -6,7 +6,7 @@
     <p:sldMasterId id="2147483649" r:id="rId2"/>
   </p:sldMasterIdLst>
   <p:notesMasterIdLst>
-    <p:notesMasterId r:id="rId30"/>
+    <p:notesMasterId r:id="rId34"/>
   </p:notesMasterIdLst>
   <p:sldIdLst>
     <p:sldId id="257" r:id="rId3"/>
@@ -27,15 +27,19 @@
     <p:sldId id="312" r:id="rId18"/>
     <p:sldId id="313" r:id="rId19"/>
     <p:sldId id="314" r:id="rId20"/>
-    <p:sldId id="311" r:id="rId21"/>
-    <p:sldId id="310" r:id="rId22"/>
-    <p:sldId id="307" r:id="rId23"/>
-    <p:sldId id="266" r:id="rId24"/>
-    <p:sldId id="292" r:id="rId25"/>
-    <p:sldId id="293" r:id="rId26"/>
-    <p:sldId id="296" r:id="rId27"/>
-    <p:sldId id="295" r:id="rId28"/>
-    <p:sldId id="277" r:id="rId29"/>
+    <p:sldId id="315" r:id="rId21"/>
+    <p:sldId id="316" r:id="rId22"/>
+    <p:sldId id="317" r:id="rId23"/>
+    <p:sldId id="318" r:id="rId24"/>
+    <p:sldId id="311" r:id="rId25"/>
+    <p:sldId id="310" r:id="rId26"/>
+    <p:sldId id="307" r:id="rId27"/>
+    <p:sldId id="266" r:id="rId28"/>
+    <p:sldId id="292" r:id="rId29"/>
+    <p:sldId id="293" r:id="rId30"/>
+    <p:sldId id="296" r:id="rId31"/>
+    <p:sldId id="295" r:id="rId32"/>
+    <p:sldId id="277" r:id="rId33"/>
   </p:sldIdLst>
   <p:sldSz cx="9144000" cy="5715000" type="screen16x10"/>
   <p:notesSz cx="6858000" cy="9144000"/>
@@ -4469,7 +4473,7 @@
           <a:p>
             <a:fld id="{89E139DD-5AAC-4F7F-9C50-1FB92AB9F9B8}" type="datetimeFigureOut">
               <a:rPr lang="zh-CN" altLang="en-US" smtClean="0"/>
-              <a:t>2023/4/10</a:t>
+              <a:t>2023/4/11</a:t>
             </a:fld>
             <a:endParaRPr lang="zh-CN" altLang="en-US"/>
           </a:p>
@@ -5902,7 +5906,18 @@
           <a:bodyPr/>
           <a:lstStyle/>
           <a:p>
-            <a:endParaRPr lang="zh-CN" altLang="en-US" dirty="0"/>
+            <a:r>
+              <a:rPr lang="zh-CN" altLang="en-US" dirty="0"/>
+              <a:t>向量</a:t>
+            </a:r>
+            <a:r>
+              <a:rPr lang="en-US" altLang="zh-CN" dirty="0"/>
+              <a:t>/</a:t>
+            </a:r>
+            <a:r>
+              <a:rPr lang="zh-CN" altLang="en-US" dirty="0"/>
+              <a:t>矩阵维数解释清楚</a:t>
+            </a:r>
           </a:p>
         </p:txBody>
       </p:sp>
@@ -5932,7 +5947,7 @@
     </p:spTree>
     <p:extLst>
       <p:ext uri="{BB962C8B-B14F-4D97-AF65-F5344CB8AC3E}">
-        <p14:creationId xmlns:p14="http://schemas.microsoft.com/office/powerpoint/2010/main" val="4052973467"/>
+        <p14:creationId xmlns:p14="http://schemas.microsoft.com/office/powerpoint/2010/main" val="126423326"/>
       </p:ext>
     </p:extLst>
   </p:cSld>
@@ -6065,6 +6080,66 @@
           <a:bodyPr/>
           <a:lstStyle/>
           <a:p>
+            <a:r>
+              <a:rPr lang="zh-CN" altLang="en-US" dirty="0"/>
+              <a:t>一页</a:t>
+            </a:r>
+            <a:r>
+              <a:rPr lang="en-US" altLang="zh-CN" dirty="0"/>
+              <a:t>ppt</a:t>
+            </a:r>
+            <a:r>
+              <a:rPr lang="zh-CN" altLang="en-US" dirty="0"/>
+              <a:t>展示的内容有限</a:t>
+            </a:r>
+            <a:r>
+              <a:rPr lang="en-US" altLang="zh-CN" dirty="0"/>
+              <a:t>+</a:t>
+            </a:r>
+            <a:r>
+              <a:rPr lang="zh-CN" altLang="en-US" dirty="0"/>
+              <a:t>公式是连贯的整体</a:t>
+            </a:r>
+            <a:r>
+              <a:rPr lang="en-US" altLang="zh-CN" dirty="0">
+                <a:sym typeface="Wingdings" panose="05000000000000000000" pitchFamily="2" charset="2"/>
+              </a:rPr>
+              <a:t></a:t>
+            </a:r>
+            <a:r>
+              <a:rPr lang="zh-CN" altLang="en-US" dirty="0">
+                <a:sym typeface="Wingdings" panose="05000000000000000000" pitchFamily="2" charset="2"/>
+              </a:rPr>
+              <a:t>字有点小</a:t>
+            </a:r>
+            <a:endParaRPr lang="en-US" altLang="zh-CN" dirty="0">
+              <a:sym typeface="Wingdings" panose="05000000000000000000" pitchFamily="2" charset="2"/>
+            </a:endParaRPr>
+          </a:p>
+          <a:p>
+            <a:r>
+              <a:rPr lang="zh-CN" altLang="en-US" dirty="0">
+                <a:sym typeface="Wingdings" panose="05000000000000000000" pitchFamily="2" charset="2"/>
+              </a:rPr>
+              <a:t>解释矩阵运算</a:t>
+            </a:r>
+            <a:endParaRPr lang="en-US" altLang="zh-CN" dirty="0">
+              <a:sym typeface="Wingdings" panose="05000000000000000000" pitchFamily="2" charset="2"/>
+            </a:endParaRPr>
+          </a:p>
+          <a:p>
+            <a:r>
+              <a:rPr lang="en-US" altLang="zh-CN" dirty="0">
+                <a:sym typeface="Wingdings" panose="05000000000000000000" pitchFamily="2" charset="2"/>
+              </a:rPr>
+              <a:t>(Click!)</a:t>
+            </a:r>
+            <a:r>
+              <a:rPr lang="zh-CN" altLang="en-US" dirty="0">
+                <a:sym typeface="Wingdings" panose="05000000000000000000" pitchFamily="2" charset="2"/>
+              </a:rPr>
+              <a:t>最终结果</a:t>
+            </a:r>
             <a:endParaRPr lang="zh-CN" altLang="en-US" dirty="0"/>
           </a:p>
         </p:txBody>
@@ -6095,7 +6170,7 @@
     </p:spTree>
     <p:extLst>
       <p:ext uri="{BB962C8B-B14F-4D97-AF65-F5344CB8AC3E}">
-        <p14:creationId xmlns:p14="http://schemas.microsoft.com/office/powerpoint/2010/main" val="3346192242"/>
+        <p14:creationId xmlns:p14="http://schemas.microsoft.com/office/powerpoint/2010/main" val="2767461216"/>
       </p:ext>
     </p:extLst>
   </p:cSld>
@@ -6149,7 +6224,10 @@
           <a:bodyPr/>
           <a:lstStyle/>
           <a:p>
-            <a:endParaRPr lang="zh-CN" altLang="en-US"/>
+            <a:r>
+              <a:rPr lang="zh-CN" altLang="en-US" dirty="0"/>
+              <a:t>到这里，我们的讨论还没有结束</a:t>
+            </a:r>
           </a:p>
         </p:txBody>
       </p:sp>
@@ -6179,7 +6257,7 @@
     </p:spTree>
     <p:extLst>
       <p:ext uri="{BB962C8B-B14F-4D97-AF65-F5344CB8AC3E}">
-        <p14:creationId xmlns:p14="http://schemas.microsoft.com/office/powerpoint/2010/main" val="1221424295"/>
+        <p14:creationId xmlns:p14="http://schemas.microsoft.com/office/powerpoint/2010/main" val="3372099227"/>
       </p:ext>
     </p:extLst>
   </p:cSld>
@@ -6208,7 +6286,7 @@
       </p:grpSpPr>
       <p:sp>
         <p:nvSpPr>
-          <p:cNvPr id="1048722" name="幻灯片图像占位符 1"/>
+          <p:cNvPr id="1048693" name="幻灯片图像占位符 1"/>
           <p:cNvSpPr>
             <a:spLocks noGrp="1" noRot="1" noChangeAspect="1"/>
           </p:cNvSpPr>
@@ -6220,7 +6298,7 @@
       </p:sp>
       <p:sp>
         <p:nvSpPr>
-          <p:cNvPr id="1048723" name="备注占位符 2"/>
+          <p:cNvPr id="1048694" name="备注占位符 2"/>
           <p:cNvSpPr>
             <a:spLocks noGrp="1"/>
           </p:cNvSpPr>
@@ -6233,13 +6311,16 @@
           <a:bodyPr/>
           <a:lstStyle/>
           <a:p>
-            <a:endParaRPr lang="zh-CN" altLang="en-US"/>
+            <a:r>
+              <a:rPr lang="zh-CN" altLang="en-US" dirty="0"/>
+              <a:t>劝导听众要有耐心，最后一条改进</a:t>
+            </a:r>
           </a:p>
         </p:txBody>
       </p:sp>
       <p:sp>
         <p:nvSpPr>
-          <p:cNvPr id="1048724" name="灯片编号占位符 3"/>
+          <p:cNvPr id="1048695" name="灯片编号占位符 3"/>
           <p:cNvSpPr>
             <a:spLocks noGrp="1"/>
           </p:cNvSpPr>
@@ -6261,6 +6342,11 @@
         </p:txBody>
       </p:sp>
     </p:spTree>
+    <p:extLst>
+      <p:ext uri="{BB962C8B-B14F-4D97-AF65-F5344CB8AC3E}">
+        <p14:creationId xmlns:p14="http://schemas.microsoft.com/office/powerpoint/2010/main" val="1828545244"/>
+      </p:ext>
+    </p:extLst>
   </p:cSld>
   <p:clrMapOvr>
     <a:masterClrMapping/>
@@ -6287,6 +6373,337 @@
       </p:grpSpPr>
       <p:sp>
         <p:nvSpPr>
+          <p:cNvPr id="1048693" name="幻灯片图像占位符 1"/>
+          <p:cNvSpPr>
+            <a:spLocks noGrp="1" noRot="1" noChangeAspect="1"/>
+          </p:cNvSpPr>
+          <p:nvPr>
+            <p:ph type="sldImg"/>
+          </p:nvPr>
+        </p:nvSpPr>
+        <p:spPr/>
+      </p:sp>
+      <p:sp>
+        <p:nvSpPr>
+          <p:cNvPr id="1048694" name="备注占位符 2"/>
+          <p:cNvSpPr>
+            <a:spLocks noGrp="1"/>
+          </p:cNvSpPr>
+          <p:nvPr>
+            <p:ph type="body" idx="1"/>
+          </p:nvPr>
+        </p:nvSpPr>
+        <p:spPr/>
+        <p:txBody>
+          <a:bodyPr/>
+          <a:lstStyle/>
+          <a:p>
+            <a:endParaRPr lang="zh-CN" altLang="en-US" dirty="0"/>
+          </a:p>
+        </p:txBody>
+      </p:sp>
+      <p:sp>
+        <p:nvSpPr>
+          <p:cNvPr id="1048695" name="灯片编号占位符 3"/>
+          <p:cNvSpPr>
+            <a:spLocks noGrp="1"/>
+          </p:cNvSpPr>
+          <p:nvPr>
+            <p:ph type="sldNum" sz="quarter" idx="10"/>
+          </p:nvPr>
+        </p:nvSpPr>
+        <p:spPr/>
+        <p:txBody>
+          <a:bodyPr/>
+          <a:lstStyle/>
+          <a:p>
+            <a:fld id="{9CBB1522-D8B8-4EE2-937D-B0D68622BD2F}" type="slidenum">
+              <a:rPr lang="zh-CN" altLang="en-US" smtClean="0"/>
+              <a:t>23</a:t>
+            </a:fld>
+            <a:endParaRPr lang="zh-CN" altLang="en-US"/>
+          </a:p>
+        </p:txBody>
+      </p:sp>
+    </p:spTree>
+    <p:extLst>
+      <p:ext uri="{BB962C8B-B14F-4D97-AF65-F5344CB8AC3E}">
+        <p14:creationId xmlns:p14="http://schemas.microsoft.com/office/powerpoint/2010/main" val="4052973467"/>
+      </p:ext>
+    </p:extLst>
+  </p:cSld>
+  <p:clrMapOvr>
+    <a:masterClrMapping/>
+  </p:clrMapOvr>
+</p:notes>
+</file>
+
+<file path=ppt/notesSlides/notesSlide24.xml><?xml version="1.0" encoding="utf-8"?>
+<p:notes xmlns:a="http://schemas.openxmlformats.org/drawingml/2006/main" xmlns:r="http://schemas.openxmlformats.org/officeDocument/2006/relationships" xmlns:p="http://schemas.openxmlformats.org/presentationml/2006/main">
+  <p:cSld>
+    <p:spTree>
+      <p:nvGrpSpPr>
+        <p:cNvPr id="1" name=""/>
+        <p:cNvGrpSpPr/>
+        <p:nvPr/>
+      </p:nvGrpSpPr>
+      <p:grpSpPr>
+        <a:xfrm>
+          <a:off x="0" y="0"/>
+          <a:ext cx="0" cy="0"/>
+          <a:chOff x="0" y="0"/>
+          <a:chExt cx="0" cy="0"/>
+        </a:xfrm>
+      </p:grpSpPr>
+      <p:sp>
+        <p:nvSpPr>
+          <p:cNvPr id="1048693" name="幻灯片图像占位符 1"/>
+          <p:cNvSpPr>
+            <a:spLocks noGrp="1" noRot="1" noChangeAspect="1"/>
+          </p:cNvSpPr>
+          <p:nvPr>
+            <p:ph type="sldImg"/>
+          </p:nvPr>
+        </p:nvSpPr>
+        <p:spPr/>
+      </p:sp>
+      <p:sp>
+        <p:nvSpPr>
+          <p:cNvPr id="1048694" name="备注占位符 2"/>
+          <p:cNvSpPr>
+            <a:spLocks noGrp="1"/>
+          </p:cNvSpPr>
+          <p:nvPr>
+            <p:ph type="body" idx="1"/>
+          </p:nvPr>
+        </p:nvSpPr>
+        <p:spPr/>
+        <p:txBody>
+          <a:bodyPr/>
+          <a:lstStyle/>
+          <a:p>
+            <a:endParaRPr lang="zh-CN" altLang="en-US" dirty="0"/>
+          </a:p>
+        </p:txBody>
+      </p:sp>
+      <p:sp>
+        <p:nvSpPr>
+          <p:cNvPr id="1048695" name="灯片编号占位符 3"/>
+          <p:cNvSpPr>
+            <a:spLocks noGrp="1"/>
+          </p:cNvSpPr>
+          <p:nvPr>
+            <p:ph type="sldNum" sz="quarter" idx="10"/>
+          </p:nvPr>
+        </p:nvSpPr>
+        <p:spPr/>
+        <p:txBody>
+          <a:bodyPr/>
+          <a:lstStyle/>
+          <a:p>
+            <a:fld id="{9CBB1522-D8B8-4EE2-937D-B0D68622BD2F}" type="slidenum">
+              <a:rPr lang="zh-CN" altLang="en-US" smtClean="0"/>
+              <a:t>24</a:t>
+            </a:fld>
+            <a:endParaRPr lang="zh-CN" altLang="en-US"/>
+          </a:p>
+        </p:txBody>
+      </p:sp>
+    </p:spTree>
+    <p:extLst>
+      <p:ext uri="{BB962C8B-B14F-4D97-AF65-F5344CB8AC3E}">
+        <p14:creationId xmlns:p14="http://schemas.microsoft.com/office/powerpoint/2010/main" val="3346192242"/>
+      </p:ext>
+    </p:extLst>
+  </p:cSld>
+  <p:clrMapOvr>
+    <a:masterClrMapping/>
+  </p:clrMapOvr>
+</p:notes>
+</file>
+
+<file path=ppt/notesSlides/notesSlide25.xml><?xml version="1.0" encoding="utf-8"?>
+<p:notes xmlns:a="http://schemas.openxmlformats.org/drawingml/2006/main" xmlns:r="http://schemas.openxmlformats.org/officeDocument/2006/relationships" xmlns:p="http://schemas.openxmlformats.org/presentationml/2006/main">
+  <p:cSld>
+    <p:spTree>
+      <p:nvGrpSpPr>
+        <p:cNvPr id="1" name=""/>
+        <p:cNvGrpSpPr/>
+        <p:nvPr/>
+      </p:nvGrpSpPr>
+      <p:grpSpPr>
+        <a:xfrm>
+          <a:off x="0" y="0"/>
+          <a:ext cx="0" cy="0"/>
+          <a:chOff x="0" y="0"/>
+          <a:chExt cx="0" cy="0"/>
+        </a:xfrm>
+      </p:grpSpPr>
+      <p:sp>
+        <p:nvSpPr>
+          <p:cNvPr id="1048693" name="幻灯片图像占位符 1"/>
+          <p:cNvSpPr>
+            <a:spLocks noGrp="1" noRot="1" noChangeAspect="1"/>
+          </p:cNvSpPr>
+          <p:nvPr>
+            <p:ph type="sldImg"/>
+          </p:nvPr>
+        </p:nvSpPr>
+        <p:spPr/>
+      </p:sp>
+      <p:sp>
+        <p:nvSpPr>
+          <p:cNvPr id="1048694" name="备注占位符 2"/>
+          <p:cNvSpPr>
+            <a:spLocks noGrp="1"/>
+          </p:cNvSpPr>
+          <p:nvPr>
+            <p:ph type="body" idx="1"/>
+          </p:nvPr>
+        </p:nvSpPr>
+        <p:spPr/>
+        <p:txBody>
+          <a:bodyPr/>
+          <a:lstStyle/>
+          <a:p>
+            <a:endParaRPr lang="zh-CN" altLang="en-US"/>
+          </a:p>
+        </p:txBody>
+      </p:sp>
+      <p:sp>
+        <p:nvSpPr>
+          <p:cNvPr id="1048695" name="灯片编号占位符 3"/>
+          <p:cNvSpPr>
+            <a:spLocks noGrp="1"/>
+          </p:cNvSpPr>
+          <p:nvPr>
+            <p:ph type="sldNum" sz="quarter" idx="10"/>
+          </p:nvPr>
+        </p:nvSpPr>
+        <p:spPr/>
+        <p:txBody>
+          <a:bodyPr/>
+          <a:lstStyle/>
+          <a:p>
+            <a:fld id="{9CBB1522-D8B8-4EE2-937D-B0D68622BD2F}" type="slidenum">
+              <a:rPr lang="zh-CN" altLang="en-US" smtClean="0"/>
+              <a:t>25</a:t>
+            </a:fld>
+            <a:endParaRPr lang="zh-CN" altLang="en-US"/>
+          </a:p>
+        </p:txBody>
+      </p:sp>
+    </p:spTree>
+    <p:extLst>
+      <p:ext uri="{BB962C8B-B14F-4D97-AF65-F5344CB8AC3E}">
+        <p14:creationId xmlns:p14="http://schemas.microsoft.com/office/powerpoint/2010/main" val="1221424295"/>
+      </p:ext>
+    </p:extLst>
+  </p:cSld>
+  <p:clrMapOvr>
+    <a:masterClrMapping/>
+  </p:clrMapOvr>
+</p:notes>
+</file>
+
+<file path=ppt/notesSlides/notesSlide26.xml><?xml version="1.0" encoding="utf-8"?>
+<p:notes xmlns:a="http://schemas.openxmlformats.org/drawingml/2006/main" xmlns:r="http://schemas.openxmlformats.org/officeDocument/2006/relationships" xmlns:p="http://schemas.openxmlformats.org/presentationml/2006/main">
+  <p:cSld>
+    <p:spTree>
+      <p:nvGrpSpPr>
+        <p:cNvPr id="1" name=""/>
+        <p:cNvGrpSpPr/>
+        <p:nvPr/>
+      </p:nvGrpSpPr>
+      <p:grpSpPr>
+        <a:xfrm>
+          <a:off x="0" y="0"/>
+          <a:ext cx="0" cy="0"/>
+          <a:chOff x="0" y="0"/>
+          <a:chExt cx="0" cy="0"/>
+        </a:xfrm>
+      </p:grpSpPr>
+      <p:sp>
+        <p:nvSpPr>
+          <p:cNvPr id="1048722" name="幻灯片图像占位符 1"/>
+          <p:cNvSpPr>
+            <a:spLocks noGrp="1" noRot="1" noChangeAspect="1"/>
+          </p:cNvSpPr>
+          <p:nvPr>
+            <p:ph type="sldImg"/>
+          </p:nvPr>
+        </p:nvSpPr>
+        <p:spPr/>
+      </p:sp>
+      <p:sp>
+        <p:nvSpPr>
+          <p:cNvPr id="1048723" name="备注占位符 2"/>
+          <p:cNvSpPr>
+            <a:spLocks noGrp="1"/>
+          </p:cNvSpPr>
+          <p:nvPr>
+            <p:ph type="body" idx="1"/>
+          </p:nvPr>
+        </p:nvSpPr>
+        <p:spPr/>
+        <p:txBody>
+          <a:bodyPr/>
+          <a:lstStyle/>
+          <a:p>
+            <a:endParaRPr lang="zh-CN" altLang="en-US"/>
+          </a:p>
+        </p:txBody>
+      </p:sp>
+      <p:sp>
+        <p:nvSpPr>
+          <p:cNvPr id="1048724" name="灯片编号占位符 3"/>
+          <p:cNvSpPr>
+            <a:spLocks noGrp="1"/>
+          </p:cNvSpPr>
+          <p:nvPr>
+            <p:ph type="sldNum" sz="quarter" idx="10"/>
+          </p:nvPr>
+        </p:nvSpPr>
+        <p:spPr/>
+        <p:txBody>
+          <a:bodyPr/>
+          <a:lstStyle/>
+          <a:p>
+            <a:fld id="{9CBB1522-D8B8-4EE2-937D-B0D68622BD2F}" type="slidenum">
+              <a:rPr lang="zh-CN" altLang="en-US" smtClean="0"/>
+              <a:t>26</a:t>
+            </a:fld>
+            <a:endParaRPr lang="zh-CN" altLang="en-US"/>
+          </a:p>
+        </p:txBody>
+      </p:sp>
+    </p:spTree>
+  </p:cSld>
+  <p:clrMapOvr>
+    <a:masterClrMapping/>
+  </p:clrMapOvr>
+</p:notes>
+</file>
+
+<file path=ppt/notesSlides/notesSlide27.xml><?xml version="1.0" encoding="utf-8"?>
+<p:notes xmlns:a="http://schemas.openxmlformats.org/drawingml/2006/main" xmlns:r="http://schemas.openxmlformats.org/officeDocument/2006/relationships" xmlns:p="http://schemas.openxmlformats.org/presentationml/2006/main">
+  <p:cSld>
+    <p:spTree>
+      <p:nvGrpSpPr>
+        <p:cNvPr id="1" name=""/>
+        <p:cNvGrpSpPr/>
+        <p:nvPr/>
+      </p:nvGrpSpPr>
+      <p:grpSpPr>
+        <a:xfrm>
+          <a:off x="0" y="0"/>
+          <a:ext cx="0" cy="0"/>
+          <a:chOff x="0" y="0"/>
+          <a:chExt cx="0" cy="0"/>
+        </a:xfrm>
+      </p:grpSpPr>
+      <p:sp>
+        <p:nvSpPr>
           <p:cNvPr id="1048617" name="幻灯片图像占位符 1"/>
           <p:cNvSpPr>
             <a:spLocks noGrp="1" noRot="1" noChangeAspect="1"/>
@@ -6333,7 +6750,7 @@
           <a:p>
             <a:fld id="{9CBB1522-D8B8-4EE2-937D-B0D68622BD2F}" type="slidenum">
               <a:rPr lang="zh-CN" altLang="en-US" smtClean="0"/>
-              <a:t>27</a:t>
+              <a:t>31</a:t>
             </a:fld>
             <a:endParaRPr lang="zh-CN" altLang="en-US"/>
           </a:p>
@@ -21249,7 +21666,7 @@
                 <a:latin typeface="微软雅黑" panose="020B0503020204020204" pitchFamily="34" charset="-122"/>
                 <a:ea typeface="微软雅黑" panose="020B0503020204020204" pitchFamily="34" charset="-122"/>
               </a:rPr>
-              <a:t>几何直观：</a:t>
+              <a:t>几何直观与最小化函数方程：</a:t>
             </a:r>
           </a:p>
         </p:txBody>
@@ -21990,25 +22407,25 @@
           <p:nvPr>
             <p:extLst>
               <p:ext uri="{D42A27DB-BD31-4B8C-83A1-F6EECF244321}">
-                <p14:modId xmlns:p14="http://schemas.microsoft.com/office/powerpoint/2010/main" val="349780150"/>
+                <p14:modId xmlns:p14="http://schemas.microsoft.com/office/powerpoint/2010/main" val="2731021585"/>
               </p:ext>
             </p:extLst>
           </p:nvPr>
         </p:nvGraphicFramePr>
         <p:xfrm>
-          <a:off x="2177448" y="4524986"/>
-          <a:ext cx="5138739" cy="707330"/>
+          <a:off x="2084388" y="4551363"/>
+          <a:ext cx="5310187" cy="708025"/>
         </p:xfrm>
         <a:graphic>
           <a:graphicData uri="http://schemas.openxmlformats.org/presentationml/2006/ole">
             <mc:AlternateContent xmlns:mc="http://schemas.openxmlformats.org/markup-compatibility/2006">
               <mc:Choice xmlns:v="urn:schemas-microsoft-com:vml" Requires="v">
-                <p:oleObj name="AxMath" r:id="rId11" imgW="3003120" imgH="414000" progId="Equation.AxMath">
+                <p:oleObj name="AxMath" r:id="rId11" imgW="3103560" imgH="414000" progId="Equation.AxMath">
                   <p:embed/>
                 </p:oleObj>
               </mc:Choice>
               <mc:Fallback>
-                <p:oleObj name="AxMath" r:id="rId11" imgW="3003120" imgH="414000" progId="Equation.AxMath">
+                <p:oleObj name="AxMath" r:id="rId11" imgW="3103560" imgH="414000" progId="Equation.AxMath">
                   <p:embed/>
                   <p:pic>
                     <p:nvPicPr>
@@ -22030,8 +22447,8 @@
                     </p:blipFill>
                     <p:spPr>
                       <a:xfrm>
-                        <a:off x="2177448" y="4524986"/>
-                        <a:ext cx="5138739" cy="707330"/>
+                        <a:off x="2084388" y="4551363"/>
+                        <a:ext cx="5310187" cy="708025"/>
                       </a:xfrm>
                       <a:prstGeom prst="rect">
                         <a:avLst/>
@@ -22146,7 +22563,7 @@
                 <a:latin typeface="微软雅黑" panose="020B0503020204020204" pitchFamily="34" charset="-122"/>
                 <a:ea typeface="微软雅黑" panose="020B0503020204020204" pitchFamily="34" charset="-122"/>
               </a:rPr>
-              <a:t>(1/9)</a:t>
+              <a:t>(5/9)</a:t>
             </a:r>
             <a:endParaRPr lang="zh-CN" altLang="en-US" sz="2400" b="1" dirty="0">
               <a:solidFill>
@@ -22178,8 +22595,8 @@
         </p:nvSpPr>
         <p:spPr>
           <a:xfrm>
-            <a:off x="107504" y="1057300"/>
-            <a:ext cx="5400600" cy="1015663"/>
+            <a:off x="82716" y="916069"/>
+            <a:ext cx="6699590" cy="461665"/>
           </a:xfrm>
           <a:prstGeom prst="rect">
             <a:avLst/>
@@ -22197,7 +22614,7 @@
               <a:buChar char="u"/>
             </a:pPr>
             <a:r>
-              <a:rPr lang="zh-CN" altLang="en-US" sz="2000" b="1" dirty="0">
+              <a:rPr lang="zh-CN" altLang="en-US" sz="2400" b="1" dirty="0">
                 <a:solidFill>
                   <a:schemeClr val="tx2">
                     <a:lumMod val="75000"/>
@@ -22206,85 +22623,7 @@
                 <a:latin typeface="微软雅黑" panose="020B0503020204020204" pitchFamily="34" charset="-122"/>
                 <a:ea typeface="微软雅黑" panose="020B0503020204020204" pitchFamily="34" charset="-122"/>
               </a:rPr>
-              <a:t>术语缩写介绍：</a:t>
-            </a:r>
-            <a:endParaRPr lang="en-US" altLang="zh-CN" sz="2000" b="1" dirty="0">
-              <a:solidFill>
-                <a:schemeClr val="tx2">
-                  <a:lumMod val="75000"/>
-                </a:schemeClr>
-              </a:solidFill>
-              <a:latin typeface="微软雅黑" panose="020B0503020204020204" pitchFamily="34" charset="-122"/>
-              <a:ea typeface="微软雅黑" panose="020B0503020204020204" pitchFamily="34" charset="-122"/>
-            </a:endParaRPr>
-          </a:p>
-          <a:p>
-            <a:pPr marL="800100" lvl="1" indent="-342900" fontAlgn="b">
-              <a:buFont typeface="Wingdings" panose="05000000000000000000" pitchFamily="2" charset="2"/>
-              <a:buChar char="u"/>
-            </a:pPr>
-            <a:r>
-              <a:rPr lang="en-US" altLang="zh-CN" sz="2000" b="1" dirty="0">
-                <a:solidFill>
-                  <a:schemeClr val="tx2">
-                    <a:lumMod val="75000"/>
-                  </a:schemeClr>
-                </a:solidFill>
-                <a:latin typeface="微软雅黑" panose="020B0503020204020204" pitchFamily="34" charset="-122"/>
-                <a:ea typeface="微软雅黑" panose="020B0503020204020204" pitchFamily="34" charset="-122"/>
-              </a:rPr>
-              <a:t>LS(Least Square)</a:t>
-            </a:r>
-            <a:r>
-              <a:rPr lang="zh-CN" altLang="en-US" sz="2000" b="1" dirty="0">
-                <a:solidFill>
-                  <a:schemeClr val="tx2">
-                    <a:lumMod val="75000"/>
-                  </a:schemeClr>
-                </a:solidFill>
-                <a:latin typeface="微软雅黑" panose="020B0503020204020204" pitchFamily="34" charset="-122"/>
-                <a:ea typeface="微软雅黑" panose="020B0503020204020204" pitchFamily="34" charset="-122"/>
-              </a:rPr>
-              <a:t>：最小二乘法</a:t>
-            </a:r>
-            <a:endParaRPr lang="en-US" altLang="zh-CN" sz="2000" b="1" dirty="0">
-              <a:solidFill>
-                <a:schemeClr val="tx2">
-                  <a:lumMod val="75000"/>
-                </a:schemeClr>
-              </a:solidFill>
-              <a:latin typeface="微软雅黑" panose="020B0503020204020204" pitchFamily="34" charset="-122"/>
-              <a:ea typeface="微软雅黑" panose="020B0503020204020204" pitchFamily="34" charset="-122"/>
-            </a:endParaRPr>
-          </a:p>
-          <a:p>
-            <a:pPr marL="800100" lvl="1" indent="-342900" fontAlgn="b">
-              <a:buFont typeface="Wingdings" panose="05000000000000000000" pitchFamily="2" charset="2"/>
-              <a:buChar char="u"/>
-            </a:pPr>
-            <a:r>
-              <a:rPr lang="en-US" altLang="zh-CN" sz="2000" b="1" dirty="0">
-                <a:solidFill>
-                  <a:schemeClr val="tx2">
-                    <a:lumMod val="75000"/>
-                  </a:schemeClr>
-                </a:solidFill>
-                <a:latin typeface="微软雅黑" panose="020B0503020204020204" pitchFamily="34" charset="-122"/>
-                <a:ea typeface="微软雅黑" panose="020B0503020204020204" pitchFamily="34" charset="-122"/>
-              </a:rPr>
-              <a:t>OLS(Ordinary LS)</a:t>
-            </a:r>
-            <a:r>
-              <a:rPr lang="zh-CN" altLang="en-US" sz="2000" b="1" dirty="0">
-                <a:solidFill>
-                  <a:schemeClr val="tx2">
-                    <a:lumMod val="75000"/>
-                  </a:schemeClr>
-                </a:solidFill>
-                <a:latin typeface="微软雅黑" panose="020B0503020204020204" pitchFamily="34" charset="-122"/>
-                <a:ea typeface="微软雅黑" panose="020B0503020204020204" pitchFamily="34" charset="-122"/>
-              </a:rPr>
-              <a:t>：普通最小二乘法</a:t>
+              <a:t>矩阵形式表示：</a:t>
             </a:r>
           </a:p>
         </p:txBody>
@@ -22336,24 +22675,22 @@
             <a:pPr algn="ctr"/>
             <a:r>
               <a:rPr lang="en-US" altLang="zh-CN" sz="2800" b="1" dirty="0">
-                <a:effectLst>
-                  <a:outerShdw blurRad="38100" dist="38100" dir="2700000" algn="tl">
-                    <a:srgbClr val="000000">
-                      <a:alpha val="43137"/>
-                    </a:srgbClr>
-                  </a:outerShdw>
-                </a:effectLst>
+                <a:solidFill>
+                  <a:schemeClr val="tx2">
+                    <a:lumMod val="40000"/>
+                    <a:lumOff val="60000"/>
+                  </a:schemeClr>
+                </a:solidFill>
               </a:rPr>
               <a:t>OLS</a:t>
             </a:r>
             <a:endParaRPr lang="zh-CN" altLang="en-US" sz="2800" b="1" dirty="0">
-              <a:effectLst>
-                <a:outerShdw blurRad="38100" dist="38100" dir="2700000" algn="tl">
-                  <a:srgbClr val="000000">
-                    <a:alpha val="43137"/>
-                  </a:srgbClr>
-                </a:outerShdw>
-              </a:effectLst>
+              <a:solidFill>
+                <a:schemeClr val="tx2">
+                  <a:lumMod val="40000"/>
+                  <a:lumOff val="60000"/>
+                </a:schemeClr>
+              </a:solidFill>
             </a:endParaRPr>
           </a:p>
         </p:txBody>
@@ -22405,24 +22742,22 @@
             <a:pPr algn="ctr"/>
             <a:r>
               <a:rPr lang="en-US" altLang="zh-CN" sz="2800" b="1" dirty="0">
-                <a:effectLst>
-                  <a:outerShdw blurRad="38100" dist="38100" dir="2700000" algn="tl">
-                    <a:srgbClr val="000000">
-                      <a:alpha val="43137"/>
-                    </a:srgbClr>
-                  </a:outerShdw>
-                </a:effectLst>
+                <a:solidFill>
+                  <a:schemeClr val="tx2">
+                    <a:lumMod val="40000"/>
+                    <a:lumOff val="60000"/>
+                  </a:schemeClr>
+                </a:solidFill>
               </a:rPr>
-              <a:t>OLS</a:t>
+              <a:t>WLS</a:t>
             </a:r>
             <a:endParaRPr lang="zh-CN" altLang="en-US" sz="2800" b="1" dirty="0">
-              <a:effectLst>
-                <a:outerShdw blurRad="38100" dist="38100" dir="2700000" algn="tl">
-                  <a:srgbClr val="000000">
-                    <a:alpha val="43137"/>
-                  </a:srgbClr>
-                </a:outerShdw>
-              </a:effectLst>
+              <a:solidFill>
+                <a:schemeClr val="tx2">
+                  <a:lumMod val="40000"/>
+                  <a:lumOff val="60000"/>
+                </a:schemeClr>
+              </a:solidFill>
             </a:endParaRPr>
           </a:p>
         </p:txBody>
@@ -22441,8 +22776,8 @@
         </p:nvSpPr>
         <p:spPr>
           <a:xfrm>
-            <a:off x="7380312" y="3314315"/>
-            <a:ext cx="1152128" cy="648072"/>
+            <a:off x="7315119" y="3314314"/>
+            <a:ext cx="1296144" cy="648072"/>
           </a:xfrm>
           <a:prstGeom prst="roundRect">
             <a:avLst/>
@@ -22482,7 +22817,7 @@
                   </a:outerShdw>
                 </a:effectLst>
               </a:rPr>
-              <a:t>OLS</a:t>
+              <a:t>WTLS</a:t>
             </a:r>
             <a:endParaRPr lang="zh-CN" altLang="en-US" sz="2800" b="1" dirty="0">
               <a:effectLst>
@@ -22551,7 +22886,7 @@
                   </a:outerShdw>
                 </a:effectLst>
               </a:rPr>
-              <a:t>OLS</a:t>
+              <a:t>?</a:t>
             </a:r>
             <a:endParaRPr lang="zh-CN" altLang="en-US" sz="2800" b="1" dirty="0">
               <a:effectLst>
@@ -22565,10 +22900,612 @@
           </a:p>
         </p:txBody>
       </p:sp>
+      <p:sp>
+        <p:nvSpPr>
+          <p:cNvPr id="9" name="箭头: 右 8">
+            <a:extLst>
+              <a:ext uri="{FF2B5EF4-FFF2-40B4-BE49-F238E27FC236}">
+                <a16:creationId xmlns:a16="http://schemas.microsoft.com/office/drawing/2014/main" id="{B0DCF526-7ADE-AE90-16FC-9BB98B731EB8}"/>
+              </a:ext>
+            </a:extLst>
+          </p:cNvPr>
+          <p:cNvSpPr/>
+          <p:nvPr/>
+        </p:nvSpPr>
+        <p:spPr>
+          <a:xfrm rot="5400000">
+            <a:off x="7761378" y="1719979"/>
+            <a:ext cx="389994" cy="240861"/>
+          </a:xfrm>
+          <a:prstGeom prst="rightArrow">
+            <a:avLst>
+              <a:gd name="adj1" fmla="val 35703"/>
+              <a:gd name="adj2" fmla="val 50000"/>
+            </a:avLst>
+          </a:prstGeom>
+        </p:spPr>
+        <p:style>
+          <a:lnRef idx="2">
+            <a:schemeClr val="accent1">
+              <a:shade val="50000"/>
+            </a:schemeClr>
+          </a:lnRef>
+          <a:fillRef idx="1">
+            <a:schemeClr val="accent1"/>
+          </a:fillRef>
+          <a:effectRef idx="0">
+            <a:schemeClr val="accent1"/>
+          </a:effectRef>
+          <a:fontRef idx="minor">
+            <a:schemeClr val="lt1"/>
+          </a:fontRef>
+        </p:style>
+        <p:txBody>
+          <a:bodyPr rtlCol="0" anchor="ctr"/>
+          <a:lstStyle/>
+          <a:p>
+            <a:pPr algn="ctr"/>
+            <a:endParaRPr lang="zh-CN" altLang="en-US"/>
+          </a:p>
+        </p:txBody>
+      </p:sp>
+      <p:sp>
+        <p:nvSpPr>
+          <p:cNvPr id="10" name="箭头: 右 9">
+            <a:extLst>
+              <a:ext uri="{FF2B5EF4-FFF2-40B4-BE49-F238E27FC236}">
+                <a16:creationId xmlns:a16="http://schemas.microsoft.com/office/drawing/2014/main" id="{68802577-1895-B2D1-7BDD-12BE7AF2DD87}"/>
+              </a:ext>
+            </a:extLst>
+          </p:cNvPr>
+          <p:cNvSpPr/>
+          <p:nvPr/>
+        </p:nvSpPr>
+        <p:spPr>
+          <a:xfrm rot="5400000">
+            <a:off x="7768194" y="2918606"/>
+            <a:ext cx="389994" cy="240861"/>
+          </a:xfrm>
+          <a:prstGeom prst="rightArrow">
+            <a:avLst>
+              <a:gd name="adj1" fmla="val 35703"/>
+              <a:gd name="adj2" fmla="val 50000"/>
+            </a:avLst>
+          </a:prstGeom>
+        </p:spPr>
+        <p:style>
+          <a:lnRef idx="2">
+            <a:schemeClr val="accent1">
+              <a:shade val="50000"/>
+            </a:schemeClr>
+          </a:lnRef>
+          <a:fillRef idx="1">
+            <a:schemeClr val="accent1"/>
+          </a:fillRef>
+          <a:effectRef idx="0">
+            <a:schemeClr val="accent1"/>
+          </a:effectRef>
+          <a:fontRef idx="minor">
+            <a:schemeClr val="lt1"/>
+          </a:fontRef>
+        </p:style>
+        <p:txBody>
+          <a:bodyPr rtlCol="0" anchor="ctr"/>
+          <a:lstStyle/>
+          <a:p>
+            <a:pPr algn="ctr"/>
+            <a:endParaRPr lang="zh-CN" altLang="en-US"/>
+          </a:p>
+        </p:txBody>
+      </p:sp>
+      <p:sp>
+        <p:nvSpPr>
+          <p:cNvPr id="11" name="箭头: 右 10">
+            <a:extLst>
+              <a:ext uri="{FF2B5EF4-FFF2-40B4-BE49-F238E27FC236}">
+                <a16:creationId xmlns:a16="http://schemas.microsoft.com/office/drawing/2014/main" id="{09A665D0-AA57-921B-7712-44A5797FDAFC}"/>
+              </a:ext>
+            </a:extLst>
+          </p:cNvPr>
+          <p:cNvSpPr/>
+          <p:nvPr/>
+        </p:nvSpPr>
+        <p:spPr>
+          <a:xfrm rot="5400000">
+            <a:off x="7761377" y="4117235"/>
+            <a:ext cx="389994" cy="240861"/>
+          </a:xfrm>
+          <a:prstGeom prst="rightArrow">
+            <a:avLst>
+              <a:gd name="adj1" fmla="val 35703"/>
+              <a:gd name="adj2" fmla="val 50000"/>
+            </a:avLst>
+          </a:prstGeom>
+        </p:spPr>
+        <p:style>
+          <a:lnRef idx="2">
+            <a:schemeClr val="accent1">
+              <a:shade val="50000"/>
+            </a:schemeClr>
+          </a:lnRef>
+          <a:fillRef idx="1">
+            <a:schemeClr val="accent1"/>
+          </a:fillRef>
+          <a:effectRef idx="0">
+            <a:schemeClr val="accent1"/>
+          </a:effectRef>
+          <a:fontRef idx="minor">
+            <a:schemeClr val="lt1"/>
+          </a:fontRef>
+        </p:style>
+        <p:txBody>
+          <a:bodyPr rtlCol="0" anchor="ctr"/>
+          <a:lstStyle/>
+          <a:p>
+            <a:pPr algn="ctr"/>
+            <a:endParaRPr lang="zh-CN" altLang="en-US"/>
+          </a:p>
+        </p:txBody>
+      </p:sp>
+      <p:sp>
+        <p:nvSpPr>
+          <p:cNvPr id="3" name="文本框 2">
+            <a:extLst>
+              <a:ext uri="{FF2B5EF4-FFF2-40B4-BE49-F238E27FC236}">
+                <a16:creationId xmlns:a16="http://schemas.microsoft.com/office/drawing/2014/main" id="{7A170B39-397C-E084-365D-4AE56C35EAFC}"/>
+              </a:ext>
+            </a:extLst>
+          </p:cNvPr>
+          <p:cNvSpPr txBox="1"/>
+          <p:nvPr/>
+        </p:nvSpPr>
+        <p:spPr>
+          <a:xfrm>
+            <a:off x="159686" y="1468130"/>
+            <a:ext cx="648072" cy="400110"/>
+          </a:xfrm>
+          <a:prstGeom prst="rect">
+            <a:avLst/>
+          </a:prstGeom>
+          <a:noFill/>
+          <a:ln w="38100">
+            <a:solidFill>
+              <a:srgbClr val="376092"/>
+            </a:solidFill>
+          </a:ln>
+        </p:spPr>
+        <p:txBody>
+          <a:bodyPr wrap="square">
+            <a:spAutoFit/>
+          </a:bodyPr>
+          <a:lstStyle/>
+          <a:p>
+            <a:r>
+              <a:rPr lang="en-US" altLang="zh-CN" sz="2000" b="1" dirty="0">
+                <a:solidFill>
+                  <a:schemeClr val="tx2">
+                    <a:lumMod val="75000"/>
+                  </a:schemeClr>
+                </a:solidFill>
+                <a:latin typeface="微软雅黑" panose="020B0503020204020204" pitchFamily="34" charset="-122"/>
+                <a:ea typeface="微软雅黑" panose="020B0503020204020204" pitchFamily="34" charset="-122"/>
+              </a:rPr>
+              <a:t>TLS</a:t>
+            </a:r>
+            <a:endParaRPr lang="zh-CN" altLang="en-US" sz="2000" dirty="0"/>
+          </a:p>
+        </p:txBody>
+      </p:sp>
+      <p:graphicFrame>
+        <p:nvGraphicFramePr>
+          <p:cNvPr id="19" name="对象 18">
+            <a:extLst>
+              <a:ext uri="{FF2B5EF4-FFF2-40B4-BE49-F238E27FC236}">
+                <a16:creationId xmlns:a16="http://schemas.microsoft.com/office/drawing/2014/main" id="{063BB2DA-8F84-7882-FEC6-18D92964C8EA}"/>
+              </a:ext>
+            </a:extLst>
+          </p:cNvPr>
+          <p:cNvGraphicFramePr>
+            <a:graphicFrameLocks noChangeAspect="1"/>
+          </p:cNvGraphicFramePr>
+          <p:nvPr>
+            <p:extLst>
+              <p:ext uri="{D42A27DB-BD31-4B8C-83A1-F6EECF244321}">
+                <p14:modId xmlns:p14="http://schemas.microsoft.com/office/powerpoint/2010/main" val="3551171240"/>
+              </p:ext>
+            </p:extLst>
+          </p:nvPr>
+        </p:nvGraphicFramePr>
+        <p:xfrm>
+          <a:off x="1019175" y="1377950"/>
+          <a:ext cx="5310188" cy="706438"/>
+        </p:xfrm>
+        <a:graphic>
+          <a:graphicData uri="http://schemas.openxmlformats.org/presentationml/2006/ole">
+            <mc:AlternateContent xmlns:mc="http://schemas.openxmlformats.org/markup-compatibility/2006">
+              <mc:Choice xmlns:v="urn:schemas-microsoft-com:vml" Requires="v">
+                <p:oleObj name="AxMath" r:id="rId5" imgW="3103560" imgH="414000" progId="Equation.AxMath">
+                  <p:embed/>
+                </p:oleObj>
+              </mc:Choice>
+              <mc:Fallback>
+                <p:oleObj name="AxMath" r:id="rId5" imgW="3103560" imgH="414000" progId="Equation.AxMath">
+                  <p:embed/>
+                  <p:pic>
+                    <p:nvPicPr>
+                      <p:cNvPr id="18" name="对象 17">
+                        <a:extLst>
+                          <a:ext uri="{FF2B5EF4-FFF2-40B4-BE49-F238E27FC236}">
+                            <a16:creationId xmlns:a16="http://schemas.microsoft.com/office/drawing/2014/main" id="{08F15C38-A823-66FC-07FA-B501079201A1}"/>
+                          </a:ext>
+                        </a:extLst>
+                      </p:cNvPr>
+                      <p:cNvPicPr/>
+                      <p:nvPr/>
+                    </p:nvPicPr>
+                    <p:blipFill>
+                      <a:blip r:embed="rId6"/>
+                      <a:stretch>
+                        <a:fillRect/>
+                      </a:stretch>
+                    </p:blipFill>
+                    <p:spPr>
+                      <a:xfrm>
+                        <a:off x="1019175" y="1377950"/>
+                        <a:ext cx="5310188" cy="706438"/>
+                      </a:xfrm>
+                      <a:prstGeom prst="rect">
+                        <a:avLst/>
+                      </a:prstGeom>
+                    </p:spPr>
+                  </p:pic>
+                </p:oleObj>
+              </mc:Fallback>
+            </mc:AlternateContent>
+          </a:graphicData>
+        </a:graphic>
+      </p:graphicFrame>
+      <p:graphicFrame>
+        <p:nvGraphicFramePr>
+          <p:cNvPr id="22" name="对象 21">
+            <a:extLst>
+              <a:ext uri="{FF2B5EF4-FFF2-40B4-BE49-F238E27FC236}">
+                <a16:creationId xmlns:a16="http://schemas.microsoft.com/office/drawing/2014/main" id="{8F2ACFF7-C635-D8C5-0C34-FE844D958544}"/>
+              </a:ext>
+            </a:extLst>
+          </p:cNvPr>
+          <p:cNvGraphicFramePr>
+            <a:graphicFrameLocks noChangeAspect="1"/>
+          </p:cNvGraphicFramePr>
+          <p:nvPr>
+            <p:extLst>
+              <p:ext uri="{D42A27DB-BD31-4B8C-83A1-F6EECF244321}">
+                <p14:modId xmlns:p14="http://schemas.microsoft.com/office/powerpoint/2010/main" val="900042114"/>
+              </p:ext>
+            </p:extLst>
+          </p:nvPr>
+        </p:nvGraphicFramePr>
+        <p:xfrm>
+          <a:off x="921947" y="2154014"/>
+          <a:ext cx="5021128" cy="977104"/>
+        </p:xfrm>
+        <a:graphic>
+          <a:graphicData uri="http://schemas.openxmlformats.org/presentationml/2006/ole">
+            <mc:AlternateContent xmlns:mc="http://schemas.openxmlformats.org/markup-compatibility/2006">
+              <mc:Choice xmlns:v="urn:schemas-microsoft-com:vml" Requires="v">
+                <p:oleObj name="AxMath" r:id="rId7" imgW="2841840" imgH="551520" progId="Equation.AxMath">
+                  <p:embed/>
+                </p:oleObj>
+              </mc:Choice>
+              <mc:Fallback>
+                <p:oleObj name="AxMath" r:id="rId7" imgW="2841840" imgH="551520" progId="Equation.AxMath">
+                  <p:embed/>
+                  <p:pic>
+                    <p:nvPicPr>
+                      <p:cNvPr id="21" name="对象 20">
+                        <a:extLst>
+                          <a:ext uri="{FF2B5EF4-FFF2-40B4-BE49-F238E27FC236}">
+                            <a16:creationId xmlns:a16="http://schemas.microsoft.com/office/drawing/2014/main" id="{513DFE07-B1BA-E782-B5C7-3C9A94D7F29A}"/>
+                          </a:ext>
+                        </a:extLst>
+                      </p:cNvPr>
+                      <p:cNvPicPr/>
+                      <p:nvPr/>
+                    </p:nvPicPr>
+                    <p:blipFill>
+                      <a:blip r:embed="rId8"/>
+                      <a:stretch>
+                        <a:fillRect/>
+                      </a:stretch>
+                    </p:blipFill>
+                    <p:spPr>
+                      <a:xfrm>
+                        <a:off x="921947" y="2154014"/>
+                        <a:ext cx="5021128" cy="977104"/>
+                      </a:xfrm>
+                      <a:prstGeom prst="rect">
+                        <a:avLst/>
+                      </a:prstGeom>
+                    </p:spPr>
+                  </p:pic>
+                </p:oleObj>
+              </mc:Fallback>
+            </mc:AlternateContent>
+          </a:graphicData>
+        </a:graphic>
+      </p:graphicFrame>
+      <p:sp>
+        <p:nvSpPr>
+          <p:cNvPr id="23" name="文本框 22">
+            <a:extLst>
+              <a:ext uri="{FF2B5EF4-FFF2-40B4-BE49-F238E27FC236}">
+                <a16:creationId xmlns:a16="http://schemas.microsoft.com/office/drawing/2014/main" id="{43DAC8AC-69BA-E13C-71E2-3620085DB065}"/>
+              </a:ext>
+            </a:extLst>
+          </p:cNvPr>
+          <p:cNvSpPr txBox="1"/>
+          <p:nvPr/>
+        </p:nvSpPr>
+        <p:spPr>
+          <a:xfrm>
+            <a:off x="82716" y="3407687"/>
+            <a:ext cx="921559" cy="400110"/>
+          </a:xfrm>
+          <a:prstGeom prst="rect">
+            <a:avLst/>
+          </a:prstGeom>
+          <a:noFill/>
+          <a:ln w="38100">
+            <a:solidFill>
+              <a:srgbClr val="376092"/>
+            </a:solidFill>
+          </a:ln>
+        </p:spPr>
+        <p:txBody>
+          <a:bodyPr wrap="square">
+            <a:spAutoFit/>
+          </a:bodyPr>
+          <a:lstStyle/>
+          <a:p>
+            <a:r>
+              <a:rPr lang="en-US" altLang="zh-CN" sz="2000" b="1" dirty="0">
+                <a:solidFill>
+                  <a:schemeClr val="tx2">
+                    <a:lumMod val="75000"/>
+                  </a:schemeClr>
+                </a:solidFill>
+                <a:latin typeface="微软雅黑" panose="020B0503020204020204" pitchFamily="34" charset="-122"/>
+                <a:ea typeface="微软雅黑" panose="020B0503020204020204" pitchFamily="34" charset="-122"/>
+              </a:rPr>
+              <a:t>WTLS</a:t>
+            </a:r>
+            <a:endParaRPr lang="zh-CN" altLang="en-US" sz="2000" dirty="0"/>
+          </a:p>
+        </p:txBody>
+      </p:sp>
+      <p:graphicFrame>
+        <p:nvGraphicFramePr>
+          <p:cNvPr id="24" name="对象 23">
+            <a:extLst>
+              <a:ext uri="{FF2B5EF4-FFF2-40B4-BE49-F238E27FC236}">
+                <a16:creationId xmlns:a16="http://schemas.microsoft.com/office/drawing/2014/main" id="{EDB224EC-2319-039A-0D64-BD50BF1A6FB0}"/>
+              </a:ext>
+            </a:extLst>
+          </p:cNvPr>
+          <p:cNvGraphicFramePr>
+            <a:graphicFrameLocks noChangeAspect="1"/>
+          </p:cNvGraphicFramePr>
+          <p:nvPr>
+            <p:extLst>
+              <p:ext uri="{D42A27DB-BD31-4B8C-83A1-F6EECF244321}">
+                <p14:modId xmlns:p14="http://schemas.microsoft.com/office/powerpoint/2010/main" val="609949513"/>
+              </p:ext>
+            </p:extLst>
+          </p:nvPr>
+        </p:nvGraphicFramePr>
+        <p:xfrm>
+          <a:off x="400548" y="4027186"/>
+          <a:ext cx="6284522" cy="1130794"/>
+        </p:xfrm>
+        <a:graphic>
+          <a:graphicData uri="http://schemas.openxmlformats.org/presentationml/2006/ole">
+            <mc:AlternateContent xmlns:mc="http://schemas.openxmlformats.org/markup-compatibility/2006">
+              <mc:Choice xmlns:v="urn:schemas-microsoft-com:vml" Requires="v">
+                <p:oleObj name="AxMath" r:id="rId9" imgW="3074040" imgH="551520" progId="Equation.AxMath">
+                  <p:embed/>
+                </p:oleObj>
+              </mc:Choice>
+              <mc:Fallback>
+                <p:oleObj name="AxMath" r:id="rId9" imgW="3074040" imgH="551520" progId="Equation.AxMath">
+                  <p:embed/>
+                  <p:pic>
+                    <p:nvPicPr>
+                      <p:cNvPr id="22" name="对象 21">
+                        <a:extLst>
+                          <a:ext uri="{FF2B5EF4-FFF2-40B4-BE49-F238E27FC236}">
+                            <a16:creationId xmlns:a16="http://schemas.microsoft.com/office/drawing/2014/main" id="{8F2ACFF7-C635-D8C5-0C34-FE844D958544}"/>
+                          </a:ext>
+                        </a:extLst>
+                      </p:cNvPr>
+                      <p:cNvPicPr/>
+                      <p:nvPr/>
+                    </p:nvPicPr>
+                    <p:blipFill>
+                      <a:blip r:embed="rId10"/>
+                      <a:stretch>
+                        <a:fillRect/>
+                      </a:stretch>
+                    </p:blipFill>
+                    <p:spPr>
+                      <a:xfrm>
+                        <a:off x="400548" y="4027186"/>
+                        <a:ext cx="6284522" cy="1130794"/>
+                      </a:xfrm>
+                      <a:prstGeom prst="rect">
+                        <a:avLst/>
+                      </a:prstGeom>
+                    </p:spPr>
+                  </p:pic>
+                </p:oleObj>
+              </mc:Fallback>
+            </mc:AlternateContent>
+          </a:graphicData>
+        </a:graphic>
+      </p:graphicFrame>
+      <p:sp>
+        <p:nvSpPr>
+          <p:cNvPr id="25" name="文本框 24">
+            <a:extLst>
+              <a:ext uri="{FF2B5EF4-FFF2-40B4-BE49-F238E27FC236}">
+                <a16:creationId xmlns:a16="http://schemas.microsoft.com/office/drawing/2014/main" id="{6A07FD06-004B-9BB1-2E65-A39842A69A96}"/>
+              </a:ext>
+            </a:extLst>
+          </p:cNvPr>
+          <p:cNvSpPr txBox="1"/>
+          <p:nvPr/>
+        </p:nvSpPr>
+        <p:spPr>
+          <a:xfrm>
+            <a:off x="1236267" y="3407687"/>
+            <a:ext cx="4392488" cy="400110"/>
+          </a:xfrm>
+          <a:prstGeom prst="rect">
+            <a:avLst/>
+          </a:prstGeom>
+          <a:noFill/>
+        </p:spPr>
+        <p:txBody>
+          <a:bodyPr wrap="square" rtlCol="0">
+            <a:spAutoFit/>
+          </a:bodyPr>
+          <a:lstStyle/>
+          <a:p>
+            <a:r>
+              <a:rPr lang="zh-CN" altLang="en-US" sz="2000" b="1" dirty="0">
+                <a:latin typeface="+mj-ea"/>
+                <a:ea typeface="+mj-ea"/>
+              </a:rPr>
+              <a:t>在</a:t>
+            </a:r>
+            <a:r>
+              <a:rPr lang="en-US" altLang="zh-CN" sz="2000" b="1" dirty="0">
+                <a:latin typeface="+mj-ea"/>
+                <a:ea typeface="+mj-ea"/>
+              </a:rPr>
+              <a:t>TLS</a:t>
+            </a:r>
+            <a:r>
+              <a:rPr lang="zh-CN" altLang="en-US" sz="2000" b="1" dirty="0">
+                <a:latin typeface="+mj-ea"/>
+                <a:ea typeface="+mj-ea"/>
+              </a:rPr>
+              <a:t>基础上分配权重</a:t>
+            </a:r>
+            <a:r>
+              <a:rPr lang="en-US" altLang="zh-CN" sz="2000" b="1" dirty="0">
+                <a:latin typeface="+mj-ea"/>
+                <a:ea typeface="+mj-ea"/>
+              </a:rPr>
+              <a:t>(</a:t>
+            </a:r>
+            <a:r>
+              <a:rPr lang="zh-CN" altLang="en-US" sz="2000" b="1" dirty="0">
+                <a:latin typeface="+mj-ea"/>
+                <a:ea typeface="+mj-ea"/>
+              </a:rPr>
+              <a:t>按</a:t>
+            </a:r>
+            <a:r>
+              <a:rPr lang="zh-CN" altLang="en-US" sz="2000" b="1" u="sng" dirty="0">
+                <a:effectLst>
+                  <a:outerShdw blurRad="38100" dist="38100" dir="2700000" algn="tl">
+                    <a:srgbClr val="000000">
+                      <a:alpha val="43137"/>
+                    </a:srgbClr>
+                  </a:outerShdw>
+                </a:effectLst>
+                <a:latin typeface="+mj-ea"/>
+                <a:ea typeface="+mj-ea"/>
+              </a:rPr>
+              <a:t>标准差</a:t>
+            </a:r>
+            <a:r>
+              <a:rPr lang="zh-CN" altLang="en-US" sz="2000" b="1" dirty="0">
+                <a:latin typeface="+mj-ea"/>
+                <a:ea typeface="+mj-ea"/>
+              </a:rPr>
+              <a:t>分配</a:t>
+            </a:r>
+            <a:r>
+              <a:rPr lang="en-US" altLang="zh-CN" sz="2000" b="1" dirty="0">
+                <a:latin typeface="+mj-ea"/>
+                <a:ea typeface="+mj-ea"/>
+              </a:rPr>
+              <a:t>)</a:t>
+            </a:r>
+            <a:endParaRPr lang="zh-CN" altLang="en-US" sz="2000" b="1" dirty="0">
+              <a:latin typeface="+mj-ea"/>
+              <a:ea typeface="+mj-ea"/>
+            </a:endParaRPr>
+          </a:p>
+        </p:txBody>
+      </p:sp>
+      <p:sp>
+        <p:nvSpPr>
+          <p:cNvPr id="26" name="矩形 25">
+            <a:extLst>
+              <a:ext uri="{FF2B5EF4-FFF2-40B4-BE49-F238E27FC236}">
+                <a16:creationId xmlns:a16="http://schemas.microsoft.com/office/drawing/2014/main" id="{2AD62289-D4B4-2712-3AE6-8533A1A1D933}"/>
+              </a:ext>
+            </a:extLst>
+          </p:cNvPr>
+          <p:cNvSpPr/>
+          <p:nvPr/>
+        </p:nvSpPr>
+        <p:spPr>
+          <a:xfrm>
+            <a:off x="3663314" y="4297446"/>
+            <a:ext cx="466630" cy="536457"/>
+          </a:xfrm>
+          <a:prstGeom prst="rect">
+            <a:avLst/>
+          </a:prstGeom>
+          <a:noFill/>
+          <a:ln w="38100">
+            <a:solidFill>
+              <a:srgbClr val="FF0000"/>
+            </a:solidFill>
+          </a:ln>
+        </p:spPr>
+        <p:style>
+          <a:lnRef idx="2">
+            <a:schemeClr val="accent1">
+              <a:shade val="50000"/>
+            </a:schemeClr>
+          </a:lnRef>
+          <a:fillRef idx="1">
+            <a:schemeClr val="accent1"/>
+          </a:fillRef>
+          <a:effectRef idx="0">
+            <a:schemeClr val="accent1"/>
+          </a:effectRef>
+          <a:fontRef idx="minor">
+            <a:schemeClr val="lt1"/>
+          </a:fontRef>
+        </p:style>
+        <p:txBody>
+          <a:bodyPr rtlCol="0" anchor="ctr"/>
+          <a:lstStyle/>
+          <a:p>
+            <a:pPr algn="ctr"/>
+            <a:endParaRPr lang="zh-CN" altLang="en-US"/>
+          </a:p>
+        </p:txBody>
+      </p:sp>
     </p:spTree>
     <p:extLst>
       <p:ext uri="{BB962C8B-B14F-4D97-AF65-F5344CB8AC3E}">
-        <p14:creationId xmlns:p14="http://schemas.microsoft.com/office/powerpoint/2010/main" val="1094986451"/>
+        <p14:creationId xmlns:p14="http://schemas.microsoft.com/office/powerpoint/2010/main" val="2844901754"/>
       </p:ext>
     </p:extLst>
   </p:cSld>
@@ -23645,6 +24582,3382 @@
       </p:grpSpPr>
       <p:sp>
         <p:nvSpPr>
+          <p:cNvPr id="12" name="矩形 2">
+            <a:extLst>
+              <a:ext uri="{FF2B5EF4-FFF2-40B4-BE49-F238E27FC236}">
+                <a16:creationId xmlns:a16="http://schemas.microsoft.com/office/drawing/2014/main" id="{01D1EA62-D4B9-4AA3-A630-1C26AB4845D5}"/>
+              </a:ext>
+            </a:extLst>
+          </p:cNvPr>
+          <p:cNvSpPr/>
+          <p:nvPr>
+            <p:custDataLst>
+              <p:tags r:id="rId1"/>
+            </p:custDataLst>
+          </p:nvPr>
+        </p:nvSpPr>
+        <p:spPr>
+          <a:xfrm>
+            <a:off x="4665810" y="49008"/>
+            <a:ext cx="4199426" cy="376555"/>
+          </a:xfrm>
+          <a:prstGeom prst="rect">
+            <a:avLst/>
+          </a:prstGeom>
+          <a:solidFill>
+            <a:schemeClr val="bg1"/>
+          </a:solidFill>
+          <a:ln w="25400">
+            <a:noFill/>
+          </a:ln>
+        </p:spPr>
+        <p:txBody>
+          <a:bodyPr wrap="square">
+            <a:noAutofit/>
+          </a:bodyPr>
+          <a:lstStyle/>
+          <a:p>
+            <a:pPr algn="r"/>
+            <a:r>
+              <a:rPr lang="zh-CN" altLang="en-US" sz="2400" b="1" dirty="0">
+                <a:solidFill>
+                  <a:schemeClr val="accent1">
+                    <a:lumMod val="75000"/>
+                  </a:schemeClr>
+                </a:solidFill>
+                <a:latin typeface="微软雅黑" panose="020B0503020204020204" pitchFamily="34" charset="-122"/>
+                <a:ea typeface="微软雅黑" panose="020B0503020204020204" pitchFamily="34" charset="-122"/>
+              </a:rPr>
+              <a:t>最小二乘法的四大变式</a:t>
+            </a:r>
+            <a:r>
+              <a:rPr lang="en-US" altLang="zh-CN" sz="2400" b="1" dirty="0">
+                <a:solidFill>
+                  <a:schemeClr val="accent1">
+                    <a:lumMod val="75000"/>
+                  </a:schemeClr>
+                </a:solidFill>
+                <a:latin typeface="微软雅黑" panose="020B0503020204020204" pitchFamily="34" charset="-122"/>
+                <a:ea typeface="微软雅黑" panose="020B0503020204020204" pitchFamily="34" charset="-122"/>
+              </a:rPr>
+              <a:t>(6/9)</a:t>
+            </a:r>
+            <a:endParaRPr lang="zh-CN" altLang="en-US" sz="2400" b="1" dirty="0">
+              <a:solidFill>
+                <a:schemeClr val="accent1">
+                  <a:lumMod val="75000"/>
+                </a:schemeClr>
+              </a:solidFill>
+              <a:latin typeface="微软雅黑" panose="020B0503020204020204" pitchFamily="34" charset="-122"/>
+              <a:ea typeface="微软雅黑" panose="020B0503020204020204" pitchFamily="34" charset="-122"/>
+            </a:endParaRPr>
+          </a:p>
+        </p:txBody>
+      </p:sp>
+      <p:sp>
+        <p:nvSpPr>
+          <p:cNvPr id="2" name="TextBox 11">
+            <a:extLst>
+              <a:ext uri="{FF2B5EF4-FFF2-40B4-BE49-F238E27FC236}">
+                <a16:creationId xmlns:a16="http://schemas.microsoft.com/office/drawing/2014/main" id="{961BEFA3-6099-D095-71EA-8E04B5D41F2D}"/>
+              </a:ext>
+            </a:extLst>
+          </p:cNvPr>
+          <p:cNvSpPr txBox="1"/>
+          <p:nvPr>
+            <p:custDataLst>
+              <p:tags r:id="rId2"/>
+            </p:custDataLst>
+          </p:nvPr>
+        </p:nvSpPr>
+        <p:spPr>
+          <a:xfrm>
+            <a:off x="82716" y="916069"/>
+            <a:ext cx="6699590" cy="461665"/>
+          </a:xfrm>
+          <a:prstGeom prst="rect">
+            <a:avLst/>
+          </a:prstGeom>
+          <a:noFill/>
+        </p:spPr>
+        <p:txBody>
+          <a:bodyPr vert="horz" wrap="square" rtlCol="0">
+            <a:spAutoFit/>
+          </a:bodyPr>
+          <a:lstStyle/>
+          <a:p>
+            <a:pPr marL="342900" indent="-342900" fontAlgn="b">
+              <a:buFont typeface="Wingdings" panose="05000000000000000000" pitchFamily="2" charset="2"/>
+              <a:buChar char="u"/>
+            </a:pPr>
+            <a:r>
+              <a:rPr lang="zh-CN" altLang="en-US" sz="2400" b="1" dirty="0">
+                <a:solidFill>
+                  <a:schemeClr val="tx2">
+                    <a:lumMod val="75000"/>
+                  </a:schemeClr>
+                </a:solidFill>
+                <a:latin typeface="微软雅黑" panose="020B0503020204020204" pitchFamily="34" charset="-122"/>
+                <a:ea typeface="微软雅黑" panose="020B0503020204020204" pitchFamily="34" charset="-122"/>
+              </a:rPr>
+              <a:t>矩阵形式表示：</a:t>
+            </a:r>
+          </a:p>
+        </p:txBody>
+      </p:sp>
+      <p:sp>
+        <p:nvSpPr>
+          <p:cNvPr id="4" name="矩形: 圆角 3">
+            <a:extLst>
+              <a:ext uri="{FF2B5EF4-FFF2-40B4-BE49-F238E27FC236}">
+                <a16:creationId xmlns:a16="http://schemas.microsoft.com/office/drawing/2014/main" id="{EA959C72-5560-A904-36E8-B7925FC1FB6B}"/>
+              </a:ext>
+            </a:extLst>
+          </p:cNvPr>
+          <p:cNvSpPr/>
+          <p:nvPr/>
+        </p:nvSpPr>
+        <p:spPr>
+          <a:xfrm>
+            <a:off x="7380312" y="917059"/>
+            <a:ext cx="1152128" cy="648072"/>
+          </a:xfrm>
+          <a:prstGeom prst="roundRect">
+            <a:avLst/>
+          </a:prstGeom>
+          <a:ln>
+            <a:noFill/>
+          </a:ln>
+        </p:spPr>
+        <p:style>
+          <a:lnRef idx="2">
+            <a:schemeClr val="accent1">
+              <a:shade val="50000"/>
+            </a:schemeClr>
+          </a:lnRef>
+          <a:fillRef idx="1">
+            <a:schemeClr val="accent1"/>
+          </a:fillRef>
+          <a:effectRef idx="0">
+            <a:schemeClr val="accent1"/>
+          </a:effectRef>
+          <a:fontRef idx="minor">
+            <a:schemeClr val="lt1"/>
+          </a:fontRef>
+        </p:style>
+        <p:txBody>
+          <a:bodyPr rtlCol="0" anchor="ctr"/>
+          <a:lstStyle/>
+          <a:p>
+            <a:pPr algn="ctr"/>
+            <a:r>
+              <a:rPr lang="en-US" altLang="zh-CN" sz="2800" b="1" dirty="0">
+                <a:solidFill>
+                  <a:schemeClr val="tx2">
+                    <a:lumMod val="40000"/>
+                    <a:lumOff val="60000"/>
+                  </a:schemeClr>
+                </a:solidFill>
+              </a:rPr>
+              <a:t>OLS</a:t>
+            </a:r>
+            <a:endParaRPr lang="zh-CN" altLang="en-US" sz="2800" b="1" dirty="0">
+              <a:solidFill>
+                <a:schemeClr val="tx2">
+                  <a:lumMod val="40000"/>
+                  <a:lumOff val="60000"/>
+                </a:schemeClr>
+              </a:solidFill>
+            </a:endParaRPr>
+          </a:p>
+        </p:txBody>
+      </p:sp>
+      <p:sp>
+        <p:nvSpPr>
+          <p:cNvPr id="5" name="矩形: 圆角 4">
+            <a:extLst>
+              <a:ext uri="{FF2B5EF4-FFF2-40B4-BE49-F238E27FC236}">
+                <a16:creationId xmlns:a16="http://schemas.microsoft.com/office/drawing/2014/main" id="{D0C1DD57-63D3-C18C-5579-4B885B6EFF71}"/>
+              </a:ext>
+            </a:extLst>
+          </p:cNvPr>
+          <p:cNvSpPr/>
+          <p:nvPr/>
+        </p:nvSpPr>
+        <p:spPr>
+          <a:xfrm>
+            <a:off x="7387128" y="2115687"/>
+            <a:ext cx="1152128" cy="648072"/>
+          </a:xfrm>
+          <a:prstGeom prst="roundRect">
+            <a:avLst/>
+          </a:prstGeom>
+          <a:ln>
+            <a:noFill/>
+          </a:ln>
+        </p:spPr>
+        <p:style>
+          <a:lnRef idx="2">
+            <a:schemeClr val="accent1">
+              <a:shade val="50000"/>
+            </a:schemeClr>
+          </a:lnRef>
+          <a:fillRef idx="1">
+            <a:schemeClr val="accent1"/>
+          </a:fillRef>
+          <a:effectRef idx="0">
+            <a:schemeClr val="accent1"/>
+          </a:effectRef>
+          <a:fontRef idx="minor">
+            <a:schemeClr val="lt1"/>
+          </a:fontRef>
+        </p:style>
+        <p:txBody>
+          <a:bodyPr rtlCol="0" anchor="ctr"/>
+          <a:lstStyle/>
+          <a:p>
+            <a:pPr algn="ctr"/>
+            <a:r>
+              <a:rPr lang="en-US" altLang="zh-CN" sz="2800" b="1" dirty="0">
+                <a:solidFill>
+                  <a:schemeClr val="tx2">
+                    <a:lumMod val="40000"/>
+                    <a:lumOff val="60000"/>
+                  </a:schemeClr>
+                </a:solidFill>
+              </a:rPr>
+              <a:t>WLS</a:t>
+            </a:r>
+            <a:endParaRPr lang="zh-CN" altLang="en-US" sz="2800" b="1" dirty="0">
+              <a:solidFill>
+                <a:schemeClr val="tx2">
+                  <a:lumMod val="40000"/>
+                  <a:lumOff val="60000"/>
+                </a:schemeClr>
+              </a:solidFill>
+            </a:endParaRPr>
+          </a:p>
+        </p:txBody>
+      </p:sp>
+      <p:sp>
+        <p:nvSpPr>
+          <p:cNvPr id="7" name="矩形: 圆角 6">
+            <a:extLst>
+              <a:ext uri="{FF2B5EF4-FFF2-40B4-BE49-F238E27FC236}">
+                <a16:creationId xmlns:a16="http://schemas.microsoft.com/office/drawing/2014/main" id="{64943B9A-F4B7-F2C0-E2E5-1C4C23C43EC1}"/>
+              </a:ext>
+            </a:extLst>
+          </p:cNvPr>
+          <p:cNvSpPr/>
+          <p:nvPr/>
+        </p:nvSpPr>
+        <p:spPr>
+          <a:xfrm>
+            <a:off x="7315119" y="3314314"/>
+            <a:ext cx="1296144" cy="648072"/>
+          </a:xfrm>
+          <a:prstGeom prst="roundRect">
+            <a:avLst/>
+          </a:prstGeom>
+          <a:ln>
+            <a:noFill/>
+          </a:ln>
+        </p:spPr>
+        <p:style>
+          <a:lnRef idx="2">
+            <a:schemeClr val="accent1">
+              <a:shade val="50000"/>
+            </a:schemeClr>
+          </a:lnRef>
+          <a:fillRef idx="1">
+            <a:schemeClr val="accent1"/>
+          </a:fillRef>
+          <a:effectRef idx="0">
+            <a:schemeClr val="accent1"/>
+          </a:effectRef>
+          <a:fontRef idx="minor">
+            <a:schemeClr val="lt1"/>
+          </a:fontRef>
+        </p:style>
+        <p:txBody>
+          <a:bodyPr rtlCol="0" anchor="ctr"/>
+          <a:lstStyle/>
+          <a:p>
+            <a:pPr algn="ctr"/>
+            <a:r>
+              <a:rPr lang="en-US" altLang="zh-CN" sz="2800" b="1" dirty="0">
+                <a:effectLst>
+                  <a:outerShdw blurRad="38100" dist="38100" dir="2700000" algn="tl">
+                    <a:srgbClr val="000000">
+                      <a:alpha val="43137"/>
+                    </a:srgbClr>
+                  </a:outerShdw>
+                </a:effectLst>
+              </a:rPr>
+              <a:t>WTLS</a:t>
+            </a:r>
+            <a:endParaRPr lang="zh-CN" altLang="en-US" sz="2800" b="1" dirty="0">
+              <a:effectLst>
+                <a:outerShdw blurRad="38100" dist="38100" dir="2700000" algn="tl">
+                  <a:srgbClr val="000000">
+                    <a:alpha val="43137"/>
+                  </a:srgbClr>
+                </a:outerShdw>
+              </a:effectLst>
+            </a:endParaRPr>
+          </a:p>
+        </p:txBody>
+      </p:sp>
+      <p:sp>
+        <p:nvSpPr>
+          <p:cNvPr id="8" name="矩形: 圆角 7">
+            <a:extLst>
+              <a:ext uri="{FF2B5EF4-FFF2-40B4-BE49-F238E27FC236}">
+                <a16:creationId xmlns:a16="http://schemas.microsoft.com/office/drawing/2014/main" id="{FED28F51-DBE7-EBA2-E9E0-B7C023E40CBB}"/>
+              </a:ext>
+            </a:extLst>
+          </p:cNvPr>
+          <p:cNvSpPr/>
+          <p:nvPr/>
+        </p:nvSpPr>
+        <p:spPr>
+          <a:xfrm>
+            <a:off x="7380312" y="4512943"/>
+            <a:ext cx="1152128" cy="648072"/>
+          </a:xfrm>
+          <a:prstGeom prst="roundRect">
+            <a:avLst/>
+          </a:prstGeom>
+          <a:ln>
+            <a:noFill/>
+          </a:ln>
+        </p:spPr>
+        <p:style>
+          <a:lnRef idx="2">
+            <a:schemeClr val="accent1">
+              <a:shade val="50000"/>
+            </a:schemeClr>
+          </a:lnRef>
+          <a:fillRef idx="1">
+            <a:schemeClr val="accent1"/>
+          </a:fillRef>
+          <a:effectRef idx="0">
+            <a:schemeClr val="accent1"/>
+          </a:effectRef>
+          <a:fontRef idx="minor">
+            <a:schemeClr val="lt1"/>
+          </a:fontRef>
+        </p:style>
+        <p:txBody>
+          <a:bodyPr rtlCol="0" anchor="ctr"/>
+          <a:lstStyle/>
+          <a:p>
+            <a:pPr algn="ctr"/>
+            <a:r>
+              <a:rPr lang="en-US" altLang="zh-CN" sz="2800" b="1" dirty="0">
+                <a:effectLst>
+                  <a:outerShdw blurRad="38100" dist="38100" dir="2700000" algn="tl">
+                    <a:srgbClr val="000000">
+                      <a:alpha val="43137"/>
+                    </a:srgbClr>
+                  </a:outerShdw>
+                </a:effectLst>
+              </a:rPr>
+              <a:t>?</a:t>
+            </a:r>
+            <a:endParaRPr lang="zh-CN" altLang="en-US" sz="2800" b="1" dirty="0">
+              <a:effectLst>
+                <a:outerShdw blurRad="38100" dist="38100" dir="2700000" algn="tl">
+                  <a:srgbClr val="000000">
+                    <a:alpha val="43137"/>
+                  </a:srgbClr>
+                </a:outerShdw>
+              </a:effectLst>
+            </a:endParaRPr>
+          </a:p>
+        </p:txBody>
+      </p:sp>
+      <p:sp>
+        <p:nvSpPr>
+          <p:cNvPr id="9" name="箭头: 右 8">
+            <a:extLst>
+              <a:ext uri="{FF2B5EF4-FFF2-40B4-BE49-F238E27FC236}">
+                <a16:creationId xmlns:a16="http://schemas.microsoft.com/office/drawing/2014/main" id="{B0DCF526-7ADE-AE90-16FC-9BB98B731EB8}"/>
+              </a:ext>
+            </a:extLst>
+          </p:cNvPr>
+          <p:cNvSpPr/>
+          <p:nvPr/>
+        </p:nvSpPr>
+        <p:spPr>
+          <a:xfrm rot="5400000">
+            <a:off x="7761378" y="1719979"/>
+            <a:ext cx="389994" cy="240861"/>
+          </a:xfrm>
+          <a:prstGeom prst="rightArrow">
+            <a:avLst>
+              <a:gd name="adj1" fmla="val 35703"/>
+              <a:gd name="adj2" fmla="val 50000"/>
+            </a:avLst>
+          </a:prstGeom>
+        </p:spPr>
+        <p:style>
+          <a:lnRef idx="2">
+            <a:schemeClr val="accent1">
+              <a:shade val="50000"/>
+            </a:schemeClr>
+          </a:lnRef>
+          <a:fillRef idx="1">
+            <a:schemeClr val="accent1"/>
+          </a:fillRef>
+          <a:effectRef idx="0">
+            <a:schemeClr val="accent1"/>
+          </a:effectRef>
+          <a:fontRef idx="minor">
+            <a:schemeClr val="lt1"/>
+          </a:fontRef>
+        </p:style>
+        <p:txBody>
+          <a:bodyPr rtlCol="0" anchor="ctr"/>
+          <a:lstStyle/>
+          <a:p>
+            <a:pPr algn="ctr"/>
+            <a:endParaRPr lang="zh-CN" altLang="en-US"/>
+          </a:p>
+        </p:txBody>
+      </p:sp>
+      <p:sp>
+        <p:nvSpPr>
+          <p:cNvPr id="10" name="箭头: 右 9">
+            <a:extLst>
+              <a:ext uri="{FF2B5EF4-FFF2-40B4-BE49-F238E27FC236}">
+                <a16:creationId xmlns:a16="http://schemas.microsoft.com/office/drawing/2014/main" id="{68802577-1895-B2D1-7BDD-12BE7AF2DD87}"/>
+              </a:ext>
+            </a:extLst>
+          </p:cNvPr>
+          <p:cNvSpPr/>
+          <p:nvPr/>
+        </p:nvSpPr>
+        <p:spPr>
+          <a:xfrm rot="5400000">
+            <a:off x="7768194" y="2918606"/>
+            <a:ext cx="389994" cy="240861"/>
+          </a:xfrm>
+          <a:prstGeom prst="rightArrow">
+            <a:avLst>
+              <a:gd name="adj1" fmla="val 35703"/>
+              <a:gd name="adj2" fmla="val 50000"/>
+            </a:avLst>
+          </a:prstGeom>
+        </p:spPr>
+        <p:style>
+          <a:lnRef idx="2">
+            <a:schemeClr val="accent1">
+              <a:shade val="50000"/>
+            </a:schemeClr>
+          </a:lnRef>
+          <a:fillRef idx="1">
+            <a:schemeClr val="accent1"/>
+          </a:fillRef>
+          <a:effectRef idx="0">
+            <a:schemeClr val="accent1"/>
+          </a:effectRef>
+          <a:fontRef idx="minor">
+            <a:schemeClr val="lt1"/>
+          </a:fontRef>
+        </p:style>
+        <p:txBody>
+          <a:bodyPr rtlCol="0" anchor="ctr"/>
+          <a:lstStyle/>
+          <a:p>
+            <a:pPr algn="ctr"/>
+            <a:endParaRPr lang="zh-CN" altLang="en-US"/>
+          </a:p>
+        </p:txBody>
+      </p:sp>
+      <p:sp>
+        <p:nvSpPr>
+          <p:cNvPr id="11" name="箭头: 右 10">
+            <a:extLst>
+              <a:ext uri="{FF2B5EF4-FFF2-40B4-BE49-F238E27FC236}">
+                <a16:creationId xmlns:a16="http://schemas.microsoft.com/office/drawing/2014/main" id="{09A665D0-AA57-921B-7712-44A5797FDAFC}"/>
+              </a:ext>
+            </a:extLst>
+          </p:cNvPr>
+          <p:cNvSpPr/>
+          <p:nvPr/>
+        </p:nvSpPr>
+        <p:spPr>
+          <a:xfrm rot="5400000">
+            <a:off x="7761377" y="4117235"/>
+            <a:ext cx="389994" cy="240861"/>
+          </a:xfrm>
+          <a:prstGeom prst="rightArrow">
+            <a:avLst>
+              <a:gd name="adj1" fmla="val 35703"/>
+              <a:gd name="adj2" fmla="val 50000"/>
+            </a:avLst>
+          </a:prstGeom>
+        </p:spPr>
+        <p:style>
+          <a:lnRef idx="2">
+            <a:schemeClr val="accent1">
+              <a:shade val="50000"/>
+            </a:schemeClr>
+          </a:lnRef>
+          <a:fillRef idx="1">
+            <a:schemeClr val="accent1"/>
+          </a:fillRef>
+          <a:effectRef idx="0">
+            <a:schemeClr val="accent1"/>
+          </a:effectRef>
+          <a:fontRef idx="minor">
+            <a:schemeClr val="lt1"/>
+          </a:fontRef>
+        </p:style>
+        <p:txBody>
+          <a:bodyPr rtlCol="0" anchor="ctr"/>
+          <a:lstStyle/>
+          <a:p>
+            <a:pPr algn="ctr"/>
+            <a:endParaRPr lang="zh-CN" altLang="en-US"/>
+          </a:p>
+        </p:txBody>
+      </p:sp>
+      <p:sp>
+        <p:nvSpPr>
+          <p:cNvPr id="23" name="文本框 22">
+            <a:extLst>
+              <a:ext uri="{FF2B5EF4-FFF2-40B4-BE49-F238E27FC236}">
+                <a16:creationId xmlns:a16="http://schemas.microsoft.com/office/drawing/2014/main" id="{43DAC8AC-69BA-E13C-71E2-3620085DB065}"/>
+              </a:ext>
+            </a:extLst>
+          </p:cNvPr>
+          <p:cNvSpPr txBox="1"/>
+          <p:nvPr/>
+        </p:nvSpPr>
+        <p:spPr>
+          <a:xfrm>
+            <a:off x="179952" y="1513388"/>
+            <a:ext cx="921559" cy="400110"/>
+          </a:xfrm>
+          <a:prstGeom prst="rect">
+            <a:avLst/>
+          </a:prstGeom>
+          <a:noFill/>
+          <a:ln w="38100">
+            <a:solidFill>
+              <a:srgbClr val="376092"/>
+            </a:solidFill>
+          </a:ln>
+        </p:spPr>
+        <p:txBody>
+          <a:bodyPr wrap="square">
+            <a:spAutoFit/>
+          </a:bodyPr>
+          <a:lstStyle/>
+          <a:p>
+            <a:r>
+              <a:rPr lang="en-US" altLang="zh-CN" sz="2000" b="1" dirty="0">
+                <a:solidFill>
+                  <a:schemeClr val="tx2">
+                    <a:lumMod val="75000"/>
+                  </a:schemeClr>
+                </a:solidFill>
+                <a:latin typeface="微软雅黑" panose="020B0503020204020204" pitchFamily="34" charset="-122"/>
+                <a:ea typeface="微软雅黑" panose="020B0503020204020204" pitchFamily="34" charset="-122"/>
+              </a:rPr>
+              <a:t>WTLS</a:t>
+            </a:r>
+            <a:endParaRPr lang="zh-CN" altLang="en-US" sz="2000" dirty="0"/>
+          </a:p>
+        </p:txBody>
+      </p:sp>
+      <p:graphicFrame>
+        <p:nvGraphicFramePr>
+          <p:cNvPr id="24" name="对象 23">
+            <a:extLst>
+              <a:ext uri="{FF2B5EF4-FFF2-40B4-BE49-F238E27FC236}">
+                <a16:creationId xmlns:a16="http://schemas.microsoft.com/office/drawing/2014/main" id="{EDB224EC-2319-039A-0D64-BD50BF1A6FB0}"/>
+              </a:ext>
+            </a:extLst>
+          </p:cNvPr>
+          <p:cNvGraphicFramePr>
+            <a:graphicFrameLocks noChangeAspect="1"/>
+          </p:cNvGraphicFramePr>
+          <p:nvPr>
+            <p:extLst>
+              <p:ext uri="{D42A27DB-BD31-4B8C-83A1-F6EECF244321}">
+                <p14:modId xmlns:p14="http://schemas.microsoft.com/office/powerpoint/2010/main" val="2598223628"/>
+              </p:ext>
+            </p:extLst>
+          </p:nvPr>
+        </p:nvGraphicFramePr>
+        <p:xfrm>
+          <a:off x="467544" y="2066625"/>
+          <a:ext cx="3601734" cy="648072"/>
+        </p:xfrm>
+        <a:graphic>
+          <a:graphicData uri="http://schemas.openxmlformats.org/presentationml/2006/ole">
+            <mc:AlternateContent xmlns:mc="http://schemas.openxmlformats.org/markup-compatibility/2006">
+              <mc:Choice xmlns:v="urn:schemas-microsoft-com:vml" Requires="v">
+                <p:oleObj name="AxMath" r:id="rId5" imgW="3074040" imgH="551520" progId="Equation.AxMath">
+                  <p:embed/>
+                </p:oleObj>
+              </mc:Choice>
+              <mc:Fallback>
+                <p:oleObj name="AxMath" r:id="rId5" imgW="3074040" imgH="551520" progId="Equation.AxMath">
+                  <p:embed/>
+                  <p:pic>
+                    <p:nvPicPr>
+                      <p:cNvPr id="24" name="对象 23">
+                        <a:extLst>
+                          <a:ext uri="{FF2B5EF4-FFF2-40B4-BE49-F238E27FC236}">
+                            <a16:creationId xmlns:a16="http://schemas.microsoft.com/office/drawing/2014/main" id="{EDB224EC-2319-039A-0D64-BD50BF1A6FB0}"/>
+                          </a:ext>
+                        </a:extLst>
+                      </p:cNvPr>
+                      <p:cNvPicPr/>
+                      <p:nvPr/>
+                    </p:nvPicPr>
+                    <p:blipFill>
+                      <a:blip r:embed="rId6"/>
+                      <a:stretch>
+                        <a:fillRect/>
+                      </a:stretch>
+                    </p:blipFill>
+                    <p:spPr>
+                      <a:xfrm>
+                        <a:off x="467544" y="2066625"/>
+                        <a:ext cx="3601734" cy="648072"/>
+                      </a:xfrm>
+                      <a:prstGeom prst="rect">
+                        <a:avLst/>
+                      </a:prstGeom>
+                    </p:spPr>
+                  </p:pic>
+                </p:oleObj>
+              </mc:Fallback>
+            </mc:AlternateContent>
+          </a:graphicData>
+        </a:graphic>
+      </p:graphicFrame>
+      <p:sp>
+        <p:nvSpPr>
+          <p:cNvPr id="25" name="文本框 24">
+            <a:extLst>
+              <a:ext uri="{FF2B5EF4-FFF2-40B4-BE49-F238E27FC236}">
+                <a16:creationId xmlns:a16="http://schemas.microsoft.com/office/drawing/2014/main" id="{6A07FD06-004B-9BB1-2E65-A39842A69A96}"/>
+              </a:ext>
+            </a:extLst>
+          </p:cNvPr>
+          <p:cNvSpPr txBox="1"/>
+          <p:nvPr/>
+        </p:nvSpPr>
+        <p:spPr>
+          <a:xfrm>
+            <a:off x="1333503" y="1513388"/>
+            <a:ext cx="4392488" cy="400110"/>
+          </a:xfrm>
+          <a:prstGeom prst="rect">
+            <a:avLst/>
+          </a:prstGeom>
+          <a:noFill/>
+        </p:spPr>
+        <p:txBody>
+          <a:bodyPr wrap="square" rtlCol="0">
+            <a:spAutoFit/>
+          </a:bodyPr>
+          <a:lstStyle/>
+          <a:p>
+            <a:r>
+              <a:rPr lang="zh-CN" altLang="en-US" sz="2000" b="1" dirty="0">
+                <a:latin typeface="+mj-ea"/>
+                <a:ea typeface="+mj-ea"/>
+              </a:rPr>
+              <a:t>在</a:t>
+            </a:r>
+            <a:r>
+              <a:rPr lang="en-US" altLang="zh-CN" sz="2000" b="1" dirty="0">
+                <a:latin typeface="+mj-ea"/>
+                <a:ea typeface="+mj-ea"/>
+              </a:rPr>
+              <a:t>TLS</a:t>
+            </a:r>
+            <a:r>
+              <a:rPr lang="zh-CN" altLang="en-US" sz="2000" b="1" dirty="0">
+                <a:latin typeface="+mj-ea"/>
+                <a:ea typeface="+mj-ea"/>
+              </a:rPr>
+              <a:t>基础上分配权重</a:t>
+            </a:r>
+            <a:r>
+              <a:rPr lang="en-US" altLang="zh-CN" sz="2000" b="1" dirty="0">
+                <a:latin typeface="+mj-ea"/>
+                <a:ea typeface="+mj-ea"/>
+              </a:rPr>
+              <a:t>(</a:t>
+            </a:r>
+            <a:r>
+              <a:rPr lang="zh-CN" altLang="en-US" sz="2000" b="1" dirty="0">
+                <a:latin typeface="+mj-ea"/>
+                <a:ea typeface="+mj-ea"/>
+              </a:rPr>
+              <a:t>按</a:t>
+            </a:r>
+            <a:r>
+              <a:rPr lang="zh-CN" altLang="en-US" sz="2000" b="1" u="sng" dirty="0">
+                <a:effectLst>
+                  <a:outerShdw blurRad="38100" dist="38100" dir="2700000" algn="tl">
+                    <a:srgbClr val="000000">
+                      <a:alpha val="43137"/>
+                    </a:srgbClr>
+                  </a:outerShdw>
+                </a:effectLst>
+                <a:latin typeface="+mj-ea"/>
+                <a:ea typeface="+mj-ea"/>
+              </a:rPr>
+              <a:t>标准差</a:t>
+            </a:r>
+            <a:r>
+              <a:rPr lang="zh-CN" altLang="en-US" sz="2000" b="1" dirty="0">
+                <a:latin typeface="+mj-ea"/>
+                <a:ea typeface="+mj-ea"/>
+              </a:rPr>
+              <a:t>分配</a:t>
+            </a:r>
+            <a:r>
+              <a:rPr lang="en-US" altLang="zh-CN" sz="2000" b="1" dirty="0">
+                <a:latin typeface="+mj-ea"/>
+                <a:ea typeface="+mj-ea"/>
+              </a:rPr>
+              <a:t>)</a:t>
+            </a:r>
+            <a:endParaRPr lang="zh-CN" altLang="en-US" sz="2000" b="1" dirty="0">
+              <a:latin typeface="+mj-ea"/>
+              <a:ea typeface="+mj-ea"/>
+            </a:endParaRPr>
+          </a:p>
+        </p:txBody>
+      </p:sp>
+      <p:graphicFrame>
+        <p:nvGraphicFramePr>
+          <p:cNvPr id="6" name="对象 5">
+            <a:extLst>
+              <a:ext uri="{FF2B5EF4-FFF2-40B4-BE49-F238E27FC236}">
+                <a16:creationId xmlns:a16="http://schemas.microsoft.com/office/drawing/2014/main" id="{4F469494-9844-E814-A9A7-AA4B6BB39F30}"/>
+              </a:ext>
+            </a:extLst>
+          </p:cNvPr>
+          <p:cNvGraphicFramePr>
+            <a:graphicFrameLocks noChangeAspect="1"/>
+          </p:cNvGraphicFramePr>
+          <p:nvPr>
+            <p:extLst>
+              <p:ext uri="{D42A27DB-BD31-4B8C-83A1-F6EECF244321}">
+                <p14:modId xmlns:p14="http://schemas.microsoft.com/office/powerpoint/2010/main" val="124434218"/>
+              </p:ext>
+            </p:extLst>
+          </p:nvPr>
+        </p:nvGraphicFramePr>
+        <p:xfrm>
+          <a:off x="245647" y="2857500"/>
+          <a:ext cx="2024346" cy="1155272"/>
+        </p:xfrm>
+        <a:graphic>
+          <a:graphicData uri="http://schemas.openxmlformats.org/presentationml/2006/ole">
+            <mc:AlternateContent xmlns:mc="http://schemas.openxmlformats.org/markup-compatibility/2006">
+              <mc:Choice xmlns:v="urn:schemas-microsoft-com:vml" Requires="v">
+                <p:oleObj name="AxMath" r:id="rId7" imgW="2298240" imgH="1313280" progId="Equation.AxMath">
+                  <p:embed/>
+                </p:oleObj>
+              </mc:Choice>
+              <mc:Fallback>
+                <p:oleObj name="AxMath" r:id="rId7" imgW="2298240" imgH="1313280" progId="Equation.AxMath">
+                  <p:embed/>
+                  <p:pic>
+                    <p:nvPicPr>
+                      <p:cNvPr id="30" name="对象 29">
+                        <a:extLst>
+                          <a:ext uri="{FF2B5EF4-FFF2-40B4-BE49-F238E27FC236}">
+                            <a16:creationId xmlns:a16="http://schemas.microsoft.com/office/drawing/2014/main" id="{069C3B3B-4BAC-4AEF-A35A-7FF164C73C7D}"/>
+                          </a:ext>
+                        </a:extLst>
+                      </p:cNvPr>
+                      <p:cNvPicPr/>
+                      <p:nvPr/>
+                    </p:nvPicPr>
+                    <p:blipFill>
+                      <a:blip r:embed="rId8"/>
+                      <a:stretch>
+                        <a:fillRect/>
+                      </a:stretch>
+                    </p:blipFill>
+                    <p:spPr>
+                      <a:xfrm>
+                        <a:off x="245647" y="2857500"/>
+                        <a:ext cx="2024346" cy="1155272"/>
+                      </a:xfrm>
+                      <a:prstGeom prst="rect">
+                        <a:avLst/>
+                      </a:prstGeom>
+                    </p:spPr>
+                  </p:pic>
+                </p:oleObj>
+              </mc:Fallback>
+            </mc:AlternateContent>
+          </a:graphicData>
+        </a:graphic>
+      </p:graphicFrame>
+      <p:sp>
+        <p:nvSpPr>
+          <p:cNvPr id="13" name="箭头: 右 12">
+            <a:extLst>
+              <a:ext uri="{FF2B5EF4-FFF2-40B4-BE49-F238E27FC236}">
+                <a16:creationId xmlns:a16="http://schemas.microsoft.com/office/drawing/2014/main" id="{60593033-26BC-0BF7-59B4-B5763A7CC596}"/>
+              </a:ext>
+            </a:extLst>
+          </p:cNvPr>
+          <p:cNvSpPr/>
+          <p:nvPr/>
+        </p:nvSpPr>
+        <p:spPr>
+          <a:xfrm flipV="1">
+            <a:off x="2454443" y="3314314"/>
+            <a:ext cx="361890" cy="189565"/>
+          </a:xfrm>
+          <a:prstGeom prst="rightArrow">
+            <a:avLst/>
+          </a:prstGeom>
+        </p:spPr>
+        <p:style>
+          <a:lnRef idx="2">
+            <a:schemeClr val="accent1">
+              <a:shade val="50000"/>
+            </a:schemeClr>
+          </a:lnRef>
+          <a:fillRef idx="1">
+            <a:schemeClr val="accent1"/>
+          </a:fillRef>
+          <a:effectRef idx="0">
+            <a:schemeClr val="accent1"/>
+          </a:effectRef>
+          <a:fontRef idx="minor">
+            <a:schemeClr val="lt1"/>
+          </a:fontRef>
+        </p:style>
+        <p:txBody>
+          <a:bodyPr rtlCol="0" anchor="ctr"/>
+          <a:lstStyle/>
+          <a:p>
+            <a:pPr algn="ctr"/>
+            <a:endParaRPr lang="zh-CN" altLang="en-US"/>
+          </a:p>
+        </p:txBody>
+      </p:sp>
+      <p:graphicFrame>
+        <p:nvGraphicFramePr>
+          <p:cNvPr id="14" name="对象 13">
+            <a:extLst>
+              <a:ext uri="{FF2B5EF4-FFF2-40B4-BE49-F238E27FC236}">
+                <a16:creationId xmlns:a16="http://schemas.microsoft.com/office/drawing/2014/main" id="{3CDA99D2-C666-AFBA-D287-9FF1329A0A18}"/>
+              </a:ext>
+            </a:extLst>
+          </p:cNvPr>
+          <p:cNvGraphicFramePr>
+            <a:graphicFrameLocks noChangeAspect="1"/>
+          </p:cNvGraphicFramePr>
+          <p:nvPr>
+            <p:extLst>
+              <p:ext uri="{D42A27DB-BD31-4B8C-83A1-F6EECF244321}">
+                <p14:modId xmlns:p14="http://schemas.microsoft.com/office/powerpoint/2010/main" val="1602152165"/>
+              </p:ext>
+            </p:extLst>
+          </p:nvPr>
+        </p:nvGraphicFramePr>
+        <p:xfrm>
+          <a:off x="2998799" y="2809036"/>
+          <a:ext cx="2516074" cy="1237917"/>
+        </p:xfrm>
+        <a:graphic>
+          <a:graphicData uri="http://schemas.openxmlformats.org/presentationml/2006/ole">
+            <mc:AlternateContent xmlns:mc="http://schemas.openxmlformats.org/markup-compatibility/2006">
+              <mc:Choice xmlns:v="urn:schemas-microsoft-com:vml" Requires="v">
+                <p:oleObj name="AxMath" r:id="rId9" imgW="2666520" imgH="1313280" progId="Equation.AxMath">
+                  <p:embed/>
+                </p:oleObj>
+              </mc:Choice>
+              <mc:Fallback>
+                <p:oleObj name="AxMath" r:id="rId9" imgW="2666520" imgH="1313280" progId="Equation.AxMath">
+                  <p:embed/>
+                  <p:pic>
+                    <p:nvPicPr>
+                      <p:cNvPr id="6" name="对象 5">
+                        <a:extLst>
+                          <a:ext uri="{FF2B5EF4-FFF2-40B4-BE49-F238E27FC236}">
+                            <a16:creationId xmlns:a16="http://schemas.microsoft.com/office/drawing/2014/main" id="{4F469494-9844-E814-A9A7-AA4B6BB39F30}"/>
+                          </a:ext>
+                        </a:extLst>
+                      </p:cNvPr>
+                      <p:cNvPicPr/>
+                      <p:nvPr/>
+                    </p:nvPicPr>
+                    <p:blipFill>
+                      <a:blip r:embed="rId10"/>
+                      <a:stretch>
+                        <a:fillRect/>
+                      </a:stretch>
+                    </p:blipFill>
+                    <p:spPr>
+                      <a:xfrm>
+                        <a:off x="2998799" y="2809036"/>
+                        <a:ext cx="2516074" cy="1237917"/>
+                      </a:xfrm>
+                      <a:prstGeom prst="rect">
+                        <a:avLst/>
+                      </a:prstGeom>
+                    </p:spPr>
+                  </p:pic>
+                </p:oleObj>
+              </mc:Fallback>
+            </mc:AlternateContent>
+          </a:graphicData>
+        </a:graphic>
+      </p:graphicFrame>
+      <p:graphicFrame>
+        <p:nvGraphicFramePr>
+          <p:cNvPr id="15" name="对象 14">
+            <a:extLst>
+              <a:ext uri="{FF2B5EF4-FFF2-40B4-BE49-F238E27FC236}">
+                <a16:creationId xmlns:a16="http://schemas.microsoft.com/office/drawing/2014/main" id="{EFD917E8-1594-C6DF-8F4E-5ECFF488D95D}"/>
+              </a:ext>
+            </a:extLst>
+          </p:cNvPr>
+          <p:cNvGraphicFramePr>
+            <a:graphicFrameLocks noChangeAspect="1"/>
+          </p:cNvGraphicFramePr>
+          <p:nvPr>
+            <p:extLst>
+              <p:ext uri="{D42A27DB-BD31-4B8C-83A1-F6EECF244321}">
+                <p14:modId xmlns:p14="http://schemas.microsoft.com/office/powerpoint/2010/main" val="2417493915"/>
+              </p:ext>
+            </p:extLst>
+          </p:nvPr>
+        </p:nvGraphicFramePr>
+        <p:xfrm>
+          <a:off x="640731" y="4534302"/>
+          <a:ext cx="5990516" cy="962635"/>
+        </p:xfrm>
+        <a:graphic>
+          <a:graphicData uri="http://schemas.openxmlformats.org/presentationml/2006/ole">
+            <mc:AlternateContent xmlns:mc="http://schemas.openxmlformats.org/markup-compatibility/2006">
+              <mc:Choice xmlns:v="urn:schemas-microsoft-com:vml" Requires="v">
+                <p:oleObj name="AxMath" r:id="rId11" imgW="3439800" imgH="551520" progId="Equation.AxMath">
+                  <p:embed/>
+                </p:oleObj>
+              </mc:Choice>
+              <mc:Fallback>
+                <p:oleObj name="AxMath" r:id="rId11" imgW="3439800" imgH="551520" progId="Equation.AxMath">
+                  <p:embed/>
+                  <p:pic>
+                    <p:nvPicPr>
+                      <p:cNvPr id="24" name="对象 23">
+                        <a:extLst>
+                          <a:ext uri="{FF2B5EF4-FFF2-40B4-BE49-F238E27FC236}">
+                            <a16:creationId xmlns:a16="http://schemas.microsoft.com/office/drawing/2014/main" id="{EDB224EC-2319-039A-0D64-BD50BF1A6FB0}"/>
+                          </a:ext>
+                        </a:extLst>
+                      </p:cNvPr>
+                      <p:cNvPicPr/>
+                      <p:nvPr/>
+                    </p:nvPicPr>
+                    <p:blipFill>
+                      <a:blip r:embed="rId12"/>
+                      <a:stretch>
+                        <a:fillRect/>
+                      </a:stretch>
+                    </p:blipFill>
+                    <p:spPr>
+                      <a:xfrm>
+                        <a:off x="640731" y="4534302"/>
+                        <a:ext cx="5990516" cy="962635"/>
+                      </a:xfrm>
+                      <a:prstGeom prst="rect">
+                        <a:avLst/>
+                      </a:prstGeom>
+                    </p:spPr>
+                  </p:pic>
+                </p:oleObj>
+              </mc:Fallback>
+            </mc:AlternateContent>
+          </a:graphicData>
+        </a:graphic>
+      </p:graphicFrame>
+      <p:sp>
+        <p:nvSpPr>
+          <p:cNvPr id="16" name="文本框 15">
+            <a:extLst>
+              <a:ext uri="{FF2B5EF4-FFF2-40B4-BE49-F238E27FC236}">
+                <a16:creationId xmlns:a16="http://schemas.microsoft.com/office/drawing/2014/main" id="{947E407F-1800-161A-25D8-A9C591C27886}"/>
+              </a:ext>
+            </a:extLst>
+          </p:cNvPr>
+          <p:cNvSpPr txBox="1"/>
+          <p:nvPr/>
+        </p:nvSpPr>
+        <p:spPr>
+          <a:xfrm>
+            <a:off x="179952" y="4237665"/>
+            <a:ext cx="1296144" cy="369332"/>
+          </a:xfrm>
+          <a:prstGeom prst="rect">
+            <a:avLst/>
+          </a:prstGeom>
+          <a:noFill/>
+        </p:spPr>
+        <p:txBody>
+          <a:bodyPr wrap="square" rtlCol="0">
+            <a:spAutoFit/>
+          </a:bodyPr>
+          <a:lstStyle/>
+          <a:p>
+            <a:r>
+              <a:rPr lang="zh-CN" altLang="en-US" b="1" u="sng" dirty="0">
+                <a:effectLst>
+                  <a:outerShdw blurRad="38100" dist="38100" dir="2700000" algn="tl">
+                    <a:srgbClr val="000000">
+                      <a:alpha val="43137"/>
+                    </a:srgbClr>
+                  </a:outerShdw>
+                </a:effectLst>
+              </a:rPr>
+              <a:t>最终结果</a:t>
+            </a:r>
+            <a:r>
+              <a:rPr lang="zh-CN" altLang="en-US" b="1" dirty="0">
+                <a:effectLst>
+                  <a:outerShdw blurRad="38100" dist="38100" dir="2700000" algn="tl">
+                    <a:srgbClr val="000000">
+                      <a:alpha val="43137"/>
+                    </a:srgbClr>
+                  </a:outerShdw>
+                </a:effectLst>
+              </a:rPr>
+              <a:t>：</a:t>
+            </a:r>
+          </a:p>
+        </p:txBody>
+      </p:sp>
+    </p:spTree>
+    <p:extLst>
+      <p:ext uri="{BB962C8B-B14F-4D97-AF65-F5344CB8AC3E}">
+        <p14:creationId xmlns:p14="http://schemas.microsoft.com/office/powerpoint/2010/main" val="3060830648"/>
+      </p:ext>
+    </p:extLst>
+  </p:cSld>
+  <p:clrMapOvr>
+    <a:masterClrMapping/>
+  </p:clrMapOvr>
+  <mc:AlternateContent xmlns:mc="http://schemas.openxmlformats.org/markup-compatibility/2006" xmlns:p159="http://schemas.microsoft.com/office/powerpoint/2015/09/main">
+    <mc:Choice Requires="p159">
+      <p:transition spd="med">
+        <p159:morph option="byWord"/>
+      </p:transition>
+    </mc:Choice>
+    <mc:Fallback xmlns="">
+      <p:transition spd="med">
+        <p:fade/>
+      </p:transition>
+    </mc:Fallback>
+  </mc:AlternateContent>
+  <p:timing>
+    <p:tnLst>
+      <p:par>
+        <p:cTn id="1" dur="indefinite" restart="never" nodeType="tmRoot">
+          <p:childTnLst>
+            <p:seq concurrent="1" nextAc="seek">
+              <p:cTn id="2" dur="indefinite" nodeType="mainSeq">
+                <p:childTnLst>
+                  <p:par>
+                    <p:cTn id="3" fill="hold">
+                      <p:stCondLst>
+                        <p:cond delay="indefinite"/>
+                      </p:stCondLst>
+                      <p:childTnLst>
+                        <p:par>
+                          <p:cTn id="4" fill="hold">
+                            <p:stCondLst>
+                              <p:cond delay="0"/>
+                            </p:stCondLst>
+                            <p:childTnLst>
+                              <p:par>
+                                <p:cTn id="5" presetID="10" presetClass="entr" presetSubtype="0" fill="hold" nodeType="clickEffect">
+                                  <p:stCondLst>
+                                    <p:cond delay="0"/>
+                                  </p:stCondLst>
+                                  <p:childTnLst>
+                                    <p:set>
+                                      <p:cBhvr>
+                                        <p:cTn id="6" dur="1" fill="hold">
+                                          <p:stCondLst>
+                                            <p:cond delay="0"/>
+                                          </p:stCondLst>
+                                        </p:cTn>
+                                        <p:tgtEl>
+                                          <p:spTgt spid="15"/>
+                                        </p:tgtEl>
+                                        <p:attrNameLst>
+                                          <p:attrName>style.visibility</p:attrName>
+                                        </p:attrNameLst>
+                                      </p:cBhvr>
+                                      <p:to>
+                                        <p:strVal val="visible"/>
+                                      </p:to>
+                                    </p:set>
+                                    <p:animEffect transition="in" filter="fade">
+                                      <p:cBhvr>
+                                        <p:cTn id="7" dur="500"/>
+                                        <p:tgtEl>
+                                          <p:spTgt spid="15"/>
+                                        </p:tgtEl>
+                                      </p:cBhvr>
+                                    </p:animEffect>
+                                  </p:childTnLst>
+                                </p:cTn>
+                              </p:par>
+                              <p:par>
+                                <p:cTn id="8" presetID="10" presetClass="entr" presetSubtype="0" fill="hold" grpId="0" nodeType="withEffect">
+                                  <p:stCondLst>
+                                    <p:cond delay="0"/>
+                                  </p:stCondLst>
+                                  <p:childTnLst>
+                                    <p:set>
+                                      <p:cBhvr>
+                                        <p:cTn id="9" dur="1" fill="hold">
+                                          <p:stCondLst>
+                                            <p:cond delay="0"/>
+                                          </p:stCondLst>
+                                        </p:cTn>
+                                        <p:tgtEl>
+                                          <p:spTgt spid="16"/>
+                                        </p:tgtEl>
+                                        <p:attrNameLst>
+                                          <p:attrName>style.visibility</p:attrName>
+                                        </p:attrNameLst>
+                                      </p:cBhvr>
+                                      <p:to>
+                                        <p:strVal val="visible"/>
+                                      </p:to>
+                                    </p:set>
+                                    <p:animEffect transition="in" filter="fade">
+                                      <p:cBhvr>
+                                        <p:cTn id="10" dur="500"/>
+                                        <p:tgtEl>
+                                          <p:spTgt spid="16"/>
+                                        </p:tgtEl>
+                                      </p:cBhvr>
+                                    </p:animEffect>
+                                  </p:childTnLst>
+                                </p:cTn>
+                              </p:par>
+                            </p:childTnLst>
+                          </p:cTn>
+                        </p:par>
+                      </p:childTnLst>
+                    </p:cTn>
+                  </p:par>
+                </p:childTnLst>
+              </p:cTn>
+              <p:prevCondLst>
+                <p:cond evt="onPrev" delay="0">
+                  <p:tgtEl>
+                    <p:sldTgt/>
+                  </p:tgtEl>
+                </p:cond>
+              </p:prevCondLst>
+              <p:nextCondLst>
+                <p:cond evt="onNext" delay="0">
+                  <p:tgtEl>
+                    <p:sldTgt/>
+                  </p:tgtEl>
+                </p:cond>
+              </p:nextCondLst>
+            </p:seq>
+          </p:childTnLst>
+        </p:cTn>
+      </p:par>
+    </p:tnLst>
+    <p:bldLst>
+      <p:bldP spid="16" grpId="0"/>
+    </p:bldLst>
+  </p:timing>
+</p:sld>
+</file>
+
+<file path=ppt/slides/slide21.xml><?xml version="1.0" encoding="utf-8"?>
+<p:sld xmlns:a="http://schemas.openxmlformats.org/drawingml/2006/main" xmlns:r="http://schemas.openxmlformats.org/officeDocument/2006/relationships" xmlns:p="http://schemas.openxmlformats.org/presentationml/2006/main">
+  <p:cSld>
+    <p:spTree>
+      <p:nvGrpSpPr>
+        <p:cNvPr id="1" name=""/>
+        <p:cNvGrpSpPr/>
+        <p:nvPr/>
+      </p:nvGrpSpPr>
+      <p:grpSpPr>
+        <a:xfrm>
+          <a:off x="0" y="0"/>
+          <a:ext cx="0" cy="0"/>
+          <a:chOff x="0" y="0"/>
+          <a:chExt cx="0" cy="0"/>
+        </a:xfrm>
+      </p:grpSpPr>
+      <p:sp>
+        <p:nvSpPr>
+          <p:cNvPr id="12" name="矩形 2">
+            <a:extLst>
+              <a:ext uri="{FF2B5EF4-FFF2-40B4-BE49-F238E27FC236}">
+                <a16:creationId xmlns:a16="http://schemas.microsoft.com/office/drawing/2014/main" id="{01D1EA62-D4B9-4AA3-A630-1C26AB4845D5}"/>
+              </a:ext>
+            </a:extLst>
+          </p:cNvPr>
+          <p:cNvSpPr/>
+          <p:nvPr>
+            <p:custDataLst>
+              <p:tags r:id="rId1"/>
+            </p:custDataLst>
+          </p:nvPr>
+        </p:nvSpPr>
+        <p:spPr>
+          <a:xfrm>
+            <a:off x="4665810" y="49008"/>
+            <a:ext cx="4199426" cy="376555"/>
+          </a:xfrm>
+          <a:prstGeom prst="rect">
+            <a:avLst/>
+          </a:prstGeom>
+          <a:solidFill>
+            <a:schemeClr val="bg1"/>
+          </a:solidFill>
+          <a:ln w="25400">
+            <a:noFill/>
+          </a:ln>
+        </p:spPr>
+        <p:txBody>
+          <a:bodyPr wrap="square">
+            <a:noAutofit/>
+          </a:bodyPr>
+          <a:lstStyle/>
+          <a:p>
+            <a:pPr algn="r"/>
+            <a:r>
+              <a:rPr lang="zh-CN" altLang="en-US" sz="2400" b="1" dirty="0">
+                <a:solidFill>
+                  <a:schemeClr val="accent1">
+                    <a:lumMod val="75000"/>
+                  </a:schemeClr>
+                </a:solidFill>
+                <a:latin typeface="微软雅黑" panose="020B0503020204020204" pitchFamily="34" charset="-122"/>
+                <a:ea typeface="微软雅黑" panose="020B0503020204020204" pitchFamily="34" charset="-122"/>
+              </a:rPr>
+              <a:t>最小二乘法的四大变式</a:t>
+            </a:r>
+            <a:r>
+              <a:rPr lang="en-US" altLang="zh-CN" sz="2400" b="1" dirty="0">
+                <a:solidFill>
+                  <a:schemeClr val="accent1">
+                    <a:lumMod val="75000"/>
+                  </a:schemeClr>
+                </a:solidFill>
+                <a:latin typeface="微软雅黑" panose="020B0503020204020204" pitchFamily="34" charset="-122"/>
+                <a:ea typeface="微软雅黑" panose="020B0503020204020204" pitchFamily="34" charset="-122"/>
+              </a:rPr>
+              <a:t>(6/9)</a:t>
+            </a:r>
+            <a:endParaRPr lang="zh-CN" altLang="en-US" sz="2400" b="1" dirty="0">
+              <a:solidFill>
+                <a:schemeClr val="accent1">
+                  <a:lumMod val="75000"/>
+                </a:schemeClr>
+              </a:solidFill>
+              <a:latin typeface="微软雅黑" panose="020B0503020204020204" pitchFamily="34" charset="-122"/>
+              <a:ea typeface="微软雅黑" panose="020B0503020204020204" pitchFamily="34" charset="-122"/>
+            </a:endParaRPr>
+          </a:p>
+        </p:txBody>
+      </p:sp>
+      <p:sp>
+        <p:nvSpPr>
+          <p:cNvPr id="4" name="矩形: 圆角 3">
+            <a:extLst>
+              <a:ext uri="{FF2B5EF4-FFF2-40B4-BE49-F238E27FC236}">
+                <a16:creationId xmlns:a16="http://schemas.microsoft.com/office/drawing/2014/main" id="{EA959C72-5560-A904-36E8-B7925FC1FB6B}"/>
+              </a:ext>
+            </a:extLst>
+          </p:cNvPr>
+          <p:cNvSpPr/>
+          <p:nvPr/>
+        </p:nvSpPr>
+        <p:spPr>
+          <a:xfrm>
+            <a:off x="7380312" y="917059"/>
+            <a:ext cx="1152128" cy="648072"/>
+          </a:xfrm>
+          <a:prstGeom prst="roundRect">
+            <a:avLst/>
+          </a:prstGeom>
+          <a:ln>
+            <a:noFill/>
+          </a:ln>
+        </p:spPr>
+        <p:style>
+          <a:lnRef idx="2">
+            <a:schemeClr val="accent1">
+              <a:shade val="50000"/>
+            </a:schemeClr>
+          </a:lnRef>
+          <a:fillRef idx="1">
+            <a:schemeClr val="accent1"/>
+          </a:fillRef>
+          <a:effectRef idx="0">
+            <a:schemeClr val="accent1"/>
+          </a:effectRef>
+          <a:fontRef idx="minor">
+            <a:schemeClr val="lt1"/>
+          </a:fontRef>
+        </p:style>
+        <p:txBody>
+          <a:bodyPr rtlCol="0" anchor="ctr"/>
+          <a:lstStyle/>
+          <a:p>
+            <a:pPr algn="ctr"/>
+            <a:r>
+              <a:rPr lang="en-US" altLang="zh-CN" sz="2800" b="1" dirty="0">
+                <a:solidFill>
+                  <a:schemeClr val="tx2">
+                    <a:lumMod val="40000"/>
+                    <a:lumOff val="60000"/>
+                  </a:schemeClr>
+                </a:solidFill>
+              </a:rPr>
+              <a:t>OLS</a:t>
+            </a:r>
+            <a:endParaRPr lang="zh-CN" altLang="en-US" sz="2800" b="1" dirty="0">
+              <a:solidFill>
+                <a:schemeClr val="tx2">
+                  <a:lumMod val="40000"/>
+                  <a:lumOff val="60000"/>
+                </a:schemeClr>
+              </a:solidFill>
+            </a:endParaRPr>
+          </a:p>
+        </p:txBody>
+      </p:sp>
+      <p:sp>
+        <p:nvSpPr>
+          <p:cNvPr id="5" name="矩形: 圆角 4">
+            <a:extLst>
+              <a:ext uri="{FF2B5EF4-FFF2-40B4-BE49-F238E27FC236}">
+                <a16:creationId xmlns:a16="http://schemas.microsoft.com/office/drawing/2014/main" id="{D0C1DD57-63D3-C18C-5579-4B885B6EFF71}"/>
+              </a:ext>
+            </a:extLst>
+          </p:cNvPr>
+          <p:cNvSpPr/>
+          <p:nvPr/>
+        </p:nvSpPr>
+        <p:spPr>
+          <a:xfrm>
+            <a:off x="7387128" y="2115687"/>
+            <a:ext cx="1152128" cy="648072"/>
+          </a:xfrm>
+          <a:prstGeom prst="roundRect">
+            <a:avLst/>
+          </a:prstGeom>
+          <a:ln>
+            <a:noFill/>
+          </a:ln>
+        </p:spPr>
+        <p:style>
+          <a:lnRef idx="2">
+            <a:schemeClr val="accent1">
+              <a:shade val="50000"/>
+            </a:schemeClr>
+          </a:lnRef>
+          <a:fillRef idx="1">
+            <a:schemeClr val="accent1"/>
+          </a:fillRef>
+          <a:effectRef idx="0">
+            <a:schemeClr val="accent1"/>
+          </a:effectRef>
+          <a:fontRef idx="minor">
+            <a:schemeClr val="lt1"/>
+          </a:fontRef>
+        </p:style>
+        <p:txBody>
+          <a:bodyPr rtlCol="0" anchor="ctr"/>
+          <a:lstStyle/>
+          <a:p>
+            <a:pPr algn="ctr"/>
+            <a:r>
+              <a:rPr lang="en-US" altLang="zh-CN" sz="2800" b="1" dirty="0">
+                <a:solidFill>
+                  <a:schemeClr val="tx2">
+                    <a:lumMod val="40000"/>
+                    <a:lumOff val="60000"/>
+                  </a:schemeClr>
+                </a:solidFill>
+              </a:rPr>
+              <a:t>WLS</a:t>
+            </a:r>
+            <a:endParaRPr lang="zh-CN" altLang="en-US" sz="2800" b="1" dirty="0">
+              <a:solidFill>
+                <a:schemeClr val="tx2">
+                  <a:lumMod val="40000"/>
+                  <a:lumOff val="60000"/>
+                </a:schemeClr>
+              </a:solidFill>
+            </a:endParaRPr>
+          </a:p>
+        </p:txBody>
+      </p:sp>
+      <p:sp>
+        <p:nvSpPr>
+          <p:cNvPr id="7" name="矩形: 圆角 6">
+            <a:extLst>
+              <a:ext uri="{FF2B5EF4-FFF2-40B4-BE49-F238E27FC236}">
+                <a16:creationId xmlns:a16="http://schemas.microsoft.com/office/drawing/2014/main" id="{64943B9A-F4B7-F2C0-E2E5-1C4C23C43EC1}"/>
+              </a:ext>
+            </a:extLst>
+          </p:cNvPr>
+          <p:cNvSpPr/>
+          <p:nvPr/>
+        </p:nvSpPr>
+        <p:spPr>
+          <a:xfrm>
+            <a:off x="7282522" y="3403212"/>
+            <a:ext cx="1361337" cy="759050"/>
+          </a:xfrm>
+          <a:prstGeom prst="roundRect">
+            <a:avLst/>
+          </a:prstGeom>
+          <a:ln>
+            <a:noFill/>
+          </a:ln>
+        </p:spPr>
+        <p:style>
+          <a:lnRef idx="2">
+            <a:schemeClr val="accent1">
+              <a:shade val="50000"/>
+            </a:schemeClr>
+          </a:lnRef>
+          <a:fillRef idx="1">
+            <a:schemeClr val="accent1"/>
+          </a:fillRef>
+          <a:effectRef idx="0">
+            <a:schemeClr val="accent1"/>
+          </a:effectRef>
+          <a:fontRef idx="minor">
+            <a:schemeClr val="lt1"/>
+          </a:fontRef>
+        </p:style>
+        <p:txBody>
+          <a:bodyPr rtlCol="0" anchor="ctr"/>
+          <a:lstStyle/>
+          <a:p>
+            <a:pPr algn="ctr"/>
+            <a:r>
+              <a:rPr lang="en-US" altLang="zh-CN" sz="2800" b="1" dirty="0">
+                <a:effectLst>
+                  <a:outerShdw blurRad="38100" dist="38100" dir="2700000" algn="tl">
+                    <a:srgbClr val="000000">
+                      <a:alpha val="43137"/>
+                    </a:srgbClr>
+                  </a:outerShdw>
+                </a:effectLst>
+              </a:rPr>
+              <a:t>WTLS</a:t>
+            </a:r>
+          </a:p>
+          <a:p>
+            <a:pPr algn="ctr"/>
+            <a:r>
+              <a:rPr lang="en-US" altLang="zh-CN" sz="1200" b="1" dirty="0">
+                <a:effectLst>
+                  <a:outerShdw blurRad="38100" dist="38100" dir="2700000" algn="tl">
+                    <a:srgbClr val="000000">
+                      <a:alpha val="43137"/>
+                    </a:srgbClr>
+                  </a:outerShdw>
+                </a:effectLst>
+              </a:rPr>
+              <a:t>w/o correlation</a:t>
+            </a:r>
+            <a:endParaRPr lang="zh-CN" altLang="en-US" sz="1200" b="1" dirty="0">
+              <a:effectLst>
+                <a:outerShdw blurRad="38100" dist="38100" dir="2700000" algn="tl">
+                  <a:srgbClr val="000000">
+                    <a:alpha val="43137"/>
+                  </a:srgbClr>
+                </a:outerShdw>
+              </a:effectLst>
+            </a:endParaRPr>
+          </a:p>
+        </p:txBody>
+      </p:sp>
+      <p:sp>
+        <p:nvSpPr>
+          <p:cNvPr id="8" name="矩形: 圆角 7">
+            <a:extLst>
+              <a:ext uri="{FF2B5EF4-FFF2-40B4-BE49-F238E27FC236}">
+                <a16:creationId xmlns:a16="http://schemas.microsoft.com/office/drawing/2014/main" id="{FED28F51-DBE7-EBA2-E9E0-B7C023E40CBB}"/>
+              </a:ext>
+            </a:extLst>
+          </p:cNvPr>
+          <p:cNvSpPr/>
+          <p:nvPr/>
+        </p:nvSpPr>
+        <p:spPr>
+          <a:xfrm>
+            <a:off x="7380312" y="4801716"/>
+            <a:ext cx="1152128" cy="648072"/>
+          </a:xfrm>
+          <a:prstGeom prst="roundRect">
+            <a:avLst/>
+          </a:prstGeom>
+          <a:ln>
+            <a:noFill/>
+          </a:ln>
+        </p:spPr>
+        <p:style>
+          <a:lnRef idx="2">
+            <a:schemeClr val="accent1">
+              <a:shade val="50000"/>
+            </a:schemeClr>
+          </a:lnRef>
+          <a:fillRef idx="1">
+            <a:schemeClr val="accent1"/>
+          </a:fillRef>
+          <a:effectRef idx="0">
+            <a:schemeClr val="accent1"/>
+          </a:effectRef>
+          <a:fontRef idx="minor">
+            <a:schemeClr val="lt1"/>
+          </a:fontRef>
+        </p:style>
+        <p:txBody>
+          <a:bodyPr rtlCol="0" anchor="ctr"/>
+          <a:lstStyle/>
+          <a:p>
+            <a:pPr algn="ctr"/>
+            <a:r>
+              <a:rPr lang="en-US" altLang="zh-CN" sz="2800" b="1" dirty="0">
+                <a:effectLst>
+                  <a:outerShdw blurRad="38100" dist="38100" dir="2700000" algn="tl">
+                    <a:srgbClr val="000000">
+                      <a:alpha val="43137"/>
+                    </a:srgbClr>
+                  </a:outerShdw>
+                </a:effectLst>
+              </a:rPr>
+              <a:t>?</a:t>
+            </a:r>
+            <a:endParaRPr lang="zh-CN" altLang="en-US" sz="2800" b="1" dirty="0">
+              <a:effectLst>
+                <a:outerShdw blurRad="38100" dist="38100" dir="2700000" algn="tl">
+                  <a:srgbClr val="000000">
+                    <a:alpha val="43137"/>
+                  </a:srgbClr>
+                </a:outerShdw>
+              </a:effectLst>
+            </a:endParaRPr>
+          </a:p>
+        </p:txBody>
+      </p:sp>
+      <p:sp>
+        <p:nvSpPr>
+          <p:cNvPr id="9" name="箭头: 右 8">
+            <a:extLst>
+              <a:ext uri="{FF2B5EF4-FFF2-40B4-BE49-F238E27FC236}">
+                <a16:creationId xmlns:a16="http://schemas.microsoft.com/office/drawing/2014/main" id="{B0DCF526-7ADE-AE90-16FC-9BB98B731EB8}"/>
+              </a:ext>
+            </a:extLst>
+          </p:cNvPr>
+          <p:cNvSpPr/>
+          <p:nvPr/>
+        </p:nvSpPr>
+        <p:spPr>
+          <a:xfrm rot="5400000">
+            <a:off x="7761378" y="1719979"/>
+            <a:ext cx="389994" cy="240861"/>
+          </a:xfrm>
+          <a:prstGeom prst="rightArrow">
+            <a:avLst>
+              <a:gd name="adj1" fmla="val 35703"/>
+              <a:gd name="adj2" fmla="val 50000"/>
+            </a:avLst>
+          </a:prstGeom>
+        </p:spPr>
+        <p:style>
+          <a:lnRef idx="2">
+            <a:schemeClr val="accent1">
+              <a:shade val="50000"/>
+            </a:schemeClr>
+          </a:lnRef>
+          <a:fillRef idx="1">
+            <a:schemeClr val="accent1"/>
+          </a:fillRef>
+          <a:effectRef idx="0">
+            <a:schemeClr val="accent1"/>
+          </a:effectRef>
+          <a:fontRef idx="minor">
+            <a:schemeClr val="lt1"/>
+          </a:fontRef>
+        </p:style>
+        <p:txBody>
+          <a:bodyPr rtlCol="0" anchor="ctr"/>
+          <a:lstStyle/>
+          <a:p>
+            <a:pPr algn="ctr"/>
+            <a:endParaRPr lang="zh-CN" altLang="en-US"/>
+          </a:p>
+        </p:txBody>
+      </p:sp>
+      <p:sp>
+        <p:nvSpPr>
+          <p:cNvPr id="10" name="箭头: 右 9">
+            <a:extLst>
+              <a:ext uri="{FF2B5EF4-FFF2-40B4-BE49-F238E27FC236}">
+                <a16:creationId xmlns:a16="http://schemas.microsoft.com/office/drawing/2014/main" id="{68802577-1895-B2D1-7BDD-12BE7AF2DD87}"/>
+              </a:ext>
+            </a:extLst>
+          </p:cNvPr>
+          <p:cNvSpPr/>
+          <p:nvPr/>
+        </p:nvSpPr>
+        <p:spPr>
+          <a:xfrm rot="5400000">
+            <a:off x="7768194" y="2918606"/>
+            <a:ext cx="389994" cy="240861"/>
+          </a:xfrm>
+          <a:prstGeom prst="rightArrow">
+            <a:avLst>
+              <a:gd name="adj1" fmla="val 35703"/>
+              <a:gd name="adj2" fmla="val 50000"/>
+            </a:avLst>
+          </a:prstGeom>
+        </p:spPr>
+        <p:style>
+          <a:lnRef idx="2">
+            <a:schemeClr val="accent1">
+              <a:shade val="50000"/>
+            </a:schemeClr>
+          </a:lnRef>
+          <a:fillRef idx="1">
+            <a:schemeClr val="accent1"/>
+          </a:fillRef>
+          <a:effectRef idx="0">
+            <a:schemeClr val="accent1"/>
+          </a:effectRef>
+          <a:fontRef idx="minor">
+            <a:schemeClr val="lt1"/>
+          </a:fontRef>
+        </p:style>
+        <p:txBody>
+          <a:bodyPr rtlCol="0" anchor="ctr"/>
+          <a:lstStyle/>
+          <a:p>
+            <a:pPr algn="ctr"/>
+            <a:endParaRPr lang="zh-CN" altLang="en-US"/>
+          </a:p>
+        </p:txBody>
+      </p:sp>
+      <p:sp>
+        <p:nvSpPr>
+          <p:cNvPr id="11" name="箭头: 右 10">
+            <a:extLst>
+              <a:ext uri="{FF2B5EF4-FFF2-40B4-BE49-F238E27FC236}">
+                <a16:creationId xmlns:a16="http://schemas.microsoft.com/office/drawing/2014/main" id="{09A665D0-AA57-921B-7712-44A5797FDAFC}"/>
+              </a:ext>
+            </a:extLst>
+          </p:cNvPr>
+          <p:cNvSpPr/>
+          <p:nvPr/>
+        </p:nvSpPr>
+        <p:spPr>
+          <a:xfrm rot="5400000">
+            <a:off x="7761377" y="4406008"/>
+            <a:ext cx="389994" cy="240861"/>
+          </a:xfrm>
+          <a:prstGeom prst="rightArrow">
+            <a:avLst>
+              <a:gd name="adj1" fmla="val 35703"/>
+              <a:gd name="adj2" fmla="val 50000"/>
+            </a:avLst>
+          </a:prstGeom>
+        </p:spPr>
+        <p:style>
+          <a:lnRef idx="2">
+            <a:schemeClr val="accent1">
+              <a:shade val="50000"/>
+            </a:schemeClr>
+          </a:lnRef>
+          <a:fillRef idx="1">
+            <a:schemeClr val="accent1"/>
+          </a:fillRef>
+          <a:effectRef idx="0">
+            <a:schemeClr val="accent1"/>
+          </a:effectRef>
+          <a:fontRef idx="minor">
+            <a:schemeClr val="lt1"/>
+          </a:fontRef>
+        </p:style>
+        <p:txBody>
+          <a:bodyPr rtlCol="0" anchor="ctr"/>
+          <a:lstStyle/>
+          <a:p>
+            <a:pPr algn="ctr"/>
+            <a:endParaRPr lang="zh-CN" altLang="en-US"/>
+          </a:p>
+        </p:txBody>
+      </p:sp>
+      <p:sp>
+        <p:nvSpPr>
+          <p:cNvPr id="3" name="TextBox 11">
+            <a:extLst>
+              <a:ext uri="{FF2B5EF4-FFF2-40B4-BE49-F238E27FC236}">
+                <a16:creationId xmlns:a16="http://schemas.microsoft.com/office/drawing/2014/main" id="{BC8EAE27-B252-7766-98CF-9124E593489F}"/>
+              </a:ext>
+            </a:extLst>
+          </p:cNvPr>
+          <p:cNvSpPr txBox="1"/>
+          <p:nvPr>
+            <p:custDataLst>
+              <p:tags r:id="rId2"/>
+            </p:custDataLst>
+          </p:nvPr>
+        </p:nvSpPr>
+        <p:spPr>
+          <a:xfrm>
+            <a:off x="21961" y="985292"/>
+            <a:ext cx="6699590" cy="3416320"/>
+          </a:xfrm>
+          <a:prstGeom prst="rect">
+            <a:avLst/>
+          </a:prstGeom>
+          <a:noFill/>
+        </p:spPr>
+        <p:txBody>
+          <a:bodyPr vert="horz" wrap="square" rtlCol="0">
+            <a:spAutoFit/>
+          </a:bodyPr>
+          <a:lstStyle/>
+          <a:p>
+            <a:pPr marL="342900" indent="-342900" fontAlgn="b">
+              <a:buFont typeface="Wingdings" panose="05000000000000000000" pitchFamily="2" charset="2"/>
+              <a:buChar char="u"/>
+            </a:pPr>
+            <a:r>
+              <a:rPr lang="zh-CN" altLang="en-US" sz="2400" b="1" dirty="0">
+                <a:solidFill>
+                  <a:schemeClr val="tx2">
+                    <a:lumMod val="75000"/>
+                  </a:schemeClr>
+                </a:solidFill>
+                <a:latin typeface="微软雅黑" panose="020B0503020204020204" pitchFamily="34" charset="-122"/>
+                <a:ea typeface="微软雅黑" panose="020B0503020204020204" pitchFamily="34" charset="-122"/>
+              </a:rPr>
+              <a:t>术语：</a:t>
+            </a:r>
+            <a:endParaRPr lang="en-US" altLang="zh-CN" sz="2400" b="1" dirty="0">
+              <a:solidFill>
+                <a:schemeClr val="tx2">
+                  <a:lumMod val="75000"/>
+                </a:schemeClr>
+              </a:solidFill>
+              <a:latin typeface="微软雅黑" panose="020B0503020204020204" pitchFamily="34" charset="-122"/>
+              <a:ea typeface="微软雅黑" panose="020B0503020204020204" pitchFamily="34" charset="-122"/>
+            </a:endParaRPr>
+          </a:p>
+          <a:p>
+            <a:pPr marL="800100" lvl="1" indent="-342900" fontAlgn="b">
+              <a:buFont typeface="Wingdings" panose="05000000000000000000" pitchFamily="2" charset="2"/>
+              <a:buChar char="u"/>
+            </a:pPr>
+            <a:r>
+              <a:rPr lang="en-US" altLang="zh-CN" sz="2400" b="1" dirty="0">
+                <a:solidFill>
+                  <a:schemeClr val="tx2">
+                    <a:lumMod val="75000"/>
+                  </a:schemeClr>
+                </a:solidFill>
+                <a:latin typeface="微软雅黑" panose="020B0503020204020204" pitchFamily="34" charset="-122"/>
+                <a:ea typeface="微软雅黑" panose="020B0503020204020204" pitchFamily="34" charset="-122"/>
+              </a:rPr>
+              <a:t>[w/o correlation]</a:t>
+            </a:r>
+            <a:r>
+              <a:rPr lang="zh-CN" altLang="en-US" sz="2400" b="1" dirty="0">
+                <a:solidFill>
+                  <a:schemeClr val="tx2">
+                    <a:lumMod val="75000"/>
+                  </a:schemeClr>
+                </a:solidFill>
+                <a:latin typeface="微软雅黑" panose="020B0503020204020204" pitchFamily="34" charset="-122"/>
+                <a:ea typeface="微软雅黑" panose="020B0503020204020204" pitchFamily="34" charset="-122"/>
+              </a:rPr>
+              <a:t>：</a:t>
+            </a:r>
+            <a:r>
+              <a:rPr lang="zh-CN" altLang="en-US" sz="2400" b="1" u="sng" dirty="0">
+                <a:solidFill>
+                  <a:schemeClr val="tx2">
+                    <a:lumMod val="75000"/>
+                  </a:schemeClr>
+                </a:solidFill>
+                <a:effectLst>
+                  <a:outerShdw blurRad="38100" dist="38100" dir="2700000" algn="tl">
+                    <a:srgbClr val="000000">
+                      <a:alpha val="43137"/>
+                    </a:srgbClr>
+                  </a:outerShdw>
+                </a:effectLst>
+                <a:latin typeface="微软雅黑" panose="020B0503020204020204" pitchFamily="34" charset="-122"/>
+                <a:ea typeface="微软雅黑" panose="020B0503020204020204" pitchFamily="34" charset="-122"/>
+              </a:rPr>
+              <a:t>不考虑变量关联性的</a:t>
+            </a:r>
+            <a:endParaRPr lang="en-US" altLang="zh-CN" sz="2400" b="1" u="sng" dirty="0">
+              <a:solidFill>
+                <a:schemeClr val="tx2">
+                  <a:lumMod val="75000"/>
+                </a:schemeClr>
+              </a:solidFill>
+              <a:effectLst>
+                <a:outerShdw blurRad="38100" dist="38100" dir="2700000" algn="tl">
+                  <a:srgbClr val="000000">
+                    <a:alpha val="43137"/>
+                  </a:srgbClr>
+                </a:outerShdw>
+              </a:effectLst>
+              <a:latin typeface="微软雅黑" panose="020B0503020204020204" pitchFamily="34" charset="-122"/>
+              <a:ea typeface="微软雅黑" panose="020B0503020204020204" pitchFamily="34" charset="-122"/>
+            </a:endParaRPr>
+          </a:p>
+          <a:p>
+            <a:pPr marL="342900" indent="-342900" fontAlgn="b">
+              <a:buFont typeface="Wingdings" panose="05000000000000000000" pitchFamily="2" charset="2"/>
+              <a:buChar char="u"/>
+            </a:pPr>
+            <a:endParaRPr lang="en-US" altLang="zh-CN" sz="2400" b="1" dirty="0">
+              <a:solidFill>
+                <a:schemeClr val="tx2">
+                  <a:lumMod val="75000"/>
+                </a:schemeClr>
+              </a:solidFill>
+              <a:latin typeface="微软雅黑" panose="020B0503020204020204" pitchFamily="34" charset="-122"/>
+              <a:ea typeface="微软雅黑" panose="020B0503020204020204" pitchFamily="34" charset="-122"/>
+            </a:endParaRPr>
+          </a:p>
+          <a:p>
+            <a:pPr marL="342900" indent="-342900" fontAlgn="b">
+              <a:buFont typeface="Wingdings" panose="05000000000000000000" pitchFamily="2" charset="2"/>
+              <a:buChar char="u"/>
+            </a:pPr>
+            <a:r>
+              <a:rPr lang="zh-CN" altLang="en-US" sz="2400" b="1" dirty="0">
+                <a:solidFill>
+                  <a:schemeClr val="tx2">
+                    <a:lumMod val="75000"/>
+                  </a:schemeClr>
+                </a:solidFill>
+                <a:latin typeface="微软雅黑" panose="020B0503020204020204" pitchFamily="34" charset="-122"/>
+                <a:ea typeface="微软雅黑" panose="020B0503020204020204" pitchFamily="34" charset="-122"/>
+              </a:rPr>
+              <a:t>新问题：</a:t>
+            </a:r>
+            <a:endParaRPr lang="en-US" altLang="zh-CN" sz="2400" b="1" dirty="0">
+              <a:solidFill>
+                <a:schemeClr val="tx2">
+                  <a:lumMod val="75000"/>
+                </a:schemeClr>
+              </a:solidFill>
+              <a:latin typeface="微软雅黑" panose="020B0503020204020204" pitchFamily="34" charset="-122"/>
+              <a:ea typeface="微软雅黑" panose="020B0503020204020204" pitchFamily="34" charset="-122"/>
+            </a:endParaRPr>
+          </a:p>
+          <a:p>
+            <a:pPr marL="800100" lvl="1" indent="-342900" fontAlgn="b">
+              <a:buFont typeface="Wingdings" panose="05000000000000000000" pitchFamily="2" charset="2"/>
+              <a:buChar char="u"/>
+            </a:pPr>
+            <a:r>
+              <a:rPr lang="zh-CN" altLang="en-US" sz="2400" b="1" dirty="0">
+                <a:solidFill>
+                  <a:schemeClr val="tx2">
+                    <a:lumMod val="75000"/>
+                  </a:schemeClr>
+                </a:solidFill>
+                <a:latin typeface="微软雅黑" panose="020B0503020204020204" pitchFamily="34" charset="-122"/>
+                <a:ea typeface="微软雅黑" panose="020B0503020204020204" pitchFamily="34" charset="-122"/>
+              </a:rPr>
+              <a:t>考虑变量关联性（两方面）</a:t>
+            </a:r>
+            <a:endParaRPr lang="en-US" altLang="zh-CN" sz="2400" b="1" dirty="0">
+              <a:solidFill>
+                <a:schemeClr val="tx2">
+                  <a:lumMod val="75000"/>
+                </a:schemeClr>
+              </a:solidFill>
+              <a:latin typeface="微软雅黑" panose="020B0503020204020204" pitchFamily="34" charset="-122"/>
+              <a:ea typeface="微软雅黑" panose="020B0503020204020204" pitchFamily="34" charset="-122"/>
+            </a:endParaRPr>
+          </a:p>
+          <a:p>
+            <a:pPr marL="1371600" lvl="2" indent="-457200" fontAlgn="b">
+              <a:buFont typeface="+mj-lt"/>
+              <a:buAutoNum type="arabicPeriod"/>
+            </a:pPr>
+            <a:r>
+              <a:rPr lang="en-US" altLang="zh-CN" sz="2400" b="1" dirty="0">
+                <a:solidFill>
+                  <a:schemeClr val="tx2">
+                    <a:lumMod val="75000"/>
+                  </a:schemeClr>
+                </a:solidFill>
+                <a:latin typeface="微软雅黑" panose="020B0503020204020204" pitchFamily="34" charset="-122"/>
+                <a:ea typeface="微软雅黑" panose="020B0503020204020204" pitchFamily="34" charset="-122"/>
+              </a:rPr>
+              <a:t>X, Y</a:t>
+            </a:r>
+            <a:r>
+              <a:rPr lang="zh-CN" altLang="en-US" sz="2400" b="1" dirty="0">
+                <a:solidFill>
+                  <a:schemeClr val="tx2">
+                    <a:lumMod val="75000"/>
+                  </a:schemeClr>
+                </a:solidFill>
+                <a:latin typeface="微软雅黑" panose="020B0503020204020204" pitchFamily="34" charset="-122"/>
+                <a:ea typeface="微软雅黑" panose="020B0503020204020204" pitchFamily="34" charset="-122"/>
+              </a:rPr>
+              <a:t>变量自身还有关联</a:t>
+            </a:r>
+            <a:endParaRPr lang="en-US" altLang="zh-CN" sz="2400" b="1" dirty="0">
+              <a:solidFill>
+                <a:schemeClr val="tx2">
+                  <a:lumMod val="75000"/>
+                </a:schemeClr>
+              </a:solidFill>
+              <a:latin typeface="微软雅黑" panose="020B0503020204020204" pitchFamily="34" charset="-122"/>
+              <a:ea typeface="微软雅黑" panose="020B0503020204020204" pitchFamily="34" charset="-122"/>
+            </a:endParaRPr>
+          </a:p>
+          <a:p>
+            <a:pPr marL="1371600" lvl="2" indent="-457200" fontAlgn="b">
+              <a:buFont typeface="+mj-lt"/>
+              <a:buAutoNum type="arabicPeriod"/>
+            </a:pPr>
+            <a:r>
+              <a:rPr lang="en-US" altLang="zh-CN" sz="2400" b="1" dirty="0">
+                <a:solidFill>
+                  <a:schemeClr val="tx2">
+                    <a:lumMod val="75000"/>
+                  </a:schemeClr>
+                </a:solidFill>
+                <a:latin typeface="微软雅黑" panose="020B0503020204020204" pitchFamily="34" charset="-122"/>
+                <a:ea typeface="微软雅黑" panose="020B0503020204020204" pitchFamily="34" charset="-122"/>
+              </a:rPr>
+              <a:t>Xi, </a:t>
+            </a:r>
+            <a:r>
+              <a:rPr lang="en-US" altLang="zh-CN" sz="2400" b="1" dirty="0" err="1">
+                <a:solidFill>
+                  <a:schemeClr val="tx2">
+                    <a:lumMod val="75000"/>
+                  </a:schemeClr>
+                </a:solidFill>
+                <a:latin typeface="微软雅黑" panose="020B0503020204020204" pitchFamily="34" charset="-122"/>
+                <a:ea typeface="微软雅黑" panose="020B0503020204020204" pitchFamily="34" charset="-122"/>
+              </a:rPr>
+              <a:t>Yj</a:t>
+            </a:r>
+            <a:r>
+              <a:rPr lang="zh-CN" altLang="en-US" sz="2400" b="1" dirty="0">
+                <a:solidFill>
+                  <a:schemeClr val="tx2">
+                    <a:lumMod val="75000"/>
+                  </a:schemeClr>
+                </a:solidFill>
+                <a:latin typeface="微软雅黑" panose="020B0503020204020204" pitchFamily="34" charset="-122"/>
+                <a:ea typeface="微软雅黑" panose="020B0503020204020204" pitchFamily="34" charset="-122"/>
+              </a:rPr>
+              <a:t>各变量间还有关联</a:t>
+            </a:r>
+            <a:endParaRPr lang="en-US" altLang="zh-CN" sz="2400" b="1" dirty="0">
+              <a:solidFill>
+                <a:schemeClr val="tx2">
+                  <a:lumMod val="75000"/>
+                </a:schemeClr>
+              </a:solidFill>
+              <a:latin typeface="微软雅黑" panose="020B0503020204020204" pitchFamily="34" charset="-122"/>
+              <a:ea typeface="微软雅黑" panose="020B0503020204020204" pitchFamily="34" charset="-122"/>
+            </a:endParaRPr>
+          </a:p>
+          <a:p>
+            <a:pPr marL="800100" lvl="1" indent="-342900" fontAlgn="b">
+              <a:buFont typeface="Wingdings" panose="05000000000000000000" pitchFamily="2" charset="2"/>
+              <a:buChar char="u"/>
+            </a:pPr>
+            <a:endParaRPr lang="en-US" altLang="zh-CN" sz="2400" b="1" dirty="0">
+              <a:solidFill>
+                <a:schemeClr val="tx2">
+                  <a:lumMod val="75000"/>
+                </a:schemeClr>
+              </a:solidFill>
+              <a:latin typeface="微软雅黑" panose="020B0503020204020204" pitchFamily="34" charset="-122"/>
+              <a:ea typeface="微软雅黑" panose="020B0503020204020204" pitchFamily="34" charset="-122"/>
+            </a:endParaRPr>
+          </a:p>
+          <a:p>
+            <a:pPr marL="800100" lvl="1" indent="-342900" fontAlgn="b">
+              <a:buFont typeface="Wingdings" panose="05000000000000000000" pitchFamily="2" charset="2"/>
+              <a:buChar char="u"/>
+            </a:pPr>
+            <a:endParaRPr lang="en-US" altLang="zh-CN" sz="2400" b="1" dirty="0">
+              <a:solidFill>
+                <a:schemeClr val="tx2">
+                  <a:lumMod val="75000"/>
+                </a:schemeClr>
+              </a:solidFill>
+              <a:latin typeface="微软雅黑" panose="020B0503020204020204" pitchFamily="34" charset="-122"/>
+              <a:ea typeface="微软雅黑" panose="020B0503020204020204" pitchFamily="34" charset="-122"/>
+            </a:endParaRPr>
+          </a:p>
+        </p:txBody>
+      </p:sp>
+      <p:graphicFrame>
+        <p:nvGraphicFramePr>
+          <p:cNvPr id="16" name="对象 15">
+            <a:extLst>
+              <a:ext uri="{FF2B5EF4-FFF2-40B4-BE49-F238E27FC236}">
+                <a16:creationId xmlns:a16="http://schemas.microsoft.com/office/drawing/2014/main" id="{9DC98AD4-EC1C-2EAD-59BC-31896A1B5498}"/>
+              </a:ext>
+            </a:extLst>
+          </p:cNvPr>
+          <p:cNvGraphicFramePr>
+            <a:graphicFrameLocks noChangeAspect="1"/>
+          </p:cNvGraphicFramePr>
+          <p:nvPr>
+            <p:extLst>
+              <p:ext uri="{D42A27DB-BD31-4B8C-83A1-F6EECF244321}">
+                <p14:modId xmlns:p14="http://schemas.microsoft.com/office/powerpoint/2010/main" val="1994664471"/>
+              </p:ext>
+            </p:extLst>
+          </p:nvPr>
+        </p:nvGraphicFramePr>
+        <p:xfrm>
+          <a:off x="3383868" y="4030187"/>
+          <a:ext cx="2376264" cy="1095565"/>
+        </p:xfrm>
+        <a:graphic>
+          <a:graphicData uri="http://schemas.openxmlformats.org/presentationml/2006/ole">
+            <mc:AlternateContent xmlns:mc="http://schemas.openxmlformats.org/markup-compatibility/2006">
+              <mc:Choice xmlns:v="urn:schemas-microsoft-com:vml" Requires="v">
+                <p:oleObj name="AxMath" r:id="rId5" imgW="911880" imgH="420840" progId="Equation.AxMath">
+                  <p:embed/>
+                </p:oleObj>
+              </mc:Choice>
+              <mc:Fallback>
+                <p:oleObj name="AxMath" r:id="rId5" imgW="911880" imgH="420840" progId="Equation.AxMath">
+                  <p:embed/>
+                  <p:pic>
+                    <p:nvPicPr>
+                      <p:cNvPr id="4" name="对象 3">
+                        <a:extLst>
+                          <a:ext uri="{FF2B5EF4-FFF2-40B4-BE49-F238E27FC236}">
+                            <a16:creationId xmlns:a16="http://schemas.microsoft.com/office/drawing/2014/main" id="{25C329A1-24B1-578B-5FE5-3351829B5475}"/>
+                          </a:ext>
+                        </a:extLst>
+                      </p:cNvPr>
+                      <p:cNvPicPr/>
+                      <p:nvPr/>
+                    </p:nvPicPr>
+                    <p:blipFill>
+                      <a:blip r:embed="rId6"/>
+                      <a:stretch>
+                        <a:fillRect/>
+                      </a:stretch>
+                    </p:blipFill>
+                    <p:spPr>
+                      <a:xfrm>
+                        <a:off x="3383868" y="4030187"/>
+                        <a:ext cx="2376264" cy="1095565"/>
+                      </a:xfrm>
+                      <a:prstGeom prst="rect">
+                        <a:avLst/>
+                      </a:prstGeom>
+                    </p:spPr>
+                  </p:pic>
+                </p:oleObj>
+              </mc:Fallback>
+            </mc:AlternateContent>
+          </a:graphicData>
+        </a:graphic>
+      </p:graphicFrame>
+      <p:graphicFrame>
+        <p:nvGraphicFramePr>
+          <p:cNvPr id="17" name="对象 16">
+            <a:extLst>
+              <a:ext uri="{FF2B5EF4-FFF2-40B4-BE49-F238E27FC236}">
+                <a16:creationId xmlns:a16="http://schemas.microsoft.com/office/drawing/2014/main" id="{0984B97B-4CDB-32AD-1224-AF0F0055D61D}"/>
+              </a:ext>
+            </a:extLst>
+          </p:cNvPr>
+          <p:cNvGraphicFramePr>
+            <a:graphicFrameLocks noChangeAspect="1"/>
+          </p:cNvGraphicFramePr>
+          <p:nvPr>
+            <p:extLst>
+              <p:ext uri="{D42A27DB-BD31-4B8C-83A1-F6EECF244321}">
+                <p14:modId xmlns:p14="http://schemas.microsoft.com/office/powerpoint/2010/main" val="925899767"/>
+              </p:ext>
+            </p:extLst>
+          </p:nvPr>
+        </p:nvGraphicFramePr>
+        <p:xfrm>
+          <a:off x="559422" y="3986378"/>
+          <a:ext cx="2274874" cy="1080120"/>
+        </p:xfrm>
+        <a:graphic>
+          <a:graphicData uri="http://schemas.openxmlformats.org/presentationml/2006/ole">
+            <mc:AlternateContent xmlns:mc="http://schemas.openxmlformats.org/markup-compatibility/2006">
+              <mc:Choice xmlns:v="urn:schemas-microsoft-com:vml" Requires="v">
+                <p:oleObj name="AxMath" r:id="rId7" imgW="957240" imgH="453960" progId="Equation.AxMath">
+                  <p:embed/>
+                </p:oleObj>
+              </mc:Choice>
+              <mc:Fallback>
+                <p:oleObj name="AxMath" r:id="rId7" imgW="957240" imgH="453960" progId="Equation.AxMath">
+                  <p:embed/>
+                  <p:pic>
+                    <p:nvPicPr>
+                      <p:cNvPr id="5" name="对象 4">
+                        <a:extLst>
+                          <a:ext uri="{FF2B5EF4-FFF2-40B4-BE49-F238E27FC236}">
+                            <a16:creationId xmlns:a16="http://schemas.microsoft.com/office/drawing/2014/main" id="{157EDFA5-7056-00C5-B7F4-C5DC1263D6D3}"/>
+                          </a:ext>
+                        </a:extLst>
+                      </p:cNvPr>
+                      <p:cNvPicPr/>
+                      <p:nvPr/>
+                    </p:nvPicPr>
+                    <p:blipFill>
+                      <a:blip r:embed="rId8"/>
+                      <a:stretch>
+                        <a:fillRect/>
+                      </a:stretch>
+                    </p:blipFill>
+                    <p:spPr>
+                      <a:xfrm>
+                        <a:off x="559422" y="3986378"/>
+                        <a:ext cx="2274874" cy="1080120"/>
+                      </a:xfrm>
+                      <a:prstGeom prst="rect">
+                        <a:avLst/>
+                      </a:prstGeom>
+                    </p:spPr>
+                  </p:pic>
+                </p:oleObj>
+              </mc:Fallback>
+            </mc:AlternateContent>
+          </a:graphicData>
+        </a:graphic>
+      </p:graphicFrame>
+    </p:spTree>
+    <p:extLst>
+      <p:ext uri="{BB962C8B-B14F-4D97-AF65-F5344CB8AC3E}">
+        <p14:creationId xmlns:p14="http://schemas.microsoft.com/office/powerpoint/2010/main" val="1793175340"/>
+      </p:ext>
+    </p:extLst>
+  </p:cSld>
+  <p:clrMapOvr>
+    <a:masterClrMapping/>
+  </p:clrMapOvr>
+  <mc:AlternateContent xmlns:mc="http://schemas.openxmlformats.org/markup-compatibility/2006" xmlns:p159="http://schemas.microsoft.com/office/powerpoint/2015/09/main">
+    <mc:Choice Requires="p159">
+      <p:transition spd="med">
+        <p159:morph option="byWord"/>
+      </p:transition>
+    </mc:Choice>
+    <mc:Fallback xmlns="">
+      <p:transition spd="med">
+        <p:fade/>
+      </p:transition>
+    </mc:Fallback>
+  </mc:AlternateContent>
+</p:sld>
+</file>
+
+<file path=ppt/slides/slide22.xml><?xml version="1.0" encoding="utf-8"?>
+<p:sld xmlns:a="http://schemas.openxmlformats.org/drawingml/2006/main" xmlns:r="http://schemas.openxmlformats.org/officeDocument/2006/relationships" xmlns:p="http://schemas.openxmlformats.org/presentationml/2006/main">
+  <p:cSld>
+    <p:spTree>
+      <p:nvGrpSpPr>
+        <p:cNvPr id="1" name=""/>
+        <p:cNvGrpSpPr/>
+        <p:nvPr/>
+      </p:nvGrpSpPr>
+      <p:grpSpPr>
+        <a:xfrm>
+          <a:off x="0" y="0"/>
+          <a:ext cx="0" cy="0"/>
+          <a:chOff x="0" y="0"/>
+          <a:chExt cx="0" cy="0"/>
+        </a:xfrm>
+      </p:grpSpPr>
+      <p:sp>
+        <p:nvSpPr>
+          <p:cNvPr id="12" name="矩形 2">
+            <a:extLst>
+              <a:ext uri="{FF2B5EF4-FFF2-40B4-BE49-F238E27FC236}">
+                <a16:creationId xmlns:a16="http://schemas.microsoft.com/office/drawing/2014/main" id="{01D1EA62-D4B9-4AA3-A630-1C26AB4845D5}"/>
+              </a:ext>
+            </a:extLst>
+          </p:cNvPr>
+          <p:cNvSpPr/>
+          <p:nvPr>
+            <p:custDataLst>
+              <p:tags r:id="rId1"/>
+            </p:custDataLst>
+          </p:nvPr>
+        </p:nvSpPr>
+        <p:spPr>
+          <a:xfrm>
+            <a:off x="4665810" y="49008"/>
+            <a:ext cx="4199426" cy="376555"/>
+          </a:xfrm>
+          <a:prstGeom prst="rect">
+            <a:avLst/>
+          </a:prstGeom>
+          <a:solidFill>
+            <a:schemeClr val="bg1"/>
+          </a:solidFill>
+          <a:ln w="25400">
+            <a:noFill/>
+          </a:ln>
+        </p:spPr>
+        <p:txBody>
+          <a:bodyPr wrap="square">
+            <a:noAutofit/>
+          </a:bodyPr>
+          <a:lstStyle/>
+          <a:p>
+            <a:pPr algn="r"/>
+            <a:r>
+              <a:rPr lang="zh-CN" altLang="en-US" sz="2400" b="1" dirty="0">
+                <a:solidFill>
+                  <a:schemeClr val="accent1">
+                    <a:lumMod val="75000"/>
+                  </a:schemeClr>
+                </a:solidFill>
+                <a:latin typeface="微软雅黑" panose="020B0503020204020204" pitchFamily="34" charset="-122"/>
+                <a:ea typeface="微软雅黑" panose="020B0503020204020204" pitchFamily="34" charset="-122"/>
+              </a:rPr>
+              <a:t>最小二乘法的四大变式</a:t>
+            </a:r>
+            <a:r>
+              <a:rPr lang="en-US" altLang="zh-CN" sz="2400" b="1" dirty="0">
+                <a:solidFill>
+                  <a:schemeClr val="accent1">
+                    <a:lumMod val="75000"/>
+                  </a:schemeClr>
+                </a:solidFill>
+                <a:latin typeface="微软雅黑" panose="020B0503020204020204" pitchFamily="34" charset="-122"/>
+                <a:ea typeface="微软雅黑" panose="020B0503020204020204" pitchFamily="34" charset="-122"/>
+              </a:rPr>
+              <a:t>(6/9)</a:t>
+            </a:r>
+            <a:endParaRPr lang="zh-CN" altLang="en-US" sz="2400" b="1" dirty="0">
+              <a:solidFill>
+                <a:schemeClr val="accent1">
+                  <a:lumMod val="75000"/>
+                </a:schemeClr>
+              </a:solidFill>
+              <a:latin typeface="微软雅黑" panose="020B0503020204020204" pitchFamily="34" charset="-122"/>
+              <a:ea typeface="微软雅黑" panose="020B0503020204020204" pitchFamily="34" charset="-122"/>
+            </a:endParaRPr>
+          </a:p>
+        </p:txBody>
+      </p:sp>
+      <p:sp>
+        <p:nvSpPr>
+          <p:cNvPr id="4" name="矩形: 圆角 3">
+            <a:extLst>
+              <a:ext uri="{FF2B5EF4-FFF2-40B4-BE49-F238E27FC236}">
+                <a16:creationId xmlns:a16="http://schemas.microsoft.com/office/drawing/2014/main" id="{EA959C72-5560-A904-36E8-B7925FC1FB6B}"/>
+              </a:ext>
+            </a:extLst>
+          </p:cNvPr>
+          <p:cNvSpPr/>
+          <p:nvPr/>
+        </p:nvSpPr>
+        <p:spPr>
+          <a:xfrm>
+            <a:off x="7380312" y="917059"/>
+            <a:ext cx="1152128" cy="648072"/>
+          </a:xfrm>
+          <a:prstGeom prst="roundRect">
+            <a:avLst/>
+          </a:prstGeom>
+          <a:ln>
+            <a:noFill/>
+          </a:ln>
+        </p:spPr>
+        <p:style>
+          <a:lnRef idx="2">
+            <a:schemeClr val="accent1">
+              <a:shade val="50000"/>
+            </a:schemeClr>
+          </a:lnRef>
+          <a:fillRef idx="1">
+            <a:schemeClr val="accent1"/>
+          </a:fillRef>
+          <a:effectRef idx="0">
+            <a:schemeClr val="accent1"/>
+          </a:effectRef>
+          <a:fontRef idx="minor">
+            <a:schemeClr val="lt1"/>
+          </a:fontRef>
+        </p:style>
+        <p:txBody>
+          <a:bodyPr rtlCol="0" anchor="ctr"/>
+          <a:lstStyle/>
+          <a:p>
+            <a:pPr algn="ctr"/>
+            <a:r>
+              <a:rPr lang="en-US" altLang="zh-CN" sz="2800" b="1" dirty="0">
+                <a:solidFill>
+                  <a:schemeClr val="tx2">
+                    <a:lumMod val="40000"/>
+                    <a:lumOff val="60000"/>
+                  </a:schemeClr>
+                </a:solidFill>
+              </a:rPr>
+              <a:t>OLS</a:t>
+            </a:r>
+            <a:endParaRPr lang="zh-CN" altLang="en-US" sz="2800" b="1" dirty="0">
+              <a:solidFill>
+                <a:schemeClr val="tx2">
+                  <a:lumMod val="40000"/>
+                  <a:lumOff val="60000"/>
+                </a:schemeClr>
+              </a:solidFill>
+            </a:endParaRPr>
+          </a:p>
+        </p:txBody>
+      </p:sp>
+      <p:sp>
+        <p:nvSpPr>
+          <p:cNvPr id="5" name="矩形: 圆角 4">
+            <a:extLst>
+              <a:ext uri="{FF2B5EF4-FFF2-40B4-BE49-F238E27FC236}">
+                <a16:creationId xmlns:a16="http://schemas.microsoft.com/office/drawing/2014/main" id="{D0C1DD57-63D3-C18C-5579-4B885B6EFF71}"/>
+              </a:ext>
+            </a:extLst>
+          </p:cNvPr>
+          <p:cNvSpPr/>
+          <p:nvPr/>
+        </p:nvSpPr>
+        <p:spPr>
+          <a:xfrm>
+            <a:off x="7387128" y="2115687"/>
+            <a:ext cx="1152128" cy="648072"/>
+          </a:xfrm>
+          <a:prstGeom prst="roundRect">
+            <a:avLst/>
+          </a:prstGeom>
+          <a:ln>
+            <a:noFill/>
+          </a:ln>
+        </p:spPr>
+        <p:style>
+          <a:lnRef idx="2">
+            <a:schemeClr val="accent1">
+              <a:shade val="50000"/>
+            </a:schemeClr>
+          </a:lnRef>
+          <a:fillRef idx="1">
+            <a:schemeClr val="accent1"/>
+          </a:fillRef>
+          <a:effectRef idx="0">
+            <a:schemeClr val="accent1"/>
+          </a:effectRef>
+          <a:fontRef idx="minor">
+            <a:schemeClr val="lt1"/>
+          </a:fontRef>
+        </p:style>
+        <p:txBody>
+          <a:bodyPr rtlCol="0" anchor="ctr"/>
+          <a:lstStyle/>
+          <a:p>
+            <a:pPr algn="ctr"/>
+            <a:r>
+              <a:rPr lang="en-US" altLang="zh-CN" sz="2800" b="1" dirty="0">
+                <a:solidFill>
+                  <a:schemeClr val="tx2">
+                    <a:lumMod val="40000"/>
+                    <a:lumOff val="60000"/>
+                  </a:schemeClr>
+                </a:solidFill>
+              </a:rPr>
+              <a:t>WLS</a:t>
+            </a:r>
+            <a:endParaRPr lang="zh-CN" altLang="en-US" sz="2800" b="1" dirty="0">
+              <a:solidFill>
+                <a:schemeClr val="tx2">
+                  <a:lumMod val="40000"/>
+                  <a:lumOff val="60000"/>
+                </a:schemeClr>
+              </a:solidFill>
+            </a:endParaRPr>
+          </a:p>
+        </p:txBody>
+      </p:sp>
+      <p:sp>
+        <p:nvSpPr>
+          <p:cNvPr id="7" name="矩形: 圆角 6">
+            <a:extLst>
+              <a:ext uri="{FF2B5EF4-FFF2-40B4-BE49-F238E27FC236}">
+                <a16:creationId xmlns:a16="http://schemas.microsoft.com/office/drawing/2014/main" id="{64943B9A-F4B7-F2C0-E2E5-1C4C23C43EC1}"/>
+              </a:ext>
+            </a:extLst>
+          </p:cNvPr>
+          <p:cNvSpPr/>
+          <p:nvPr/>
+        </p:nvSpPr>
+        <p:spPr>
+          <a:xfrm>
+            <a:off x="7282522" y="3403212"/>
+            <a:ext cx="1361337" cy="759050"/>
+          </a:xfrm>
+          <a:prstGeom prst="roundRect">
+            <a:avLst/>
+          </a:prstGeom>
+          <a:ln>
+            <a:noFill/>
+          </a:ln>
+        </p:spPr>
+        <p:style>
+          <a:lnRef idx="2">
+            <a:schemeClr val="accent1">
+              <a:shade val="50000"/>
+            </a:schemeClr>
+          </a:lnRef>
+          <a:fillRef idx="1">
+            <a:schemeClr val="accent1"/>
+          </a:fillRef>
+          <a:effectRef idx="0">
+            <a:schemeClr val="accent1"/>
+          </a:effectRef>
+          <a:fontRef idx="minor">
+            <a:schemeClr val="lt1"/>
+          </a:fontRef>
+        </p:style>
+        <p:txBody>
+          <a:bodyPr rtlCol="0" anchor="ctr"/>
+          <a:lstStyle/>
+          <a:p>
+            <a:pPr algn="ctr"/>
+            <a:r>
+              <a:rPr lang="en-US" altLang="zh-CN" sz="2800" b="1" dirty="0">
+                <a:solidFill>
+                  <a:schemeClr val="accent1">
+                    <a:lumMod val="60000"/>
+                    <a:lumOff val="40000"/>
+                  </a:schemeClr>
+                </a:solidFill>
+              </a:rPr>
+              <a:t>WTLS</a:t>
+            </a:r>
+          </a:p>
+          <a:p>
+            <a:pPr algn="ctr"/>
+            <a:r>
+              <a:rPr lang="en-US" altLang="zh-CN" sz="1200" b="1" dirty="0">
+                <a:solidFill>
+                  <a:schemeClr val="accent1">
+                    <a:lumMod val="60000"/>
+                    <a:lumOff val="40000"/>
+                  </a:schemeClr>
+                </a:solidFill>
+              </a:rPr>
+              <a:t>w/o correlation</a:t>
+            </a:r>
+            <a:endParaRPr lang="zh-CN" altLang="en-US" sz="1200" b="1" dirty="0">
+              <a:solidFill>
+                <a:schemeClr val="accent1">
+                  <a:lumMod val="60000"/>
+                  <a:lumOff val="40000"/>
+                </a:schemeClr>
+              </a:solidFill>
+            </a:endParaRPr>
+          </a:p>
+        </p:txBody>
+      </p:sp>
+      <p:sp>
+        <p:nvSpPr>
+          <p:cNvPr id="8" name="矩形: 圆角 7">
+            <a:extLst>
+              <a:ext uri="{FF2B5EF4-FFF2-40B4-BE49-F238E27FC236}">
+                <a16:creationId xmlns:a16="http://schemas.microsoft.com/office/drawing/2014/main" id="{FED28F51-DBE7-EBA2-E9E0-B7C023E40CBB}"/>
+              </a:ext>
+            </a:extLst>
+          </p:cNvPr>
+          <p:cNvSpPr/>
+          <p:nvPr/>
+        </p:nvSpPr>
+        <p:spPr>
+          <a:xfrm>
+            <a:off x="6879662" y="4890615"/>
+            <a:ext cx="2153424" cy="648072"/>
+          </a:xfrm>
+          <a:prstGeom prst="roundRect">
+            <a:avLst/>
+          </a:prstGeom>
+          <a:ln>
+            <a:noFill/>
+          </a:ln>
+        </p:spPr>
+        <p:style>
+          <a:lnRef idx="2">
+            <a:schemeClr val="accent1">
+              <a:shade val="50000"/>
+            </a:schemeClr>
+          </a:lnRef>
+          <a:fillRef idx="1">
+            <a:schemeClr val="accent1"/>
+          </a:fillRef>
+          <a:effectRef idx="0">
+            <a:schemeClr val="accent1"/>
+          </a:effectRef>
+          <a:fontRef idx="minor">
+            <a:schemeClr val="lt1"/>
+          </a:fontRef>
+        </p:style>
+        <p:txBody>
+          <a:bodyPr rtlCol="0" anchor="ctr"/>
+          <a:lstStyle/>
+          <a:p>
+            <a:pPr algn="ctr"/>
+            <a:r>
+              <a:rPr lang="en-US" altLang="zh-CN" sz="2800" b="1" dirty="0">
+                <a:effectLst>
+                  <a:outerShdw blurRad="38100" dist="38100" dir="2700000" algn="tl">
+                    <a:srgbClr val="000000">
+                      <a:alpha val="43137"/>
+                    </a:srgbClr>
+                  </a:outerShdw>
+                </a:effectLst>
+              </a:rPr>
+              <a:t>**WTLS**</a:t>
+            </a:r>
+            <a:endParaRPr lang="zh-CN" altLang="en-US" sz="2800" b="1" dirty="0">
+              <a:effectLst>
+                <a:outerShdw blurRad="38100" dist="38100" dir="2700000" algn="tl">
+                  <a:srgbClr val="000000">
+                    <a:alpha val="43137"/>
+                  </a:srgbClr>
+                </a:outerShdw>
+              </a:effectLst>
+            </a:endParaRPr>
+          </a:p>
+        </p:txBody>
+      </p:sp>
+      <p:sp>
+        <p:nvSpPr>
+          <p:cNvPr id="9" name="箭头: 右 8">
+            <a:extLst>
+              <a:ext uri="{FF2B5EF4-FFF2-40B4-BE49-F238E27FC236}">
+                <a16:creationId xmlns:a16="http://schemas.microsoft.com/office/drawing/2014/main" id="{B0DCF526-7ADE-AE90-16FC-9BB98B731EB8}"/>
+              </a:ext>
+            </a:extLst>
+          </p:cNvPr>
+          <p:cNvSpPr/>
+          <p:nvPr/>
+        </p:nvSpPr>
+        <p:spPr>
+          <a:xfrm rot="5400000">
+            <a:off x="7761378" y="1719979"/>
+            <a:ext cx="389994" cy="240861"/>
+          </a:xfrm>
+          <a:prstGeom prst="rightArrow">
+            <a:avLst>
+              <a:gd name="adj1" fmla="val 35703"/>
+              <a:gd name="adj2" fmla="val 50000"/>
+            </a:avLst>
+          </a:prstGeom>
+        </p:spPr>
+        <p:style>
+          <a:lnRef idx="2">
+            <a:schemeClr val="accent1">
+              <a:shade val="50000"/>
+            </a:schemeClr>
+          </a:lnRef>
+          <a:fillRef idx="1">
+            <a:schemeClr val="accent1"/>
+          </a:fillRef>
+          <a:effectRef idx="0">
+            <a:schemeClr val="accent1"/>
+          </a:effectRef>
+          <a:fontRef idx="minor">
+            <a:schemeClr val="lt1"/>
+          </a:fontRef>
+        </p:style>
+        <p:txBody>
+          <a:bodyPr rtlCol="0" anchor="ctr"/>
+          <a:lstStyle/>
+          <a:p>
+            <a:pPr algn="ctr"/>
+            <a:endParaRPr lang="zh-CN" altLang="en-US"/>
+          </a:p>
+        </p:txBody>
+      </p:sp>
+      <p:sp>
+        <p:nvSpPr>
+          <p:cNvPr id="10" name="箭头: 右 9">
+            <a:extLst>
+              <a:ext uri="{FF2B5EF4-FFF2-40B4-BE49-F238E27FC236}">
+                <a16:creationId xmlns:a16="http://schemas.microsoft.com/office/drawing/2014/main" id="{68802577-1895-B2D1-7BDD-12BE7AF2DD87}"/>
+              </a:ext>
+            </a:extLst>
+          </p:cNvPr>
+          <p:cNvSpPr/>
+          <p:nvPr/>
+        </p:nvSpPr>
+        <p:spPr>
+          <a:xfrm rot="5400000">
+            <a:off x="7768194" y="2918606"/>
+            <a:ext cx="389994" cy="240861"/>
+          </a:xfrm>
+          <a:prstGeom prst="rightArrow">
+            <a:avLst>
+              <a:gd name="adj1" fmla="val 35703"/>
+              <a:gd name="adj2" fmla="val 50000"/>
+            </a:avLst>
+          </a:prstGeom>
+        </p:spPr>
+        <p:style>
+          <a:lnRef idx="2">
+            <a:schemeClr val="accent1">
+              <a:shade val="50000"/>
+            </a:schemeClr>
+          </a:lnRef>
+          <a:fillRef idx="1">
+            <a:schemeClr val="accent1"/>
+          </a:fillRef>
+          <a:effectRef idx="0">
+            <a:schemeClr val="accent1"/>
+          </a:effectRef>
+          <a:fontRef idx="minor">
+            <a:schemeClr val="lt1"/>
+          </a:fontRef>
+        </p:style>
+        <p:txBody>
+          <a:bodyPr rtlCol="0" anchor="ctr"/>
+          <a:lstStyle/>
+          <a:p>
+            <a:pPr algn="ctr"/>
+            <a:endParaRPr lang="zh-CN" altLang="en-US"/>
+          </a:p>
+        </p:txBody>
+      </p:sp>
+      <p:sp>
+        <p:nvSpPr>
+          <p:cNvPr id="11" name="箭头: 右 10">
+            <a:extLst>
+              <a:ext uri="{FF2B5EF4-FFF2-40B4-BE49-F238E27FC236}">
+                <a16:creationId xmlns:a16="http://schemas.microsoft.com/office/drawing/2014/main" id="{09A665D0-AA57-921B-7712-44A5797FDAFC}"/>
+              </a:ext>
+            </a:extLst>
+          </p:cNvPr>
+          <p:cNvSpPr/>
+          <p:nvPr/>
+        </p:nvSpPr>
+        <p:spPr>
+          <a:xfrm rot="5400000">
+            <a:off x="7761377" y="4406008"/>
+            <a:ext cx="389994" cy="240861"/>
+          </a:xfrm>
+          <a:prstGeom prst="rightArrow">
+            <a:avLst>
+              <a:gd name="adj1" fmla="val 35703"/>
+              <a:gd name="adj2" fmla="val 50000"/>
+            </a:avLst>
+          </a:prstGeom>
+        </p:spPr>
+        <p:style>
+          <a:lnRef idx="2">
+            <a:schemeClr val="accent1">
+              <a:shade val="50000"/>
+            </a:schemeClr>
+          </a:lnRef>
+          <a:fillRef idx="1">
+            <a:schemeClr val="accent1"/>
+          </a:fillRef>
+          <a:effectRef idx="0">
+            <a:schemeClr val="accent1"/>
+          </a:effectRef>
+          <a:fontRef idx="minor">
+            <a:schemeClr val="lt1"/>
+          </a:fontRef>
+        </p:style>
+        <p:txBody>
+          <a:bodyPr rtlCol="0" anchor="ctr"/>
+          <a:lstStyle/>
+          <a:p>
+            <a:pPr algn="ctr"/>
+            <a:endParaRPr lang="zh-CN" altLang="en-US"/>
+          </a:p>
+        </p:txBody>
+      </p:sp>
+      <p:sp>
+        <p:nvSpPr>
+          <p:cNvPr id="3" name="TextBox 11">
+            <a:extLst>
+              <a:ext uri="{FF2B5EF4-FFF2-40B4-BE49-F238E27FC236}">
+                <a16:creationId xmlns:a16="http://schemas.microsoft.com/office/drawing/2014/main" id="{BC8EAE27-B252-7766-98CF-9124E593489F}"/>
+              </a:ext>
+            </a:extLst>
+          </p:cNvPr>
+          <p:cNvSpPr txBox="1"/>
+          <p:nvPr>
+            <p:custDataLst>
+              <p:tags r:id="rId2"/>
+            </p:custDataLst>
+          </p:nvPr>
+        </p:nvSpPr>
+        <p:spPr>
+          <a:xfrm>
+            <a:off x="21961" y="985292"/>
+            <a:ext cx="6699590" cy="830997"/>
+          </a:xfrm>
+          <a:prstGeom prst="rect">
+            <a:avLst/>
+          </a:prstGeom>
+          <a:noFill/>
+        </p:spPr>
+        <p:txBody>
+          <a:bodyPr vert="horz" wrap="square" rtlCol="0">
+            <a:spAutoFit/>
+          </a:bodyPr>
+          <a:lstStyle/>
+          <a:p>
+            <a:pPr marL="342900" indent="-342900" fontAlgn="b">
+              <a:buFont typeface="Wingdings" panose="05000000000000000000" pitchFamily="2" charset="2"/>
+              <a:buChar char="u"/>
+            </a:pPr>
+            <a:r>
+              <a:rPr lang="zh-CN" altLang="en-US" sz="2400" b="1" dirty="0">
+                <a:solidFill>
+                  <a:schemeClr val="tx2">
+                    <a:lumMod val="75000"/>
+                  </a:schemeClr>
+                </a:solidFill>
+                <a:latin typeface="微软雅黑" panose="020B0503020204020204" pitchFamily="34" charset="-122"/>
+                <a:ea typeface="微软雅黑" panose="020B0503020204020204" pitchFamily="34" charset="-122"/>
+              </a:rPr>
+              <a:t>解决方案：</a:t>
+            </a:r>
+            <a:endParaRPr lang="en-US" altLang="zh-CN" sz="2400" b="1" dirty="0">
+              <a:solidFill>
+                <a:schemeClr val="tx2">
+                  <a:lumMod val="75000"/>
+                </a:schemeClr>
+              </a:solidFill>
+              <a:latin typeface="微软雅黑" panose="020B0503020204020204" pitchFamily="34" charset="-122"/>
+              <a:ea typeface="微软雅黑" panose="020B0503020204020204" pitchFamily="34" charset="-122"/>
+            </a:endParaRPr>
+          </a:p>
+          <a:p>
+            <a:pPr marL="800100" lvl="1" indent="-342900" fontAlgn="b">
+              <a:buFont typeface="Wingdings" panose="05000000000000000000" pitchFamily="2" charset="2"/>
+              <a:buChar char="u"/>
+            </a:pPr>
+            <a:endParaRPr lang="en-US" altLang="zh-CN" sz="2400" b="1" dirty="0">
+              <a:solidFill>
+                <a:schemeClr val="tx2">
+                  <a:lumMod val="75000"/>
+                </a:schemeClr>
+              </a:solidFill>
+              <a:latin typeface="微软雅黑" panose="020B0503020204020204" pitchFamily="34" charset="-122"/>
+              <a:ea typeface="微软雅黑" panose="020B0503020204020204" pitchFamily="34" charset="-122"/>
+            </a:endParaRPr>
+          </a:p>
+        </p:txBody>
+      </p:sp>
+    </p:spTree>
+    <p:extLst>
+      <p:ext uri="{BB962C8B-B14F-4D97-AF65-F5344CB8AC3E}">
+        <p14:creationId xmlns:p14="http://schemas.microsoft.com/office/powerpoint/2010/main" val="4032004823"/>
+      </p:ext>
+    </p:extLst>
+  </p:cSld>
+  <p:clrMapOvr>
+    <a:masterClrMapping/>
+  </p:clrMapOvr>
+  <mc:AlternateContent xmlns:mc="http://schemas.openxmlformats.org/markup-compatibility/2006" xmlns:p159="http://schemas.microsoft.com/office/powerpoint/2015/09/main">
+    <mc:Choice Requires="p159">
+      <p:transition spd="med">
+        <p159:morph option="byWord"/>
+      </p:transition>
+    </mc:Choice>
+    <mc:Fallback xmlns="">
+      <p:transition spd="med">
+        <p:fade/>
+      </p:transition>
+    </mc:Fallback>
+  </mc:AlternateContent>
+</p:sld>
+</file>
+
+<file path=ppt/slides/slide23.xml><?xml version="1.0" encoding="utf-8"?>
+<p:sld xmlns:a="http://schemas.openxmlformats.org/drawingml/2006/main" xmlns:r="http://schemas.openxmlformats.org/officeDocument/2006/relationships" xmlns:p="http://schemas.openxmlformats.org/presentationml/2006/main">
+  <p:cSld>
+    <p:spTree>
+      <p:nvGrpSpPr>
+        <p:cNvPr id="1" name=""/>
+        <p:cNvGrpSpPr/>
+        <p:nvPr/>
+      </p:nvGrpSpPr>
+      <p:grpSpPr>
+        <a:xfrm>
+          <a:off x="0" y="0"/>
+          <a:ext cx="0" cy="0"/>
+          <a:chOff x="0" y="0"/>
+          <a:chExt cx="0" cy="0"/>
+        </a:xfrm>
+      </p:grpSpPr>
+      <p:sp>
+        <p:nvSpPr>
+          <p:cNvPr id="12" name="矩形 2">
+            <a:extLst>
+              <a:ext uri="{FF2B5EF4-FFF2-40B4-BE49-F238E27FC236}">
+                <a16:creationId xmlns:a16="http://schemas.microsoft.com/office/drawing/2014/main" id="{01D1EA62-D4B9-4AA3-A630-1C26AB4845D5}"/>
+              </a:ext>
+            </a:extLst>
+          </p:cNvPr>
+          <p:cNvSpPr/>
+          <p:nvPr>
+            <p:custDataLst>
+              <p:tags r:id="rId1"/>
+            </p:custDataLst>
+          </p:nvPr>
+        </p:nvSpPr>
+        <p:spPr>
+          <a:xfrm>
+            <a:off x="4665810" y="49008"/>
+            <a:ext cx="4199426" cy="376555"/>
+          </a:xfrm>
+          <a:prstGeom prst="rect">
+            <a:avLst/>
+          </a:prstGeom>
+          <a:solidFill>
+            <a:schemeClr val="bg1"/>
+          </a:solidFill>
+          <a:ln w="25400">
+            <a:noFill/>
+          </a:ln>
+        </p:spPr>
+        <p:txBody>
+          <a:bodyPr wrap="square">
+            <a:noAutofit/>
+          </a:bodyPr>
+          <a:lstStyle/>
+          <a:p>
+            <a:pPr algn="r"/>
+            <a:r>
+              <a:rPr lang="zh-CN" altLang="en-US" sz="2400" b="1" dirty="0">
+                <a:solidFill>
+                  <a:schemeClr val="accent1">
+                    <a:lumMod val="75000"/>
+                  </a:schemeClr>
+                </a:solidFill>
+                <a:latin typeface="微软雅黑" panose="020B0503020204020204" pitchFamily="34" charset="-122"/>
+                <a:ea typeface="微软雅黑" panose="020B0503020204020204" pitchFamily="34" charset="-122"/>
+              </a:rPr>
+              <a:t>最小二乘法的四大变式</a:t>
+            </a:r>
+            <a:r>
+              <a:rPr lang="en-US" altLang="zh-CN" sz="2400" b="1" dirty="0">
+                <a:solidFill>
+                  <a:schemeClr val="accent1">
+                    <a:lumMod val="75000"/>
+                  </a:schemeClr>
+                </a:solidFill>
+                <a:latin typeface="微软雅黑" panose="020B0503020204020204" pitchFamily="34" charset="-122"/>
+                <a:ea typeface="微软雅黑" panose="020B0503020204020204" pitchFamily="34" charset="-122"/>
+              </a:rPr>
+              <a:t>(1/9)</a:t>
+            </a:r>
+            <a:endParaRPr lang="zh-CN" altLang="en-US" sz="2400" b="1" dirty="0">
+              <a:solidFill>
+                <a:schemeClr val="accent1">
+                  <a:lumMod val="75000"/>
+                </a:schemeClr>
+              </a:solidFill>
+              <a:latin typeface="微软雅黑" panose="020B0503020204020204" pitchFamily="34" charset="-122"/>
+              <a:ea typeface="微软雅黑" panose="020B0503020204020204" pitchFamily="34" charset="-122"/>
+            </a:endParaRPr>
+          </a:p>
+        </p:txBody>
+      </p:sp>
+      <p:sp>
+        <p:nvSpPr>
+          <p:cNvPr id="2" name="TextBox 11">
+            <a:extLst>
+              <a:ext uri="{FF2B5EF4-FFF2-40B4-BE49-F238E27FC236}">
+                <a16:creationId xmlns:a16="http://schemas.microsoft.com/office/drawing/2014/main" id="{961BEFA3-6099-D095-71EA-8E04B5D41F2D}"/>
+              </a:ext>
+            </a:extLst>
+          </p:cNvPr>
+          <p:cNvSpPr txBox="1"/>
+          <p:nvPr>
+            <p:custDataLst>
+              <p:tags r:id="rId2"/>
+            </p:custDataLst>
+          </p:nvPr>
+        </p:nvSpPr>
+        <p:spPr>
+          <a:xfrm>
+            <a:off x="107504" y="1057300"/>
+            <a:ext cx="5400600" cy="1015663"/>
+          </a:xfrm>
+          <a:prstGeom prst="rect">
+            <a:avLst/>
+          </a:prstGeom>
+          <a:noFill/>
+        </p:spPr>
+        <p:txBody>
+          <a:bodyPr vert="horz" wrap="square" rtlCol="0">
+            <a:spAutoFit/>
+          </a:bodyPr>
+          <a:lstStyle/>
+          <a:p>
+            <a:pPr marL="342900" indent="-342900" fontAlgn="b">
+              <a:buFont typeface="Wingdings" panose="05000000000000000000" pitchFamily="2" charset="2"/>
+              <a:buChar char="u"/>
+            </a:pPr>
+            <a:r>
+              <a:rPr lang="zh-CN" altLang="en-US" sz="2000" b="1" dirty="0">
+                <a:solidFill>
+                  <a:schemeClr val="tx2">
+                    <a:lumMod val="75000"/>
+                  </a:schemeClr>
+                </a:solidFill>
+                <a:latin typeface="微软雅黑" panose="020B0503020204020204" pitchFamily="34" charset="-122"/>
+                <a:ea typeface="微软雅黑" panose="020B0503020204020204" pitchFamily="34" charset="-122"/>
+              </a:rPr>
+              <a:t>术语缩写介绍：</a:t>
+            </a:r>
+            <a:endParaRPr lang="en-US" altLang="zh-CN" sz="2000" b="1" dirty="0">
+              <a:solidFill>
+                <a:schemeClr val="tx2">
+                  <a:lumMod val="75000"/>
+                </a:schemeClr>
+              </a:solidFill>
+              <a:latin typeface="微软雅黑" panose="020B0503020204020204" pitchFamily="34" charset="-122"/>
+              <a:ea typeface="微软雅黑" panose="020B0503020204020204" pitchFamily="34" charset="-122"/>
+            </a:endParaRPr>
+          </a:p>
+          <a:p>
+            <a:pPr marL="800100" lvl="1" indent="-342900" fontAlgn="b">
+              <a:buFont typeface="Wingdings" panose="05000000000000000000" pitchFamily="2" charset="2"/>
+              <a:buChar char="u"/>
+            </a:pPr>
+            <a:r>
+              <a:rPr lang="en-US" altLang="zh-CN" sz="2000" b="1" dirty="0">
+                <a:solidFill>
+                  <a:schemeClr val="tx2">
+                    <a:lumMod val="75000"/>
+                  </a:schemeClr>
+                </a:solidFill>
+                <a:latin typeface="微软雅黑" panose="020B0503020204020204" pitchFamily="34" charset="-122"/>
+                <a:ea typeface="微软雅黑" panose="020B0503020204020204" pitchFamily="34" charset="-122"/>
+              </a:rPr>
+              <a:t>LS(Least Square)</a:t>
+            </a:r>
+            <a:r>
+              <a:rPr lang="zh-CN" altLang="en-US" sz="2000" b="1" dirty="0">
+                <a:solidFill>
+                  <a:schemeClr val="tx2">
+                    <a:lumMod val="75000"/>
+                  </a:schemeClr>
+                </a:solidFill>
+                <a:latin typeface="微软雅黑" panose="020B0503020204020204" pitchFamily="34" charset="-122"/>
+                <a:ea typeface="微软雅黑" panose="020B0503020204020204" pitchFamily="34" charset="-122"/>
+              </a:rPr>
+              <a:t>：最小二乘法</a:t>
+            </a:r>
+            <a:endParaRPr lang="en-US" altLang="zh-CN" sz="2000" b="1" dirty="0">
+              <a:solidFill>
+                <a:schemeClr val="tx2">
+                  <a:lumMod val="75000"/>
+                </a:schemeClr>
+              </a:solidFill>
+              <a:latin typeface="微软雅黑" panose="020B0503020204020204" pitchFamily="34" charset="-122"/>
+              <a:ea typeface="微软雅黑" panose="020B0503020204020204" pitchFamily="34" charset="-122"/>
+            </a:endParaRPr>
+          </a:p>
+          <a:p>
+            <a:pPr marL="800100" lvl="1" indent="-342900" fontAlgn="b">
+              <a:buFont typeface="Wingdings" panose="05000000000000000000" pitchFamily="2" charset="2"/>
+              <a:buChar char="u"/>
+            </a:pPr>
+            <a:r>
+              <a:rPr lang="en-US" altLang="zh-CN" sz="2000" b="1" dirty="0">
+                <a:solidFill>
+                  <a:schemeClr val="tx2">
+                    <a:lumMod val="75000"/>
+                  </a:schemeClr>
+                </a:solidFill>
+                <a:latin typeface="微软雅黑" panose="020B0503020204020204" pitchFamily="34" charset="-122"/>
+                <a:ea typeface="微软雅黑" panose="020B0503020204020204" pitchFamily="34" charset="-122"/>
+              </a:rPr>
+              <a:t>OLS(Ordinary LS)</a:t>
+            </a:r>
+            <a:r>
+              <a:rPr lang="zh-CN" altLang="en-US" sz="2000" b="1" dirty="0">
+                <a:solidFill>
+                  <a:schemeClr val="tx2">
+                    <a:lumMod val="75000"/>
+                  </a:schemeClr>
+                </a:solidFill>
+                <a:latin typeface="微软雅黑" panose="020B0503020204020204" pitchFamily="34" charset="-122"/>
+                <a:ea typeface="微软雅黑" panose="020B0503020204020204" pitchFamily="34" charset="-122"/>
+              </a:rPr>
+              <a:t>：普通最小二乘法</a:t>
+            </a:r>
+          </a:p>
+        </p:txBody>
+      </p:sp>
+      <p:sp>
+        <p:nvSpPr>
+          <p:cNvPr id="4" name="矩形: 圆角 3">
+            <a:extLst>
+              <a:ext uri="{FF2B5EF4-FFF2-40B4-BE49-F238E27FC236}">
+                <a16:creationId xmlns:a16="http://schemas.microsoft.com/office/drawing/2014/main" id="{EA959C72-5560-A904-36E8-B7925FC1FB6B}"/>
+              </a:ext>
+            </a:extLst>
+          </p:cNvPr>
+          <p:cNvSpPr/>
+          <p:nvPr/>
+        </p:nvSpPr>
+        <p:spPr>
+          <a:xfrm>
+            <a:off x="7380312" y="917059"/>
+            <a:ext cx="1152128" cy="648072"/>
+          </a:xfrm>
+          <a:prstGeom prst="roundRect">
+            <a:avLst/>
+          </a:prstGeom>
+          <a:ln>
+            <a:noFill/>
+          </a:ln>
+        </p:spPr>
+        <p:style>
+          <a:lnRef idx="2">
+            <a:schemeClr val="accent1">
+              <a:shade val="50000"/>
+            </a:schemeClr>
+          </a:lnRef>
+          <a:fillRef idx="1">
+            <a:schemeClr val="accent1"/>
+          </a:fillRef>
+          <a:effectRef idx="0">
+            <a:schemeClr val="accent1"/>
+          </a:effectRef>
+          <a:fontRef idx="minor">
+            <a:schemeClr val="lt1"/>
+          </a:fontRef>
+        </p:style>
+        <p:txBody>
+          <a:bodyPr rtlCol="0" anchor="ctr"/>
+          <a:lstStyle/>
+          <a:p>
+            <a:pPr algn="ctr"/>
+            <a:r>
+              <a:rPr lang="en-US" altLang="zh-CN" sz="2800" b="1" dirty="0">
+                <a:effectLst>
+                  <a:outerShdw blurRad="38100" dist="38100" dir="2700000" algn="tl">
+                    <a:srgbClr val="000000">
+                      <a:alpha val="43137"/>
+                    </a:srgbClr>
+                  </a:outerShdw>
+                </a:effectLst>
+              </a:rPr>
+              <a:t>OLS</a:t>
+            </a:r>
+            <a:endParaRPr lang="zh-CN" altLang="en-US" sz="2800" b="1" dirty="0">
+              <a:effectLst>
+                <a:outerShdw blurRad="38100" dist="38100" dir="2700000" algn="tl">
+                  <a:srgbClr val="000000">
+                    <a:alpha val="43137"/>
+                  </a:srgbClr>
+                </a:outerShdw>
+              </a:effectLst>
+            </a:endParaRPr>
+          </a:p>
+        </p:txBody>
+      </p:sp>
+      <p:sp>
+        <p:nvSpPr>
+          <p:cNvPr id="5" name="矩形: 圆角 4">
+            <a:extLst>
+              <a:ext uri="{FF2B5EF4-FFF2-40B4-BE49-F238E27FC236}">
+                <a16:creationId xmlns:a16="http://schemas.microsoft.com/office/drawing/2014/main" id="{D0C1DD57-63D3-C18C-5579-4B885B6EFF71}"/>
+              </a:ext>
+            </a:extLst>
+          </p:cNvPr>
+          <p:cNvSpPr/>
+          <p:nvPr/>
+        </p:nvSpPr>
+        <p:spPr>
+          <a:xfrm>
+            <a:off x="7387128" y="2115687"/>
+            <a:ext cx="1152128" cy="648072"/>
+          </a:xfrm>
+          <a:prstGeom prst="roundRect">
+            <a:avLst/>
+          </a:prstGeom>
+          <a:ln>
+            <a:noFill/>
+          </a:ln>
+        </p:spPr>
+        <p:style>
+          <a:lnRef idx="2">
+            <a:schemeClr val="accent1">
+              <a:shade val="50000"/>
+            </a:schemeClr>
+          </a:lnRef>
+          <a:fillRef idx="1">
+            <a:schemeClr val="accent1"/>
+          </a:fillRef>
+          <a:effectRef idx="0">
+            <a:schemeClr val="accent1"/>
+          </a:effectRef>
+          <a:fontRef idx="minor">
+            <a:schemeClr val="lt1"/>
+          </a:fontRef>
+        </p:style>
+        <p:txBody>
+          <a:bodyPr rtlCol="0" anchor="ctr"/>
+          <a:lstStyle/>
+          <a:p>
+            <a:pPr algn="ctr"/>
+            <a:r>
+              <a:rPr lang="en-US" altLang="zh-CN" sz="2800" b="1" dirty="0">
+                <a:effectLst>
+                  <a:outerShdw blurRad="38100" dist="38100" dir="2700000" algn="tl">
+                    <a:srgbClr val="000000">
+                      <a:alpha val="43137"/>
+                    </a:srgbClr>
+                  </a:outerShdw>
+                </a:effectLst>
+              </a:rPr>
+              <a:t>OLS</a:t>
+            </a:r>
+            <a:endParaRPr lang="zh-CN" altLang="en-US" sz="2800" b="1" dirty="0">
+              <a:effectLst>
+                <a:outerShdw blurRad="38100" dist="38100" dir="2700000" algn="tl">
+                  <a:srgbClr val="000000">
+                    <a:alpha val="43137"/>
+                  </a:srgbClr>
+                </a:outerShdw>
+              </a:effectLst>
+            </a:endParaRPr>
+          </a:p>
+        </p:txBody>
+      </p:sp>
+      <p:sp>
+        <p:nvSpPr>
+          <p:cNvPr id="7" name="矩形: 圆角 6">
+            <a:extLst>
+              <a:ext uri="{FF2B5EF4-FFF2-40B4-BE49-F238E27FC236}">
+                <a16:creationId xmlns:a16="http://schemas.microsoft.com/office/drawing/2014/main" id="{64943B9A-F4B7-F2C0-E2E5-1C4C23C43EC1}"/>
+              </a:ext>
+            </a:extLst>
+          </p:cNvPr>
+          <p:cNvSpPr/>
+          <p:nvPr/>
+        </p:nvSpPr>
+        <p:spPr>
+          <a:xfrm>
+            <a:off x="7380312" y="3314315"/>
+            <a:ext cx="1152128" cy="648072"/>
+          </a:xfrm>
+          <a:prstGeom prst="roundRect">
+            <a:avLst/>
+          </a:prstGeom>
+          <a:ln>
+            <a:noFill/>
+          </a:ln>
+        </p:spPr>
+        <p:style>
+          <a:lnRef idx="2">
+            <a:schemeClr val="accent1">
+              <a:shade val="50000"/>
+            </a:schemeClr>
+          </a:lnRef>
+          <a:fillRef idx="1">
+            <a:schemeClr val="accent1"/>
+          </a:fillRef>
+          <a:effectRef idx="0">
+            <a:schemeClr val="accent1"/>
+          </a:effectRef>
+          <a:fontRef idx="minor">
+            <a:schemeClr val="lt1"/>
+          </a:fontRef>
+        </p:style>
+        <p:txBody>
+          <a:bodyPr rtlCol="0" anchor="ctr"/>
+          <a:lstStyle/>
+          <a:p>
+            <a:pPr algn="ctr"/>
+            <a:r>
+              <a:rPr lang="en-US" altLang="zh-CN" sz="2800" b="1" dirty="0">
+                <a:effectLst>
+                  <a:outerShdw blurRad="38100" dist="38100" dir="2700000" algn="tl">
+                    <a:srgbClr val="000000">
+                      <a:alpha val="43137"/>
+                    </a:srgbClr>
+                  </a:outerShdw>
+                </a:effectLst>
+              </a:rPr>
+              <a:t>OLS</a:t>
+            </a:r>
+            <a:endParaRPr lang="zh-CN" altLang="en-US" sz="2800" b="1" dirty="0">
+              <a:effectLst>
+                <a:outerShdw blurRad="38100" dist="38100" dir="2700000" algn="tl">
+                  <a:srgbClr val="000000">
+                    <a:alpha val="43137"/>
+                  </a:srgbClr>
+                </a:outerShdw>
+              </a:effectLst>
+            </a:endParaRPr>
+          </a:p>
+        </p:txBody>
+      </p:sp>
+      <p:sp>
+        <p:nvSpPr>
+          <p:cNvPr id="8" name="矩形: 圆角 7">
+            <a:extLst>
+              <a:ext uri="{FF2B5EF4-FFF2-40B4-BE49-F238E27FC236}">
+                <a16:creationId xmlns:a16="http://schemas.microsoft.com/office/drawing/2014/main" id="{FED28F51-DBE7-EBA2-E9E0-B7C023E40CBB}"/>
+              </a:ext>
+            </a:extLst>
+          </p:cNvPr>
+          <p:cNvSpPr/>
+          <p:nvPr/>
+        </p:nvSpPr>
+        <p:spPr>
+          <a:xfrm>
+            <a:off x="7380312" y="4512943"/>
+            <a:ext cx="1152128" cy="648072"/>
+          </a:xfrm>
+          <a:prstGeom prst="roundRect">
+            <a:avLst/>
+          </a:prstGeom>
+          <a:ln>
+            <a:noFill/>
+          </a:ln>
+        </p:spPr>
+        <p:style>
+          <a:lnRef idx="2">
+            <a:schemeClr val="accent1">
+              <a:shade val="50000"/>
+            </a:schemeClr>
+          </a:lnRef>
+          <a:fillRef idx="1">
+            <a:schemeClr val="accent1"/>
+          </a:fillRef>
+          <a:effectRef idx="0">
+            <a:schemeClr val="accent1"/>
+          </a:effectRef>
+          <a:fontRef idx="minor">
+            <a:schemeClr val="lt1"/>
+          </a:fontRef>
+        </p:style>
+        <p:txBody>
+          <a:bodyPr rtlCol="0" anchor="ctr"/>
+          <a:lstStyle/>
+          <a:p>
+            <a:pPr algn="ctr"/>
+            <a:r>
+              <a:rPr lang="en-US" altLang="zh-CN" sz="2800" b="1" dirty="0">
+                <a:effectLst>
+                  <a:outerShdw blurRad="38100" dist="38100" dir="2700000" algn="tl">
+                    <a:srgbClr val="000000">
+                      <a:alpha val="43137"/>
+                    </a:srgbClr>
+                  </a:outerShdw>
+                </a:effectLst>
+              </a:rPr>
+              <a:t>OLS</a:t>
+            </a:r>
+            <a:endParaRPr lang="zh-CN" altLang="en-US" sz="2800" b="1" dirty="0">
+              <a:effectLst>
+                <a:outerShdw blurRad="38100" dist="38100" dir="2700000" algn="tl">
+                  <a:srgbClr val="000000">
+                    <a:alpha val="43137"/>
+                  </a:srgbClr>
+                </a:outerShdw>
+              </a:effectLst>
+            </a:endParaRPr>
+          </a:p>
+        </p:txBody>
+      </p:sp>
+    </p:spTree>
+    <p:extLst>
+      <p:ext uri="{BB962C8B-B14F-4D97-AF65-F5344CB8AC3E}">
+        <p14:creationId xmlns:p14="http://schemas.microsoft.com/office/powerpoint/2010/main" val="1094986451"/>
+      </p:ext>
+    </p:extLst>
+  </p:cSld>
+  <p:clrMapOvr>
+    <a:masterClrMapping/>
+  </p:clrMapOvr>
+  <mc:AlternateContent xmlns:mc="http://schemas.openxmlformats.org/markup-compatibility/2006" xmlns:p159="http://schemas.microsoft.com/office/powerpoint/2015/09/main">
+    <mc:Choice Requires="p159">
+      <p:transition spd="med">
+        <p159:morph option="byWord"/>
+      </p:transition>
+    </mc:Choice>
+    <mc:Fallback xmlns="">
+      <p:transition spd="med">
+        <p:fade/>
+      </p:transition>
+    </mc:Fallback>
+  </mc:AlternateContent>
+</p:sld>
+</file>
+
+<file path=ppt/slides/slide24.xml><?xml version="1.0" encoding="utf-8"?>
+<p:sld xmlns:a="http://schemas.openxmlformats.org/drawingml/2006/main" xmlns:r="http://schemas.openxmlformats.org/officeDocument/2006/relationships" xmlns:p="http://schemas.openxmlformats.org/presentationml/2006/main">
+  <p:cSld>
+    <p:spTree>
+      <p:nvGrpSpPr>
+        <p:cNvPr id="1" name=""/>
+        <p:cNvGrpSpPr/>
+        <p:nvPr/>
+      </p:nvGrpSpPr>
+      <p:grpSpPr>
+        <a:xfrm>
+          <a:off x="0" y="0"/>
+          <a:ext cx="0" cy="0"/>
+          <a:chOff x="0" y="0"/>
+          <a:chExt cx="0" cy="0"/>
+        </a:xfrm>
+      </p:grpSpPr>
+      <p:sp>
+        <p:nvSpPr>
           <p:cNvPr id="1048692" name="灯片编号占位符 2"/>
           <p:cNvSpPr>
             <a:spLocks noGrp="1"/>
@@ -23765,7 +28078,7 @@
             <a:pPr algn="r"/>
             <a:fld id="{4BB7B66E-7FFA-4300-8439-347A5E0E252A}" type="slidenum">
               <a:rPr lang="zh-CN" altLang="en-US" smtClean="0"/>
-              <a:t>20</a:t>
+              <a:t>24</a:t>
             </a:fld>
             <a:endParaRPr lang="zh-CN" altLang="en-US" dirty="0"/>
           </a:p>
@@ -24047,7 +28360,7 @@
 </p:sld>
 </file>
 
-<file path=ppt/slides/slide21.xml><?xml version="1.0" encoding="utf-8"?>
+<file path=ppt/slides/slide25.xml><?xml version="1.0" encoding="utf-8"?>
 <p:sld xmlns:a="http://schemas.openxmlformats.org/drawingml/2006/main" xmlns:r="http://schemas.openxmlformats.org/officeDocument/2006/relationships" xmlns:p="http://schemas.openxmlformats.org/presentationml/2006/main">
   <p:cSld>
     <p:spTree>
@@ -24186,7 +28499,7 @@
             <a:pPr algn="r"/>
             <a:fld id="{4BB7B66E-7FFA-4300-8439-347A5E0E252A}" type="slidenum">
               <a:rPr lang="zh-CN" altLang="en-US" smtClean="0"/>
-              <a:t>21</a:t>
+              <a:t>25</a:t>
             </a:fld>
             <a:endParaRPr lang="zh-CN" altLang="en-US" dirty="0"/>
           </a:p>
@@ -24960,7 +29273,7 @@
 </p:sld>
 </file>
 
-<file path=ppt/slides/slide22.xml><?xml version="1.0" encoding="utf-8"?>
+<file path=ppt/slides/slide26.xml><?xml version="1.0" encoding="utf-8"?>
 <p:sld xmlns:a="http://schemas.openxmlformats.org/drawingml/2006/main" xmlns:r="http://schemas.openxmlformats.org/officeDocument/2006/relationships" xmlns:p="http://schemas.openxmlformats.org/presentationml/2006/main">
   <p:cSld>
     <p:spTree>
@@ -25255,7 +29568,7 @@
             <a:pPr algn="r"/>
             <a:fld id="{4BB7B66E-7FFA-4300-8439-347A5E0E252A}" type="slidenum">
               <a:rPr lang="zh-CN" altLang="en-US" smtClean="0"/>
-              <a:t>22</a:t>
+              <a:t>26</a:t>
             </a:fld>
             <a:endParaRPr lang="zh-CN" altLang="en-US" dirty="0"/>
           </a:p>
@@ -25281,7 +29594,7 @@
 </p:sld>
 </file>
 
-<file path=ppt/slides/slide23.xml><?xml version="1.0" encoding="utf-8"?>
+<file path=ppt/slides/slide27.xml><?xml version="1.0" encoding="utf-8"?>
 <p:sld xmlns:a="http://schemas.openxmlformats.org/drawingml/2006/main" xmlns:r="http://schemas.openxmlformats.org/officeDocument/2006/relationships" xmlns:p="http://schemas.openxmlformats.org/presentationml/2006/main">
   <p:cSld>
     <p:spTree>
@@ -26121,7 +30434,7 @@
 </p:sld>
 </file>
 
-<file path=ppt/slides/slide24.xml><?xml version="1.0" encoding="utf-8"?>
+<file path=ppt/slides/slide28.xml><?xml version="1.0" encoding="utf-8"?>
 <p:sld xmlns:a="http://schemas.openxmlformats.org/drawingml/2006/main" xmlns:r="http://schemas.openxmlformats.org/officeDocument/2006/relationships" xmlns:p="http://schemas.openxmlformats.org/presentationml/2006/main">
   <p:cSld>
     <p:spTree>
@@ -26335,7 +30648,7 @@
 </p:sld>
 </file>
 
-<file path=ppt/slides/slide25.xml><?xml version="1.0" encoding="utf-8"?>
+<file path=ppt/slides/slide29.xml><?xml version="1.0" encoding="utf-8"?>
 <p:sld xmlns:a="http://schemas.openxmlformats.org/drawingml/2006/main" xmlns:r="http://schemas.openxmlformats.org/officeDocument/2006/relationships" xmlns:p="http://schemas.openxmlformats.org/presentationml/2006/main">
   <p:cSld>
     <p:spTree>
@@ -27119,7 +31432,328 @@
 </p:sld>
 </file>
 
-<file path=ppt/slides/slide26.xml><?xml version="1.0" encoding="utf-8"?>
+<file path=ppt/slides/slide3.xml><?xml version="1.0" encoding="utf-8"?>
+<p:sld xmlns:a="http://schemas.openxmlformats.org/drawingml/2006/main" xmlns:r="http://schemas.openxmlformats.org/officeDocument/2006/relationships" xmlns:p="http://schemas.openxmlformats.org/presentationml/2006/main">
+  <p:cSld>
+    <p:spTree>
+      <p:nvGrpSpPr>
+        <p:cNvPr id="1" name=""/>
+        <p:cNvGrpSpPr/>
+        <p:nvPr/>
+      </p:nvGrpSpPr>
+      <p:grpSpPr>
+        <a:xfrm>
+          <a:off x="0" y="0"/>
+          <a:ext cx="0" cy="0"/>
+          <a:chOff x="0" y="0"/>
+          <a:chExt cx="0" cy="0"/>
+        </a:xfrm>
+      </p:grpSpPr>
+      <p:sp>
+        <p:nvSpPr>
+          <p:cNvPr id="1048665" name="矩形 5"/>
+          <p:cNvSpPr/>
+          <p:nvPr/>
+        </p:nvSpPr>
+        <p:spPr>
+          <a:xfrm>
+            <a:off x="1907704" y="2209428"/>
+            <a:ext cx="6480720" cy="923330"/>
+          </a:xfrm>
+          <a:prstGeom prst="rect">
+            <a:avLst/>
+          </a:prstGeom>
+          <a:pattFill prst="pct50">
+            <a:fgClr>
+              <a:srgbClr val="0070C0"/>
+            </a:fgClr>
+            <a:bgClr>
+              <a:schemeClr val="tx2">
+                <a:lumMod val="75000"/>
+              </a:schemeClr>
+            </a:bgClr>
+          </a:pattFill>
+          <a:ln>
+            <a:noFill/>
+          </a:ln>
+        </p:spPr>
+        <p:style>
+          <a:lnRef idx="2">
+            <a:schemeClr val="accent1">
+              <a:shade val="50000"/>
+            </a:schemeClr>
+          </a:lnRef>
+          <a:fillRef idx="1">
+            <a:schemeClr val="accent1"/>
+          </a:fillRef>
+          <a:effectRef idx="0">
+            <a:schemeClr val="accent1"/>
+          </a:effectRef>
+          <a:fontRef idx="minor">
+            <a:schemeClr val="lt1"/>
+          </a:fontRef>
+        </p:style>
+        <p:txBody>
+          <a:bodyPr rot="0" spcFirstLastPara="0" vertOverflow="overflow" horzOverflow="overflow" vert="horz" wrap="square" lIns="91440" tIns="45720" rIns="91440" bIns="45720" numCol="1" spcCol="0" rtlCol="0" fromWordArt="0" anchor="ctr" anchorCtr="0" forceAA="0" compatLnSpc="1">
+            <a:noAutofit/>
+          </a:bodyPr>
+          <a:lstStyle/>
+          <a:p>
+            <a:pPr algn="ctr"/>
+            <a:endParaRPr lang="zh-CN" altLang="en-US"/>
+          </a:p>
+        </p:txBody>
+      </p:sp>
+      <p:sp>
+        <p:nvSpPr>
+          <p:cNvPr id="1048666" name="TextBox 3"/>
+          <p:cNvSpPr txBox="1"/>
+          <p:nvPr/>
+        </p:nvSpPr>
+        <p:spPr>
+          <a:xfrm>
+            <a:off x="2015716" y="2347927"/>
+            <a:ext cx="6408204" cy="646331"/>
+          </a:xfrm>
+          <a:prstGeom prst="rect">
+            <a:avLst/>
+          </a:prstGeom>
+          <a:noFill/>
+        </p:spPr>
+        <p:txBody>
+          <a:bodyPr vert="horz" wrap="square" rtlCol="0">
+            <a:spAutoFit/>
+          </a:bodyPr>
+          <a:lstStyle/>
+          <a:p>
+            <a:pPr algn="ctr" fontAlgn="b"/>
+            <a:r>
+              <a:rPr lang="zh-CN" altLang="en-US" sz="3600" b="1" dirty="0">
+                <a:solidFill>
+                  <a:schemeClr val="bg1"/>
+                </a:solidFill>
+                <a:latin typeface="微软雅黑" panose="020B0503020204020204" pitchFamily="34" charset="-122"/>
+                <a:ea typeface="微软雅黑" panose="020B0503020204020204" pitchFamily="34" charset="-122"/>
+              </a:rPr>
+              <a:t>求解声纳喷嘴参数的模型建立</a:t>
+            </a:r>
+          </a:p>
+        </p:txBody>
+      </p:sp>
+      <p:sp>
+        <p:nvSpPr>
+          <p:cNvPr id="1048667" name="泪滴形 4"/>
+          <p:cNvSpPr/>
+          <p:nvPr/>
+        </p:nvSpPr>
+        <p:spPr>
+          <a:xfrm>
+            <a:off x="755576" y="2209428"/>
+            <a:ext cx="1043726" cy="1043726"/>
+          </a:xfrm>
+          <a:prstGeom prst="teardrop">
+            <a:avLst/>
+          </a:prstGeom>
+          <a:pattFill prst="pct50">
+            <a:fgClr>
+              <a:srgbClr val="0070C0"/>
+            </a:fgClr>
+            <a:bgClr>
+              <a:schemeClr val="tx2">
+                <a:lumMod val="75000"/>
+              </a:schemeClr>
+            </a:bgClr>
+          </a:pattFill>
+          <a:ln>
+            <a:noFill/>
+          </a:ln>
+        </p:spPr>
+        <p:style>
+          <a:lnRef idx="2">
+            <a:schemeClr val="accent1">
+              <a:shade val="50000"/>
+            </a:schemeClr>
+          </a:lnRef>
+          <a:fillRef idx="1">
+            <a:schemeClr val="accent1"/>
+          </a:fillRef>
+          <a:effectRef idx="0">
+            <a:schemeClr val="accent1"/>
+          </a:effectRef>
+          <a:fontRef idx="minor">
+            <a:schemeClr val="lt1"/>
+          </a:fontRef>
+        </p:style>
+        <p:txBody>
+          <a:bodyPr rot="0" spcFirstLastPara="0" vertOverflow="overflow" horzOverflow="overflow" vert="horz" wrap="square" lIns="91440" tIns="45720" rIns="91440" bIns="45720" numCol="1" spcCol="0" rtlCol="0" fromWordArt="0" anchor="ctr" anchorCtr="0" forceAA="0" compatLnSpc="1">
+            <a:noAutofit/>
+          </a:bodyPr>
+          <a:lstStyle/>
+          <a:p>
+            <a:pPr algn="ctr"/>
+            <a:r>
+              <a:rPr lang="en-US" altLang="zh-CN" sz="6000" dirty="0">
+                <a:latin typeface="微软雅黑" panose="020B0503020204020204" pitchFamily="34" charset="-122"/>
+                <a:ea typeface="微软雅黑" panose="020B0503020204020204" pitchFamily="34" charset="-122"/>
+              </a:rPr>
+              <a:t>1</a:t>
+            </a:r>
+            <a:endParaRPr lang="zh-CN" altLang="en-US" sz="6000" dirty="0">
+              <a:latin typeface="微软雅黑" panose="020B0503020204020204" pitchFamily="34" charset="-122"/>
+              <a:ea typeface="微软雅黑" panose="020B0503020204020204" pitchFamily="34" charset="-122"/>
+            </a:endParaRPr>
+          </a:p>
+        </p:txBody>
+      </p:sp>
+      <p:sp>
+        <p:nvSpPr>
+          <p:cNvPr id="1048668" name="灯片编号占位符 2"/>
+          <p:cNvSpPr>
+            <a:spLocks noGrp="1"/>
+          </p:cNvSpPr>
+          <p:nvPr>
+            <p:custDataLst>
+              <p:tags r:id="rId1"/>
+            </p:custDataLst>
+          </p:nvPr>
+        </p:nvSpPr>
+        <p:spPr>
+          <a:xfrm>
+            <a:off x="7010400" y="5305214"/>
+            <a:ext cx="2133600" cy="304271"/>
+          </a:xfrm>
+          <a:prstGeom prst="rect">
+            <a:avLst/>
+          </a:prstGeom>
+        </p:spPr>
+        <p:txBody>
+          <a:bodyPr/>
+          <a:lstStyle>
+            <a:defPPr>
+              <a:defRPr lang="zh-CN"/>
+            </a:defPPr>
+            <a:lvl1pPr marL="0" algn="l" defTabSz="914400" rtl="0" eaLnBrk="1" latinLnBrk="0" hangingPunct="1">
+              <a:defRPr sz="1800" kern="1200">
+                <a:solidFill>
+                  <a:schemeClr val="tx1"/>
+                </a:solidFill>
+                <a:latin typeface="+mn-lt"/>
+                <a:ea typeface="+mn-ea"/>
+                <a:cs typeface="+mn-cs"/>
+              </a:defRPr>
+            </a:lvl1pPr>
+            <a:lvl2pPr marL="457200" algn="l" defTabSz="914400" rtl="0" eaLnBrk="1" latinLnBrk="0" hangingPunct="1">
+              <a:defRPr sz="1800" kern="1200">
+                <a:solidFill>
+                  <a:schemeClr val="tx1"/>
+                </a:solidFill>
+                <a:latin typeface="+mn-lt"/>
+                <a:ea typeface="+mn-ea"/>
+                <a:cs typeface="+mn-cs"/>
+              </a:defRPr>
+            </a:lvl2pPr>
+            <a:lvl3pPr marL="914400" algn="l" defTabSz="914400" rtl="0" eaLnBrk="1" latinLnBrk="0" hangingPunct="1">
+              <a:defRPr sz="1800" kern="1200">
+                <a:solidFill>
+                  <a:schemeClr val="tx1"/>
+                </a:solidFill>
+                <a:latin typeface="+mn-lt"/>
+                <a:ea typeface="+mn-ea"/>
+                <a:cs typeface="+mn-cs"/>
+              </a:defRPr>
+            </a:lvl3pPr>
+            <a:lvl4pPr marL="1371600" algn="l" defTabSz="914400" rtl="0" eaLnBrk="1" latinLnBrk="0" hangingPunct="1">
+              <a:defRPr sz="1800" kern="1200">
+                <a:solidFill>
+                  <a:schemeClr val="tx1"/>
+                </a:solidFill>
+                <a:latin typeface="+mn-lt"/>
+                <a:ea typeface="+mn-ea"/>
+                <a:cs typeface="+mn-cs"/>
+              </a:defRPr>
+            </a:lvl4pPr>
+            <a:lvl5pPr marL="1828800" algn="l" defTabSz="914400" rtl="0" eaLnBrk="1" latinLnBrk="0" hangingPunct="1">
+              <a:defRPr sz="1800" kern="1200">
+                <a:solidFill>
+                  <a:schemeClr val="tx1"/>
+                </a:solidFill>
+                <a:latin typeface="+mn-lt"/>
+                <a:ea typeface="+mn-ea"/>
+                <a:cs typeface="+mn-cs"/>
+              </a:defRPr>
+            </a:lvl5pPr>
+            <a:lvl6pPr marL="2286000" algn="l" defTabSz="914400" rtl="0" eaLnBrk="1" latinLnBrk="0" hangingPunct="1">
+              <a:defRPr sz="1800" kern="1200">
+                <a:solidFill>
+                  <a:schemeClr val="tx1"/>
+                </a:solidFill>
+                <a:latin typeface="+mn-lt"/>
+                <a:ea typeface="+mn-ea"/>
+                <a:cs typeface="+mn-cs"/>
+              </a:defRPr>
+            </a:lvl6pPr>
+            <a:lvl7pPr marL="2743200" algn="l" defTabSz="914400" rtl="0" eaLnBrk="1" latinLnBrk="0" hangingPunct="1">
+              <a:defRPr sz="1800" kern="1200">
+                <a:solidFill>
+                  <a:schemeClr val="tx1"/>
+                </a:solidFill>
+                <a:latin typeface="+mn-lt"/>
+                <a:ea typeface="+mn-ea"/>
+                <a:cs typeface="+mn-cs"/>
+              </a:defRPr>
+            </a:lvl7pPr>
+            <a:lvl8pPr marL="3200400" algn="l" defTabSz="914400" rtl="0" eaLnBrk="1" latinLnBrk="0" hangingPunct="1">
+              <a:defRPr sz="1800" kern="1200">
+                <a:solidFill>
+                  <a:schemeClr val="tx1"/>
+                </a:solidFill>
+                <a:latin typeface="+mn-lt"/>
+                <a:ea typeface="+mn-ea"/>
+                <a:cs typeface="+mn-cs"/>
+              </a:defRPr>
+            </a:lvl8pPr>
+            <a:lvl9pPr marL="3657600" algn="l" defTabSz="914400" rtl="0" eaLnBrk="1" latinLnBrk="0" hangingPunct="1">
+              <a:defRPr sz="1800" kern="1200">
+                <a:solidFill>
+                  <a:schemeClr val="tx1"/>
+                </a:solidFill>
+                <a:latin typeface="+mn-lt"/>
+                <a:ea typeface="+mn-ea"/>
+                <a:cs typeface="+mn-cs"/>
+              </a:defRPr>
+            </a:lvl9pPr>
+          </a:lstStyle>
+          <a:p>
+            <a:pPr algn="r"/>
+            <a:fld id="{4BB7B66E-7FFA-4300-8439-347A5E0E252A}" type="slidenum">
+              <a:rPr lang="zh-CN" altLang="en-US" smtClean="0"/>
+              <a:t>3</a:t>
+            </a:fld>
+            <a:endParaRPr lang="zh-CN" altLang="en-US" dirty="0"/>
+          </a:p>
+        </p:txBody>
+      </p:sp>
+    </p:spTree>
+  </p:cSld>
+  <p:clrMapOvr>
+    <a:masterClrMapping/>
+  </p:clrMapOvr>
+  <mc:AlternateContent xmlns:mc="http://schemas.openxmlformats.org/markup-compatibility/2006" xmlns:p159="http://schemas.microsoft.com/office/powerpoint/2015/09/main">
+    <mc:Choice Requires="p159">
+      <p:transition spd="med">
+        <p159:morph option="byWord"/>
+      </p:transition>
+    </mc:Choice>
+    <mc:Fallback xmlns="">
+      <p:transition spd="med">
+        <p:fade/>
+      </p:transition>
+    </mc:Fallback>
+  </mc:AlternateContent>
+</p:sld>
+</file>
+
+<file path=ppt/slides/slide30.xml><?xml version="1.0" encoding="utf-8"?>
 <p:sld xmlns:a="http://schemas.openxmlformats.org/drawingml/2006/main" xmlns:r="http://schemas.openxmlformats.org/officeDocument/2006/relationships" xmlns:p="http://schemas.openxmlformats.org/presentationml/2006/main">
   <p:cSld>
     <p:spTree>
@@ -27894,7 +32528,7 @@
 </p:sld>
 </file>
 
-<file path=ppt/slides/slide27.xml><?xml version="1.0" encoding="utf-8"?>
+<file path=ppt/slides/slide31.xml><?xml version="1.0" encoding="utf-8"?>
 <p:sld xmlns:a="http://schemas.openxmlformats.org/drawingml/2006/main" xmlns:r="http://schemas.openxmlformats.org/officeDocument/2006/relationships" xmlns:p="http://schemas.openxmlformats.org/presentationml/2006/main">
   <p:cSld>
     <p:spTree>
@@ -28123,7 +32757,7 @@
             <a:pPr algn="r"/>
             <a:fld id="{4BB7B66E-7FFA-4300-8439-347A5E0E252A}" type="slidenum">
               <a:rPr lang="zh-CN" altLang="en-US" smtClean="0"/>
-              <a:t>27</a:t>
+              <a:t>31</a:t>
             </a:fld>
             <a:endParaRPr lang="zh-CN" altLang="en-US" dirty="0"/>
           </a:p>
@@ -28274,327 +32908,6 @@
               </a:rPr>
               <a:t>小组成员：李逸卓 汤真妍 陆小可</a:t>
             </a:r>
-          </a:p>
-        </p:txBody>
-      </p:sp>
-    </p:spTree>
-  </p:cSld>
-  <p:clrMapOvr>
-    <a:masterClrMapping/>
-  </p:clrMapOvr>
-  <mc:AlternateContent xmlns:mc="http://schemas.openxmlformats.org/markup-compatibility/2006" xmlns:p159="http://schemas.microsoft.com/office/powerpoint/2015/09/main">
-    <mc:Choice Requires="p159">
-      <p:transition spd="med">
-        <p159:morph option="byWord"/>
-      </p:transition>
-    </mc:Choice>
-    <mc:Fallback xmlns="">
-      <p:transition spd="med">
-        <p:fade/>
-      </p:transition>
-    </mc:Fallback>
-  </mc:AlternateContent>
-</p:sld>
-</file>
-
-<file path=ppt/slides/slide3.xml><?xml version="1.0" encoding="utf-8"?>
-<p:sld xmlns:a="http://schemas.openxmlformats.org/drawingml/2006/main" xmlns:r="http://schemas.openxmlformats.org/officeDocument/2006/relationships" xmlns:p="http://schemas.openxmlformats.org/presentationml/2006/main">
-  <p:cSld>
-    <p:spTree>
-      <p:nvGrpSpPr>
-        <p:cNvPr id="1" name=""/>
-        <p:cNvGrpSpPr/>
-        <p:nvPr/>
-      </p:nvGrpSpPr>
-      <p:grpSpPr>
-        <a:xfrm>
-          <a:off x="0" y="0"/>
-          <a:ext cx="0" cy="0"/>
-          <a:chOff x="0" y="0"/>
-          <a:chExt cx="0" cy="0"/>
-        </a:xfrm>
-      </p:grpSpPr>
-      <p:sp>
-        <p:nvSpPr>
-          <p:cNvPr id="1048665" name="矩形 5"/>
-          <p:cNvSpPr/>
-          <p:nvPr/>
-        </p:nvSpPr>
-        <p:spPr>
-          <a:xfrm>
-            <a:off x="1907704" y="2209428"/>
-            <a:ext cx="6480720" cy="923330"/>
-          </a:xfrm>
-          <a:prstGeom prst="rect">
-            <a:avLst/>
-          </a:prstGeom>
-          <a:pattFill prst="pct50">
-            <a:fgClr>
-              <a:srgbClr val="0070C0"/>
-            </a:fgClr>
-            <a:bgClr>
-              <a:schemeClr val="tx2">
-                <a:lumMod val="75000"/>
-              </a:schemeClr>
-            </a:bgClr>
-          </a:pattFill>
-          <a:ln>
-            <a:noFill/>
-          </a:ln>
-        </p:spPr>
-        <p:style>
-          <a:lnRef idx="2">
-            <a:schemeClr val="accent1">
-              <a:shade val="50000"/>
-            </a:schemeClr>
-          </a:lnRef>
-          <a:fillRef idx="1">
-            <a:schemeClr val="accent1"/>
-          </a:fillRef>
-          <a:effectRef idx="0">
-            <a:schemeClr val="accent1"/>
-          </a:effectRef>
-          <a:fontRef idx="minor">
-            <a:schemeClr val="lt1"/>
-          </a:fontRef>
-        </p:style>
-        <p:txBody>
-          <a:bodyPr rot="0" spcFirstLastPara="0" vertOverflow="overflow" horzOverflow="overflow" vert="horz" wrap="square" lIns="91440" tIns="45720" rIns="91440" bIns="45720" numCol="1" spcCol="0" rtlCol="0" fromWordArt="0" anchor="ctr" anchorCtr="0" forceAA="0" compatLnSpc="1">
-            <a:noAutofit/>
-          </a:bodyPr>
-          <a:lstStyle/>
-          <a:p>
-            <a:pPr algn="ctr"/>
-            <a:endParaRPr lang="zh-CN" altLang="en-US"/>
-          </a:p>
-        </p:txBody>
-      </p:sp>
-      <p:sp>
-        <p:nvSpPr>
-          <p:cNvPr id="1048666" name="TextBox 3"/>
-          <p:cNvSpPr txBox="1"/>
-          <p:nvPr/>
-        </p:nvSpPr>
-        <p:spPr>
-          <a:xfrm>
-            <a:off x="2015716" y="2347927"/>
-            <a:ext cx="6408204" cy="646331"/>
-          </a:xfrm>
-          <a:prstGeom prst="rect">
-            <a:avLst/>
-          </a:prstGeom>
-          <a:noFill/>
-        </p:spPr>
-        <p:txBody>
-          <a:bodyPr vert="horz" wrap="square" rtlCol="0">
-            <a:spAutoFit/>
-          </a:bodyPr>
-          <a:lstStyle/>
-          <a:p>
-            <a:pPr algn="ctr" fontAlgn="b"/>
-            <a:r>
-              <a:rPr lang="zh-CN" altLang="en-US" sz="3600" b="1" dirty="0">
-                <a:solidFill>
-                  <a:schemeClr val="bg1"/>
-                </a:solidFill>
-                <a:latin typeface="微软雅黑" panose="020B0503020204020204" pitchFamily="34" charset="-122"/>
-                <a:ea typeface="微软雅黑" panose="020B0503020204020204" pitchFamily="34" charset="-122"/>
-              </a:rPr>
-              <a:t>求解声纳喷嘴参数的模型建立</a:t>
-            </a:r>
-          </a:p>
-        </p:txBody>
-      </p:sp>
-      <p:sp>
-        <p:nvSpPr>
-          <p:cNvPr id="1048667" name="泪滴形 4"/>
-          <p:cNvSpPr/>
-          <p:nvPr/>
-        </p:nvSpPr>
-        <p:spPr>
-          <a:xfrm>
-            <a:off x="755576" y="2209428"/>
-            <a:ext cx="1043726" cy="1043726"/>
-          </a:xfrm>
-          <a:prstGeom prst="teardrop">
-            <a:avLst/>
-          </a:prstGeom>
-          <a:pattFill prst="pct50">
-            <a:fgClr>
-              <a:srgbClr val="0070C0"/>
-            </a:fgClr>
-            <a:bgClr>
-              <a:schemeClr val="tx2">
-                <a:lumMod val="75000"/>
-              </a:schemeClr>
-            </a:bgClr>
-          </a:pattFill>
-          <a:ln>
-            <a:noFill/>
-          </a:ln>
-        </p:spPr>
-        <p:style>
-          <a:lnRef idx="2">
-            <a:schemeClr val="accent1">
-              <a:shade val="50000"/>
-            </a:schemeClr>
-          </a:lnRef>
-          <a:fillRef idx="1">
-            <a:schemeClr val="accent1"/>
-          </a:fillRef>
-          <a:effectRef idx="0">
-            <a:schemeClr val="accent1"/>
-          </a:effectRef>
-          <a:fontRef idx="minor">
-            <a:schemeClr val="lt1"/>
-          </a:fontRef>
-        </p:style>
-        <p:txBody>
-          <a:bodyPr rot="0" spcFirstLastPara="0" vertOverflow="overflow" horzOverflow="overflow" vert="horz" wrap="square" lIns="91440" tIns="45720" rIns="91440" bIns="45720" numCol="1" spcCol="0" rtlCol="0" fromWordArt="0" anchor="ctr" anchorCtr="0" forceAA="0" compatLnSpc="1">
-            <a:noAutofit/>
-          </a:bodyPr>
-          <a:lstStyle/>
-          <a:p>
-            <a:pPr algn="ctr"/>
-            <a:r>
-              <a:rPr lang="en-US" altLang="zh-CN" sz="6000" dirty="0">
-                <a:latin typeface="微软雅黑" panose="020B0503020204020204" pitchFamily="34" charset="-122"/>
-                <a:ea typeface="微软雅黑" panose="020B0503020204020204" pitchFamily="34" charset="-122"/>
-              </a:rPr>
-              <a:t>1</a:t>
-            </a:r>
-            <a:endParaRPr lang="zh-CN" altLang="en-US" sz="6000" dirty="0">
-              <a:latin typeface="微软雅黑" panose="020B0503020204020204" pitchFamily="34" charset="-122"/>
-              <a:ea typeface="微软雅黑" panose="020B0503020204020204" pitchFamily="34" charset="-122"/>
-            </a:endParaRPr>
-          </a:p>
-        </p:txBody>
-      </p:sp>
-      <p:sp>
-        <p:nvSpPr>
-          <p:cNvPr id="1048668" name="灯片编号占位符 2"/>
-          <p:cNvSpPr>
-            <a:spLocks noGrp="1"/>
-          </p:cNvSpPr>
-          <p:nvPr>
-            <p:custDataLst>
-              <p:tags r:id="rId1"/>
-            </p:custDataLst>
-          </p:nvPr>
-        </p:nvSpPr>
-        <p:spPr>
-          <a:xfrm>
-            <a:off x="7010400" y="5305214"/>
-            <a:ext cx="2133600" cy="304271"/>
-          </a:xfrm>
-          <a:prstGeom prst="rect">
-            <a:avLst/>
-          </a:prstGeom>
-        </p:spPr>
-        <p:txBody>
-          <a:bodyPr/>
-          <a:lstStyle>
-            <a:defPPr>
-              <a:defRPr lang="zh-CN"/>
-            </a:defPPr>
-            <a:lvl1pPr marL="0" algn="l" defTabSz="914400" rtl="0" eaLnBrk="1" latinLnBrk="0" hangingPunct="1">
-              <a:defRPr sz="1800" kern="1200">
-                <a:solidFill>
-                  <a:schemeClr val="tx1"/>
-                </a:solidFill>
-                <a:latin typeface="+mn-lt"/>
-                <a:ea typeface="+mn-ea"/>
-                <a:cs typeface="+mn-cs"/>
-              </a:defRPr>
-            </a:lvl1pPr>
-            <a:lvl2pPr marL="457200" algn="l" defTabSz="914400" rtl="0" eaLnBrk="1" latinLnBrk="0" hangingPunct="1">
-              <a:defRPr sz="1800" kern="1200">
-                <a:solidFill>
-                  <a:schemeClr val="tx1"/>
-                </a:solidFill>
-                <a:latin typeface="+mn-lt"/>
-                <a:ea typeface="+mn-ea"/>
-                <a:cs typeface="+mn-cs"/>
-              </a:defRPr>
-            </a:lvl2pPr>
-            <a:lvl3pPr marL="914400" algn="l" defTabSz="914400" rtl="0" eaLnBrk="1" latinLnBrk="0" hangingPunct="1">
-              <a:defRPr sz="1800" kern="1200">
-                <a:solidFill>
-                  <a:schemeClr val="tx1"/>
-                </a:solidFill>
-                <a:latin typeface="+mn-lt"/>
-                <a:ea typeface="+mn-ea"/>
-                <a:cs typeface="+mn-cs"/>
-              </a:defRPr>
-            </a:lvl3pPr>
-            <a:lvl4pPr marL="1371600" algn="l" defTabSz="914400" rtl="0" eaLnBrk="1" latinLnBrk="0" hangingPunct="1">
-              <a:defRPr sz="1800" kern="1200">
-                <a:solidFill>
-                  <a:schemeClr val="tx1"/>
-                </a:solidFill>
-                <a:latin typeface="+mn-lt"/>
-                <a:ea typeface="+mn-ea"/>
-                <a:cs typeface="+mn-cs"/>
-              </a:defRPr>
-            </a:lvl4pPr>
-            <a:lvl5pPr marL="1828800" algn="l" defTabSz="914400" rtl="0" eaLnBrk="1" latinLnBrk="0" hangingPunct="1">
-              <a:defRPr sz="1800" kern="1200">
-                <a:solidFill>
-                  <a:schemeClr val="tx1"/>
-                </a:solidFill>
-                <a:latin typeface="+mn-lt"/>
-                <a:ea typeface="+mn-ea"/>
-                <a:cs typeface="+mn-cs"/>
-              </a:defRPr>
-            </a:lvl5pPr>
-            <a:lvl6pPr marL="2286000" algn="l" defTabSz="914400" rtl="0" eaLnBrk="1" latinLnBrk="0" hangingPunct="1">
-              <a:defRPr sz="1800" kern="1200">
-                <a:solidFill>
-                  <a:schemeClr val="tx1"/>
-                </a:solidFill>
-                <a:latin typeface="+mn-lt"/>
-                <a:ea typeface="+mn-ea"/>
-                <a:cs typeface="+mn-cs"/>
-              </a:defRPr>
-            </a:lvl6pPr>
-            <a:lvl7pPr marL="2743200" algn="l" defTabSz="914400" rtl="0" eaLnBrk="1" latinLnBrk="0" hangingPunct="1">
-              <a:defRPr sz="1800" kern="1200">
-                <a:solidFill>
-                  <a:schemeClr val="tx1"/>
-                </a:solidFill>
-                <a:latin typeface="+mn-lt"/>
-                <a:ea typeface="+mn-ea"/>
-                <a:cs typeface="+mn-cs"/>
-              </a:defRPr>
-            </a:lvl7pPr>
-            <a:lvl8pPr marL="3200400" algn="l" defTabSz="914400" rtl="0" eaLnBrk="1" latinLnBrk="0" hangingPunct="1">
-              <a:defRPr sz="1800" kern="1200">
-                <a:solidFill>
-                  <a:schemeClr val="tx1"/>
-                </a:solidFill>
-                <a:latin typeface="+mn-lt"/>
-                <a:ea typeface="+mn-ea"/>
-                <a:cs typeface="+mn-cs"/>
-              </a:defRPr>
-            </a:lvl8pPr>
-            <a:lvl9pPr marL="3657600" algn="l" defTabSz="914400" rtl="0" eaLnBrk="1" latinLnBrk="0" hangingPunct="1">
-              <a:defRPr sz="1800" kern="1200">
-                <a:solidFill>
-                  <a:schemeClr val="tx1"/>
-                </a:solidFill>
-                <a:latin typeface="+mn-lt"/>
-                <a:ea typeface="+mn-ea"/>
-                <a:cs typeface="+mn-cs"/>
-              </a:defRPr>
-            </a:lvl9pPr>
-          </a:lstStyle>
-          <a:p>
-            <a:pPr algn="r"/>
-            <a:fld id="{4BB7B66E-7FFA-4300-8439-347A5E0E252A}" type="slidenum">
-              <a:rPr lang="zh-CN" altLang="en-US" smtClean="0"/>
-              <a:t>3</a:t>
-            </a:fld>
-            <a:endParaRPr lang="zh-CN" altLang="en-US" dirty="0"/>
           </a:p>
         </p:txBody>
       </p:sp>
@@ -33172,32 +37485,33 @@
 
 <file path=ppt/tags/tag33.xml><?xml version="1.0" encoding="utf-8"?>
 <p:tagLst xmlns:a="http://schemas.openxmlformats.org/drawingml/2006/main" xmlns:r="http://schemas.openxmlformats.org/officeDocument/2006/relationships" xmlns:p="http://schemas.openxmlformats.org/presentationml/2006/main">
+  <p:tag name="KSO_WM_UNIT_PLACING_PICTURE_USER_VIEWPORT" val="{&quot;height&quot;:744,&quot;width&quot;:3853}"/>
   <p:tag name="KSO_WM_BEAUTIFY_FLAG" val=""/>
 </p:tagLst>
 </file>
 
 <file path=ppt/tags/tag34.xml><?xml version="1.0" encoding="utf-8"?>
 <p:tagLst xmlns:a="http://schemas.openxmlformats.org/drawingml/2006/main" xmlns:r="http://schemas.openxmlformats.org/officeDocument/2006/relationships" xmlns:p="http://schemas.openxmlformats.org/presentationml/2006/main">
-  <p:tag name="KSO_WM_UNIT_PLACING_PICTURE_USER_VIEWPORT" val="{&quot;height&quot;:744,&quot;width&quot;:3853}"/>
   <p:tag name="KSO_WM_BEAUTIFY_FLAG" val=""/>
 </p:tagLst>
 </file>
 
 <file path=ppt/tags/tag35.xml><?xml version="1.0" encoding="utf-8"?>
 <p:tagLst xmlns:a="http://schemas.openxmlformats.org/drawingml/2006/main" xmlns:r="http://schemas.openxmlformats.org/officeDocument/2006/relationships" xmlns:p="http://schemas.openxmlformats.org/presentationml/2006/main">
+  <p:tag name="KSO_WM_UNIT_PLACING_PICTURE_USER_VIEWPORT" val="{&quot;height&quot;:744,&quot;width&quot;:3853}"/>
   <p:tag name="KSO_WM_BEAUTIFY_FLAG" val=""/>
 </p:tagLst>
 </file>
 
 <file path=ppt/tags/tag36.xml><?xml version="1.0" encoding="utf-8"?>
 <p:tagLst xmlns:a="http://schemas.openxmlformats.org/drawingml/2006/main" xmlns:r="http://schemas.openxmlformats.org/officeDocument/2006/relationships" xmlns:p="http://schemas.openxmlformats.org/presentationml/2006/main">
-  <p:tag name="KSO_WM_UNIT_PLACING_PICTURE_USER_VIEWPORT" val="{&quot;height&quot;:744,&quot;width&quot;:3853}"/>
   <p:tag name="KSO_WM_BEAUTIFY_FLAG" val=""/>
 </p:tagLst>
 </file>
 
 <file path=ppt/tags/tag37.xml><?xml version="1.0" encoding="utf-8"?>
 <p:tagLst xmlns:a="http://schemas.openxmlformats.org/drawingml/2006/main" xmlns:r="http://schemas.openxmlformats.org/officeDocument/2006/relationships" xmlns:p="http://schemas.openxmlformats.org/presentationml/2006/main">
+  <p:tag name="KSO_WM_UNIT_PLACING_PICTURE_USER_VIEWPORT" val="{&quot;height&quot;:744,&quot;width&quot;:3853}"/>
   <p:tag name="KSO_WM_BEAUTIFY_FLAG" val=""/>
 </p:tagLst>
 </file>
@@ -33210,6 +37524,7 @@
 
 <file path=ppt/tags/tag39.xml><?xml version="1.0" encoding="utf-8"?>
 <p:tagLst xmlns:a="http://schemas.openxmlformats.org/drawingml/2006/main" xmlns:r="http://schemas.openxmlformats.org/officeDocument/2006/relationships" xmlns:p="http://schemas.openxmlformats.org/presentationml/2006/main">
+  <p:tag name="KSO_WM_UNIT_PLACING_PICTURE_USER_VIEWPORT" val="{&quot;height&quot;:744,&quot;width&quot;:3853}"/>
   <p:tag name="KSO_WM_BEAUTIFY_FLAG" val=""/>
 </p:tagLst>
 </file>
@@ -33222,6 +37537,56 @@
 </file>
 
 <file path=ppt/tags/tag40.xml><?xml version="1.0" encoding="utf-8"?>
+<p:tagLst xmlns:a="http://schemas.openxmlformats.org/drawingml/2006/main" xmlns:r="http://schemas.openxmlformats.org/officeDocument/2006/relationships" xmlns:p="http://schemas.openxmlformats.org/presentationml/2006/main">
+  <p:tag name="KSO_WM_BEAUTIFY_FLAG" val=""/>
+</p:tagLst>
+</file>
+
+<file path=ppt/tags/tag41.xml><?xml version="1.0" encoding="utf-8"?>
+<p:tagLst xmlns:a="http://schemas.openxmlformats.org/drawingml/2006/main" xmlns:r="http://schemas.openxmlformats.org/officeDocument/2006/relationships" xmlns:p="http://schemas.openxmlformats.org/presentationml/2006/main">
+  <p:tag name="KSO_WM_BEAUTIFY_FLAG" val=""/>
+</p:tagLst>
+</file>
+
+<file path=ppt/tags/tag42.xml><?xml version="1.0" encoding="utf-8"?>
+<p:tagLst xmlns:a="http://schemas.openxmlformats.org/drawingml/2006/main" xmlns:r="http://schemas.openxmlformats.org/officeDocument/2006/relationships" xmlns:p="http://schemas.openxmlformats.org/presentationml/2006/main">
+  <p:tag name="KSO_WM_UNIT_PLACING_PICTURE_USER_VIEWPORT" val="{&quot;height&quot;:744,&quot;width&quot;:3853}"/>
+  <p:tag name="KSO_WM_BEAUTIFY_FLAG" val=""/>
+</p:tagLst>
+</file>
+
+<file path=ppt/tags/tag43.xml><?xml version="1.0" encoding="utf-8"?>
+<p:tagLst xmlns:a="http://schemas.openxmlformats.org/drawingml/2006/main" xmlns:r="http://schemas.openxmlformats.org/officeDocument/2006/relationships" xmlns:p="http://schemas.openxmlformats.org/presentationml/2006/main">
+  <p:tag name="KSO_WM_BEAUTIFY_FLAG" val=""/>
+</p:tagLst>
+</file>
+
+<file path=ppt/tags/tag44.xml><?xml version="1.0" encoding="utf-8"?>
+<p:tagLst xmlns:a="http://schemas.openxmlformats.org/drawingml/2006/main" xmlns:r="http://schemas.openxmlformats.org/officeDocument/2006/relationships" xmlns:p="http://schemas.openxmlformats.org/presentationml/2006/main">
+  <p:tag name="KSO_WM_UNIT_PLACING_PICTURE_USER_VIEWPORT" val="{&quot;height&quot;:744,&quot;width&quot;:3853}"/>
+  <p:tag name="KSO_WM_BEAUTIFY_FLAG" val=""/>
+</p:tagLst>
+</file>
+
+<file path=ppt/tags/tag45.xml><?xml version="1.0" encoding="utf-8"?>
+<p:tagLst xmlns:a="http://schemas.openxmlformats.org/drawingml/2006/main" xmlns:r="http://schemas.openxmlformats.org/officeDocument/2006/relationships" xmlns:p="http://schemas.openxmlformats.org/presentationml/2006/main">
+  <p:tag name="KSO_WM_BEAUTIFY_FLAG" val=""/>
+</p:tagLst>
+</file>
+
+<file path=ppt/tags/tag46.xml><?xml version="1.0" encoding="utf-8"?>
+<p:tagLst xmlns:a="http://schemas.openxmlformats.org/drawingml/2006/main" xmlns:r="http://schemas.openxmlformats.org/officeDocument/2006/relationships" xmlns:p="http://schemas.openxmlformats.org/presentationml/2006/main">
+  <p:tag name="KSO_WM_BEAUTIFY_FLAG" val=""/>
+</p:tagLst>
+</file>
+
+<file path=ppt/tags/tag47.xml><?xml version="1.0" encoding="utf-8"?>
+<p:tagLst xmlns:a="http://schemas.openxmlformats.org/drawingml/2006/main" xmlns:r="http://schemas.openxmlformats.org/officeDocument/2006/relationships" xmlns:p="http://schemas.openxmlformats.org/presentationml/2006/main">
+  <p:tag name="KSO_WM_BEAUTIFY_FLAG" val=""/>
+</p:tagLst>
+</file>
+
+<file path=ppt/tags/tag48.xml><?xml version="1.0" encoding="utf-8"?>
 <p:tagLst xmlns:a="http://schemas.openxmlformats.org/drawingml/2006/main" xmlns:r="http://schemas.openxmlformats.org/officeDocument/2006/relationships" xmlns:p="http://schemas.openxmlformats.org/presentationml/2006/main">
   <p:tag name="KSO_WM_BEAUTIFY_FLAG" val=""/>
 </p:tagLst>

--- a/2023-4-9.pptx
+++ b/2023-4-9.pptx
@@ -6,7 +6,7 @@
     <p:sldMasterId id="2147483649" r:id="rId2"/>
   </p:sldMasterIdLst>
   <p:notesMasterIdLst>
-    <p:notesMasterId r:id="rId34"/>
+    <p:notesMasterId r:id="rId39"/>
   </p:notesMasterIdLst>
   <p:sldIdLst>
     <p:sldId id="257" r:id="rId3"/>
@@ -31,15 +31,20 @@
     <p:sldId id="316" r:id="rId22"/>
     <p:sldId id="317" r:id="rId23"/>
     <p:sldId id="318" r:id="rId24"/>
-    <p:sldId id="311" r:id="rId25"/>
-    <p:sldId id="310" r:id="rId26"/>
-    <p:sldId id="307" r:id="rId27"/>
+    <p:sldId id="319" r:id="rId25"/>
+    <p:sldId id="320" r:id="rId26"/>
+    <p:sldId id="310" r:id="rId27"/>
     <p:sldId id="266" r:id="rId28"/>
     <p:sldId id="292" r:id="rId29"/>
     <p:sldId id="293" r:id="rId30"/>
     <p:sldId id="296" r:id="rId31"/>
     <p:sldId id="295" r:id="rId32"/>
-    <p:sldId id="277" r:id="rId33"/>
+    <p:sldId id="321" r:id="rId33"/>
+    <p:sldId id="322" r:id="rId34"/>
+    <p:sldId id="323" r:id="rId35"/>
+    <p:sldId id="324" r:id="rId36"/>
+    <p:sldId id="325" r:id="rId37"/>
+    <p:sldId id="277" r:id="rId38"/>
   </p:sldIdLst>
   <p:sldSz cx="9144000" cy="5715000" type="screen16x10"/>
   <p:notesSz cx="6858000" cy="9144000"/>
@@ -976,7 +981,7 @@
             <a:buChar char="•"/>
           </a:pPr>
           <a:r>
-            <a:rPr lang="zh-CN" altLang="en-US" sz="1600" b="0" dirty="0">
+            <a:rPr lang="zh-CN" altLang="en-US" sz="2000" b="1" dirty="0">
               <a:latin typeface="微软雅黑" panose="020B0503020204020204" pitchFamily="34" charset="-122"/>
               <a:ea typeface="微软雅黑" panose="020B0503020204020204" pitchFamily="34" charset="-122"/>
             </a:rPr>
@@ -1071,7 +1076,7 @@
             <a:buChar char="•"/>
           </a:pPr>
           <a:r>
-            <a:rPr lang="en-US" altLang="en-US" sz="1600" b="0" kern="1200" dirty="0">
+            <a:rPr lang="en-US" altLang="en-US" sz="2000" b="1" kern="1200" dirty="0">
               <a:solidFill>
                 <a:prstClr val="black">
                   <a:hueOff val="0"/>
@@ -1086,7 +1091,7 @@
             </a:rPr>
             <a:t>Weighted Least Square</a:t>
           </a:r>
-          <a:endParaRPr lang="zh-CN" altLang="en-US" sz="1600" b="0" kern="1200" dirty="0">
+          <a:endParaRPr lang="zh-CN" altLang="en-US" sz="2000" b="1" kern="1200" dirty="0">
             <a:solidFill>
               <a:prstClr val="black">
                 <a:hueOff val="0"/>
@@ -1145,7 +1150,7 @@
             <a:buChar char="•"/>
           </a:pPr>
           <a:r>
-            <a:rPr lang="en-US" altLang="en-US" sz="1600" b="0" kern="1200" dirty="0">
+            <a:rPr lang="en-US" altLang="en-US" sz="1600" b="1" kern="1200" dirty="0">
               <a:solidFill>
                 <a:prstClr val="black">
                   <a:hueOff val="0"/>
@@ -1161,7 +1166,7 @@
             <a:t>Weighted T</a:t>
           </a:r>
           <a:r>
-            <a:rPr lang="en-US" altLang="zh-CN" sz="1600" b="0" kern="1200" dirty="0">
+            <a:rPr lang="en-US" altLang="zh-CN" sz="1600" b="1" kern="1200" dirty="0">
               <a:solidFill>
                 <a:prstClr val="black">
                   <a:hueOff val="0"/>
@@ -1177,7 +1182,7 @@
             <a:t>otal </a:t>
           </a:r>
           <a:r>
-            <a:rPr lang="en-US" altLang="en-US" sz="1600" b="0" kern="1200" dirty="0">
+            <a:rPr lang="en-US" altLang="en-US" sz="1600" b="1" kern="1200" dirty="0">
               <a:solidFill>
                 <a:prstClr val="black">
                   <a:hueOff val="0"/>
@@ -1192,7 +1197,7 @@
             </a:rPr>
             <a:t>Least Square</a:t>
           </a:r>
-          <a:endParaRPr lang="zh-CN" altLang="en-US" sz="1600" b="0" kern="1200" dirty="0">
+          <a:endParaRPr lang="zh-CN" altLang="en-US" sz="1600" b="1" kern="1200" dirty="0">
             <a:solidFill>
               <a:prstClr val="black">
                 <a:hueOff val="0"/>
@@ -1294,7 +1299,7 @@
             <a:buChar char="•"/>
           </a:pPr>
           <a:r>
-            <a:rPr lang="zh-CN" altLang="en-US" sz="1600" b="0" kern="1200" dirty="0">
+            <a:rPr lang="zh-CN" altLang="en-US" sz="2000" b="1" kern="1200" dirty="0">
               <a:solidFill>
                 <a:prstClr val="black">
                   <a:hueOff val="0"/>
@@ -1310,7 +1315,7 @@
             <a:t>总体加权最小二乘法</a:t>
           </a:r>
           <a:r>
-            <a:rPr lang="en-US" altLang="zh-CN" sz="1600" b="0" kern="1200" dirty="0">
+            <a:rPr lang="en-US" altLang="zh-CN" sz="2000" b="1" kern="1200" dirty="0">
               <a:solidFill>
                 <a:prstClr val="black">
                   <a:hueOff val="0"/>
@@ -1326,7 +1331,7 @@
             <a:t>(</a:t>
           </a:r>
           <a:r>
-            <a:rPr lang="zh-CN" altLang="en-US" sz="1600" b="0" kern="1200" dirty="0">
+            <a:rPr lang="zh-CN" altLang="en-US" sz="2000" b="1" kern="1200" dirty="0">
               <a:solidFill>
                 <a:prstClr val="black">
                   <a:hueOff val="0"/>
@@ -1342,7 +1347,7 @@
             <a:t>考虑相关性</a:t>
           </a:r>
           <a:r>
-            <a:rPr lang="en-US" altLang="zh-CN" sz="1600" b="0" kern="1200" dirty="0">
+            <a:rPr lang="en-US" altLang="zh-CN" sz="2000" b="1" kern="1200" dirty="0">
               <a:solidFill>
                 <a:prstClr val="black">
                   <a:hueOff val="0"/>
@@ -1357,7 +1362,7 @@
             </a:rPr>
             <a:t>)</a:t>
           </a:r>
-          <a:endParaRPr lang="zh-CN" altLang="en-US" sz="1600" b="0" kern="1200" dirty="0">
+          <a:endParaRPr lang="zh-CN" altLang="en-US" sz="2000" b="1" kern="1200" dirty="0">
             <a:solidFill>
               <a:prstClr val="black">
                 <a:hueOff val="0"/>
@@ -1413,20 +1418,20 @@
             <a:buChar char="•"/>
           </a:pPr>
           <a:r>
-            <a:rPr lang="en-US" sz="1600" b="0" i="0" dirty="0">
+            <a:rPr lang="en-US" sz="2000" b="1" i="0" dirty="0">
               <a:latin typeface="微软雅黑" panose="020B0503020204020204" pitchFamily="34" charset="-122"/>
               <a:ea typeface="微软雅黑" panose="020B0503020204020204" pitchFamily="34" charset="-122"/>
             </a:rPr>
             <a:t>Ordinary Least Square</a:t>
           </a:r>
           <a:r>
-            <a:rPr lang="en-US" altLang="zh-CN" sz="1600" b="0" dirty="0">
+            <a:rPr lang="en-US" altLang="zh-CN" sz="2000" b="1" dirty="0">
               <a:latin typeface="微软雅黑" panose="020B0503020204020204" pitchFamily="34" charset="-122"/>
               <a:ea typeface="微软雅黑" panose="020B0503020204020204" pitchFamily="34" charset="-122"/>
             </a:rPr>
             <a:t> </a:t>
           </a:r>
-          <a:endParaRPr lang="zh-CN" altLang="en-US" sz="1600" b="0" dirty="0">
+          <a:endParaRPr lang="zh-CN" altLang="en-US" sz="2000" b="1" dirty="0">
             <a:latin typeface="微软雅黑" panose="020B0503020204020204" pitchFamily="34" charset="-122"/>
             <a:ea typeface="微软雅黑" panose="020B0503020204020204" pitchFamily="34" charset="-122"/>
           </a:endParaRPr>
@@ -1538,7 +1543,7 @@
             <a:buChar char="•"/>
           </a:pPr>
           <a:r>
-            <a:rPr lang="zh-CN" altLang="en-US" sz="1600" b="0" kern="1200" dirty="0">
+            <a:rPr lang="zh-CN" altLang="en-US" sz="2000" b="1" kern="1200" dirty="0">
               <a:solidFill>
                 <a:prstClr val="black">
                   <a:hueOff val="0"/>
@@ -1599,7 +1604,7 @@
             <a:buChar char="•"/>
           </a:pPr>
           <a:r>
-            <a:rPr lang="zh-CN" altLang="en-US" sz="1600" b="0" kern="1200" dirty="0">
+            <a:rPr lang="zh-CN" altLang="en-US" sz="2000" b="1" kern="1200" dirty="0">
               <a:solidFill>
                 <a:prstClr val="black">
                   <a:hueOff val="0"/>
@@ -1615,7 +1620,7 @@
             <a:t>总体加权最小二乘法</a:t>
           </a:r>
           <a:r>
-            <a:rPr lang="en-US" altLang="zh-CN" sz="1600" b="0" kern="1200" dirty="0">
+            <a:rPr lang="en-US" altLang="zh-CN" sz="2000" b="1" kern="1200" dirty="0">
               <a:solidFill>
                 <a:prstClr val="black">
                   <a:hueOff val="0"/>
@@ -1631,7 +1636,7 @@
             <a:t>(</a:t>
           </a:r>
           <a:r>
-            <a:rPr lang="zh-CN" altLang="en-US" sz="1600" b="0" kern="1200" dirty="0">
+            <a:rPr lang="zh-CN" altLang="en-US" sz="2000" b="1" kern="1200" dirty="0">
               <a:solidFill>
                 <a:prstClr val="black">
                   <a:hueOff val="0"/>
@@ -1647,7 +1652,7 @@
             <a:t>不考虑相关性</a:t>
           </a:r>
           <a:r>
-            <a:rPr lang="en-US" altLang="zh-CN" sz="1600" b="0" kern="1200" dirty="0">
+            <a:rPr lang="en-US" altLang="zh-CN" sz="2000" b="1" kern="1200" dirty="0">
               <a:solidFill>
                 <a:prstClr val="black">
                   <a:hueOff val="0"/>
@@ -1662,7 +1667,7 @@
             </a:rPr>
             <a:t>)</a:t>
           </a:r>
-          <a:endParaRPr lang="zh-CN" altLang="en-US" sz="1600" b="0" kern="1200" dirty="0">
+          <a:endParaRPr lang="zh-CN" altLang="en-US" sz="2000" b="1" kern="1200" dirty="0">
             <a:solidFill>
               <a:prstClr val="black">
                 <a:hueOff val="0"/>
@@ -1721,7 +1726,7 @@
             <a:buChar char="•"/>
           </a:pPr>
           <a:r>
-            <a:rPr lang="en-US" altLang="en-US" sz="1600" b="0" kern="1200" dirty="0">
+            <a:rPr lang="en-US" altLang="en-US" sz="2000" b="1" kern="1200" dirty="0">
               <a:solidFill>
                 <a:prstClr val="black">
                   <a:hueOff val="0"/>
@@ -1737,7 +1742,7 @@
             <a:t>Weighted T</a:t>
           </a:r>
           <a:r>
-            <a:rPr lang="en-US" altLang="zh-CN" sz="1600" b="0" kern="1200" dirty="0">
+            <a:rPr lang="en-US" altLang="zh-CN" sz="2000" b="1" kern="1200" dirty="0">
               <a:solidFill>
                 <a:prstClr val="black">
                   <a:hueOff val="0"/>
@@ -1753,7 +1758,7 @@
             <a:t>otal </a:t>
           </a:r>
           <a:r>
-            <a:rPr lang="en-US" altLang="en-US" sz="1600" b="0" kern="1200" dirty="0">
+            <a:rPr lang="en-US" altLang="en-US" sz="2000" b="1" kern="1200" dirty="0">
               <a:solidFill>
                 <a:prstClr val="black">
                   <a:hueOff val="0"/>
@@ -1768,7 +1773,7 @@
             </a:rPr>
             <a:t>Least Square</a:t>
           </a:r>
-          <a:endParaRPr lang="zh-CN" altLang="en-US" sz="1600" b="0" kern="1200" dirty="0">
+          <a:endParaRPr lang="zh-CN" altLang="en-US" sz="2000" b="1" kern="1200" dirty="0">
             <a:solidFill>
               <a:prstClr val="black">
                 <a:hueOff val="0"/>
@@ -1827,13 +1832,13 @@
             <a:buChar char="•"/>
           </a:pPr>
           <a:r>
-            <a:rPr lang="en-US" altLang="zh-CN" sz="1600" b="0" kern="1200" dirty="0">
+            <a:rPr lang="en-US" altLang="zh-CN" sz="1600" b="1" kern="1200" dirty="0">
               <a:latin typeface="微软雅黑" panose="020B0503020204020204" pitchFamily="34" charset="-122"/>
               <a:ea typeface="微软雅黑" panose="020B0503020204020204" pitchFamily="34" charset="-122"/>
             </a:rPr>
             <a:t>[w/o correlation]</a:t>
           </a:r>
-          <a:endParaRPr lang="zh-CN" altLang="en-US" sz="1600" b="0" kern="1200" dirty="0">
+          <a:endParaRPr lang="zh-CN" altLang="en-US" sz="1600" b="1" kern="1200" dirty="0">
             <a:solidFill>
               <a:prstClr val="black">
                 <a:hueOff val="0"/>
@@ -2022,7 +2027,7 @@
   <dgm:whole/>
   <dgm:extLst>
     <a:ext uri="http://schemas.microsoft.com/office/drawing/2008/diagram">
-      <dsp:dataModelExt xmlns:dsp="http://schemas.microsoft.com/office/drawing/2008/diagram" relId="rId9" minVer="http://schemas.openxmlformats.org/drawingml/2006/diagram"/>
+      <dsp:dataModelExt xmlns:dsp="http://schemas.microsoft.com/office/drawing/2008/diagram" relId="rId8" minVer="http://schemas.openxmlformats.org/drawingml/2006/diagram"/>
     </a:ext>
   </dgm:extLst>
 </dgm:dataModel>
@@ -2043,8 +2048,8 @@
       </dsp:nvSpPr>
       <dsp:spPr>
         <a:xfrm>
-          <a:off x="2450069" y="1622"/>
-          <a:ext cx="4049410" cy="866849"/>
+          <a:off x="2981585" y="1822"/>
+          <a:ext cx="4927887" cy="973529"/>
         </a:xfrm>
         <a:prstGeom prst="rightArrow">
           <a:avLst>
@@ -2090,12 +2095,12 @@
         <a:fontRef idx="minor"/>
       </dsp:style>
       <dsp:txBody>
-        <a:bodyPr spcFirstLastPara="0" vert="horz" wrap="square" lIns="10160" tIns="10160" rIns="10160" bIns="10160" numCol="1" spcCol="1270" anchor="t" anchorCtr="0">
+        <a:bodyPr spcFirstLastPara="0" vert="horz" wrap="square" lIns="12700" tIns="12700" rIns="12700" bIns="12700" numCol="1" spcCol="1270" anchor="t" anchorCtr="0">
           <a:noAutofit/>
         </a:bodyPr>
         <a:lstStyle/>
         <a:p>
-          <a:pPr marL="171450" lvl="1" indent="171450" algn="l" defTabSz="711200">
+          <a:pPr marL="228600" lvl="1" indent="171450" algn="l" defTabSz="889000">
             <a:lnSpc>
               <a:spcPct val="80000"/>
             </a:lnSpc>
@@ -2109,7 +2114,7 @@
             <a:buChar char="•"/>
           </a:pPr>
           <a:r>
-            <a:rPr lang="zh-CN" altLang="en-US" sz="1600" b="0" kern="1200" dirty="0">
+            <a:rPr lang="zh-CN" altLang="en-US" sz="2000" b="1" kern="1200" dirty="0">
               <a:latin typeface="微软雅黑" panose="020B0503020204020204" pitchFamily="34" charset="-122"/>
               <a:ea typeface="微软雅黑" panose="020B0503020204020204" pitchFamily="34" charset="-122"/>
             </a:rPr>
@@ -2117,7 +2122,7 @@
           </a:r>
         </a:p>
         <a:p>
-          <a:pPr marL="171450" lvl="1" indent="171450" algn="l" defTabSz="711200">
+          <a:pPr marL="228600" lvl="1" indent="171450" algn="l" defTabSz="889000">
             <a:lnSpc>
               <a:spcPct val="75000"/>
             </a:lnSpc>
@@ -2131,28 +2136,28 @@
             <a:buChar char="•"/>
           </a:pPr>
           <a:r>
-            <a:rPr lang="en-US" sz="1600" b="0" i="0" kern="1200" dirty="0">
+            <a:rPr lang="en-US" sz="2000" b="1" i="0" kern="1200" dirty="0">
               <a:latin typeface="微软雅黑" panose="020B0503020204020204" pitchFamily="34" charset="-122"/>
               <a:ea typeface="微软雅黑" panose="020B0503020204020204" pitchFamily="34" charset="-122"/>
             </a:rPr>
             <a:t>Ordinary Least Square</a:t>
           </a:r>
           <a:r>
-            <a:rPr lang="en-US" altLang="zh-CN" sz="1600" b="0" kern="1200" dirty="0">
+            <a:rPr lang="en-US" altLang="zh-CN" sz="2000" b="1" kern="1200" dirty="0">
               <a:latin typeface="微软雅黑" panose="020B0503020204020204" pitchFamily="34" charset="-122"/>
               <a:ea typeface="微软雅黑" panose="020B0503020204020204" pitchFamily="34" charset="-122"/>
             </a:rPr>
             <a:t> </a:t>
           </a:r>
-          <a:endParaRPr lang="zh-CN" altLang="en-US" sz="1600" b="0" kern="1200" dirty="0">
+          <a:endParaRPr lang="zh-CN" altLang="en-US" sz="2000" b="1" kern="1200" dirty="0">
             <a:latin typeface="微软雅黑" panose="020B0503020204020204" pitchFamily="34" charset="-122"/>
             <a:ea typeface="微软雅黑" panose="020B0503020204020204" pitchFamily="34" charset="-122"/>
           </a:endParaRPr>
         </a:p>
       </dsp:txBody>
       <dsp:txXfrm>
-        <a:off x="2450069" y="109978"/>
-        <a:ext cx="3724342" cy="650137"/>
+        <a:off x="2981585" y="123513"/>
+        <a:ext cx="4562814" cy="730147"/>
       </dsp:txXfrm>
     </dsp:sp>
     <dsp:sp modelId="{7B72C06B-4F64-4347-96AA-57D090FD2BEF}">
@@ -2162,8 +2167,8 @@
       </dsp:nvSpPr>
       <dsp:spPr>
         <a:xfrm>
-          <a:off x="249538" y="1622"/>
-          <a:ext cx="2200530" cy="866849"/>
+          <a:off x="303672" y="1822"/>
+          <a:ext cx="2677912" cy="973529"/>
         </a:xfrm>
         <a:prstGeom prst="roundRect">
           <a:avLst/>
@@ -2232,8 +2237,8 @@
         </a:p>
       </dsp:txBody>
       <dsp:txXfrm>
-        <a:off x="291854" y="43938"/>
-        <a:ext cx="2115898" cy="782217"/>
+        <a:off x="351196" y="49346"/>
+        <a:ext cx="2582864" cy="878481"/>
       </dsp:txXfrm>
     </dsp:sp>
     <dsp:sp modelId="{5DB38912-395C-4860-B0B5-CB480E07B8A3}">
@@ -2243,8 +2248,8 @@
       </dsp:nvSpPr>
       <dsp:spPr>
         <a:xfrm>
-          <a:off x="2450069" y="955156"/>
-          <a:ext cx="4049410" cy="866849"/>
+          <a:off x="2981585" y="1072704"/>
+          <a:ext cx="4927887" cy="973529"/>
         </a:xfrm>
         <a:prstGeom prst="rightArrow">
           <a:avLst>
@@ -2290,7 +2295,7 @@
         <a:fontRef idx="minor"/>
       </dsp:style>
       <dsp:txBody>
-        <a:bodyPr spcFirstLastPara="0" vert="horz" wrap="square" lIns="10160" tIns="10160" rIns="10160" bIns="10160" numCol="1" spcCol="1270" anchor="t" anchorCtr="0">
+        <a:bodyPr spcFirstLastPara="0" vert="horz" wrap="square" lIns="12700" tIns="12700" rIns="12700" bIns="12700" numCol="1" spcCol="1270" anchor="t" anchorCtr="0">
           <a:noAutofit/>
         </a:bodyPr>
         <a:lstStyle/>
@@ -2309,7 +2314,7 @@
             <a:buChar char="•"/>
           </a:pPr>
           <a:r>
-            <a:rPr lang="zh-CN" altLang="en-US" sz="1600" b="0" kern="1200" dirty="0">
+            <a:rPr lang="zh-CN" altLang="en-US" sz="2000" b="1" kern="1200" dirty="0">
               <a:solidFill>
                 <a:prstClr val="black">
                   <a:hueOff val="0"/>
@@ -2340,7 +2345,7 @@
             <a:buChar char="•"/>
           </a:pPr>
           <a:r>
-            <a:rPr lang="en-US" altLang="en-US" sz="1600" b="0" kern="1200" dirty="0">
+            <a:rPr lang="en-US" altLang="en-US" sz="2000" b="1" kern="1200" dirty="0">
               <a:solidFill>
                 <a:prstClr val="black">
                   <a:hueOff val="0"/>
@@ -2355,7 +2360,7 @@
             </a:rPr>
             <a:t>Weighted Least Square</a:t>
           </a:r>
-          <a:endParaRPr lang="zh-CN" altLang="en-US" sz="1600" b="0" kern="1200" dirty="0">
+          <a:endParaRPr lang="zh-CN" altLang="en-US" sz="2000" b="1" kern="1200" dirty="0">
             <a:solidFill>
               <a:prstClr val="black">
                 <a:hueOff val="0"/>
@@ -2371,8 +2376,8 @@
         </a:p>
       </dsp:txBody>
       <dsp:txXfrm>
-        <a:off x="2450069" y="1063512"/>
-        <a:ext cx="3724342" cy="650137"/>
+        <a:off x="2981585" y="1194395"/>
+        <a:ext cx="4562814" cy="730147"/>
       </dsp:txXfrm>
     </dsp:sp>
     <dsp:sp modelId="{0B6CA58F-B356-4AB1-80BC-4D4E4C7768D1}">
@@ -2382,8 +2387,8 @@
       </dsp:nvSpPr>
       <dsp:spPr>
         <a:xfrm>
-          <a:off x="249538" y="955156"/>
-          <a:ext cx="2200530" cy="866849"/>
+          <a:off x="303672" y="1072704"/>
+          <a:ext cx="2677912" cy="973529"/>
         </a:xfrm>
         <a:prstGeom prst="roundRect">
           <a:avLst/>
@@ -2455,8 +2460,8 @@
         </a:p>
       </dsp:txBody>
       <dsp:txXfrm>
-        <a:off x="291854" y="997472"/>
-        <a:ext cx="2115898" cy="782217"/>
+        <a:off x="351196" y="1120228"/>
+        <a:ext cx="2582864" cy="878481"/>
       </dsp:txXfrm>
     </dsp:sp>
     <dsp:sp modelId="{171EECAD-A409-414C-977F-E09CED872C22}">
@@ -2466,8 +2471,8 @@
       </dsp:nvSpPr>
       <dsp:spPr>
         <a:xfrm>
-          <a:off x="2450971" y="1908690"/>
-          <a:ext cx="4045456" cy="1046520"/>
+          <a:off x="2982683" y="2143586"/>
+          <a:ext cx="4923074" cy="1175312"/>
         </a:xfrm>
         <a:prstGeom prst="rightArrow">
           <a:avLst>
@@ -2513,7 +2518,7 @@
         <a:fontRef idx="minor"/>
       </dsp:style>
       <dsp:txBody>
-        <a:bodyPr spcFirstLastPara="0" vert="horz" wrap="square" lIns="10160" tIns="10160" rIns="10160" bIns="10160" numCol="1" spcCol="1270" anchor="t" anchorCtr="0">
+        <a:bodyPr spcFirstLastPara="0" vert="horz" wrap="square" lIns="12700" tIns="12700" rIns="12700" bIns="12700" numCol="1" spcCol="1270" anchor="t" anchorCtr="0">
           <a:noAutofit/>
         </a:bodyPr>
         <a:lstStyle/>
@@ -2532,7 +2537,7 @@
             <a:buChar char="•"/>
           </a:pPr>
           <a:r>
-            <a:rPr lang="zh-CN" altLang="en-US" sz="1600" b="0" kern="1200" dirty="0">
+            <a:rPr lang="zh-CN" altLang="en-US" sz="2000" b="1" kern="1200" dirty="0">
               <a:solidFill>
                 <a:prstClr val="black">
                   <a:hueOff val="0"/>
@@ -2548,7 +2553,7 @@
             <a:t>总体加权最小二乘法</a:t>
           </a:r>
           <a:r>
-            <a:rPr lang="en-US" altLang="zh-CN" sz="1600" b="0" kern="1200" dirty="0">
+            <a:rPr lang="en-US" altLang="zh-CN" sz="2000" b="1" kern="1200" dirty="0">
               <a:solidFill>
                 <a:prstClr val="black">
                   <a:hueOff val="0"/>
@@ -2564,7 +2569,7 @@
             <a:t>(</a:t>
           </a:r>
           <a:r>
-            <a:rPr lang="zh-CN" altLang="en-US" sz="1600" b="0" kern="1200" dirty="0">
+            <a:rPr lang="zh-CN" altLang="en-US" sz="2000" b="1" kern="1200" dirty="0">
               <a:solidFill>
                 <a:prstClr val="black">
                   <a:hueOff val="0"/>
@@ -2580,7 +2585,7 @@
             <a:t>不考虑相关性</a:t>
           </a:r>
           <a:r>
-            <a:rPr lang="en-US" altLang="zh-CN" sz="1600" b="0" kern="1200" dirty="0">
+            <a:rPr lang="en-US" altLang="zh-CN" sz="2000" b="1" kern="1200" dirty="0">
               <a:solidFill>
                 <a:prstClr val="black">
                   <a:hueOff val="0"/>
@@ -2595,7 +2600,7 @@
             </a:rPr>
             <a:t>)</a:t>
           </a:r>
-          <a:endParaRPr lang="zh-CN" altLang="en-US" sz="1600" b="0" kern="1200" dirty="0">
+          <a:endParaRPr lang="zh-CN" altLang="en-US" sz="2000" b="1" kern="1200" dirty="0">
             <a:solidFill>
               <a:prstClr val="black">
                 <a:hueOff val="0"/>
@@ -2624,7 +2629,7 @@
             <a:buChar char="•"/>
           </a:pPr>
           <a:r>
-            <a:rPr lang="en-US" altLang="en-US" sz="1600" b="0" kern="1200" dirty="0">
+            <a:rPr lang="en-US" altLang="en-US" sz="1600" b="1" kern="1200" dirty="0">
               <a:solidFill>
                 <a:prstClr val="black">
                   <a:hueOff val="0"/>
@@ -2640,7 +2645,7 @@
             <a:t>Weighted T</a:t>
           </a:r>
           <a:r>
-            <a:rPr lang="en-US" altLang="zh-CN" sz="1600" b="0" kern="1200" dirty="0">
+            <a:rPr lang="en-US" altLang="zh-CN" sz="1600" b="1" kern="1200" dirty="0">
               <a:solidFill>
                 <a:prstClr val="black">
                   <a:hueOff val="0"/>
@@ -2656,7 +2661,7 @@
             <a:t>otal </a:t>
           </a:r>
           <a:r>
-            <a:rPr lang="en-US" altLang="en-US" sz="1600" b="0" kern="1200" dirty="0">
+            <a:rPr lang="en-US" altLang="en-US" sz="1600" b="1" kern="1200" dirty="0">
               <a:solidFill>
                 <a:prstClr val="black">
                   <a:hueOff val="0"/>
@@ -2671,7 +2676,7 @@
             </a:rPr>
             <a:t>Least Square</a:t>
           </a:r>
-          <a:endParaRPr lang="zh-CN" altLang="en-US" sz="1600" b="0" kern="1200" dirty="0">
+          <a:endParaRPr lang="zh-CN" altLang="en-US" sz="1600" b="1" kern="1200" dirty="0">
             <a:solidFill>
               <a:prstClr val="black">
                 <a:hueOff val="0"/>
@@ -2700,13 +2705,13 @@
             <a:buChar char="•"/>
           </a:pPr>
           <a:r>
-            <a:rPr lang="en-US" altLang="zh-CN" sz="1600" b="0" kern="1200" dirty="0">
+            <a:rPr lang="en-US" altLang="zh-CN" sz="1600" b="1" kern="1200" dirty="0">
               <a:latin typeface="微软雅黑" panose="020B0503020204020204" pitchFamily="34" charset="-122"/>
               <a:ea typeface="微软雅黑" panose="020B0503020204020204" pitchFamily="34" charset="-122"/>
             </a:rPr>
             <a:t>[w/o correlation]</a:t>
           </a:r>
-          <a:endParaRPr lang="zh-CN" altLang="en-US" sz="1600" b="0" kern="1200" dirty="0">
+          <a:endParaRPr lang="zh-CN" altLang="en-US" sz="1600" b="1" kern="1200" dirty="0">
             <a:solidFill>
               <a:prstClr val="black">
                 <a:hueOff val="0"/>
@@ -2722,8 +2727,8 @@
         </a:p>
       </dsp:txBody>
       <dsp:txXfrm>
-        <a:off x="2450971" y="2039505"/>
-        <a:ext cx="3653011" cy="784890"/>
+        <a:off x="2982683" y="2290500"/>
+        <a:ext cx="4482332" cy="881484"/>
       </dsp:txXfrm>
     </dsp:sp>
     <dsp:sp modelId="{F46454F0-B5AF-4B61-8847-7A140B8C3CDE}">
@@ -2733,8 +2738,8 @@
       </dsp:nvSpPr>
       <dsp:spPr>
         <a:xfrm>
-          <a:off x="252589" y="1998526"/>
-          <a:ext cx="2198381" cy="866849"/>
+          <a:off x="307386" y="2244478"/>
+          <a:ext cx="2675297" cy="973529"/>
         </a:xfrm>
         <a:prstGeom prst="roundRect">
           <a:avLst/>
@@ -2827,8 +2832,8 @@
         </a:p>
       </dsp:txBody>
       <dsp:txXfrm>
-        <a:off x="294905" y="2040842"/>
-        <a:ext cx="2113749" cy="782217"/>
+        <a:off x="354910" y="2292002"/>
+        <a:ext cx="2580249" cy="878481"/>
       </dsp:txXfrm>
     </dsp:sp>
     <dsp:sp modelId="{5F90425C-6D35-4772-92F4-DC70EF54BF11}">
@@ -2838,8 +2843,8 @@
       </dsp:nvSpPr>
       <dsp:spPr>
         <a:xfrm>
-          <a:off x="2450069" y="3041896"/>
-          <a:ext cx="4049410" cy="866849"/>
+          <a:off x="2981585" y="3416252"/>
+          <a:ext cx="4927887" cy="973529"/>
         </a:xfrm>
         <a:prstGeom prst="rightArrow">
           <a:avLst>
@@ -2885,7 +2890,7 @@
         <a:fontRef idx="minor"/>
       </dsp:style>
       <dsp:txBody>
-        <a:bodyPr spcFirstLastPara="0" vert="horz" wrap="square" lIns="10160" tIns="10160" rIns="10160" bIns="10160" numCol="1" spcCol="1270" anchor="t" anchorCtr="0">
+        <a:bodyPr spcFirstLastPara="0" vert="horz" wrap="square" lIns="12700" tIns="12700" rIns="12700" bIns="12700" numCol="1" spcCol="1270" anchor="t" anchorCtr="0">
           <a:noAutofit/>
         </a:bodyPr>
         <a:lstStyle/>
@@ -2904,7 +2909,7 @@
             <a:buChar char="•"/>
           </a:pPr>
           <a:r>
-            <a:rPr lang="zh-CN" altLang="en-US" sz="1600" b="0" kern="1200" dirty="0">
+            <a:rPr lang="zh-CN" altLang="en-US" sz="2000" b="1" kern="1200" dirty="0">
               <a:solidFill>
                 <a:prstClr val="black">
                   <a:hueOff val="0"/>
@@ -2920,7 +2925,7 @@
             <a:t>总体加权最小二乘法</a:t>
           </a:r>
           <a:r>
-            <a:rPr lang="en-US" altLang="zh-CN" sz="1600" b="0" kern="1200" dirty="0">
+            <a:rPr lang="en-US" altLang="zh-CN" sz="2000" b="1" kern="1200" dirty="0">
               <a:solidFill>
                 <a:prstClr val="black">
                   <a:hueOff val="0"/>
@@ -2936,7 +2941,7 @@
             <a:t>(</a:t>
           </a:r>
           <a:r>
-            <a:rPr lang="zh-CN" altLang="en-US" sz="1600" b="0" kern="1200" dirty="0">
+            <a:rPr lang="zh-CN" altLang="en-US" sz="2000" b="1" kern="1200" dirty="0">
               <a:solidFill>
                 <a:prstClr val="black">
                   <a:hueOff val="0"/>
@@ -2952,7 +2957,7 @@
             <a:t>考虑相关性</a:t>
           </a:r>
           <a:r>
-            <a:rPr lang="en-US" altLang="zh-CN" sz="1600" b="0" kern="1200" dirty="0">
+            <a:rPr lang="en-US" altLang="zh-CN" sz="2000" b="1" kern="1200" dirty="0">
               <a:solidFill>
                 <a:prstClr val="black">
                   <a:hueOff val="0"/>
@@ -2967,7 +2972,7 @@
             </a:rPr>
             <a:t>)</a:t>
           </a:r>
-          <a:endParaRPr lang="zh-CN" altLang="en-US" sz="1600" b="0" kern="1200" dirty="0">
+          <a:endParaRPr lang="zh-CN" altLang="en-US" sz="2000" b="1" kern="1200" dirty="0">
             <a:solidFill>
               <a:prstClr val="black">
                 <a:hueOff val="0"/>
@@ -2996,7 +3001,7 @@
             <a:buChar char="•"/>
           </a:pPr>
           <a:r>
-            <a:rPr lang="en-US" altLang="en-US" sz="1600" b="0" kern="1200" dirty="0">
+            <a:rPr lang="en-US" altLang="en-US" sz="2000" b="1" kern="1200" dirty="0">
               <a:solidFill>
                 <a:prstClr val="black">
                   <a:hueOff val="0"/>
@@ -3012,7 +3017,7 @@
             <a:t>Weighted T</a:t>
           </a:r>
           <a:r>
-            <a:rPr lang="en-US" altLang="zh-CN" sz="1600" b="0" kern="1200" dirty="0">
+            <a:rPr lang="en-US" altLang="zh-CN" sz="2000" b="1" kern="1200" dirty="0">
               <a:solidFill>
                 <a:prstClr val="black">
                   <a:hueOff val="0"/>
@@ -3028,7 +3033,7 @@
             <a:t>otal </a:t>
           </a:r>
           <a:r>
-            <a:rPr lang="en-US" altLang="en-US" sz="1600" b="0" kern="1200" dirty="0">
+            <a:rPr lang="en-US" altLang="en-US" sz="2000" b="1" kern="1200" dirty="0">
               <a:solidFill>
                 <a:prstClr val="black">
                   <a:hueOff val="0"/>
@@ -3043,7 +3048,7 @@
             </a:rPr>
             <a:t>Least Square</a:t>
           </a:r>
-          <a:endParaRPr lang="zh-CN" altLang="en-US" sz="1600" b="0" kern="1200" dirty="0">
+          <a:endParaRPr lang="zh-CN" altLang="en-US" sz="2000" b="1" kern="1200" dirty="0">
             <a:solidFill>
               <a:prstClr val="black">
                 <a:hueOff val="0"/>
@@ -3059,8 +3064,8 @@
         </a:p>
       </dsp:txBody>
       <dsp:txXfrm>
-        <a:off x="2450069" y="3150252"/>
-        <a:ext cx="3724342" cy="650137"/>
+        <a:off x="2981585" y="3537943"/>
+        <a:ext cx="4562814" cy="730147"/>
       </dsp:txXfrm>
     </dsp:sp>
     <dsp:sp modelId="{4E0665C9-DB86-46EB-AF6A-D01FCC02BE5C}">
@@ -3070,8 +3075,8 @@
       </dsp:nvSpPr>
       <dsp:spPr>
         <a:xfrm>
-          <a:off x="249538" y="3041896"/>
-          <a:ext cx="2200530" cy="866849"/>
+          <a:off x="303672" y="3416252"/>
+          <a:ext cx="2677912" cy="973529"/>
         </a:xfrm>
         <a:prstGeom prst="roundRect">
           <a:avLst/>
@@ -3143,8 +3148,8 @@
         </a:p>
       </dsp:txBody>
       <dsp:txXfrm>
-        <a:off x="291854" y="3084212"/>
-        <a:ext cx="2115898" cy="782217"/>
+        <a:off x="351196" y="3463776"/>
+        <a:ext cx="2582864" cy="878481"/>
       </dsp:txXfrm>
     </dsp:sp>
   </dsp:spTree>
@@ -6228,6 +6233,13 @@
               <a:rPr lang="zh-CN" altLang="en-US" dirty="0"/>
               <a:t>到这里，我们的讨论还没有结束</a:t>
             </a:r>
+            <a:endParaRPr lang="en-US" altLang="zh-CN" dirty="0"/>
+          </a:p>
+          <a:p>
+            <a:r>
+              <a:rPr lang="zh-CN" altLang="en-US" dirty="0"/>
+              <a:t>刚才的方法仍有局限性</a:t>
+            </a:r>
           </a:p>
         </p:txBody>
       </p:sp>
@@ -6315,6 +6327,32 @@
               <a:rPr lang="zh-CN" altLang="en-US" dirty="0"/>
               <a:t>劝导听众要有耐心，最后一条改进</a:t>
             </a:r>
+            <a:endParaRPr lang="en-US" altLang="zh-CN" dirty="0"/>
+          </a:p>
+          <a:p>
+            <a:r>
+              <a:rPr lang="en-US" altLang="zh-CN" dirty="0"/>
+              <a:t>U</a:t>
+            </a:r>
+            <a:r>
+              <a:rPr lang="zh-CN" altLang="en-US" dirty="0"/>
+              <a:t>：协方差矩阵</a:t>
+            </a:r>
+            <a:endParaRPr lang="en-US" altLang="zh-CN" dirty="0"/>
+          </a:p>
+          <a:p>
+            <a:r>
+              <a:rPr lang="zh-CN" altLang="en-US" dirty="0"/>
+              <a:t>对角元</a:t>
+            </a:r>
+            <a:r>
+              <a:rPr lang="en-US" altLang="zh-CN" dirty="0"/>
+              <a:t>/</a:t>
+            </a:r>
+            <a:r>
+              <a:rPr lang="zh-CN" altLang="en-US" dirty="0"/>
+              <a:t>非对角线上元素</a:t>
+            </a:r>
           </a:p>
         </p:txBody>
       </p:sp>
@@ -6398,7 +6436,19 @@
           <a:bodyPr/>
           <a:lstStyle/>
           <a:p>
-            <a:endParaRPr lang="zh-CN" altLang="en-US" dirty="0"/>
+            <a:r>
+              <a:rPr lang="zh-CN" altLang="en-US" dirty="0"/>
+              <a:t>（</a:t>
+            </a:r>
+            <a:r>
+              <a:rPr lang="en-US" altLang="zh-CN" dirty="0"/>
+              <a:t>Click!</a:t>
+            </a:r>
+            <a:r>
+              <a:rPr lang="zh-CN" altLang="en-US" dirty="0"/>
+              <a:t>）一样的</a:t>
+            </a:r>
+            <a:endParaRPr lang="en-US" altLang="zh-CN" dirty="0"/>
           </a:p>
         </p:txBody>
       </p:sp>
@@ -6428,7 +6478,7 @@
     </p:spTree>
     <p:extLst>
       <p:ext uri="{BB962C8B-B14F-4D97-AF65-F5344CB8AC3E}">
-        <p14:creationId xmlns:p14="http://schemas.microsoft.com/office/powerpoint/2010/main" val="4052973467"/>
+        <p14:creationId xmlns:p14="http://schemas.microsoft.com/office/powerpoint/2010/main" val="3551334223"/>
       </p:ext>
     </p:extLst>
   </p:cSld>
@@ -6482,7 +6532,19 @@
           <a:bodyPr/>
           <a:lstStyle/>
           <a:p>
-            <a:endParaRPr lang="zh-CN" altLang="en-US" dirty="0"/>
+            <a:r>
+              <a:rPr lang="zh-CN" altLang="en-US" dirty="0"/>
+              <a:t>（</a:t>
+            </a:r>
+            <a:r>
+              <a:rPr lang="en-US" altLang="zh-CN" dirty="0"/>
+              <a:t>Click!</a:t>
+            </a:r>
+            <a:r>
+              <a:rPr lang="zh-CN" altLang="en-US" dirty="0"/>
+              <a:t>）一样的</a:t>
+            </a:r>
+            <a:endParaRPr lang="en-US" altLang="zh-CN" dirty="0"/>
           </a:p>
         </p:txBody>
       </p:sp>
@@ -6512,7 +6574,7 @@
     </p:spTree>
     <p:extLst>
       <p:ext uri="{BB962C8B-B14F-4D97-AF65-F5344CB8AC3E}">
-        <p14:creationId xmlns:p14="http://schemas.microsoft.com/office/powerpoint/2010/main" val="3346192242"/>
+        <p14:creationId xmlns:p14="http://schemas.microsoft.com/office/powerpoint/2010/main" val="2498228541"/>
       </p:ext>
     </p:extLst>
   </p:cSld>
@@ -6566,7 +6628,7 @@
           <a:bodyPr/>
           <a:lstStyle/>
           <a:p>
-            <a:endParaRPr lang="zh-CN" altLang="en-US"/>
+            <a:endParaRPr lang="zh-CN" altLang="en-US" dirty="0"/>
           </a:p>
         </p:txBody>
       </p:sp>
@@ -6596,7 +6658,7 @@
     </p:spTree>
     <p:extLst>
       <p:ext uri="{BB962C8B-B14F-4D97-AF65-F5344CB8AC3E}">
-        <p14:creationId xmlns:p14="http://schemas.microsoft.com/office/powerpoint/2010/main" val="1221424295"/>
+        <p14:creationId xmlns:p14="http://schemas.microsoft.com/office/powerpoint/2010/main" val="3346192242"/>
       </p:ext>
     </p:extLst>
   </p:cSld>
@@ -6704,7 +6766,7 @@
       </p:grpSpPr>
       <p:sp>
         <p:nvSpPr>
-          <p:cNvPr id="1048617" name="幻灯片图像占位符 1"/>
+          <p:cNvPr id="1048722" name="幻灯片图像占位符 1"/>
           <p:cNvSpPr>
             <a:spLocks noGrp="1" noRot="1" noChangeAspect="1"/>
           </p:cNvSpPr>
@@ -6716,7 +6778,7 @@
       </p:sp>
       <p:sp>
         <p:nvSpPr>
-          <p:cNvPr id="1048618" name="备注占位符 2"/>
+          <p:cNvPr id="1048723" name="备注占位符 2"/>
           <p:cNvSpPr>
             <a:spLocks noGrp="1"/>
           </p:cNvSpPr>
@@ -6735,7 +6797,7 @@
       </p:sp>
       <p:sp>
         <p:nvSpPr>
-          <p:cNvPr id="1048619" name="灯片编号占位符 3"/>
+          <p:cNvPr id="1048724" name="灯片编号占位符 3"/>
           <p:cNvSpPr>
             <a:spLocks noGrp="1"/>
           </p:cNvSpPr>
@@ -6757,6 +6819,179 @@
         </p:txBody>
       </p:sp>
     </p:spTree>
+    <p:extLst>
+      <p:ext uri="{BB962C8B-B14F-4D97-AF65-F5344CB8AC3E}">
+        <p14:creationId xmlns:p14="http://schemas.microsoft.com/office/powerpoint/2010/main" val="1446558559"/>
+      </p:ext>
+    </p:extLst>
+  </p:cSld>
+  <p:clrMapOvr>
+    <a:masterClrMapping/>
+  </p:clrMapOvr>
+</p:notes>
+</file>
+
+<file path=ppt/notesSlides/notesSlide28.xml><?xml version="1.0" encoding="utf-8"?>
+<p:notes xmlns:a="http://schemas.openxmlformats.org/drawingml/2006/main" xmlns:r="http://schemas.openxmlformats.org/officeDocument/2006/relationships" xmlns:p="http://schemas.openxmlformats.org/presentationml/2006/main">
+  <p:cSld>
+    <p:spTree>
+      <p:nvGrpSpPr>
+        <p:cNvPr id="1" name=""/>
+        <p:cNvGrpSpPr/>
+        <p:nvPr/>
+      </p:nvGrpSpPr>
+      <p:grpSpPr>
+        <a:xfrm>
+          <a:off x="0" y="0"/>
+          <a:ext cx="0" cy="0"/>
+          <a:chOff x="0" y="0"/>
+          <a:chExt cx="0" cy="0"/>
+        </a:xfrm>
+      </p:grpSpPr>
+      <p:sp>
+        <p:nvSpPr>
+          <p:cNvPr id="2" name="幻灯片图像占位符 1"/>
+          <p:cNvSpPr>
+            <a:spLocks noGrp="1" noRot="1" noChangeAspect="1"/>
+          </p:cNvSpPr>
+          <p:nvPr>
+            <p:ph type="sldImg"/>
+          </p:nvPr>
+        </p:nvSpPr>
+        <p:spPr/>
+      </p:sp>
+      <p:sp>
+        <p:nvSpPr>
+          <p:cNvPr id="3" name="备注占位符 2"/>
+          <p:cNvSpPr>
+            <a:spLocks noGrp="1"/>
+          </p:cNvSpPr>
+          <p:nvPr>
+            <p:ph type="body" idx="1"/>
+          </p:nvPr>
+        </p:nvSpPr>
+        <p:spPr/>
+        <p:txBody>
+          <a:bodyPr/>
+          <a:lstStyle/>
+          <a:p>
+            <a:endParaRPr lang="zh-CN" altLang="en-US" dirty="0"/>
+          </a:p>
+        </p:txBody>
+      </p:sp>
+      <p:sp>
+        <p:nvSpPr>
+          <p:cNvPr id="4" name="灯片编号占位符 3"/>
+          <p:cNvSpPr>
+            <a:spLocks noGrp="1"/>
+          </p:cNvSpPr>
+          <p:nvPr>
+            <p:ph type="sldNum" sz="quarter" idx="5"/>
+          </p:nvPr>
+        </p:nvSpPr>
+        <p:spPr/>
+        <p:txBody>
+          <a:bodyPr/>
+          <a:lstStyle/>
+          <a:p>
+            <a:fld id="{9CBB1522-D8B8-4EE2-937D-B0D68622BD2F}" type="slidenum">
+              <a:rPr lang="zh-CN" altLang="en-US" smtClean="0"/>
+              <a:t>32</a:t>
+            </a:fld>
+            <a:endParaRPr lang="zh-CN" altLang="en-US"/>
+          </a:p>
+        </p:txBody>
+      </p:sp>
+    </p:spTree>
+    <p:extLst>
+      <p:ext uri="{BB962C8B-B14F-4D97-AF65-F5344CB8AC3E}">
+        <p14:creationId xmlns:p14="http://schemas.microsoft.com/office/powerpoint/2010/main" val="2356105806"/>
+      </p:ext>
+    </p:extLst>
+  </p:cSld>
+  <p:clrMapOvr>
+    <a:masterClrMapping/>
+  </p:clrMapOvr>
+</p:notes>
+</file>
+
+<file path=ppt/notesSlides/notesSlide29.xml><?xml version="1.0" encoding="utf-8"?>
+<p:notes xmlns:a="http://schemas.openxmlformats.org/drawingml/2006/main" xmlns:r="http://schemas.openxmlformats.org/officeDocument/2006/relationships" xmlns:p="http://schemas.openxmlformats.org/presentationml/2006/main">
+  <p:cSld>
+    <p:spTree>
+      <p:nvGrpSpPr>
+        <p:cNvPr id="1" name=""/>
+        <p:cNvGrpSpPr/>
+        <p:nvPr/>
+      </p:nvGrpSpPr>
+      <p:grpSpPr>
+        <a:xfrm>
+          <a:off x="0" y="0"/>
+          <a:ext cx="0" cy="0"/>
+          <a:chOff x="0" y="0"/>
+          <a:chExt cx="0" cy="0"/>
+        </a:xfrm>
+      </p:grpSpPr>
+      <p:sp>
+        <p:nvSpPr>
+          <p:cNvPr id="2" name="幻灯片图像占位符 1"/>
+          <p:cNvSpPr>
+            <a:spLocks noGrp="1" noRot="1" noChangeAspect="1"/>
+          </p:cNvSpPr>
+          <p:nvPr>
+            <p:ph type="sldImg"/>
+          </p:nvPr>
+        </p:nvSpPr>
+        <p:spPr/>
+      </p:sp>
+      <p:sp>
+        <p:nvSpPr>
+          <p:cNvPr id="3" name="备注占位符 2"/>
+          <p:cNvSpPr>
+            <a:spLocks noGrp="1"/>
+          </p:cNvSpPr>
+          <p:nvPr>
+            <p:ph type="body" idx="1"/>
+          </p:nvPr>
+        </p:nvSpPr>
+        <p:spPr/>
+        <p:txBody>
+          <a:bodyPr/>
+          <a:lstStyle/>
+          <a:p>
+            <a:endParaRPr lang="zh-CN" altLang="en-US" dirty="0"/>
+          </a:p>
+        </p:txBody>
+      </p:sp>
+      <p:sp>
+        <p:nvSpPr>
+          <p:cNvPr id="4" name="灯片编号占位符 3"/>
+          <p:cNvSpPr>
+            <a:spLocks noGrp="1"/>
+          </p:cNvSpPr>
+          <p:nvPr>
+            <p:ph type="sldNum" sz="quarter" idx="5"/>
+          </p:nvPr>
+        </p:nvSpPr>
+        <p:spPr/>
+        <p:txBody>
+          <a:bodyPr/>
+          <a:lstStyle/>
+          <a:p>
+            <a:fld id="{9CBB1522-D8B8-4EE2-937D-B0D68622BD2F}" type="slidenum">
+              <a:rPr lang="zh-CN" altLang="en-US" smtClean="0"/>
+              <a:t>33</a:t>
+            </a:fld>
+            <a:endParaRPr lang="zh-CN" altLang="en-US"/>
+          </a:p>
+        </p:txBody>
+      </p:sp>
+    </p:spTree>
+    <p:extLst>
+      <p:ext uri="{BB962C8B-B14F-4D97-AF65-F5344CB8AC3E}">
+        <p14:creationId xmlns:p14="http://schemas.microsoft.com/office/powerpoint/2010/main" val="2353523054"/>
+      </p:ext>
+    </p:extLst>
   </p:cSld>
   <p:clrMapOvr>
     <a:masterClrMapping/>
@@ -6830,6 +7065,273 @@
             <a:fld id="{9CBB1522-D8B8-4EE2-937D-B0D68622BD2F}" type="slidenum">
               <a:rPr lang="zh-CN" altLang="en-US" smtClean="0"/>
               <a:t>3</a:t>
+            </a:fld>
+            <a:endParaRPr lang="zh-CN" altLang="en-US"/>
+          </a:p>
+        </p:txBody>
+      </p:sp>
+    </p:spTree>
+  </p:cSld>
+  <p:clrMapOvr>
+    <a:masterClrMapping/>
+  </p:clrMapOvr>
+</p:notes>
+</file>
+
+<file path=ppt/notesSlides/notesSlide30.xml><?xml version="1.0" encoding="utf-8"?>
+<p:notes xmlns:a="http://schemas.openxmlformats.org/drawingml/2006/main" xmlns:r="http://schemas.openxmlformats.org/officeDocument/2006/relationships" xmlns:p="http://schemas.openxmlformats.org/presentationml/2006/main">
+  <p:cSld>
+    <p:spTree>
+      <p:nvGrpSpPr>
+        <p:cNvPr id="1" name=""/>
+        <p:cNvGrpSpPr/>
+        <p:nvPr/>
+      </p:nvGrpSpPr>
+      <p:grpSpPr>
+        <a:xfrm>
+          <a:off x="0" y="0"/>
+          <a:ext cx="0" cy="0"/>
+          <a:chOff x="0" y="0"/>
+          <a:chExt cx="0" cy="0"/>
+        </a:xfrm>
+      </p:grpSpPr>
+      <p:sp>
+        <p:nvSpPr>
+          <p:cNvPr id="2" name="幻灯片图像占位符 1"/>
+          <p:cNvSpPr>
+            <a:spLocks noGrp="1" noRot="1" noChangeAspect="1"/>
+          </p:cNvSpPr>
+          <p:nvPr>
+            <p:ph type="sldImg"/>
+          </p:nvPr>
+        </p:nvSpPr>
+        <p:spPr/>
+      </p:sp>
+      <p:sp>
+        <p:nvSpPr>
+          <p:cNvPr id="3" name="备注占位符 2"/>
+          <p:cNvSpPr>
+            <a:spLocks noGrp="1"/>
+          </p:cNvSpPr>
+          <p:nvPr>
+            <p:ph type="body" idx="1"/>
+          </p:nvPr>
+        </p:nvSpPr>
+        <p:spPr/>
+        <p:txBody>
+          <a:bodyPr/>
+          <a:lstStyle/>
+          <a:p>
+            <a:r>
+              <a:rPr lang="zh-CN" altLang="en-US" dirty="0"/>
+              <a:t>作用：</a:t>
+            </a:r>
+            <a:endParaRPr lang="en-US" altLang="zh-CN" dirty="0"/>
+          </a:p>
+          <a:p>
+            <a:r>
+              <a:rPr lang="zh-CN" altLang="en-US" dirty="0"/>
+              <a:t>除了评估测量结果可靠性外</a:t>
+            </a:r>
+          </a:p>
+        </p:txBody>
+      </p:sp>
+      <p:sp>
+        <p:nvSpPr>
+          <p:cNvPr id="4" name="灯片编号占位符 3"/>
+          <p:cNvSpPr>
+            <a:spLocks noGrp="1"/>
+          </p:cNvSpPr>
+          <p:nvPr>
+            <p:ph type="sldNum" sz="quarter" idx="5"/>
+          </p:nvPr>
+        </p:nvSpPr>
+        <p:spPr/>
+        <p:txBody>
+          <a:bodyPr/>
+          <a:lstStyle/>
+          <a:p>
+            <a:fld id="{9CBB1522-D8B8-4EE2-937D-B0D68622BD2F}" type="slidenum">
+              <a:rPr lang="zh-CN" altLang="en-US" smtClean="0"/>
+              <a:t>34</a:t>
+            </a:fld>
+            <a:endParaRPr lang="zh-CN" altLang="en-US"/>
+          </a:p>
+        </p:txBody>
+      </p:sp>
+    </p:spTree>
+    <p:extLst>
+      <p:ext uri="{BB962C8B-B14F-4D97-AF65-F5344CB8AC3E}">
+        <p14:creationId xmlns:p14="http://schemas.microsoft.com/office/powerpoint/2010/main" val="686388621"/>
+      </p:ext>
+    </p:extLst>
+  </p:cSld>
+  <p:clrMapOvr>
+    <a:masterClrMapping/>
+  </p:clrMapOvr>
+</p:notes>
+</file>
+
+<file path=ppt/notesSlides/notesSlide31.xml><?xml version="1.0" encoding="utf-8"?>
+<p:notes xmlns:a="http://schemas.openxmlformats.org/drawingml/2006/main" xmlns:r="http://schemas.openxmlformats.org/officeDocument/2006/relationships" xmlns:p="http://schemas.openxmlformats.org/presentationml/2006/main">
+  <p:cSld>
+    <p:spTree>
+      <p:nvGrpSpPr>
+        <p:cNvPr id="1" name=""/>
+        <p:cNvGrpSpPr/>
+        <p:nvPr/>
+      </p:nvGrpSpPr>
+      <p:grpSpPr>
+        <a:xfrm>
+          <a:off x="0" y="0"/>
+          <a:ext cx="0" cy="0"/>
+          <a:chOff x="0" y="0"/>
+          <a:chExt cx="0" cy="0"/>
+        </a:xfrm>
+      </p:grpSpPr>
+      <p:sp>
+        <p:nvSpPr>
+          <p:cNvPr id="2" name="幻灯片图像占位符 1"/>
+          <p:cNvSpPr>
+            <a:spLocks noGrp="1" noRot="1" noChangeAspect="1"/>
+          </p:cNvSpPr>
+          <p:nvPr>
+            <p:ph type="sldImg"/>
+          </p:nvPr>
+        </p:nvSpPr>
+        <p:spPr/>
+      </p:sp>
+      <p:sp>
+        <p:nvSpPr>
+          <p:cNvPr id="3" name="备注占位符 2"/>
+          <p:cNvSpPr>
+            <a:spLocks noGrp="1"/>
+          </p:cNvSpPr>
+          <p:nvPr>
+            <p:ph type="body" idx="1"/>
+          </p:nvPr>
+        </p:nvSpPr>
+        <p:spPr/>
+        <p:txBody>
+          <a:bodyPr/>
+          <a:lstStyle/>
+          <a:p>
+            <a:r>
+              <a:rPr lang="zh-CN" altLang="en-US" dirty="0"/>
+              <a:t>作用：</a:t>
+            </a:r>
+            <a:endParaRPr lang="en-US" altLang="zh-CN" dirty="0"/>
+          </a:p>
+          <a:p>
+            <a:r>
+              <a:rPr lang="zh-CN" altLang="en-US" dirty="0"/>
+              <a:t>除了评估测量结果可靠性外</a:t>
+            </a:r>
+          </a:p>
+        </p:txBody>
+      </p:sp>
+      <p:sp>
+        <p:nvSpPr>
+          <p:cNvPr id="4" name="灯片编号占位符 3"/>
+          <p:cNvSpPr>
+            <a:spLocks noGrp="1"/>
+          </p:cNvSpPr>
+          <p:nvPr>
+            <p:ph type="sldNum" sz="quarter" idx="5"/>
+          </p:nvPr>
+        </p:nvSpPr>
+        <p:spPr/>
+        <p:txBody>
+          <a:bodyPr/>
+          <a:lstStyle/>
+          <a:p>
+            <a:fld id="{9CBB1522-D8B8-4EE2-937D-B0D68622BD2F}" type="slidenum">
+              <a:rPr lang="zh-CN" altLang="en-US" smtClean="0"/>
+              <a:t>35</a:t>
+            </a:fld>
+            <a:endParaRPr lang="zh-CN" altLang="en-US"/>
+          </a:p>
+        </p:txBody>
+      </p:sp>
+    </p:spTree>
+    <p:extLst>
+      <p:ext uri="{BB962C8B-B14F-4D97-AF65-F5344CB8AC3E}">
+        <p14:creationId xmlns:p14="http://schemas.microsoft.com/office/powerpoint/2010/main" val="3359902224"/>
+      </p:ext>
+    </p:extLst>
+  </p:cSld>
+  <p:clrMapOvr>
+    <a:masterClrMapping/>
+  </p:clrMapOvr>
+</p:notes>
+</file>
+
+<file path=ppt/notesSlides/notesSlide32.xml><?xml version="1.0" encoding="utf-8"?>
+<p:notes xmlns:a="http://schemas.openxmlformats.org/drawingml/2006/main" xmlns:r="http://schemas.openxmlformats.org/officeDocument/2006/relationships" xmlns:p="http://schemas.openxmlformats.org/presentationml/2006/main">
+  <p:cSld>
+    <p:spTree>
+      <p:nvGrpSpPr>
+        <p:cNvPr id="1" name=""/>
+        <p:cNvGrpSpPr/>
+        <p:nvPr/>
+      </p:nvGrpSpPr>
+      <p:grpSpPr>
+        <a:xfrm>
+          <a:off x="0" y="0"/>
+          <a:ext cx="0" cy="0"/>
+          <a:chOff x="0" y="0"/>
+          <a:chExt cx="0" cy="0"/>
+        </a:xfrm>
+      </p:grpSpPr>
+      <p:sp>
+        <p:nvSpPr>
+          <p:cNvPr id="1048617" name="幻灯片图像占位符 1"/>
+          <p:cNvSpPr>
+            <a:spLocks noGrp="1" noRot="1" noChangeAspect="1"/>
+          </p:cNvSpPr>
+          <p:nvPr>
+            <p:ph type="sldImg"/>
+          </p:nvPr>
+        </p:nvSpPr>
+        <p:spPr/>
+      </p:sp>
+      <p:sp>
+        <p:nvSpPr>
+          <p:cNvPr id="1048618" name="备注占位符 2"/>
+          <p:cNvSpPr>
+            <a:spLocks noGrp="1"/>
+          </p:cNvSpPr>
+          <p:nvPr>
+            <p:ph type="body" idx="1"/>
+          </p:nvPr>
+        </p:nvSpPr>
+        <p:spPr/>
+        <p:txBody>
+          <a:bodyPr/>
+          <a:lstStyle/>
+          <a:p>
+            <a:endParaRPr lang="zh-CN" altLang="en-US"/>
+          </a:p>
+        </p:txBody>
+      </p:sp>
+      <p:sp>
+        <p:nvSpPr>
+          <p:cNvPr id="1048619" name="灯片编号占位符 3"/>
+          <p:cNvSpPr>
+            <a:spLocks noGrp="1"/>
+          </p:cNvSpPr>
+          <p:nvPr>
+            <p:ph type="sldNum" sz="quarter" idx="10"/>
+          </p:nvPr>
+        </p:nvSpPr>
+        <p:spPr/>
+        <p:txBody>
+          <a:bodyPr/>
+          <a:lstStyle/>
+          <a:p>
+            <a:fld id="{9CBB1522-D8B8-4EE2-937D-B0D68622BD2F}" type="slidenum">
+              <a:rPr lang="zh-CN" altLang="en-US" smtClean="0"/>
+              <a:t>36</a:t>
             </a:fld>
             <a:endParaRPr lang="zh-CN" altLang="en-US"/>
           </a:p>
@@ -14198,7 +14700,7 @@
         <p:spPr bwMode="auto">
           <a:xfrm>
             <a:off x="0" y="121196"/>
-            <a:ext cx="4678434" cy="935502"/>
+            <a:ext cx="3995936" cy="799029"/>
           </a:xfrm>
           <a:prstGeom prst="rect">
             <a:avLst/>
@@ -14350,8 +14852,8 @@
         </p:nvSpPr>
         <p:spPr>
           <a:xfrm>
-            <a:off x="2608961" y="4250784"/>
-            <a:ext cx="3926076" cy="400110"/>
+            <a:off x="2627784" y="4286050"/>
+            <a:ext cx="4006226" cy="400110"/>
           </a:xfrm>
           <a:prstGeom prst="rect">
             <a:avLst/>
@@ -14429,6 +14931,62 @@
               </a:rPr>
               <a:t>主要内容：最小二乘法的变式分析</a:t>
             </a:r>
+          </a:p>
+        </p:txBody>
+      </p:sp>
+      <p:sp>
+        <p:nvSpPr>
+          <p:cNvPr id="2" name="文本框 1">
+            <a:extLst>
+              <a:ext uri="{FF2B5EF4-FFF2-40B4-BE49-F238E27FC236}">
+                <a16:creationId xmlns:a16="http://schemas.microsoft.com/office/drawing/2014/main" id="{BF624231-FAC7-B4FF-5F7C-181EFB9A53B3}"/>
+              </a:ext>
+            </a:extLst>
+          </p:cNvPr>
+          <p:cNvSpPr txBox="1"/>
+          <p:nvPr/>
+        </p:nvSpPr>
+        <p:spPr>
+          <a:xfrm>
+            <a:off x="107504" y="968642"/>
+            <a:ext cx="1224136" cy="584775"/>
+          </a:xfrm>
+          <a:prstGeom prst="rect">
+            <a:avLst/>
+          </a:prstGeom>
+          <a:noFill/>
+        </p:spPr>
+        <p:txBody>
+          <a:bodyPr wrap="square" rtlCol="0">
+            <a:spAutoFit/>
+          </a:bodyPr>
+          <a:lstStyle/>
+          <a:p>
+            <a:r>
+              <a:rPr lang="en-US" altLang="zh-CN" sz="3200" b="1" dirty="0">
+                <a:effectLst>
+                  <a:outerShdw blurRad="38100" dist="38100" dir="2700000" algn="tl">
+                    <a:srgbClr val="000000">
+                      <a:alpha val="43137"/>
+                    </a:srgbClr>
+                  </a:outerShdw>
+                </a:effectLst>
+                <a:latin typeface="Times New Roman" panose="02020603050405020304" pitchFamily="18" charset="0"/>
+                <a:cs typeface="Times New Roman" panose="02020603050405020304" pitchFamily="18" charset="0"/>
+              </a:rPr>
+              <a:t>E4.3</a:t>
+            </a:r>
+            <a:endParaRPr lang="zh-CN" altLang="en-US" sz="3200" b="1" dirty="0">
+              <a:effectLst>
+                <a:outerShdw blurRad="38100" dist="38100" dir="2700000" algn="tl">
+                  <a:srgbClr val="000000">
+                    <a:alpha val="43137"/>
+                  </a:srgbClr>
+                </a:outerShdw>
+              </a:effectLst>
+              <a:latin typeface="Times New Roman" panose="02020603050405020304" pitchFamily="18" charset="0"/>
+              <a:cs typeface="Times New Roman" panose="02020603050405020304" pitchFamily="18" charset="0"/>
+            </a:endParaRPr>
           </a:p>
         </p:txBody>
       </p:sp>
@@ -23824,7 +24382,7 @@
         <p:grpSpPr>
           <a:xfrm>
             <a:off x="2253115" y="1079454"/>
-            <a:ext cx="5991291" cy="4225760"/>
+            <a:ext cx="5991291" cy="4154310"/>
             <a:chOff x="2274493" y="1339602"/>
             <a:chExt cx="5578945" cy="4225760"/>
           </a:xfrm>
@@ -24426,123 +24984,6 @@
           </a:p>
         </p:txBody>
       </p:sp>
-      <p:sp>
-        <p:nvSpPr>
-          <p:cNvPr id="2" name="泪滴形 21">
-            <a:extLst>
-              <a:ext uri="{FF2B5EF4-FFF2-40B4-BE49-F238E27FC236}">
-                <a16:creationId xmlns:a16="http://schemas.microsoft.com/office/drawing/2014/main" id="{ABD7EAA0-EE6A-A669-ABB5-56F9BF686D37}"/>
-              </a:ext>
-            </a:extLst>
-          </p:cNvPr>
-          <p:cNvSpPr/>
-          <p:nvPr/>
-        </p:nvSpPr>
-        <p:spPr>
-          <a:xfrm>
-            <a:off x="2890241" y="4519526"/>
-            <a:ext cx="522893" cy="486905"/>
-          </a:xfrm>
-          <a:prstGeom prst="teardrop">
-            <a:avLst/>
-          </a:prstGeom>
-          <a:solidFill>
-            <a:schemeClr val="tx2">
-              <a:lumMod val="75000"/>
-            </a:schemeClr>
-          </a:solidFill>
-          <a:ln>
-            <a:noFill/>
-          </a:ln>
-        </p:spPr>
-        <p:style>
-          <a:lnRef idx="2">
-            <a:schemeClr val="accent1">
-              <a:shade val="50000"/>
-            </a:schemeClr>
-          </a:lnRef>
-          <a:fillRef idx="1">
-            <a:schemeClr val="accent1"/>
-          </a:fillRef>
-          <a:effectRef idx="0">
-            <a:schemeClr val="accent1"/>
-          </a:effectRef>
-          <a:fontRef idx="minor">
-            <a:schemeClr val="lt1"/>
-          </a:fontRef>
-        </p:style>
-        <p:txBody>
-          <a:bodyPr rtlCol="0" anchor="ctr"/>
-          <a:lstStyle/>
-          <a:p>
-            <a:pPr algn="ctr"/>
-            <a:r>
-              <a:rPr lang="en-US" altLang="zh-CN" sz="2800" dirty="0">
-                <a:latin typeface="微软雅黑" panose="020B0503020204020204" pitchFamily="34" charset="-122"/>
-                <a:ea typeface="微软雅黑" panose="020B0503020204020204" pitchFamily="34" charset="-122"/>
-              </a:rPr>
-              <a:t>5</a:t>
-            </a:r>
-            <a:endParaRPr lang="zh-CN" altLang="en-US" dirty="0">
-              <a:latin typeface="微软雅黑" panose="020B0503020204020204" pitchFamily="34" charset="-122"/>
-              <a:ea typeface="微软雅黑" panose="020B0503020204020204" pitchFamily="34" charset="-122"/>
-            </a:endParaRPr>
-          </a:p>
-        </p:txBody>
-      </p:sp>
-      <p:sp>
-        <p:nvSpPr>
-          <p:cNvPr id="3" name="TextBox 16">
-            <a:extLst>
-              <a:ext uri="{FF2B5EF4-FFF2-40B4-BE49-F238E27FC236}">
-                <a16:creationId xmlns:a16="http://schemas.microsoft.com/office/drawing/2014/main" id="{60CE994F-DB89-06C5-9DBD-CE59F8510B69}"/>
-              </a:ext>
-            </a:extLst>
-          </p:cNvPr>
-          <p:cNvSpPr txBox="1"/>
-          <p:nvPr/>
-        </p:nvSpPr>
-        <p:spPr>
-          <a:xfrm>
-            <a:off x="3808994" y="4470591"/>
-            <a:ext cx="2923815" cy="523220"/>
-          </a:xfrm>
-          <a:prstGeom prst="rect">
-            <a:avLst/>
-          </a:prstGeom>
-          <a:noFill/>
-        </p:spPr>
-        <p:txBody>
-          <a:bodyPr vert="horz" wrap="square" rtlCol="0">
-            <a:spAutoFit/>
-          </a:bodyPr>
-          <a:lstStyle/>
-          <a:p>
-            <a:pPr fontAlgn="b"/>
-            <a:r>
-              <a:rPr lang="zh-CN" altLang="en-US" sz="2800" b="1" dirty="0">
-                <a:solidFill>
-                  <a:schemeClr val="tx2">
-                    <a:lumMod val="75000"/>
-                  </a:schemeClr>
-                </a:solidFill>
-                <a:latin typeface="微软雅黑" panose="020B0503020204020204" pitchFamily="34" charset="-122"/>
-                <a:ea typeface="微软雅黑" panose="020B0503020204020204" pitchFamily="34" charset="-122"/>
-              </a:rPr>
-              <a:t>改进建议</a:t>
-            </a:r>
-            <a:endParaRPr lang="zh-CN" altLang="zh-CN" sz="2800" b="1" dirty="0">
-              <a:solidFill>
-                <a:schemeClr val="tx2">
-                  <a:lumMod val="75000"/>
-                </a:schemeClr>
-              </a:solidFill>
-              <a:latin typeface="微软雅黑" panose="020B0503020204020204" pitchFamily="34" charset="-122"/>
-              <a:ea typeface="微软雅黑" panose="020B0503020204020204" pitchFamily="34" charset="-122"/>
-            </a:endParaRPr>
-          </a:p>
-        </p:txBody>
-      </p:sp>
     </p:spTree>
   </p:cSld>
   <p:clrMapOvr>
@@ -25871,7 +26312,7 @@
                 <a:latin typeface="微软雅黑" panose="020B0503020204020204" pitchFamily="34" charset="-122"/>
                 <a:ea typeface="微软雅黑" panose="020B0503020204020204" pitchFamily="34" charset="-122"/>
               </a:rPr>
-              <a:t>(6/9)</a:t>
+              <a:t>(7/9)</a:t>
             </a:r>
             <a:endParaRPr lang="zh-CN" altLang="en-US" sz="2400" b="1" dirty="0">
               <a:solidFill>
@@ -26873,7 +27314,7 @@
                 <a:latin typeface="微软雅黑" panose="020B0503020204020204" pitchFamily="34" charset="-122"/>
                 <a:ea typeface="微软雅黑" panose="020B0503020204020204" pitchFamily="34" charset="-122"/>
               </a:rPr>
-              <a:t>(6/9)</a:t>
+              <a:t>(8/9)</a:t>
             </a:r>
             <a:endParaRPr lang="zh-CN" altLang="en-US" sz="2400" b="1" dirty="0">
               <a:solidFill>
@@ -27390,6 +27831,429 @@
               <a:latin typeface="微软雅黑" panose="020B0503020204020204" pitchFamily="34" charset="-122"/>
               <a:ea typeface="微软雅黑" panose="020B0503020204020204" pitchFamily="34" charset="-122"/>
             </a:endParaRPr>
+          </a:p>
+        </p:txBody>
+      </p:sp>
+      <p:graphicFrame>
+        <p:nvGraphicFramePr>
+          <p:cNvPr id="2" name="对象 1">
+            <a:extLst>
+              <a:ext uri="{FF2B5EF4-FFF2-40B4-BE49-F238E27FC236}">
+                <a16:creationId xmlns:a16="http://schemas.microsoft.com/office/drawing/2014/main" id="{806F6BF6-3E9D-CED6-C256-3F547118D914}"/>
+              </a:ext>
+            </a:extLst>
+          </p:cNvPr>
+          <p:cNvGraphicFramePr>
+            <a:graphicFrameLocks noChangeAspect="1"/>
+          </p:cNvGraphicFramePr>
+          <p:nvPr>
+            <p:extLst>
+              <p:ext uri="{D42A27DB-BD31-4B8C-83A1-F6EECF244321}">
+                <p14:modId xmlns:p14="http://schemas.microsoft.com/office/powerpoint/2010/main" val="2646716115"/>
+              </p:ext>
+            </p:extLst>
+          </p:nvPr>
+        </p:nvGraphicFramePr>
+        <p:xfrm>
+          <a:off x="314885" y="1477405"/>
+          <a:ext cx="3691446" cy="593190"/>
+        </p:xfrm>
+        <a:graphic>
+          <a:graphicData uri="http://schemas.openxmlformats.org/presentationml/2006/ole">
+            <mc:AlternateContent xmlns:mc="http://schemas.openxmlformats.org/markup-compatibility/2006">
+              <mc:Choice xmlns:v="urn:schemas-microsoft-com:vml" Requires="v">
+                <p:oleObj name="AxMath" r:id="rId5" imgW="3439800" imgH="551520" progId="Equation.AxMath">
+                  <p:embed/>
+                </p:oleObj>
+              </mc:Choice>
+              <mc:Fallback>
+                <p:oleObj name="AxMath" r:id="rId5" imgW="3439800" imgH="551520" progId="Equation.AxMath">
+                  <p:embed/>
+                  <p:pic>
+                    <p:nvPicPr>
+                      <p:cNvPr id="15" name="对象 14">
+                        <a:extLst>
+                          <a:ext uri="{FF2B5EF4-FFF2-40B4-BE49-F238E27FC236}">
+                            <a16:creationId xmlns:a16="http://schemas.microsoft.com/office/drawing/2014/main" id="{EFD917E8-1594-C6DF-8F4E-5ECFF488D95D}"/>
+                          </a:ext>
+                        </a:extLst>
+                      </p:cNvPr>
+                      <p:cNvPicPr/>
+                      <p:nvPr/>
+                    </p:nvPicPr>
+                    <p:blipFill>
+                      <a:blip r:embed="rId6"/>
+                      <a:stretch>
+                        <a:fillRect/>
+                      </a:stretch>
+                    </p:blipFill>
+                    <p:spPr>
+                      <a:xfrm>
+                        <a:off x="314885" y="1477405"/>
+                        <a:ext cx="3691446" cy="593190"/>
+                      </a:xfrm>
+                      <a:prstGeom prst="rect">
+                        <a:avLst/>
+                      </a:prstGeom>
+                    </p:spPr>
+                  </p:pic>
+                </p:oleObj>
+              </mc:Fallback>
+            </mc:AlternateContent>
+          </a:graphicData>
+        </a:graphic>
+      </p:graphicFrame>
+      <p:sp>
+        <p:nvSpPr>
+          <p:cNvPr id="6" name="箭头: 下 5">
+            <a:extLst>
+              <a:ext uri="{FF2B5EF4-FFF2-40B4-BE49-F238E27FC236}">
+                <a16:creationId xmlns:a16="http://schemas.microsoft.com/office/drawing/2014/main" id="{FAEB4840-141E-D487-0273-5B594E27FFA0}"/>
+              </a:ext>
+            </a:extLst>
+          </p:cNvPr>
+          <p:cNvSpPr/>
+          <p:nvPr/>
+        </p:nvSpPr>
+        <p:spPr>
+          <a:xfrm>
+            <a:off x="2123728" y="2090046"/>
+            <a:ext cx="264497" cy="421649"/>
+          </a:xfrm>
+          <a:prstGeom prst="downArrow">
+            <a:avLst/>
+          </a:prstGeom>
+        </p:spPr>
+        <p:style>
+          <a:lnRef idx="2">
+            <a:schemeClr val="accent1">
+              <a:shade val="50000"/>
+            </a:schemeClr>
+          </a:lnRef>
+          <a:fillRef idx="1">
+            <a:schemeClr val="accent1"/>
+          </a:fillRef>
+          <a:effectRef idx="0">
+            <a:schemeClr val="accent1"/>
+          </a:effectRef>
+          <a:fontRef idx="minor">
+            <a:schemeClr val="lt1"/>
+          </a:fontRef>
+        </p:style>
+        <p:txBody>
+          <a:bodyPr rtlCol="0" anchor="ctr"/>
+          <a:lstStyle/>
+          <a:p>
+            <a:pPr algn="ctr"/>
+            <a:endParaRPr lang="zh-CN" altLang="en-US"/>
+          </a:p>
+        </p:txBody>
+      </p:sp>
+      <p:graphicFrame>
+        <p:nvGraphicFramePr>
+          <p:cNvPr id="13" name="对象 12">
+            <a:extLst>
+              <a:ext uri="{FF2B5EF4-FFF2-40B4-BE49-F238E27FC236}">
+                <a16:creationId xmlns:a16="http://schemas.microsoft.com/office/drawing/2014/main" id="{92935D7D-9D1C-E939-A699-F70B313E1E02}"/>
+              </a:ext>
+            </a:extLst>
+          </p:cNvPr>
+          <p:cNvGraphicFramePr>
+            <a:graphicFrameLocks noChangeAspect="1"/>
+          </p:cNvGraphicFramePr>
+          <p:nvPr>
+            <p:extLst>
+              <p:ext uri="{D42A27DB-BD31-4B8C-83A1-F6EECF244321}">
+                <p14:modId xmlns:p14="http://schemas.microsoft.com/office/powerpoint/2010/main" val="3492529581"/>
+              </p:ext>
+            </p:extLst>
+          </p:nvPr>
+        </p:nvGraphicFramePr>
+        <p:xfrm>
+          <a:off x="314885" y="2572609"/>
+          <a:ext cx="3693839" cy="592814"/>
+        </p:xfrm>
+        <a:graphic>
+          <a:graphicData uri="http://schemas.openxmlformats.org/presentationml/2006/ole">
+            <mc:AlternateContent xmlns:mc="http://schemas.openxmlformats.org/markup-compatibility/2006">
+              <mc:Choice xmlns:v="urn:schemas-microsoft-com:vml" Requires="v">
+                <p:oleObj name="AxMath" r:id="rId7" imgW="3441960" imgH="551520" progId="Equation.AxMath">
+                  <p:embed/>
+                </p:oleObj>
+              </mc:Choice>
+              <mc:Fallback>
+                <p:oleObj name="AxMath" r:id="rId7" imgW="3441960" imgH="551520" progId="Equation.AxMath">
+                  <p:embed/>
+                  <p:pic>
+                    <p:nvPicPr>
+                      <p:cNvPr id="2" name="对象 1">
+                        <a:extLst>
+                          <a:ext uri="{FF2B5EF4-FFF2-40B4-BE49-F238E27FC236}">
+                            <a16:creationId xmlns:a16="http://schemas.microsoft.com/office/drawing/2014/main" id="{806F6BF6-3E9D-CED6-C256-3F547118D914}"/>
+                          </a:ext>
+                        </a:extLst>
+                      </p:cNvPr>
+                      <p:cNvPicPr/>
+                      <p:nvPr/>
+                    </p:nvPicPr>
+                    <p:blipFill>
+                      <a:blip r:embed="rId8"/>
+                      <a:stretch>
+                        <a:fillRect/>
+                      </a:stretch>
+                    </p:blipFill>
+                    <p:spPr>
+                      <a:xfrm>
+                        <a:off x="314885" y="2572609"/>
+                        <a:ext cx="3693839" cy="592814"/>
+                      </a:xfrm>
+                      <a:prstGeom prst="rect">
+                        <a:avLst/>
+                      </a:prstGeom>
+                    </p:spPr>
+                  </p:pic>
+                </p:oleObj>
+              </mc:Fallback>
+            </mc:AlternateContent>
+          </a:graphicData>
+        </a:graphic>
+      </p:graphicFrame>
+      <p:graphicFrame>
+        <p:nvGraphicFramePr>
+          <p:cNvPr id="14" name="对象 13">
+            <a:extLst>
+              <a:ext uri="{FF2B5EF4-FFF2-40B4-BE49-F238E27FC236}">
+                <a16:creationId xmlns:a16="http://schemas.microsoft.com/office/drawing/2014/main" id="{E8B1DECC-D903-0289-F25A-769ED66F518B}"/>
+              </a:ext>
+            </a:extLst>
+          </p:cNvPr>
+          <p:cNvGraphicFramePr>
+            <a:graphicFrameLocks noChangeAspect="1"/>
+          </p:cNvGraphicFramePr>
+          <p:nvPr>
+            <p:extLst>
+              <p:ext uri="{D42A27DB-BD31-4B8C-83A1-F6EECF244321}">
+                <p14:modId xmlns:p14="http://schemas.microsoft.com/office/powerpoint/2010/main" val="3274175852"/>
+              </p:ext>
+            </p:extLst>
+          </p:nvPr>
+        </p:nvGraphicFramePr>
+        <p:xfrm>
+          <a:off x="3785225" y="3612185"/>
+          <a:ext cx="3471862" cy="1652587"/>
+        </p:xfrm>
+        <a:graphic>
+          <a:graphicData uri="http://schemas.openxmlformats.org/presentationml/2006/ole">
+            <mc:AlternateContent xmlns:mc="http://schemas.openxmlformats.org/markup-compatibility/2006">
+              <mc:Choice xmlns:v="urn:schemas-microsoft-com:vml" Requires="v">
+                <p:oleObj name="AxMath" r:id="rId9" imgW="2799000" imgH="1332720" progId="Equation.AxMath">
+                  <p:embed/>
+                </p:oleObj>
+              </mc:Choice>
+              <mc:Fallback>
+                <p:oleObj name="AxMath" r:id="rId9" imgW="2799000" imgH="1332720" progId="Equation.AxMath">
+                  <p:embed/>
+                  <p:pic>
+                    <p:nvPicPr>
+                      <p:cNvPr id="29" name="对象 28">
+                        <a:extLst>
+                          <a:ext uri="{FF2B5EF4-FFF2-40B4-BE49-F238E27FC236}">
+                            <a16:creationId xmlns:a16="http://schemas.microsoft.com/office/drawing/2014/main" id="{B5C90515-64F5-4996-8E45-D705C6033C47}"/>
+                          </a:ext>
+                        </a:extLst>
+                      </p:cNvPr>
+                      <p:cNvPicPr/>
+                      <p:nvPr/>
+                    </p:nvPicPr>
+                    <p:blipFill>
+                      <a:blip r:embed="rId10"/>
+                      <a:stretch>
+                        <a:fillRect/>
+                      </a:stretch>
+                    </p:blipFill>
+                    <p:spPr>
+                      <a:xfrm>
+                        <a:off x="3785225" y="3612185"/>
+                        <a:ext cx="3471862" cy="1652587"/>
+                      </a:xfrm>
+                      <a:prstGeom prst="rect">
+                        <a:avLst/>
+                      </a:prstGeom>
+                    </p:spPr>
+                  </p:pic>
+                </p:oleObj>
+              </mc:Fallback>
+            </mc:AlternateContent>
+          </a:graphicData>
+        </a:graphic>
+      </p:graphicFrame>
+      <p:graphicFrame>
+        <p:nvGraphicFramePr>
+          <p:cNvPr id="15" name="对象 14">
+            <a:extLst>
+              <a:ext uri="{FF2B5EF4-FFF2-40B4-BE49-F238E27FC236}">
+                <a16:creationId xmlns:a16="http://schemas.microsoft.com/office/drawing/2014/main" id="{B2A02F15-278F-B2FC-F37B-E506D72ACF03}"/>
+              </a:ext>
+            </a:extLst>
+          </p:cNvPr>
+          <p:cNvGraphicFramePr>
+            <a:graphicFrameLocks noChangeAspect="1"/>
+          </p:cNvGraphicFramePr>
+          <p:nvPr>
+            <p:extLst>
+              <p:ext uri="{D42A27DB-BD31-4B8C-83A1-F6EECF244321}">
+                <p14:modId xmlns:p14="http://schemas.microsoft.com/office/powerpoint/2010/main" val="2771533231"/>
+              </p:ext>
+            </p:extLst>
+          </p:nvPr>
+        </p:nvGraphicFramePr>
+        <p:xfrm>
+          <a:off x="166923" y="3571190"/>
+          <a:ext cx="3039447" cy="1734579"/>
+        </p:xfrm>
+        <a:graphic>
+          <a:graphicData uri="http://schemas.openxmlformats.org/presentationml/2006/ole">
+            <mc:AlternateContent xmlns:mc="http://schemas.openxmlformats.org/markup-compatibility/2006">
+              <mc:Choice xmlns:v="urn:schemas-microsoft-com:vml" Requires="v">
+                <p:oleObj name="AxMath" r:id="rId11" imgW="2298240" imgH="1313280" progId="Equation.AxMath">
+                  <p:embed/>
+                </p:oleObj>
+              </mc:Choice>
+              <mc:Fallback>
+                <p:oleObj name="AxMath" r:id="rId11" imgW="2298240" imgH="1313280" progId="Equation.AxMath">
+                  <p:embed/>
+                  <p:pic>
+                    <p:nvPicPr>
+                      <p:cNvPr id="30" name="对象 29">
+                        <a:extLst>
+                          <a:ext uri="{FF2B5EF4-FFF2-40B4-BE49-F238E27FC236}">
+                            <a16:creationId xmlns:a16="http://schemas.microsoft.com/office/drawing/2014/main" id="{069C3B3B-4BAC-4AEF-A35A-7FF164C73C7D}"/>
+                          </a:ext>
+                        </a:extLst>
+                      </p:cNvPr>
+                      <p:cNvPicPr/>
+                      <p:nvPr/>
+                    </p:nvPicPr>
+                    <p:blipFill>
+                      <a:blip r:embed="rId12"/>
+                      <a:stretch>
+                        <a:fillRect/>
+                      </a:stretch>
+                    </p:blipFill>
+                    <p:spPr>
+                      <a:xfrm>
+                        <a:off x="166923" y="3571190"/>
+                        <a:ext cx="3039447" cy="1734579"/>
+                      </a:xfrm>
+                      <a:prstGeom prst="rect">
+                        <a:avLst/>
+                      </a:prstGeom>
+                    </p:spPr>
+                  </p:pic>
+                </p:oleObj>
+              </mc:Fallback>
+            </mc:AlternateContent>
+          </a:graphicData>
+        </a:graphic>
+      </p:graphicFrame>
+      <p:sp>
+        <p:nvSpPr>
+          <p:cNvPr id="16" name="箭头: 右 15">
+            <a:extLst>
+              <a:ext uri="{FF2B5EF4-FFF2-40B4-BE49-F238E27FC236}">
+                <a16:creationId xmlns:a16="http://schemas.microsoft.com/office/drawing/2014/main" id="{4CC2F407-3C02-CD7B-DEAA-B90F32B1ABB6}"/>
+              </a:ext>
+            </a:extLst>
+          </p:cNvPr>
+          <p:cNvSpPr/>
+          <p:nvPr/>
+        </p:nvSpPr>
+        <p:spPr>
+          <a:xfrm>
+            <a:off x="3338716" y="4331441"/>
+            <a:ext cx="360040" cy="182243"/>
+          </a:xfrm>
+          <a:prstGeom prst="rightArrow">
+            <a:avLst/>
+          </a:prstGeom>
+        </p:spPr>
+        <p:style>
+          <a:lnRef idx="2">
+            <a:schemeClr val="accent1">
+              <a:shade val="50000"/>
+            </a:schemeClr>
+          </a:lnRef>
+          <a:fillRef idx="1">
+            <a:schemeClr val="accent1"/>
+          </a:fillRef>
+          <a:effectRef idx="0">
+            <a:schemeClr val="accent1"/>
+          </a:effectRef>
+          <a:fontRef idx="minor">
+            <a:schemeClr val="lt1"/>
+          </a:fontRef>
+        </p:style>
+        <p:txBody>
+          <a:bodyPr rtlCol="0" anchor="ctr"/>
+          <a:lstStyle/>
+          <a:p>
+            <a:pPr algn="ctr"/>
+            <a:endParaRPr lang="zh-CN" altLang="en-US"/>
+          </a:p>
+        </p:txBody>
+      </p:sp>
+      <p:sp>
+        <p:nvSpPr>
+          <p:cNvPr id="17" name="文本框 16">
+            <a:extLst>
+              <a:ext uri="{FF2B5EF4-FFF2-40B4-BE49-F238E27FC236}">
+                <a16:creationId xmlns:a16="http://schemas.microsoft.com/office/drawing/2014/main" id="{F88F342B-3997-FF94-09ED-6D8A8F6F6B64}"/>
+              </a:ext>
+            </a:extLst>
+          </p:cNvPr>
+          <p:cNvSpPr txBox="1"/>
+          <p:nvPr/>
+        </p:nvSpPr>
+        <p:spPr>
+          <a:xfrm>
+            <a:off x="4851170" y="3153604"/>
+            <a:ext cx="1707701" cy="369332"/>
+          </a:xfrm>
+          <a:prstGeom prst="rect">
+            <a:avLst/>
+          </a:prstGeom>
+          <a:noFill/>
+        </p:spPr>
+        <p:txBody>
+          <a:bodyPr wrap="square" rtlCol="0">
+            <a:spAutoFit/>
+          </a:bodyPr>
+          <a:lstStyle/>
+          <a:p>
+            <a:r>
+              <a:rPr lang="en-US" altLang="zh-CN" b="1" dirty="0">
+                <a:effectLst>
+                  <a:outerShdw blurRad="38100" dist="38100" dir="2700000" algn="tl">
+                    <a:srgbClr val="000000">
+                      <a:alpha val="43137"/>
+                    </a:srgbClr>
+                  </a:outerShdw>
+                </a:effectLst>
+              </a:rPr>
+              <a:t>U: </a:t>
+            </a:r>
+            <a:r>
+              <a:rPr lang="zh-CN" altLang="en-US" b="1" dirty="0">
+                <a:effectLst>
+                  <a:outerShdw blurRad="38100" dist="38100" dir="2700000" algn="tl">
+                    <a:srgbClr val="000000">
+                      <a:alpha val="43137"/>
+                    </a:srgbClr>
+                  </a:outerShdw>
+                </a:effectLst>
+              </a:rPr>
+              <a:t>协方差矩阵</a:t>
+            </a:r>
           </a:p>
         </p:txBody>
       </p:sp>
@@ -27495,7 +28359,7 @@
                 <a:latin typeface="微软雅黑" panose="020B0503020204020204" pitchFamily="34" charset="-122"/>
                 <a:ea typeface="微软雅黑" panose="020B0503020204020204" pitchFamily="34" charset="-122"/>
               </a:rPr>
-              <a:t>(1/9)</a:t>
+              <a:t>(9/9)</a:t>
             </a:r>
             <a:endParaRPr lang="zh-CN" altLang="en-US" sz="2400" b="1" dirty="0">
               <a:solidFill>
@@ -27506,135 +28370,6 @@
               <a:latin typeface="微软雅黑" panose="020B0503020204020204" pitchFamily="34" charset="-122"/>
               <a:ea typeface="微软雅黑" panose="020B0503020204020204" pitchFamily="34" charset="-122"/>
             </a:endParaRPr>
-          </a:p>
-        </p:txBody>
-      </p:sp>
-      <p:sp>
-        <p:nvSpPr>
-          <p:cNvPr id="2" name="TextBox 11">
-            <a:extLst>
-              <a:ext uri="{FF2B5EF4-FFF2-40B4-BE49-F238E27FC236}">
-                <a16:creationId xmlns:a16="http://schemas.microsoft.com/office/drawing/2014/main" id="{961BEFA3-6099-D095-71EA-8E04B5D41F2D}"/>
-              </a:ext>
-            </a:extLst>
-          </p:cNvPr>
-          <p:cNvSpPr txBox="1"/>
-          <p:nvPr>
-            <p:custDataLst>
-              <p:tags r:id="rId2"/>
-            </p:custDataLst>
-          </p:nvPr>
-        </p:nvSpPr>
-        <p:spPr>
-          <a:xfrm>
-            <a:off x="107504" y="1057300"/>
-            <a:ext cx="5400600" cy="1015663"/>
-          </a:xfrm>
-          <a:prstGeom prst="rect">
-            <a:avLst/>
-          </a:prstGeom>
-          <a:noFill/>
-        </p:spPr>
-        <p:txBody>
-          <a:bodyPr vert="horz" wrap="square" rtlCol="0">
-            <a:spAutoFit/>
-          </a:bodyPr>
-          <a:lstStyle/>
-          <a:p>
-            <a:pPr marL="342900" indent="-342900" fontAlgn="b">
-              <a:buFont typeface="Wingdings" panose="05000000000000000000" pitchFamily="2" charset="2"/>
-              <a:buChar char="u"/>
-            </a:pPr>
-            <a:r>
-              <a:rPr lang="zh-CN" altLang="en-US" sz="2000" b="1" dirty="0">
-                <a:solidFill>
-                  <a:schemeClr val="tx2">
-                    <a:lumMod val="75000"/>
-                  </a:schemeClr>
-                </a:solidFill>
-                <a:latin typeface="微软雅黑" panose="020B0503020204020204" pitchFamily="34" charset="-122"/>
-                <a:ea typeface="微软雅黑" panose="020B0503020204020204" pitchFamily="34" charset="-122"/>
-              </a:rPr>
-              <a:t>术语缩写介绍：</a:t>
-            </a:r>
-            <a:endParaRPr lang="en-US" altLang="zh-CN" sz="2000" b="1" dirty="0">
-              <a:solidFill>
-                <a:schemeClr val="tx2">
-                  <a:lumMod val="75000"/>
-                </a:schemeClr>
-              </a:solidFill>
-              <a:latin typeface="微软雅黑" panose="020B0503020204020204" pitchFamily="34" charset="-122"/>
-              <a:ea typeface="微软雅黑" panose="020B0503020204020204" pitchFamily="34" charset="-122"/>
-            </a:endParaRPr>
-          </a:p>
-          <a:p>
-            <a:pPr marL="800100" lvl="1" indent="-342900" fontAlgn="b">
-              <a:buFont typeface="Wingdings" panose="05000000000000000000" pitchFamily="2" charset="2"/>
-              <a:buChar char="u"/>
-            </a:pPr>
-            <a:r>
-              <a:rPr lang="en-US" altLang="zh-CN" sz="2000" b="1" dirty="0">
-                <a:solidFill>
-                  <a:schemeClr val="tx2">
-                    <a:lumMod val="75000"/>
-                  </a:schemeClr>
-                </a:solidFill>
-                <a:latin typeface="微软雅黑" panose="020B0503020204020204" pitchFamily="34" charset="-122"/>
-                <a:ea typeface="微软雅黑" panose="020B0503020204020204" pitchFamily="34" charset="-122"/>
-              </a:rPr>
-              <a:t>LS(Least Square)</a:t>
-            </a:r>
-            <a:r>
-              <a:rPr lang="zh-CN" altLang="en-US" sz="2000" b="1" dirty="0">
-                <a:solidFill>
-                  <a:schemeClr val="tx2">
-                    <a:lumMod val="75000"/>
-                  </a:schemeClr>
-                </a:solidFill>
-                <a:latin typeface="微软雅黑" panose="020B0503020204020204" pitchFamily="34" charset="-122"/>
-                <a:ea typeface="微软雅黑" panose="020B0503020204020204" pitchFamily="34" charset="-122"/>
-              </a:rPr>
-              <a:t>：最小二乘法</a:t>
-            </a:r>
-            <a:endParaRPr lang="en-US" altLang="zh-CN" sz="2000" b="1" dirty="0">
-              <a:solidFill>
-                <a:schemeClr val="tx2">
-                  <a:lumMod val="75000"/>
-                </a:schemeClr>
-              </a:solidFill>
-              <a:latin typeface="微软雅黑" panose="020B0503020204020204" pitchFamily="34" charset="-122"/>
-              <a:ea typeface="微软雅黑" panose="020B0503020204020204" pitchFamily="34" charset="-122"/>
-            </a:endParaRPr>
-          </a:p>
-          <a:p>
-            <a:pPr marL="800100" lvl="1" indent="-342900" fontAlgn="b">
-              <a:buFont typeface="Wingdings" panose="05000000000000000000" pitchFamily="2" charset="2"/>
-              <a:buChar char="u"/>
-            </a:pPr>
-            <a:r>
-              <a:rPr lang="en-US" altLang="zh-CN" sz="2000" b="1" dirty="0">
-                <a:solidFill>
-                  <a:schemeClr val="tx2">
-                    <a:lumMod val="75000"/>
-                  </a:schemeClr>
-                </a:solidFill>
-                <a:latin typeface="微软雅黑" panose="020B0503020204020204" pitchFamily="34" charset="-122"/>
-                <a:ea typeface="微软雅黑" panose="020B0503020204020204" pitchFamily="34" charset="-122"/>
-              </a:rPr>
-              <a:t>OLS(Ordinary LS)</a:t>
-            </a:r>
-            <a:r>
-              <a:rPr lang="zh-CN" altLang="en-US" sz="2000" b="1" dirty="0">
-                <a:solidFill>
-                  <a:schemeClr val="tx2">
-                    <a:lumMod val="75000"/>
-                  </a:schemeClr>
-                </a:solidFill>
-                <a:latin typeface="微软雅黑" panose="020B0503020204020204" pitchFamily="34" charset="-122"/>
-                <a:ea typeface="微软雅黑" panose="020B0503020204020204" pitchFamily="34" charset="-122"/>
-              </a:rPr>
-              <a:t>：普通最小二乘法</a:t>
-            </a:r>
           </a:p>
         </p:txBody>
       </p:sp>
@@ -27685,24 +28420,22 @@
             <a:pPr algn="ctr"/>
             <a:r>
               <a:rPr lang="en-US" altLang="zh-CN" sz="2800" b="1" dirty="0">
-                <a:effectLst>
-                  <a:outerShdw blurRad="38100" dist="38100" dir="2700000" algn="tl">
-                    <a:srgbClr val="000000">
-                      <a:alpha val="43137"/>
-                    </a:srgbClr>
-                  </a:outerShdw>
-                </a:effectLst>
+                <a:solidFill>
+                  <a:schemeClr val="tx2">
+                    <a:lumMod val="40000"/>
+                    <a:lumOff val="60000"/>
+                  </a:schemeClr>
+                </a:solidFill>
               </a:rPr>
               <a:t>OLS</a:t>
             </a:r>
             <a:endParaRPr lang="zh-CN" altLang="en-US" sz="2800" b="1" dirty="0">
-              <a:effectLst>
-                <a:outerShdw blurRad="38100" dist="38100" dir="2700000" algn="tl">
-                  <a:srgbClr val="000000">
-                    <a:alpha val="43137"/>
-                  </a:srgbClr>
-                </a:outerShdw>
-              </a:effectLst>
+              <a:solidFill>
+                <a:schemeClr val="tx2">
+                  <a:lumMod val="40000"/>
+                  <a:lumOff val="60000"/>
+                </a:schemeClr>
+              </a:solidFill>
             </a:endParaRPr>
           </a:p>
         </p:txBody>
@@ -27754,6 +28487,154 @@
             <a:pPr algn="ctr"/>
             <a:r>
               <a:rPr lang="en-US" altLang="zh-CN" sz="2800" b="1" dirty="0">
+                <a:solidFill>
+                  <a:schemeClr val="tx2">
+                    <a:lumMod val="40000"/>
+                    <a:lumOff val="60000"/>
+                  </a:schemeClr>
+                </a:solidFill>
+              </a:rPr>
+              <a:t>WLS</a:t>
+            </a:r>
+            <a:endParaRPr lang="zh-CN" altLang="en-US" sz="2800" b="1" dirty="0">
+              <a:solidFill>
+                <a:schemeClr val="tx2">
+                  <a:lumMod val="40000"/>
+                  <a:lumOff val="60000"/>
+                </a:schemeClr>
+              </a:solidFill>
+            </a:endParaRPr>
+          </a:p>
+        </p:txBody>
+      </p:sp>
+      <p:sp>
+        <p:nvSpPr>
+          <p:cNvPr id="7" name="矩形: 圆角 6">
+            <a:extLst>
+              <a:ext uri="{FF2B5EF4-FFF2-40B4-BE49-F238E27FC236}">
+                <a16:creationId xmlns:a16="http://schemas.microsoft.com/office/drawing/2014/main" id="{64943B9A-F4B7-F2C0-E2E5-1C4C23C43EC1}"/>
+              </a:ext>
+            </a:extLst>
+          </p:cNvPr>
+          <p:cNvSpPr/>
+          <p:nvPr/>
+        </p:nvSpPr>
+        <p:spPr>
+          <a:xfrm>
+            <a:off x="7282522" y="3403212"/>
+            <a:ext cx="1361337" cy="759050"/>
+          </a:xfrm>
+          <a:prstGeom prst="roundRect">
+            <a:avLst/>
+          </a:prstGeom>
+          <a:ln>
+            <a:noFill/>
+          </a:ln>
+        </p:spPr>
+        <p:style>
+          <a:lnRef idx="2">
+            <a:schemeClr val="accent1">
+              <a:shade val="50000"/>
+            </a:schemeClr>
+          </a:lnRef>
+          <a:fillRef idx="1">
+            <a:schemeClr val="accent1"/>
+          </a:fillRef>
+          <a:effectRef idx="0">
+            <a:schemeClr val="accent1"/>
+          </a:effectRef>
+          <a:fontRef idx="minor">
+            <a:schemeClr val="lt1"/>
+          </a:fontRef>
+        </p:style>
+        <p:txBody>
+          <a:bodyPr rtlCol="0" anchor="ctr"/>
+          <a:lstStyle/>
+          <a:p>
+            <a:pPr algn="ctr"/>
+            <a:r>
+              <a:rPr lang="en-US" altLang="zh-CN" sz="2800" b="1" dirty="0">
+                <a:solidFill>
+                  <a:schemeClr val="accent1">
+                    <a:lumMod val="60000"/>
+                    <a:lumOff val="40000"/>
+                  </a:schemeClr>
+                </a:solidFill>
+              </a:rPr>
+              <a:t>WTLS</a:t>
+            </a:r>
+          </a:p>
+          <a:p>
+            <a:pPr algn="ctr"/>
+            <a:r>
+              <a:rPr lang="en-US" altLang="zh-CN" sz="1200" b="1" dirty="0">
+                <a:solidFill>
+                  <a:schemeClr val="accent1">
+                    <a:lumMod val="60000"/>
+                    <a:lumOff val="40000"/>
+                  </a:schemeClr>
+                </a:solidFill>
+              </a:rPr>
+              <a:t>w/o correlation</a:t>
+            </a:r>
+            <a:endParaRPr lang="zh-CN" altLang="en-US" sz="1200" b="1" dirty="0">
+              <a:solidFill>
+                <a:schemeClr val="accent1">
+                  <a:lumMod val="60000"/>
+                  <a:lumOff val="40000"/>
+                </a:schemeClr>
+              </a:solidFill>
+            </a:endParaRPr>
+          </a:p>
+        </p:txBody>
+      </p:sp>
+      <p:sp>
+        <p:nvSpPr>
+          <p:cNvPr id="8" name="矩形: 圆角 7">
+            <a:extLst>
+              <a:ext uri="{FF2B5EF4-FFF2-40B4-BE49-F238E27FC236}">
+                <a16:creationId xmlns:a16="http://schemas.microsoft.com/office/drawing/2014/main" id="{FED28F51-DBE7-EBA2-E9E0-B7C023E40CBB}"/>
+              </a:ext>
+            </a:extLst>
+          </p:cNvPr>
+          <p:cNvSpPr/>
+          <p:nvPr/>
+        </p:nvSpPr>
+        <p:spPr>
+          <a:xfrm>
+            <a:off x="6879662" y="4890615"/>
+            <a:ext cx="2153424" cy="648072"/>
+          </a:xfrm>
+          <a:prstGeom prst="roundRect">
+            <a:avLst/>
+          </a:prstGeom>
+          <a:ln>
+            <a:noFill/>
+          </a:ln>
+        </p:spPr>
+        <p:style>
+          <a:lnRef idx="2">
+            <a:schemeClr val="accent1">
+              <a:shade val="50000"/>
+            </a:schemeClr>
+          </a:lnRef>
+          <a:fillRef idx="1">
+            <a:schemeClr val="accent1"/>
+          </a:fillRef>
+          <a:effectRef idx="0">
+            <a:schemeClr val="accent1"/>
+          </a:effectRef>
+          <a:fontRef idx="minor">
+            <a:schemeClr val="lt1"/>
+          </a:fontRef>
+        </p:style>
+        <p:txBody>
+          <a:bodyPr rtlCol="0" anchor="ctr"/>
+          <a:lstStyle/>
+          <a:p>
+            <a:pPr algn="ctr"/>
+            <a:r>
+              <a:rPr lang="en-US" altLang="zh-CN" sz="2800" b="1" dirty="0">
                 <a:effectLst>
                   <a:outerShdw blurRad="38100" dist="38100" dir="2700000" algn="tl">
                     <a:srgbClr val="000000">
@@ -27762,7 +28643,7 @@
                   </a:outerShdw>
                 </a:effectLst>
               </a:rPr>
-              <a:t>OLS</a:t>
+              <a:t>**WTLS**</a:t>
             </a:r>
             <a:endParaRPr lang="zh-CN" altLang="en-US" sz="2800" b="1" dirty="0">
               <a:effectLst>
@@ -27778,10 +28659,10 @@
       </p:sp>
       <p:sp>
         <p:nvSpPr>
-          <p:cNvPr id="7" name="矩形: 圆角 6">
+          <p:cNvPr id="9" name="箭头: 右 8">
             <a:extLst>
               <a:ext uri="{FF2B5EF4-FFF2-40B4-BE49-F238E27FC236}">
-                <a16:creationId xmlns:a16="http://schemas.microsoft.com/office/drawing/2014/main" id="{64943B9A-F4B7-F2C0-E2E5-1C4C23C43EC1}"/>
+                <a16:creationId xmlns:a16="http://schemas.microsoft.com/office/drawing/2014/main" id="{B0DCF526-7ADE-AE90-16FC-9BB98B731EB8}"/>
               </a:ext>
             </a:extLst>
           </p:cNvPr>
@@ -27789,8 +28670,700 @@
           <p:nvPr/>
         </p:nvSpPr>
         <p:spPr>
+          <a:xfrm rot="5400000">
+            <a:off x="7761378" y="1719979"/>
+            <a:ext cx="389994" cy="240861"/>
+          </a:xfrm>
+          <a:prstGeom prst="rightArrow">
+            <a:avLst>
+              <a:gd name="adj1" fmla="val 35703"/>
+              <a:gd name="adj2" fmla="val 50000"/>
+            </a:avLst>
+          </a:prstGeom>
+        </p:spPr>
+        <p:style>
+          <a:lnRef idx="2">
+            <a:schemeClr val="accent1">
+              <a:shade val="50000"/>
+            </a:schemeClr>
+          </a:lnRef>
+          <a:fillRef idx="1">
+            <a:schemeClr val="accent1"/>
+          </a:fillRef>
+          <a:effectRef idx="0">
+            <a:schemeClr val="accent1"/>
+          </a:effectRef>
+          <a:fontRef idx="minor">
+            <a:schemeClr val="lt1"/>
+          </a:fontRef>
+        </p:style>
+        <p:txBody>
+          <a:bodyPr rtlCol="0" anchor="ctr"/>
+          <a:lstStyle/>
+          <a:p>
+            <a:pPr algn="ctr"/>
+            <a:endParaRPr lang="zh-CN" altLang="en-US"/>
+          </a:p>
+        </p:txBody>
+      </p:sp>
+      <p:sp>
+        <p:nvSpPr>
+          <p:cNvPr id="10" name="箭头: 右 9">
+            <a:extLst>
+              <a:ext uri="{FF2B5EF4-FFF2-40B4-BE49-F238E27FC236}">
+                <a16:creationId xmlns:a16="http://schemas.microsoft.com/office/drawing/2014/main" id="{68802577-1895-B2D1-7BDD-12BE7AF2DD87}"/>
+              </a:ext>
+            </a:extLst>
+          </p:cNvPr>
+          <p:cNvSpPr/>
+          <p:nvPr/>
+        </p:nvSpPr>
+        <p:spPr>
+          <a:xfrm rot="5400000">
+            <a:off x="7768194" y="2918606"/>
+            <a:ext cx="389994" cy="240861"/>
+          </a:xfrm>
+          <a:prstGeom prst="rightArrow">
+            <a:avLst>
+              <a:gd name="adj1" fmla="val 35703"/>
+              <a:gd name="adj2" fmla="val 50000"/>
+            </a:avLst>
+          </a:prstGeom>
+        </p:spPr>
+        <p:style>
+          <a:lnRef idx="2">
+            <a:schemeClr val="accent1">
+              <a:shade val="50000"/>
+            </a:schemeClr>
+          </a:lnRef>
+          <a:fillRef idx="1">
+            <a:schemeClr val="accent1"/>
+          </a:fillRef>
+          <a:effectRef idx="0">
+            <a:schemeClr val="accent1"/>
+          </a:effectRef>
+          <a:fontRef idx="minor">
+            <a:schemeClr val="lt1"/>
+          </a:fontRef>
+        </p:style>
+        <p:txBody>
+          <a:bodyPr rtlCol="0" anchor="ctr"/>
+          <a:lstStyle/>
+          <a:p>
+            <a:pPr algn="ctr"/>
+            <a:endParaRPr lang="zh-CN" altLang="en-US"/>
+          </a:p>
+        </p:txBody>
+      </p:sp>
+      <p:sp>
+        <p:nvSpPr>
+          <p:cNvPr id="11" name="箭头: 右 10">
+            <a:extLst>
+              <a:ext uri="{FF2B5EF4-FFF2-40B4-BE49-F238E27FC236}">
+                <a16:creationId xmlns:a16="http://schemas.microsoft.com/office/drawing/2014/main" id="{09A665D0-AA57-921B-7712-44A5797FDAFC}"/>
+              </a:ext>
+            </a:extLst>
+          </p:cNvPr>
+          <p:cNvSpPr/>
+          <p:nvPr/>
+        </p:nvSpPr>
+        <p:spPr>
+          <a:xfrm rot="5400000">
+            <a:off x="7761377" y="4406008"/>
+            <a:ext cx="389994" cy="240861"/>
+          </a:xfrm>
+          <a:prstGeom prst="rightArrow">
+            <a:avLst>
+              <a:gd name="adj1" fmla="val 35703"/>
+              <a:gd name="adj2" fmla="val 50000"/>
+            </a:avLst>
+          </a:prstGeom>
+        </p:spPr>
+        <p:style>
+          <a:lnRef idx="2">
+            <a:schemeClr val="accent1">
+              <a:shade val="50000"/>
+            </a:schemeClr>
+          </a:lnRef>
+          <a:fillRef idx="1">
+            <a:schemeClr val="accent1"/>
+          </a:fillRef>
+          <a:effectRef idx="0">
+            <a:schemeClr val="accent1"/>
+          </a:effectRef>
+          <a:fontRef idx="minor">
+            <a:schemeClr val="lt1"/>
+          </a:fontRef>
+        </p:style>
+        <p:txBody>
+          <a:bodyPr rtlCol="0" anchor="ctr"/>
+          <a:lstStyle/>
+          <a:p>
+            <a:pPr algn="ctr"/>
+            <a:endParaRPr lang="zh-CN" altLang="en-US"/>
+          </a:p>
+        </p:txBody>
+      </p:sp>
+      <p:sp>
+        <p:nvSpPr>
+          <p:cNvPr id="3" name="TextBox 11">
+            <a:extLst>
+              <a:ext uri="{FF2B5EF4-FFF2-40B4-BE49-F238E27FC236}">
+                <a16:creationId xmlns:a16="http://schemas.microsoft.com/office/drawing/2014/main" id="{BC8EAE27-B252-7766-98CF-9124E593489F}"/>
+              </a:ext>
+            </a:extLst>
+          </p:cNvPr>
+          <p:cNvSpPr txBox="1"/>
+          <p:nvPr>
+            <p:custDataLst>
+              <p:tags r:id="rId2"/>
+            </p:custDataLst>
+          </p:nvPr>
+        </p:nvSpPr>
+        <p:spPr>
           <a:xfrm>
-            <a:off x="7380312" y="3314315"/>
+            <a:off x="14177" y="903753"/>
+            <a:ext cx="6699590" cy="830997"/>
+          </a:xfrm>
+          <a:prstGeom prst="rect">
+            <a:avLst/>
+          </a:prstGeom>
+          <a:noFill/>
+        </p:spPr>
+        <p:txBody>
+          <a:bodyPr vert="horz" wrap="square" rtlCol="0">
+            <a:spAutoFit/>
+          </a:bodyPr>
+          <a:lstStyle/>
+          <a:p>
+            <a:pPr marL="342900" indent="-342900" fontAlgn="b">
+              <a:buFont typeface="Wingdings" panose="05000000000000000000" pitchFamily="2" charset="2"/>
+              <a:buChar char="u"/>
+            </a:pPr>
+            <a:r>
+              <a:rPr lang="zh-CN" altLang="en-US" sz="2400" b="1" dirty="0">
+                <a:solidFill>
+                  <a:schemeClr val="tx2">
+                    <a:lumMod val="75000"/>
+                  </a:schemeClr>
+                </a:solidFill>
+                <a:latin typeface="微软雅黑" panose="020B0503020204020204" pitchFamily="34" charset="-122"/>
+                <a:ea typeface="微软雅黑" panose="020B0503020204020204" pitchFamily="34" charset="-122"/>
+              </a:rPr>
+              <a:t>最终方案：</a:t>
+            </a:r>
+            <a:endParaRPr lang="en-US" altLang="zh-CN" sz="2400" b="1" dirty="0">
+              <a:solidFill>
+                <a:schemeClr val="tx2">
+                  <a:lumMod val="75000"/>
+                </a:schemeClr>
+              </a:solidFill>
+              <a:latin typeface="微软雅黑" panose="020B0503020204020204" pitchFamily="34" charset="-122"/>
+              <a:ea typeface="微软雅黑" panose="020B0503020204020204" pitchFamily="34" charset="-122"/>
+            </a:endParaRPr>
+          </a:p>
+          <a:p>
+            <a:pPr marL="800100" lvl="1" indent="-342900" fontAlgn="b">
+              <a:buFont typeface="Wingdings" panose="05000000000000000000" pitchFamily="2" charset="2"/>
+              <a:buChar char="u"/>
+            </a:pPr>
+            <a:endParaRPr lang="en-US" altLang="zh-CN" sz="2400" b="1" dirty="0">
+              <a:solidFill>
+                <a:schemeClr val="tx2">
+                  <a:lumMod val="75000"/>
+                </a:schemeClr>
+              </a:solidFill>
+              <a:latin typeface="微软雅黑" panose="020B0503020204020204" pitchFamily="34" charset="-122"/>
+              <a:ea typeface="微软雅黑" panose="020B0503020204020204" pitchFamily="34" charset="-122"/>
+            </a:endParaRPr>
+          </a:p>
+        </p:txBody>
+      </p:sp>
+      <p:graphicFrame>
+        <p:nvGraphicFramePr>
+          <p:cNvPr id="13" name="对象 12">
+            <a:extLst>
+              <a:ext uri="{FF2B5EF4-FFF2-40B4-BE49-F238E27FC236}">
+                <a16:creationId xmlns:a16="http://schemas.microsoft.com/office/drawing/2014/main" id="{92935D7D-9D1C-E939-A699-F70B313E1E02}"/>
+              </a:ext>
+            </a:extLst>
+          </p:cNvPr>
+          <p:cNvGraphicFramePr>
+            <a:graphicFrameLocks noChangeAspect="1"/>
+          </p:cNvGraphicFramePr>
+          <p:nvPr>
+            <p:extLst>
+              <p:ext uri="{D42A27DB-BD31-4B8C-83A1-F6EECF244321}">
+                <p14:modId xmlns:p14="http://schemas.microsoft.com/office/powerpoint/2010/main" val="2714443208"/>
+              </p:ext>
+            </p:extLst>
+          </p:nvPr>
+        </p:nvGraphicFramePr>
+        <p:xfrm>
+          <a:off x="550508" y="2000077"/>
+          <a:ext cx="5941021" cy="953458"/>
+        </p:xfrm>
+        <a:graphic>
+          <a:graphicData uri="http://schemas.openxmlformats.org/presentationml/2006/ole">
+            <mc:AlternateContent xmlns:mc="http://schemas.openxmlformats.org/markup-compatibility/2006">
+              <mc:Choice xmlns:v="urn:schemas-microsoft-com:vml" Requires="v">
+                <p:oleObj name="AxMath" r:id="rId5" imgW="3441960" imgH="551520" progId="Equation.AxMath">
+                  <p:embed/>
+                </p:oleObj>
+              </mc:Choice>
+              <mc:Fallback>
+                <p:oleObj name="AxMath" r:id="rId5" imgW="3441960" imgH="551520" progId="Equation.AxMath">
+                  <p:embed/>
+                  <p:pic>
+                    <p:nvPicPr>
+                      <p:cNvPr id="13" name="对象 12">
+                        <a:extLst>
+                          <a:ext uri="{FF2B5EF4-FFF2-40B4-BE49-F238E27FC236}">
+                            <a16:creationId xmlns:a16="http://schemas.microsoft.com/office/drawing/2014/main" id="{92935D7D-9D1C-E939-A699-F70B313E1E02}"/>
+                          </a:ext>
+                        </a:extLst>
+                      </p:cNvPr>
+                      <p:cNvPicPr/>
+                      <p:nvPr/>
+                    </p:nvPicPr>
+                    <p:blipFill>
+                      <a:blip r:embed="rId6"/>
+                      <a:stretch>
+                        <a:fillRect/>
+                      </a:stretch>
+                    </p:blipFill>
+                    <p:spPr>
+                      <a:xfrm>
+                        <a:off x="550508" y="2000077"/>
+                        <a:ext cx="5941021" cy="953458"/>
+                      </a:xfrm>
+                      <a:prstGeom prst="rect">
+                        <a:avLst/>
+                      </a:prstGeom>
+                    </p:spPr>
+                  </p:pic>
+                </p:oleObj>
+              </mc:Fallback>
+            </mc:AlternateContent>
+          </a:graphicData>
+        </a:graphic>
+      </p:graphicFrame>
+      <p:sp>
+        <p:nvSpPr>
+          <p:cNvPr id="18" name="文本框 17">
+            <a:extLst>
+              <a:ext uri="{FF2B5EF4-FFF2-40B4-BE49-F238E27FC236}">
+                <a16:creationId xmlns:a16="http://schemas.microsoft.com/office/drawing/2014/main" id="{DB540DDB-0759-D046-3D51-794796625D52}"/>
+              </a:ext>
+            </a:extLst>
+          </p:cNvPr>
+          <p:cNvSpPr txBox="1"/>
+          <p:nvPr/>
+        </p:nvSpPr>
+        <p:spPr>
+          <a:xfrm>
+            <a:off x="165702" y="1498082"/>
+            <a:ext cx="5054370" cy="369332"/>
+          </a:xfrm>
+          <a:prstGeom prst="rect">
+            <a:avLst/>
+          </a:prstGeom>
+          <a:noFill/>
+        </p:spPr>
+        <p:txBody>
+          <a:bodyPr wrap="square" rtlCol="0">
+            <a:spAutoFit/>
+          </a:bodyPr>
+          <a:lstStyle/>
+          <a:p>
+            <a:pPr marL="285750" indent="-285750">
+              <a:buFont typeface="Arial" panose="020B0604020202020204" pitchFamily="34" charset="0"/>
+              <a:buChar char="•"/>
+            </a:pPr>
+            <a:r>
+              <a:rPr lang="zh-CN" altLang="en-US" b="1" dirty="0">
+                <a:effectLst>
+                  <a:outerShdw blurRad="38100" dist="38100" dir="2700000" algn="tl">
+                    <a:srgbClr val="000000">
+                      <a:alpha val="43137"/>
+                    </a:srgbClr>
+                  </a:outerShdw>
+                </a:effectLst>
+              </a:rPr>
+              <a:t>经由我们三人的理解、再加工后呈现的公式</a:t>
+            </a:r>
+          </a:p>
+        </p:txBody>
+      </p:sp>
+      <p:sp>
+        <p:nvSpPr>
+          <p:cNvPr id="19" name="文本框 18">
+            <a:extLst>
+              <a:ext uri="{FF2B5EF4-FFF2-40B4-BE49-F238E27FC236}">
+                <a16:creationId xmlns:a16="http://schemas.microsoft.com/office/drawing/2014/main" id="{30E7858D-CDB0-A80C-D7B9-67E155812509}"/>
+              </a:ext>
+            </a:extLst>
+          </p:cNvPr>
+          <p:cNvSpPr txBox="1"/>
+          <p:nvPr/>
+        </p:nvSpPr>
+        <p:spPr>
+          <a:xfrm>
+            <a:off x="165702" y="3145532"/>
+            <a:ext cx="4680520" cy="369332"/>
+          </a:xfrm>
+          <a:prstGeom prst="rect">
+            <a:avLst/>
+          </a:prstGeom>
+          <a:noFill/>
+        </p:spPr>
+        <p:txBody>
+          <a:bodyPr wrap="square" rtlCol="0">
+            <a:spAutoFit/>
+          </a:bodyPr>
+          <a:lstStyle/>
+          <a:p>
+            <a:pPr marL="285750" indent="-285750">
+              <a:buFont typeface="Arial" panose="020B0604020202020204" pitchFamily="34" charset="0"/>
+              <a:buChar char="•"/>
+            </a:pPr>
+            <a:r>
+              <a:rPr lang="zh-CN" altLang="en-US" b="1" dirty="0">
+                <a:effectLst>
+                  <a:outerShdw blurRad="38100" dist="38100" dir="2700000" algn="tl">
+                    <a:srgbClr val="000000">
+                      <a:alpha val="43137"/>
+                    </a:srgbClr>
+                  </a:outerShdw>
+                </a:effectLst>
+              </a:rPr>
+              <a:t>原始论文中的核心公式</a:t>
+            </a:r>
+          </a:p>
+        </p:txBody>
+      </p:sp>
+      <p:pic>
+        <p:nvPicPr>
+          <p:cNvPr id="20" name="图片 19">
+            <a:extLst>
+              <a:ext uri="{FF2B5EF4-FFF2-40B4-BE49-F238E27FC236}">
+                <a16:creationId xmlns:a16="http://schemas.microsoft.com/office/drawing/2014/main" id="{1EC324FC-0A2A-8F37-3C53-BB2AE32CEE19}"/>
+              </a:ext>
+            </a:extLst>
+          </p:cNvPr>
+          <p:cNvPicPr>
+            <a:picLocks noChangeAspect="1"/>
+          </p:cNvPicPr>
+          <p:nvPr/>
+        </p:nvPicPr>
+        <p:blipFill rotWithShape="1">
+          <a:blip r:embed="rId7"/>
+          <a:srcRect r="466"/>
+          <a:stretch/>
+        </p:blipFill>
+        <p:spPr>
+          <a:xfrm>
+            <a:off x="37183" y="3623212"/>
+            <a:ext cx="6653578" cy="953458"/>
+          </a:xfrm>
+          <a:prstGeom prst="rect">
+            <a:avLst/>
+          </a:prstGeom>
+        </p:spPr>
+      </p:pic>
+      <p:sp>
+        <p:nvSpPr>
+          <p:cNvPr id="21" name="文本框 20">
+            <a:extLst>
+              <a:ext uri="{FF2B5EF4-FFF2-40B4-BE49-F238E27FC236}">
+                <a16:creationId xmlns:a16="http://schemas.microsoft.com/office/drawing/2014/main" id="{1E57DB41-273E-62F5-DDAB-3E418CC6A4A4}"/>
+              </a:ext>
+            </a:extLst>
+          </p:cNvPr>
+          <p:cNvSpPr txBox="1"/>
+          <p:nvPr/>
+        </p:nvSpPr>
+        <p:spPr>
+          <a:xfrm>
+            <a:off x="5508104" y="4846237"/>
+            <a:ext cx="1080120" cy="400110"/>
+          </a:xfrm>
+          <a:prstGeom prst="rect">
+            <a:avLst/>
+          </a:prstGeom>
+          <a:noFill/>
+        </p:spPr>
+        <p:txBody>
+          <a:bodyPr wrap="square" rtlCol="0">
+            <a:spAutoFit/>
+          </a:bodyPr>
+          <a:lstStyle/>
+          <a:p>
+            <a:r>
+              <a:rPr lang="en-US" altLang="zh-CN" sz="2000" b="1" dirty="0">
+                <a:effectLst>
+                  <a:outerShdw blurRad="38100" dist="38100" dir="2700000" algn="tl">
+                    <a:srgbClr val="000000">
+                      <a:alpha val="43137"/>
+                    </a:srgbClr>
+                  </a:outerShdw>
+                </a:effectLst>
+              </a:rPr>
+              <a:t>(</a:t>
+            </a:r>
+            <a:r>
+              <a:rPr lang="zh-CN" altLang="en-US" sz="2000" b="1" dirty="0">
+                <a:effectLst>
+                  <a:outerShdw blurRad="38100" dist="38100" dir="2700000" algn="tl">
+                    <a:srgbClr val="000000">
+                      <a:alpha val="43137"/>
+                    </a:srgbClr>
+                  </a:outerShdw>
+                </a:effectLst>
+              </a:rPr>
+              <a:t>一样的</a:t>
+            </a:r>
+            <a:r>
+              <a:rPr lang="en-US" altLang="zh-CN" sz="2000" b="1" dirty="0">
+                <a:effectLst>
+                  <a:outerShdw blurRad="38100" dist="38100" dir="2700000" algn="tl">
+                    <a:srgbClr val="000000">
+                      <a:alpha val="43137"/>
+                    </a:srgbClr>
+                  </a:outerShdw>
+                </a:effectLst>
+              </a:rPr>
+              <a:t>)</a:t>
+            </a:r>
+            <a:endParaRPr lang="zh-CN" altLang="en-US" sz="2000" b="1" dirty="0">
+              <a:effectLst>
+                <a:outerShdw blurRad="38100" dist="38100" dir="2700000" algn="tl">
+                  <a:srgbClr val="000000">
+                    <a:alpha val="43137"/>
+                  </a:srgbClr>
+                </a:outerShdw>
+              </a:effectLst>
+            </a:endParaRPr>
+          </a:p>
+        </p:txBody>
+      </p:sp>
+    </p:spTree>
+    <p:extLst>
+      <p:ext uri="{BB962C8B-B14F-4D97-AF65-F5344CB8AC3E}">
+        <p14:creationId xmlns:p14="http://schemas.microsoft.com/office/powerpoint/2010/main" val="929566989"/>
+      </p:ext>
+    </p:extLst>
+  </p:cSld>
+  <p:clrMapOvr>
+    <a:masterClrMapping/>
+  </p:clrMapOvr>
+  <mc:AlternateContent xmlns:mc="http://schemas.openxmlformats.org/markup-compatibility/2006" xmlns:p159="http://schemas.microsoft.com/office/powerpoint/2015/09/main">
+    <mc:Choice Requires="p159">
+      <p:transition spd="med">
+        <p159:morph option="byWord"/>
+      </p:transition>
+    </mc:Choice>
+    <mc:Fallback xmlns="">
+      <p:transition spd="med">
+        <p:fade/>
+      </p:transition>
+    </mc:Fallback>
+  </mc:AlternateContent>
+  <p:timing>
+    <p:tnLst>
+      <p:par>
+        <p:cTn id="1" dur="indefinite" restart="never" nodeType="tmRoot">
+          <p:childTnLst>
+            <p:seq concurrent="1" nextAc="seek">
+              <p:cTn id="2" dur="indefinite" nodeType="mainSeq">
+                <p:childTnLst>
+                  <p:par>
+                    <p:cTn id="3" fill="hold">
+                      <p:stCondLst>
+                        <p:cond delay="indefinite"/>
+                      </p:stCondLst>
+                      <p:childTnLst>
+                        <p:par>
+                          <p:cTn id="4" fill="hold">
+                            <p:stCondLst>
+                              <p:cond delay="0"/>
+                            </p:stCondLst>
+                            <p:childTnLst>
+                              <p:par>
+                                <p:cTn id="5" presetID="10" presetClass="entr" presetSubtype="0" fill="hold" grpId="0" nodeType="clickEffect">
+                                  <p:stCondLst>
+                                    <p:cond delay="0"/>
+                                  </p:stCondLst>
+                                  <p:childTnLst>
+                                    <p:set>
+                                      <p:cBhvr>
+                                        <p:cTn id="6" dur="1" fill="hold">
+                                          <p:stCondLst>
+                                            <p:cond delay="0"/>
+                                          </p:stCondLst>
+                                        </p:cTn>
+                                        <p:tgtEl>
+                                          <p:spTgt spid="21"/>
+                                        </p:tgtEl>
+                                        <p:attrNameLst>
+                                          <p:attrName>style.visibility</p:attrName>
+                                        </p:attrNameLst>
+                                      </p:cBhvr>
+                                      <p:to>
+                                        <p:strVal val="visible"/>
+                                      </p:to>
+                                    </p:set>
+                                    <p:animEffect transition="in" filter="fade">
+                                      <p:cBhvr>
+                                        <p:cTn id="7" dur="500"/>
+                                        <p:tgtEl>
+                                          <p:spTgt spid="21"/>
+                                        </p:tgtEl>
+                                      </p:cBhvr>
+                                    </p:animEffect>
+                                  </p:childTnLst>
+                                </p:cTn>
+                              </p:par>
+                            </p:childTnLst>
+                          </p:cTn>
+                        </p:par>
+                      </p:childTnLst>
+                    </p:cTn>
+                  </p:par>
+                </p:childTnLst>
+              </p:cTn>
+              <p:prevCondLst>
+                <p:cond evt="onPrev" delay="0">
+                  <p:tgtEl>
+                    <p:sldTgt/>
+                  </p:tgtEl>
+                </p:cond>
+              </p:prevCondLst>
+              <p:nextCondLst>
+                <p:cond evt="onNext" delay="0">
+                  <p:tgtEl>
+                    <p:sldTgt/>
+                  </p:tgtEl>
+                </p:cond>
+              </p:nextCondLst>
+            </p:seq>
+          </p:childTnLst>
+        </p:cTn>
+      </p:par>
+    </p:tnLst>
+    <p:bldLst>
+      <p:bldP spid="21" grpId="0"/>
+    </p:bldLst>
+  </p:timing>
+</p:sld>
+</file>
+
+<file path=ppt/slides/slide24.xml><?xml version="1.0" encoding="utf-8"?>
+<p:sld xmlns:a="http://schemas.openxmlformats.org/drawingml/2006/main" xmlns:r="http://schemas.openxmlformats.org/officeDocument/2006/relationships" xmlns:p="http://schemas.openxmlformats.org/presentationml/2006/main">
+  <p:cSld>
+    <p:spTree>
+      <p:nvGrpSpPr>
+        <p:cNvPr id="1" name=""/>
+        <p:cNvGrpSpPr/>
+        <p:nvPr/>
+      </p:nvGrpSpPr>
+      <p:grpSpPr>
+        <a:xfrm>
+          <a:off x="0" y="0"/>
+          <a:ext cx="0" cy="0"/>
+          <a:chOff x="0" y="0"/>
+          <a:chExt cx="0" cy="0"/>
+        </a:xfrm>
+      </p:grpSpPr>
+      <p:sp>
+        <p:nvSpPr>
+          <p:cNvPr id="12" name="矩形 2">
+            <a:extLst>
+              <a:ext uri="{FF2B5EF4-FFF2-40B4-BE49-F238E27FC236}">
+                <a16:creationId xmlns:a16="http://schemas.microsoft.com/office/drawing/2014/main" id="{01D1EA62-D4B9-4AA3-A630-1C26AB4845D5}"/>
+              </a:ext>
+            </a:extLst>
+          </p:cNvPr>
+          <p:cNvSpPr/>
+          <p:nvPr>
+            <p:custDataLst>
+              <p:tags r:id="rId1"/>
+            </p:custDataLst>
+          </p:nvPr>
+        </p:nvSpPr>
+        <p:spPr>
+          <a:xfrm>
+            <a:off x="4211960" y="49008"/>
+            <a:ext cx="4653276" cy="376555"/>
+          </a:xfrm>
+          <a:prstGeom prst="rect">
+            <a:avLst/>
+          </a:prstGeom>
+          <a:solidFill>
+            <a:schemeClr val="bg1"/>
+          </a:solidFill>
+          <a:ln w="25400">
+            <a:noFill/>
+          </a:ln>
+        </p:spPr>
+        <p:txBody>
+          <a:bodyPr wrap="square">
+            <a:noAutofit/>
+          </a:bodyPr>
+          <a:lstStyle/>
+          <a:p>
+            <a:pPr algn="r"/>
+            <a:r>
+              <a:rPr lang="zh-CN" altLang="en-US" sz="2400" b="1" dirty="0">
+                <a:solidFill>
+                  <a:schemeClr val="accent1">
+                    <a:lumMod val="75000"/>
+                  </a:schemeClr>
+                </a:solidFill>
+                <a:latin typeface="微软雅黑" panose="020B0503020204020204" pitchFamily="34" charset="-122"/>
+                <a:ea typeface="微软雅黑" panose="020B0503020204020204" pitchFamily="34" charset="-122"/>
+              </a:rPr>
+              <a:t>最小二乘法的四大变式</a:t>
+            </a:r>
+            <a:r>
+              <a:rPr lang="en-US" altLang="zh-CN" sz="2400" b="1" dirty="0">
+                <a:solidFill>
+                  <a:schemeClr val="accent1">
+                    <a:lumMod val="75000"/>
+                  </a:schemeClr>
+                </a:solidFill>
+                <a:latin typeface="微软雅黑" panose="020B0503020204020204" pitchFamily="34" charset="-122"/>
+                <a:ea typeface="微软雅黑" panose="020B0503020204020204" pitchFamily="34" charset="-122"/>
+              </a:rPr>
+              <a:t>(sum-1/2)</a:t>
+            </a:r>
+            <a:endParaRPr lang="zh-CN" altLang="en-US" sz="2400" b="1" dirty="0">
+              <a:solidFill>
+                <a:schemeClr val="accent1">
+                  <a:lumMod val="75000"/>
+                </a:schemeClr>
+              </a:solidFill>
+              <a:latin typeface="微软雅黑" panose="020B0503020204020204" pitchFamily="34" charset="-122"/>
+              <a:ea typeface="微软雅黑" panose="020B0503020204020204" pitchFamily="34" charset="-122"/>
+            </a:endParaRPr>
+          </a:p>
+        </p:txBody>
+      </p:sp>
+      <p:sp>
+        <p:nvSpPr>
+          <p:cNvPr id="4" name="矩形: 圆角 3">
+            <a:extLst>
+              <a:ext uri="{FF2B5EF4-FFF2-40B4-BE49-F238E27FC236}">
+                <a16:creationId xmlns:a16="http://schemas.microsoft.com/office/drawing/2014/main" id="{EA959C72-5560-A904-36E8-B7925FC1FB6B}"/>
+              </a:ext>
+            </a:extLst>
+          </p:cNvPr>
+          <p:cNvSpPr/>
+          <p:nvPr/>
+        </p:nvSpPr>
+        <p:spPr>
+          <a:xfrm>
+            <a:off x="7380312" y="917059"/>
             <a:ext cx="1152128" cy="648072"/>
           </a:xfrm>
           <a:prstGeom prst="roundRect">
@@ -27823,6 +29396,9 @@
             <a:pPr algn="ctr"/>
             <a:r>
               <a:rPr lang="en-US" altLang="zh-CN" sz="2800" b="1" dirty="0">
+                <a:solidFill>
+                  <a:schemeClr val="bg1"/>
+                </a:solidFill>
                 <a:effectLst>
                   <a:outerShdw blurRad="38100" dist="38100" dir="2700000" algn="tl">
                     <a:srgbClr val="000000">
@@ -27834,6 +29410,9 @@
               <a:t>OLS</a:t>
             </a:r>
             <a:endParaRPr lang="zh-CN" altLang="en-US" sz="2800" b="1" dirty="0">
+              <a:solidFill>
+                <a:schemeClr val="bg1"/>
+              </a:solidFill>
               <a:effectLst>
                 <a:outerShdw blurRad="38100" dist="38100" dir="2700000" algn="tl">
                   <a:srgbClr val="000000">
@@ -27847,10 +29426,10 @@
       </p:sp>
       <p:sp>
         <p:nvSpPr>
-          <p:cNvPr id="8" name="矩形: 圆角 7">
+          <p:cNvPr id="5" name="矩形: 圆角 4">
             <a:extLst>
               <a:ext uri="{FF2B5EF4-FFF2-40B4-BE49-F238E27FC236}">
-                <a16:creationId xmlns:a16="http://schemas.microsoft.com/office/drawing/2014/main" id="{FED28F51-DBE7-EBA2-E9E0-B7C023E40CBB}"/>
+                <a16:creationId xmlns:a16="http://schemas.microsoft.com/office/drawing/2014/main" id="{D0C1DD57-63D3-C18C-5579-4B885B6EFF71}"/>
               </a:ext>
             </a:extLst>
           </p:cNvPr>
@@ -27859,7 +29438,7 @@
         </p:nvSpPr>
         <p:spPr>
           <a:xfrm>
-            <a:off x="7380312" y="4512943"/>
+            <a:off x="7387128" y="2115687"/>
             <a:ext cx="1152128" cy="648072"/>
           </a:xfrm>
           <a:prstGeom prst="roundRect">
@@ -27892,6 +29471,9 @@
             <a:pPr algn="ctr"/>
             <a:r>
               <a:rPr lang="en-US" altLang="zh-CN" sz="2800" b="1" dirty="0">
+                <a:solidFill>
+                  <a:schemeClr val="bg1"/>
+                </a:solidFill>
                 <a:effectLst>
                   <a:outerShdw blurRad="38100" dist="38100" dir="2700000" algn="tl">
                     <a:srgbClr val="000000">
@@ -27900,7 +29482,172 @@
                   </a:outerShdw>
                 </a:effectLst>
               </a:rPr>
-              <a:t>OLS</a:t>
+              <a:t>WLS</a:t>
+            </a:r>
+            <a:endParaRPr lang="zh-CN" altLang="en-US" sz="2800" b="1" dirty="0">
+              <a:solidFill>
+                <a:schemeClr val="bg1"/>
+              </a:solidFill>
+              <a:effectLst>
+                <a:outerShdw blurRad="38100" dist="38100" dir="2700000" algn="tl">
+                  <a:srgbClr val="000000">
+                    <a:alpha val="43137"/>
+                  </a:srgbClr>
+                </a:outerShdw>
+              </a:effectLst>
+            </a:endParaRPr>
+          </a:p>
+        </p:txBody>
+      </p:sp>
+      <p:sp>
+        <p:nvSpPr>
+          <p:cNvPr id="7" name="矩形: 圆角 6">
+            <a:extLst>
+              <a:ext uri="{FF2B5EF4-FFF2-40B4-BE49-F238E27FC236}">
+                <a16:creationId xmlns:a16="http://schemas.microsoft.com/office/drawing/2014/main" id="{64943B9A-F4B7-F2C0-E2E5-1C4C23C43EC1}"/>
+              </a:ext>
+            </a:extLst>
+          </p:cNvPr>
+          <p:cNvSpPr/>
+          <p:nvPr/>
+        </p:nvSpPr>
+        <p:spPr>
+          <a:xfrm>
+            <a:off x="7282522" y="3403212"/>
+            <a:ext cx="1361337" cy="759050"/>
+          </a:xfrm>
+          <a:prstGeom prst="roundRect">
+            <a:avLst/>
+          </a:prstGeom>
+          <a:ln>
+            <a:noFill/>
+          </a:ln>
+        </p:spPr>
+        <p:style>
+          <a:lnRef idx="2">
+            <a:schemeClr val="accent1">
+              <a:shade val="50000"/>
+            </a:schemeClr>
+          </a:lnRef>
+          <a:fillRef idx="1">
+            <a:schemeClr val="accent1"/>
+          </a:fillRef>
+          <a:effectRef idx="0">
+            <a:schemeClr val="accent1"/>
+          </a:effectRef>
+          <a:fontRef idx="minor">
+            <a:schemeClr val="lt1"/>
+          </a:fontRef>
+        </p:style>
+        <p:txBody>
+          <a:bodyPr rtlCol="0" anchor="ctr"/>
+          <a:lstStyle/>
+          <a:p>
+            <a:pPr algn="ctr"/>
+            <a:r>
+              <a:rPr lang="en-US" altLang="zh-CN" sz="2800" b="1" dirty="0">
+                <a:solidFill>
+                  <a:schemeClr val="bg1"/>
+                </a:solidFill>
+                <a:effectLst>
+                  <a:outerShdw blurRad="38100" dist="38100" dir="2700000" algn="tl">
+                    <a:srgbClr val="000000">
+                      <a:alpha val="43137"/>
+                    </a:srgbClr>
+                  </a:outerShdw>
+                </a:effectLst>
+              </a:rPr>
+              <a:t>WTLS</a:t>
+            </a:r>
+          </a:p>
+          <a:p>
+            <a:pPr algn="ctr"/>
+            <a:r>
+              <a:rPr lang="en-US" altLang="zh-CN" sz="1200" b="1" dirty="0">
+                <a:solidFill>
+                  <a:schemeClr val="bg1"/>
+                </a:solidFill>
+                <a:effectLst>
+                  <a:outerShdw blurRad="38100" dist="38100" dir="2700000" algn="tl">
+                    <a:srgbClr val="000000">
+                      <a:alpha val="43137"/>
+                    </a:srgbClr>
+                  </a:outerShdw>
+                </a:effectLst>
+              </a:rPr>
+              <a:t>w/o correlation</a:t>
+            </a:r>
+            <a:endParaRPr lang="zh-CN" altLang="en-US" sz="1200" b="1" dirty="0">
+              <a:solidFill>
+                <a:schemeClr val="bg1"/>
+              </a:solidFill>
+              <a:effectLst>
+                <a:outerShdw blurRad="38100" dist="38100" dir="2700000" algn="tl">
+                  <a:srgbClr val="000000">
+                    <a:alpha val="43137"/>
+                  </a:srgbClr>
+                </a:outerShdw>
+              </a:effectLst>
+            </a:endParaRPr>
+          </a:p>
+        </p:txBody>
+      </p:sp>
+      <p:sp>
+        <p:nvSpPr>
+          <p:cNvPr id="8" name="矩形: 圆角 7">
+            <a:extLst>
+              <a:ext uri="{FF2B5EF4-FFF2-40B4-BE49-F238E27FC236}">
+                <a16:creationId xmlns:a16="http://schemas.microsoft.com/office/drawing/2014/main" id="{FED28F51-DBE7-EBA2-E9E0-B7C023E40CBB}"/>
+              </a:ext>
+            </a:extLst>
+          </p:cNvPr>
+          <p:cNvSpPr/>
+          <p:nvPr/>
+        </p:nvSpPr>
+        <p:spPr>
+          <a:xfrm>
+            <a:off x="6879662" y="4890615"/>
+            <a:ext cx="2153424" cy="648072"/>
+          </a:xfrm>
+          <a:prstGeom prst="roundRect">
+            <a:avLst/>
+          </a:prstGeom>
+          <a:ln>
+            <a:noFill/>
+          </a:ln>
+        </p:spPr>
+        <p:style>
+          <a:lnRef idx="2">
+            <a:schemeClr val="accent1">
+              <a:shade val="50000"/>
+            </a:schemeClr>
+          </a:lnRef>
+          <a:fillRef idx="1">
+            <a:schemeClr val="accent1"/>
+          </a:fillRef>
+          <a:effectRef idx="0">
+            <a:schemeClr val="accent1"/>
+          </a:effectRef>
+          <a:fontRef idx="minor">
+            <a:schemeClr val="lt1"/>
+          </a:fontRef>
+        </p:style>
+        <p:txBody>
+          <a:bodyPr rtlCol="0" anchor="ctr"/>
+          <a:lstStyle/>
+          <a:p>
+            <a:pPr algn="ctr"/>
+            <a:r>
+              <a:rPr lang="en-US" altLang="zh-CN" sz="2800" b="1" dirty="0">
+                <a:effectLst>
+                  <a:outerShdw blurRad="38100" dist="38100" dir="2700000" algn="tl">
+                    <a:srgbClr val="000000">
+                      <a:alpha val="43137"/>
+                    </a:srgbClr>
+                  </a:outerShdw>
+                </a:effectLst>
+              </a:rPr>
+              <a:t>**WTLS**</a:t>
             </a:r>
             <a:endParaRPr lang="zh-CN" altLang="en-US" sz="2800" b="1" dirty="0">
               <a:effectLst>
@@ -27914,186 +29661,163 @@
           </a:p>
         </p:txBody>
       </p:sp>
-    </p:spTree>
-    <p:extLst>
-      <p:ext uri="{BB962C8B-B14F-4D97-AF65-F5344CB8AC3E}">
-        <p14:creationId xmlns:p14="http://schemas.microsoft.com/office/powerpoint/2010/main" val="1094986451"/>
-      </p:ext>
-    </p:extLst>
-  </p:cSld>
-  <p:clrMapOvr>
-    <a:masterClrMapping/>
-  </p:clrMapOvr>
-  <mc:AlternateContent xmlns:mc="http://schemas.openxmlformats.org/markup-compatibility/2006" xmlns:p159="http://schemas.microsoft.com/office/powerpoint/2015/09/main">
-    <mc:Choice Requires="p159">
-      <p:transition spd="med">
-        <p159:morph option="byWord"/>
-      </p:transition>
-    </mc:Choice>
-    <mc:Fallback xmlns="">
-      <p:transition spd="med">
-        <p:fade/>
-      </p:transition>
-    </mc:Fallback>
-  </mc:AlternateContent>
-</p:sld>
-</file>
-
-<file path=ppt/slides/slide24.xml><?xml version="1.0" encoding="utf-8"?>
-<p:sld xmlns:a="http://schemas.openxmlformats.org/drawingml/2006/main" xmlns:r="http://schemas.openxmlformats.org/officeDocument/2006/relationships" xmlns:p="http://schemas.openxmlformats.org/presentationml/2006/main">
-  <p:cSld>
-    <p:spTree>
-      <p:nvGrpSpPr>
-        <p:cNvPr id="1" name=""/>
-        <p:cNvGrpSpPr/>
-        <p:nvPr/>
-      </p:nvGrpSpPr>
-      <p:grpSpPr>
-        <a:xfrm>
-          <a:off x="0" y="0"/>
-          <a:ext cx="0" cy="0"/>
-          <a:chOff x="0" y="0"/>
-          <a:chExt cx="0" cy="0"/>
-        </a:xfrm>
-      </p:grpSpPr>
-      <p:sp>
-        <p:nvSpPr>
-          <p:cNvPr id="1048692" name="灯片编号占位符 2"/>
-          <p:cNvSpPr>
-            <a:spLocks noGrp="1"/>
-          </p:cNvSpPr>
-          <p:nvPr>
-            <p:custDataLst>
-              <p:tags r:id="rId1"/>
-            </p:custDataLst>
-          </p:nvPr>
-        </p:nvSpPr>
-        <p:spPr>
-          <a:xfrm>
-            <a:off x="7010400" y="5305214"/>
-            <a:ext cx="2133600" cy="304271"/>
-          </a:xfrm>
-          <a:prstGeom prst="rect">
-            <a:avLst/>
-          </a:prstGeom>
-        </p:spPr>
-        <p:txBody>
-          <a:bodyPr/>
-          <a:lstStyle>
-            <a:defPPr>
-              <a:defRPr lang="zh-CN"/>
-            </a:defPPr>
-            <a:lvl1pPr marL="0" algn="l" defTabSz="914400" rtl="0" eaLnBrk="1" latinLnBrk="0" hangingPunct="1">
-              <a:defRPr sz="1800" kern="1200">
-                <a:solidFill>
-                  <a:schemeClr val="tx1"/>
-                </a:solidFill>
-                <a:latin typeface="+mn-lt"/>
-                <a:ea typeface="+mn-ea"/>
-                <a:cs typeface="+mn-cs"/>
-              </a:defRPr>
-            </a:lvl1pPr>
-            <a:lvl2pPr marL="457200" algn="l" defTabSz="914400" rtl="0" eaLnBrk="1" latinLnBrk="0" hangingPunct="1">
-              <a:defRPr sz="1800" kern="1200">
-                <a:solidFill>
-                  <a:schemeClr val="tx1"/>
-                </a:solidFill>
-                <a:latin typeface="+mn-lt"/>
-                <a:ea typeface="+mn-ea"/>
-                <a:cs typeface="+mn-cs"/>
-              </a:defRPr>
-            </a:lvl2pPr>
-            <a:lvl3pPr marL="914400" algn="l" defTabSz="914400" rtl="0" eaLnBrk="1" latinLnBrk="0" hangingPunct="1">
-              <a:defRPr sz="1800" kern="1200">
-                <a:solidFill>
-                  <a:schemeClr val="tx1"/>
-                </a:solidFill>
-                <a:latin typeface="+mn-lt"/>
-                <a:ea typeface="+mn-ea"/>
-                <a:cs typeface="+mn-cs"/>
-              </a:defRPr>
-            </a:lvl3pPr>
-            <a:lvl4pPr marL="1371600" algn="l" defTabSz="914400" rtl="0" eaLnBrk="1" latinLnBrk="0" hangingPunct="1">
-              <a:defRPr sz="1800" kern="1200">
-                <a:solidFill>
-                  <a:schemeClr val="tx1"/>
-                </a:solidFill>
-                <a:latin typeface="+mn-lt"/>
-                <a:ea typeface="+mn-ea"/>
-                <a:cs typeface="+mn-cs"/>
-              </a:defRPr>
-            </a:lvl4pPr>
-            <a:lvl5pPr marL="1828800" algn="l" defTabSz="914400" rtl="0" eaLnBrk="1" latinLnBrk="0" hangingPunct="1">
-              <a:defRPr sz="1800" kern="1200">
-                <a:solidFill>
-                  <a:schemeClr val="tx1"/>
-                </a:solidFill>
-                <a:latin typeface="+mn-lt"/>
-                <a:ea typeface="+mn-ea"/>
-                <a:cs typeface="+mn-cs"/>
-              </a:defRPr>
-            </a:lvl5pPr>
-            <a:lvl6pPr marL="2286000" algn="l" defTabSz="914400" rtl="0" eaLnBrk="1" latinLnBrk="0" hangingPunct="1">
-              <a:defRPr sz="1800" kern="1200">
-                <a:solidFill>
-                  <a:schemeClr val="tx1"/>
-                </a:solidFill>
-                <a:latin typeface="+mn-lt"/>
-                <a:ea typeface="+mn-ea"/>
-                <a:cs typeface="+mn-cs"/>
-              </a:defRPr>
-            </a:lvl6pPr>
-            <a:lvl7pPr marL="2743200" algn="l" defTabSz="914400" rtl="0" eaLnBrk="1" latinLnBrk="0" hangingPunct="1">
-              <a:defRPr sz="1800" kern="1200">
-                <a:solidFill>
-                  <a:schemeClr val="tx1"/>
-                </a:solidFill>
-                <a:latin typeface="+mn-lt"/>
-                <a:ea typeface="+mn-ea"/>
-                <a:cs typeface="+mn-cs"/>
-              </a:defRPr>
-            </a:lvl7pPr>
-            <a:lvl8pPr marL="3200400" algn="l" defTabSz="914400" rtl="0" eaLnBrk="1" latinLnBrk="0" hangingPunct="1">
-              <a:defRPr sz="1800" kern="1200">
-                <a:solidFill>
-                  <a:schemeClr val="tx1"/>
-                </a:solidFill>
-                <a:latin typeface="+mn-lt"/>
-                <a:ea typeface="+mn-ea"/>
-                <a:cs typeface="+mn-cs"/>
-              </a:defRPr>
-            </a:lvl8pPr>
-            <a:lvl9pPr marL="3657600" algn="l" defTabSz="914400" rtl="0" eaLnBrk="1" latinLnBrk="0" hangingPunct="1">
-              <a:defRPr sz="1800" kern="1200">
-                <a:solidFill>
-                  <a:schemeClr val="tx1"/>
-                </a:solidFill>
-                <a:latin typeface="+mn-lt"/>
-                <a:ea typeface="+mn-ea"/>
-                <a:cs typeface="+mn-cs"/>
-              </a:defRPr>
-            </a:lvl9pPr>
-          </a:lstStyle>
-          <a:p>
-            <a:pPr algn="r"/>
-            <a:fld id="{4BB7B66E-7FFA-4300-8439-347A5E0E252A}" type="slidenum">
-              <a:rPr lang="zh-CN" altLang="en-US" smtClean="0"/>
-              <a:t>24</a:t>
-            </a:fld>
-            <a:endParaRPr lang="zh-CN" altLang="en-US" dirty="0"/>
-          </a:p>
-        </p:txBody>
-      </p:sp>
-      <p:sp>
-        <p:nvSpPr>
-          <p:cNvPr id="12" name="矩形 2">
+      <p:sp>
+        <p:nvSpPr>
+          <p:cNvPr id="9" name="箭头: 右 8">
             <a:extLst>
               <a:ext uri="{FF2B5EF4-FFF2-40B4-BE49-F238E27FC236}">
-                <a16:creationId xmlns:a16="http://schemas.microsoft.com/office/drawing/2014/main" id="{01D1EA62-D4B9-4AA3-A630-1C26AB4845D5}"/>
+                <a16:creationId xmlns:a16="http://schemas.microsoft.com/office/drawing/2014/main" id="{B0DCF526-7ADE-AE90-16FC-9BB98B731EB8}"/>
               </a:ext>
             </a:extLst>
           </p:cNvPr>
           <p:cNvSpPr/>
+          <p:nvPr/>
+        </p:nvSpPr>
+        <p:spPr>
+          <a:xfrm rot="5400000">
+            <a:off x="7761378" y="1719979"/>
+            <a:ext cx="389994" cy="240861"/>
+          </a:xfrm>
+          <a:prstGeom prst="rightArrow">
+            <a:avLst>
+              <a:gd name="adj1" fmla="val 35703"/>
+              <a:gd name="adj2" fmla="val 50000"/>
+            </a:avLst>
+          </a:prstGeom>
+        </p:spPr>
+        <p:style>
+          <a:lnRef idx="2">
+            <a:schemeClr val="accent1">
+              <a:shade val="50000"/>
+            </a:schemeClr>
+          </a:lnRef>
+          <a:fillRef idx="1">
+            <a:schemeClr val="accent1"/>
+          </a:fillRef>
+          <a:effectRef idx="0">
+            <a:schemeClr val="accent1"/>
+          </a:effectRef>
+          <a:fontRef idx="minor">
+            <a:schemeClr val="lt1"/>
+          </a:fontRef>
+        </p:style>
+        <p:txBody>
+          <a:bodyPr rtlCol="0" anchor="ctr"/>
+          <a:lstStyle/>
+          <a:p>
+            <a:pPr algn="ctr"/>
+            <a:endParaRPr lang="zh-CN" altLang="en-US"/>
+          </a:p>
+        </p:txBody>
+      </p:sp>
+      <p:sp>
+        <p:nvSpPr>
+          <p:cNvPr id="10" name="箭头: 右 9">
+            <a:extLst>
+              <a:ext uri="{FF2B5EF4-FFF2-40B4-BE49-F238E27FC236}">
+                <a16:creationId xmlns:a16="http://schemas.microsoft.com/office/drawing/2014/main" id="{68802577-1895-B2D1-7BDD-12BE7AF2DD87}"/>
+              </a:ext>
+            </a:extLst>
+          </p:cNvPr>
+          <p:cNvSpPr/>
+          <p:nvPr/>
+        </p:nvSpPr>
+        <p:spPr>
+          <a:xfrm rot="5400000">
+            <a:off x="7768194" y="2918606"/>
+            <a:ext cx="389994" cy="240861"/>
+          </a:xfrm>
+          <a:prstGeom prst="rightArrow">
+            <a:avLst>
+              <a:gd name="adj1" fmla="val 35703"/>
+              <a:gd name="adj2" fmla="val 50000"/>
+            </a:avLst>
+          </a:prstGeom>
+        </p:spPr>
+        <p:style>
+          <a:lnRef idx="2">
+            <a:schemeClr val="accent1">
+              <a:shade val="50000"/>
+            </a:schemeClr>
+          </a:lnRef>
+          <a:fillRef idx="1">
+            <a:schemeClr val="accent1"/>
+          </a:fillRef>
+          <a:effectRef idx="0">
+            <a:schemeClr val="accent1"/>
+          </a:effectRef>
+          <a:fontRef idx="minor">
+            <a:schemeClr val="lt1"/>
+          </a:fontRef>
+        </p:style>
+        <p:txBody>
+          <a:bodyPr rtlCol="0" anchor="ctr"/>
+          <a:lstStyle/>
+          <a:p>
+            <a:pPr algn="ctr"/>
+            <a:endParaRPr lang="zh-CN" altLang="en-US"/>
+          </a:p>
+        </p:txBody>
+      </p:sp>
+      <p:sp>
+        <p:nvSpPr>
+          <p:cNvPr id="11" name="箭头: 右 10">
+            <a:extLst>
+              <a:ext uri="{FF2B5EF4-FFF2-40B4-BE49-F238E27FC236}">
+                <a16:creationId xmlns:a16="http://schemas.microsoft.com/office/drawing/2014/main" id="{09A665D0-AA57-921B-7712-44A5797FDAFC}"/>
+              </a:ext>
+            </a:extLst>
+          </p:cNvPr>
+          <p:cNvSpPr/>
+          <p:nvPr/>
+        </p:nvSpPr>
+        <p:spPr>
+          <a:xfrm rot="5400000">
+            <a:off x="7761377" y="4406008"/>
+            <a:ext cx="389994" cy="240861"/>
+          </a:xfrm>
+          <a:prstGeom prst="rightArrow">
+            <a:avLst>
+              <a:gd name="adj1" fmla="val 35703"/>
+              <a:gd name="adj2" fmla="val 50000"/>
+            </a:avLst>
+          </a:prstGeom>
+        </p:spPr>
+        <p:style>
+          <a:lnRef idx="2">
+            <a:schemeClr val="accent1">
+              <a:shade val="50000"/>
+            </a:schemeClr>
+          </a:lnRef>
+          <a:fillRef idx="1">
+            <a:schemeClr val="accent1"/>
+          </a:fillRef>
+          <a:effectRef idx="0">
+            <a:schemeClr val="accent1"/>
+          </a:effectRef>
+          <a:fontRef idx="minor">
+            <a:schemeClr val="lt1"/>
+          </a:fontRef>
+        </p:style>
+        <p:txBody>
+          <a:bodyPr rtlCol="0" anchor="ctr"/>
+          <a:lstStyle/>
+          <a:p>
+            <a:pPr algn="ctr"/>
+            <a:endParaRPr lang="zh-CN" altLang="en-US"/>
+          </a:p>
+        </p:txBody>
+      </p:sp>
+      <p:sp>
+        <p:nvSpPr>
+          <p:cNvPr id="3" name="TextBox 11">
+            <a:extLst>
+              <a:ext uri="{FF2B5EF4-FFF2-40B4-BE49-F238E27FC236}">
+                <a16:creationId xmlns:a16="http://schemas.microsoft.com/office/drawing/2014/main" id="{BC8EAE27-B252-7766-98CF-9124E593489F}"/>
+              </a:ext>
+            </a:extLst>
+          </p:cNvPr>
+          <p:cNvSpPr txBox="1"/>
           <p:nvPr>
             <p:custDataLst>
               <p:tags r:id="rId2"/>
@@ -28102,128 +29826,8 @@
         </p:nvSpPr>
         <p:spPr>
           <a:xfrm>
-            <a:off x="4700755" y="27492"/>
-            <a:ext cx="4199426" cy="376555"/>
-          </a:xfrm>
-          <a:prstGeom prst="rect">
-            <a:avLst/>
-          </a:prstGeom>
-          <a:solidFill>
-            <a:schemeClr val="bg1"/>
-          </a:solidFill>
-          <a:ln w="25400">
-            <a:noFill/>
-          </a:ln>
-        </p:spPr>
-        <p:txBody>
-          <a:bodyPr wrap="square">
-            <a:noAutofit/>
-          </a:bodyPr>
-          <a:lstStyle/>
-          <a:p>
-            <a:pPr algn="r"/>
-            <a:r>
-              <a:rPr lang="zh-CN" altLang="en-US" sz="2400" b="1" dirty="0">
-                <a:solidFill>
-                  <a:schemeClr val="accent1">
-                    <a:lumMod val="75000"/>
-                  </a:schemeClr>
-                </a:solidFill>
-                <a:latin typeface="微软雅黑" panose="020B0503020204020204" pitchFamily="34" charset="-122"/>
-                <a:ea typeface="微软雅黑" panose="020B0503020204020204" pitchFamily="34" charset="-122"/>
-              </a:rPr>
-              <a:t>最小二乘法的四大变式</a:t>
-            </a:r>
-          </a:p>
-        </p:txBody>
-      </p:sp>
-      <p:graphicFrame>
-        <p:nvGraphicFramePr>
-          <p:cNvPr id="3" name="图示 2">
-            <a:extLst>
-              <a:ext uri="{FF2B5EF4-FFF2-40B4-BE49-F238E27FC236}">
-                <a16:creationId xmlns:a16="http://schemas.microsoft.com/office/drawing/2014/main" id="{EB6A67C2-05BE-4AF0-9313-2611E6560EED}"/>
-              </a:ext>
-            </a:extLst>
-          </p:cNvPr>
-          <p:cNvGraphicFramePr>
-            <a:graphicFrameLocks noChangeAspect="1"/>
-          </p:cNvGraphicFramePr>
-          <p:nvPr/>
-        </p:nvGraphicFramePr>
-        <p:xfrm>
-          <a:off x="31263" y="1323396"/>
-          <a:ext cx="6749018" cy="3910368"/>
-        </p:xfrm>
-        <a:graphic>
-          <a:graphicData uri="http://schemas.openxmlformats.org/drawingml/2006/diagram">
-            <dgm:relIds xmlns:dgm="http://schemas.openxmlformats.org/drawingml/2006/diagram" xmlns:r="http://schemas.openxmlformats.org/officeDocument/2006/relationships" r:dm="rId5" r:lo="rId6" r:qs="rId7" r:cs="rId8"/>
-          </a:graphicData>
-        </a:graphic>
-      </p:graphicFrame>
-      <p:pic>
-        <p:nvPicPr>
-          <p:cNvPr id="6" name="图片 5">
-            <a:extLst>
-              <a:ext uri="{FF2B5EF4-FFF2-40B4-BE49-F238E27FC236}">
-                <a16:creationId xmlns:a16="http://schemas.microsoft.com/office/drawing/2014/main" id="{558FF107-0A27-4C7A-8ED8-E538813BFFE6}"/>
-              </a:ext>
-            </a:extLst>
-          </p:cNvPr>
-          <p:cNvPicPr>
-            <a:picLocks noChangeAspect="1"/>
-          </p:cNvPicPr>
-          <p:nvPr/>
-        </p:nvPicPr>
-        <p:blipFill>
-          <a:blip r:embed="rId10" cstate="print">
-            <a:extLst>
-              <a:ext uri="{28A0092B-C50C-407E-A947-70E740481C1C}">
-                <a14:useLocalDpi xmlns:a14="http://schemas.microsoft.com/office/drawing/2010/main" val="0"/>
-              </a:ext>
-            </a:extLst>
-          </a:blip>
-          <a:stretch>
-            <a:fillRect/>
-          </a:stretch>
-        </p:blipFill>
-        <p:spPr>
-          <a:xfrm>
-            <a:off x="6460799" y="3039042"/>
-            <a:ext cx="2520280" cy="2071121"/>
-          </a:xfrm>
-          <a:prstGeom prst="rect">
-            <a:avLst/>
-          </a:prstGeom>
-          <a:ln w="127000" cap="sq">
-            <a:noFill/>
-            <a:miter lim="800000"/>
-          </a:ln>
-          <a:effectLst>
-            <a:outerShdw blurRad="57150" dist="50800" dir="2700000" algn="tl" rotWithShape="0">
-              <a:srgbClr val="000000">
-                <a:alpha val="40000"/>
-              </a:srgbClr>
-            </a:outerShdw>
-          </a:effectLst>
-        </p:spPr>
-      </p:pic>
-      <p:sp>
-        <p:nvSpPr>
-          <p:cNvPr id="37" name="文本框 36">
-            <a:extLst>
-              <a:ext uri="{FF2B5EF4-FFF2-40B4-BE49-F238E27FC236}">
-                <a16:creationId xmlns:a16="http://schemas.microsoft.com/office/drawing/2014/main" id="{E5684BCD-3655-4FF4-8AA1-769CEB0DDE7F}"/>
-              </a:ext>
-            </a:extLst>
-          </p:cNvPr>
-          <p:cNvSpPr txBox="1"/>
-          <p:nvPr/>
-        </p:nvSpPr>
-        <p:spPr>
-          <a:xfrm>
-            <a:off x="6800468" y="5164660"/>
-            <a:ext cx="1840942" cy="369332"/>
+            <a:off x="14177" y="903753"/>
+            <a:ext cx="6699590" cy="830997"/>
           </a:xfrm>
           <a:prstGeom prst="rect">
             <a:avLst/>
@@ -28231,114 +29835,230 @@
           <a:noFill/>
         </p:spPr>
         <p:txBody>
-          <a:bodyPr wrap="square">
+          <a:bodyPr vert="horz" wrap="square" rtlCol="0">
             <a:spAutoFit/>
           </a:bodyPr>
           <a:lstStyle/>
           <a:p>
-            <a:pPr lvl="0" algn="ctr"/>
-            <a:r>
-              <a:rPr lang="en-US" altLang="zh-CN" sz="1800" b="1" dirty="0">
+            <a:pPr marL="342900" indent="-342900" fontAlgn="b">
+              <a:buFont typeface="Wingdings" panose="05000000000000000000" pitchFamily="2" charset="2"/>
+              <a:buChar char="u"/>
+            </a:pPr>
+            <a:r>
+              <a:rPr lang="zh-CN" altLang="en-US" sz="2400" b="1" dirty="0">
+                <a:solidFill>
+                  <a:schemeClr val="tx2">
+                    <a:lumMod val="75000"/>
+                  </a:schemeClr>
+                </a:solidFill>
                 <a:latin typeface="微软雅黑" panose="020B0503020204020204" pitchFamily="34" charset="-122"/>
                 <a:ea typeface="微软雅黑" panose="020B0503020204020204" pitchFamily="34" charset="-122"/>
               </a:rPr>
-              <a:t>WTLS</a:t>
-            </a:r>
-            <a:endParaRPr lang="zh-CN" altLang="en-US" sz="1800" b="1" dirty="0">
+              <a:t>总结：</a:t>
+            </a:r>
+            <a:endParaRPr lang="en-US" altLang="zh-CN" sz="2400" b="1" dirty="0">
+              <a:solidFill>
+                <a:schemeClr val="tx2">
+                  <a:lumMod val="75000"/>
+                </a:schemeClr>
+              </a:solidFill>
               <a:latin typeface="微软雅黑" panose="020B0503020204020204" pitchFamily="34" charset="-122"/>
               <a:ea typeface="微软雅黑" panose="020B0503020204020204" pitchFamily="34" charset="-122"/>
             </a:endParaRPr>
           </a:p>
-        </p:txBody>
-      </p:sp>
-      <p:pic>
-        <p:nvPicPr>
-          <p:cNvPr id="38" name="图片 37">
+          <a:p>
+            <a:pPr marL="800100" lvl="1" indent="-342900" fontAlgn="b">
+              <a:buFont typeface="Wingdings" panose="05000000000000000000" pitchFamily="2" charset="2"/>
+              <a:buChar char="u"/>
+            </a:pPr>
+            <a:endParaRPr lang="en-US" altLang="zh-CN" sz="2400" b="1" dirty="0">
+              <a:solidFill>
+                <a:schemeClr val="tx2">
+                  <a:lumMod val="75000"/>
+                </a:schemeClr>
+              </a:solidFill>
+              <a:latin typeface="微软雅黑" panose="020B0503020204020204" pitchFamily="34" charset="-122"/>
+              <a:ea typeface="微软雅黑" panose="020B0503020204020204" pitchFamily="34" charset="-122"/>
+            </a:endParaRPr>
+          </a:p>
+        </p:txBody>
+      </p:sp>
+      <p:sp>
+        <p:nvSpPr>
+          <p:cNvPr id="2" name="思想气泡: 云 1">
             <a:extLst>
               <a:ext uri="{FF2B5EF4-FFF2-40B4-BE49-F238E27FC236}">
-                <a16:creationId xmlns:a16="http://schemas.microsoft.com/office/drawing/2014/main" id="{7792F51E-0E02-41F3-B0BE-3E29B0E0E19C}"/>
+                <a16:creationId xmlns:a16="http://schemas.microsoft.com/office/drawing/2014/main" id="{DFA64BA8-7FDC-2DF7-3AED-28E934C878A8}"/>
               </a:ext>
             </a:extLst>
           </p:cNvPr>
-          <p:cNvPicPr>
-            <a:picLocks noChangeAspect="1"/>
-          </p:cNvPicPr>
+          <p:cNvSpPr/>
           <p:nvPr/>
-        </p:nvPicPr>
-        <p:blipFill>
-          <a:blip r:embed="rId11"/>
-          <a:stretch>
-            <a:fillRect/>
-          </a:stretch>
-        </p:blipFill>
+        </p:nvSpPr>
         <p:spPr>
           <a:xfrm>
-            <a:off x="6460799" y="694734"/>
-            <a:ext cx="2520000" cy="1843397"/>
+            <a:off x="4410694" y="1247646"/>
+            <a:ext cx="2636346" cy="1346419"/>
           </a:xfrm>
-          <a:prstGeom prst="rect">
-            <a:avLst/>
+          <a:prstGeom prst="cloudCallout">
+            <a:avLst>
+              <a:gd name="adj1" fmla="val 75602"/>
+              <a:gd name="adj2" fmla="val -9679"/>
+            </a:avLst>
           </a:prstGeom>
-          <a:ln w="127000" cap="sq">
-            <a:noFill/>
-            <a:miter lim="800000"/>
-          </a:ln>
-          <a:effectLst>
-            <a:outerShdw blurRad="57150" dist="50800" dir="2700000" algn="tl" rotWithShape="0">
-              <a:srgbClr val="000000">
-                <a:alpha val="40000"/>
-              </a:srgbClr>
-            </a:outerShdw>
-          </a:effectLst>
         </p:spPr>
-      </p:pic>
-      <p:sp>
-        <p:nvSpPr>
-          <p:cNvPr id="40" name="文本框 39">
+        <p:style>
+          <a:lnRef idx="2">
+            <a:schemeClr val="accent1">
+              <a:shade val="50000"/>
+            </a:schemeClr>
+          </a:lnRef>
+          <a:fillRef idx="1">
+            <a:schemeClr val="accent1"/>
+          </a:fillRef>
+          <a:effectRef idx="0">
+            <a:schemeClr val="accent1"/>
+          </a:effectRef>
+          <a:fontRef idx="minor">
+            <a:schemeClr val="lt1"/>
+          </a:fontRef>
+        </p:style>
+        <p:txBody>
+          <a:bodyPr rtlCol="0" anchor="ctr"/>
+          <a:lstStyle/>
+          <a:p>
+            <a:pPr algn="ctr"/>
+            <a:r>
+              <a:rPr lang="zh-CN" altLang="en-US" dirty="0"/>
+              <a:t>不等精度测量，按标准差进行了权重分配</a:t>
+            </a:r>
+          </a:p>
+        </p:txBody>
+      </p:sp>
+      <p:sp>
+        <p:nvSpPr>
+          <p:cNvPr id="6" name="思想气泡: 云 5">
             <a:extLst>
               <a:ext uri="{FF2B5EF4-FFF2-40B4-BE49-F238E27FC236}">
-                <a16:creationId xmlns:a16="http://schemas.microsoft.com/office/drawing/2014/main" id="{01AF3045-9576-4039-8CCB-462712908A6E}"/>
+                <a16:creationId xmlns:a16="http://schemas.microsoft.com/office/drawing/2014/main" id="{A2272AB2-7A1A-DF7C-F4C2-C1835035E55B}"/>
               </a:ext>
             </a:extLst>
           </p:cNvPr>
-          <p:cNvSpPr txBox="1"/>
+          <p:cNvSpPr/>
           <p:nvPr/>
         </p:nvSpPr>
         <p:spPr>
           <a:xfrm>
-            <a:off x="6765523" y="2635657"/>
-            <a:ext cx="1840942" cy="369332"/>
+            <a:off x="2172985" y="2447726"/>
+            <a:ext cx="2897610" cy="1346419"/>
           </a:xfrm>
-          <a:prstGeom prst="rect">
-            <a:avLst/>
+          <a:prstGeom prst="cloudCallout">
+            <a:avLst>
+              <a:gd name="adj1" fmla="val 134112"/>
+              <a:gd name="adj2" fmla="val 670"/>
+            </a:avLst>
           </a:prstGeom>
-          <a:noFill/>
         </p:spPr>
-        <p:txBody>
-          <a:bodyPr wrap="square">
-            <a:spAutoFit/>
-          </a:bodyPr>
+        <p:style>
+          <a:lnRef idx="2">
+            <a:schemeClr val="accent1">
+              <a:shade val="50000"/>
+            </a:schemeClr>
+          </a:lnRef>
+          <a:fillRef idx="1">
+            <a:schemeClr val="accent1"/>
+          </a:fillRef>
+          <a:effectRef idx="0">
+            <a:schemeClr val="accent1"/>
+          </a:effectRef>
+          <a:fontRef idx="minor">
+            <a:schemeClr val="lt1"/>
+          </a:fontRef>
+        </p:style>
+        <p:txBody>
+          <a:bodyPr rtlCol="0" anchor="ctr"/>
           <a:lstStyle/>
           <a:p>
-            <a:pPr lvl="0" algn="ctr"/>
-            <a:r>
-              <a:rPr lang="en-US" altLang="zh-CN" sz="1800" b="1" dirty="0">
-                <a:latin typeface="微软雅黑" panose="020B0503020204020204" pitchFamily="34" charset="-122"/>
-                <a:ea typeface="微软雅黑" panose="020B0503020204020204" pitchFamily="34" charset="-122"/>
-              </a:rPr>
-              <a:t>OLS</a:t>
-            </a:r>
-            <a:endParaRPr lang="zh-CN" altLang="en-US" sz="1800" b="1" dirty="0">
-              <a:latin typeface="微软雅黑" panose="020B0503020204020204" pitchFamily="34" charset="-122"/>
-              <a:ea typeface="微软雅黑" panose="020B0503020204020204" pitchFamily="34" charset="-122"/>
-            </a:endParaRPr>
+            <a:pPr algn="ctr"/>
+            <a:r>
+              <a:rPr lang="zh-CN" altLang="en-US" dirty="0"/>
+              <a:t>考虑了</a:t>
+            </a:r>
+            <a:r>
+              <a:rPr lang="en-US" altLang="zh-CN" dirty="0"/>
+              <a:t>X, Y</a:t>
+            </a:r>
+            <a:r>
+              <a:rPr lang="zh-CN" altLang="en-US" dirty="0"/>
+              <a:t>均属于不确定变量</a:t>
+            </a:r>
+          </a:p>
+        </p:txBody>
+      </p:sp>
+      <p:sp>
+        <p:nvSpPr>
+          <p:cNvPr id="14" name="思想气泡: 云 13">
+            <a:extLst>
+              <a:ext uri="{FF2B5EF4-FFF2-40B4-BE49-F238E27FC236}">
+                <a16:creationId xmlns:a16="http://schemas.microsoft.com/office/drawing/2014/main" id="{4299F9C0-55B1-F7A4-06A8-DF98EE92C506}"/>
+              </a:ext>
+            </a:extLst>
+          </p:cNvPr>
+          <p:cNvSpPr/>
+          <p:nvPr/>
+        </p:nvSpPr>
+        <p:spPr>
+          <a:xfrm>
+            <a:off x="323528" y="3901227"/>
+            <a:ext cx="2897610" cy="1346419"/>
+          </a:xfrm>
+          <a:prstGeom prst="cloudCallout">
+            <a:avLst>
+              <a:gd name="adj1" fmla="val 151243"/>
+              <a:gd name="adj2" fmla="val -3211"/>
+            </a:avLst>
+          </a:prstGeom>
+        </p:spPr>
+        <p:style>
+          <a:lnRef idx="2">
+            <a:schemeClr val="accent1">
+              <a:shade val="50000"/>
+            </a:schemeClr>
+          </a:lnRef>
+          <a:fillRef idx="1">
+            <a:schemeClr val="accent1"/>
+          </a:fillRef>
+          <a:effectRef idx="0">
+            <a:schemeClr val="accent1"/>
+          </a:effectRef>
+          <a:fontRef idx="minor">
+            <a:schemeClr val="lt1"/>
+          </a:fontRef>
+        </p:style>
+        <p:txBody>
+          <a:bodyPr rtlCol="0" anchor="ctr"/>
+          <a:lstStyle/>
+          <a:p>
+            <a:pPr algn="ctr"/>
+            <a:r>
+              <a:rPr lang="zh-CN" altLang="en-US" dirty="0"/>
+              <a:t>考虑了各</a:t>
+            </a:r>
+            <a:r>
+              <a:rPr lang="en-US" altLang="zh-CN" dirty="0"/>
+              <a:t>X, Y</a:t>
+            </a:r>
+            <a:r>
+              <a:rPr lang="zh-CN" altLang="en-US" dirty="0"/>
+              <a:t>变量的相关性</a:t>
+            </a:r>
           </a:p>
         </p:txBody>
       </p:sp>
     </p:spTree>
     <p:extLst>
       <p:ext uri="{BB962C8B-B14F-4D97-AF65-F5344CB8AC3E}">
-        <p14:creationId xmlns:p14="http://schemas.microsoft.com/office/powerpoint/2010/main" val="776459498"/>
+        <p14:creationId xmlns:p14="http://schemas.microsoft.com/office/powerpoint/2010/main" val="1355508975"/>
       </p:ext>
     </p:extLst>
   </p:cSld>
@@ -28377,154 +30097,56 @@
           <a:chExt cx="0" cy="0"/>
         </a:xfrm>
       </p:grpSpPr>
-      <p:sp>
-        <p:nvSpPr>
-          <p:cNvPr id="1048692" name="灯片编号占位符 2"/>
-          <p:cNvSpPr>
-            <a:spLocks noGrp="1"/>
-          </p:cNvSpPr>
-          <p:nvPr>
-            <p:custDataLst>
-              <p:tags r:id="rId1"/>
-            </p:custDataLst>
-          </p:nvPr>
-        </p:nvSpPr>
-        <p:spPr>
-          <a:xfrm>
-            <a:off x="7010400" y="5305214"/>
-            <a:ext cx="2133600" cy="304271"/>
-          </a:xfrm>
-          <a:prstGeom prst="rect">
-            <a:avLst/>
-          </a:prstGeom>
-        </p:spPr>
-        <p:txBody>
-          <a:bodyPr/>
-          <a:lstStyle>
-            <a:defPPr>
-              <a:defRPr lang="zh-CN"/>
-            </a:defPPr>
-            <a:lvl1pPr marL="0" algn="l" defTabSz="914400" rtl="0" eaLnBrk="1" latinLnBrk="0" hangingPunct="1">
-              <a:defRPr sz="1800" kern="1200">
-                <a:solidFill>
-                  <a:schemeClr val="tx1"/>
-                </a:solidFill>
-                <a:latin typeface="+mn-lt"/>
-                <a:ea typeface="+mn-ea"/>
-                <a:cs typeface="+mn-cs"/>
-              </a:defRPr>
-            </a:lvl1pPr>
-            <a:lvl2pPr marL="457200" algn="l" defTabSz="914400" rtl="0" eaLnBrk="1" latinLnBrk="0" hangingPunct="1">
-              <a:defRPr sz="1800" kern="1200">
-                <a:solidFill>
-                  <a:schemeClr val="tx1"/>
-                </a:solidFill>
-                <a:latin typeface="+mn-lt"/>
-                <a:ea typeface="+mn-ea"/>
-                <a:cs typeface="+mn-cs"/>
-              </a:defRPr>
-            </a:lvl2pPr>
-            <a:lvl3pPr marL="914400" algn="l" defTabSz="914400" rtl="0" eaLnBrk="1" latinLnBrk="0" hangingPunct="1">
-              <a:defRPr sz="1800" kern="1200">
-                <a:solidFill>
-                  <a:schemeClr val="tx1"/>
-                </a:solidFill>
-                <a:latin typeface="+mn-lt"/>
-                <a:ea typeface="+mn-ea"/>
-                <a:cs typeface="+mn-cs"/>
-              </a:defRPr>
-            </a:lvl3pPr>
-            <a:lvl4pPr marL="1371600" algn="l" defTabSz="914400" rtl="0" eaLnBrk="1" latinLnBrk="0" hangingPunct="1">
-              <a:defRPr sz="1800" kern="1200">
-                <a:solidFill>
-                  <a:schemeClr val="tx1"/>
-                </a:solidFill>
-                <a:latin typeface="+mn-lt"/>
-                <a:ea typeface="+mn-ea"/>
-                <a:cs typeface="+mn-cs"/>
-              </a:defRPr>
-            </a:lvl4pPr>
-            <a:lvl5pPr marL="1828800" algn="l" defTabSz="914400" rtl="0" eaLnBrk="1" latinLnBrk="0" hangingPunct="1">
-              <a:defRPr sz="1800" kern="1200">
-                <a:solidFill>
-                  <a:schemeClr val="tx1"/>
-                </a:solidFill>
-                <a:latin typeface="+mn-lt"/>
-                <a:ea typeface="+mn-ea"/>
-                <a:cs typeface="+mn-cs"/>
-              </a:defRPr>
-            </a:lvl5pPr>
-            <a:lvl6pPr marL="2286000" algn="l" defTabSz="914400" rtl="0" eaLnBrk="1" latinLnBrk="0" hangingPunct="1">
-              <a:defRPr sz="1800" kern="1200">
-                <a:solidFill>
-                  <a:schemeClr val="tx1"/>
-                </a:solidFill>
-                <a:latin typeface="+mn-lt"/>
-                <a:ea typeface="+mn-ea"/>
-                <a:cs typeface="+mn-cs"/>
-              </a:defRPr>
-            </a:lvl6pPr>
-            <a:lvl7pPr marL="2743200" algn="l" defTabSz="914400" rtl="0" eaLnBrk="1" latinLnBrk="0" hangingPunct="1">
-              <a:defRPr sz="1800" kern="1200">
-                <a:solidFill>
-                  <a:schemeClr val="tx1"/>
-                </a:solidFill>
-                <a:latin typeface="+mn-lt"/>
-                <a:ea typeface="+mn-ea"/>
-                <a:cs typeface="+mn-cs"/>
-              </a:defRPr>
-            </a:lvl7pPr>
-            <a:lvl8pPr marL="3200400" algn="l" defTabSz="914400" rtl="0" eaLnBrk="1" latinLnBrk="0" hangingPunct="1">
-              <a:defRPr sz="1800" kern="1200">
-                <a:solidFill>
-                  <a:schemeClr val="tx1"/>
-                </a:solidFill>
-                <a:latin typeface="+mn-lt"/>
-                <a:ea typeface="+mn-ea"/>
-                <a:cs typeface="+mn-cs"/>
-              </a:defRPr>
-            </a:lvl8pPr>
-            <a:lvl9pPr marL="3657600" algn="l" defTabSz="914400" rtl="0" eaLnBrk="1" latinLnBrk="0" hangingPunct="1">
-              <a:defRPr sz="1800" kern="1200">
-                <a:solidFill>
-                  <a:schemeClr val="tx1"/>
-                </a:solidFill>
-                <a:latin typeface="+mn-lt"/>
-                <a:ea typeface="+mn-ea"/>
-                <a:cs typeface="+mn-cs"/>
-              </a:defRPr>
-            </a:lvl9pPr>
-          </a:lstStyle>
-          <a:p>
-            <a:pPr algn="r"/>
-            <a:fld id="{4BB7B66E-7FFA-4300-8439-347A5E0E252A}" type="slidenum">
-              <a:rPr lang="zh-CN" altLang="en-US" smtClean="0"/>
-              <a:t>25</a:t>
-            </a:fld>
-            <a:endParaRPr lang="zh-CN" altLang="en-US" dirty="0"/>
-          </a:p>
-        </p:txBody>
-      </p:sp>
-      <p:sp>
-        <p:nvSpPr>
-          <p:cNvPr id="12" name="矩形 2">
+      <p:graphicFrame>
+        <p:nvGraphicFramePr>
+          <p:cNvPr id="3" name="图示 2">
             <a:extLst>
               <a:ext uri="{FF2B5EF4-FFF2-40B4-BE49-F238E27FC236}">
-                <a16:creationId xmlns:a16="http://schemas.microsoft.com/office/drawing/2014/main" id="{01D1EA62-D4B9-4AA3-A630-1C26AB4845D5}"/>
+                <a16:creationId xmlns:a16="http://schemas.microsoft.com/office/drawing/2014/main" id="{EB6A67C2-05BE-4AF0-9313-2611E6560EED}"/>
+              </a:ext>
+            </a:extLst>
+          </p:cNvPr>
+          <p:cNvGraphicFramePr>
+            <a:graphicFrameLocks noChangeAspect="1"/>
+          </p:cNvGraphicFramePr>
+          <p:nvPr>
+            <p:extLst>
+              <p:ext uri="{D42A27DB-BD31-4B8C-83A1-F6EECF244321}">
+                <p14:modId xmlns:p14="http://schemas.microsoft.com/office/powerpoint/2010/main" val="3157752498"/>
+              </p:ext>
+            </p:extLst>
+          </p:nvPr>
+        </p:nvGraphicFramePr>
+        <p:xfrm>
+          <a:off x="124115" y="946841"/>
+          <a:ext cx="8213145" cy="4391604"/>
+        </p:xfrm>
+        <a:graphic>
+          <a:graphicData uri="http://schemas.openxmlformats.org/drawingml/2006/diagram">
+            <dgm:relIds xmlns:dgm="http://schemas.openxmlformats.org/drawingml/2006/diagram" xmlns:r="http://schemas.openxmlformats.org/officeDocument/2006/relationships" r:dm="rId4" r:lo="rId5" r:qs="rId6" r:cs="rId7"/>
+          </a:graphicData>
+        </a:graphic>
+      </p:graphicFrame>
+      <p:sp>
+        <p:nvSpPr>
+          <p:cNvPr id="2" name="矩形 2">
+            <a:extLst>
+              <a:ext uri="{FF2B5EF4-FFF2-40B4-BE49-F238E27FC236}">
+                <a16:creationId xmlns:a16="http://schemas.microsoft.com/office/drawing/2014/main" id="{25B705D8-64EF-DA5D-559E-2BDC5B67EE94}"/>
               </a:ext>
             </a:extLst>
           </p:cNvPr>
           <p:cNvSpPr/>
           <p:nvPr>
             <p:custDataLst>
-              <p:tags r:id="rId2"/>
+              <p:tags r:id="rId1"/>
             </p:custDataLst>
           </p:nvPr>
         </p:nvSpPr>
         <p:spPr>
           <a:xfrm>
-            <a:off x="4665810" y="48895"/>
-            <a:ext cx="4199426" cy="376555"/>
+            <a:off x="4211960" y="49008"/>
+            <a:ext cx="4653276" cy="376555"/>
           </a:xfrm>
           <a:prstGeom prst="rect">
             <a:avLst/>
@@ -28555,703 +30177,34 @@
               </a:rPr>
               <a:t>最小二乘法的四大变式</a:t>
             </a:r>
-          </a:p>
-        </p:txBody>
-      </p:sp>
-      <p:sp>
-        <p:nvSpPr>
-          <p:cNvPr id="11" name="TextBox 11">
-            <a:extLst>
-              <a:ext uri="{FF2B5EF4-FFF2-40B4-BE49-F238E27FC236}">
-                <a16:creationId xmlns:a16="http://schemas.microsoft.com/office/drawing/2014/main" id="{8763971F-02F3-4464-9CDF-2BC80355714D}"/>
-              </a:ext>
-            </a:extLst>
-          </p:cNvPr>
-          <p:cNvSpPr txBox="1"/>
-          <p:nvPr>
-            <p:custDataLst>
-              <p:tags r:id="rId3"/>
-            </p:custDataLst>
-          </p:nvPr>
-        </p:nvSpPr>
-        <p:spPr>
-          <a:xfrm>
-            <a:off x="179512" y="1012297"/>
-            <a:ext cx="2758106" cy="400110"/>
-          </a:xfrm>
-          <a:prstGeom prst="rect">
-            <a:avLst/>
-          </a:prstGeom>
-          <a:noFill/>
-        </p:spPr>
-        <p:txBody>
-          <a:bodyPr vert="horz" wrap="square" rtlCol="0">
-            <a:spAutoFit/>
-          </a:bodyPr>
-          <a:lstStyle/>
-          <a:p>
-            <a:pPr marL="342900" indent="-342900" algn="ctr" fontAlgn="b">
-              <a:buFont typeface="Wingdings" panose="05000000000000000000" pitchFamily="2" charset="2"/>
-              <a:buChar char="u"/>
-            </a:pPr>
-            <a:r>
-              <a:rPr lang="en-US" altLang="zh-CN" sz="2000" b="1" dirty="0">
-                <a:solidFill>
-                  <a:schemeClr val="tx2">
+            <a:r>
+              <a:rPr lang="en-US" altLang="zh-CN" sz="2400" b="1" dirty="0">
+                <a:solidFill>
+                  <a:schemeClr val="accent1">
                     <a:lumMod val="75000"/>
                   </a:schemeClr>
                 </a:solidFill>
                 <a:latin typeface="微软雅黑" panose="020B0503020204020204" pitchFamily="34" charset="-122"/>
                 <a:ea typeface="微软雅黑" panose="020B0503020204020204" pitchFamily="34" charset="-122"/>
               </a:rPr>
-              <a:t>WLS</a:t>
-            </a:r>
-            <a:r>
-              <a:rPr lang="zh-CN" altLang="en-US" sz="2000" b="1" dirty="0">
-                <a:solidFill>
-                  <a:schemeClr val="tx2">
-                    <a:lumMod val="75000"/>
-                  </a:schemeClr>
-                </a:solidFill>
-                <a:latin typeface="微软雅黑" panose="020B0503020204020204" pitchFamily="34" charset="-122"/>
-                <a:ea typeface="微软雅黑" panose="020B0503020204020204" pitchFamily="34" charset="-122"/>
-              </a:rPr>
-              <a:t>计算矩阵</a:t>
-            </a:r>
-          </a:p>
-        </p:txBody>
-      </p:sp>
-      <p:grpSp>
-        <p:nvGrpSpPr>
-          <p:cNvPr id="13" name="组合 12">
-            <a:extLst>
-              <a:ext uri="{FF2B5EF4-FFF2-40B4-BE49-F238E27FC236}">
-                <a16:creationId xmlns:a16="http://schemas.microsoft.com/office/drawing/2014/main" id="{2FDF77E4-03A9-418B-BB87-45D58B55FA62}"/>
-              </a:ext>
-            </a:extLst>
-          </p:cNvPr>
-          <p:cNvGrpSpPr/>
-          <p:nvPr/>
-        </p:nvGrpSpPr>
-        <p:grpSpPr>
-          <a:xfrm>
-            <a:off x="469882" y="3805491"/>
-            <a:ext cx="6048672" cy="1638300"/>
-            <a:chOff x="486156" y="3666914"/>
-            <a:chExt cx="6048672" cy="1638300"/>
-          </a:xfrm>
-        </p:grpSpPr>
-        <p:pic>
-          <p:nvPicPr>
-            <p:cNvPr id="7" name="图片 6">
-              <a:extLst>
-                <a:ext uri="{FF2B5EF4-FFF2-40B4-BE49-F238E27FC236}">
-                  <a16:creationId xmlns:a16="http://schemas.microsoft.com/office/drawing/2014/main" id="{378DC132-2C30-4B2D-B21C-6DA50E8C313C}"/>
-                </a:ext>
-              </a:extLst>
-            </p:cNvPr>
-            <p:cNvPicPr>
-              <a:picLocks noChangeAspect="1"/>
-            </p:cNvPicPr>
-            <p:nvPr/>
-          </p:nvPicPr>
-          <p:blipFill>
-            <a:blip r:embed="rId7"/>
-            <a:stretch>
-              <a:fillRect/>
-            </a:stretch>
-          </p:blipFill>
-          <p:spPr>
-            <a:xfrm>
-              <a:off x="538787" y="3666914"/>
-              <a:ext cx="4171950" cy="771525"/>
-            </a:xfrm>
-            <a:prstGeom prst="rect">
-              <a:avLst/>
-            </a:prstGeom>
-          </p:spPr>
-        </p:pic>
-        <p:pic>
-          <p:nvPicPr>
-            <p:cNvPr id="9" name="图片 8">
-              <a:extLst>
-                <a:ext uri="{FF2B5EF4-FFF2-40B4-BE49-F238E27FC236}">
-                  <a16:creationId xmlns:a16="http://schemas.microsoft.com/office/drawing/2014/main" id="{2C2A56C7-8707-45B4-A77A-2FA885FE9556}"/>
-                </a:ext>
-              </a:extLst>
-            </p:cNvPr>
-            <p:cNvPicPr>
-              <a:picLocks noChangeAspect="1"/>
-            </p:cNvPicPr>
-            <p:nvPr/>
-          </p:nvPicPr>
-          <p:blipFill rotWithShape="1">
-            <a:blip r:embed="rId8"/>
-            <a:srcRect r="466"/>
-            <a:stretch/>
-          </p:blipFill>
-          <p:spPr>
-            <a:xfrm>
-              <a:off x="486156" y="4438439"/>
-              <a:ext cx="6048672" cy="866775"/>
-            </a:xfrm>
-            <a:prstGeom prst="rect">
-              <a:avLst/>
-            </a:prstGeom>
-          </p:spPr>
-        </p:pic>
-      </p:grpSp>
-      <p:grpSp>
-        <p:nvGrpSpPr>
-          <p:cNvPr id="17" name="组合 16">
-            <a:extLst>
-              <a:ext uri="{FF2B5EF4-FFF2-40B4-BE49-F238E27FC236}">
-                <a16:creationId xmlns:a16="http://schemas.microsoft.com/office/drawing/2014/main" id="{AD762E38-7D8F-4AF2-B0B1-D5BE3D02CB92}"/>
-              </a:ext>
-            </a:extLst>
-          </p:cNvPr>
-          <p:cNvGrpSpPr/>
-          <p:nvPr/>
-        </p:nvGrpSpPr>
-        <p:grpSpPr>
-          <a:xfrm>
-            <a:off x="469882" y="1348041"/>
-            <a:ext cx="6048672" cy="1638300"/>
-            <a:chOff x="486156" y="1414661"/>
-            <a:chExt cx="6048672" cy="1638300"/>
-          </a:xfrm>
-        </p:grpSpPr>
-        <p:grpSp>
-          <p:nvGrpSpPr>
-            <p:cNvPr id="16" name="组合 15">
-              <a:extLst>
-                <a:ext uri="{FF2B5EF4-FFF2-40B4-BE49-F238E27FC236}">
-                  <a16:creationId xmlns:a16="http://schemas.microsoft.com/office/drawing/2014/main" id="{496E50E6-727B-487C-BCEE-91CFC36903B3}"/>
-                </a:ext>
-              </a:extLst>
-            </p:cNvPr>
-            <p:cNvGrpSpPr/>
-            <p:nvPr/>
-          </p:nvGrpSpPr>
-          <p:grpSpPr>
-            <a:xfrm>
-              <a:off x="486156" y="1414661"/>
-              <a:ext cx="6048672" cy="1638300"/>
-              <a:chOff x="486156" y="1414661"/>
-              <a:chExt cx="6048672" cy="1638300"/>
-            </a:xfrm>
-          </p:grpSpPr>
-          <p:grpSp>
-            <p:nvGrpSpPr>
-              <p:cNvPr id="18" name="组合 17">
-                <a:extLst>
-                  <a:ext uri="{FF2B5EF4-FFF2-40B4-BE49-F238E27FC236}">
-                    <a16:creationId xmlns:a16="http://schemas.microsoft.com/office/drawing/2014/main" id="{120000AC-5C03-4161-852F-493B13579DCE}"/>
-                  </a:ext>
-                </a:extLst>
-              </p:cNvPr>
-              <p:cNvGrpSpPr/>
-              <p:nvPr/>
-            </p:nvGrpSpPr>
-            <p:grpSpPr>
-              <a:xfrm>
-                <a:off x="486156" y="1414661"/>
-                <a:ext cx="6048672" cy="1638300"/>
-                <a:chOff x="486156" y="3666914"/>
-                <a:chExt cx="6048672" cy="1638300"/>
-              </a:xfrm>
-            </p:grpSpPr>
-            <p:pic>
-              <p:nvPicPr>
-                <p:cNvPr id="19" name="图片 18">
-                  <a:extLst>
-                    <a:ext uri="{FF2B5EF4-FFF2-40B4-BE49-F238E27FC236}">
-                      <a16:creationId xmlns:a16="http://schemas.microsoft.com/office/drawing/2014/main" id="{9FA5C029-0017-47FB-985B-193A33931FDC}"/>
-                    </a:ext>
-                  </a:extLst>
-                </p:cNvPr>
-                <p:cNvPicPr>
-                  <a:picLocks noChangeAspect="1"/>
-                </p:cNvPicPr>
-                <p:nvPr/>
-              </p:nvPicPr>
-              <p:blipFill>
-                <a:blip r:embed="rId7"/>
-                <a:stretch>
-                  <a:fillRect/>
-                </a:stretch>
-              </p:blipFill>
-              <p:spPr>
-                <a:xfrm>
-                  <a:off x="538787" y="3666914"/>
-                  <a:ext cx="4171950" cy="771525"/>
-                </a:xfrm>
-                <a:prstGeom prst="rect">
-                  <a:avLst/>
-                </a:prstGeom>
-              </p:spPr>
-            </p:pic>
-            <p:pic>
-              <p:nvPicPr>
-                <p:cNvPr id="20" name="图片 19">
-                  <a:extLst>
-                    <a:ext uri="{FF2B5EF4-FFF2-40B4-BE49-F238E27FC236}">
-                      <a16:creationId xmlns:a16="http://schemas.microsoft.com/office/drawing/2014/main" id="{4BE39325-C9C9-4C96-8499-3F4695DC0E8F}"/>
-                    </a:ext>
-                  </a:extLst>
-                </p:cNvPr>
-                <p:cNvPicPr>
-                  <a:picLocks noChangeAspect="1"/>
-                </p:cNvPicPr>
-                <p:nvPr/>
-              </p:nvPicPr>
-              <p:blipFill rotWithShape="1">
-                <a:blip r:embed="rId8"/>
-                <a:srcRect r="466"/>
-                <a:stretch/>
-              </p:blipFill>
-              <p:spPr>
-                <a:xfrm>
-                  <a:off x="486156" y="4438439"/>
-                  <a:ext cx="6048672" cy="866775"/>
-                </a:xfrm>
-                <a:prstGeom prst="rect">
-                  <a:avLst/>
-                </a:prstGeom>
-              </p:spPr>
-            </p:pic>
-          </p:grpSp>
-          <p:sp>
-            <p:nvSpPr>
-              <p:cNvPr id="14" name="矩形 13">
-                <a:extLst>
-                  <a:ext uri="{FF2B5EF4-FFF2-40B4-BE49-F238E27FC236}">
-                    <a16:creationId xmlns:a16="http://schemas.microsoft.com/office/drawing/2014/main" id="{641E2786-85A0-4A90-841C-458D30578D6A}"/>
-                  </a:ext>
-                </a:extLst>
-              </p:cNvPr>
-              <p:cNvSpPr/>
-              <p:nvPr/>
-            </p:nvSpPr>
-            <p:spPr>
-              <a:xfrm>
-                <a:off x="2699792" y="1623171"/>
-                <a:ext cx="412671" cy="304973"/>
-              </a:xfrm>
-              <a:prstGeom prst="rect">
-                <a:avLst/>
-              </a:prstGeom>
+              <a:t>(sum-2/2)</a:t>
+            </a:r>
+            <a:endParaRPr lang="zh-CN" altLang="en-US" sz="2400" b="1" dirty="0">
               <a:solidFill>
-                <a:srgbClr val="FFFFFF"/>
+                <a:schemeClr val="accent1">
+                  <a:lumMod val="75000"/>
+                </a:schemeClr>
               </a:solidFill>
-              <a:ln>
-                <a:noFill/>
-              </a:ln>
-            </p:spPr>
-            <p:style>
-              <a:lnRef idx="2">
-                <a:schemeClr val="accent1">
-                  <a:shade val="50000"/>
-                </a:schemeClr>
-              </a:lnRef>
-              <a:fillRef idx="1">
-                <a:schemeClr val="accent1"/>
-              </a:fillRef>
-              <a:effectRef idx="0">
-                <a:schemeClr val="accent1"/>
-              </a:effectRef>
-              <a:fontRef idx="minor">
-                <a:schemeClr val="lt1"/>
-              </a:fontRef>
-            </p:style>
-            <p:txBody>
-              <a:bodyPr rtlCol="0" anchor="ctr"/>
-              <a:lstStyle/>
-              <a:p>
-                <a:pPr algn="ctr"/>
-                <a:endParaRPr lang="zh-CN" altLang="en-US"/>
-              </a:p>
-            </p:txBody>
-          </p:sp>
-          <p:sp>
-            <p:nvSpPr>
-              <p:cNvPr id="22" name="矩形 21">
-                <a:extLst>
-                  <a:ext uri="{FF2B5EF4-FFF2-40B4-BE49-F238E27FC236}">
-                    <a16:creationId xmlns:a16="http://schemas.microsoft.com/office/drawing/2014/main" id="{C8197C21-EC80-4E42-9E45-34DE654C2A89}"/>
-                  </a:ext>
-                </a:extLst>
-              </p:cNvPr>
-              <p:cNvSpPr/>
-              <p:nvPr/>
-            </p:nvSpPr>
-            <p:spPr>
-              <a:xfrm>
-                <a:off x="4504401" y="2521149"/>
-                <a:ext cx="412671" cy="304973"/>
-              </a:xfrm>
-              <a:prstGeom prst="rect">
-                <a:avLst/>
-              </a:prstGeom>
-              <a:solidFill>
-                <a:srgbClr val="FFFFFF"/>
-              </a:solidFill>
-              <a:ln>
-                <a:noFill/>
-              </a:ln>
-            </p:spPr>
-            <p:style>
-              <a:lnRef idx="2">
-                <a:schemeClr val="accent1">
-                  <a:shade val="50000"/>
-                </a:schemeClr>
-              </a:lnRef>
-              <a:fillRef idx="1">
-                <a:schemeClr val="accent1"/>
-              </a:fillRef>
-              <a:effectRef idx="0">
-                <a:schemeClr val="accent1"/>
-              </a:effectRef>
-              <a:fontRef idx="minor">
-                <a:schemeClr val="lt1"/>
-              </a:fontRef>
-            </p:style>
-            <p:txBody>
-              <a:bodyPr rtlCol="0" anchor="ctr"/>
-              <a:lstStyle/>
-              <a:p>
-                <a:pPr algn="ctr"/>
-                <a:endParaRPr lang="zh-CN" altLang="en-US"/>
-              </a:p>
-            </p:txBody>
-          </p:sp>
-        </p:grpSp>
-        <p:graphicFrame>
-          <p:nvGraphicFramePr>
-            <p:cNvPr id="10" name="对象 9">
-              <a:extLst>
-                <a:ext uri="{FF2B5EF4-FFF2-40B4-BE49-F238E27FC236}">
-                  <a16:creationId xmlns:a16="http://schemas.microsoft.com/office/drawing/2014/main" id="{5A4991CF-FDE1-48E4-A692-3B3FCF5738D0}"/>
-                </a:ext>
-              </a:extLst>
-            </p:cNvPr>
-            <p:cNvGraphicFramePr>
-              <a:graphicFrameLocks noChangeAspect="1"/>
-            </p:cNvGraphicFramePr>
-            <p:nvPr/>
-          </p:nvGraphicFramePr>
-          <p:xfrm>
-            <a:off x="4385298" y="2459956"/>
-            <a:ext cx="650875" cy="531812"/>
-          </p:xfrm>
-          <a:graphic>
-            <a:graphicData uri="http://schemas.openxmlformats.org/presentationml/2006/ole">
-              <mc:AlternateContent xmlns:mc="http://schemas.openxmlformats.org/markup-compatibility/2006">
-                <mc:Choice xmlns:v="urn:schemas-microsoft-com:vml" Requires="v">
-                  <p:oleObj name="AxMath" r:id="rId9" imgW="280800" imgH="228600" progId="Equation.AxMath">
-                    <p:embed/>
-                  </p:oleObj>
-                </mc:Choice>
-                <mc:Fallback>
-                  <p:oleObj name="AxMath" r:id="rId9" imgW="280800" imgH="228600" progId="Equation.AxMath">
-                    <p:embed/>
-                    <p:pic>
-                      <p:nvPicPr>
-                        <p:cNvPr id="10" name="对象 9">
-                          <a:extLst>
-                            <a:ext uri="{FF2B5EF4-FFF2-40B4-BE49-F238E27FC236}">
-                              <a16:creationId xmlns:a16="http://schemas.microsoft.com/office/drawing/2014/main" id="{5A4991CF-FDE1-48E4-A692-3B3FCF5738D0}"/>
-                            </a:ext>
-                          </a:extLst>
-                        </p:cNvPr>
-                        <p:cNvPicPr/>
-                        <p:nvPr/>
-                      </p:nvPicPr>
-                      <p:blipFill>
-                        <a:blip r:embed="rId10"/>
-                        <a:stretch>
-                          <a:fillRect/>
-                        </a:stretch>
-                      </p:blipFill>
-                      <p:spPr>
-                        <a:xfrm>
-                          <a:off x="4385298" y="2459956"/>
-                          <a:ext cx="650875" cy="531812"/>
-                        </a:xfrm>
-                        <a:prstGeom prst="rect">
-                          <a:avLst/>
-                        </a:prstGeom>
-                      </p:spPr>
-                    </p:pic>
-                  </p:oleObj>
-                </mc:Fallback>
-              </mc:AlternateContent>
-            </a:graphicData>
-          </a:graphic>
-        </p:graphicFrame>
-        <p:graphicFrame>
-          <p:nvGraphicFramePr>
-            <p:cNvPr id="23" name="对象 22">
-              <a:extLst>
-                <a:ext uri="{FF2B5EF4-FFF2-40B4-BE49-F238E27FC236}">
-                  <a16:creationId xmlns:a16="http://schemas.microsoft.com/office/drawing/2014/main" id="{428208D2-F1BF-4A19-99A9-83E9EDC41622}"/>
-                </a:ext>
-              </a:extLst>
-            </p:cNvPr>
-            <p:cNvGraphicFramePr>
-              <a:graphicFrameLocks noChangeAspect="1"/>
-            </p:cNvGraphicFramePr>
-            <p:nvPr/>
-          </p:nvGraphicFramePr>
-          <p:xfrm>
-            <a:off x="2555776" y="1613304"/>
-            <a:ext cx="650875" cy="531812"/>
-          </p:xfrm>
-          <a:graphic>
-            <a:graphicData uri="http://schemas.openxmlformats.org/presentationml/2006/ole">
-              <mc:AlternateContent xmlns:mc="http://schemas.openxmlformats.org/markup-compatibility/2006">
-                <mc:Choice xmlns:v="urn:schemas-microsoft-com:vml" Requires="v">
-                  <p:oleObj name="AxMath" r:id="rId11" imgW="280800" imgH="228600" progId="Equation.AxMath">
-                    <p:embed/>
-                  </p:oleObj>
-                </mc:Choice>
-                <mc:Fallback>
-                  <p:oleObj name="AxMath" r:id="rId11" imgW="280800" imgH="228600" progId="Equation.AxMath">
-                    <p:embed/>
-                    <p:pic>
-                      <p:nvPicPr>
-                        <p:cNvPr id="23" name="对象 22">
-                          <a:extLst>
-                            <a:ext uri="{FF2B5EF4-FFF2-40B4-BE49-F238E27FC236}">
-                              <a16:creationId xmlns:a16="http://schemas.microsoft.com/office/drawing/2014/main" id="{428208D2-F1BF-4A19-99A9-83E9EDC41622}"/>
-                            </a:ext>
-                          </a:extLst>
-                        </p:cNvPr>
-                        <p:cNvPicPr/>
-                        <p:nvPr/>
-                      </p:nvPicPr>
-                      <p:blipFill>
-                        <a:blip r:embed="rId10"/>
-                        <a:stretch>
-                          <a:fillRect/>
-                        </a:stretch>
-                      </p:blipFill>
-                      <p:spPr>
-                        <a:xfrm>
-                          <a:off x="2555776" y="1613304"/>
-                          <a:ext cx="650875" cy="531812"/>
-                        </a:xfrm>
-                        <a:prstGeom prst="rect">
-                          <a:avLst/>
-                        </a:prstGeom>
-                      </p:spPr>
-                    </p:pic>
-                  </p:oleObj>
-                </mc:Fallback>
-              </mc:AlternateContent>
-            </a:graphicData>
-          </a:graphic>
-        </p:graphicFrame>
-      </p:grpSp>
-      <p:sp>
-        <p:nvSpPr>
-          <p:cNvPr id="27" name="TextBox 11">
-            <a:extLst>
-              <a:ext uri="{FF2B5EF4-FFF2-40B4-BE49-F238E27FC236}">
-                <a16:creationId xmlns:a16="http://schemas.microsoft.com/office/drawing/2014/main" id="{88013EAE-C132-4639-85D2-BADE99A641C2}"/>
-              </a:ext>
-            </a:extLst>
-          </p:cNvPr>
-          <p:cNvSpPr txBox="1"/>
-          <p:nvPr>
-            <p:custDataLst>
-              <p:tags r:id="rId4"/>
-            </p:custDataLst>
-          </p:nvPr>
-        </p:nvSpPr>
-        <p:spPr>
-          <a:xfrm>
-            <a:off x="251520" y="3161222"/>
-            <a:ext cx="2758106" cy="400110"/>
-          </a:xfrm>
-          <a:prstGeom prst="rect">
-            <a:avLst/>
-          </a:prstGeom>
-          <a:noFill/>
-        </p:spPr>
-        <p:txBody>
-          <a:bodyPr vert="horz" wrap="square" rtlCol="0">
-            <a:spAutoFit/>
-          </a:bodyPr>
-          <a:lstStyle/>
-          <a:p>
-            <a:pPr marL="342900" indent="-342900" algn="ctr" fontAlgn="b">
-              <a:buFont typeface="Wingdings" panose="05000000000000000000" pitchFamily="2" charset="2"/>
-              <a:buChar char="u"/>
-            </a:pPr>
-            <a:r>
-              <a:rPr lang="en-US" altLang="zh-CN" sz="2000" b="1" dirty="0">
-                <a:solidFill>
-                  <a:schemeClr val="tx2">
-                    <a:lumMod val="75000"/>
-                  </a:schemeClr>
-                </a:solidFill>
-                <a:latin typeface="微软雅黑" panose="020B0503020204020204" pitchFamily="34" charset="-122"/>
-                <a:ea typeface="微软雅黑" panose="020B0503020204020204" pitchFamily="34" charset="-122"/>
-              </a:rPr>
-              <a:t>WTLS</a:t>
-            </a:r>
-            <a:r>
-              <a:rPr lang="zh-CN" altLang="en-US" sz="2000" b="1" dirty="0">
-                <a:solidFill>
-                  <a:schemeClr val="tx2">
-                    <a:lumMod val="75000"/>
-                  </a:schemeClr>
-                </a:solidFill>
-                <a:latin typeface="微软雅黑" panose="020B0503020204020204" pitchFamily="34" charset="-122"/>
-                <a:ea typeface="微软雅黑" panose="020B0503020204020204" pitchFamily="34" charset="-122"/>
-              </a:rPr>
-              <a:t>计算矩阵</a:t>
-            </a:r>
-          </a:p>
-        </p:txBody>
-      </p:sp>
-      <p:graphicFrame>
-        <p:nvGraphicFramePr>
-          <p:cNvPr id="29" name="对象 28">
-            <a:extLst>
-              <a:ext uri="{FF2B5EF4-FFF2-40B4-BE49-F238E27FC236}">
-                <a16:creationId xmlns:a16="http://schemas.microsoft.com/office/drawing/2014/main" id="{B5C90515-64F5-4996-8E45-D705C6033C47}"/>
-              </a:ext>
-            </a:extLst>
-          </p:cNvPr>
-          <p:cNvGraphicFramePr>
-            <a:graphicFrameLocks noChangeAspect="1"/>
-          </p:cNvGraphicFramePr>
-          <p:nvPr/>
-        </p:nvGraphicFramePr>
-        <p:xfrm>
-          <a:off x="5613532" y="2978404"/>
-          <a:ext cx="3259138" cy="1646237"/>
-        </p:xfrm>
-        <a:graphic>
-          <a:graphicData uri="http://schemas.openxmlformats.org/presentationml/2006/ole">
-            <mc:AlternateContent xmlns:mc="http://schemas.openxmlformats.org/markup-compatibility/2006">
-              <mc:Choice xmlns:v="urn:schemas-microsoft-com:vml" Requires="v">
-                <p:oleObj name="AxMath" r:id="rId12" imgW="2626560" imgH="1328040" progId="Equation.AxMath">
-                  <p:embed/>
-                </p:oleObj>
-              </mc:Choice>
-              <mc:Fallback>
-                <p:oleObj name="AxMath" r:id="rId12" imgW="2626560" imgH="1328040" progId="Equation.AxMath">
-                  <p:embed/>
-                  <p:pic>
-                    <p:nvPicPr>
-                      <p:cNvPr id="29" name="对象 28">
-                        <a:extLst>
-                          <a:ext uri="{FF2B5EF4-FFF2-40B4-BE49-F238E27FC236}">
-                            <a16:creationId xmlns:a16="http://schemas.microsoft.com/office/drawing/2014/main" id="{B5C90515-64F5-4996-8E45-D705C6033C47}"/>
-                          </a:ext>
-                        </a:extLst>
-                      </p:cNvPr>
-                      <p:cNvPicPr/>
-                      <p:nvPr/>
-                    </p:nvPicPr>
-                    <p:blipFill>
-                      <a:blip r:embed="rId13"/>
-                      <a:stretch>
-                        <a:fillRect/>
-                      </a:stretch>
-                    </p:blipFill>
-                    <p:spPr>
-                      <a:xfrm>
-                        <a:off x="5613532" y="2978404"/>
-                        <a:ext cx="3259138" cy="1646237"/>
-                      </a:xfrm>
-                      <a:prstGeom prst="rect">
-                        <a:avLst/>
-                      </a:prstGeom>
-                    </p:spPr>
-                  </p:pic>
-                </p:oleObj>
-              </mc:Fallback>
-            </mc:AlternateContent>
-          </a:graphicData>
-        </a:graphic>
-      </p:graphicFrame>
-      <p:graphicFrame>
-        <p:nvGraphicFramePr>
-          <p:cNvPr id="30" name="对象 29">
-            <a:extLst>
-              <a:ext uri="{FF2B5EF4-FFF2-40B4-BE49-F238E27FC236}">
-                <a16:creationId xmlns:a16="http://schemas.microsoft.com/office/drawing/2014/main" id="{069C3B3B-4BAC-4AEF-A35A-7FF164C73C7D}"/>
-              </a:ext>
-            </a:extLst>
-          </p:cNvPr>
-          <p:cNvGraphicFramePr>
-            <a:graphicFrameLocks noChangeAspect="1"/>
-          </p:cNvGraphicFramePr>
-          <p:nvPr>
-            <p:extLst>
-              <p:ext uri="{D42A27DB-BD31-4B8C-83A1-F6EECF244321}">
-                <p14:modId xmlns:p14="http://schemas.microsoft.com/office/powerpoint/2010/main" val="768506578"/>
-              </p:ext>
-            </p:extLst>
-          </p:nvPr>
-        </p:nvGraphicFramePr>
-        <p:xfrm>
-          <a:off x="5613532" y="513016"/>
-          <a:ext cx="3065462" cy="1749425"/>
-        </p:xfrm>
-        <a:graphic>
-          <a:graphicData uri="http://schemas.openxmlformats.org/presentationml/2006/ole">
-            <mc:AlternateContent xmlns:mc="http://schemas.openxmlformats.org/markup-compatibility/2006">
-              <mc:Choice xmlns:v="urn:schemas-microsoft-com:vml" Requires="v">
-                <p:oleObj name="AxMath" r:id="rId14" imgW="2298240" imgH="1313280" progId="Equation.AxMath">
-                  <p:embed/>
-                </p:oleObj>
-              </mc:Choice>
-              <mc:Fallback>
-                <p:oleObj name="AxMath" r:id="rId14" imgW="2298240" imgH="1313280" progId="Equation.AxMath">
-                  <p:embed/>
-                  <p:pic>
-                    <p:nvPicPr>
-                      <p:cNvPr id="30" name="对象 29">
-                        <a:extLst>
-                          <a:ext uri="{FF2B5EF4-FFF2-40B4-BE49-F238E27FC236}">
-                            <a16:creationId xmlns:a16="http://schemas.microsoft.com/office/drawing/2014/main" id="{069C3B3B-4BAC-4AEF-A35A-7FF164C73C7D}"/>
-                          </a:ext>
-                        </a:extLst>
-                      </p:cNvPr>
-                      <p:cNvPicPr/>
-                      <p:nvPr/>
-                    </p:nvPicPr>
-                    <p:blipFill>
-                      <a:blip r:embed="rId15"/>
-                      <a:stretch>
-                        <a:fillRect/>
-                      </a:stretch>
-                    </p:blipFill>
-                    <p:spPr>
-                      <a:xfrm>
-                        <a:off x="5613532" y="513016"/>
-                        <a:ext cx="3065462" cy="1749425"/>
-                      </a:xfrm>
-                      <a:prstGeom prst="rect">
-                        <a:avLst/>
-                      </a:prstGeom>
-                    </p:spPr>
-                  </p:pic>
-                </p:oleObj>
-              </mc:Fallback>
-            </mc:AlternateContent>
-          </a:graphicData>
-        </a:graphic>
-      </p:graphicFrame>
+              <a:latin typeface="微软雅黑" panose="020B0503020204020204" pitchFamily="34" charset="-122"/>
+              <a:ea typeface="微软雅黑" panose="020B0503020204020204" pitchFamily="34" charset="-122"/>
+            </a:endParaRPr>
+          </a:p>
+        </p:txBody>
+      </p:sp>
     </p:spTree>
     <p:extLst>
       <p:ext uri="{BB962C8B-B14F-4D97-AF65-F5344CB8AC3E}">
-        <p14:creationId xmlns:p14="http://schemas.microsoft.com/office/powerpoint/2010/main" val="769349563"/>
+        <p14:creationId xmlns:p14="http://schemas.microsoft.com/office/powerpoint/2010/main" val="776459498"/>
       </p:ext>
     </p:extLst>
   </p:cSld>
@@ -29626,7 +30579,7 @@
           <p:nvPr/>
         </p:nvPicPr>
         <p:blipFill rotWithShape="1">
-          <a:blip r:embed="rId2"/>
+          <a:blip r:embed="rId3"/>
           <a:srcRect l="5164" t="2439" r="6011"/>
           <a:stretch/>
         </p:blipFill>
@@ -29655,7 +30608,7 @@
           <p:nvPr/>
         </p:nvPicPr>
         <p:blipFill>
-          <a:blip r:embed="rId3"/>
+          <a:blip r:embed="rId4"/>
           <a:stretch>
             <a:fillRect/>
           </a:stretch>
@@ -30086,12 +31039,12 @@
             <a:graphicData uri="http://schemas.openxmlformats.org/presentationml/2006/ole">
               <mc:AlternateContent xmlns:mc="http://schemas.openxmlformats.org/markup-compatibility/2006">
                 <mc:Choice xmlns:v="urn:schemas-microsoft-com:vml" Requires="v">
-                  <p:oleObj name="AxMath" r:id="rId4" imgW="570960" imgH="318960" progId="Equation.AxMath">
+                  <p:oleObj name="AxMath" r:id="rId5" imgW="570960" imgH="318960" progId="Equation.AxMath">
                     <p:embed/>
                   </p:oleObj>
                 </mc:Choice>
                 <mc:Fallback>
-                  <p:oleObj name="AxMath" r:id="rId4" imgW="570960" imgH="318960" progId="Equation.AxMath">
+                  <p:oleObj name="AxMath" r:id="rId5" imgW="570960" imgH="318960" progId="Equation.AxMath">
                     <p:embed/>
                     <p:pic>
                       <p:nvPicPr>
@@ -30106,7 +31059,7 @@
                         <p:nvPr/>
                       </p:nvPicPr>
                       <p:blipFill>
-                        <a:blip r:embed="rId5"/>
+                        <a:blip r:embed="rId6"/>
                         <a:stretch>
                           <a:fillRect/>
                         </a:stretch>
@@ -30405,6 +31358,80 @@
                   <a:srgbClr val="FF0000"/>
                 </a:solidFill>
               </a:ln>
+            </a:endParaRPr>
+          </a:p>
+        </p:txBody>
+      </p:sp>
+      <p:sp>
+        <p:nvSpPr>
+          <p:cNvPr id="2" name="矩形 2">
+            <a:extLst>
+              <a:ext uri="{FF2B5EF4-FFF2-40B4-BE49-F238E27FC236}">
+                <a16:creationId xmlns:a16="http://schemas.microsoft.com/office/drawing/2014/main" id="{126CCC7E-439E-1177-AC83-97AB7E56A903}"/>
+              </a:ext>
+            </a:extLst>
+          </p:cNvPr>
+          <p:cNvSpPr/>
+          <p:nvPr>
+            <p:custDataLst>
+              <p:tags r:id="rId1"/>
+            </p:custDataLst>
+          </p:nvPr>
+        </p:nvSpPr>
+        <p:spPr>
+          <a:xfrm>
+            <a:off x="6732240" y="49008"/>
+            <a:ext cx="2132996" cy="376555"/>
+          </a:xfrm>
+          <a:prstGeom prst="rect">
+            <a:avLst/>
+          </a:prstGeom>
+          <a:solidFill>
+            <a:schemeClr val="bg1"/>
+          </a:solidFill>
+          <a:ln w="25400">
+            <a:noFill/>
+          </a:ln>
+        </p:spPr>
+        <p:txBody>
+          <a:bodyPr wrap="square">
+            <a:noAutofit/>
+          </a:bodyPr>
+          <a:lstStyle/>
+          <a:p>
+            <a:pPr algn="r"/>
+            <a:r>
+              <a:rPr lang="zh-CN" altLang="en-US" sz="2400" b="1" dirty="0">
+                <a:solidFill>
+                  <a:schemeClr val="accent1">
+                    <a:lumMod val="75000"/>
+                  </a:schemeClr>
+                </a:solidFill>
+                <a:latin typeface="微软雅黑" panose="020B0503020204020204" pitchFamily="34" charset="-122"/>
+                <a:ea typeface="微软雅黑" panose="020B0503020204020204" pitchFamily="34" charset="-122"/>
+              </a:rPr>
+              <a:t>结果分析</a:t>
+            </a:r>
+            <a:r>
+              <a:rPr lang="en-US" altLang="zh-CN" sz="2400" b="1" dirty="0">
+                <a:solidFill>
+                  <a:schemeClr val="accent1">
+                    <a:lumMod val="75000"/>
+                  </a:schemeClr>
+                </a:solidFill>
+                <a:latin typeface="微软雅黑" panose="020B0503020204020204" pitchFamily="34" charset="-122"/>
+                <a:ea typeface="微软雅黑" panose="020B0503020204020204" pitchFamily="34" charset="-122"/>
+              </a:rPr>
+              <a:t>(1/4)</a:t>
+            </a:r>
+            <a:endParaRPr lang="zh-CN" altLang="en-US" sz="2400" b="1" dirty="0">
+              <a:solidFill>
+                <a:schemeClr val="accent1">
+                  <a:lumMod val="75000"/>
+                </a:schemeClr>
+              </a:solidFill>
+              <a:latin typeface="微软雅黑" panose="020B0503020204020204" pitchFamily="34" charset="-122"/>
+              <a:ea typeface="微软雅黑" panose="020B0503020204020204" pitchFamily="34" charset="-122"/>
             </a:endParaRPr>
           </a:p>
         </p:txBody>
@@ -30623,6 +31650,80 @@
           </a:p>
         </p:txBody>
       </p:sp>
+      <p:sp>
+        <p:nvSpPr>
+          <p:cNvPr id="2" name="矩形 2">
+            <a:extLst>
+              <a:ext uri="{FF2B5EF4-FFF2-40B4-BE49-F238E27FC236}">
+                <a16:creationId xmlns:a16="http://schemas.microsoft.com/office/drawing/2014/main" id="{9ABB963B-66BC-638F-286A-983AFE6DB646}"/>
+              </a:ext>
+            </a:extLst>
+          </p:cNvPr>
+          <p:cNvSpPr/>
+          <p:nvPr>
+            <p:custDataLst>
+              <p:tags r:id="rId1"/>
+            </p:custDataLst>
+          </p:nvPr>
+        </p:nvSpPr>
+        <p:spPr>
+          <a:xfrm>
+            <a:off x="6732240" y="49008"/>
+            <a:ext cx="2132996" cy="376555"/>
+          </a:xfrm>
+          <a:prstGeom prst="rect">
+            <a:avLst/>
+          </a:prstGeom>
+          <a:solidFill>
+            <a:schemeClr val="bg1"/>
+          </a:solidFill>
+          <a:ln w="25400">
+            <a:noFill/>
+          </a:ln>
+        </p:spPr>
+        <p:txBody>
+          <a:bodyPr wrap="square">
+            <a:noAutofit/>
+          </a:bodyPr>
+          <a:lstStyle/>
+          <a:p>
+            <a:pPr algn="r"/>
+            <a:r>
+              <a:rPr lang="zh-CN" altLang="en-US" sz="2400" b="1" dirty="0">
+                <a:solidFill>
+                  <a:schemeClr val="accent1">
+                    <a:lumMod val="75000"/>
+                  </a:schemeClr>
+                </a:solidFill>
+                <a:latin typeface="微软雅黑" panose="020B0503020204020204" pitchFamily="34" charset="-122"/>
+                <a:ea typeface="微软雅黑" panose="020B0503020204020204" pitchFamily="34" charset="-122"/>
+              </a:rPr>
+              <a:t>结果分析</a:t>
+            </a:r>
+            <a:r>
+              <a:rPr lang="en-US" altLang="zh-CN" sz="2400" b="1" dirty="0">
+                <a:solidFill>
+                  <a:schemeClr val="accent1">
+                    <a:lumMod val="75000"/>
+                  </a:schemeClr>
+                </a:solidFill>
+                <a:latin typeface="微软雅黑" panose="020B0503020204020204" pitchFamily="34" charset="-122"/>
+                <a:ea typeface="微软雅黑" panose="020B0503020204020204" pitchFamily="34" charset="-122"/>
+              </a:rPr>
+              <a:t>(2/4)</a:t>
+            </a:r>
+            <a:endParaRPr lang="zh-CN" altLang="en-US" sz="2400" b="1" dirty="0">
+              <a:solidFill>
+                <a:schemeClr val="accent1">
+                  <a:lumMod val="75000"/>
+                </a:schemeClr>
+              </a:solidFill>
+              <a:latin typeface="微软雅黑" panose="020B0503020204020204" pitchFamily="34" charset="-122"/>
+              <a:ea typeface="微软雅黑" panose="020B0503020204020204" pitchFamily="34" charset="-122"/>
+            </a:endParaRPr>
+          </a:p>
+        </p:txBody>
+      </p:sp>
     </p:spTree>
     <p:extLst>
       <p:ext uri="{BB962C8B-B14F-4D97-AF65-F5344CB8AC3E}">
@@ -31146,12 +32247,12 @@
           <a:graphicData uri="http://schemas.openxmlformats.org/presentationml/2006/ole">
             <mc:AlternateContent xmlns:mc="http://schemas.openxmlformats.org/markup-compatibility/2006">
               <mc:Choice xmlns:v="urn:schemas-microsoft-com:vml" Requires="v">
-                <p:oleObj name="PDF" r:id="rId2" imgW="0" imgH="360" progId="FoxitPhantomPDF.Document">
+                <p:oleObj name="PDF" r:id="rId3" imgW="0" imgH="360" progId="FoxitPhantomPDF.Document">
                   <p:embed/>
                 </p:oleObj>
               </mc:Choice>
               <mc:Fallback>
-                <p:oleObj name="PDF" r:id="rId2" imgW="0" imgH="360" progId="FoxitPhantomPDF.Document">
+                <p:oleObj name="PDF" r:id="rId3" imgW="0" imgH="360" progId="FoxitPhantomPDF.Document">
                   <p:embed/>
                   <p:pic>
                     <p:nvPicPr>
@@ -31166,7 +32267,7 @@
                       <p:nvPr/>
                     </p:nvPicPr>
                     <p:blipFill>
-                      <a:blip r:embed="rId3"/>
+                      <a:blip r:embed="rId4"/>
                       <a:stretch>
                         <a:fillRect/>
                       </a:stretch>
@@ -31209,12 +32310,12 @@
           <a:graphicData uri="http://schemas.openxmlformats.org/presentationml/2006/ole">
             <mc:AlternateContent xmlns:mc="http://schemas.openxmlformats.org/markup-compatibility/2006">
               <mc:Choice xmlns:v="urn:schemas-microsoft-com:vml" Requires="v">
-                <p:oleObj name="PDF" r:id="rId4" imgW="0" imgH="360" progId="FoxitPhantomPDF.Document">
+                <p:oleObj name="PDF" r:id="rId5" imgW="0" imgH="360" progId="FoxitPhantomPDF.Document">
                   <p:embed/>
                 </p:oleObj>
               </mc:Choice>
               <mc:Fallback>
-                <p:oleObj name="PDF" r:id="rId4" imgW="0" imgH="360" progId="FoxitPhantomPDF.Document">
+                <p:oleObj name="PDF" r:id="rId5" imgW="0" imgH="360" progId="FoxitPhantomPDF.Document">
                   <p:embed/>
                   <p:pic>
                     <p:nvPicPr>
@@ -31229,7 +32330,7 @@
                       <p:nvPr/>
                     </p:nvPicPr>
                     <p:blipFill>
-                      <a:blip r:embed="rId5"/>
+                      <a:blip r:embed="rId6"/>
                       <a:stretch>
                         <a:fillRect/>
                       </a:stretch>
@@ -31404,6 +32505,80 @@
               <a:rPr lang="en-US" altLang="zh-CN" dirty="0"/>
             </a:br>
             <a:endParaRPr lang="zh-CN" altLang="en-US" dirty="0"/>
+          </a:p>
+        </p:txBody>
+      </p:sp>
+      <p:sp>
+        <p:nvSpPr>
+          <p:cNvPr id="9" name="矩形 2">
+            <a:extLst>
+              <a:ext uri="{FF2B5EF4-FFF2-40B4-BE49-F238E27FC236}">
+                <a16:creationId xmlns:a16="http://schemas.microsoft.com/office/drawing/2014/main" id="{626EDE34-82FD-BBEA-DE4D-585327EFC652}"/>
+              </a:ext>
+            </a:extLst>
+          </p:cNvPr>
+          <p:cNvSpPr/>
+          <p:nvPr>
+            <p:custDataLst>
+              <p:tags r:id="rId1"/>
+            </p:custDataLst>
+          </p:nvPr>
+        </p:nvSpPr>
+        <p:spPr>
+          <a:xfrm>
+            <a:off x="6732240" y="49008"/>
+            <a:ext cx="2132996" cy="376555"/>
+          </a:xfrm>
+          <a:prstGeom prst="rect">
+            <a:avLst/>
+          </a:prstGeom>
+          <a:solidFill>
+            <a:schemeClr val="bg1"/>
+          </a:solidFill>
+          <a:ln w="25400">
+            <a:noFill/>
+          </a:ln>
+        </p:spPr>
+        <p:txBody>
+          <a:bodyPr wrap="square">
+            <a:noAutofit/>
+          </a:bodyPr>
+          <a:lstStyle/>
+          <a:p>
+            <a:pPr algn="r"/>
+            <a:r>
+              <a:rPr lang="zh-CN" altLang="en-US" sz="2400" b="1" dirty="0">
+                <a:solidFill>
+                  <a:schemeClr val="accent1">
+                    <a:lumMod val="75000"/>
+                  </a:schemeClr>
+                </a:solidFill>
+                <a:latin typeface="微软雅黑" panose="020B0503020204020204" pitchFamily="34" charset="-122"/>
+                <a:ea typeface="微软雅黑" panose="020B0503020204020204" pitchFamily="34" charset="-122"/>
+              </a:rPr>
+              <a:t>结果分析</a:t>
+            </a:r>
+            <a:r>
+              <a:rPr lang="en-US" altLang="zh-CN" sz="2400" b="1" dirty="0">
+                <a:solidFill>
+                  <a:schemeClr val="accent1">
+                    <a:lumMod val="75000"/>
+                  </a:schemeClr>
+                </a:solidFill>
+                <a:latin typeface="微软雅黑" panose="020B0503020204020204" pitchFamily="34" charset="-122"/>
+                <a:ea typeface="微软雅黑" panose="020B0503020204020204" pitchFamily="34" charset="-122"/>
+              </a:rPr>
+              <a:t>(3/4)</a:t>
+            </a:r>
+            <a:endParaRPr lang="zh-CN" altLang="en-US" sz="2400" b="1" dirty="0">
+              <a:solidFill>
+                <a:schemeClr val="accent1">
+                  <a:lumMod val="75000"/>
+                </a:schemeClr>
+              </a:solidFill>
+              <a:latin typeface="微软雅黑" panose="020B0503020204020204" pitchFamily="34" charset="-122"/>
+              <a:ea typeface="微软雅黑" panose="020B0503020204020204" pitchFamily="34" charset="-122"/>
+            </a:endParaRPr>
           </a:p>
         </p:txBody>
       </p:sp>
@@ -32374,25 +33549,25 @@
           <p:nvPr>
             <p:extLst>
               <p:ext uri="{D42A27DB-BD31-4B8C-83A1-F6EECF244321}">
-                <p14:modId xmlns:p14="http://schemas.microsoft.com/office/powerpoint/2010/main" val="208761004"/>
+                <p14:modId xmlns:p14="http://schemas.microsoft.com/office/powerpoint/2010/main" val="4087379271"/>
               </p:ext>
             </p:extLst>
           </p:nvPr>
         </p:nvGraphicFramePr>
         <p:xfrm>
-          <a:off x="5602519" y="3721596"/>
-          <a:ext cx="2016224" cy="711321"/>
+          <a:off x="5106988" y="3709988"/>
+          <a:ext cx="3008312" cy="735012"/>
         </p:xfrm>
         <a:graphic>
           <a:graphicData uri="http://schemas.openxmlformats.org/presentationml/2006/ole">
             <mc:AlternateContent xmlns:mc="http://schemas.openxmlformats.org/markup-compatibility/2006">
               <mc:Choice xmlns:v="urn:schemas-microsoft-com:vml" Requires="v">
-                <p:oleObj name="AxMath" r:id="rId2" imgW="651960" imgH="229680" progId="Equation.AxMath">
+                <p:oleObj name="AxMath" r:id="rId3" imgW="973080" imgH="238680" progId="Equation.AxMath">
                   <p:embed/>
                 </p:oleObj>
               </mc:Choice>
               <mc:Fallback>
-                <p:oleObj name="AxMath" r:id="rId2" imgW="651960" imgH="229680" progId="Equation.AxMath">
+                <p:oleObj name="AxMath" r:id="rId3" imgW="973080" imgH="238680" progId="Equation.AxMath">
                   <p:embed/>
                   <p:pic>
                     <p:nvPicPr>
@@ -32401,15 +33576,15 @@
                       <p:nvPr/>
                     </p:nvPicPr>
                     <p:blipFill>
-                      <a:blip r:embed="rId3"/>
+                      <a:blip r:embed="rId4"/>
                       <a:stretch>
                         <a:fillRect/>
                       </a:stretch>
                     </p:blipFill>
                     <p:spPr>
                       <a:xfrm>
-                        <a:off x="5602519" y="3721596"/>
-                        <a:ext cx="2016224" cy="711321"/>
+                        <a:off x="5106988" y="3709988"/>
+                        <a:ext cx="3008312" cy="735012"/>
                       </a:xfrm>
                       <a:prstGeom prst="rect">
                         <a:avLst/>
@@ -32482,7 +33657,7 @@
         </p:nvSpPr>
         <p:spPr>
           <a:xfrm>
-            <a:off x="6034566" y="5123069"/>
+            <a:off x="6035079" y="5146348"/>
             <a:ext cx="1152129" cy="461665"/>
           </a:xfrm>
           <a:prstGeom prst="rect">
@@ -32500,6 +33675,80 @@
               <a:rPr lang="zh-CN" altLang="en-US" sz="2400" b="1" dirty="0"/>
               <a:t>可靠性</a:t>
             </a:r>
+          </a:p>
+        </p:txBody>
+      </p:sp>
+      <p:sp>
+        <p:nvSpPr>
+          <p:cNvPr id="4" name="矩形 2">
+            <a:extLst>
+              <a:ext uri="{FF2B5EF4-FFF2-40B4-BE49-F238E27FC236}">
+                <a16:creationId xmlns:a16="http://schemas.microsoft.com/office/drawing/2014/main" id="{04208461-2F38-D6BD-442E-C80DE50FEB78}"/>
+              </a:ext>
+            </a:extLst>
+          </p:cNvPr>
+          <p:cNvSpPr/>
+          <p:nvPr>
+            <p:custDataLst>
+              <p:tags r:id="rId1"/>
+            </p:custDataLst>
+          </p:nvPr>
+        </p:nvSpPr>
+        <p:spPr>
+          <a:xfrm>
+            <a:off x="6732240" y="49008"/>
+            <a:ext cx="2132996" cy="376555"/>
+          </a:xfrm>
+          <a:prstGeom prst="rect">
+            <a:avLst/>
+          </a:prstGeom>
+          <a:solidFill>
+            <a:schemeClr val="bg1"/>
+          </a:solidFill>
+          <a:ln w="25400">
+            <a:noFill/>
+          </a:ln>
+        </p:spPr>
+        <p:txBody>
+          <a:bodyPr wrap="square">
+            <a:noAutofit/>
+          </a:bodyPr>
+          <a:lstStyle/>
+          <a:p>
+            <a:pPr algn="r"/>
+            <a:r>
+              <a:rPr lang="zh-CN" altLang="en-US" sz="2400" b="1" dirty="0">
+                <a:solidFill>
+                  <a:schemeClr val="accent1">
+                    <a:lumMod val="75000"/>
+                  </a:schemeClr>
+                </a:solidFill>
+                <a:latin typeface="微软雅黑" panose="020B0503020204020204" pitchFamily="34" charset="-122"/>
+                <a:ea typeface="微软雅黑" panose="020B0503020204020204" pitchFamily="34" charset="-122"/>
+              </a:rPr>
+              <a:t>结果分析</a:t>
+            </a:r>
+            <a:r>
+              <a:rPr lang="en-US" altLang="zh-CN" sz="2400" b="1" dirty="0">
+                <a:solidFill>
+                  <a:schemeClr val="accent1">
+                    <a:lumMod val="75000"/>
+                  </a:schemeClr>
+                </a:solidFill>
+                <a:latin typeface="微软雅黑" panose="020B0503020204020204" pitchFamily="34" charset="-122"/>
+                <a:ea typeface="微软雅黑" panose="020B0503020204020204" pitchFamily="34" charset="-122"/>
+              </a:rPr>
+              <a:t>(4/4)</a:t>
+            </a:r>
+            <a:endParaRPr lang="zh-CN" altLang="en-US" sz="2400" b="1" dirty="0">
+              <a:solidFill>
+                <a:schemeClr val="accent1">
+                  <a:lumMod val="75000"/>
+                </a:schemeClr>
+              </a:solidFill>
+              <a:latin typeface="微软雅黑" panose="020B0503020204020204" pitchFamily="34" charset="-122"/>
+              <a:ea typeface="微软雅黑" panose="020B0503020204020204" pitchFamily="34" charset="-122"/>
+            </a:endParaRPr>
           </a:p>
         </p:txBody>
       </p:sp>
@@ -32547,6 +33796,1412 @@
       </p:grpSpPr>
       <p:sp>
         <p:nvSpPr>
+          <p:cNvPr id="1048718" name="矩形 3"/>
+          <p:cNvSpPr/>
+          <p:nvPr/>
+        </p:nvSpPr>
+        <p:spPr>
+          <a:xfrm>
+            <a:off x="2627784" y="2067570"/>
+            <a:ext cx="5275634" cy="923330"/>
+          </a:xfrm>
+          <a:prstGeom prst="rect">
+            <a:avLst/>
+          </a:prstGeom>
+          <a:pattFill prst="pct50">
+            <a:fgClr>
+              <a:srgbClr val="0070C0"/>
+            </a:fgClr>
+            <a:bgClr>
+              <a:schemeClr val="tx2">
+                <a:lumMod val="75000"/>
+              </a:schemeClr>
+            </a:bgClr>
+          </a:pattFill>
+          <a:ln>
+            <a:noFill/>
+          </a:ln>
+        </p:spPr>
+        <p:style>
+          <a:lnRef idx="2">
+            <a:schemeClr val="accent1">
+              <a:shade val="50000"/>
+            </a:schemeClr>
+          </a:lnRef>
+          <a:fillRef idx="1">
+            <a:schemeClr val="accent1"/>
+          </a:fillRef>
+          <a:effectRef idx="0">
+            <a:schemeClr val="accent1"/>
+          </a:effectRef>
+          <a:fontRef idx="minor">
+            <a:schemeClr val="lt1"/>
+          </a:fontRef>
+        </p:style>
+        <p:txBody>
+          <a:bodyPr rot="0" spcFirstLastPara="0" vertOverflow="overflow" horzOverflow="overflow" vert="horz" wrap="square" lIns="91440" tIns="45720" rIns="91440" bIns="45720" numCol="1" spcCol="0" rtlCol="0" fromWordArt="0" anchor="ctr" anchorCtr="0" forceAA="0" compatLnSpc="1">
+            <a:noAutofit/>
+          </a:bodyPr>
+          <a:lstStyle/>
+          <a:p>
+            <a:pPr algn="ctr"/>
+            <a:endParaRPr lang="zh-CN" altLang="en-US"/>
+          </a:p>
+        </p:txBody>
+      </p:sp>
+      <p:sp>
+        <p:nvSpPr>
+          <p:cNvPr id="1048719" name="TextBox 4"/>
+          <p:cNvSpPr txBox="1"/>
+          <p:nvPr/>
+        </p:nvSpPr>
+        <p:spPr>
+          <a:xfrm>
+            <a:off x="3707321" y="2111848"/>
+            <a:ext cx="3116559" cy="769441"/>
+          </a:xfrm>
+          <a:prstGeom prst="rect">
+            <a:avLst/>
+          </a:prstGeom>
+          <a:noFill/>
+        </p:spPr>
+        <p:txBody>
+          <a:bodyPr vert="horz" wrap="square" rtlCol="0">
+            <a:spAutoFit/>
+          </a:bodyPr>
+          <a:lstStyle/>
+          <a:p>
+            <a:pPr algn="ctr" fontAlgn="b"/>
+            <a:r>
+              <a:rPr lang="zh-CN" altLang="en-US" sz="4400" b="1" dirty="0">
+                <a:solidFill>
+                  <a:schemeClr val="bg1"/>
+                </a:solidFill>
+                <a:latin typeface="微软雅黑" panose="020B0503020204020204" pitchFamily="34" charset="-122"/>
+                <a:ea typeface="微软雅黑" panose="020B0503020204020204" pitchFamily="34" charset="-122"/>
+              </a:rPr>
+              <a:t>再说几句</a:t>
+            </a:r>
+          </a:p>
+        </p:txBody>
+      </p:sp>
+      <p:sp>
+        <p:nvSpPr>
+          <p:cNvPr id="1048720" name="泪滴形 5"/>
+          <p:cNvSpPr/>
+          <p:nvPr/>
+        </p:nvSpPr>
+        <p:spPr>
+          <a:xfrm>
+            <a:off x="1475656" y="2067570"/>
+            <a:ext cx="1043726" cy="1043726"/>
+          </a:xfrm>
+          <a:prstGeom prst="teardrop">
+            <a:avLst/>
+          </a:prstGeom>
+          <a:pattFill prst="pct50">
+            <a:fgClr>
+              <a:srgbClr val="0070C0"/>
+            </a:fgClr>
+            <a:bgClr>
+              <a:schemeClr val="tx2">
+                <a:lumMod val="75000"/>
+              </a:schemeClr>
+            </a:bgClr>
+          </a:pattFill>
+          <a:ln>
+            <a:noFill/>
+          </a:ln>
+        </p:spPr>
+        <p:style>
+          <a:lnRef idx="2">
+            <a:schemeClr val="accent1">
+              <a:shade val="50000"/>
+            </a:schemeClr>
+          </a:lnRef>
+          <a:fillRef idx="1">
+            <a:schemeClr val="accent1"/>
+          </a:fillRef>
+          <a:effectRef idx="0">
+            <a:schemeClr val="accent1"/>
+          </a:effectRef>
+          <a:fontRef idx="minor">
+            <a:schemeClr val="lt1"/>
+          </a:fontRef>
+        </p:style>
+        <p:txBody>
+          <a:bodyPr rot="0" spcFirstLastPara="0" vertOverflow="overflow" horzOverflow="overflow" vert="horz" wrap="square" lIns="91440" tIns="45720" rIns="91440" bIns="45720" numCol="1" spcCol="0" rtlCol="0" fromWordArt="0" anchor="ctr" anchorCtr="0" forceAA="0" compatLnSpc="1">
+            <a:noAutofit/>
+          </a:bodyPr>
+          <a:lstStyle/>
+          <a:p>
+            <a:pPr algn="ctr"/>
+            <a:r>
+              <a:rPr lang="en-US" altLang="zh-CN" sz="6000" dirty="0">
+                <a:latin typeface="微软雅黑" panose="020B0503020204020204" pitchFamily="34" charset="-122"/>
+                <a:ea typeface="微软雅黑" panose="020B0503020204020204" pitchFamily="34" charset="-122"/>
+              </a:rPr>
+              <a:t>5</a:t>
+            </a:r>
+            <a:endParaRPr lang="zh-CN" altLang="en-US" sz="6000" dirty="0">
+              <a:latin typeface="微软雅黑" panose="020B0503020204020204" pitchFamily="34" charset="-122"/>
+              <a:ea typeface="微软雅黑" panose="020B0503020204020204" pitchFamily="34" charset="-122"/>
+            </a:endParaRPr>
+          </a:p>
+        </p:txBody>
+      </p:sp>
+      <p:sp>
+        <p:nvSpPr>
+          <p:cNvPr id="1048721" name="灯片编号占位符 2"/>
+          <p:cNvSpPr>
+            <a:spLocks noGrp="1"/>
+          </p:cNvSpPr>
+          <p:nvPr>
+            <p:custDataLst>
+              <p:tags r:id="rId1"/>
+            </p:custDataLst>
+          </p:nvPr>
+        </p:nvSpPr>
+        <p:spPr>
+          <a:xfrm>
+            <a:off x="7010400" y="5305214"/>
+            <a:ext cx="2133600" cy="304271"/>
+          </a:xfrm>
+          <a:prstGeom prst="rect">
+            <a:avLst/>
+          </a:prstGeom>
+        </p:spPr>
+        <p:txBody>
+          <a:bodyPr/>
+          <a:lstStyle>
+            <a:defPPr>
+              <a:defRPr lang="zh-CN"/>
+            </a:defPPr>
+            <a:lvl1pPr marL="0" algn="l" defTabSz="914400" rtl="0" eaLnBrk="1" latinLnBrk="0" hangingPunct="1">
+              <a:defRPr sz="1800" kern="1200">
+                <a:solidFill>
+                  <a:schemeClr val="tx1"/>
+                </a:solidFill>
+                <a:latin typeface="+mn-lt"/>
+                <a:ea typeface="+mn-ea"/>
+                <a:cs typeface="+mn-cs"/>
+              </a:defRPr>
+            </a:lvl1pPr>
+            <a:lvl2pPr marL="457200" algn="l" defTabSz="914400" rtl="0" eaLnBrk="1" latinLnBrk="0" hangingPunct="1">
+              <a:defRPr sz="1800" kern="1200">
+                <a:solidFill>
+                  <a:schemeClr val="tx1"/>
+                </a:solidFill>
+                <a:latin typeface="+mn-lt"/>
+                <a:ea typeface="+mn-ea"/>
+                <a:cs typeface="+mn-cs"/>
+              </a:defRPr>
+            </a:lvl2pPr>
+            <a:lvl3pPr marL="914400" algn="l" defTabSz="914400" rtl="0" eaLnBrk="1" latinLnBrk="0" hangingPunct="1">
+              <a:defRPr sz="1800" kern="1200">
+                <a:solidFill>
+                  <a:schemeClr val="tx1"/>
+                </a:solidFill>
+                <a:latin typeface="+mn-lt"/>
+                <a:ea typeface="+mn-ea"/>
+                <a:cs typeface="+mn-cs"/>
+              </a:defRPr>
+            </a:lvl3pPr>
+            <a:lvl4pPr marL="1371600" algn="l" defTabSz="914400" rtl="0" eaLnBrk="1" latinLnBrk="0" hangingPunct="1">
+              <a:defRPr sz="1800" kern="1200">
+                <a:solidFill>
+                  <a:schemeClr val="tx1"/>
+                </a:solidFill>
+                <a:latin typeface="+mn-lt"/>
+                <a:ea typeface="+mn-ea"/>
+                <a:cs typeface="+mn-cs"/>
+              </a:defRPr>
+            </a:lvl4pPr>
+            <a:lvl5pPr marL="1828800" algn="l" defTabSz="914400" rtl="0" eaLnBrk="1" latinLnBrk="0" hangingPunct="1">
+              <a:defRPr sz="1800" kern="1200">
+                <a:solidFill>
+                  <a:schemeClr val="tx1"/>
+                </a:solidFill>
+                <a:latin typeface="+mn-lt"/>
+                <a:ea typeface="+mn-ea"/>
+                <a:cs typeface="+mn-cs"/>
+              </a:defRPr>
+            </a:lvl5pPr>
+            <a:lvl6pPr marL="2286000" algn="l" defTabSz="914400" rtl="0" eaLnBrk="1" latinLnBrk="0" hangingPunct="1">
+              <a:defRPr sz="1800" kern="1200">
+                <a:solidFill>
+                  <a:schemeClr val="tx1"/>
+                </a:solidFill>
+                <a:latin typeface="+mn-lt"/>
+                <a:ea typeface="+mn-ea"/>
+                <a:cs typeface="+mn-cs"/>
+              </a:defRPr>
+            </a:lvl6pPr>
+            <a:lvl7pPr marL="2743200" algn="l" defTabSz="914400" rtl="0" eaLnBrk="1" latinLnBrk="0" hangingPunct="1">
+              <a:defRPr sz="1800" kern="1200">
+                <a:solidFill>
+                  <a:schemeClr val="tx1"/>
+                </a:solidFill>
+                <a:latin typeface="+mn-lt"/>
+                <a:ea typeface="+mn-ea"/>
+                <a:cs typeface="+mn-cs"/>
+              </a:defRPr>
+            </a:lvl7pPr>
+            <a:lvl8pPr marL="3200400" algn="l" defTabSz="914400" rtl="0" eaLnBrk="1" latinLnBrk="0" hangingPunct="1">
+              <a:defRPr sz="1800" kern="1200">
+                <a:solidFill>
+                  <a:schemeClr val="tx1"/>
+                </a:solidFill>
+                <a:latin typeface="+mn-lt"/>
+                <a:ea typeface="+mn-ea"/>
+                <a:cs typeface="+mn-cs"/>
+              </a:defRPr>
+            </a:lvl8pPr>
+            <a:lvl9pPr marL="3657600" algn="l" defTabSz="914400" rtl="0" eaLnBrk="1" latinLnBrk="0" hangingPunct="1">
+              <a:defRPr sz="1800" kern="1200">
+                <a:solidFill>
+                  <a:schemeClr val="tx1"/>
+                </a:solidFill>
+                <a:latin typeface="+mn-lt"/>
+                <a:ea typeface="+mn-ea"/>
+                <a:cs typeface="+mn-cs"/>
+              </a:defRPr>
+            </a:lvl9pPr>
+          </a:lstStyle>
+          <a:p>
+            <a:pPr algn="r"/>
+            <a:fld id="{4BB7B66E-7FFA-4300-8439-347A5E0E252A}" type="slidenum">
+              <a:rPr lang="zh-CN" altLang="en-US" smtClean="0"/>
+              <a:t>31</a:t>
+            </a:fld>
+            <a:endParaRPr lang="zh-CN" altLang="en-US" dirty="0"/>
+          </a:p>
+        </p:txBody>
+      </p:sp>
+    </p:spTree>
+    <p:extLst>
+      <p:ext uri="{BB962C8B-B14F-4D97-AF65-F5344CB8AC3E}">
+        <p14:creationId xmlns:p14="http://schemas.microsoft.com/office/powerpoint/2010/main" val="2799415941"/>
+      </p:ext>
+    </p:extLst>
+  </p:cSld>
+  <p:clrMapOvr>
+    <a:masterClrMapping/>
+  </p:clrMapOvr>
+  <mc:AlternateContent xmlns:mc="http://schemas.openxmlformats.org/markup-compatibility/2006" xmlns:p159="http://schemas.microsoft.com/office/powerpoint/2015/09/main">
+    <mc:Choice Requires="p159">
+      <p:transition spd="med">
+        <p159:morph option="byWord"/>
+      </p:transition>
+    </mc:Choice>
+    <mc:Fallback xmlns="">
+      <p:transition spd="med">
+        <p:fade/>
+      </p:transition>
+    </mc:Fallback>
+  </mc:AlternateContent>
+</p:sld>
+</file>
+
+<file path=ppt/slides/slide32.xml><?xml version="1.0" encoding="utf-8"?>
+<p:sld xmlns:a="http://schemas.openxmlformats.org/drawingml/2006/main" xmlns:r="http://schemas.openxmlformats.org/officeDocument/2006/relationships" xmlns:p="http://schemas.openxmlformats.org/presentationml/2006/main">
+  <p:cSld>
+    <p:spTree>
+      <p:nvGrpSpPr>
+        <p:cNvPr id="1" name=""/>
+        <p:cNvGrpSpPr/>
+        <p:nvPr/>
+      </p:nvGrpSpPr>
+      <p:grpSpPr>
+        <a:xfrm>
+          <a:off x="0" y="0"/>
+          <a:ext cx="0" cy="0"/>
+          <a:chOff x="0" y="0"/>
+          <a:chExt cx="0" cy="0"/>
+        </a:xfrm>
+      </p:grpSpPr>
+      <p:sp>
+        <p:nvSpPr>
+          <p:cNvPr id="4" name="矩形 2">
+            <a:extLst>
+              <a:ext uri="{FF2B5EF4-FFF2-40B4-BE49-F238E27FC236}">
+                <a16:creationId xmlns:a16="http://schemas.microsoft.com/office/drawing/2014/main" id="{04208461-2F38-D6BD-442E-C80DE50FEB78}"/>
+              </a:ext>
+            </a:extLst>
+          </p:cNvPr>
+          <p:cNvSpPr/>
+          <p:nvPr>
+            <p:custDataLst>
+              <p:tags r:id="rId1"/>
+            </p:custDataLst>
+          </p:nvPr>
+        </p:nvSpPr>
+        <p:spPr>
+          <a:xfrm>
+            <a:off x="5580112" y="0"/>
+            <a:ext cx="3429140" cy="376555"/>
+          </a:xfrm>
+          <a:prstGeom prst="rect">
+            <a:avLst/>
+          </a:prstGeom>
+          <a:solidFill>
+            <a:schemeClr val="bg1"/>
+          </a:solidFill>
+          <a:ln w="25400">
+            <a:noFill/>
+          </a:ln>
+        </p:spPr>
+        <p:txBody>
+          <a:bodyPr wrap="square">
+            <a:noAutofit/>
+          </a:bodyPr>
+          <a:lstStyle/>
+          <a:p>
+            <a:pPr algn="r"/>
+            <a:r>
+              <a:rPr lang="zh-CN" altLang="en-US" sz="2400" b="1" dirty="0">
+                <a:solidFill>
+                  <a:schemeClr val="accent1">
+                    <a:lumMod val="75000"/>
+                  </a:schemeClr>
+                </a:solidFill>
+                <a:latin typeface="微软雅黑" panose="020B0503020204020204" pitchFamily="34" charset="-122"/>
+                <a:ea typeface="微软雅黑" panose="020B0503020204020204" pitchFamily="34" charset="-122"/>
+              </a:rPr>
+              <a:t>马上结束！！！</a:t>
+            </a:r>
+            <a:r>
+              <a:rPr lang="en-US" altLang="zh-CN" sz="2400" b="1" dirty="0">
+                <a:solidFill>
+                  <a:schemeClr val="accent1">
+                    <a:lumMod val="75000"/>
+                  </a:schemeClr>
+                </a:solidFill>
+                <a:latin typeface="微软雅黑" panose="020B0503020204020204" pitchFamily="34" charset="-122"/>
+                <a:ea typeface="微软雅黑" panose="020B0503020204020204" pitchFamily="34" charset="-122"/>
+              </a:rPr>
+              <a:t>(1/4)</a:t>
+            </a:r>
+            <a:endParaRPr lang="zh-CN" altLang="en-US" sz="2400" b="1" dirty="0">
+              <a:solidFill>
+                <a:schemeClr val="accent1">
+                  <a:lumMod val="75000"/>
+                </a:schemeClr>
+              </a:solidFill>
+              <a:latin typeface="微软雅黑" panose="020B0503020204020204" pitchFamily="34" charset="-122"/>
+              <a:ea typeface="微软雅黑" panose="020B0503020204020204" pitchFamily="34" charset="-122"/>
+            </a:endParaRPr>
+          </a:p>
+        </p:txBody>
+      </p:sp>
+      <p:sp>
+        <p:nvSpPr>
+          <p:cNvPr id="8" name="文本框 7">
+            <a:extLst>
+              <a:ext uri="{FF2B5EF4-FFF2-40B4-BE49-F238E27FC236}">
+                <a16:creationId xmlns:a16="http://schemas.microsoft.com/office/drawing/2014/main" id="{3AB05295-EC6F-0E2C-AF5C-0A0A90EAB03E}"/>
+              </a:ext>
+            </a:extLst>
+          </p:cNvPr>
+          <p:cNvSpPr txBox="1"/>
+          <p:nvPr/>
+        </p:nvSpPr>
+        <p:spPr>
+          <a:xfrm>
+            <a:off x="323528" y="1371779"/>
+            <a:ext cx="7560840" cy="2862322"/>
+          </a:xfrm>
+          <a:prstGeom prst="rect">
+            <a:avLst/>
+          </a:prstGeom>
+          <a:noFill/>
+        </p:spPr>
+        <p:txBody>
+          <a:bodyPr wrap="square" rtlCol="0">
+            <a:spAutoFit/>
+          </a:bodyPr>
+          <a:lstStyle/>
+          <a:p>
+            <a:pPr marL="285750" indent="-285750">
+              <a:buFont typeface="Arial" panose="020B0604020202020204" pitchFamily="34" charset="0"/>
+              <a:buChar char="•"/>
+            </a:pPr>
+            <a:r>
+              <a:rPr lang="zh-CN" altLang="en-US" sz="3600" dirty="0"/>
+              <a:t>疑惑：</a:t>
+            </a:r>
+            <a:endParaRPr lang="en-US" altLang="zh-CN" sz="3600" dirty="0"/>
+          </a:p>
+          <a:p>
+            <a:pPr marL="742950" lvl="1" indent="-285750">
+              <a:buFont typeface="Arial" panose="020B0604020202020204" pitchFamily="34" charset="0"/>
+              <a:buChar char="•"/>
+            </a:pPr>
+            <a:r>
+              <a:rPr lang="en-US" altLang="zh-CN" sz="3600" dirty="0"/>
+              <a:t>WLS</a:t>
+            </a:r>
+            <a:r>
+              <a:rPr lang="zh-CN" altLang="en-US" sz="3600" dirty="0"/>
+              <a:t>的</a:t>
+            </a:r>
+            <a:r>
+              <a:rPr lang="en-US" altLang="zh-CN" sz="3600" dirty="0"/>
+              <a:t>【</a:t>
+            </a:r>
+            <a:r>
+              <a:rPr lang="zh-CN" altLang="en-US" sz="3600" dirty="0"/>
+              <a:t>根据方差分配权重</a:t>
+            </a:r>
+            <a:r>
+              <a:rPr lang="en-US" altLang="zh-CN" sz="3600" dirty="0"/>
+              <a:t>】</a:t>
+            </a:r>
+          </a:p>
+          <a:p>
+            <a:pPr marL="742950" lvl="1" indent="-285750">
+              <a:buFont typeface="Arial" panose="020B0604020202020204" pitchFamily="34" charset="0"/>
+              <a:buChar char="•"/>
+            </a:pPr>
+            <a:r>
+              <a:rPr lang="zh-CN" altLang="en-US" sz="3600" dirty="0"/>
+              <a:t>论文中没有详细阐述</a:t>
+            </a:r>
+            <a:endParaRPr lang="en-US" altLang="zh-CN" sz="3600" dirty="0"/>
+          </a:p>
+          <a:p>
+            <a:pPr marL="742950" lvl="1" indent="-285750">
+              <a:buFont typeface="Arial" panose="020B0604020202020204" pitchFamily="34" charset="0"/>
+              <a:buChar char="•"/>
+            </a:pPr>
+            <a:endParaRPr lang="en-US" altLang="zh-CN" sz="3600" dirty="0"/>
+          </a:p>
+          <a:p>
+            <a:pPr marL="285750" indent="-285750">
+              <a:buFont typeface="Arial" panose="020B0604020202020204" pitchFamily="34" charset="0"/>
+              <a:buChar char="•"/>
+            </a:pPr>
+            <a:endParaRPr lang="zh-CN" altLang="en-US" sz="3600" dirty="0"/>
+          </a:p>
+        </p:txBody>
+      </p:sp>
+    </p:spTree>
+    <p:extLst>
+      <p:ext uri="{BB962C8B-B14F-4D97-AF65-F5344CB8AC3E}">
+        <p14:creationId xmlns:p14="http://schemas.microsoft.com/office/powerpoint/2010/main" val="3574570713"/>
+      </p:ext>
+    </p:extLst>
+  </p:cSld>
+  <p:clrMapOvr>
+    <a:masterClrMapping/>
+  </p:clrMapOvr>
+  <mc:AlternateContent xmlns:mc="http://schemas.openxmlformats.org/markup-compatibility/2006" xmlns:p159="http://schemas.microsoft.com/office/powerpoint/2015/09/main">
+    <mc:Choice Requires="p159">
+      <p:transition spd="med">
+        <p159:morph option="byWord"/>
+      </p:transition>
+    </mc:Choice>
+    <mc:Fallback xmlns="">
+      <p:transition spd="med">
+        <p:fade/>
+      </p:transition>
+    </mc:Fallback>
+  </mc:AlternateContent>
+</p:sld>
+</file>
+
+<file path=ppt/slides/slide33.xml><?xml version="1.0" encoding="utf-8"?>
+<p:sld xmlns:a="http://schemas.openxmlformats.org/drawingml/2006/main" xmlns:r="http://schemas.openxmlformats.org/officeDocument/2006/relationships" xmlns:p="http://schemas.openxmlformats.org/presentationml/2006/main">
+  <p:cSld>
+    <p:spTree>
+      <p:nvGrpSpPr>
+        <p:cNvPr id="1" name=""/>
+        <p:cNvGrpSpPr/>
+        <p:nvPr/>
+      </p:nvGrpSpPr>
+      <p:grpSpPr>
+        <a:xfrm>
+          <a:off x="0" y="0"/>
+          <a:ext cx="0" cy="0"/>
+          <a:chOff x="0" y="0"/>
+          <a:chExt cx="0" cy="0"/>
+        </a:xfrm>
+      </p:grpSpPr>
+      <p:sp>
+        <p:nvSpPr>
+          <p:cNvPr id="4" name="矩形 2">
+            <a:extLst>
+              <a:ext uri="{FF2B5EF4-FFF2-40B4-BE49-F238E27FC236}">
+                <a16:creationId xmlns:a16="http://schemas.microsoft.com/office/drawing/2014/main" id="{04208461-2F38-D6BD-442E-C80DE50FEB78}"/>
+              </a:ext>
+            </a:extLst>
+          </p:cNvPr>
+          <p:cNvSpPr/>
+          <p:nvPr>
+            <p:custDataLst>
+              <p:tags r:id="rId1"/>
+            </p:custDataLst>
+          </p:nvPr>
+        </p:nvSpPr>
+        <p:spPr>
+          <a:xfrm>
+            <a:off x="5580112" y="0"/>
+            <a:ext cx="3429140" cy="376555"/>
+          </a:xfrm>
+          <a:prstGeom prst="rect">
+            <a:avLst/>
+          </a:prstGeom>
+          <a:solidFill>
+            <a:schemeClr val="bg1"/>
+          </a:solidFill>
+          <a:ln w="25400">
+            <a:noFill/>
+          </a:ln>
+        </p:spPr>
+        <p:txBody>
+          <a:bodyPr wrap="square">
+            <a:noAutofit/>
+          </a:bodyPr>
+          <a:lstStyle/>
+          <a:p>
+            <a:pPr algn="r"/>
+            <a:r>
+              <a:rPr lang="zh-CN" altLang="en-US" sz="2400" b="1" dirty="0">
+                <a:solidFill>
+                  <a:schemeClr val="accent1">
+                    <a:lumMod val="75000"/>
+                  </a:schemeClr>
+                </a:solidFill>
+                <a:latin typeface="微软雅黑" panose="020B0503020204020204" pitchFamily="34" charset="-122"/>
+                <a:ea typeface="微软雅黑" panose="020B0503020204020204" pitchFamily="34" charset="-122"/>
+              </a:rPr>
+              <a:t>马上结束！！！</a:t>
+            </a:r>
+            <a:r>
+              <a:rPr lang="en-US" altLang="zh-CN" sz="2400" b="1" dirty="0">
+                <a:solidFill>
+                  <a:schemeClr val="accent1">
+                    <a:lumMod val="75000"/>
+                  </a:schemeClr>
+                </a:solidFill>
+                <a:latin typeface="微软雅黑" panose="020B0503020204020204" pitchFamily="34" charset="-122"/>
+                <a:ea typeface="微软雅黑" panose="020B0503020204020204" pitchFamily="34" charset="-122"/>
+              </a:rPr>
+              <a:t>(2/4)</a:t>
+            </a:r>
+            <a:endParaRPr lang="zh-CN" altLang="en-US" sz="2400" b="1" dirty="0">
+              <a:solidFill>
+                <a:schemeClr val="accent1">
+                  <a:lumMod val="75000"/>
+                </a:schemeClr>
+              </a:solidFill>
+              <a:latin typeface="微软雅黑" panose="020B0503020204020204" pitchFamily="34" charset="-122"/>
+              <a:ea typeface="微软雅黑" panose="020B0503020204020204" pitchFamily="34" charset="-122"/>
+            </a:endParaRPr>
+          </a:p>
+        </p:txBody>
+      </p:sp>
+      <p:sp>
+        <p:nvSpPr>
+          <p:cNvPr id="8" name="文本框 7">
+            <a:extLst>
+              <a:ext uri="{FF2B5EF4-FFF2-40B4-BE49-F238E27FC236}">
+                <a16:creationId xmlns:a16="http://schemas.microsoft.com/office/drawing/2014/main" id="{3AB05295-EC6F-0E2C-AF5C-0A0A90EAB03E}"/>
+              </a:ext>
+            </a:extLst>
+          </p:cNvPr>
+          <p:cNvSpPr txBox="1"/>
+          <p:nvPr/>
+        </p:nvSpPr>
+        <p:spPr>
+          <a:xfrm>
+            <a:off x="395536" y="1273324"/>
+            <a:ext cx="7560840" cy="4154984"/>
+          </a:xfrm>
+          <a:prstGeom prst="rect">
+            <a:avLst/>
+          </a:prstGeom>
+          <a:noFill/>
+        </p:spPr>
+        <p:txBody>
+          <a:bodyPr wrap="square" rtlCol="0">
+            <a:spAutoFit/>
+          </a:bodyPr>
+          <a:lstStyle/>
+          <a:p>
+            <a:pPr marL="285750" indent="-285750">
+              <a:buFont typeface="Arial" panose="020B0604020202020204" pitchFamily="34" charset="0"/>
+              <a:buChar char="•"/>
+            </a:pPr>
+            <a:r>
+              <a:rPr lang="zh-CN" altLang="en-US" sz="2800" dirty="0"/>
+              <a:t>改进建议：</a:t>
+            </a:r>
+            <a:endParaRPr lang="en-US" altLang="zh-CN" sz="2800" dirty="0"/>
+          </a:p>
+          <a:p>
+            <a:pPr marL="742950" lvl="1" indent="-285750">
+              <a:buFont typeface="Arial" panose="020B0604020202020204" pitchFamily="34" charset="0"/>
+              <a:buChar char="•"/>
+            </a:pPr>
+            <a:r>
+              <a:rPr lang="zh-CN" altLang="en-US" sz="2800" dirty="0"/>
+              <a:t>分配权重的方案</a:t>
+            </a:r>
+            <a:endParaRPr lang="en-US" altLang="zh-CN" sz="2800" dirty="0"/>
+          </a:p>
+          <a:p>
+            <a:pPr marL="1200150" lvl="2" indent="-285750">
+              <a:buFont typeface="Arial" panose="020B0604020202020204" pitchFamily="34" charset="0"/>
+              <a:buChar char="•"/>
+            </a:pPr>
+            <a:r>
+              <a:rPr lang="zh-CN" altLang="en-US" sz="2800" dirty="0"/>
+              <a:t>标准差</a:t>
+            </a:r>
+            <a:r>
+              <a:rPr lang="en-US" altLang="zh-CN" sz="2800" dirty="0"/>
+              <a:t>/</a:t>
+            </a:r>
+            <a:r>
+              <a:rPr lang="zh-CN" altLang="en-US" sz="2800" dirty="0"/>
+              <a:t>方差 </a:t>
+            </a:r>
+            <a:endParaRPr lang="en-US" altLang="zh-CN" sz="2800" dirty="0"/>
+          </a:p>
+          <a:p>
+            <a:pPr marL="1200150" lvl="2" indent="-285750">
+              <a:buFont typeface="Arial" panose="020B0604020202020204" pitchFamily="34" charset="0"/>
+              <a:buChar char="•"/>
+            </a:pPr>
+            <a:r>
+              <a:rPr lang="en-US" altLang="zh-CN" sz="2800" dirty="0">
+                <a:sym typeface="Wingdings" panose="05000000000000000000" pitchFamily="2" charset="2"/>
+              </a:rPr>
+              <a:t> </a:t>
+            </a:r>
+            <a:r>
+              <a:rPr lang="zh-CN" altLang="en-US" sz="2800" dirty="0">
+                <a:sym typeface="Wingdings" panose="05000000000000000000" pitchFamily="2" charset="2"/>
+              </a:rPr>
+              <a:t>数据的可靠性 </a:t>
+            </a:r>
+            <a:endParaRPr lang="en-US" altLang="zh-CN" sz="2800" dirty="0">
+              <a:sym typeface="Wingdings" panose="05000000000000000000" pitchFamily="2" charset="2"/>
+            </a:endParaRPr>
+          </a:p>
+          <a:p>
+            <a:pPr marL="1200150" lvl="2" indent="-285750">
+              <a:buFont typeface="Arial" panose="020B0604020202020204" pitchFamily="34" charset="0"/>
+              <a:buChar char="•"/>
+            </a:pPr>
+            <a:r>
+              <a:rPr lang="en-US" altLang="zh-CN" sz="2800" dirty="0">
+                <a:sym typeface="Wingdings" panose="05000000000000000000" pitchFamily="2" charset="2"/>
+              </a:rPr>
+              <a:t> </a:t>
+            </a:r>
+            <a:r>
+              <a:rPr lang="zh-CN" altLang="en-US" sz="2800" dirty="0">
+                <a:sym typeface="Wingdings" panose="05000000000000000000" pitchFamily="2" charset="2"/>
+              </a:rPr>
+              <a:t>确定其在最终损失函数中的权重占比</a:t>
+            </a:r>
+            <a:endParaRPr lang="en-US" altLang="zh-CN" sz="2800" dirty="0">
+              <a:sym typeface="Wingdings" panose="05000000000000000000" pitchFamily="2" charset="2"/>
+            </a:endParaRPr>
+          </a:p>
+          <a:p>
+            <a:pPr marL="742950" lvl="1" indent="-285750">
+              <a:buFont typeface="Arial" panose="020B0604020202020204" pitchFamily="34" charset="0"/>
+              <a:buChar char="•"/>
+            </a:pPr>
+            <a:r>
+              <a:rPr lang="zh-CN" altLang="en-US" sz="2800" dirty="0">
+                <a:sym typeface="Wingdings" panose="05000000000000000000" pitchFamily="2" charset="2"/>
+              </a:rPr>
+              <a:t>不确定度：统计误差</a:t>
+            </a:r>
+            <a:r>
+              <a:rPr lang="en-US" altLang="zh-CN" sz="2800" dirty="0">
+                <a:sym typeface="Wingdings" panose="05000000000000000000" pitchFamily="2" charset="2"/>
+              </a:rPr>
+              <a:t>(</a:t>
+            </a:r>
+            <a:r>
+              <a:rPr lang="zh-CN" altLang="en-US" sz="2800" dirty="0">
+                <a:sym typeface="Wingdings" panose="05000000000000000000" pitchFamily="2" charset="2"/>
+              </a:rPr>
+              <a:t>标准差</a:t>
+            </a:r>
+            <a:r>
+              <a:rPr lang="en-US" altLang="zh-CN" sz="2800" dirty="0">
+                <a:sym typeface="Wingdings" panose="05000000000000000000" pitchFamily="2" charset="2"/>
+              </a:rPr>
+              <a:t>)[A]+</a:t>
+            </a:r>
+            <a:r>
+              <a:rPr lang="zh-CN" altLang="en-US" sz="2800" dirty="0">
+                <a:sym typeface="Wingdings" panose="05000000000000000000" pitchFamily="2" charset="2"/>
+              </a:rPr>
+              <a:t> 仪器误差</a:t>
+            </a:r>
+            <a:r>
+              <a:rPr lang="en-US" altLang="zh-CN" sz="2800" dirty="0">
+                <a:sym typeface="Wingdings" panose="05000000000000000000" pitchFamily="2" charset="2"/>
+              </a:rPr>
+              <a:t>[B]</a:t>
+            </a:r>
+          </a:p>
+          <a:p>
+            <a:pPr marL="742950" lvl="1" indent="-285750">
+              <a:buFont typeface="Arial" panose="020B0604020202020204" pitchFamily="34" charset="0"/>
+              <a:buChar char="•"/>
+            </a:pPr>
+            <a:r>
+              <a:rPr lang="zh-CN" altLang="en-US" sz="2800" dirty="0">
+                <a:sym typeface="Wingdings" panose="05000000000000000000" pitchFamily="2" charset="2"/>
+              </a:rPr>
+              <a:t>思考：使用</a:t>
+            </a:r>
+            <a:r>
+              <a:rPr lang="zh-CN" altLang="en-US" sz="2800" b="1" u="sng" dirty="0">
+                <a:effectLst>
+                  <a:outerShdw blurRad="38100" dist="38100" dir="2700000" algn="tl">
+                    <a:srgbClr val="000000">
+                      <a:alpha val="43137"/>
+                    </a:srgbClr>
+                  </a:outerShdw>
+                </a:effectLst>
+                <a:sym typeface="Wingdings" panose="05000000000000000000" pitchFamily="2" charset="2"/>
+              </a:rPr>
+              <a:t>不确定度</a:t>
+            </a:r>
+            <a:r>
+              <a:rPr lang="zh-CN" altLang="en-US" sz="2800" b="1" dirty="0">
+                <a:sym typeface="Wingdings" panose="05000000000000000000" pitchFamily="2" charset="2"/>
+              </a:rPr>
+              <a:t>来分配权重</a:t>
+            </a:r>
+            <a:endParaRPr lang="en-US" altLang="zh-CN" sz="4000" dirty="0"/>
+          </a:p>
+          <a:p>
+            <a:pPr marL="285750" indent="-285750">
+              <a:buFont typeface="Arial" panose="020B0604020202020204" pitchFamily="34" charset="0"/>
+              <a:buChar char="•"/>
+            </a:pPr>
+            <a:endParaRPr lang="zh-CN" altLang="en-US" sz="4000" dirty="0"/>
+          </a:p>
+        </p:txBody>
+      </p:sp>
+    </p:spTree>
+    <p:extLst>
+      <p:ext uri="{BB962C8B-B14F-4D97-AF65-F5344CB8AC3E}">
+        <p14:creationId xmlns:p14="http://schemas.microsoft.com/office/powerpoint/2010/main" val="2977498360"/>
+      </p:ext>
+    </p:extLst>
+  </p:cSld>
+  <p:clrMapOvr>
+    <a:masterClrMapping/>
+  </p:clrMapOvr>
+  <mc:AlternateContent xmlns:mc="http://schemas.openxmlformats.org/markup-compatibility/2006" xmlns:p159="http://schemas.microsoft.com/office/powerpoint/2015/09/main">
+    <mc:Choice Requires="p159">
+      <p:transition spd="med">
+        <p159:morph option="byWord"/>
+      </p:transition>
+    </mc:Choice>
+    <mc:Fallback xmlns="">
+      <p:transition spd="med">
+        <p:fade/>
+      </p:transition>
+    </mc:Fallback>
+  </mc:AlternateContent>
+</p:sld>
+</file>
+
+<file path=ppt/slides/slide34.xml><?xml version="1.0" encoding="utf-8"?>
+<p:sld xmlns:a="http://schemas.openxmlformats.org/drawingml/2006/main" xmlns:r="http://schemas.openxmlformats.org/officeDocument/2006/relationships" xmlns:p="http://schemas.openxmlformats.org/presentationml/2006/main">
+  <p:cSld>
+    <p:spTree>
+      <p:nvGrpSpPr>
+        <p:cNvPr id="1" name=""/>
+        <p:cNvGrpSpPr/>
+        <p:nvPr/>
+      </p:nvGrpSpPr>
+      <p:grpSpPr>
+        <a:xfrm>
+          <a:off x="0" y="0"/>
+          <a:ext cx="0" cy="0"/>
+          <a:chOff x="0" y="0"/>
+          <a:chExt cx="0" cy="0"/>
+        </a:xfrm>
+      </p:grpSpPr>
+      <p:sp>
+        <p:nvSpPr>
+          <p:cNvPr id="4" name="矩形 2">
+            <a:extLst>
+              <a:ext uri="{FF2B5EF4-FFF2-40B4-BE49-F238E27FC236}">
+                <a16:creationId xmlns:a16="http://schemas.microsoft.com/office/drawing/2014/main" id="{04208461-2F38-D6BD-442E-C80DE50FEB78}"/>
+              </a:ext>
+            </a:extLst>
+          </p:cNvPr>
+          <p:cNvSpPr/>
+          <p:nvPr>
+            <p:custDataLst>
+              <p:tags r:id="rId1"/>
+            </p:custDataLst>
+          </p:nvPr>
+        </p:nvSpPr>
+        <p:spPr>
+          <a:xfrm>
+            <a:off x="5580112" y="0"/>
+            <a:ext cx="3429140" cy="376555"/>
+          </a:xfrm>
+          <a:prstGeom prst="rect">
+            <a:avLst/>
+          </a:prstGeom>
+          <a:solidFill>
+            <a:schemeClr val="bg1"/>
+          </a:solidFill>
+          <a:ln w="25400">
+            <a:noFill/>
+          </a:ln>
+        </p:spPr>
+        <p:txBody>
+          <a:bodyPr wrap="square">
+            <a:noAutofit/>
+          </a:bodyPr>
+          <a:lstStyle/>
+          <a:p>
+            <a:pPr algn="r"/>
+            <a:r>
+              <a:rPr lang="zh-CN" altLang="en-US" sz="2400" b="1" dirty="0">
+                <a:solidFill>
+                  <a:schemeClr val="accent1">
+                    <a:lumMod val="75000"/>
+                  </a:schemeClr>
+                </a:solidFill>
+                <a:latin typeface="微软雅黑" panose="020B0503020204020204" pitchFamily="34" charset="-122"/>
+                <a:ea typeface="微软雅黑" panose="020B0503020204020204" pitchFamily="34" charset="-122"/>
+              </a:rPr>
+              <a:t>马上结束！！！</a:t>
+            </a:r>
+            <a:r>
+              <a:rPr lang="en-US" altLang="zh-CN" sz="2400" b="1" dirty="0">
+                <a:solidFill>
+                  <a:schemeClr val="accent1">
+                    <a:lumMod val="75000"/>
+                  </a:schemeClr>
+                </a:solidFill>
+                <a:latin typeface="微软雅黑" panose="020B0503020204020204" pitchFamily="34" charset="-122"/>
+                <a:ea typeface="微软雅黑" panose="020B0503020204020204" pitchFamily="34" charset="-122"/>
+              </a:rPr>
+              <a:t>(3/4)</a:t>
+            </a:r>
+            <a:endParaRPr lang="zh-CN" altLang="en-US" sz="2400" b="1" dirty="0">
+              <a:solidFill>
+                <a:schemeClr val="accent1">
+                  <a:lumMod val="75000"/>
+                </a:schemeClr>
+              </a:solidFill>
+              <a:latin typeface="微软雅黑" panose="020B0503020204020204" pitchFamily="34" charset="-122"/>
+              <a:ea typeface="微软雅黑" panose="020B0503020204020204" pitchFamily="34" charset="-122"/>
+            </a:endParaRPr>
+          </a:p>
+        </p:txBody>
+      </p:sp>
+      <p:sp>
+        <p:nvSpPr>
+          <p:cNvPr id="8" name="文本框 7">
+            <a:extLst>
+              <a:ext uri="{FF2B5EF4-FFF2-40B4-BE49-F238E27FC236}">
+                <a16:creationId xmlns:a16="http://schemas.microsoft.com/office/drawing/2014/main" id="{3AB05295-EC6F-0E2C-AF5C-0A0A90EAB03E}"/>
+              </a:ext>
+            </a:extLst>
+          </p:cNvPr>
+          <p:cNvSpPr txBox="1"/>
+          <p:nvPr/>
+        </p:nvSpPr>
+        <p:spPr>
+          <a:xfrm>
+            <a:off x="611560" y="1472505"/>
+            <a:ext cx="7560840" cy="1384995"/>
+          </a:xfrm>
+          <a:prstGeom prst="rect">
+            <a:avLst/>
+          </a:prstGeom>
+          <a:noFill/>
+        </p:spPr>
+        <p:txBody>
+          <a:bodyPr wrap="square" rtlCol="0">
+            <a:spAutoFit/>
+          </a:bodyPr>
+          <a:lstStyle/>
+          <a:p>
+            <a:pPr marL="285750" indent="-285750">
+              <a:buFont typeface="Arial" panose="020B0604020202020204" pitchFamily="34" charset="0"/>
+              <a:buChar char="•"/>
+            </a:pPr>
+            <a:r>
+              <a:rPr lang="zh-CN" altLang="en-US" sz="2800" dirty="0"/>
+              <a:t>启发：</a:t>
+            </a:r>
+            <a:endParaRPr lang="en-US" altLang="zh-CN" sz="2800" dirty="0"/>
+          </a:p>
+          <a:p>
+            <a:pPr marL="742950" lvl="1" indent="-285750">
+              <a:buFont typeface="Arial" panose="020B0604020202020204" pitchFamily="34" charset="0"/>
+              <a:buChar char="•"/>
+            </a:pPr>
+            <a:r>
+              <a:rPr lang="zh-CN" altLang="en-US" sz="2800" dirty="0"/>
+              <a:t>不确定度的作用</a:t>
+            </a:r>
+            <a:endParaRPr lang="en-US" altLang="zh-CN" sz="2800" dirty="0"/>
+          </a:p>
+          <a:p>
+            <a:pPr marL="742950" lvl="1" indent="-285750">
+              <a:buFont typeface="Arial" panose="020B0604020202020204" pitchFamily="34" charset="0"/>
+              <a:buChar char="•"/>
+            </a:pPr>
+            <a:r>
+              <a:rPr lang="zh-CN" altLang="en-US" sz="2800" b="1" dirty="0">
+                <a:effectLst>
+                  <a:outerShdw blurRad="38100" dist="38100" dir="2700000" algn="tl">
+                    <a:srgbClr val="000000">
+                      <a:alpha val="43137"/>
+                    </a:srgbClr>
+                  </a:outerShdw>
+                </a:effectLst>
+              </a:rPr>
+              <a:t>反过来影响测量方案的选择</a:t>
+            </a:r>
+          </a:p>
+        </p:txBody>
+      </p:sp>
+    </p:spTree>
+    <p:extLst>
+      <p:ext uri="{BB962C8B-B14F-4D97-AF65-F5344CB8AC3E}">
+        <p14:creationId xmlns:p14="http://schemas.microsoft.com/office/powerpoint/2010/main" val="879985763"/>
+      </p:ext>
+    </p:extLst>
+  </p:cSld>
+  <p:clrMapOvr>
+    <a:masterClrMapping/>
+  </p:clrMapOvr>
+  <mc:AlternateContent xmlns:mc="http://schemas.openxmlformats.org/markup-compatibility/2006" xmlns:p159="http://schemas.microsoft.com/office/powerpoint/2015/09/main">
+    <mc:Choice Requires="p159">
+      <p:transition spd="med">
+        <p159:morph option="byWord"/>
+      </p:transition>
+    </mc:Choice>
+    <mc:Fallback xmlns="">
+      <p:transition spd="med">
+        <p:fade/>
+      </p:transition>
+    </mc:Fallback>
+  </mc:AlternateContent>
+</p:sld>
+</file>
+
+<file path=ppt/slides/slide35.xml><?xml version="1.0" encoding="utf-8"?>
+<p:sld xmlns:a="http://schemas.openxmlformats.org/drawingml/2006/main" xmlns:r="http://schemas.openxmlformats.org/officeDocument/2006/relationships" xmlns:p="http://schemas.openxmlformats.org/presentationml/2006/main">
+  <p:cSld>
+    <p:spTree>
+      <p:nvGrpSpPr>
+        <p:cNvPr id="1" name=""/>
+        <p:cNvGrpSpPr/>
+        <p:nvPr/>
+      </p:nvGrpSpPr>
+      <p:grpSpPr>
+        <a:xfrm>
+          <a:off x="0" y="0"/>
+          <a:ext cx="0" cy="0"/>
+          <a:chOff x="0" y="0"/>
+          <a:chExt cx="0" cy="0"/>
+        </a:xfrm>
+      </p:grpSpPr>
+      <p:sp>
+        <p:nvSpPr>
+          <p:cNvPr id="4" name="矩形 2">
+            <a:extLst>
+              <a:ext uri="{FF2B5EF4-FFF2-40B4-BE49-F238E27FC236}">
+                <a16:creationId xmlns:a16="http://schemas.microsoft.com/office/drawing/2014/main" id="{04208461-2F38-D6BD-442E-C80DE50FEB78}"/>
+              </a:ext>
+            </a:extLst>
+          </p:cNvPr>
+          <p:cNvSpPr/>
+          <p:nvPr>
+            <p:custDataLst>
+              <p:tags r:id="rId1"/>
+            </p:custDataLst>
+          </p:nvPr>
+        </p:nvSpPr>
+        <p:spPr>
+          <a:xfrm>
+            <a:off x="5580112" y="0"/>
+            <a:ext cx="3429140" cy="376555"/>
+          </a:xfrm>
+          <a:prstGeom prst="rect">
+            <a:avLst/>
+          </a:prstGeom>
+          <a:solidFill>
+            <a:schemeClr val="bg1"/>
+          </a:solidFill>
+          <a:ln w="25400">
+            <a:noFill/>
+          </a:ln>
+        </p:spPr>
+        <p:txBody>
+          <a:bodyPr wrap="square">
+            <a:noAutofit/>
+          </a:bodyPr>
+          <a:lstStyle/>
+          <a:p>
+            <a:pPr algn="r"/>
+            <a:r>
+              <a:rPr lang="zh-CN" altLang="en-US" sz="2400" b="1" dirty="0">
+                <a:solidFill>
+                  <a:schemeClr val="accent1">
+                    <a:lumMod val="75000"/>
+                  </a:schemeClr>
+                </a:solidFill>
+                <a:latin typeface="微软雅黑" panose="020B0503020204020204" pitchFamily="34" charset="-122"/>
+                <a:ea typeface="微软雅黑" panose="020B0503020204020204" pitchFamily="34" charset="-122"/>
+              </a:rPr>
+              <a:t>马上结束！！！</a:t>
+            </a:r>
+            <a:r>
+              <a:rPr lang="en-US" altLang="zh-CN" sz="2400" b="1" dirty="0">
+                <a:solidFill>
+                  <a:schemeClr val="accent1">
+                    <a:lumMod val="75000"/>
+                  </a:schemeClr>
+                </a:solidFill>
+                <a:latin typeface="微软雅黑" panose="020B0503020204020204" pitchFamily="34" charset="-122"/>
+                <a:ea typeface="微软雅黑" panose="020B0503020204020204" pitchFamily="34" charset="-122"/>
+              </a:rPr>
+              <a:t>(4/4)</a:t>
+            </a:r>
+            <a:endParaRPr lang="zh-CN" altLang="en-US" sz="2400" b="1" dirty="0">
+              <a:solidFill>
+                <a:schemeClr val="accent1">
+                  <a:lumMod val="75000"/>
+                </a:schemeClr>
+              </a:solidFill>
+              <a:latin typeface="微软雅黑" panose="020B0503020204020204" pitchFamily="34" charset="-122"/>
+              <a:ea typeface="微软雅黑" panose="020B0503020204020204" pitchFamily="34" charset="-122"/>
+            </a:endParaRPr>
+          </a:p>
+        </p:txBody>
+      </p:sp>
+      <p:sp>
+        <p:nvSpPr>
+          <p:cNvPr id="2" name="文本框 1">
+            <a:extLst>
+              <a:ext uri="{FF2B5EF4-FFF2-40B4-BE49-F238E27FC236}">
+                <a16:creationId xmlns:a16="http://schemas.microsoft.com/office/drawing/2014/main" id="{3F9F2BD3-5086-4A06-C6BC-343B4985183A}"/>
+              </a:ext>
+            </a:extLst>
+          </p:cNvPr>
+          <p:cNvSpPr txBox="1"/>
+          <p:nvPr/>
+        </p:nvSpPr>
+        <p:spPr>
+          <a:xfrm>
+            <a:off x="107504" y="615544"/>
+            <a:ext cx="2448272" cy="523220"/>
+          </a:xfrm>
+          <a:prstGeom prst="rect">
+            <a:avLst/>
+          </a:prstGeom>
+          <a:noFill/>
+        </p:spPr>
+        <p:txBody>
+          <a:bodyPr wrap="square" rtlCol="0">
+            <a:spAutoFit/>
+          </a:bodyPr>
+          <a:lstStyle/>
+          <a:p>
+            <a:r>
+              <a:rPr lang="zh-CN" altLang="en-US" sz="2800" b="1" dirty="0"/>
+              <a:t>小组成员分工</a:t>
+            </a:r>
+          </a:p>
+        </p:txBody>
+      </p:sp>
+      <p:sp>
+        <p:nvSpPr>
+          <p:cNvPr id="3" name="文本框 2">
+            <a:extLst>
+              <a:ext uri="{FF2B5EF4-FFF2-40B4-BE49-F238E27FC236}">
+                <a16:creationId xmlns:a16="http://schemas.microsoft.com/office/drawing/2014/main" id="{B864E838-3924-0174-3C84-0189B52D426B}"/>
+              </a:ext>
+            </a:extLst>
+          </p:cNvPr>
+          <p:cNvSpPr txBox="1"/>
+          <p:nvPr/>
+        </p:nvSpPr>
+        <p:spPr>
+          <a:xfrm>
+            <a:off x="251520" y="1417340"/>
+            <a:ext cx="9145016" cy="4154984"/>
+          </a:xfrm>
+          <a:prstGeom prst="rect">
+            <a:avLst/>
+          </a:prstGeom>
+          <a:noFill/>
+        </p:spPr>
+        <p:txBody>
+          <a:bodyPr wrap="square" rtlCol="0">
+            <a:spAutoFit/>
+          </a:bodyPr>
+          <a:lstStyle/>
+          <a:p>
+            <a:pPr marL="285750" indent="-285750">
+              <a:buFont typeface="Arial" panose="020B0604020202020204" pitchFamily="34" charset="0"/>
+              <a:buChar char="•"/>
+            </a:pPr>
+            <a:r>
+              <a:rPr lang="zh-CN" altLang="en-US" sz="2400" b="1" dirty="0"/>
+              <a:t>李逸卓</a:t>
+            </a:r>
+            <a:r>
+              <a:rPr lang="zh-CN" altLang="en-US" sz="2400" dirty="0"/>
+              <a:t>：</a:t>
+            </a:r>
+            <a:endParaRPr lang="en-US" altLang="zh-CN" sz="2400" dirty="0"/>
+          </a:p>
+          <a:p>
+            <a:pPr marL="742950" lvl="1" indent="-285750">
+              <a:buFont typeface="Arial" panose="020B0604020202020204" pitchFamily="34" charset="0"/>
+              <a:buChar char="•"/>
+            </a:pPr>
+            <a:r>
+              <a:rPr lang="zh-CN" altLang="en-US" sz="2400" dirty="0"/>
+              <a:t>论文的研读与交流思路梳理</a:t>
+            </a:r>
+            <a:endParaRPr lang="en-US" altLang="zh-CN" sz="2400" dirty="0"/>
+          </a:p>
+          <a:p>
+            <a:pPr marL="742950" lvl="1" indent="-285750">
+              <a:buFont typeface="Arial" panose="020B0604020202020204" pitchFamily="34" charset="0"/>
+              <a:buChar char="•"/>
+            </a:pPr>
+            <a:r>
+              <a:rPr lang="zh-CN" altLang="en-US" sz="2400" dirty="0"/>
+              <a:t>部分</a:t>
+            </a:r>
+            <a:r>
+              <a:rPr lang="en-US" altLang="zh-CN" sz="2400" dirty="0"/>
+              <a:t>PPT</a:t>
+            </a:r>
+            <a:r>
+              <a:rPr lang="zh-CN" altLang="en-US" sz="2400" dirty="0"/>
+              <a:t>制作</a:t>
+            </a:r>
+            <a:r>
+              <a:rPr lang="en-US" altLang="zh-CN" sz="2400" dirty="0"/>
+              <a:t>[4, 5]</a:t>
+            </a:r>
+            <a:r>
+              <a:rPr lang="zh-CN" altLang="en-US" sz="2400" dirty="0"/>
+              <a:t>，</a:t>
+            </a:r>
+            <a:r>
+              <a:rPr lang="en-US" altLang="zh-CN" sz="2400" dirty="0"/>
+              <a:t>PPT</a:t>
+            </a:r>
+            <a:r>
+              <a:rPr lang="zh-CN" altLang="en-US" sz="2400" dirty="0"/>
+              <a:t>文稿最终修订</a:t>
+            </a:r>
+            <a:endParaRPr lang="en-US" altLang="zh-CN" sz="2400" dirty="0"/>
+          </a:p>
+          <a:p>
+            <a:pPr marL="285750" indent="-285750">
+              <a:buFont typeface="Arial" panose="020B0604020202020204" pitchFamily="34" charset="0"/>
+              <a:buChar char="•"/>
+            </a:pPr>
+            <a:r>
+              <a:rPr lang="zh-CN" altLang="en-US" sz="2400" b="1" dirty="0"/>
+              <a:t>陆小可</a:t>
+            </a:r>
+            <a:r>
+              <a:rPr lang="zh-CN" altLang="en-US" sz="2400" dirty="0"/>
+              <a:t>：</a:t>
+            </a:r>
+            <a:endParaRPr lang="en-US" altLang="zh-CN" sz="2400" dirty="0"/>
+          </a:p>
+          <a:p>
+            <a:pPr marL="742950" lvl="1" indent="-285750">
+              <a:buFont typeface="Arial" panose="020B0604020202020204" pitchFamily="34" charset="0"/>
+              <a:buChar char="•"/>
+            </a:pPr>
+            <a:r>
+              <a:rPr lang="zh-CN" altLang="en-US" sz="2400" dirty="0"/>
+              <a:t>论文的研读与全文翻译</a:t>
+            </a:r>
+            <a:endParaRPr lang="en-US" altLang="zh-CN" sz="2400" dirty="0"/>
+          </a:p>
+          <a:p>
+            <a:pPr marL="742950" lvl="1" indent="-285750">
+              <a:buFont typeface="Arial" panose="020B0604020202020204" pitchFamily="34" charset="0"/>
+              <a:buChar char="•"/>
+            </a:pPr>
+            <a:r>
+              <a:rPr lang="zh-CN" altLang="en-US" sz="2400" dirty="0"/>
+              <a:t>部分</a:t>
+            </a:r>
+            <a:r>
+              <a:rPr lang="en-US" altLang="zh-CN" sz="2400" dirty="0"/>
+              <a:t>PPT</a:t>
+            </a:r>
+            <a:r>
+              <a:rPr lang="zh-CN" altLang="en-US" sz="2400" dirty="0"/>
+              <a:t>制作</a:t>
+            </a:r>
+            <a:r>
+              <a:rPr lang="en-US" altLang="zh-CN" sz="2400" dirty="0"/>
+              <a:t>[1, 3] </a:t>
+            </a:r>
+          </a:p>
+          <a:p>
+            <a:pPr marL="285750" indent="-285750">
+              <a:buFont typeface="Arial" panose="020B0604020202020204" pitchFamily="34" charset="0"/>
+              <a:buChar char="•"/>
+            </a:pPr>
+            <a:r>
+              <a:rPr lang="zh-CN" altLang="en-US" sz="2400" b="1" dirty="0"/>
+              <a:t>汤真妍</a:t>
+            </a:r>
+            <a:r>
+              <a:rPr lang="zh-CN" altLang="en-US" sz="2400" dirty="0"/>
+              <a:t>：</a:t>
+            </a:r>
+            <a:endParaRPr lang="en-US" altLang="zh-CN" sz="2400" dirty="0"/>
+          </a:p>
+          <a:p>
+            <a:pPr marL="742950" lvl="1" indent="-285750">
+              <a:buFont typeface="Arial" panose="020B0604020202020204" pitchFamily="34" charset="0"/>
+              <a:buChar char="•"/>
+            </a:pPr>
+            <a:r>
+              <a:rPr lang="zh-CN" altLang="en-US" sz="2400" dirty="0"/>
+              <a:t>论文的研读与公式提取制作</a:t>
+            </a:r>
+            <a:endParaRPr lang="en-US" altLang="zh-CN" sz="2400" dirty="0"/>
+          </a:p>
+          <a:p>
+            <a:pPr marL="742950" lvl="1" indent="-285750">
+              <a:buFont typeface="Arial" panose="020B0604020202020204" pitchFamily="34" charset="0"/>
+              <a:buChar char="•"/>
+            </a:pPr>
+            <a:r>
+              <a:rPr lang="zh-CN" altLang="en-US" sz="2400" dirty="0"/>
+              <a:t>部分</a:t>
+            </a:r>
+            <a:r>
+              <a:rPr lang="en-US" altLang="zh-CN" sz="2400" dirty="0"/>
+              <a:t>PPT</a:t>
+            </a:r>
+            <a:r>
+              <a:rPr lang="zh-CN" altLang="en-US" sz="2400" dirty="0"/>
+              <a:t>制作</a:t>
+            </a:r>
+            <a:r>
+              <a:rPr lang="en-US" altLang="zh-CN" sz="2400" dirty="0"/>
+              <a:t>[2]</a:t>
+            </a:r>
+          </a:p>
+          <a:p>
+            <a:pPr marL="285750" indent="-285750">
+              <a:buFont typeface="Arial" panose="020B0604020202020204" pitchFamily="34" charset="0"/>
+              <a:buChar char="•"/>
+            </a:pPr>
+            <a:r>
+              <a:rPr lang="zh-CN" altLang="en-US" sz="2400" b="1" dirty="0"/>
+              <a:t>线上集体讨论</a:t>
+            </a:r>
+            <a:r>
+              <a:rPr lang="en-US" altLang="zh-CN" sz="2400" b="1" u="sng" dirty="0"/>
+              <a:t>1</a:t>
+            </a:r>
+            <a:r>
+              <a:rPr lang="zh-CN" altLang="en-US" sz="2400" b="1" dirty="0"/>
+              <a:t>次，线下部分成员交流</a:t>
+            </a:r>
+            <a:r>
+              <a:rPr lang="en-US" altLang="zh-CN" sz="2400" b="1" u="sng" dirty="0"/>
+              <a:t>1</a:t>
+            </a:r>
+            <a:r>
+              <a:rPr lang="zh-CN" altLang="en-US" sz="2400" b="1" dirty="0"/>
+              <a:t>次，线下集体研讨</a:t>
+            </a:r>
+            <a:r>
+              <a:rPr lang="en-US" altLang="zh-CN" sz="2400" b="1" u="sng" dirty="0"/>
+              <a:t>1</a:t>
+            </a:r>
+            <a:r>
+              <a:rPr lang="zh-CN" altLang="en-US" sz="2400" b="1" dirty="0"/>
+              <a:t>次</a:t>
+            </a:r>
+            <a:endParaRPr lang="en-US" altLang="zh-CN" sz="2400" b="1" dirty="0"/>
+          </a:p>
+          <a:p>
+            <a:pPr marL="285750" indent="-285750">
+              <a:buFont typeface="Arial" panose="020B0604020202020204" pitchFamily="34" charset="0"/>
+              <a:buChar char="•"/>
+            </a:pPr>
+            <a:endParaRPr lang="zh-CN" altLang="en-US" sz="2400" dirty="0"/>
+          </a:p>
+        </p:txBody>
+      </p:sp>
+    </p:spTree>
+    <p:extLst>
+      <p:ext uri="{BB962C8B-B14F-4D97-AF65-F5344CB8AC3E}">
+        <p14:creationId xmlns:p14="http://schemas.microsoft.com/office/powerpoint/2010/main" val="2449818389"/>
+      </p:ext>
+    </p:extLst>
+  </p:cSld>
+  <p:clrMapOvr>
+    <a:masterClrMapping/>
+  </p:clrMapOvr>
+  <mc:AlternateContent xmlns:mc="http://schemas.openxmlformats.org/markup-compatibility/2006" xmlns:p159="http://schemas.microsoft.com/office/powerpoint/2015/09/main">
+    <mc:Choice Requires="p159">
+      <p:transition spd="med">
+        <p159:morph option="byWord"/>
+      </p:transition>
+    </mc:Choice>
+    <mc:Fallback xmlns="">
+      <p:transition spd="med">
+        <p:fade/>
+      </p:transition>
+    </mc:Fallback>
+  </mc:AlternateContent>
+</p:sld>
+</file>
+
+<file path=ppt/slides/slide36.xml><?xml version="1.0" encoding="utf-8"?>
+<p:sld xmlns:a="http://schemas.openxmlformats.org/drawingml/2006/main" xmlns:r="http://schemas.openxmlformats.org/officeDocument/2006/relationships" xmlns:p="http://schemas.openxmlformats.org/presentationml/2006/main">
+  <p:cSld>
+    <p:spTree>
+      <p:nvGrpSpPr>
+        <p:cNvPr id="1" name=""/>
+        <p:cNvGrpSpPr/>
+        <p:nvPr/>
+      </p:nvGrpSpPr>
+      <p:grpSpPr>
+        <a:xfrm>
+          <a:off x="0" y="0"/>
+          <a:ext cx="0" cy="0"/>
+          <a:chOff x="0" y="0"/>
+          <a:chExt cx="0" cy="0"/>
+        </a:xfrm>
+      </p:grpSpPr>
+      <p:sp>
+        <p:nvSpPr>
           <p:cNvPr id="1048613" name="剪去对角的矩形 4"/>
           <p:cNvSpPr/>
           <p:nvPr/>
@@ -32608,8 +35263,8 @@
         </p:nvSpPr>
         <p:spPr>
           <a:xfrm>
-            <a:off x="1432559" y="2281436"/>
-            <a:ext cx="6340197" cy="830997"/>
+            <a:off x="1901309" y="1961323"/>
+            <a:ext cx="5109091" cy="1569660"/>
           </a:xfrm>
           <a:prstGeom prst="rect">
             <a:avLst/>
@@ -32630,7 +35285,26 @@
                 <a:latin typeface="微软雅黑" panose="020B0503020204020204" pitchFamily="34" charset="-122"/>
                 <a:ea typeface="微软雅黑" panose="020B0503020204020204" pitchFamily="34" charset="-122"/>
               </a:rPr>
-              <a:t>恳请各位老师批评指正</a:t>
+              <a:t>感谢聆听</a:t>
+            </a:r>
+            <a:endParaRPr lang="en-US" altLang="zh-CN" sz="4800" b="1" dirty="0">
+              <a:solidFill>
+                <a:srgbClr val="FFFFFF"/>
+              </a:solidFill>
+              <a:latin typeface="微软雅黑" panose="020B0503020204020204" pitchFamily="34" charset="-122"/>
+              <a:ea typeface="微软雅黑" panose="020B0503020204020204" pitchFamily="34" charset="-122"/>
+            </a:endParaRPr>
+          </a:p>
+          <a:p>
+            <a:r>
+              <a:rPr lang="zh-CN" altLang="en-US" sz="4800" b="1" dirty="0">
+                <a:solidFill>
+                  <a:srgbClr val="FFFFFF"/>
+                </a:solidFill>
+                <a:latin typeface="微软雅黑" panose="020B0503020204020204" pitchFamily="34" charset="-122"/>
+                <a:ea typeface="微软雅黑" panose="020B0503020204020204" pitchFamily="34" charset="-122"/>
+              </a:rPr>
+              <a:t>恳请老师批评指正</a:t>
             </a:r>
           </a:p>
         </p:txBody>
@@ -32757,7 +35431,7 @@
             <a:pPr algn="r"/>
             <a:fld id="{4BB7B66E-7FFA-4300-8439-347A5E0E252A}" type="slidenum">
               <a:rPr lang="zh-CN" altLang="en-US" smtClean="0"/>
-              <a:t>31</a:t>
+              <a:t>36</a:t>
             </a:fld>
             <a:endParaRPr lang="zh-CN" altLang="en-US" dirty="0"/>
           </a:p>
@@ -37544,55 +40218,99 @@
 
 <file path=ppt/tags/tag41.xml><?xml version="1.0" encoding="utf-8"?>
 <p:tagLst xmlns:a="http://schemas.openxmlformats.org/drawingml/2006/main" xmlns:r="http://schemas.openxmlformats.org/officeDocument/2006/relationships" xmlns:p="http://schemas.openxmlformats.org/presentationml/2006/main">
+  <p:tag name="KSO_WM_UNIT_PLACING_PICTURE_USER_VIEWPORT" val="{&quot;height&quot;:744,&quot;width&quot;:3853}"/>
   <p:tag name="KSO_WM_BEAUTIFY_FLAG" val=""/>
 </p:tagLst>
 </file>
 
 <file path=ppt/tags/tag42.xml><?xml version="1.0" encoding="utf-8"?>
 <p:tagLst xmlns:a="http://schemas.openxmlformats.org/drawingml/2006/main" xmlns:r="http://schemas.openxmlformats.org/officeDocument/2006/relationships" xmlns:p="http://schemas.openxmlformats.org/presentationml/2006/main">
-  <p:tag name="KSO_WM_UNIT_PLACING_PICTURE_USER_VIEWPORT" val="{&quot;height&quot;:744,&quot;width&quot;:3853}"/>
   <p:tag name="KSO_WM_BEAUTIFY_FLAG" val=""/>
 </p:tagLst>
 </file>
 
 <file path=ppt/tags/tag43.xml><?xml version="1.0" encoding="utf-8"?>
 <p:tagLst xmlns:a="http://schemas.openxmlformats.org/drawingml/2006/main" xmlns:r="http://schemas.openxmlformats.org/officeDocument/2006/relationships" xmlns:p="http://schemas.openxmlformats.org/presentationml/2006/main">
+  <p:tag name="KSO_WM_UNIT_PLACING_PICTURE_USER_VIEWPORT" val="{&quot;height&quot;:744,&quot;width&quot;:3853}"/>
   <p:tag name="KSO_WM_BEAUTIFY_FLAG" val=""/>
 </p:tagLst>
 </file>
 
 <file path=ppt/tags/tag44.xml><?xml version="1.0" encoding="utf-8"?>
 <p:tagLst xmlns:a="http://schemas.openxmlformats.org/drawingml/2006/main" xmlns:r="http://schemas.openxmlformats.org/officeDocument/2006/relationships" xmlns:p="http://schemas.openxmlformats.org/presentationml/2006/main">
-  <p:tag name="KSO_WM_UNIT_PLACING_PICTURE_USER_VIEWPORT" val="{&quot;height&quot;:744,&quot;width&quot;:3853}"/>
   <p:tag name="KSO_WM_BEAUTIFY_FLAG" val=""/>
 </p:tagLst>
 </file>
 
 <file path=ppt/tags/tag45.xml><?xml version="1.0" encoding="utf-8"?>
 <p:tagLst xmlns:a="http://schemas.openxmlformats.org/drawingml/2006/main" xmlns:r="http://schemas.openxmlformats.org/officeDocument/2006/relationships" xmlns:p="http://schemas.openxmlformats.org/presentationml/2006/main">
+  <p:tag name="KSO_WM_UNIT_PLACING_PICTURE_USER_VIEWPORT" val="{&quot;height&quot;:744,&quot;width&quot;:3853}"/>
   <p:tag name="KSO_WM_BEAUTIFY_FLAG" val=""/>
 </p:tagLst>
 </file>
 
 <file path=ppt/tags/tag46.xml><?xml version="1.0" encoding="utf-8"?>
 <p:tagLst xmlns:a="http://schemas.openxmlformats.org/drawingml/2006/main" xmlns:r="http://schemas.openxmlformats.org/officeDocument/2006/relationships" xmlns:p="http://schemas.openxmlformats.org/presentationml/2006/main">
+  <p:tag name="KSO_WM_UNIT_PLACING_PICTURE_USER_VIEWPORT" val="{&quot;height&quot;:744,&quot;width&quot;:3853}"/>
   <p:tag name="KSO_WM_BEAUTIFY_FLAG" val=""/>
 </p:tagLst>
 </file>
 
 <file path=ppt/tags/tag47.xml><?xml version="1.0" encoding="utf-8"?>
 <p:tagLst xmlns:a="http://schemas.openxmlformats.org/drawingml/2006/main" xmlns:r="http://schemas.openxmlformats.org/officeDocument/2006/relationships" xmlns:p="http://schemas.openxmlformats.org/presentationml/2006/main">
+  <p:tag name="KSO_WM_UNIT_PLACING_PICTURE_USER_VIEWPORT" val="{&quot;height&quot;:744,&quot;width&quot;:3853}"/>
   <p:tag name="KSO_WM_BEAUTIFY_FLAG" val=""/>
 </p:tagLst>
 </file>
 
 <file path=ppt/tags/tag48.xml><?xml version="1.0" encoding="utf-8"?>
 <p:tagLst xmlns:a="http://schemas.openxmlformats.org/drawingml/2006/main" xmlns:r="http://schemas.openxmlformats.org/officeDocument/2006/relationships" xmlns:p="http://schemas.openxmlformats.org/presentationml/2006/main">
+  <p:tag name="KSO_WM_UNIT_PLACING_PICTURE_USER_VIEWPORT" val="{&quot;height&quot;:744,&quot;width&quot;:3853}"/>
+  <p:tag name="KSO_WM_BEAUTIFY_FLAG" val=""/>
+</p:tagLst>
+</file>
+
+<file path=ppt/tags/tag49.xml><?xml version="1.0" encoding="utf-8"?>
+<p:tagLst xmlns:a="http://schemas.openxmlformats.org/drawingml/2006/main" xmlns:r="http://schemas.openxmlformats.org/officeDocument/2006/relationships" xmlns:p="http://schemas.openxmlformats.org/presentationml/2006/main">
   <p:tag name="KSO_WM_BEAUTIFY_FLAG" val=""/>
 </p:tagLst>
 </file>
 
 <file path=ppt/tags/tag5.xml><?xml version="1.0" encoding="utf-8"?>
+<p:tagLst xmlns:a="http://schemas.openxmlformats.org/drawingml/2006/main" xmlns:r="http://schemas.openxmlformats.org/officeDocument/2006/relationships" xmlns:p="http://schemas.openxmlformats.org/presentationml/2006/main">
+  <p:tag name="KSO_WM_BEAUTIFY_FLAG" val=""/>
+</p:tagLst>
+</file>
+
+<file path=ppt/tags/tag50.xml><?xml version="1.0" encoding="utf-8"?>
+<p:tagLst xmlns:a="http://schemas.openxmlformats.org/drawingml/2006/main" xmlns:r="http://schemas.openxmlformats.org/officeDocument/2006/relationships" xmlns:p="http://schemas.openxmlformats.org/presentationml/2006/main">
+  <p:tag name="KSO_WM_UNIT_PLACING_PICTURE_USER_VIEWPORT" val="{&quot;height&quot;:744,&quot;width&quot;:3853}"/>
+  <p:tag name="KSO_WM_BEAUTIFY_FLAG" val=""/>
+</p:tagLst>
+</file>
+
+<file path=ppt/tags/tag51.xml><?xml version="1.0" encoding="utf-8"?>
+<p:tagLst xmlns:a="http://schemas.openxmlformats.org/drawingml/2006/main" xmlns:r="http://schemas.openxmlformats.org/officeDocument/2006/relationships" xmlns:p="http://schemas.openxmlformats.org/presentationml/2006/main">
+  <p:tag name="KSO_WM_UNIT_PLACING_PICTURE_USER_VIEWPORT" val="{&quot;height&quot;:744,&quot;width&quot;:3853}"/>
+  <p:tag name="KSO_WM_BEAUTIFY_FLAG" val=""/>
+</p:tagLst>
+</file>
+
+<file path=ppt/tags/tag52.xml><?xml version="1.0" encoding="utf-8"?>
+<p:tagLst xmlns:a="http://schemas.openxmlformats.org/drawingml/2006/main" xmlns:r="http://schemas.openxmlformats.org/officeDocument/2006/relationships" xmlns:p="http://schemas.openxmlformats.org/presentationml/2006/main">
+  <p:tag name="KSO_WM_UNIT_PLACING_PICTURE_USER_VIEWPORT" val="{&quot;height&quot;:744,&quot;width&quot;:3853}"/>
+  <p:tag name="KSO_WM_BEAUTIFY_FLAG" val=""/>
+</p:tagLst>
+</file>
+
+<file path=ppt/tags/tag53.xml><?xml version="1.0" encoding="utf-8"?>
+<p:tagLst xmlns:a="http://schemas.openxmlformats.org/drawingml/2006/main" xmlns:r="http://schemas.openxmlformats.org/officeDocument/2006/relationships" xmlns:p="http://schemas.openxmlformats.org/presentationml/2006/main">
+  <p:tag name="KSO_WM_UNIT_PLACING_PICTURE_USER_VIEWPORT" val="{&quot;height&quot;:744,&quot;width&quot;:3853}"/>
+  <p:tag name="KSO_WM_BEAUTIFY_FLAG" val=""/>
+</p:tagLst>
+</file>
+
+<file path=ppt/tags/tag54.xml><?xml version="1.0" encoding="utf-8"?>
 <p:tagLst xmlns:a="http://schemas.openxmlformats.org/drawingml/2006/main" xmlns:r="http://schemas.openxmlformats.org/officeDocument/2006/relationships" xmlns:p="http://schemas.openxmlformats.org/presentationml/2006/main">
   <p:tag name="KSO_WM_BEAUTIFY_FLAG" val=""/>
 </p:tagLst>

--- a/2023-4-9.pptx
+++ b/2023-4-9.pptx
@@ -4864,8 +4864,12 @@
           <a:lstStyle/>
           <a:p>
             <a:r>
+              <a:rPr lang="en-US" altLang="zh-CN" dirty="0"/>
+              <a:t>1. </a:t>
+            </a:r>
+            <a:r>
               <a:rPr lang="zh-CN" altLang="en-US" dirty="0"/>
-              <a:t>基本思路已经说过，</a:t>
+              <a:t>先讲一下第一部分不确定度传播过程</a:t>
             </a:r>
           </a:p>
         </p:txBody>
@@ -5612,6 +5616,20 @@
               </a:rPr>
               <a:t> WLS</a:t>
             </a:r>
+          </a:p>
+          <a:p>
+            <a:r>
+              <a:rPr lang="zh-CN" altLang="en-US" dirty="0">
+                <a:sym typeface="Wingdings" panose="05000000000000000000" pitchFamily="2" charset="2"/>
+              </a:rPr>
+              <a:t>论文中有一个小</a:t>
+            </a:r>
+            <a:r>
+              <a:rPr lang="en-US" altLang="zh-CN">
+                <a:sym typeface="Wingdings" panose="05000000000000000000" pitchFamily="2" charset="2"/>
+              </a:rPr>
+              <a:t>bug</a:t>
+            </a:r>
             <a:endParaRPr lang="zh-CN" altLang="en-US" dirty="0"/>
           </a:p>
         </p:txBody>
@@ -7776,36 +7794,24 @@
           <a:bodyPr/>
           <a:lstStyle/>
           <a:p>
-            <a:pPr marL="228600" indent="-228600">
-              <a:buAutoNum type="arabicPeriod"/>
+            <a:pPr marL="0" indent="0">
+              <a:buNone/>
             </a:pPr>
             <a:r>
+              <a:rPr lang="en-US" altLang="zh-CN" dirty="0"/>
+              <a:t>Q, \PSI</a:t>
+            </a:r>
+            <a:r>
               <a:rPr lang="zh-CN" altLang="en-US" dirty="0"/>
-              <a:t>选取</a:t>
+              <a:t>需要测量</a:t>
             </a:r>
             <a:r>
               <a:rPr lang="en-US" altLang="zh-CN" dirty="0"/>
-              <a:t>N</a:t>
+              <a:t>n</a:t>
             </a:r>
             <a:r>
               <a:rPr lang="zh-CN" altLang="en-US" dirty="0"/>
-              <a:t>个位置，测定</a:t>
-            </a:r>
-            <a:r>
-              <a:rPr lang="en-US" altLang="zh-CN" dirty="0"/>
-              <a:t>N</a:t>
-            </a:r>
-            <a:r>
-              <a:rPr lang="zh-CN" altLang="en-US" dirty="0"/>
-              <a:t>组对应的</a:t>
-            </a:r>
-            <a:r>
-              <a:rPr lang="en-US" altLang="zh-CN" dirty="0"/>
-              <a:t>X, Y</a:t>
-            </a:r>
-            <a:r>
-              <a:rPr lang="zh-CN" altLang="en-US" dirty="0"/>
-              <a:t>值</a:t>
+              <a:t>次</a:t>
             </a:r>
             <a:endParaRPr lang="en-US" altLang="zh-CN" dirty="0"/>
           </a:p>
@@ -32365,8 +32371,8 @@
         </p:nvSpPr>
         <p:spPr>
           <a:xfrm>
-            <a:off x="4211960" y="4369668"/>
-            <a:ext cx="5688632" cy="1200329"/>
+            <a:off x="4149626" y="4368825"/>
+            <a:ext cx="4824536" cy="1200329"/>
           </a:xfrm>
           <a:prstGeom prst="rect">
             <a:avLst/>
@@ -32385,7 +32391,7 @@
                   <a:srgbClr val="000000"/>
                 </a:solidFill>
                 <a:effectLst/>
-                <a:latin typeface="CharterBT-Roman"/>
+                <a:latin typeface="+mj-lt"/>
               </a:rPr>
               <a:t>The correlation between </a:t>
             </a:r>
@@ -32395,7 +32401,7 @@
                   <a:srgbClr val="000000"/>
                 </a:solidFill>
                 <a:effectLst/>
-                <a:latin typeface="CharterBT-BoldItalic"/>
+                <a:latin typeface="+mj-lt"/>
               </a:rPr>
               <a:t>X </a:t>
             </a:r>
@@ -32405,7 +32411,7 @@
                   <a:srgbClr val="000000"/>
                 </a:solidFill>
                 <a:effectLst/>
-                <a:latin typeface="CharterBT-Roman"/>
+                <a:latin typeface="+mj-lt"/>
               </a:rPr>
               <a:t>and </a:t>
             </a:r>
@@ -32415,7 +32421,7 @@
                   <a:srgbClr val="000000"/>
                 </a:solidFill>
                 <a:effectLst/>
-                <a:latin typeface="CharterBT-BoldItalic"/>
+                <a:latin typeface="+mj-lt"/>
               </a:rPr>
               <a:t>Y </a:t>
             </a:r>
@@ -32425,7 +32431,7 @@
                   <a:srgbClr val="000000"/>
                 </a:solidFill>
                 <a:effectLst/>
-                <a:latin typeface="CharterBT-Roman"/>
+                <a:latin typeface="+mj-lt"/>
               </a:rPr>
               <a:t>is </a:t>
             </a:r>
@@ -32441,7 +32447,7 @@
                     </a:srgbClr>
                   </a:outerShdw>
                 </a:effectLst>
-                <a:latin typeface="CharterBT-Roman"/>
+                <a:latin typeface="+mj-lt"/>
               </a:rPr>
               <a:t>much smaller </a:t>
             </a:r>
@@ -32453,7 +32459,7 @@
                   <a:srgbClr val="000000"/>
                 </a:solidFill>
                 <a:effectLst/>
-                <a:latin typeface="CharterBT-Roman"/>
+                <a:latin typeface="+mj-lt"/>
               </a:rPr>
               <a:t>(in the range between </a:t>
             </a:r>
@@ -32463,7 +32469,7 @@
                   <a:srgbClr val="000000"/>
                 </a:solidFill>
                 <a:effectLst/>
-                <a:latin typeface="MathDesign-CH-Regular-Symbol-10"/>
+                <a:latin typeface="+mj-lt"/>
               </a:rPr>
               <a:t>-</a:t>
             </a:r>
@@ -32473,7 +32479,7 @@
                   <a:srgbClr val="000000"/>
                 </a:solidFill>
                 <a:effectLst/>
-                <a:latin typeface="CharterBT-Roman"/>
+                <a:latin typeface="+mj-lt"/>
               </a:rPr>
               <a:t>0.067 and </a:t>
             </a:r>
@@ -32483,7 +32489,7 @@
                   <a:srgbClr val="000000"/>
                 </a:solidFill>
                 <a:effectLst/>
-                <a:latin typeface="MathDesign-CH-Regular-Symbol-10"/>
+                <a:latin typeface="+mj-lt"/>
               </a:rPr>
               <a:t>-</a:t>
             </a:r>
@@ -32493,18 +32499,24 @@
                   <a:srgbClr val="000000"/>
                 </a:solidFill>
                 <a:effectLst/>
-                <a:latin typeface="CharterBT-Roman"/>
+                <a:latin typeface="+mj-lt"/>
               </a:rPr>
               <a:t>0.045) and not displayed here.</a:t>
             </a:r>
             <a:r>
-              <a:rPr lang="en-US" altLang="zh-CN" dirty="0"/>
+              <a:rPr lang="en-US" altLang="zh-CN" dirty="0">
+                <a:latin typeface="+mj-lt"/>
+              </a:rPr>
               <a:t> </a:t>
             </a:r>
             <a:br>
-              <a:rPr lang="en-US" altLang="zh-CN" dirty="0"/>
+              <a:rPr lang="en-US" altLang="zh-CN" dirty="0">
+                <a:latin typeface="+mj-lt"/>
+              </a:rPr>
             </a:br>
-            <a:endParaRPr lang="zh-CN" altLang="en-US" dirty="0"/>
+            <a:endParaRPr lang="zh-CN" altLang="en-US" dirty="0">
+              <a:latin typeface="+mj-lt"/>
+            </a:endParaRPr>
           </a:p>
         </p:txBody>
       </p:sp>
@@ -35451,8 +35463,8 @@
         </p:nvSpPr>
         <p:spPr>
           <a:xfrm>
-            <a:off x="3770263" y="4729708"/>
-            <a:ext cx="1521571" cy="338554"/>
+            <a:off x="3687709" y="4729708"/>
+            <a:ext cx="1686680" cy="338554"/>
           </a:xfrm>
           <a:prstGeom prst="rect">
             <a:avLst/>
@@ -35467,7 +35479,7 @@
           <a:p>
             <a:pPr algn="ctr"/>
             <a:r>
-              <a:rPr lang="en-US" altLang="zh-CN" sz="1600" dirty="0">
+              <a:rPr lang="en-US" altLang="zh-CN" sz="1600" b="1" dirty="0">
                 <a:solidFill>
                   <a:schemeClr val="tx2">
                     <a:lumMod val="50000"/>
@@ -35479,7 +35491,7 @@
               <a:t>2023</a:t>
             </a:r>
             <a:r>
-              <a:rPr lang="zh-CN" altLang="en-US" sz="1600" dirty="0">
+              <a:rPr lang="zh-CN" altLang="en-US" sz="1600" b="1" dirty="0">
                 <a:solidFill>
                   <a:schemeClr val="tx2">
                     <a:lumMod val="50000"/>
@@ -35491,7 +35503,7 @@
               <a:t>年</a:t>
             </a:r>
             <a:r>
-              <a:rPr lang="en-US" altLang="zh-CN" sz="1600" dirty="0">
+              <a:rPr lang="en-US" altLang="zh-CN" sz="1600" b="1" dirty="0">
                 <a:solidFill>
                   <a:schemeClr val="tx2">
                     <a:lumMod val="50000"/>
@@ -35503,7 +35515,7 @@
               <a:t>4</a:t>
             </a:r>
             <a:r>
-              <a:rPr lang="zh-CN" altLang="en-US" sz="1600" dirty="0">
+              <a:rPr lang="zh-CN" altLang="en-US" sz="1600" b="1" dirty="0">
                 <a:solidFill>
                   <a:schemeClr val="tx2">
                     <a:lumMod val="50000"/>
@@ -35515,7 +35527,7 @@
               <a:t>月</a:t>
             </a:r>
             <a:r>
-              <a:rPr lang="en-US" altLang="zh-CN" sz="1600" dirty="0">
+              <a:rPr lang="en-US" altLang="zh-CN" sz="1600" b="1" dirty="0">
                 <a:solidFill>
                   <a:schemeClr val="tx2">
                     <a:lumMod val="50000"/>
@@ -35524,10 +35536,10 @@
                 <a:latin typeface="微软雅黑" panose="020B0503020204020204" pitchFamily="34" charset="-122"/>
                 <a:ea typeface="微软雅黑" panose="020B0503020204020204" pitchFamily="34" charset="-122"/>
               </a:rPr>
-              <a:t>9</a:t>
-            </a:r>
-            <a:r>
-              <a:rPr lang="zh-CN" altLang="en-US" sz="1600" dirty="0">
+              <a:t>11</a:t>
+            </a:r>
+            <a:r>
+              <a:rPr lang="zh-CN" altLang="en-US" sz="1600" b="1" dirty="0">
                 <a:solidFill>
                   <a:schemeClr val="tx2">
                     <a:lumMod val="50000"/>
@@ -35571,7 +35583,7 @@
           <a:p>
             <a:pPr algn="ctr"/>
             <a:r>
-              <a:rPr lang="zh-CN" altLang="en-US" sz="1600" dirty="0">
+              <a:rPr lang="zh-CN" altLang="en-US" sz="1600" b="1" dirty="0">
                 <a:solidFill>
                   <a:schemeClr val="tx2">
                     <a:lumMod val="50000"/>
